--- a/annexes/slides-VR_Tourism.pptx
+++ b/annexes/slides-VR_Tourism.pptx
@@ -212,7 +212,7 @@
           <a:effectLst/>
           <a:extLst>
             <a:ext uri="{91240B29-F687-4f45-9708-019B960494DF}">
-              <a14:hiddenLine xmlns:a14="http://schemas.microsoft.com/office/drawing/2010/main" xmlns="" w="9525">
+              <a14:hiddenLine xmlns="" xmlns:a14="http://schemas.microsoft.com/office/drawing/2010/main" w="9525">
                 <a:solidFill>
                   <a:srgbClr val="000000"/>
                 </a:solidFill>
@@ -405,7 +405,7 @@
             <a:fld id="{08B9EBBA-996F-894A-B54A-D6246ED52CEA}" type="datetimeFigureOut">
               <a:rPr lang="en-US" dirty="0"/>
               <a:pPr/>
-              <a:t>3/6/2018</a:t>
+              <a:t>3/13/2018</a:t>
             </a:fld>
             <a:endParaRPr lang="en-US" dirty="0"/>
           </a:p>
@@ -720,7 +720,7 @@
             <a:fld id="{18C79C5D-2A6F-F04D-97DA-BEF2467B64E4}" type="datetimeFigureOut">
               <a:rPr lang="en-US" dirty="0"/>
               <a:pPr/>
-              <a:t>3/6/2018</a:t>
+              <a:t>3/13/2018</a:t>
             </a:fld>
             <a:endParaRPr lang="en-US" dirty="0"/>
           </a:p>
@@ -1205,7 +1205,7 @@
             <a:fld id="{8DFA1846-DA80-1C48-A609-854EA85C59AD}" type="datetimeFigureOut">
               <a:rPr lang="en-US" dirty="0"/>
               <a:pPr/>
-              <a:t>3/6/2018</a:t>
+              <a:t>3/13/2018</a:t>
             </a:fld>
             <a:endParaRPr lang="en-US" dirty="0"/>
           </a:p>
@@ -1571,7 +1571,7 @@
             <a:fld id="{FBF54567-0DE4-3F47-BF90-CB84690072F9}" type="datetimeFigureOut">
               <a:rPr lang="en-US" dirty="0"/>
               <a:pPr/>
-              <a:t>3/6/2018</a:t>
+              <a:t>3/13/2018</a:t>
             </a:fld>
             <a:endParaRPr lang="en-US" dirty="0"/>
           </a:p>
@@ -1722,7 +1722,7 @@
           <a:ln/>
           <a:extLst>
             <a:ext uri="{91240B29-F687-4f45-9708-019B960494DF}">
-              <a14:hiddenLine xmlns:a14="http://schemas.microsoft.com/office/drawing/2010/main" xmlns="" w="9525">
+              <a14:hiddenLine xmlns="" xmlns:a14="http://schemas.microsoft.com/office/drawing/2010/main" w="9525">
                 <a:solidFill>
                   <a:srgbClr val="000000"/>
                 </a:solidFill>
@@ -1841,7 +1841,7 @@
             <a:fld id="{C6C52C72-DE31-F449-A4ED-4C594FD91407}" type="datetimeFigureOut">
               <a:rPr lang="en-US" dirty="0"/>
               <a:pPr/>
-              <a:t>3/6/2018</a:t>
+              <a:t>3/13/2018</a:t>
             </a:fld>
             <a:endParaRPr lang="en-US" dirty="0"/>
           </a:p>
@@ -1994,7 +1994,7 @@
           <a:ln/>
           <a:extLst>
             <a:ext uri="{91240B29-F687-4f45-9708-019B960494DF}">
-              <a14:hiddenLine xmlns:a14="http://schemas.microsoft.com/office/drawing/2010/main" xmlns="" w="9525">
+              <a14:hiddenLine xmlns="" xmlns:a14="http://schemas.microsoft.com/office/drawing/2010/main" w="9525">
                 <a:solidFill>
                   <a:srgbClr val="000000"/>
                 </a:solidFill>
@@ -2123,7 +2123,7 @@
             <a:fld id="{ED62726E-379B-B349-9EED-81ED093FA806}" type="datetimeFigureOut">
               <a:rPr lang="en-US" dirty="0"/>
               <a:pPr/>
-              <a:t>3/6/2018</a:t>
+              <a:t>3/13/2018</a:t>
             </a:fld>
             <a:endParaRPr lang="en-US" dirty="0"/>
           </a:p>
@@ -2274,7 +2274,7 @@
           <a:ln/>
           <a:extLst>
             <a:ext uri="{91240B29-F687-4f45-9708-019B960494DF}">
-              <a14:hiddenLine xmlns:a14="http://schemas.microsoft.com/office/drawing/2010/main" xmlns="" w="9525">
+              <a14:hiddenLine xmlns="" xmlns:a14="http://schemas.microsoft.com/office/drawing/2010/main" w="9525">
                 <a:solidFill>
                   <a:srgbClr val="000000"/>
                 </a:solidFill>
@@ -2403,7 +2403,7 @@
             <a:fld id="{9B3A1323-8D79-1946-B0D7-40001CF92E9D}" type="datetimeFigureOut">
               <a:rPr lang="en-US" dirty="0"/>
               <a:pPr/>
-              <a:t>3/6/2018</a:t>
+              <a:t>3/13/2018</a:t>
             </a:fld>
             <a:endParaRPr lang="en-US" dirty="0"/>
           </a:p>
@@ -2743,7 +2743,7 @@
             <a:fld id="{8DFA1846-DA80-1C48-A609-854EA85C59AD}" type="datetimeFigureOut">
               <a:rPr lang="en-US" dirty="0"/>
               <a:pPr/>
-              <a:t>3/6/2018</a:t>
+              <a:t>3/13/2018</a:t>
             </a:fld>
             <a:endParaRPr lang="en-US" dirty="0"/>
           </a:p>
@@ -2894,7 +2894,7 @@
           <a:ln/>
           <a:extLst>
             <a:ext uri="{91240B29-F687-4f45-9708-019B960494DF}">
-              <a14:hiddenLine xmlns:a14="http://schemas.microsoft.com/office/drawing/2010/main" xmlns="" w="9525">
+              <a14:hiddenLine xmlns="" xmlns:a14="http://schemas.microsoft.com/office/drawing/2010/main" w="9525">
                 <a:solidFill>
                   <a:srgbClr val="000000"/>
                 </a:solidFill>
@@ -3079,7 +3079,7 @@
             <a:fld id="{57302355-E14B-8545-A8F8-0FE83CC9D524}" type="datetimeFigureOut">
               <a:rPr lang="en-US" dirty="0"/>
               <a:pPr/>
-              <a:t>3/6/2018</a:t>
+              <a:t>3/13/2018</a:t>
             </a:fld>
             <a:endParaRPr lang="en-US" dirty="0"/>
           </a:p>
@@ -3230,7 +3230,7 @@
           <a:ln/>
           <a:extLst>
             <a:ext uri="{91240B29-F687-4f45-9708-019B960494DF}">
-              <a14:hiddenLine xmlns:a14="http://schemas.microsoft.com/office/drawing/2010/main" xmlns="" w="9525">
+              <a14:hiddenLine xmlns="" xmlns:a14="http://schemas.microsoft.com/office/drawing/2010/main" w="9525">
                 <a:solidFill>
                   <a:srgbClr val="000000"/>
                 </a:solidFill>
@@ -3553,7 +3553,7 @@
             <a:fld id="{02640F58-564D-2B4F-AE67-E407BA4FCF45}" type="datetimeFigureOut">
               <a:rPr lang="en-US" dirty="0"/>
               <a:pPr/>
-              <a:t>3/6/2018</a:t>
+              <a:t>3/13/2018</a:t>
             </a:fld>
             <a:endParaRPr lang="en-US" dirty="0"/>
           </a:p>
@@ -3704,7 +3704,7 @@
           <a:ln/>
           <a:extLst>
             <a:ext uri="{91240B29-F687-4f45-9708-019B960494DF}">
-              <a14:hiddenLine xmlns:a14="http://schemas.microsoft.com/office/drawing/2010/main" xmlns="" w="9525">
+              <a14:hiddenLine xmlns="" xmlns:a14="http://schemas.microsoft.com/office/drawing/2010/main" w="9525">
                 <a:solidFill>
                   <a:srgbClr val="000000"/>
                 </a:solidFill>
@@ -3771,7 +3771,7 @@
             <a:fld id="{F13A34C8-038E-2045-AF43-DF7DBB8E0E9E}" type="datetimeFigureOut">
               <a:rPr lang="en-US" dirty="0"/>
               <a:pPr/>
-              <a:t>3/6/2018</a:t>
+              <a:t>3/13/2018</a:t>
             </a:fld>
             <a:endParaRPr lang="en-US" dirty="0"/>
           </a:p>
@@ -3863,7 +3863,7 @@
             <a:fld id="{8818C68F-D26B-8F47-958C-23B49CF8A634}" type="datetimeFigureOut">
               <a:rPr lang="en-US" dirty="0"/>
               <a:pPr/>
-              <a:t>3/6/2018</a:t>
+              <a:t>3/13/2018</a:t>
             </a:fld>
             <a:endParaRPr lang="en-US" dirty="0"/>
           </a:p>
@@ -4127,7 +4127,7 @@
           <a:ln/>
           <a:extLst>
             <a:ext uri="{91240B29-F687-4f45-9708-019B960494DF}">
-              <a14:hiddenLine xmlns:a14="http://schemas.microsoft.com/office/drawing/2010/main" xmlns="" w="9525">
+              <a14:hiddenLine xmlns="" xmlns:a14="http://schemas.microsoft.com/office/drawing/2010/main" w="9525">
                 <a:solidFill>
                   <a:srgbClr val="000000"/>
                 </a:solidFill>
@@ -4327,7 +4327,7 @@
             <a:fld id="{D0DF5E60-9974-AC48-9591-99C2BB44B7CF}" type="datetimeFigureOut">
               <a:rPr lang="en-US" dirty="0"/>
               <a:pPr/>
-              <a:t>3/6/2018</a:t>
+              <a:t>3/13/2018</a:t>
             </a:fld>
             <a:endParaRPr lang="en-US" dirty="0"/>
           </a:p>
@@ -4637,7 +4637,7 @@
             <a:fld id="{18C79C5D-2A6F-F04D-97DA-BEF2467B64E4}" type="datetimeFigureOut">
               <a:rPr lang="en-US" dirty="0"/>
               <a:pPr/>
-              <a:t>3/6/2018</a:t>
+              <a:t>3/13/2018</a:t>
             </a:fld>
             <a:endParaRPr lang="en-US" dirty="0"/>
           </a:p>
@@ -4904,7 +4904,7 @@
             <a:fld id="{09B482E8-6E0E-1B4F-B1FD-C69DB9E858D9}" type="datetimeFigureOut">
               <a:rPr lang="en-US" dirty="0"/>
               <a:pPr/>
-              <a:t>3/6/2018</a:t>
+              <a:t>3/13/2018</a:t>
             </a:fld>
             <a:endParaRPr lang="en-US" dirty="0"/>
           </a:p>
@@ -5935,8 +5935,21 @@
             <a:pPr lvl="1"/>
             <a:r>
               <a:rPr lang="fr-FR" dirty="0" smtClean="0"/>
-              <a:t>Mise en place / Programmation des transmetteurs IR (Infrarouge)</a:t>
-            </a:r>
+              <a:t>Mise en </a:t>
+            </a:r>
+            <a:r>
+              <a:rPr lang="fr-FR" dirty="0" smtClean="0"/>
+              <a:t>place de l’architecture via </a:t>
+            </a:r>
+            <a:r>
+              <a:rPr lang="fr-FR" dirty="0" smtClean="0"/>
+              <a:t>le </a:t>
+            </a:r>
+            <a:r>
+              <a:rPr lang="fr-FR" dirty="0" smtClean="0"/>
+              <a:t>NFC.</a:t>
+            </a:r>
+            <a:endParaRPr lang="fr-FR" dirty="0" smtClean="0"/>
           </a:p>
           <a:p>
             <a:r>
@@ -5960,15 +5973,11 @@
             <a:pPr lvl="1"/>
             <a:r>
               <a:rPr lang="fr-FR" dirty="0" smtClean="0"/>
-              <a:t>Programmation du Web </a:t>
+              <a:t>Programmation du Web Service et base de </a:t>
             </a:r>
             <a:r>
               <a:rPr lang="fr-FR" dirty="0" smtClean="0"/>
-              <a:t>Service et base </a:t>
-            </a:r>
-            <a:r>
-              <a:rPr lang="fr-FR" smtClean="0"/>
-              <a:t>de données</a:t>
+              <a:t>données.</a:t>
             </a:r>
             <a:endParaRPr lang="fr-FR" dirty="0" smtClean="0"/>
           </a:p>
@@ -5997,13 +6006,10 @@
               <a:t>Création de </a:t>
             </a:r>
             <a:r>
-              <a:rPr lang="fr-FR" dirty="0" err="1" smtClean="0"/>
-              <a:t>videos</a:t>
-            </a:r>
-            <a:r>
               <a:rPr lang="fr-FR" dirty="0" smtClean="0"/>
-              <a:t> VR</a:t>
-            </a:r>
+              <a:t>vidéos VR.</a:t>
+            </a:r>
+            <a:endParaRPr lang="fr-FR" dirty="0" smtClean="0"/>
           </a:p>
           <a:p>
             <a:r>
@@ -6019,7 +6025,19 @@
             <a:pPr lvl="1"/>
             <a:r>
               <a:rPr lang="fr-FR" dirty="0" smtClean="0"/>
-              <a:t>Programmation de l’application VR</a:t>
+              <a:t>Programmation de l’application </a:t>
+            </a:r>
+            <a:r>
+              <a:rPr lang="fr-FR" dirty="0" smtClean="0"/>
+              <a:t>A</a:t>
+            </a:r>
+            <a:r>
+              <a:rPr lang="fr-FR" dirty="0" smtClean="0"/>
+              <a:t>ndroid</a:t>
+            </a:r>
+            <a:r>
+              <a:rPr lang="fr-FR" dirty="0" smtClean="0"/>
+              <a:t>.</a:t>
             </a:r>
             <a:endParaRPr lang="fr-FR" dirty="0"/>
           </a:p>
@@ -6095,20 +6113,31 @@
           <a:p>
             <a:r>
               <a:rPr lang="fr-FR" dirty="0" smtClean="0"/>
-              <a:t>Transmetteurs IR (Infrarouge)</a:t>
-            </a:r>
+              <a:t>Tags NFC;</a:t>
+            </a:r>
+            <a:endParaRPr lang="fr-FR" dirty="0" smtClean="0"/>
           </a:p>
           <a:p>
             <a:r>
               <a:rPr lang="fr-FR" dirty="0" smtClean="0"/>
-              <a:t>Casque de réalité virtuelle adaptable aux smartphones</a:t>
-            </a:r>
-          </a:p>
-          <a:p>
+              <a:t>Casque de réalité virtuelle adaptable aux </a:t>
+            </a:r>
             <a:r>
               <a:rPr lang="fr-FR" dirty="0" smtClean="0"/>
-              <a:t>Smartphone compatible aux casques de réalité virtuelle</a:t>
-            </a:r>
+              <a:t>smartphones;</a:t>
+            </a:r>
+            <a:endParaRPr lang="fr-FR" dirty="0" smtClean="0"/>
+          </a:p>
+          <a:p>
+            <a:r>
+              <a:rPr lang="fr-FR" dirty="0" smtClean="0"/>
+              <a:t>Smartphone compatible aux casques de réalité </a:t>
+            </a:r>
+            <a:r>
+              <a:rPr lang="fr-FR" dirty="0" smtClean="0"/>
+              <a:t>virtuelle et muni de la technologie NFC.</a:t>
+            </a:r>
+            <a:endParaRPr lang="fr-FR" dirty="0" smtClean="0"/>
           </a:p>
         </p:txBody>
       </p:sp>

--- a/annexes/slides-VR_Tourism.pptx
+++ b/annexes/slides-VR_Tourism.pptx
@@ -11,6 +11,7 @@
     <p:sldId id="259" r:id="rId5"/>
     <p:sldId id="260" r:id="rId6"/>
     <p:sldId id="261" r:id="rId7"/>
+    <p:sldId id="262" r:id="rId8"/>
   </p:sldIdLst>
   <p:sldSz cx="12192000" cy="6858000"/>
   <p:notesSz cx="6858000" cy="9144000"/>
@@ -212,7 +213,7 @@
           <a:effectLst/>
           <a:extLst>
             <a:ext uri="{91240B29-F687-4f45-9708-019B960494DF}">
-              <a14:hiddenLine xmlns="" xmlns:a14="http://schemas.microsoft.com/office/drawing/2010/main" w="9525">
+              <a14:hiddenLine xmlns:a14="http://schemas.microsoft.com/office/drawing/2010/main" xmlns="" w="9525">
                 <a:solidFill>
                   <a:srgbClr val="000000"/>
                 </a:solidFill>
@@ -405,7 +406,7 @@
             <a:fld id="{08B9EBBA-996F-894A-B54A-D6246ED52CEA}" type="datetimeFigureOut">
               <a:rPr lang="en-US" dirty="0"/>
               <a:pPr/>
-              <a:t>3/13/2018</a:t>
+              <a:t>4/3/2018</a:t>
             </a:fld>
             <a:endParaRPr lang="en-US" dirty="0"/>
           </a:p>
@@ -720,7 +721,7 @@
             <a:fld id="{18C79C5D-2A6F-F04D-97DA-BEF2467B64E4}" type="datetimeFigureOut">
               <a:rPr lang="en-US" dirty="0"/>
               <a:pPr/>
-              <a:t>3/13/2018</a:t>
+              <a:t>4/3/2018</a:t>
             </a:fld>
             <a:endParaRPr lang="en-US" dirty="0"/>
           </a:p>
@@ -1205,7 +1206,7 @@
             <a:fld id="{8DFA1846-DA80-1C48-A609-854EA85C59AD}" type="datetimeFigureOut">
               <a:rPr lang="en-US" dirty="0"/>
               <a:pPr/>
-              <a:t>3/13/2018</a:t>
+              <a:t>4/3/2018</a:t>
             </a:fld>
             <a:endParaRPr lang="en-US" dirty="0"/>
           </a:p>
@@ -1571,7 +1572,7 @@
             <a:fld id="{FBF54567-0DE4-3F47-BF90-CB84690072F9}" type="datetimeFigureOut">
               <a:rPr lang="en-US" dirty="0"/>
               <a:pPr/>
-              <a:t>3/13/2018</a:t>
+              <a:t>4/3/2018</a:t>
             </a:fld>
             <a:endParaRPr lang="en-US" dirty="0"/>
           </a:p>
@@ -1722,7 +1723,7 @@
           <a:ln/>
           <a:extLst>
             <a:ext uri="{91240B29-F687-4f45-9708-019B960494DF}">
-              <a14:hiddenLine xmlns="" xmlns:a14="http://schemas.microsoft.com/office/drawing/2010/main" w="9525">
+              <a14:hiddenLine xmlns:a14="http://schemas.microsoft.com/office/drawing/2010/main" xmlns="" w="9525">
                 <a:solidFill>
                   <a:srgbClr val="000000"/>
                 </a:solidFill>
@@ -1841,7 +1842,7 @@
             <a:fld id="{C6C52C72-DE31-F449-A4ED-4C594FD91407}" type="datetimeFigureOut">
               <a:rPr lang="en-US" dirty="0"/>
               <a:pPr/>
-              <a:t>3/13/2018</a:t>
+              <a:t>4/3/2018</a:t>
             </a:fld>
             <a:endParaRPr lang="en-US" dirty="0"/>
           </a:p>
@@ -1994,7 +1995,7 @@
           <a:ln/>
           <a:extLst>
             <a:ext uri="{91240B29-F687-4f45-9708-019B960494DF}">
-              <a14:hiddenLine xmlns="" xmlns:a14="http://schemas.microsoft.com/office/drawing/2010/main" w="9525">
+              <a14:hiddenLine xmlns:a14="http://schemas.microsoft.com/office/drawing/2010/main" xmlns="" w="9525">
                 <a:solidFill>
                   <a:srgbClr val="000000"/>
                 </a:solidFill>
@@ -2123,7 +2124,7 @@
             <a:fld id="{ED62726E-379B-B349-9EED-81ED093FA806}" type="datetimeFigureOut">
               <a:rPr lang="en-US" dirty="0"/>
               <a:pPr/>
-              <a:t>3/13/2018</a:t>
+              <a:t>4/3/2018</a:t>
             </a:fld>
             <a:endParaRPr lang="en-US" dirty="0"/>
           </a:p>
@@ -2274,7 +2275,7 @@
           <a:ln/>
           <a:extLst>
             <a:ext uri="{91240B29-F687-4f45-9708-019B960494DF}">
-              <a14:hiddenLine xmlns="" xmlns:a14="http://schemas.microsoft.com/office/drawing/2010/main" w="9525">
+              <a14:hiddenLine xmlns:a14="http://schemas.microsoft.com/office/drawing/2010/main" xmlns="" w="9525">
                 <a:solidFill>
                   <a:srgbClr val="000000"/>
                 </a:solidFill>
@@ -2403,7 +2404,7 @@
             <a:fld id="{9B3A1323-8D79-1946-B0D7-40001CF92E9D}" type="datetimeFigureOut">
               <a:rPr lang="en-US" dirty="0"/>
               <a:pPr/>
-              <a:t>3/13/2018</a:t>
+              <a:t>4/3/2018</a:t>
             </a:fld>
             <a:endParaRPr lang="en-US" dirty="0"/>
           </a:p>
@@ -2743,7 +2744,7 @@
             <a:fld id="{8DFA1846-DA80-1C48-A609-854EA85C59AD}" type="datetimeFigureOut">
               <a:rPr lang="en-US" dirty="0"/>
               <a:pPr/>
-              <a:t>3/13/2018</a:t>
+              <a:t>4/3/2018</a:t>
             </a:fld>
             <a:endParaRPr lang="en-US" dirty="0"/>
           </a:p>
@@ -2894,7 +2895,7 @@
           <a:ln/>
           <a:extLst>
             <a:ext uri="{91240B29-F687-4f45-9708-019B960494DF}">
-              <a14:hiddenLine xmlns="" xmlns:a14="http://schemas.microsoft.com/office/drawing/2010/main" w="9525">
+              <a14:hiddenLine xmlns:a14="http://schemas.microsoft.com/office/drawing/2010/main" xmlns="" w="9525">
                 <a:solidFill>
                   <a:srgbClr val="000000"/>
                 </a:solidFill>
@@ -3079,7 +3080,7 @@
             <a:fld id="{57302355-E14B-8545-A8F8-0FE83CC9D524}" type="datetimeFigureOut">
               <a:rPr lang="en-US" dirty="0"/>
               <a:pPr/>
-              <a:t>3/13/2018</a:t>
+              <a:t>4/3/2018</a:t>
             </a:fld>
             <a:endParaRPr lang="en-US" dirty="0"/>
           </a:p>
@@ -3230,7 +3231,7 @@
           <a:ln/>
           <a:extLst>
             <a:ext uri="{91240B29-F687-4f45-9708-019B960494DF}">
-              <a14:hiddenLine xmlns="" xmlns:a14="http://schemas.microsoft.com/office/drawing/2010/main" w="9525">
+              <a14:hiddenLine xmlns:a14="http://schemas.microsoft.com/office/drawing/2010/main" xmlns="" w="9525">
                 <a:solidFill>
                   <a:srgbClr val="000000"/>
                 </a:solidFill>
@@ -3553,7 +3554,7 @@
             <a:fld id="{02640F58-564D-2B4F-AE67-E407BA4FCF45}" type="datetimeFigureOut">
               <a:rPr lang="en-US" dirty="0"/>
               <a:pPr/>
-              <a:t>3/13/2018</a:t>
+              <a:t>4/3/2018</a:t>
             </a:fld>
             <a:endParaRPr lang="en-US" dirty="0"/>
           </a:p>
@@ -3704,7 +3705,7 @@
           <a:ln/>
           <a:extLst>
             <a:ext uri="{91240B29-F687-4f45-9708-019B960494DF}">
-              <a14:hiddenLine xmlns="" xmlns:a14="http://schemas.microsoft.com/office/drawing/2010/main" w="9525">
+              <a14:hiddenLine xmlns:a14="http://schemas.microsoft.com/office/drawing/2010/main" xmlns="" w="9525">
                 <a:solidFill>
                   <a:srgbClr val="000000"/>
                 </a:solidFill>
@@ -3771,7 +3772,7 @@
             <a:fld id="{F13A34C8-038E-2045-AF43-DF7DBB8E0E9E}" type="datetimeFigureOut">
               <a:rPr lang="en-US" dirty="0"/>
               <a:pPr/>
-              <a:t>3/13/2018</a:t>
+              <a:t>4/3/2018</a:t>
             </a:fld>
             <a:endParaRPr lang="en-US" dirty="0"/>
           </a:p>
@@ -3863,7 +3864,7 @@
             <a:fld id="{8818C68F-D26B-8F47-958C-23B49CF8A634}" type="datetimeFigureOut">
               <a:rPr lang="en-US" dirty="0"/>
               <a:pPr/>
-              <a:t>3/13/2018</a:t>
+              <a:t>4/3/2018</a:t>
             </a:fld>
             <a:endParaRPr lang="en-US" dirty="0"/>
           </a:p>
@@ -4127,7 +4128,7 @@
           <a:ln/>
           <a:extLst>
             <a:ext uri="{91240B29-F687-4f45-9708-019B960494DF}">
-              <a14:hiddenLine xmlns="" xmlns:a14="http://schemas.microsoft.com/office/drawing/2010/main" w="9525">
+              <a14:hiddenLine xmlns:a14="http://schemas.microsoft.com/office/drawing/2010/main" xmlns="" w="9525">
                 <a:solidFill>
                   <a:srgbClr val="000000"/>
                 </a:solidFill>
@@ -4327,7 +4328,7 @@
             <a:fld id="{D0DF5E60-9974-AC48-9591-99C2BB44B7CF}" type="datetimeFigureOut">
               <a:rPr lang="en-US" dirty="0"/>
               <a:pPr/>
-              <a:t>3/13/2018</a:t>
+              <a:t>4/3/2018</a:t>
             </a:fld>
             <a:endParaRPr lang="en-US" dirty="0"/>
           </a:p>
@@ -4637,7 +4638,7 @@
             <a:fld id="{18C79C5D-2A6F-F04D-97DA-BEF2467B64E4}" type="datetimeFigureOut">
               <a:rPr lang="en-US" dirty="0"/>
               <a:pPr/>
-              <a:t>3/13/2018</a:t>
+              <a:t>4/3/2018</a:t>
             </a:fld>
             <a:endParaRPr lang="en-US" dirty="0"/>
           </a:p>
@@ -4904,7 +4905,7 @@
             <a:fld id="{09B482E8-6E0E-1B4F-B1FD-C69DB9E858D9}" type="datetimeFigureOut">
               <a:rPr lang="en-US" dirty="0"/>
               <a:pPr/>
-              <a:t>3/13/2018</a:t>
+              <a:t>4/3/2018</a:t>
             </a:fld>
             <a:endParaRPr lang="en-US" dirty="0"/>
           </a:p>
@@ -5710,20 +5711,90 @@
               <a:buNone/>
             </a:pPr>
             <a:r>
+              <a:rPr lang="fr-FR" dirty="0" smtClean="0"/>
+              <a:t>L’application </a:t>
+            </a:r>
+            <a:r>
+              <a:rPr lang="fr-FR" dirty="0" err="1" smtClean="0"/>
+              <a:t>VRTourism</a:t>
+            </a:r>
+            <a:r>
+              <a:rPr lang="fr-FR" dirty="0" smtClean="0"/>
+              <a:t> est destinée à :</a:t>
+            </a:r>
+          </a:p>
+          <a:p>
+            <a:pPr lvl="1"/>
+            <a:r>
+              <a:rPr lang="fr-FR" dirty="0" smtClean="0"/>
+              <a:t>Guider l’utilisateur dans </a:t>
+            </a:r>
+            <a:r>
               <a:rPr lang="fr-FR" dirty="0"/>
-              <a:t>Outil permettant aux touristes d’être guidés dans un lieux historique ou dans un </a:t>
-            </a:r>
-            <a:r>
-              <a:rPr lang="fr-FR" dirty="0" smtClean="0"/>
-              <a:t>monument, via des capteurs, leur smartphone, et un casque de réalité virtuelle, afin </a:t>
+              <a:t>un </a:t>
+            </a:r>
+            <a:r>
+              <a:rPr lang="fr-FR" dirty="0" smtClean="0"/>
+              <a:t>lieu touristique;</a:t>
+            </a:r>
+            <a:endParaRPr lang="fr-FR" dirty="0"/>
+          </a:p>
+          <a:p>
+            <a:pPr lvl="1"/>
+            <a:r>
+              <a:rPr lang="fr-FR" dirty="0" smtClean="0"/>
+              <a:t>Informer l’utilisateur </a:t>
+            </a:r>
+            <a:r>
+              <a:rPr lang="fr-FR" dirty="0" smtClean="0"/>
+              <a:t>sur les différents événements historiques d’un musée.</a:t>
+            </a:r>
+          </a:p>
+          <a:p>
+            <a:pPr marL="457200" lvl="1" indent="0">
+              <a:buNone/>
+            </a:pPr>
+            <a:endParaRPr lang="fr-FR" dirty="0" smtClean="0"/>
+          </a:p>
+          <a:p>
+            <a:pPr marL="0" indent="0">
+              <a:buNone/>
+            </a:pPr>
+            <a:r>
+              <a:rPr lang="fr-FR" dirty="0" smtClean="0"/>
+              <a:t>Via </a:t>
+            </a:r>
+            <a:r>
+              <a:rPr lang="fr-FR" dirty="0" smtClean="0"/>
+              <a:t>leur smartphone (compatible NFC) et </a:t>
+            </a:r>
+            <a:r>
+              <a:rPr lang="fr-FR" dirty="0" smtClean="0"/>
+              <a:t>un casque de réalité </a:t>
+            </a:r>
+            <a:r>
+              <a:rPr lang="fr-FR" dirty="0" smtClean="0"/>
+              <a:t>virtuelle, ils pourront bénéficier </a:t>
             </a:r>
             <a:r>
               <a:rPr lang="fr-FR" dirty="0"/>
-              <a:t>de bénéficier d’animations dynamiques pour connaitre l’histoire d’un tableau, d’une statue, </a:t>
-            </a:r>
-            <a:r>
-              <a:rPr lang="fr-FR" dirty="0" smtClean="0"/>
-              <a:t>ou d’un autre type d’endroit atypique.</a:t>
+              <a:t>d’animations dynamiques pour </a:t>
+            </a:r>
+            <a:r>
+              <a:rPr lang="fr-FR" dirty="0" smtClean="0"/>
+              <a:t>connaître </a:t>
+            </a:r>
+            <a:r>
+              <a:rPr lang="fr-FR" dirty="0"/>
+              <a:t>l’histoire d’un tableau, d’une statue, </a:t>
+            </a:r>
+            <a:r>
+              <a:rPr lang="fr-FR" dirty="0" smtClean="0"/>
+              <a:t>ou d’un </a:t>
+            </a:r>
+            <a:r>
+              <a:rPr lang="fr-FR" dirty="0" smtClean="0"/>
+              <a:t>autre élément touristique.</a:t>
             </a:r>
             <a:endParaRPr lang="fr-FR" dirty="0"/>
           </a:p>
@@ -5824,7 +5895,19 @@
           <a:p>
             <a:r>
               <a:rPr lang="fr-FR" dirty="0" smtClean="0"/>
-              <a:t>Apprendre aux touristes l’histoire de l’endroit ou de l’objet concerné</a:t>
+              <a:t>Informer les touristes sur </a:t>
+            </a:r>
+            <a:r>
+              <a:rPr lang="fr-FR" dirty="0" smtClean="0"/>
+              <a:t>l’histoire </a:t>
+            </a:r>
+            <a:r>
+              <a:rPr lang="fr-FR" dirty="0" smtClean="0"/>
+              <a:t>de </a:t>
+            </a:r>
+            <a:r>
+              <a:rPr lang="fr-FR" dirty="0" smtClean="0"/>
+              <a:t>l’endroit ou de l’objet concerné</a:t>
             </a:r>
           </a:p>
           <a:p>
@@ -5913,9 +5996,16 @@
             <p:ph idx="1"/>
           </p:nvPr>
         </p:nvSpPr>
-        <p:spPr/>
-        <p:txBody>
-          <a:bodyPr/>
+        <p:spPr>
+          <a:xfrm>
+            <a:off x="818712" y="2671173"/>
+            <a:ext cx="10554574" cy="3636511"/>
+          </a:xfrm>
+        </p:spPr>
+        <p:txBody>
+          <a:bodyPr>
+            <a:normAutofit fontScale="85000" lnSpcReduction="20000"/>
+          </a:bodyPr>
           <a:lstStyle/>
           <a:p>
             <a:r>
@@ -5928,26 +6018,26 @@
             </a:r>
             <a:r>
               <a:rPr lang="fr-FR" dirty="0" smtClean="0"/>
-              <a:t> Mohamed :</a:t>
+              <a:t> Mohamed </a:t>
+            </a:r>
+            <a:r>
+              <a:rPr lang="fr-FR" dirty="0" smtClean="0"/>
+              <a:t>:</a:t>
             </a:r>
           </a:p>
           <a:p>
             <a:pPr lvl="1"/>
             <a:r>
               <a:rPr lang="fr-FR" dirty="0" smtClean="0"/>
-              <a:t>Mise en </a:t>
-            </a:r>
-            <a:r>
-              <a:rPr lang="fr-FR" dirty="0" smtClean="0"/>
-              <a:t>place de l’architecture via </a:t>
-            </a:r>
-            <a:r>
-              <a:rPr lang="fr-FR" dirty="0" smtClean="0"/>
-              <a:t>le </a:t>
-            </a:r>
-            <a:r>
-              <a:rPr lang="fr-FR" dirty="0" smtClean="0"/>
-              <a:t>NFC.</a:t>
+              <a:t>Mise en place de la communication entre l’application </a:t>
+            </a:r>
+            <a:r>
+              <a:rPr lang="fr-FR" dirty="0"/>
+              <a:t>A</a:t>
+            </a:r>
+            <a:r>
+              <a:rPr lang="fr-FR" dirty="0" smtClean="0"/>
+              <a:t>ndroid et le serveur.</a:t>
             </a:r>
             <a:endParaRPr lang="fr-FR" dirty="0" smtClean="0"/>
           </a:p>
@@ -5973,11 +6063,18 @@
             <a:pPr lvl="1"/>
             <a:r>
               <a:rPr lang="fr-FR" dirty="0" smtClean="0"/>
-              <a:t>Programmation du Web Service et base de </a:t>
-            </a:r>
-            <a:r>
-              <a:rPr lang="fr-FR" dirty="0" smtClean="0"/>
-              <a:t>données.</a:t>
+              <a:t>Programmation du Web </a:t>
+            </a:r>
+            <a:r>
+              <a:rPr lang="fr-FR" dirty="0" smtClean="0"/>
+              <a:t>Service (serveur).</a:t>
+            </a:r>
+          </a:p>
+          <a:p>
+            <a:pPr lvl="1"/>
+            <a:r>
+              <a:rPr lang="fr-FR" dirty="0" smtClean="0"/>
+              <a:t>Mise en place d’un back-office (Mise à jour des vidéos dans la base de données).</a:t>
             </a:r>
             <a:endParaRPr lang="fr-FR" dirty="0" smtClean="0"/>
           </a:p>
@@ -6003,11 +6100,34 @@
             <a:pPr lvl="1"/>
             <a:r>
               <a:rPr lang="fr-FR" dirty="0" smtClean="0"/>
-              <a:t>Création de </a:t>
-            </a:r>
-            <a:r>
-              <a:rPr lang="fr-FR" dirty="0" smtClean="0"/>
-              <a:t>vidéos VR.</a:t>
+              <a:t>Création </a:t>
+            </a:r>
+            <a:r>
+              <a:rPr lang="fr-FR" dirty="0" smtClean="0"/>
+              <a:t>et implémentation de vidéos VR.</a:t>
+            </a:r>
+          </a:p>
+          <a:p>
+            <a:pPr lvl="1"/>
+            <a:r>
+              <a:rPr lang="fr-FR" dirty="0" smtClean="0"/>
+              <a:t>Insertion (</a:t>
+            </a:r>
+            <a:r>
+              <a:rPr lang="fr-FR" dirty="0" err="1" smtClean="0"/>
+              <a:t>upload</a:t>
+            </a:r>
+            <a:r>
+              <a:rPr lang="fr-FR" dirty="0" smtClean="0"/>
+              <a:t>) de vidéos VR sur la chaîne </a:t>
+            </a:r>
+            <a:r>
+              <a:rPr lang="fr-FR" dirty="0" err="1" smtClean="0"/>
+              <a:t>Youtube</a:t>
+            </a:r>
+            <a:r>
+              <a:rPr lang="fr-FR" dirty="0" smtClean="0"/>
+              <a:t>.</a:t>
             </a:r>
             <a:endParaRPr lang="fr-FR" dirty="0" smtClean="0"/>
           </a:p>
@@ -6018,26 +6138,36 @@
             </a:r>
             <a:r>
               <a:rPr lang="fr-FR" dirty="0" smtClean="0"/>
-              <a:t> Romain :</a:t>
+              <a:t> Romain </a:t>
+            </a:r>
+            <a:r>
+              <a:rPr lang="fr-FR" dirty="0" smtClean="0"/>
+              <a:t>:</a:t>
             </a:r>
           </a:p>
           <a:p>
             <a:pPr lvl="1"/>
             <a:r>
-              <a:rPr lang="fr-FR" dirty="0" smtClean="0"/>
-              <a:t>Programmation de l’application </a:t>
-            </a:r>
-            <a:r>
-              <a:rPr lang="fr-FR" dirty="0" smtClean="0"/>
-              <a:t>A</a:t>
-            </a:r>
-            <a:r>
-              <a:rPr lang="fr-FR" dirty="0" smtClean="0"/>
-              <a:t>ndroid</a:t>
-            </a:r>
-            <a:r>
-              <a:rPr lang="fr-FR" dirty="0" smtClean="0"/>
-              <a:t>.</a:t>
+              <a:rPr lang="fr-FR" dirty="0"/>
+              <a:t>Mise en place de l’architecture </a:t>
+            </a:r>
+            <a:r>
+              <a:rPr lang="fr-FR" dirty="0" smtClean="0"/>
+              <a:t>NFC.</a:t>
+            </a:r>
+          </a:p>
+          <a:p>
+            <a:pPr lvl="1"/>
+            <a:r>
+              <a:rPr lang="fr-FR" dirty="0" smtClean="0"/>
+              <a:t>Création interface Application.</a:t>
+            </a:r>
+          </a:p>
+          <a:p>
+            <a:pPr lvl="1"/>
+            <a:r>
+              <a:rPr lang="fr-FR" dirty="0" smtClean="0"/>
+              <a:t>Gestion du matériel.</a:t>
             </a:r>
             <a:endParaRPr lang="fr-FR" dirty="0"/>
           </a:p>
@@ -6106,37 +6236,166 @@
             <p:ph idx="1"/>
           </p:nvPr>
         </p:nvSpPr>
-        <p:spPr/>
-        <p:txBody>
-          <a:bodyPr/>
-          <a:lstStyle/>
-          <a:p>
-            <a:r>
-              <a:rPr lang="fr-FR" dirty="0" smtClean="0"/>
-              <a:t>Tags NFC;</a:t>
-            </a:r>
+        <p:spPr>
+          <a:xfrm>
+            <a:off x="810000" y="2579734"/>
+            <a:ext cx="10554574" cy="4203451"/>
+          </a:xfrm>
+        </p:spPr>
+        <p:txBody>
+          <a:bodyPr>
+            <a:normAutofit fontScale="92500" lnSpcReduction="20000"/>
+          </a:bodyPr>
+          <a:lstStyle/>
+          <a:p>
             <a:endParaRPr lang="fr-FR" dirty="0" smtClean="0"/>
           </a:p>
           <a:p>
             <a:r>
               <a:rPr lang="fr-FR" dirty="0" smtClean="0"/>
-              <a:t>Casque de réalité virtuelle adaptable aux </a:t>
-            </a:r>
-            <a:r>
-              <a:rPr lang="fr-FR" dirty="0" smtClean="0"/>
-              <a:t>smartphones;</a:t>
+              <a:t>Tags NFC</a:t>
+            </a:r>
+          </a:p>
+          <a:p>
+            <a:pPr lvl="1"/>
+            <a:r>
+              <a:rPr lang="fr-FR" dirty="0" smtClean="0"/>
+              <a:t>NFC sticker tags (NTAG2313)</a:t>
             </a:r>
             <a:endParaRPr lang="fr-FR" dirty="0" smtClean="0"/>
           </a:p>
           <a:p>
             <a:r>
               <a:rPr lang="fr-FR" dirty="0" smtClean="0"/>
-              <a:t>Smartphone compatible aux casques de réalité </a:t>
-            </a:r>
-            <a:r>
-              <a:rPr lang="fr-FR" dirty="0" smtClean="0"/>
-              <a:t>virtuelle et muni de la technologie NFC.</a:t>
-            </a:r>
+              <a:t>Casque de réalité </a:t>
+            </a:r>
+            <a:r>
+              <a:rPr lang="fr-FR" dirty="0" smtClean="0"/>
+              <a:t>virtuelle;</a:t>
+            </a:r>
+          </a:p>
+          <a:p>
+            <a:pPr lvl="1"/>
+            <a:r>
+              <a:rPr lang="fr-FR" dirty="0" smtClean="0"/>
+              <a:t>Casque </a:t>
+            </a:r>
+            <a:r>
+              <a:rPr lang="fr-FR" dirty="0" err="1" smtClean="0"/>
+              <a:t>iHarbort</a:t>
+            </a:r>
+            <a:r>
+              <a:rPr lang="fr-FR" dirty="0" smtClean="0"/>
+              <a:t> (Virtual reality glasses)</a:t>
+            </a:r>
+            <a:endParaRPr lang="fr-FR" dirty="0" smtClean="0"/>
+          </a:p>
+          <a:p>
+            <a:r>
+              <a:rPr lang="fr-FR" dirty="0" smtClean="0"/>
+              <a:t>Smartphone </a:t>
+            </a:r>
+            <a:r>
+              <a:rPr lang="fr-FR" dirty="0" smtClean="0"/>
+              <a:t>compatible casque VR et </a:t>
+            </a:r>
+            <a:r>
+              <a:rPr lang="fr-FR" dirty="0" smtClean="0"/>
+              <a:t>muni de la technologie NFC</a:t>
+            </a:r>
+            <a:r>
+              <a:rPr lang="fr-FR" dirty="0" smtClean="0"/>
+              <a:t>.</a:t>
+            </a:r>
+          </a:p>
+          <a:p>
+            <a:pPr lvl="1"/>
+            <a:r>
+              <a:rPr lang="fr-FR" dirty="0" smtClean="0"/>
+              <a:t>Samsung </a:t>
+            </a:r>
+            <a:r>
+              <a:rPr lang="fr-FR" dirty="0" err="1" smtClean="0"/>
+              <a:t>Galaxy</a:t>
+            </a:r>
+            <a:r>
+              <a:rPr lang="fr-FR" dirty="0" smtClean="0"/>
+              <a:t> S6</a:t>
+            </a:r>
+          </a:p>
+          <a:p>
+            <a:r>
+              <a:rPr lang="fr-FR" dirty="0" smtClean="0"/>
+              <a:t>Serveur </a:t>
+            </a:r>
+            <a:r>
+              <a:rPr lang="fr-FR" dirty="0" err="1" smtClean="0"/>
+              <a:t>debian</a:t>
+            </a:r>
+            <a:r>
+              <a:rPr lang="fr-FR" dirty="0" smtClean="0"/>
+              <a:t> </a:t>
+            </a:r>
+          </a:p>
+          <a:p>
+            <a:pPr lvl="1"/>
+            <a:r>
+              <a:rPr lang="fr-FR" dirty="0" err="1" smtClean="0"/>
+              <a:t>Lamp</a:t>
+            </a:r>
+            <a:r>
+              <a:rPr lang="fr-FR" dirty="0" smtClean="0"/>
+              <a:t> </a:t>
+            </a:r>
+            <a:r>
+              <a:rPr lang="fr-FR" dirty="0"/>
+              <a:t>(Linux, apache, MySQL, </a:t>
+            </a:r>
+            <a:r>
+              <a:rPr lang="fr-FR" dirty="0" err="1"/>
+              <a:t>php</a:t>
+            </a:r>
+            <a:r>
+              <a:rPr lang="fr-FR" dirty="0" smtClean="0"/>
+              <a:t>)</a:t>
+            </a:r>
+          </a:p>
+          <a:p>
+            <a:r>
+              <a:rPr lang="fr-FR" dirty="0" err="1" smtClean="0"/>
+              <a:t>Unity</a:t>
+            </a:r>
+            <a:endParaRPr lang="fr-FR" dirty="0" smtClean="0"/>
+          </a:p>
+          <a:p>
+            <a:r>
+              <a:rPr lang="fr-FR" dirty="0" smtClean="0"/>
+              <a:t>Android Studio (IDE) – langage Java</a:t>
+            </a:r>
+          </a:p>
+          <a:p>
+            <a:r>
+              <a:rPr lang="fr-FR" dirty="0" err="1" smtClean="0"/>
+              <a:t>PhpStorm</a:t>
+            </a:r>
+            <a:r>
+              <a:rPr lang="fr-FR" dirty="0" smtClean="0"/>
+              <a:t> (IDE) - langage PHP</a:t>
+            </a:r>
+          </a:p>
+          <a:p>
+            <a:pPr marL="0" indent="0">
+              <a:buNone/>
+            </a:pPr>
+            <a:endParaRPr lang="fr-FR" dirty="0" smtClean="0"/>
+          </a:p>
+          <a:p>
+            <a:pPr marL="457200" lvl="1" indent="0">
+              <a:buNone/>
+            </a:pPr>
+            <a:endParaRPr lang="fr-FR" dirty="0" smtClean="0"/>
+          </a:p>
+          <a:p>
             <a:endParaRPr lang="fr-FR" dirty="0" smtClean="0"/>
           </a:p>
         </p:txBody>
@@ -6145,6 +6404,161 @@
     <p:extLst>
       <p:ext uri="{BB962C8B-B14F-4D97-AF65-F5344CB8AC3E}">
         <p14:creationId xmlns:p14="http://schemas.microsoft.com/office/powerpoint/2010/main" val="2084653172"/>
+      </p:ext>
+    </p:extLst>
+  </p:cSld>
+  <p:clrMapOvr>
+    <a:masterClrMapping/>
+  </p:clrMapOvr>
+</p:sld>
+</file>
+
+<file path=ppt/slides/slide7.xml><?xml version="1.0" encoding="utf-8"?>
+<p:sld xmlns:a="http://schemas.openxmlformats.org/drawingml/2006/main" xmlns:r="http://schemas.openxmlformats.org/officeDocument/2006/relationships" xmlns:p="http://schemas.openxmlformats.org/presentationml/2006/main">
+  <p:cSld>
+    <p:spTree>
+      <p:nvGrpSpPr>
+        <p:cNvPr id="1" name=""/>
+        <p:cNvGrpSpPr/>
+        <p:nvPr/>
+      </p:nvGrpSpPr>
+      <p:grpSpPr>
+        <a:xfrm>
+          <a:off x="0" y="0"/>
+          <a:ext cx="0" cy="0"/>
+          <a:chOff x="0" y="0"/>
+          <a:chExt cx="0" cy="0"/>
+        </a:xfrm>
+      </p:grpSpPr>
+      <p:sp>
+        <p:nvSpPr>
+          <p:cNvPr id="2" name="Titre 1"/>
+          <p:cNvSpPr>
+            <a:spLocks noGrp="1"/>
+          </p:cNvSpPr>
+          <p:nvPr>
+            <p:ph type="title"/>
+          </p:nvPr>
+        </p:nvSpPr>
+        <p:spPr/>
+        <p:txBody>
+          <a:bodyPr/>
+          <a:lstStyle/>
+          <a:p>
+            <a:r>
+              <a:rPr lang="fr-FR" dirty="0" smtClean="0"/>
+              <a:t>Démo</a:t>
+            </a:r>
+            <a:endParaRPr lang="fr-FR" dirty="0"/>
+          </a:p>
+        </p:txBody>
+      </p:sp>
+      <p:sp>
+        <p:nvSpPr>
+          <p:cNvPr id="3" name="Espace réservé du contenu 2"/>
+          <p:cNvSpPr>
+            <a:spLocks noGrp="1"/>
+          </p:cNvSpPr>
+          <p:nvPr>
+            <p:ph idx="1"/>
+          </p:nvPr>
+        </p:nvSpPr>
+        <p:spPr/>
+        <p:txBody>
+          <a:bodyPr>
+            <a:normAutofit/>
+          </a:bodyPr>
+          <a:lstStyle/>
+          <a:p>
+            <a:pPr marL="0" indent="0">
+              <a:buNone/>
+            </a:pPr>
+            <a:r>
+              <a:rPr lang="fr-FR" sz="2400" dirty="0" smtClean="0"/>
+              <a:t>Comment ça marche ?</a:t>
+            </a:r>
+          </a:p>
+          <a:p>
+            <a:r>
+              <a:rPr lang="fr-FR" dirty="0"/>
+              <a:t>1 - Approcher un tag NFC</a:t>
+            </a:r>
+            <a:r>
+              <a:rPr lang="fr-FR" dirty="0" smtClean="0"/>
+              <a:t>.</a:t>
+            </a:r>
+            <a:endParaRPr lang="fr-FR" dirty="0"/>
+          </a:p>
+          <a:p>
+            <a:r>
+              <a:rPr lang="fr-FR" dirty="0"/>
+              <a:t>2 - L'application récupère la vidéo depuis le serveur</a:t>
+            </a:r>
+            <a:r>
+              <a:rPr lang="fr-FR" dirty="0" smtClean="0"/>
+              <a:t>.</a:t>
+            </a:r>
+            <a:endParaRPr lang="fr-FR" dirty="0"/>
+          </a:p>
+          <a:p>
+            <a:r>
+              <a:rPr lang="fr-FR" dirty="0"/>
+              <a:t>3 - L'application ouvre l'application </a:t>
+            </a:r>
+            <a:r>
+              <a:rPr lang="fr-FR" dirty="0" err="1" smtClean="0"/>
+              <a:t>Youtube</a:t>
+            </a:r>
+            <a:r>
+              <a:rPr lang="fr-FR" dirty="0" smtClean="0"/>
+              <a:t>.</a:t>
+            </a:r>
+            <a:endParaRPr lang="fr-FR" dirty="0"/>
+          </a:p>
+          <a:p>
+            <a:r>
+              <a:rPr lang="fr-FR" dirty="0"/>
+              <a:t>4 - Vous devez mettre en plein écran la vidéo </a:t>
+            </a:r>
+            <a:r>
+              <a:rPr lang="fr-FR" dirty="0" err="1"/>
+              <a:t>Youtube</a:t>
+            </a:r>
+            <a:r>
+              <a:rPr lang="fr-FR" dirty="0" smtClean="0"/>
+              <a:t>.</a:t>
+            </a:r>
+            <a:endParaRPr lang="fr-FR" dirty="0"/>
+          </a:p>
+          <a:p>
+            <a:r>
+              <a:rPr lang="fr-FR" dirty="0"/>
+              <a:t>5 - Vous devez ensuite cliquer sur le bouton VR en bas à droite de la vidéo</a:t>
+            </a:r>
+            <a:r>
+              <a:rPr lang="fr-FR" dirty="0" smtClean="0"/>
+              <a:t>.</a:t>
+            </a:r>
+          </a:p>
+          <a:p>
+            <a:endParaRPr lang="fr-FR" dirty="0"/>
+          </a:p>
+          <a:p>
+            <a:pPr marL="0" indent="0" algn="ctr">
+              <a:buNone/>
+            </a:pPr>
+            <a:r>
+              <a:rPr lang="fr-FR" sz="2400" dirty="0" smtClean="0"/>
+              <a:t>Lien démo</a:t>
+            </a:r>
+            <a:endParaRPr lang="fr-FR" dirty="0" smtClean="0"/>
+          </a:p>
+        </p:txBody>
+      </p:sp>
+    </p:spTree>
+    <p:extLst>
+      <p:ext uri="{BB962C8B-B14F-4D97-AF65-F5344CB8AC3E}">
+        <p14:creationId xmlns:p14="http://schemas.microsoft.com/office/powerpoint/2010/main" val="3420849559"/>
       </p:ext>
     </p:extLst>
   </p:cSld>

--- a/annexes/slides-VR_Tourism.pptx
+++ b/annexes/slides-VR_Tourism.pptx
@@ -11,7 +11,19 @@
     <p:sldId id="259" r:id="rId5"/>
     <p:sldId id="260" r:id="rId6"/>
     <p:sldId id="261" r:id="rId7"/>
-    <p:sldId id="262" r:id="rId8"/>
+    <p:sldId id="263" r:id="rId8"/>
+    <p:sldId id="264" r:id="rId9"/>
+    <p:sldId id="265" r:id="rId10"/>
+    <p:sldId id="266" r:id="rId11"/>
+    <p:sldId id="267" r:id="rId12"/>
+    <p:sldId id="268" r:id="rId13"/>
+    <p:sldId id="269" r:id="rId14"/>
+    <p:sldId id="270" r:id="rId15"/>
+    <p:sldId id="271" r:id="rId16"/>
+    <p:sldId id="272" r:id="rId17"/>
+    <p:sldId id="273" r:id="rId18"/>
+    <p:sldId id="274" r:id="rId19"/>
+    <p:sldId id="262" r:id="rId20"/>
   </p:sldIdLst>
   <p:sldSz cx="12192000" cy="6858000"/>
   <p:notesSz cx="6858000" cy="9144000"/>
@@ -213,7 +225,7 @@
           <a:effectLst/>
           <a:extLst>
             <a:ext uri="{91240B29-F687-4f45-9708-019B960494DF}">
-              <a14:hiddenLine xmlns:a14="http://schemas.microsoft.com/office/drawing/2010/main" xmlns="" w="9525">
+              <a14:hiddenLine xmlns="" xmlns:a14="http://schemas.microsoft.com/office/drawing/2010/main" w="9525">
                 <a:solidFill>
                   <a:srgbClr val="000000"/>
                 </a:solidFill>
@@ -406,7 +418,7 @@
             <a:fld id="{08B9EBBA-996F-894A-B54A-D6246ED52CEA}" type="datetimeFigureOut">
               <a:rPr lang="en-US" dirty="0"/>
               <a:pPr/>
-              <a:t>4/3/2018</a:t>
+              <a:t>4/10/2018</a:t>
             </a:fld>
             <a:endParaRPr lang="en-US" dirty="0"/>
           </a:p>
@@ -721,7 +733,7 @@
             <a:fld id="{18C79C5D-2A6F-F04D-97DA-BEF2467B64E4}" type="datetimeFigureOut">
               <a:rPr lang="en-US" dirty="0"/>
               <a:pPr/>
-              <a:t>4/3/2018</a:t>
+              <a:t>4/10/2018</a:t>
             </a:fld>
             <a:endParaRPr lang="en-US" dirty="0"/>
           </a:p>
@@ -1206,7 +1218,7 @@
             <a:fld id="{8DFA1846-DA80-1C48-A609-854EA85C59AD}" type="datetimeFigureOut">
               <a:rPr lang="en-US" dirty="0"/>
               <a:pPr/>
-              <a:t>4/3/2018</a:t>
+              <a:t>4/10/2018</a:t>
             </a:fld>
             <a:endParaRPr lang="en-US" dirty="0"/>
           </a:p>
@@ -1572,7 +1584,7 @@
             <a:fld id="{FBF54567-0DE4-3F47-BF90-CB84690072F9}" type="datetimeFigureOut">
               <a:rPr lang="en-US" dirty="0"/>
               <a:pPr/>
-              <a:t>4/3/2018</a:t>
+              <a:t>4/10/2018</a:t>
             </a:fld>
             <a:endParaRPr lang="en-US" dirty="0"/>
           </a:p>
@@ -1723,7 +1735,7 @@
           <a:ln/>
           <a:extLst>
             <a:ext uri="{91240B29-F687-4f45-9708-019B960494DF}">
-              <a14:hiddenLine xmlns:a14="http://schemas.microsoft.com/office/drawing/2010/main" xmlns="" w="9525">
+              <a14:hiddenLine xmlns="" xmlns:a14="http://schemas.microsoft.com/office/drawing/2010/main" w="9525">
                 <a:solidFill>
                   <a:srgbClr val="000000"/>
                 </a:solidFill>
@@ -1842,7 +1854,7 @@
             <a:fld id="{C6C52C72-DE31-F449-A4ED-4C594FD91407}" type="datetimeFigureOut">
               <a:rPr lang="en-US" dirty="0"/>
               <a:pPr/>
-              <a:t>4/3/2018</a:t>
+              <a:t>4/10/2018</a:t>
             </a:fld>
             <a:endParaRPr lang="en-US" dirty="0"/>
           </a:p>
@@ -1995,7 +2007,7 @@
           <a:ln/>
           <a:extLst>
             <a:ext uri="{91240B29-F687-4f45-9708-019B960494DF}">
-              <a14:hiddenLine xmlns:a14="http://schemas.microsoft.com/office/drawing/2010/main" xmlns="" w="9525">
+              <a14:hiddenLine xmlns="" xmlns:a14="http://schemas.microsoft.com/office/drawing/2010/main" w="9525">
                 <a:solidFill>
                   <a:srgbClr val="000000"/>
                 </a:solidFill>
@@ -2124,7 +2136,7 @@
             <a:fld id="{ED62726E-379B-B349-9EED-81ED093FA806}" type="datetimeFigureOut">
               <a:rPr lang="en-US" dirty="0"/>
               <a:pPr/>
-              <a:t>4/3/2018</a:t>
+              <a:t>4/10/2018</a:t>
             </a:fld>
             <a:endParaRPr lang="en-US" dirty="0"/>
           </a:p>
@@ -2275,7 +2287,7 @@
           <a:ln/>
           <a:extLst>
             <a:ext uri="{91240B29-F687-4f45-9708-019B960494DF}">
-              <a14:hiddenLine xmlns:a14="http://schemas.microsoft.com/office/drawing/2010/main" xmlns="" w="9525">
+              <a14:hiddenLine xmlns="" xmlns:a14="http://schemas.microsoft.com/office/drawing/2010/main" w="9525">
                 <a:solidFill>
                   <a:srgbClr val="000000"/>
                 </a:solidFill>
@@ -2404,7 +2416,7 @@
             <a:fld id="{9B3A1323-8D79-1946-B0D7-40001CF92E9D}" type="datetimeFigureOut">
               <a:rPr lang="en-US" dirty="0"/>
               <a:pPr/>
-              <a:t>4/3/2018</a:t>
+              <a:t>4/10/2018</a:t>
             </a:fld>
             <a:endParaRPr lang="en-US" dirty="0"/>
           </a:p>
@@ -2744,7 +2756,7 @@
             <a:fld id="{8DFA1846-DA80-1C48-A609-854EA85C59AD}" type="datetimeFigureOut">
               <a:rPr lang="en-US" dirty="0"/>
               <a:pPr/>
-              <a:t>4/3/2018</a:t>
+              <a:t>4/10/2018</a:t>
             </a:fld>
             <a:endParaRPr lang="en-US" dirty="0"/>
           </a:p>
@@ -2895,7 +2907,7 @@
           <a:ln/>
           <a:extLst>
             <a:ext uri="{91240B29-F687-4f45-9708-019B960494DF}">
-              <a14:hiddenLine xmlns:a14="http://schemas.microsoft.com/office/drawing/2010/main" xmlns="" w="9525">
+              <a14:hiddenLine xmlns="" xmlns:a14="http://schemas.microsoft.com/office/drawing/2010/main" w="9525">
                 <a:solidFill>
                   <a:srgbClr val="000000"/>
                 </a:solidFill>
@@ -3080,7 +3092,7 @@
             <a:fld id="{57302355-E14B-8545-A8F8-0FE83CC9D524}" type="datetimeFigureOut">
               <a:rPr lang="en-US" dirty="0"/>
               <a:pPr/>
-              <a:t>4/3/2018</a:t>
+              <a:t>4/10/2018</a:t>
             </a:fld>
             <a:endParaRPr lang="en-US" dirty="0"/>
           </a:p>
@@ -3231,7 +3243,7 @@
           <a:ln/>
           <a:extLst>
             <a:ext uri="{91240B29-F687-4f45-9708-019B960494DF}">
-              <a14:hiddenLine xmlns:a14="http://schemas.microsoft.com/office/drawing/2010/main" xmlns="" w="9525">
+              <a14:hiddenLine xmlns="" xmlns:a14="http://schemas.microsoft.com/office/drawing/2010/main" w="9525">
                 <a:solidFill>
                   <a:srgbClr val="000000"/>
                 </a:solidFill>
@@ -3554,7 +3566,7 @@
             <a:fld id="{02640F58-564D-2B4F-AE67-E407BA4FCF45}" type="datetimeFigureOut">
               <a:rPr lang="en-US" dirty="0"/>
               <a:pPr/>
-              <a:t>4/3/2018</a:t>
+              <a:t>4/10/2018</a:t>
             </a:fld>
             <a:endParaRPr lang="en-US" dirty="0"/>
           </a:p>
@@ -3705,7 +3717,7 @@
           <a:ln/>
           <a:extLst>
             <a:ext uri="{91240B29-F687-4f45-9708-019B960494DF}">
-              <a14:hiddenLine xmlns:a14="http://schemas.microsoft.com/office/drawing/2010/main" xmlns="" w="9525">
+              <a14:hiddenLine xmlns="" xmlns:a14="http://schemas.microsoft.com/office/drawing/2010/main" w="9525">
                 <a:solidFill>
                   <a:srgbClr val="000000"/>
                 </a:solidFill>
@@ -3772,7 +3784,7 @@
             <a:fld id="{F13A34C8-038E-2045-AF43-DF7DBB8E0E9E}" type="datetimeFigureOut">
               <a:rPr lang="en-US" dirty="0"/>
               <a:pPr/>
-              <a:t>4/3/2018</a:t>
+              <a:t>4/10/2018</a:t>
             </a:fld>
             <a:endParaRPr lang="en-US" dirty="0"/>
           </a:p>
@@ -3864,7 +3876,7 @@
             <a:fld id="{8818C68F-D26B-8F47-958C-23B49CF8A634}" type="datetimeFigureOut">
               <a:rPr lang="en-US" dirty="0"/>
               <a:pPr/>
-              <a:t>4/3/2018</a:t>
+              <a:t>4/10/2018</a:t>
             </a:fld>
             <a:endParaRPr lang="en-US" dirty="0"/>
           </a:p>
@@ -4128,7 +4140,7 @@
           <a:ln/>
           <a:extLst>
             <a:ext uri="{91240B29-F687-4f45-9708-019B960494DF}">
-              <a14:hiddenLine xmlns:a14="http://schemas.microsoft.com/office/drawing/2010/main" xmlns="" w="9525">
+              <a14:hiddenLine xmlns="" xmlns:a14="http://schemas.microsoft.com/office/drawing/2010/main" w="9525">
                 <a:solidFill>
                   <a:srgbClr val="000000"/>
                 </a:solidFill>
@@ -4328,7 +4340,7 @@
             <a:fld id="{D0DF5E60-9974-AC48-9591-99C2BB44B7CF}" type="datetimeFigureOut">
               <a:rPr lang="en-US" dirty="0"/>
               <a:pPr/>
-              <a:t>4/3/2018</a:t>
+              <a:t>4/10/2018</a:t>
             </a:fld>
             <a:endParaRPr lang="en-US" dirty="0"/>
           </a:p>
@@ -4638,7 +4650,7 @@
             <a:fld id="{18C79C5D-2A6F-F04D-97DA-BEF2467B64E4}" type="datetimeFigureOut">
               <a:rPr lang="en-US" dirty="0"/>
               <a:pPr/>
-              <a:t>4/3/2018</a:t>
+              <a:t>4/10/2018</a:t>
             </a:fld>
             <a:endParaRPr lang="en-US" dirty="0"/>
           </a:p>
@@ -4905,7 +4917,7 @@
             <a:fld id="{09B482E8-6E0E-1B4F-B1FD-C69DB9E858D9}" type="datetimeFigureOut">
               <a:rPr lang="en-US" dirty="0"/>
               <a:pPr/>
-              <a:t>4/3/2018</a:t>
+              <a:t>4/10/2018</a:t>
             </a:fld>
             <a:endParaRPr lang="en-US" dirty="0"/>
           </a:p>
@@ -5544,6 +5556,1961 @@
 </p:sld>
 </file>
 
+<file path=ppt/slides/slide10.xml><?xml version="1.0" encoding="utf-8"?>
+<p:sld xmlns:a="http://schemas.openxmlformats.org/drawingml/2006/main" xmlns:r="http://schemas.openxmlformats.org/officeDocument/2006/relationships" xmlns:p="http://schemas.openxmlformats.org/presentationml/2006/main">
+  <p:cSld>
+    <p:spTree>
+      <p:nvGrpSpPr>
+        <p:cNvPr id="1" name=""/>
+        <p:cNvGrpSpPr/>
+        <p:nvPr/>
+      </p:nvGrpSpPr>
+      <p:grpSpPr>
+        <a:xfrm>
+          <a:off x="0" y="0"/>
+          <a:ext cx="0" cy="0"/>
+          <a:chOff x="0" y="0"/>
+          <a:chExt cx="0" cy="0"/>
+        </a:xfrm>
+      </p:grpSpPr>
+      <p:sp>
+        <p:nvSpPr>
+          <p:cNvPr id="2" name="Titre 1"/>
+          <p:cNvSpPr>
+            <a:spLocks noGrp="1"/>
+          </p:cNvSpPr>
+          <p:nvPr>
+            <p:ph type="title"/>
+          </p:nvPr>
+        </p:nvSpPr>
+        <p:spPr>
+          <a:xfrm>
+            <a:off x="810000" y="559922"/>
+            <a:ext cx="10571998" cy="970450"/>
+          </a:xfrm>
+        </p:spPr>
+        <p:txBody>
+          <a:bodyPr/>
+          <a:lstStyle/>
+          <a:p>
+            <a:pPr algn="ctr"/>
+            <a:r>
+              <a:rPr lang="fr-FR" sz="2800" dirty="0">
+                <a:solidFill>
+                  <a:schemeClr val="tx1"/>
+                </a:solidFill>
+              </a:rPr>
+              <a:t>Mohamed : </a:t>
+            </a:r>
+            <a:r>
+              <a:rPr lang="fr-FR" sz="3000" dirty="0" smtClean="0">
+                <a:solidFill>
+                  <a:schemeClr val="tx1"/>
+                </a:solidFill>
+              </a:rPr>
+              <a:t>Mise </a:t>
+            </a:r>
+            <a:r>
+              <a:rPr lang="fr-FR" sz="3000" dirty="0">
+                <a:solidFill>
+                  <a:schemeClr val="tx1"/>
+                </a:solidFill>
+              </a:rPr>
+              <a:t>en place de la communication entre l’application Android et le serveur</a:t>
+            </a:r>
+            <a:r>
+              <a:rPr lang="fr-FR" sz="3000" dirty="0" smtClean="0">
+                <a:solidFill>
+                  <a:schemeClr val="tx1"/>
+                </a:solidFill>
+              </a:rPr>
+              <a:t>. </a:t>
+            </a:r>
+            <a:r>
+              <a:rPr lang="fr-FR" sz="3000" dirty="0" smtClean="0">
+                <a:solidFill>
+                  <a:schemeClr val="tx1"/>
+                </a:solidFill>
+              </a:rPr>
+              <a:t>(2/3)</a:t>
+            </a:r>
+            <a:endParaRPr lang="fr-FR" sz="3000" dirty="0"/>
+          </a:p>
+        </p:txBody>
+      </p:sp>
+      <p:pic>
+        <p:nvPicPr>
+          <p:cNvPr id="4" name="Espace réservé du contenu 5"/>
+          <p:cNvPicPr>
+            <a:picLocks noGrp="1" noChangeAspect="1"/>
+          </p:cNvPicPr>
+          <p:nvPr>
+            <p:ph idx="1"/>
+          </p:nvPr>
+        </p:nvPicPr>
+        <p:blipFill>
+          <a:blip r:embed="rId2">
+            <a:extLst>
+              <a:ext uri="{28A0092B-C50C-407E-A947-70E740481C1C}">
+                <a14:useLocalDpi xmlns:a14="http://schemas.microsoft.com/office/drawing/2010/main" val="0"/>
+              </a:ext>
+            </a:extLst>
+          </a:blip>
+          <a:stretch>
+            <a:fillRect/>
+          </a:stretch>
+        </p:blipFill>
+        <p:spPr>
+          <a:xfrm>
+            <a:off x="1044887" y="2986272"/>
+            <a:ext cx="1660732" cy="2657171"/>
+          </a:xfrm>
+        </p:spPr>
+      </p:pic>
+      <p:sp>
+        <p:nvSpPr>
+          <p:cNvPr id="5" name="Flèche courbée vers la gauche 4"/>
+          <p:cNvSpPr/>
+          <p:nvPr/>
+        </p:nvSpPr>
+        <p:spPr>
+          <a:xfrm>
+            <a:off x="2968667" y="3033650"/>
+            <a:ext cx="638827" cy="800840"/>
+          </a:xfrm>
+          <a:prstGeom prst="curvedLeftArrow">
+            <a:avLst/>
+          </a:prstGeom>
+        </p:spPr>
+        <p:style>
+          <a:lnRef idx="2">
+            <a:schemeClr val="accent1">
+              <a:shade val="50000"/>
+            </a:schemeClr>
+          </a:lnRef>
+          <a:fillRef idx="1">
+            <a:schemeClr val="accent1"/>
+          </a:fillRef>
+          <a:effectRef idx="0">
+            <a:schemeClr val="accent1"/>
+          </a:effectRef>
+          <a:fontRef idx="minor">
+            <a:schemeClr val="lt1"/>
+          </a:fontRef>
+        </p:style>
+        <p:txBody>
+          <a:bodyPr rtlCol="0" anchor="ctr"/>
+          <a:lstStyle/>
+          <a:p>
+            <a:pPr algn="ctr"/>
+            <a:endParaRPr lang="fr-FR">
+              <a:solidFill>
+                <a:schemeClr val="tx1"/>
+              </a:solidFill>
+            </a:endParaRPr>
+          </a:p>
+        </p:txBody>
+      </p:sp>
+      <p:sp>
+        <p:nvSpPr>
+          <p:cNvPr id="6" name="ZoneTexte 5"/>
+          <p:cNvSpPr txBox="1"/>
+          <p:nvPr/>
+        </p:nvSpPr>
+        <p:spPr>
+          <a:xfrm>
+            <a:off x="3870542" y="3138369"/>
+            <a:ext cx="4703532" cy="369332"/>
+          </a:xfrm>
+          <a:prstGeom prst="rect">
+            <a:avLst/>
+          </a:prstGeom>
+          <a:noFill/>
+        </p:spPr>
+        <p:txBody>
+          <a:bodyPr wrap="none" rtlCol="0">
+            <a:spAutoFit/>
+          </a:bodyPr>
+          <a:lstStyle/>
+          <a:p>
+            <a:r>
+              <a:rPr lang="fr-FR" dirty="0" smtClean="0"/>
+              <a:t>Vérification de la réponse par le serveur.</a:t>
+            </a:r>
+            <a:endParaRPr lang="fr-FR" dirty="0"/>
+          </a:p>
+        </p:txBody>
+      </p:sp>
+      <p:sp>
+        <p:nvSpPr>
+          <p:cNvPr id="7" name="Flèche courbée vers la gauche 6"/>
+          <p:cNvSpPr/>
+          <p:nvPr/>
+        </p:nvSpPr>
+        <p:spPr>
+          <a:xfrm>
+            <a:off x="2968666" y="4842603"/>
+            <a:ext cx="638827" cy="800840"/>
+          </a:xfrm>
+          <a:prstGeom prst="curvedLeftArrow">
+            <a:avLst/>
+          </a:prstGeom>
+        </p:spPr>
+        <p:style>
+          <a:lnRef idx="2">
+            <a:schemeClr val="accent1">
+              <a:shade val="50000"/>
+            </a:schemeClr>
+          </a:lnRef>
+          <a:fillRef idx="1">
+            <a:schemeClr val="accent1"/>
+          </a:fillRef>
+          <a:effectRef idx="0">
+            <a:schemeClr val="accent1"/>
+          </a:effectRef>
+          <a:fontRef idx="minor">
+            <a:schemeClr val="lt1"/>
+          </a:fontRef>
+        </p:style>
+        <p:txBody>
+          <a:bodyPr rtlCol="0" anchor="ctr"/>
+          <a:lstStyle/>
+          <a:p>
+            <a:pPr algn="ctr"/>
+            <a:endParaRPr lang="fr-FR">
+              <a:solidFill>
+                <a:schemeClr val="tx1"/>
+              </a:solidFill>
+            </a:endParaRPr>
+          </a:p>
+        </p:txBody>
+      </p:sp>
+      <p:sp>
+        <p:nvSpPr>
+          <p:cNvPr id="8" name="ZoneTexte 7"/>
+          <p:cNvSpPr txBox="1"/>
+          <p:nvPr/>
+        </p:nvSpPr>
+        <p:spPr>
+          <a:xfrm>
+            <a:off x="3870540" y="5058357"/>
+            <a:ext cx="7045518" cy="369332"/>
+          </a:xfrm>
+          <a:prstGeom prst="rect">
+            <a:avLst/>
+          </a:prstGeom>
+          <a:noFill/>
+        </p:spPr>
+        <p:txBody>
+          <a:bodyPr wrap="none" rtlCol="0">
+            <a:spAutoFit/>
+          </a:bodyPr>
+          <a:lstStyle/>
+          <a:p>
+            <a:r>
+              <a:rPr lang="fr-FR" dirty="0" smtClean="0"/>
+              <a:t>L’application lance l’application </a:t>
+            </a:r>
+            <a:r>
+              <a:rPr lang="fr-FR" dirty="0" err="1" smtClean="0"/>
+              <a:t>Youtube</a:t>
+            </a:r>
+            <a:r>
+              <a:rPr lang="fr-FR" dirty="0" smtClean="0"/>
+              <a:t> et affiche la vidéo.</a:t>
+            </a:r>
+            <a:endParaRPr lang="fr-FR" dirty="0"/>
+          </a:p>
+        </p:txBody>
+      </p:sp>
+      <p:sp>
+        <p:nvSpPr>
+          <p:cNvPr id="9" name="ZoneTexte 8"/>
+          <p:cNvSpPr txBox="1"/>
+          <p:nvPr/>
+        </p:nvSpPr>
+        <p:spPr>
+          <a:xfrm>
+            <a:off x="3870542" y="4130191"/>
+            <a:ext cx="721672" cy="369332"/>
+          </a:xfrm>
+          <a:prstGeom prst="rect">
+            <a:avLst/>
+          </a:prstGeom>
+          <a:noFill/>
+        </p:spPr>
+        <p:txBody>
+          <a:bodyPr wrap="none" rtlCol="0">
+            <a:spAutoFit/>
+          </a:bodyPr>
+          <a:lstStyle/>
+          <a:p>
+            <a:r>
+              <a:rPr lang="fr-FR" dirty="0" smtClean="0"/>
+              <a:t>OK ?</a:t>
+            </a:r>
+            <a:endParaRPr lang="fr-FR" dirty="0"/>
+          </a:p>
+        </p:txBody>
+      </p:sp>
+    </p:spTree>
+    <p:extLst>
+      <p:ext uri="{BB962C8B-B14F-4D97-AF65-F5344CB8AC3E}">
+        <p14:creationId xmlns:p14="http://schemas.microsoft.com/office/powerpoint/2010/main" val="553128704"/>
+      </p:ext>
+    </p:extLst>
+  </p:cSld>
+  <p:clrMapOvr>
+    <a:masterClrMapping/>
+  </p:clrMapOvr>
+</p:sld>
+</file>
+
+<file path=ppt/slides/slide11.xml><?xml version="1.0" encoding="utf-8"?>
+<p:sld xmlns:a="http://schemas.openxmlformats.org/drawingml/2006/main" xmlns:r="http://schemas.openxmlformats.org/officeDocument/2006/relationships" xmlns:p="http://schemas.openxmlformats.org/presentationml/2006/main">
+  <p:cSld>
+    <p:spTree>
+      <p:nvGrpSpPr>
+        <p:cNvPr id="1" name=""/>
+        <p:cNvGrpSpPr/>
+        <p:nvPr/>
+      </p:nvGrpSpPr>
+      <p:grpSpPr>
+        <a:xfrm>
+          <a:off x="0" y="0"/>
+          <a:ext cx="0" cy="0"/>
+          <a:chOff x="0" y="0"/>
+          <a:chExt cx="0" cy="0"/>
+        </a:xfrm>
+      </p:grpSpPr>
+      <p:sp>
+        <p:nvSpPr>
+          <p:cNvPr id="2" name="Titre 1"/>
+          <p:cNvSpPr>
+            <a:spLocks noGrp="1"/>
+          </p:cNvSpPr>
+          <p:nvPr>
+            <p:ph type="title"/>
+          </p:nvPr>
+        </p:nvSpPr>
+        <p:spPr>
+          <a:xfrm>
+            <a:off x="784948" y="551144"/>
+            <a:ext cx="10571998" cy="766285"/>
+          </a:xfrm>
+        </p:spPr>
+        <p:txBody>
+          <a:bodyPr/>
+          <a:lstStyle/>
+          <a:p>
+            <a:pPr algn="ctr"/>
+            <a:r>
+              <a:rPr lang="fr-FR" sz="3000" dirty="0" smtClean="0"/>
+              <a:t>Mohamed : Diagramme </a:t>
+            </a:r>
+            <a:r>
+              <a:rPr lang="fr-FR" sz="3000" dirty="0" smtClean="0"/>
+              <a:t>de classe </a:t>
+            </a:r>
+            <a:r>
+              <a:rPr lang="fr-FR" sz="3000" dirty="0" smtClean="0"/>
+              <a:t/>
+            </a:r>
+            <a:br>
+              <a:rPr lang="fr-FR" sz="3000" dirty="0" smtClean="0"/>
+            </a:br>
+            <a:r>
+              <a:rPr lang="fr-FR" sz="3000" dirty="0" smtClean="0"/>
+              <a:t>Communication (3/3)</a:t>
+            </a:r>
+            <a:endParaRPr lang="fr-FR" sz="3000" dirty="0"/>
+          </a:p>
+        </p:txBody>
+      </p:sp>
+      <p:pic>
+        <p:nvPicPr>
+          <p:cNvPr id="4" name="Image 3"/>
+          <p:cNvPicPr>
+            <a:picLocks noChangeAspect="1"/>
+          </p:cNvPicPr>
+          <p:nvPr/>
+        </p:nvPicPr>
+        <p:blipFill>
+          <a:blip r:embed="rId2">
+            <a:extLst>
+              <a:ext uri="{28A0092B-C50C-407E-A947-70E740481C1C}">
+                <a14:useLocalDpi xmlns:a14="http://schemas.microsoft.com/office/drawing/2010/main" val="0"/>
+              </a:ext>
+            </a:extLst>
+          </a:blip>
+          <a:stretch>
+            <a:fillRect/>
+          </a:stretch>
+        </p:blipFill>
+        <p:spPr>
+          <a:xfrm>
+            <a:off x="1444737" y="2314613"/>
+            <a:ext cx="9252420" cy="4286603"/>
+          </a:xfrm>
+          <a:prstGeom prst="rect">
+            <a:avLst/>
+          </a:prstGeom>
+        </p:spPr>
+      </p:pic>
+    </p:spTree>
+    <p:extLst>
+      <p:ext uri="{BB962C8B-B14F-4D97-AF65-F5344CB8AC3E}">
+        <p14:creationId xmlns:p14="http://schemas.microsoft.com/office/powerpoint/2010/main" val="3731210647"/>
+      </p:ext>
+    </p:extLst>
+  </p:cSld>
+  <p:clrMapOvr>
+    <a:masterClrMapping/>
+  </p:clrMapOvr>
+</p:sld>
+</file>
+
+<file path=ppt/slides/slide12.xml><?xml version="1.0" encoding="utf-8"?>
+<p:sld xmlns:a="http://schemas.openxmlformats.org/drawingml/2006/main" xmlns:r="http://schemas.openxmlformats.org/officeDocument/2006/relationships" xmlns:p="http://schemas.openxmlformats.org/presentationml/2006/main">
+  <p:cSld>
+    <p:spTree>
+      <p:nvGrpSpPr>
+        <p:cNvPr id="1" name=""/>
+        <p:cNvGrpSpPr/>
+        <p:nvPr/>
+      </p:nvGrpSpPr>
+      <p:grpSpPr>
+        <a:xfrm>
+          <a:off x="0" y="0"/>
+          <a:ext cx="0" cy="0"/>
+          <a:chOff x="0" y="0"/>
+          <a:chExt cx="0" cy="0"/>
+        </a:xfrm>
+      </p:grpSpPr>
+      <p:sp>
+        <p:nvSpPr>
+          <p:cNvPr id="2" name="Titre 1"/>
+          <p:cNvSpPr>
+            <a:spLocks noGrp="1"/>
+          </p:cNvSpPr>
+          <p:nvPr>
+            <p:ph type="title"/>
+          </p:nvPr>
+        </p:nvSpPr>
+        <p:spPr/>
+        <p:txBody>
+          <a:bodyPr/>
+          <a:lstStyle/>
+          <a:p>
+            <a:r>
+              <a:rPr lang="fr-FR" dirty="0" smtClean="0"/>
+              <a:t>Gaël : Mise </a:t>
+            </a:r>
+            <a:r>
+              <a:rPr lang="fr-FR" dirty="0" smtClean="0"/>
+              <a:t>en place du </a:t>
+            </a:r>
+            <a:r>
+              <a:rPr lang="fr-FR" dirty="0" smtClean="0"/>
+              <a:t>Serveur (1/4)</a:t>
+            </a:r>
+            <a:endParaRPr lang="fr-FR" dirty="0"/>
+          </a:p>
+        </p:txBody>
+      </p:sp>
+      <p:sp>
+        <p:nvSpPr>
+          <p:cNvPr id="3" name="Espace réservé du contenu 2"/>
+          <p:cNvSpPr>
+            <a:spLocks noGrp="1"/>
+          </p:cNvSpPr>
+          <p:nvPr>
+            <p:ph idx="1"/>
+          </p:nvPr>
+        </p:nvSpPr>
+        <p:spPr>
+          <a:xfrm>
+            <a:off x="810000" y="2036619"/>
+            <a:ext cx="10554574" cy="1594369"/>
+          </a:xfrm>
+        </p:spPr>
+        <p:txBody>
+          <a:bodyPr/>
+          <a:lstStyle/>
+          <a:p>
+            <a:r>
+              <a:rPr lang="fr-FR" dirty="0" smtClean="0"/>
+              <a:t>Installation de l’environnement</a:t>
+            </a:r>
+          </a:p>
+          <a:p>
+            <a:pPr marL="0" indent="0">
+              <a:buNone/>
+            </a:pPr>
+            <a:endParaRPr lang="fr-FR" dirty="0" smtClean="0"/>
+          </a:p>
+        </p:txBody>
+      </p:sp>
+      <p:pic>
+        <p:nvPicPr>
+          <p:cNvPr id="5" name="Image 4"/>
+          <p:cNvPicPr>
+            <a:picLocks noChangeAspect="1"/>
+          </p:cNvPicPr>
+          <p:nvPr/>
+        </p:nvPicPr>
+        <p:blipFill>
+          <a:blip r:embed="rId2">
+            <a:extLst>
+              <a:ext uri="{28A0092B-C50C-407E-A947-70E740481C1C}">
+                <a14:useLocalDpi xmlns:a14="http://schemas.microsoft.com/office/drawing/2010/main" val="0"/>
+              </a:ext>
+            </a:extLst>
+          </a:blip>
+          <a:stretch>
+            <a:fillRect/>
+          </a:stretch>
+        </p:blipFill>
+        <p:spPr>
+          <a:xfrm>
+            <a:off x="2658715" y="3120353"/>
+            <a:ext cx="6857143" cy="3111111"/>
+          </a:xfrm>
+          <a:prstGeom prst="rect">
+            <a:avLst/>
+          </a:prstGeom>
+        </p:spPr>
+      </p:pic>
+    </p:spTree>
+    <p:extLst>
+      <p:ext uri="{BB962C8B-B14F-4D97-AF65-F5344CB8AC3E}">
+        <p14:creationId xmlns:p14="http://schemas.microsoft.com/office/powerpoint/2010/main" val="2285957563"/>
+      </p:ext>
+    </p:extLst>
+  </p:cSld>
+  <p:clrMapOvr>
+    <a:masterClrMapping/>
+  </p:clrMapOvr>
+</p:sld>
+</file>
+
+<file path=ppt/slides/slide13.xml><?xml version="1.0" encoding="utf-8"?>
+<p:sld xmlns:a="http://schemas.openxmlformats.org/drawingml/2006/main" xmlns:r="http://schemas.openxmlformats.org/officeDocument/2006/relationships" xmlns:p="http://schemas.openxmlformats.org/presentationml/2006/main">
+  <p:cSld>
+    <p:spTree>
+      <p:nvGrpSpPr>
+        <p:cNvPr id="1" name=""/>
+        <p:cNvGrpSpPr/>
+        <p:nvPr/>
+      </p:nvGrpSpPr>
+      <p:grpSpPr>
+        <a:xfrm>
+          <a:off x="0" y="0"/>
+          <a:ext cx="0" cy="0"/>
+          <a:chOff x="0" y="0"/>
+          <a:chExt cx="0" cy="0"/>
+        </a:xfrm>
+      </p:grpSpPr>
+      <p:sp>
+        <p:nvSpPr>
+          <p:cNvPr id="2" name="Titre 1"/>
+          <p:cNvSpPr>
+            <a:spLocks noGrp="1"/>
+          </p:cNvSpPr>
+          <p:nvPr>
+            <p:ph type="title"/>
+          </p:nvPr>
+        </p:nvSpPr>
+        <p:spPr>
+          <a:xfrm>
+            <a:off x="801288" y="413937"/>
+            <a:ext cx="10571998" cy="970450"/>
+          </a:xfrm>
+        </p:spPr>
+        <p:txBody>
+          <a:bodyPr/>
+          <a:lstStyle/>
+          <a:p>
+            <a:r>
+              <a:rPr lang="fr-FR" dirty="0"/>
+              <a:t>Gaël : Création </a:t>
+            </a:r>
+            <a:r>
+              <a:rPr lang="fr-FR" dirty="0" smtClean="0"/>
+              <a:t>du </a:t>
+            </a:r>
+            <a:r>
+              <a:rPr lang="fr-FR" dirty="0" err="1" smtClean="0"/>
+              <a:t>Webservice</a:t>
+            </a:r>
+            <a:r>
+              <a:rPr lang="fr-FR" dirty="0" smtClean="0"/>
+              <a:t> (2/4)</a:t>
+            </a:r>
+            <a:endParaRPr lang="fr-FR" dirty="0"/>
+          </a:p>
+        </p:txBody>
+      </p:sp>
+      <p:sp>
+        <p:nvSpPr>
+          <p:cNvPr id="3" name="Espace réservé du contenu 2"/>
+          <p:cNvSpPr>
+            <a:spLocks noGrp="1"/>
+          </p:cNvSpPr>
+          <p:nvPr>
+            <p:ph idx="1"/>
+          </p:nvPr>
+        </p:nvSpPr>
+        <p:spPr>
+          <a:xfrm>
+            <a:off x="801288" y="2335876"/>
+            <a:ext cx="10554574" cy="887787"/>
+          </a:xfrm>
+        </p:spPr>
+        <p:txBody>
+          <a:bodyPr/>
+          <a:lstStyle/>
+          <a:p>
+            <a:r>
+              <a:rPr lang="fr-FR" dirty="0" smtClean="0"/>
+              <a:t> Architecture REST</a:t>
+            </a:r>
+          </a:p>
+        </p:txBody>
+      </p:sp>
+      <p:pic>
+        <p:nvPicPr>
+          <p:cNvPr id="4" name="Image 3"/>
+          <p:cNvPicPr>
+            <a:picLocks noChangeAspect="1"/>
+          </p:cNvPicPr>
+          <p:nvPr/>
+        </p:nvPicPr>
+        <p:blipFill>
+          <a:blip r:embed="rId2">
+            <a:extLst>
+              <a:ext uri="{28A0092B-C50C-407E-A947-70E740481C1C}">
+                <a14:useLocalDpi xmlns:a14="http://schemas.microsoft.com/office/drawing/2010/main" val="0"/>
+              </a:ext>
+            </a:extLst>
+          </a:blip>
+          <a:stretch>
+            <a:fillRect/>
+          </a:stretch>
+        </p:blipFill>
+        <p:spPr>
+          <a:xfrm>
+            <a:off x="4120374" y="3381894"/>
+            <a:ext cx="3933825" cy="2438400"/>
+          </a:xfrm>
+          <a:prstGeom prst="rect">
+            <a:avLst/>
+          </a:prstGeom>
+        </p:spPr>
+      </p:pic>
+    </p:spTree>
+    <p:extLst>
+      <p:ext uri="{BB962C8B-B14F-4D97-AF65-F5344CB8AC3E}">
+        <p14:creationId xmlns:p14="http://schemas.microsoft.com/office/powerpoint/2010/main" val="4085360741"/>
+      </p:ext>
+    </p:extLst>
+  </p:cSld>
+  <p:clrMapOvr>
+    <a:masterClrMapping/>
+  </p:clrMapOvr>
+</p:sld>
+</file>
+
+<file path=ppt/slides/slide14.xml><?xml version="1.0" encoding="utf-8"?>
+<p:sld xmlns:a="http://schemas.openxmlformats.org/drawingml/2006/main" xmlns:r="http://schemas.openxmlformats.org/officeDocument/2006/relationships" xmlns:p="http://schemas.openxmlformats.org/presentationml/2006/main">
+  <p:cSld>
+    <p:spTree>
+      <p:nvGrpSpPr>
+        <p:cNvPr id="1" name=""/>
+        <p:cNvGrpSpPr/>
+        <p:nvPr/>
+      </p:nvGrpSpPr>
+      <p:grpSpPr>
+        <a:xfrm>
+          <a:off x="0" y="0"/>
+          <a:ext cx="0" cy="0"/>
+          <a:chOff x="0" y="0"/>
+          <a:chExt cx="0" cy="0"/>
+        </a:xfrm>
+      </p:grpSpPr>
+      <p:sp>
+        <p:nvSpPr>
+          <p:cNvPr id="2" name="Titre 1"/>
+          <p:cNvSpPr>
+            <a:spLocks noGrp="1"/>
+          </p:cNvSpPr>
+          <p:nvPr>
+            <p:ph type="title"/>
+          </p:nvPr>
+        </p:nvSpPr>
+        <p:spPr/>
+        <p:txBody>
+          <a:bodyPr/>
+          <a:lstStyle/>
+          <a:p>
+            <a:r>
+              <a:rPr lang="fr-FR" dirty="0"/>
+              <a:t>Gaël : Réalisation </a:t>
+            </a:r>
+            <a:r>
+              <a:rPr lang="fr-FR" dirty="0" smtClean="0"/>
+              <a:t>d’un </a:t>
+            </a:r>
+            <a:r>
+              <a:rPr lang="fr-FR" dirty="0" smtClean="0"/>
+              <a:t>Backoffice (3/4)</a:t>
+            </a:r>
+            <a:endParaRPr lang="fr-FR" dirty="0"/>
+          </a:p>
+        </p:txBody>
+      </p:sp>
+      <p:sp>
+        <p:nvSpPr>
+          <p:cNvPr id="5" name="Espace réservé du contenu 4"/>
+          <p:cNvSpPr>
+            <a:spLocks noGrp="1"/>
+          </p:cNvSpPr>
+          <p:nvPr>
+            <p:ph idx="1"/>
+          </p:nvPr>
+        </p:nvSpPr>
+        <p:spPr>
+          <a:xfrm>
+            <a:off x="810000" y="2236124"/>
+            <a:ext cx="10554574" cy="937663"/>
+          </a:xfrm>
+        </p:spPr>
+        <p:txBody>
+          <a:bodyPr/>
+          <a:lstStyle/>
+          <a:p>
+            <a:r>
+              <a:rPr lang="fr-FR" dirty="0" smtClean="0"/>
+              <a:t>A quoi sert le backoffice ?</a:t>
+            </a:r>
+            <a:endParaRPr lang="fr-FR" dirty="0"/>
+          </a:p>
+        </p:txBody>
+      </p:sp>
+      <p:pic>
+        <p:nvPicPr>
+          <p:cNvPr id="7" name="Image 6"/>
+          <p:cNvPicPr>
+            <a:picLocks noChangeAspect="1"/>
+          </p:cNvPicPr>
+          <p:nvPr/>
+        </p:nvPicPr>
+        <p:blipFill>
+          <a:blip r:embed="rId2">
+            <a:extLst>
+              <a:ext uri="{28A0092B-C50C-407E-A947-70E740481C1C}">
+                <a14:useLocalDpi xmlns:a14="http://schemas.microsoft.com/office/drawing/2010/main" val="0"/>
+              </a:ext>
+            </a:extLst>
+          </a:blip>
+          <a:stretch>
+            <a:fillRect/>
+          </a:stretch>
+        </p:blipFill>
+        <p:spPr>
+          <a:xfrm>
+            <a:off x="3029762" y="3338599"/>
+            <a:ext cx="6115050" cy="2857500"/>
+          </a:xfrm>
+          <a:prstGeom prst="rect">
+            <a:avLst/>
+          </a:prstGeom>
+        </p:spPr>
+      </p:pic>
+    </p:spTree>
+    <p:extLst>
+      <p:ext uri="{BB962C8B-B14F-4D97-AF65-F5344CB8AC3E}">
+        <p14:creationId xmlns:p14="http://schemas.microsoft.com/office/powerpoint/2010/main" val="2746981086"/>
+      </p:ext>
+    </p:extLst>
+  </p:cSld>
+  <p:clrMapOvr>
+    <a:masterClrMapping/>
+  </p:clrMapOvr>
+</p:sld>
+</file>
+
+<file path=ppt/slides/slide15.xml><?xml version="1.0" encoding="utf-8"?>
+<p:sld xmlns:a="http://schemas.openxmlformats.org/drawingml/2006/main" xmlns:r="http://schemas.openxmlformats.org/officeDocument/2006/relationships" xmlns:p="http://schemas.openxmlformats.org/presentationml/2006/main">
+  <p:cSld>
+    <p:spTree>
+      <p:nvGrpSpPr>
+        <p:cNvPr id="1" name=""/>
+        <p:cNvGrpSpPr/>
+        <p:nvPr/>
+      </p:nvGrpSpPr>
+      <p:grpSpPr>
+        <a:xfrm>
+          <a:off x="0" y="0"/>
+          <a:ext cx="0" cy="0"/>
+          <a:chOff x="0" y="0"/>
+          <a:chExt cx="0" cy="0"/>
+        </a:xfrm>
+      </p:grpSpPr>
+      <p:sp>
+        <p:nvSpPr>
+          <p:cNvPr id="2" name="Titre 1"/>
+          <p:cNvSpPr>
+            <a:spLocks noGrp="1"/>
+          </p:cNvSpPr>
+          <p:nvPr>
+            <p:ph type="title"/>
+          </p:nvPr>
+        </p:nvSpPr>
+        <p:spPr/>
+        <p:txBody>
+          <a:bodyPr/>
+          <a:lstStyle/>
+          <a:p>
+            <a:r>
+              <a:rPr lang="fr-FR" dirty="0"/>
+              <a:t>Gaël : Évolution </a:t>
+            </a:r>
+            <a:r>
+              <a:rPr lang="fr-FR" dirty="0" smtClean="0"/>
+              <a:t>Possible (4/4)</a:t>
+            </a:r>
+            <a:endParaRPr lang="fr-FR" dirty="0"/>
+          </a:p>
+        </p:txBody>
+      </p:sp>
+      <p:sp>
+        <p:nvSpPr>
+          <p:cNvPr id="3" name="Espace réservé du contenu 2"/>
+          <p:cNvSpPr>
+            <a:spLocks noGrp="1"/>
+          </p:cNvSpPr>
+          <p:nvPr>
+            <p:ph idx="1"/>
+          </p:nvPr>
+        </p:nvSpPr>
+        <p:spPr>
+          <a:xfrm>
+            <a:off x="810000" y="2215096"/>
+            <a:ext cx="10554574" cy="1469678"/>
+          </a:xfrm>
+        </p:spPr>
+        <p:txBody>
+          <a:bodyPr/>
+          <a:lstStyle/>
+          <a:p>
+            <a:r>
+              <a:rPr lang="fr-FR" dirty="0" smtClean="0"/>
+              <a:t>Réaliser un serveur WEB à l’aide d’un </a:t>
+            </a:r>
+            <a:r>
+              <a:rPr lang="fr-FR" dirty="0" err="1" smtClean="0"/>
+              <a:t>Raspberry</a:t>
+            </a:r>
+            <a:r>
+              <a:rPr lang="fr-FR" dirty="0" smtClean="0"/>
+              <a:t> Pi 3</a:t>
+            </a:r>
+          </a:p>
+          <a:p>
+            <a:pPr marL="0" indent="0">
+              <a:buNone/>
+            </a:pPr>
+            <a:endParaRPr lang="fr-FR" dirty="0"/>
+          </a:p>
+        </p:txBody>
+      </p:sp>
+      <p:pic>
+        <p:nvPicPr>
+          <p:cNvPr id="5" name="Image 4"/>
+          <p:cNvPicPr>
+            <a:picLocks noChangeAspect="1"/>
+          </p:cNvPicPr>
+          <p:nvPr/>
+        </p:nvPicPr>
+        <p:blipFill>
+          <a:blip r:embed="rId2">
+            <a:extLst>
+              <a:ext uri="{28A0092B-C50C-407E-A947-70E740481C1C}">
+                <a14:useLocalDpi xmlns:a14="http://schemas.microsoft.com/office/drawing/2010/main" val="0"/>
+              </a:ext>
+            </a:extLst>
+          </a:blip>
+          <a:stretch>
+            <a:fillRect/>
+          </a:stretch>
+        </p:blipFill>
+        <p:spPr>
+          <a:xfrm>
+            <a:off x="4754880" y="3559519"/>
+            <a:ext cx="2127612" cy="2726575"/>
+          </a:xfrm>
+          <a:prstGeom prst="rect">
+            <a:avLst/>
+          </a:prstGeom>
+        </p:spPr>
+      </p:pic>
+    </p:spTree>
+    <p:extLst>
+      <p:ext uri="{BB962C8B-B14F-4D97-AF65-F5344CB8AC3E}">
+        <p14:creationId xmlns:p14="http://schemas.microsoft.com/office/powerpoint/2010/main" val="734865338"/>
+      </p:ext>
+    </p:extLst>
+  </p:cSld>
+  <p:clrMapOvr>
+    <a:masterClrMapping/>
+  </p:clrMapOvr>
+</p:sld>
+</file>
+
+<file path=ppt/slides/slide16.xml><?xml version="1.0" encoding="utf-8"?>
+<p:sld xmlns:a="http://schemas.openxmlformats.org/drawingml/2006/main" xmlns:r="http://schemas.openxmlformats.org/officeDocument/2006/relationships" xmlns:p="http://schemas.openxmlformats.org/presentationml/2006/main">
+  <p:cSld>
+    <p:spTree>
+      <p:nvGrpSpPr>
+        <p:cNvPr id="1" name=""/>
+        <p:cNvGrpSpPr/>
+        <p:nvPr/>
+      </p:nvGrpSpPr>
+      <p:grpSpPr>
+        <a:xfrm>
+          <a:off x="0" y="0"/>
+          <a:ext cx="0" cy="0"/>
+          <a:chOff x="0" y="0"/>
+          <a:chExt cx="0" cy="0"/>
+        </a:xfrm>
+      </p:grpSpPr>
+      <p:sp>
+        <p:nvSpPr>
+          <p:cNvPr id="2" name="Titre 1"/>
+          <p:cNvSpPr>
+            <a:spLocks noGrp="1"/>
+          </p:cNvSpPr>
+          <p:nvPr>
+            <p:ph type="title"/>
+          </p:nvPr>
+        </p:nvSpPr>
+        <p:spPr/>
+        <p:txBody>
+          <a:bodyPr/>
+          <a:lstStyle/>
+          <a:p>
+            <a:r>
+              <a:rPr lang="fr-FR" dirty="0" err="1" smtClean="0"/>
+              <a:t>Yanice</a:t>
+            </a:r>
+            <a:r>
+              <a:rPr lang="fr-FR" dirty="0" smtClean="0"/>
+              <a:t> : La </a:t>
+            </a:r>
+            <a:r>
+              <a:rPr lang="fr-FR" dirty="0" smtClean="0"/>
+              <a:t>réalité </a:t>
+            </a:r>
+            <a:r>
+              <a:rPr lang="fr-FR" dirty="0" smtClean="0"/>
+              <a:t>virtuelle (1/3)</a:t>
+            </a:r>
+            <a:endParaRPr lang="fr-FR" dirty="0"/>
+          </a:p>
+        </p:txBody>
+      </p:sp>
+      <p:sp>
+        <p:nvSpPr>
+          <p:cNvPr id="3" name="Espace réservé du contenu 2"/>
+          <p:cNvSpPr>
+            <a:spLocks noGrp="1"/>
+          </p:cNvSpPr>
+          <p:nvPr>
+            <p:ph idx="1"/>
+          </p:nvPr>
+        </p:nvSpPr>
+        <p:spPr/>
+        <p:txBody>
+          <a:bodyPr/>
+          <a:lstStyle/>
+          <a:p>
+            <a:r>
+              <a:rPr lang="fr-FR" dirty="0" smtClean="0"/>
+              <a:t>La VR, contrairement à une vidéo basique permet une immersion quasi-totale de son utilisateur.</a:t>
+            </a:r>
+          </a:p>
+          <a:p>
+            <a:r>
+              <a:rPr lang="fr-FR" dirty="0" smtClean="0"/>
+              <a:t>Elle permet entre autre la lecture de vidéo de manière sphérique, comme si l’utilisateur était à même la vidéo.</a:t>
+            </a:r>
+          </a:p>
+          <a:p>
+            <a:r>
+              <a:rPr lang="fr-FR" dirty="0" smtClean="0"/>
+              <a:t>C’est sur cette technologie que j’ai travaillé et modélisé les vidéos en réalité virtuelle.</a:t>
+            </a:r>
+            <a:endParaRPr lang="fr-FR" dirty="0"/>
+          </a:p>
+        </p:txBody>
+      </p:sp>
+    </p:spTree>
+    <p:extLst>
+      <p:ext uri="{BB962C8B-B14F-4D97-AF65-F5344CB8AC3E}">
+        <p14:creationId xmlns:p14="http://schemas.microsoft.com/office/powerpoint/2010/main" val="3724128037"/>
+      </p:ext>
+    </p:extLst>
+  </p:cSld>
+  <p:clrMapOvr>
+    <a:masterClrMapping/>
+  </p:clrMapOvr>
+</p:sld>
+</file>
+
+<file path=ppt/slides/slide17.xml><?xml version="1.0" encoding="utf-8"?>
+<p:sld xmlns:a="http://schemas.openxmlformats.org/drawingml/2006/main" xmlns:r="http://schemas.openxmlformats.org/officeDocument/2006/relationships" xmlns:p="http://schemas.openxmlformats.org/presentationml/2006/main">
+  <p:cSld>
+    <p:spTree>
+      <p:nvGrpSpPr>
+        <p:cNvPr id="1" name=""/>
+        <p:cNvGrpSpPr/>
+        <p:nvPr/>
+      </p:nvGrpSpPr>
+      <p:grpSpPr>
+        <a:xfrm>
+          <a:off x="0" y="0"/>
+          <a:ext cx="0" cy="0"/>
+          <a:chOff x="0" y="0"/>
+          <a:chExt cx="0" cy="0"/>
+        </a:xfrm>
+      </p:grpSpPr>
+      <p:sp>
+        <p:nvSpPr>
+          <p:cNvPr id="2" name="Titre 1"/>
+          <p:cNvSpPr>
+            <a:spLocks noGrp="1"/>
+          </p:cNvSpPr>
+          <p:nvPr>
+            <p:ph type="title"/>
+          </p:nvPr>
+        </p:nvSpPr>
+        <p:spPr/>
+        <p:txBody>
+          <a:bodyPr/>
+          <a:lstStyle/>
+          <a:p>
+            <a:r>
+              <a:rPr lang="fr-FR" dirty="0" err="1" smtClean="0"/>
+              <a:t>Yanice</a:t>
+            </a:r>
+            <a:r>
+              <a:rPr lang="fr-FR" dirty="0" smtClean="0"/>
+              <a:t> : Technologie </a:t>
+            </a:r>
+            <a:r>
+              <a:rPr lang="fr-FR" dirty="0" err="1" smtClean="0"/>
+              <a:t>Unity</a:t>
+            </a:r>
+            <a:r>
+              <a:rPr lang="fr-FR" dirty="0" smtClean="0"/>
+              <a:t> (2/3)</a:t>
+            </a:r>
+            <a:endParaRPr lang="fr-FR" dirty="0"/>
+          </a:p>
+        </p:txBody>
+      </p:sp>
+      <p:pic>
+        <p:nvPicPr>
+          <p:cNvPr id="1026" name="Picture 2" descr="RÃ©sultat de recherche d'images pour &quot;Casque VR&quot;"/>
+          <p:cNvPicPr>
+            <a:picLocks noGrp="1" noChangeAspect="1" noChangeArrowheads="1"/>
+          </p:cNvPicPr>
+          <p:nvPr>
+            <p:ph idx="1"/>
+          </p:nvPr>
+        </p:nvPicPr>
+        <p:blipFill>
+          <a:blip r:embed="rId2">
+            <a:extLst>
+              <a:ext uri="{28A0092B-C50C-407E-A947-70E740481C1C}">
+                <a14:useLocalDpi xmlns:a14="http://schemas.microsoft.com/office/drawing/2010/main" val="0"/>
+              </a:ext>
+            </a:extLst>
+          </a:blip>
+          <a:srcRect/>
+          <a:stretch>
+            <a:fillRect/>
+          </a:stretch>
+        </p:blipFill>
+        <p:spPr bwMode="auto">
+          <a:xfrm>
+            <a:off x="7993229" y="2880510"/>
+            <a:ext cx="1728515" cy="1152344"/>
+          </a:xfrm>
+          <a:prstGeom prst="rect">
+            <a:avLst/>
+          </a:prstGeom>
+          <a:noFill/>
+          <a:extLst>
+            <a:ext uri="{909E8E84-426E-40DD-AFC4-6F175D3DCCD1}">
+              <a14:hiddenFill xmlns:a14="http://schemas.microsoft.com/office/drawing/2010/main">
+                <a:solidFill>
+                  <a:srgbClr val="FFFFFF"/>
+                </a:solidFill>
+              </a14:hiddenFill>
+            </a:ext>
+          </a:extLst>
+        </p:spPr>
+      </p:pic>
+      <p:pic>
+        <p:nvPicPr>
+          <p:cNvPr id="1028" name="Picture 4" descr="RÃ©sultat de recherche d'images pour &quot;Unity&quot;"/>
+          <p:cNvPicPr>
+            <a:picLocks noChangeAspect="1" noChangeArrowheads="1"/>
+          </p:cNvPicPr>
+          <p:nvPr/>
+        </p:nvPicPr>
+        <p:blipFill>
+          <a:blip r:embed="rId3">
+            <a:extLst>
+              <a:ext uri="{28A0092B-C50C-407E-A947-70E740481C1C}">
+                <a14:useLocalDpi xmlns:a14="http://schemas.microsoft.com/office/drawing/2010/main" val="0"/>
+              </a:ext>
+            </a:extLst>
+          </a:blip>
+          <a:srcRect/>
+          <a:stretch>
+            <a:fillRect/>
+          </a:stretch>
+        </p:blipFill>
+        <p:spPr bwMode="auto">
+          <a:xfrm>
+            <a:off x="244733" y="2826327"/>
+            <a:ext cx="2460941" cy="1363287"/>
+          </a:xfrm>
+          <a:prstGeom prst="rect">
+            <a:avLst/>
+          </a:prstGeom>
+          <a:noFill/>
+          <a:extLst>
+            <a:ext uri="{909E8E84-426E-40DD-AFC4-6F175D3DCCD1}">
+              <a14:hiddenFill xmlns:a14="http://schemas.microsoft.com/office/drawing/2010/main">
+                <a:solidFill>
+                  <a:srgbClr val="FFFFFF"/>
+                </a:solidFill>
+              </a14:hiddenFill>
+            </a:ext>
+          </a:extLst>
+        </p:spPr>
+      </p:pic>
+      <p:sp>
+        <p:nvSpPr>
+          <p:cNvPr id="4" name="Flèche droite 3"/>
+          <p:cNvSpPr/>
+          <p:nvPr/>
+        </p:nvSpPr>
+        <p:spPr>
+          <a:xfrm>
+            <a:off x="2810125" y="3444166"/>
+            <a:ext cx="397020" cy="121991"/>
+          </a:xfrm>
+          <a:prstGeom prst="rightArrow">
+            <a:avLst/>
+          </a:prstGeom>
+        </p:spPr>
+        <p:style>
+          <a:lnRef idx="2">
+            <a:schemeClr val="accent1">
+              <a:shade val="50000"/>
+            </a:schemeClr>
+          </a:lnRef>
+          <a:fillRef idx="1">
+            <a:schemeClr val="accent1"/>
+          </a:fillRef>
+          <a:effectRef idx="0">
+            <a:schemeClr val="accent1"/>
+          </a:effectRef>
+          <a:fontRef idx="minor">
+            <a:schemeClr val="lt1"/>
+          </a:fontRef>
+        </p:style>
+        <p:txBody>
+          <a:bodyPr rtlCol="0" anchor="ctr"/>
+          <a:lstStyle/>
+          <a:p>
+            <a:pPr algn="ctr"/>
+            <a:endParaRPr lang="fr-FR"/>
+          </a:p>
+        </p:txBody>
+      </p:sp>
+      <p:pic>
+        <p:nvPicPr>
+          <p:cNvPr id="1030" name="Picture 6" descr="RÃ©sultat de recherche d'images pour &quot;Sphere&quot;"/>
+          <p:cNvPicPr>
+            <a:picLocks noChangeAspect="1" noChangeArrowheads="1"/>
+          </p:cNvPicPr>
+          <p:nvPr/>
+        </p:nvPicPr>
+        <p:blipFill>
+          <a:blip r:embed="rId4">
+            <a:extLst>
+              <a:ext uri="{28A0092B-C50C-407E-A947-70E740481C1C}">
+                <a14:useLocalDpi xmlns:a14="http://schemas.microsoft.com/office/drawing/2010/main" val="0"/>
+              </a:ext>
+            </a:extLst>
+          </a:blip>
+          <a:srcRect/>
+          <a:stretch>
+            <a:fillRect/>
+          </a:stretch>
+        </p:blipFill>
+        <p:spPr bwMode="auto">
+          <a:xfrm>
+            <a:off x="4955161" y="2826327"/>
+            <a:ext cx="1461338" cy="1363287"/>
+          </a:xfrm>
+          <a:prstGeom prst="rect">
+            <a:avLst/>
+          </a:prstGeom>
+          <a:noFill/>
+          <a:extLst>
+            <a:ext uri="{909E8E84-426E-40DD-AFC4-6F175D3DCCD1}">
+              <a14:hiddenFill xmlns:a14="http://schemas.microsoft.com/office/drawing/2010/main">
+                <a:solidFill>
+                  <a:srgbClr val="FFFFFF"/>
+                </a:solidFill>
+              </a14:hiddenFill>
+            </a:ext>
+          </a:extLst>
+        </p:spPr>
+      </p:pic>
+      <p:sp>
+        <p:nvSpPr>
+          <p:cNvPr id="5" name="ZoneTexte 4"/>
+          <p:cNvSpPr txBox="1"/>
+          <p:nvPr/>
+        </p:nvSpPr>
+        <p:spPr>
+          <a:xfrm>
+            <a:off x="668954" y="2450233"/>
+            <a:ext cx="1640193" cy="584775"/>
+          </a:xfrm>
+          <a:prstGeom prst="rect">
+            <a:avLst/>
+          </a:prstGeom>
+          <a:noFill/>
+        </p:spPr>
+        <p:txBody>
+          <a:bodyPr wrap="none" rtlCol="0">
+            <a:spAutoFit/>
+          </a:bodyPr>
+          <a:lstStyle/>
+          <a:p>
+            <a:r>
+              <a:rPr lang="fr-FR" sz="1600" dirty="0" smtClean="0"/>
+              <a:t>IDE / </a:t>
+            </a:r>
+            <a:r>
+              <a:rPr lang="fr-FR" sz="1600" dirty="0" err="1" smtClean="0"/>
+              <a:t>Modeling</a:t>
+            </a:r>
+            <a:endParaRPr lang="fr-FR" sz="1600" dirty="0"/>
+          </a:p>
+          <a:p>
+            <a:endParaRPr lang="fr-FR" sz="1600" dirty="0"/>
+          </a:p>
+        </p:txBody>
+      </p:sp>
+      <p:pic>
+        <p:nvPicPr>
+          <p:cNvPr id="6" name="Image 5"/>
+          <p:cNvPicPr>
+            <a:picLocks noChangeAspect="1"/>
+          </p:cNvPicPr>
+          <p:nvPr/>
+        </p:nvPicPr>
+        <p:blipFill>
+          <a:blip r:embed="rId5"/>
+          <a:stretch>
+            <a:fillRect/>
+          </a:stretch>
+        </p:blipFill>
+        <p:spPr>
+          <a:xfrm>
+            <a:off x="5328820" y="5474896"/>
+            <a:ext cx="647700" cy="733425"/>
+          </a:xfrm>
+          <a:prstGeom prst="rect">
+            <a:avLst/>
+          </a:prstGeom>
+        </p:spPr>
+      </p:pic>
+      <p:sp>
+        <p:nvSpPr>
+          <p:cNvPr id="10" name="Flèche droite 9"/>
+          <p:cNvSpPr/>
+          <p:nvPr/>
+        </p:nvSpPr>
+        <p:spPr>
+          <a:xfrm rot="5400000">
+            <a:off x="5257179" y="4601715"/>
+            <a:ext cx="815885" cy="174566"/>
+          </a:xfrm>
+          <a:prstGeom prst="rightArrow">
+            <a:avLst/>
+          </a:prstGeom>
+        </p:spPr>
+        <p:style>
+          <a:lnRef idx="2">
+            <a:schemeClr val="accent1">
+              <a:shade val="50000"/>
+            </a:schemeClr>
+          </a:lnRef>
+          <a:fillRef idx="1">
+            <a:schemeClr val="accent1"/>
+          </a:fillRef>
+          <a:effectRef idx="0">
+            <a:schemeClr val="accent1"/>
+          </a:effectRef>
+          <a:fontRef idx="minor">
+            <a:schemeClr val="lt1"/>
+          </a:fontRef>
+        </p:style>
+        <p:txBody>
+          <a:bodyPr rtlCol="0" anchor="ctr"/>
+          <a:lstStyle/>
+          <a:p>
+            <a:pPr algn="ctr"/>
+            <a:endParaRPr lang="fr-FR"/>
+          </a:p>
+        </p:txBody>
+      </p:sp>
+      <p:pic>
+        <p:nvPicPr>
+          <p:cNvPr id="1032" name="Picture 8" descr="RÃ©sultat de recherche d'images pour &quot;Mp4&quot;"/>
+          <p:cNvPicPr>
+            <a:picLocks noChangeAspect="1" noChangeArrowheads="1"/>
+          </p:cNvPicPr>
+          <p:nvPr/>
+        </p:nvPicPr>
+        <p:blipFill>
+          <a:blip r:embed="rId6">
+            <a:extLst>
+              <a:ext uri="{28A0092B-C50C-407E-A947-70E740481C1C}">
+                <a14:useLocalDpi xmlns:a14="http://schemas.microsoft.com/office/drawing/2010/main" val="0"/>
+              </a:ext>
+            </a:extLst>
+          </a:blip>
+          <a:srcRect/>
+          <a:stretch>
+            <a:fillRect/>
+          </a:stretch>
+        </p:blipFill>
+        <p:spPr bwMode="auto">
+          <a:xfrm>
+            <a:off x="3311595" y="2983084"/>
+            <a:ext cx="1049770" cy="1049770"/>
+          </a:xfrm>
+          <a:prstGeom prst="rect">
+            <a:avLst/>
+          </a:prstGeom>
+          <a:noFill/>
+          <a:extLst>
+            <a:ext uri="{909E8E84-426E-40DD-AFC4-6F175D3DCCD1}">
+              <a14:hiddenFill xmlns:a14="http://schemas.microsoft.com/office/drawing/2010/main">
+                <a:solidFill>
+                  <a:srgbClr val="FFFFFF"/>
+                </a:solidFill>
+              </a14:hiddenFill>
+            </a:ext>
+          </a:extLst>
+        </p:spPr>
+      </p:pic>
+      <p:sp>
+        <p:nvSpPr>
+          <p:cNvPr id="16" name="Flèche droite 15"/>
+          <p:cNvSpPr/>
+          <p:nvPr/>
+        </p:nvSpPr>
+        <p:spPr>
+          <a:xfrm>
+            <a:off x="4465815" y="3444166"/>
+            <a:ext cx="384895" cy="121991"/>
+          </a:xfrm>
+          <a:prstGeom prst="rightArrow">
+            <a:avLst/>
+          </a:prstGeom>
+        </p:spPr>
+        <p:style>
+          <a:lnRef idx="2">
+            <a:schemeClr val="accent1">
+              <a:shade val="50000"/>
+            </a:schemeClr>
+          </a:lnRef>
+          <a:fillRef idx="1">
+            <a:schemeClr val="accent1"/>
+          </a:fillRef>
+          <a:effectRef idx="0">
+            <a:schemeClr val="accent1"/>
+          </a:effectRef>
+          <a:fontRef idx="minor">
+            <a:schemeClr val="lt1"/>
+          </a:fontRef>
+        </p:style>
+        <p:txBody>
+          <a:bodyPr rtlCol="0" anchor="ctr"/>
+          <a:lstStyle/>
+          <a:p>
+            <a:pPr algn="ctr"/>
+            <a:endParaRPr lang="fr-FR"/>
+          </a:p>
+        </p:txBody>
+      </p:sp>
+      <p:sp>
+        <p:nvSpPr>
+          <p:cNvPr id="17" name="Flèche droite 16"/>
+          <p:cNvSpPr/>
+          <p:nvPr/>
+        </p:nvSpPr>
+        <p:spPr>
+          <a:xfrm>
+            <a:off x="6520950" y="3437463"/>
+            <a:ext cx="1367828" cy="128694"/>
+          </a:xfrm>
+          <a:prstGeom prst="rightArrow">
+            <a:avLst/>
+          </a:prstGeom>
+        </p:spPr>
+        <p:style>
+          <a:lnRef idx="2">
+            <a:schemeClr val="accent1">
+              <a:shade val="50000"/>
+            </a:schemeClr>
+          </a:lnRef>
+          <a:fillRef idx="1">
+            <a:schemeClr val="accent1"/>
+          </a:fillRef>
+          <a:effectRef idx="0">
+            <a:schemeClr val="accent1"/>
+          </a:effectRef>
+          <a:fontRef idx="minor">
+            <a:schemeClr val="lt1"/>
+          </a:fontRef>
+        </p:style>
+        <p:txBody>
+          <a:bodyPr rtlCol="0" anchor="ctr"/>
+          <a:lstStyle/>
+          <a:p>
+            <a:pPr algn="ctr"/>
+            <a:endParaRPr lang="fr-FR"/>
+          </a:p>
+        </p:txBody>
+      </p:sp>
+      <p:sp>
+        <p:nvSpPr>
+          <p:cNvPr id="18" name="ZoneTexte 17"/>
+          <p:cNvSpPr txBox="1"/>
+          <p:nvPr/>
+        </p:nvSpPr>
+        <p:spPr>
+          <a:xfrm>
+            <a:off x="5241637" y="5167119"/>
+            <a:ext cx="888385" cy="615553"/>
+          </a:xfrm>
+          <a:prstGeom prst="rect">
+            <a:avLst/>
+          </a:prstGeom>
+          <a:noFill/>
+        </p:spPr>
+        <p:txBody>
+          <a:bodyPr wrap="none" rtlCol="0">
+            <a:spAutoFit/>
+          </a:bodyPr>
+          <a:lstStyle/>
+          <a:p>
+            <a:r>
+              <a:rPr lang="fr-FR" sz="1600" dirty="0" err="1" smtClean="0"/>
+              <a:t>Shader</a:t>
+            </a:r>
+            <a:endParaRPr lang="fr-FR" sz="1600" dirty="0"/>
+          </a:p>
+          <a:p>
+            <a:endParaRPr lang="fr-FR" dirty="0"/>
+          </a:p>
+        </p:txBody>
+      </p:sp>
+      <p:sp>
+        <p:nvSpPr>
+          <p:cNvPr id="19" name="ZoneTexte 18"/>
+          <p:cNvSpPr txBox="1"/>
+          <p:nvPr/>
+        </p:nvSpPr>
+        <p:spPr>
+          <a:xfrm>
+            <a:off x="5205569" y="2463922"/>
+            <a:ext cx="880369" cy="615553"/>
+          </a:xfrm>
+          <a:prstGeom prst="rect">
+            <a:avLst/>
+          </a:prstGeom>
+          <a:noFill/>
+        </p:spPr>
+        <p:txBody>
+          <a:bodyPr wrap="none" rtlCol="0">
+            <a:spAutoFit/>
+          </a:bodyPr>
+          <a:lstStyle/>
+          <a:p>
+            <a:r>
+              <a:rPr lang="fr-FR" sz="1600" dirty="0" smtClean="0"/>
+              <a:t>Sphère</a:t>
+            </a:r>
+            <a:endParaRPr lang="fr-FR" sz="1600" dirty="0"/>
+          </a:p>
+          <a:p>
+            <a:endParaRPr lang="fr-FR" dirty="0"/>
+          </a:p>
+        </p:txBody>
+      </p:sp>
+      <p:sp>
+        <p:nvSpPr>
+          <p:cNvPr id="20" name="ZoneTexte 19"/>
+          <p:cNvSpPr txBox="1"/>
+          <p:nvPr/>
+        </p:nvSpPr>
+        <p:spPr>
+          <a:xfrm>
+            <a:off x="3413510" y="2591267"/>
+            <a:ext cx="779381" cy="615553"/>
+          </a:xfrm>
+          <a:prstGeom prst="rect">
+            <a:avLst/>
+          </a:prstGeom>
+          <a:noFill/>
+        </p:spPr>
+        <p:txBody>
+          <a:bodyPr wrap="none" rtlCol="0">
+            <a:spAutoFit/>
+          </a:bodyPr>
+          <a:lstStyle/>
+          <a:p>
+            <a:r>
+              <a:rPr lang="fr-FR" sz="1600" dirty="0" smtClean="0"/>
+              <a:t>Vidéo</a:t>
+            </a:r>
+            <a:endParaRPr lang="fr-FR" sz="1600" dirty="0"/>
+          </a:p>
+          <a:p>
+            <a:endParaRPr lang="fr-FR" dirty="0"/>
+          </a:p>
+        </p:txBody>
+      </p:sp>
+      <p:sp>
+        <p:nvSpPr>
+          <p:cNvPr id="21" name="ZoneTexte 20"/>
+          <p:cNvSpPr txBox="1"/>
+          <p:nvPr/>
+        </p:nvSpPr>
+        <p:spPr>
+          <a:xfrm>
+            <a:off x="8547786" y="2503161"/>
+            <a:ext cx="453970" cy="615553"/>
+          </a:xfrm>
+          <a:prstGeom prst="rect">
+            <a:avLst/>
+          </a:prstGeom>
+          <a:noFill/>
+        </p:spPr>
+        <p:txBody>
+          <a:bodyPr wrap="none" rtlCol="0">
+            <a:spAutoFit/>
+          </a:bodyPr>
+          <a:lstStyle/>
+          <a:p>
+            <a:r>
+              <a:rPr lang="fr-FR" sz="1600" dirty="0" smtClean="0"/>
+              <a:t>VR</a:t>
+            </a:r>
+            <a:endParaRPr lang="fr-FR" sz="1600" dirty="0"/>
+          </a:p>
+          <a:p>
+            <a:endParaRPr lang="fr-FR" dirty="0"/>
+          </a:p>
+        </p:txBody>
+      </p:sp>
+      <p:pic>
+        <p:nvPicPr>
+          <p:cNvPr id="1040" name="Picture 16" descr="RÃ©sultat de recherche d'images pour &quot;youtube&quot;"/>
+          <p:cNvPicPr>
+            <a:picLocks noChangeAspect="1" noChangeArrowheads="1"/>
+          </p:cNvPicPr>
+          <p:nvPr/>
+        </p:nvPicPr>
+        <p:blipFill>
+          <a:blip r:embed="rId7">
+            <a:extLst>
+              <a:ext uri="{28A0092B-C50C-407E-A947-70E740481C1C}">
+                <a14:useLocalDpi xmlns:a14="http://schemas.microsoft.com/office/drawing/2010/main" val="0"/>
+              </a:ext>
+            </a:extLst>
+          </a:blip>
+          <a:srcRect/>
+          <a:stretch>
+            <a:fillRect/>
+          </a:stretch>
+        </p:blipFill>
+        <p:spPr bwMode="auto">
+          <a:xfrm>
+            <a:off x="8480011" y="5530500"/>
+            <a:ext cx="933324" cy="622216"/>
+          </a:xfrm>
+          <a:prstGeom prst="rect">
+            <a:avLst/>
+          </a:prstGeom>
+          <a:noFill/>
+          <a:extLst>
+            <a:ext uri="{909E8E84-426E-40DD-AFC4-6F175D3DCCD1}">
+              <a14:hiddenFill xmlns:a14="http://schemas.microsoft.com/office/drawing/2010/main">
+                <a:solidFill>
+                  <a:srgbClr val="FFFFFF"/>
+                </a:solidFill>
+              </a14:hiddenFill>
+            </a:ext>
+          </a:extLst>
+        </p:spPr>
+      </p:pic>
+      <p:sp>
+        <p:nvSpPr>
+          <p:cNvPr id="26" name="Flèche droite 25"/>
+          <p:cNvSpPr/>
+          <p:nvPr/>
+        </p:nvSpPr>
+        <p:spPr>
+          <a:xfrm rot="5400000">
+            <a:off x="8567241" y="4433867"/>
+            <a:ext cx="777326" cy="155823"/>
+          </a:xfrm>
+          <a:prstGeom prst="rightArrow">
+            <a:avLst/>
+          </a:prstGeom>
+        </p:spPr>
+        <p:style>
+          <a:lnRef idx="2">
+            <a:schemeClr val="accent1">
+              <a:shade val="50000"/>
+            </a:schemeClr>
+          </a:lnRef>
+          <a:fillRef idx="1">
+            <a:schemeClr val="accent1"/>
+          </a:fillRef>
+          <a:effectRef idx="0">
+            <a:schemeClr val="accent1"/>
+          </a:effectRef>
+          <a:fontRef idx="minor">
+            <a:schemeClr val="lt1"/>
+          </a:fontRef>
+        </p:style>
+        <p:txBody>
+          <a:bodyPr rtlCol="0" anchor="ctr"/>
+          <a:lstStyle/>
+          <a:p>
+            <a:pPr algn="ctr"/>
+            <a:endParaRPr lang="fr-FR"/>
+          </a:p>
+        </p:txBody>
+      </p:sp>
+      <p:sp>
+        <p:nvSpPr>
+          <p:cNvPr id="27" name="ZoneTexte 26"/>
+          <p:cNvSpPr txBox="1"/>
+          <p:nvPr/>
+        </p:nvSpPr>
+        <p:spPr>
+          <a:xfrm>
+            <a:off x="8429545" y="4945725"/>
+            <a:ext cx="1034257" cy="584775"/>
+          </a:xfrm>
+          <a:prstGeom prst="rect">
+            <a:avLst/>
+          </a:prstGeom>
+          <a:noFill/>
+        </p:spPr>
+        <p:txBody>
+          <a:bodyPr wrap="none" rtlCol="0">
+            <a:spAutoFit/>
+          </a:bodyPr>
+          <a:lstStyle/>
+          <a:p>
+            <a:r>
+              <a:rPr lang="fr-FR" sz="1600" dirty="0" smtClean="0"/>
+              <a:t>Injection</a:t>
+            </a:r>
+          </a:p>
+          <a:p>
+            <a:r>
+              <a:rPr lang="fr-FR" sz="1600" dirty="0" err="1" smtClean="0"/>
+              <a:t>Youtube</a:t>
+            </a:r>
+            <a:endParaRPr lang="fr-FR" sz="1600" dirty="0"/>
+          </a:p>
+        </p:txBody>
+      </p:sp>
+    </p:spTree>
+    <p:extLst>
+      <p:ext uri="{BB962C8B-B14F-4D97-AF65-F5344CB8AC3E}">
+        <p14:creationId xmlns:p14="http://schemas.microsoft.com/office/powerpoint/2010/main" val="3441282016"/>
+      </p:ext>
+    </p:extLst>
+  </p:cSld>
+  <p:clrMapOvr>
+    <a:masterClrMapping/>
+  </p:clrMapOvr>
+</p:sld>
+</file>
+
+<file path=ppt/slides/slide18.xml><?xml version="1.0" encoding="utf-8"?>
+<p:sld xmlns:a="http://schemas.openxmlformats.org/drawingml/2006/main" xmlns:r="http://schemas.openxmlformats.org/officeDocument/2006/relationships" xmlns:p="http://schemas.openxmlformats.org/presentationml/2006/main">
+  <p:cSld>
+    <p:spTree>
+      <p:nvGrpSpPr>
+        <p:cNvPr id="1" name=""/>
+        <p:cNvGrpSpPr/>
+        <p:nvPr/>
+      </p:nvGrpSpPr>
+      <p:grpSpPr>
+        <a:xfrm>
+          <a:off x="0" y="0"/>
+          <a:ext cx="0" cy="0"/>
+          <a:chOff x="0" y="0"/>
+          <a:chExt cx="0" cy="0"/>
+        </a:xfrm>
+      </p:grpSpPr>
+      <p:sp>
+        <p:nvSpPr>
+          <p:cNvPr id="2" name="Titre 1"/>
+          <p:cNvSpPr>
+            <a:spLocks noGrp="1"/>
+          </p:cNvSpPr>
+          <p:nvPr>
+            <p:ph type="title"/>
+          </p:nvPr>
+        </p:nvSpPr>
+        <p:spPr/>
+        <p:txBody>
+          <a:bodyPr/>
+          <a:lstStyle/>
+          <a:p>
+            <a:r>
+              <a:rPr lang="fr-FR" dirty="0" err="1" smtClean="0"/>
+              <a:t>Yanice</a:t>
+            </a:r>
+            <a:r>
+              <a:rPr lang="fr-FR" dirty="0" smtClean="0"/>
+              <a:t> : Problèmes rencontrés (3/3)</a:t>
+            </a:r>
+            <a:endParaRPr lang="fr-FR" dirty="0"/>
+          </a:p>
+        </p:txBody>
+      </p:sp>
+      <p:sp>
+        <p:nvSpPr>
+          <p:cNvPr id="3" name="Espace réservé du contenu 2"/>
+          <p:cNvSpPr>
+            <a:spLocks noGrp="1"/>
+          </p:cNvSpPr>
+          <p:nvPr>
+            <p:ph idx="1"/>
+          </p:nvPr>
+        </p:nvSpPr>
+        <p:spPr/>
+        <p:txBody>
+          <a:bodyPr/>
+          <a:lstStyle/>
+          <a:p>
+            <a:r>
+              <a:rPr lang="fr-FR" dirty="0" smtClean="0"/>
+              <a:t>Appréhension UNITY.</a:t>
+            </a:r>
+          </a:p>
+          <a:p>
+            <a:r>
+              <a:rPr lang="fr-FR" dirty="0" smtClean="0"/>
+              <a:t>Problème de lecture après leur passage en VR.</a:t>
+            </a:r>
+          </a:p>
+          <a:p>
+            <a:r>
+              <a:rPr lang="fr-FR" dirty="0" smtClean="0"/>
+              <a:t>Injection </a:t>
+            </a:r>
+            <a:r>
+              <a:rPr lang="fr-FR" dirty="0" err="1" smtClean="0"/>
+              <a:t>youtube</a:t>
+            </a:r>
+            <a:r>
+              <a:rPr lang="fr-FR" dirty="0"/>
+              <a:t>.</a:t>
+            </a:r>
+          </a:p>
+        </p:txBody>
+      </p:sp>
+    </p:spTree>
+    <p:extLst>
+      <p:ext uri="{BB962C8B-B14F-4D97-AF65-F5344CB8AC3E}">
+        <p14:creationId xmlns:p14="http://schemas.microsoft.com/office/powerpoint/2010/main" val="935954564"/>
+      </p:ext>
+    </p:extLst>
+  </p:cSld>
+  <p:clrMapOvr>
+    <a:masterClrMapping/>
+  </p:clrMapOvr>
+</p:sld>
+</file>
+
+<file path=ppt/slides/slide19.xml><?xml version="1.0" encoding="utf-8"?>
+<p:sld xmlns:a="http://schemas.openxmlformats.org/drawingml/2006/main" xmlns:r="http://schemas.openxmlformats.org/officeDocument/2006/relationships" xmlns:p="http://schemas.openxmlformats.org/presentationml/2006/main">
+  <p:cSld>
+    <p:spTree>
+      <p:nvGrpSpPr>
+        <p:cNvPr id="1" name=""/>
+        <p:cNvGrpSpPr/>
+        <p:nvPr/>
+      </p:nvGrpSpPr>
+      <p:grpSpPr>
+        <a:xfrm>
+          <a:off x="0" y="0"/>
+          <a:ext cx="0" cy="0"/>
+          <a:chOff x="0" y="0"/>
+          <a:chExt cx="0" cy="0"/>
+        </a:xfrm>
+      </p:grpSpPr>
+      <p:sp>
+        <p:nvSpPr>
+          <p:cNvPr id="2" name="Titre 1"/>
+          <p:cNvSpPr>
+            <a:spLocks noGrp="1"/>
+          </p:cNvSpPr>
+          <p:nvPr>
+            <p:ph type="title"/>
+          </p:nvPr>
+        </p:nvSpPr>
+        <p:spPr/>
+        <p:txBody>
+          <a:bodyPr/>
+          <a:lstStyle/>
+          <a:p>
+            <a:r>
+              <a:rPr lang="fr-FR" dirty="0" smtClean="0"/>
+              <a:t>Démo</a:t>
+            </a:r>
+            <a:endParaRPr lang="fr-FR" dirty="0"/>
+          </a:p>
+        </p:txBody>
+      </p:sp>
+      <p:sp>
+        <p:nvSpPr>
+          <p:cNvPr id="3" name="Espace réservé du contenu 2"/>
+          <p:cNvSpPr>
+            <a:spLocks noGrp="1"/>
+          </p:cNvSpPr>
+          <p:nvPr>
+            <p:ph idx="1"/>
+          </p:nvPr>
+        </p:nvSpPr>
+        <p:spPr/>
+        <p:txBody>
+          <a:bodyPr>
+            <a:normAutofit/>
+          </a:bodyPr>
+          <a:lstStyle/>
+          <a:p>
+            <a:pPr marL="0" indent="0">
+              <a:buNone/>
+            </a:pPr>
+            <a:r>
+              <a:rPr lang="fr-FR" sz="2400" dirty="0" smtClean="0"/>
+              <a:t>Comment ça marche ?</a:t>
+            </a:r>
+          </a:p>
+          <a:p>
+            <a:r>
+              <a:rPr lang="fr-FR" dirty="0"/>
+              <a:t>1 - Approcher un tag NFC</a:t>
+            </a:r>
+            <a:r>
+              <a:rPr lang="fr-FR" dirty="0" smtClean="0"/>
+              <a:t>.</a:t>
+            </a:r>
+            <a:endParaRPr lang="fr-FR" dirty="0"/>
+          </a:p>
+          <a:p>
+            <a:r>
+              <a:rPr lang="fr-FR" dirty="0"/>
+              <a:t>2 - L'application récupère la vidéo depuis le serveur</a:t>
+            </a:r>
+            <a:r>
+              <a:rPr lang="fr-FR" dirty="0" smtClean="0"/>
+              <a:t>.</a:t>
+            </a:r>
+            <a:endParaRPr lang="fr-FR" dirty="0"/>
+          </a:p>
+          <a:p>
+            <a:r>
+              <a:rPr lang="fr-FR" dirty="0"/>
+              <a:t>3 - L'application ouvre l'application </a:t>
+            </a:r>
+            <a:r>
+              <a:rPr lang="fr-FR" dirty="0" err="1" smtClean="0"/>
+              <a:t>Youtube</a:t>
+            </a:r>
+            <a:r>
+              <a:rPr lang="fr-FR" dirty="0" smtClean="0"/>
+              <a:t>.</a:t>
+            </a:r>
+            <a:endParaRPr lang="fr-FR" dirty="0"/>
+          </a:p>
+          <a:p>
+            <a:r>
+              <a:rPr lang="fr-FR" dirty="0"/>
+              <a:t>4 - Vous devez mettre en plein écran la vidéo </a:t>
+            </a:r>
+            <a:r>
+              <a:rPr lang="fr-FR" dirty="0" err="1"/>
+              <a:t>Youtube</a:t>
+            </a:r>
+            <a:r>
+              <a:rPr lang="fr-FR" dirty="0" smtClean="0"/>
+              <a:t>.</a:t>
+            </a:r>
+            <a:endParaRPr lang="fr-FR" dirty="0"/>
+          </a:p>
+          <a:p>
+            <a:r>
+              <a:rPr lang="fr-FR" dirty="0"/>
+              <a:t>5 - Vous devez ensuite cliquer sur le bouton VR en bas à droite de la vidéo</a:t>
+            </a:r>
+            <a:r>
+              <a:rPr lang="fr-FR" dirty="0" smtClean="0"/>
+              <a:t>.</a:t>
+            </a:r>
+            <a:endParaRPr lang="fr-FR" dirty="0" smtClean="0"/>
+          </a:p>
+        </p:txBody>
+      </p:sp>
+    </p:spTree>
+    <p:extLst>
+      <p:ext uri="{BB962C8B-B14F-4D97-AF65-F5344CB8AC3E}">
+        <p14:creationId xmlns:p14="http://schemas.microsoft.com/office/powerpoint/2010/main" val="3420849559"/>
+      </p:ext>
+    </p:extLst>
+  </p:cSld>
+  <p:clrMapOvr>
+    <a:masterClrMapping/>
+  </p:clrMapOvr>
+</p:sld>
+</file>
+
 <file path=ppt/slides/slide2.xml><?xml version="1.0" encoding="utf-8"?>
 <p:sld xmlns:a="http://schemas.openxmlformats.org/drawingml/2006/main" xmlns:r="http://schemas.openxmlformats.org/officeDocument/2006/relationships" xmlns:p="http://schemas.openxmlformats.org/presentationml/2006/main">
   <p:cSld>
@@ -5596,7 +7563,9 @@
         </p:nvSpPr>
         <p:spPr/>
         <p:txBody>
-          <a:bodyPr/>
+          <a:bodyPr>
+            <a:normAutofit lnSpcReduction="10000"/>
+          </a:bodyPr>
           <a:lstStyle/>
           <a:p>
             <a:r>
@@ -5621,21 +7590,51 @@
               <a:rPr lang="fr-FR" dirty="0" smtClean="0"/>
               <a:t>Outils, technologies</a:t>
             </a:r>
-          </a:p>
-          <a:p>
-            <a:r>
-              <a:rPr lang="fr-FR" dirty="0" smtClean="0"/>
-              <a:t>Diagramme (Classe, Uses cases, </a:t>
+            <a:endParaRPr lang="fr-FR" dirty="0" smtClean="0"/>
+          </a:p>
+          <a:p>
+            <a:r>
+              <a:rPr lang="fr-FR" dirty="0" smtClean="0"/>
+              <a:t>Tâches de Romain</a:t>
+            </a:r>
+          </a:p>
+          <a:p>
+            <a:r>
+              <a:rPr lang="fr-FR" dirty="0"/>
+              <a:t>Tâches de Mohamed</a:t>
+            </a:r>
+          </a:p>
+          <a:p>
+            <a:r>
+              <a:rPr lang="fr-FR" dirty="0"/>
+              <a:t>Tâches de </a:t>
+            </a:r>
+            <a:r>
+              <a:rPr lang="fr-FR" dirty="0" smtClean="0"/>
+              <a:t>Gaël</a:t>
+            </a:r>
+            <a:endParaRPr lang="fr-FR" dirty="0"/>
+          </a:p>
+          <a:p>
+            <a:r>
+              <a:rPr lang="fr-FR" dirty="0"/>
+              <a:t>Tâches de </a:t>
             </a:r>
             <a:r>
               <a:rPr lang="fr-FR" dirty="0" err="1" smtClean="0"/>
-              <a:t>etc</a:t>
-            </a:r>
-            <a:r>
-              <a:rPr lang="fr-FR" dirty="0" smtClean="0"/>
-              <a:t>)</a:t>
+              <a:t>Yanice</a:t>
+            </a:r>
+            <a:endParaRPr lang="fr-FR" dirty="0" smtClean="0"/>
+          </a:p>
+          <a:p>
+            <a:r>
+              <a:rPr lang="fr-FR" dirty="0" smtClean="0"/>
+              <a:t>Démo</a:t>
             </a:r>
             <a:endParaRPr lang="fr-FR" dirty="0"/>
+          </a:p>
+          <a:p>
+            <a:endParaRPr lang="fr-FR" dirty="0" smtClean="0"/>
           </a:p>
         </p:txBody>
       </p:sp>
@@ -5743,11 +7742,7 @@
             <a:pPr lvl="1"/>
             <a:r>
               <a:rPr lang="fr-FR" dirty="0" smtClean="0"/>
-              <a:t>Informer l’utilisateur </a:t>
-            </a:r>
-            <a:r>
-              <a:rPr lang="fr-FR" dirty="0" smtClean="0"/>
-              <a:t>sur les différents événements historiques d’un musée.</a:t>
+              <a:t>Informer l’utilisateur sur les différents événements historiques d’un musée.</a:t>
             </a:r>
           </a:p>
           <a:p>
@@ -5762,19 +7757,7 @@
             </a:pPr>
             <a:r>
               <a:rPr lang="fr-FR" dirty="0" smtClean="0"/>
-              <a:t>Via </a:t>
-            </a:r>
-            <a:r>
-              <a:rPr lang="fr-FR" dirty="0" smtClean="0"/>
-              <a:t>leur smartphone (compatible NFC) et </a:t>
-            </a:r>
-            <a:r>
-              <a:rPr lang="fr-FR" dirty="0" smtClean="0"/>
-              <a:t>un casque de réalité </a:t>
-            </a:r>
-            <a:r>
-              <a:rPr lang="fr-FR" dirty="0" smtClean="0"/>
-              <a:t>virtuelle, ils pourront bénéficier </a:t>
+              <a:t>Via leur smartphone (compatible NFC) et un casque de réalité virtuelle, ils pourront bénéficier </a:t>
             </a:r>
             <a:r>
               <a:rPr lang="fr-FR" dirty="0"/>
@@ -5790,11 +7773,7 @@
             </a:r>
             <a:r>
               <a:rPr lang="fr-FR" dirty="0" smtClean="0"/>
-              <a:t>ou d’un </a:t>
-            </a:r>
-            <a:r>
-              <a:rPr lang="fr-FR" dirty="0" smtClean="0"/>
-              <a:t>autre élément touristique.</a:t>
+              <a:t>ou d’un autre élément touristique.</a:t>
             </a:r>
             <a:endParaRPr lang="fr-FR" dirty="0"/>
           </a:p>
@@ -5895,19 +7874,7 @@
           <a:p>
             <a:r>
               <a:rPr lang="fr-FR" dirty="0" smtClean="0"/>
-              <a:t>Informer les touristes sur </a:t>
-            </a:r>
-            <a:r>
-              <a:rPr lang="fr-FR" dirty="0" smtClean="0"/>
-              <a:t>l’histoire </a:t>
-            </a:r>
-            <a:r>
-              <a:rPr lang="fr-FR" dirty="0" smtClean="0"/>
-              <a:t>de </a:t>
-            </a:r>
-            <a:r>
-              <a:rPr lang="fr-FR" dirty="0" smtClean="0"/>
-              <a:t>l’endroit ou de l’objet concerné</a:t>
+              <a:t>Informer les touristes sur l’histoire de l’endroit ou de l’objet concerné</a:t>
             </a:r>
           </a:p>
           <a:p>
@@ -6004,7 +7971,7 @@
         </p:spPr>
         <p:txBody>
           <a:bodyPr>
-            <a:normAutofit fontScale="85000" lnSpcReduction="20000"/>
+            <a:normAutofit fontScale="77500" lnSpcReduction="20000"/>
           </a:bodyPr>
           <a:lstStyle/>
           <a:p>
@@ -6018,11 +7985,7 @@
             </a:r>
             <a:r>
               <a:rPr lang="fr-FR" dirty="0" smtClean="0"/>
-              <a:t> Mohamed </a:t>
-            </a:r>
-            <a:r>
-              <a:rPr lang="fr-FR" dirty="0" smtClean="0"/>
-              <a:t>:</a:t>
+              <a:t> Mohamed :</a:t>
             </a:r>
           </a:p>
           <a:p>
@@ -6039,7 +8002,6 @@
               <a:rPr lang="fr-FR" dirty="0" smtClean="0"/>
               <a:t>ndroid et le serveur.</a:t>
             </a:r>
-            <a:endParaRPr lang="fr-FR" dirty="0" smtClean="0"/>
           </a:p>
           <a:p>
             <a:r>
@@ -6063,11 +8025,7 @@
             <a:pPr lvl="1"/>
             <a:r>
               <a:rPr lang="fr-FR" dirty="0" smtClean="0"/>
-              <a:t>Programmation du Web </a:t>
-            </a:r>
-            <a:r>
-              <a:rPr lang="fr-FR" dirty="0" smtClean="0"/>
-              <a:t>Service (serveur).</a:t>
+              <a:t>Programmation du Web Service (serveur).</a:t>
             </a:r>
           </a:p>
           <a:p>
@@ -6076,7 +8034,6 @@
               <a:rPr lang="fr-FR" dirty="0" smtClean="0"/>
               <a:t>Mise en place d’un back-office (Mise à jour des vidéos dans la base de données).</a:t>
             </a:r>
-            <a:endParaRPr lang="fr-FR" dirty="0" smtClean="0"/>
           </a:p>
           <a:p>
             <a:r>
@@ -6093,19 +8050,32 @@
             </a:r>
             <a:r>
               <a:rPr lang="fr-FR" dirty="0" smtClean="0"/>
-              <a:t> :</a:t>
+              <a:t> </a:t>
+            </a:r>
+            <a:r>
+              <a:rPr lang="fr-FR" dirty="0" smtClean="0"/>
+              <a:t>:</a:t>
             </a:r>
           </a:p>
           <a:p>
             <a:pPr lvl="1"/>
             <a:r>
               <a:rPr lang="fr-FR" dirty="0" smtClean="0"/>
-              <a:t>Création </a:t>
-            </a:r>
-            <a:r>
-              <a:rPr lang="fr-FR" dirty="0" smtClean="0"/>
-              <a:t>et implémentation de vidéos VR.</a:t>
-            </a:r>
+              <a:t>Utilisation d’</a:t>
+            </a:r>
+            <a:r>
+              <a:rPr lang="fr-FR" dirty="0" err="1" smtClean="0"/>
+              <a:t>Unity</a:t>
+            </a:r>
+            <a:endParaRPr lang="fr-FR" dirty="0" smtClean="0"/>
+          </a:p>
+          <a:p>
+            <a:pPr lvl="1"/>
+            <a:r>
+              <a:rPr lang="fr-FR" dirty="0" smtClean="0"/>
+              <a:t>Création et implémentation de vidéos VR.</a:t>
+            </a:r>
+            <a:endParaRPr lang="fr-FR" dirty="0" smtClean="0"/>
           </a:p>
           <a:p>
             <a:pPr lvl="1"/>
@@ -6129,7 +8099,6 @@
               <a:rPr lang="fr-FR" dirty="0" smtClean="0"/>
               <a:t>.</a:t>
             </a:r>
-            <a:endParaRPr lang="fr-FR" dirty="0" smtClean="0"/>
           </a:p>
           <a:p>
             <a:r>
@@ -6138,11 +8107,7 @@
             </a:r>
             <a:r>
               <a:rPr lang="fr-FR" dirty="0" smtClean="0"/>
-              <a:t> Romain </a:t>
-            </a:r>
-            <a:r>
-              <a:rPr lang="fr-FR" dirty="0" smtClean="0"/>
-              <a:t>:</a:t>
+              <a:t> Romain :</a:t>
             </a:r>
           </a:p>
           <a:p>
@@ -6262,16 +8227,11 @@
               <a:rPr lang="fr-FR" dirty="0" smtClean="0"/>
               <a:t>NFC sticker tags (NTAG2313)</a:t>
             </a:r>
-            <a:endParaRPr lang="fr-FR" dirty="0" smtClean="0"/>
-          </a:p>
-          <a:p>
-            <a:r>
-              <a:rPr lang="fr-FR" dirty="0" smtClean="0"/>
-              <a:t>Casque de réalité </a:t>
-            </a:r>
-            <a:r>
-              <a:rPr lang="fr-FR" dirty="0" smtClean="0"/>
-              <a:t>virtuelle;</a:t>
+          </a:p>
+          <a:p>
+            <a:r>
+              <a:rPr lang="fr-FR" dirty="0" smtClean="0"/>
+              <a:t>Casque de réalité virtuelle;</a:t>
             </a:r>
           </a:p>
           <a:p>
@@ -6288,24 +8248,11 @@
               <a:rPr lang="fr-FR" dirty="0" smtClean="0"/>
               <a:t> (Virtual reality glasses)</a:t>
             </a:r>
-            <a:endParaRPr lang="fr-FR" dirty="0" smtClean="0"/>
-          </a:p>
-          <a:p>
-            <a:r>
-              <a:rPr lang="fr-FR" dirty="0" smtClean="0"/>
-              <a:t>Smartphone </a:t>
-            </a:r>
-            <a:r>
-              <a:rPr lang="fr-FR" dirty="0" smtClean="0"/>
-              <a:t>compatible casque VR et </a:t>
-            </a:r>
-            <a:r>
-              <a:rPr lang="fr-FR" dirty="0" smtClean="0"/>
-              <a:t>muni de la technologie NFC</a:t>
-            </a:r>
-            <a:r>
-              <a:rPr lang="fr-FR" dirty="0" smtClean="0"/>
-              <a:t>.</a:t>
+          </a:p>
+          <a:p>
+            <a:r>
+              <a:rPr lang="fr-FR" dirty="0" smtClean="0"/>
+              <a:t>Smartphone compatible casque VR et muni de la technologie NFC.</a:t>
             </a:r>
           </a:p>
           <a:p>
@@ -6447,118 +8394,1562 @@
           <a:p>
             <a:r>
               <a:rPr lang="fr-FR" dirty="0" smtClean="0"/>
-              <a:t>Démo</a:t>
+              <a:t>Romain : Technologies (1/2)</a:t>
             </a:r>
             <a:endParaRPr lang="fr-FR" dirty="0"/>
           </a:p>
         </p:txBody>
       </p:sp>
-      <p:sp>
-        <p:nvSpPr>
-          <p:cNvPr id="3" name="Espace réservé du contenu 2"/>
-          <p:cNvSpPr>
-            <a:spLocks noGrp="1"/>
-          </p:cNvSpPr>
-          <p:nvPr>
-            <p:ph idx="1"/>
-          </p:nvPr>
-        </p:nvSpPr>
-        <p:spPr/>
-        <p:txBody>
-          <a:bodyPr>
-            <a:normAutofit/>
-          </a:bodyPr>
-          <a:lstStyle/>
-          <a:p>
-            <a:pPr marL="0" indent="0">
-              <a:buNone/>
-            </a:pPr>
-            <a:r>
-              <a:rPr lang="fr-FR" sz="2400" dirty="0" smtClean="0"/>
-              <a:t>Comment ça marche ?</a:t>
-            </a:r>
-          </a:p>
-          <a:p>
-            <a:r>
-              <a:rPr lang="fr-FR" dirty="0"/>
-              <a:t>1 - Approcher un tag NFC</a:t>
-            </a:r>
-            <a:r>
-              <a:rPr lang="fr-FR" dirty="0" smtClean="0"/>
-              <a:t>.</a:t>
-            </a:r>
-            <a:endParaRPr lang="fr-FR" dirty="0"/>
-          </a:p>
-          <a:p>
-            <a:r>
-              <a:rPr lang="fr-FR" dirty="0"/>
-              <a:t>2 - L'application récupère la vidéo depuis le serveur</a:t>
-            </a:r>
-            <a:r>
-              <a:rPr lang="fr-FR" dirty="0" smtClean="0"/>
-              <a:t>.</a:t>
-            </a:r>
-            <a:endParaRPr lang="fr-FR" dirty="0"/>
-          </a:p>
-          <a:p>
-            <a:r>
-              <a:rPr lang="fr-FR" dirty="0"/>
-              <a:t>3 - L'application ouvre l'application </a:t>
-            </a:r>
-            <a:r>
-              <a:rPr lang="fr-FR" dirty="0" err="1" smtClean="0"/>
-              <a:t>Youtube</a:t>
-            </a:r>
-            <a:r>
-              <a:rPr lang="fr-FR" dirty="0" smtClean="0"/>
-              <a:t>.</a:t>
-            </a:r>
-            <a:endParaRPr lang="fr-FR" dirty="0"/>
-          </a:p>
-          <a:p>
-            <a:r>
-              <a:rPr lang="fr-FR" dirty="0"/>
-              <a:t>4 - Vous devez mettre en plein écran la vidéo </a:t>
-            </a:r>
-            <a:r>
-              <a:rPr lang="fr-FR" dirty="0" err="1"/>
-              <a:t>Youtube</a:t>
-            </a:r>
-            <a:r>
-              <a:rPr lang="fr-FR" dirty="0" smtClean="0"/>
-              <a:t>.</a:t>
-            </a:r>
-            <a:endParaRPr lang="fr-FR" dirty="0"/>
-          </a:p>
-          <a:p>
-            <a:r>
-              <a:rPr lang="fr-FR" dirty="0"/>
-              <a:t>5 - Vous devez ensuite cliquer sur le bouton VR en bas à droite de la vidéo</a:t>
-            </a:r>
-            <a:r>
-              <a:rPr lang="fr-FR" dirty="0" smtClean="0"/>
-              <a:t>.</a:t>
-            </a:r>
-          </a:p>
-          <a:p>
-            <a:endParaRPr lang="fr-FR" dirty="0"/>
-          </a:p>
-          <a:p>
-            <a:pPr marL="0" indent="0" algn="ctr">
-              <a:buNone/>
-            </a:pPr>
-            <a:r>
-              <a:rPr lang="fr-FR" sz="2400" dirty="0" smtClean="0"/>
-              <a:t>Lien démo</a:t>
-            </a:r>
-            <a:endParaRPr lang="fr-FR" dirty="0" smtClean="0"/>
-          </a:p>
-        </p:txBody>
-      </p:sp>
+      <p:pic>
+        <p:nvPicPr>
+          <p:cNvPr id="7" name="Image 6"/>
+          <p:cNvPicPr>
+            <a:picLocks noChangeAspect="1"/>
+          </p:cNvPicPr>
+          <p:nvPr/>
+        </p:nvPicPr>
+        <p:blipFill>
+          <a:blip r:embed="rId2">
+            <a:extLst>
+              <a:ext uri="{28A0092B-C50C-407E-A947-70E740481C1C}">
+                <a14:useLocalDpi xmlns:a14="http://schemas.microsoft.com/office/drawing/2010/main" val="0"/>
+              </a:ext>
+            </a:extLst>
+          </a:blip>
+          <a:stretch>
+            <a:fillRect/>
+          </a:stretch>
+        </p:blipFill>
+        <p:spPr>
+          <a:xfrm>
+            <a:off x="3669385" y="3562661"/>
+            <a:ext cx="1700566" cy="952018"/>
+          </a:xfrm>
+          <a:prstGeom prst="rect">
+            <a:avLst/>
+          </a:prstGeom>
+        </p:spPr>
+      </p:pic>
+      <p:graphicFrame>
+        <p:nvGraphicFramePr>
+          <p:cNvPr id="8" name="Tableau 7"/>
+          <p:cNvGraphicFramePr>
+            <a:graphicFrameLocks noGrp="1"/>
+          </p:cNvGraphicFramePr>
+          <p:nvPr>
+            <p:extLst/>
+          </p:nvPr>
+        </p:nvGraphicFramePr>
+        <p:xfrm>
+          <a:off x="810000" y="3081629"/>
+          <a:ext cx="10563286" cy="2515470"/>
+        </p:xfrm>
+        <a:graphic>
+          <a:graphicData uri="http://schemas.openxmlformats.org/drawingml/2006/table">
+            <a:tbl>
+              <a:tblPr firstRow="1" bandRow="1">
+                <a:tableStyleId>{5C22544A-7EE6-4342-B048-85BDC9FD1C3A}</a:tableStyleId>
+              </a:tblPr>
+              <a:tblGrid>
+                <a:gridCol w="5281643">
+                  <a:extLst>
+                    <a:ext uri="{9D8B030D-6E8A-4147-A177-3AD203B41FA5}">
+                      <a16:colId xmlns:a16="http://schemas.microsoft.com/office/drawing/2014/main" val="702011547"/>
+                    </a:ext>
+                  </a:extLst>
+                </a:gridCol>
+                <a:gridCol w="5281643">
+                  <a:extLst>
+                    <a:ext uri="{9D8B030D-6E8A-4147-A177-3AD203B41FA5}">
+                      <a16:colId xmlns:a16="http://schemas.microsoft.com/office/drawing/2014/main" val="3959156743"/>
+                    </a:ext>
+                  </a:extLst>
+                </a:gridCol>
+              </a:tblGrid>
+              <a:tr h="424542">
+                <a:tc>
+                  <a:txBody>
+                    <a:bodyPr/>
+                    <a:lstStyle/>
+                    <a:p>
+                      <a:pPr lvl="1"/>
+                      <a:r>
+                        <a:rPr lang="fr-FR" dirty="0" smtClean="0"/>
+                        <a:t>Programmation de l’application VR.</a:t>
+                      </a:r>
+                    </a:p>
+                  </a:txBody>
+                  <a:tcPr>
+                    <a:lnL w="12700" cmpd="sng">
+                      <a:noFill/>
+                    </a:lnL>
+                    <a:lnR w="12700" cmpd="sng">
+                      <a:noFill/>
+                    </a:lnR>
+                    <a:lnT w="12700" cmpd="sng">
+                      <a:noFill/>
+                    </a:lnT>
+                    <a:lnB w="38100" cmpd="sng">
+                      <a:noFill/>
+                    </a:lnB>
+                    <a:lnTlToBr w="12700" cmpd="sng">
+                      <a:noFill/>
+                      <a:prstDash val="solid"/>
+                    </a:lnTlToBr>
+                    <a:lnBlToTr w="12700" cmpd="sng">
+                      <a:noFill/>
+                      <a:prstDash val="solid"/>
+                    </a:lnBlToTr>
+                    <a:noFill/>
+                  </a:tcPr>
+                </a:tc>
+                <a:tc>
+                  <a:txBody>
+                    <a:bodyPr/>
+                    <a:lstStyle/>
+                    <a:p>
+                      <a:pPr lvl="1"/>
+                      <a:r>
+                        <a:rPr lang="fr-FR" dirty="0" smtClean="0"/>
+                        <a:t>Ecriture / Lecture des Tags NFC,</a:t>
+                      </a:r>
+                      <a:r>
+                        <a:rPr lang="fr-FR" baseline="0" dirty="0" smtClean="0"/>
+                        <a:t> Matériels</a:t>
+                      </a:r>
+                      <a:endParaRPr lang="fr-FR" dirty="0" smtClean="0"/>
+                    </a:p>
+                  </a:txBody>
+                  <a:tcPr>
+                    <a:lnL w="12700" cmpd="sng">
+                      <a:noFill/>
+                    </a:lnL>
+                    <a:lnR w="12700" cmpd="sng">
+                      <a:noFill/>
+                    </a:lnR>
+                    <a:lnT w="12700" cmpd="sng">
+                      <a:noFill/>
+                    </a:lnT>
+                    <a:lnB w="38100" cmpd="sng">
+                      <a:noFill/>
+                    </a:lnB>
+                    <a:lnTlToBr w="12700" cmpd="sng">
+                      <a:noFill/>
+                      <a:prstDash val="solid"/>
+                    </a:lnTlToBr>
+                    <a:lnBlToTr w="12700" cmpd="sng">
+                      <a:noFill/>
+                      <a:prstDash val="solid"/>
+                    </a:lnBlToTr>
+                    <a:noFill/>
+                  </a:tcPr>
+                </a:tc>
+                <a:extLst>
+                  <a:ext uri="{0D108BD9-81ED-4DB2-BD59-A6C34878D82A}">
+                    <a16:rowId xmlns:a16="http://schemas.microsoft.com/office/drawing/2014/main" val="794584332"/>
+                  </a:ext>
+                </a:extLst>
+              </a:tr>
+              <a:tr h="1029456">
+                <a:tc>
+                  <a:txBody>
+                    <a:bodyPr/>
+                    <a:lstStyle/>
+                    <a:p>
+                      <a:pPr marL="0" marR="0" lvl="0" indent="0" algn="l" defTabSz="457200" rtl="0" eaLnBrk="1" fontAlgn="auto" latinLnBrk="0" hangingPunct="1">
+                        <a:lnSpc>
+                          <a:spcPct val="100000"/>
+                        </a:lnSpc>
+                        <a:spcBef>
+                          <a:spcPct val="20000"/>
+                        </a:spcBef>
+                        <a:spcAft>
+                          <a:spcPts val="600"/>
+                        </a:spcAft>
+                        <a:buClr>
+                          <a:srgbClr val="00C6BB"/>
+                        </a:buClr>
+                        <a:buSzTx/>
+                        <a:buFont typeface="Wingdings 2" charset="2"/>
+                        <a:buNone/>
+                        <a:tabLst/>
+                        <a:defRPr/>
+                      </a:pPr>
+                      <a:endParaRPr kumimoji="0" lang="fr-FR" sz="1800" b="0" i="0" u="none" strike="noStrike" kern="1200" cap="none" spc="0" normalizeH="0" baseline="0" noProof="0" dirty="0" smtClean="0">
+                        <a:ln>
+                          <a:noFill/>
+                        </a:ln>
+                        <a:solidFill>
+                          <a:prstClr val="white"/>
+                        </a:solidFill>
+                        <a:effectLst/>
+                        <a:uLnTx/>
+                        <a:uFillTx/>
+                        <a:latin typeface="Century Gothic" panose="020B0502020202020204"/>
+                        <a:ea typeface="+mn-ea"/>
+                        <a:cs typeface="+mn-cs"/>
+                      </a:endParaRPr>
+                    </a:p>
+                    <a:p>
+                      <a:pPr marL="342900" marR="0" lvl="0" indent="-342900" algn="l" defTabSz="457200" rtl="0" eaLnBrk="1" fontAlgn="auto" latinLnBrk="0" hangingPunct="1">
+                        <a:lnSpc>
+                          <a:spcPct val="100000"/>
+                        </a:lnSpc>
+                        <a:spcBef>
+                          <a:spcPct val="20000"/>
+                        </a:spcBef>
+                        <a:spcAft>
+                          <a:spcPts val="600"/>
+                        </a:spcAft>
+                        <a:buClr>
+                          <a:srgbClr val="00C6BB"/>
+                        </a:buClr>
+                        <a:buSzTx/>
+                        <a:buFont typeface="Wingdings 2" charset="2"/>
+                        <a:buChar char=""/>
+                        <a:tabLst/>
+                        <a:defRPr/>
+                      </a:pPr>
+                      <a:r>
+                        <a:rPr kumimoji="0" lang="fr-FR" sz="1800" b="0" i="0" u="none" strike="noStrike" kern="1200" cap="none" spc="0" normalizeH="0" baseline="0" noProof="0" dirty="0" smtClean="0">
+                          <a:ln>
+                            <a:noFill/>
+                          </a:ln>
+                          <a:solidFill>
+                            <a:prstClr val="white"/>
+                          </a:solidFill>
+                          <a:effectLst/>
+                          <a:uLnTx/>
+                          <a:uFillTx/>
+                          <a:latin typeface="Century Gothic" panose="020B0502020202020204"/>
+                          <a:ea typeface="+mn-ea"/>
+                          <a:cs typeface="+mn-cs"/>
+                        </a:rPr>
+                        <a:t>Langage : Java </a:t>
+                      </a:r>
+                    </a:p>
+                  </a:txBody>
+                  <a:tcPr>
+                    <a:lnL w="12700" cmpd="sng">
+                      <a:noFill/>
+                    </a:lnL>
+                    <a:lnR w="12700" cmpd="sng">
+                      <a:noFill/>
+                    </a:lnR>
+                    <a:lnT w="38100" cmpd="sng">
+                      <a:noFill/>
+                    </a:lnT>
+                    <a:lnB w="12700" cmpd="sng">
+                      <a:noFill/>
+                    </a:lnB>
+                    <a:lnTlToBr w="12700" cmpd="sng">
+                      <a:noFill/>
+                      <a:prstDash val="solid"/>
+                    </a:lnTlToBr>
+                    <a:lnBlToTr w="12700" cmpd="sng">
+                      <a:noFill/>
+                      <a:prstDash val="solid"/>
+                    </a:lnBlToTr>
+                    <a:noFill/>
+                  </a:tcPr>
+                </a:tc>
+                <a:tc>
+                  <a:txBody>
+                    <a:bodyPr/>
+                    <a:lstStyle/>
+                    <a:p>
+                      <a:pPr marL="0" marR="0" lvl="0" indent="0" algn="l" defTabSz="457200" rtl="0" eaLnBrk="1" fontAlgn="auto" latinLnBrk="0" hangingPunct="1">
+                        <a:lnSpc>
+                          <a:spcPct val="100000"/>
+                        </a:lnSpc>
+                        <a:spcBef>
+                          <a:spcPct val="20000"/>
+                        </a:spcBef>
+                        <a:spcAft>
+                          <a:spcPts val="600"/>
+                        </a:spcAft>
+                        <a:buClr>
+                          <a:srgbClr val="00C6BB"/>
+                        </a:buClr>
+                        <a:buSzTx/>
+                        <a:buFont typeface="Wingdings 2" charset="2"/>
+                        <a:buNone/>
+                        <a:tabLst/>
+                        <a:defRPr/>
+                      </a:pPr>
+                      <a:endParaRPr kumimoji="0" lang="fr-FR" sz="1800" b="0" i="0" u="none" strike="noStrike" kern="1200" cap="none" spc="0" normalizeH="0" baseline="0" noProof="0" dirty="0" smtClean="0">
+                        <a:ln>
+                          <a:noFill/>
+                        </a:ln>
+                        <a:solidFill>
+                          <a:prstClr val="white"/>
+                        </a:solidFill>
+                        <a:effectLst/>
+                        <a:uLnTx/>
+                        <a:uFillTx/>
+                        <a:latin typeface="Century Gothic" panose="020B0502020202020204"/>
+                        <a:ea typeface="+mn-ea"/>
+                        <a:cs typeface="+mn-cs"/>
+                      </a:endParaRPr>
+                    </a:p>
+                    <a:p>
+                      <a:pPr marL="342900" marR="0" lvl="0" indent="-342900" algn="l" defTabSz="457200" rtl="0" eaLnBrk="1" fontAlgn="auto" latinLnBrk="0" hangingPunct="1">
+                        <a:lnSpc>
+                          <a:spcPct val="100000"/>
+                        </a:lnSpc>
+                        <a:spcBef>
+                          <a:spcPct val="20000"/>
+                        </a:spcBef>
+                        <a:spcAft>
+                          <a:spcPts val="600"/>
+                        </a:spcAft>
+                        <a:buClr>
+                          <a:srgbClr val="00C6BB"/>
+                        </a:buClr>
+                        <a:buSzTx/>
+                        <a:buFont typeface="Wingdings 2" charset="2"/>
+                        <a:buChar char=""/>
+                        <a:tabLst/>
+                        <a:defRPr/>
+                      </a:pPr>
+                      <a:r>
+                        <a:rPr kumimoji="0" lang="fr-FR" sz="1800" b="0" i="0" u="none" strike="noStrike" kern="1200" cap="none" spc="0" normalizeH="0" baseline="0" noProof="0" dirty="0" smtClean="0">
+                          <a:ln>
+                            <a:noFill/>
+                          </a:ln>
+                          <a:solidFill>
+                            <a:prstClr val="white"/>
+                          </a:solidFill>
+                          <a:effectLst/>
+                          <a:uLnTx/>
+                          <a:uFillTx/>
+                          <a:latin typeface="Century Gothic" panose="020B0502020202020204"/>
+                          <a:ea typeface="+mn-ea"/>
+                          <a:cs typeface="+mn-cs"/>
+                        </a:rPr>
+                        <a:t>Technologie de communication</a:t>
+                      </a:r>
+                      <a:br>
+                        <a:rPr kumimoji="0" lang="fr-FR" sz="1800" b="0" i="0" u="none" strike="noStrike" kern="1200" cap="none" spc="0" normalizeH="0" baseline="0" noProof="0" dirty="0" smtClean="0">
+                          <a:ln>
+                            <a:noFill/>
+                          </a:ln>
+                          <a:solidFill>
+                            <a:prstClr val="white"/>
+                          </a:solidFill>
+                          <a:effectLst/>
+                          <a:uLnTx/>
+                          <a:uFillTx/>
+                          <a:latin typeface="Century Gothic" panose="020B0502020202020204"/>
+                          <a:ea typeface="+mn-ea"/>
+                          <a:cs typeface="+mn-cs"/>
+                        </a:rPr>
+                      </a:br>
+                      <a:r>
+                        <a:rPr kumimoji="0" lang="fr-FR" sz="1800" b="0" i="0" u="none" strike="noStrike" kern="1200" cap="none" spc="0" normalizeH="0" baseline="0" noProof="0" dirty="0" smtClean="0">
+                          <a:ln>
+                            <a:noFill/>
+                          </a:ln>
+                          <a:solidFill>
+                            <a:prstClr val="white"/>
+                          </a:solidFill>
+                          <a:effectLst/>
+                          <a:uLnTx/>
+                          <a:uFillTx/>
+                          <a:latin typeface="Century Gothic" panose="020B0502020202020204"/>
+                          <a:ea typeface="+mn-ea"/>
+                          <a:cs typeface="+mn-cs"/>
+                        </a:rPr>
+                        <a:t>sans fil : Stickers NFC</a:t>
+                      </a:r>
+                      <a:endParaRPr kumimoji="0" lang="fr-FR" sz="1800" b="0" i="0" u="none" strike="noStrike" kern="1200" cap="none" spc="0" normalizeH="0" baseline="0" noProof="0" dirty="0">
+                        <a:ln>
+                          <a:noFill/>
+                        </a:ln>
+                        <a:solidFill>
+                          <a:prstClr val="white"/>
+                        </a:solidFill>
+                        <a:effectLst/>
+                        <a:uLnTx/>
+                        <a:uFillTx/>
+                        <a:latin typeface="Century Gothic" panose="020B0502020202020204"/>
+                        <a:ea typeface="+mn-ea"/>
+                        <a:cs typeface="+mn-cs"/>
+                      </a:endParaRPr>
+                    </a:p>
+                  </a:txBody>
+                  <a:tcPr>
+                    <a:lnL w="12700" cmpd="sng">
+                      <a:noFill/>
+                    </a:lnL>
+                    <a:lnR w="12700" cmpd="sng">
+                      <a:noFill/>
+                    </a:lnR>
+                    <a:lnT w="38100" cmpd="sng">
+                      <a:noFill/>
+                    </a:lnT>
+                    <a:lnB w="12700" cmpd="sng">
+                      <a:noFill/>
+                    </a:lnB>
+                    <a:lnTlToBr w="12700" cmpd="sng">
+                      <a:noFill/>
+                      <a:prstDash val="solid"/>
+                    </a:lnTlToBr>
+                    <a:lnBlToTr w="12700" cmpd="sng">
+                      <a:noFill/>
+                      <a:prstDash val="solid"/>
+                    </a:lnBlToTr>
+                    <a:noFill/>
+                  </a:tcPr>
+                </a:tc>
+                <a:extLst>
+                  <a:ext uri="{0D108BD9-81ED-4DB2-BD59-A6C34878D82A}">
+                    <a16:rowId xmlns:a16="http://schemas.microsoft.com/office/drawing/2014/main" val="2425151213"/>
+                  </a:ext>
+                </a:extLst>
+              </a:tr>
+              <a:tr h="1029456">
+                <a:tc>
+                  <a:txBody>
+                    <a:bodyPr/>
+                    <a:lstStyle/>
+                    <a:p>
+                      <a:pPr marL="0" marR="0" lvl="0" indent="0" algn="l" defTabSz="457200" rtl="0" eaLnBrk="1" fontAlgn="auto" latinLnBrk="0" hangingPunct="1">
+                        <a:lnSpc>
+                          <a:spcPct val="100000"/>
+                        </a:lnSpc>
+                        <a:spcBef>
+                          <a:spcPct val="20000"/>
+                        </a:spcBef>
+                        <a:spcAft>
+                          <a:spcPts val="600"/>
+                        </a:spcAft>
+                        <a:buClr>
+                          <a:srgbClr val="00C6BB"/>
+                        </a:buClr>
+                        <a:buSzTx/>
+                        <a:buFont typeface="Wingdings 2" charset="2"/>
+                        <a:buNone/>
+                        <a:tabLst/>
+                        <a:defRPr/>
+                      </a:pPr>
+                      <a:endParaRPr kumimoji="0" lang="fr-FR" sz="1800" b="0" i="0" u="none" strike="noStrike" kern="1200" cap="none" spc="0" normalizeH="0" baseline="0" noProof="0" dirty="0" smtClean="0">
+                        <a:ln>
+                          <a:noFill/>
+                        </a:ln>
+                        <a:solidFill>
+                          <a:prstClr val="white"/>
+                        </a:solidFill>
+                        <a:effectLst/>
+                        <a:uLnTx/>
+                        <a:uFillTx/>
+                        <a:latin typeface="Century Gothic" panose="020B0502020202020204"/>
+                        <a:ea typeface="+mn-ea"/>
+                        <a:cs typeface="+mn-cs"/>
+                      </a:endParaRPr>
+                    </a:p>
+                    <a:p>
+                      <a:pPr marL="342900" marR="0" lvl="0" indent="-342900" algn="l" defTabSz="457200" rtl="0" eaLnBrk="1" fontAlgn="auto" latinLnBrk="0" hangingPunct="1">
+                        <a:lnSpc>
+                          <a:spcPct val="100000"/>
+                        </a:lnSpc>
+                        <a:spcBef>
+                          <a:spcPct val="20000"/>
+                        </a:spcBef>
+                        <a:spcAft>
+                          <a:spcPts val="600"/>
+                        </a:spcAft>
+                        <a:buClr>
+                          <a:srgbClr val="00C6BB"/>
+                        </a:buClr>
+                        <a:buSzTx/>
+                        <a:buFont typeface="Wingdings 2" charset="2"/>
+                        <a:buChar char=""/>
+                        <a:tabLst/>
+                        <a:defRPr/>
+                      </a:pPr>
+                      <a:r>
+                        <a:rPr kumimoji="0" lang="fr-FR" sz="1800" b="0" i="0" u="none" strike="noStrike" kern="1200" cap="none" spc="0" normalizeH="0" baseline="0" noProof="0" dirty="0" smtClean="0">
+                          <a:ln>
+                            <a:noFill/>
+                          </a:ln>
+                          <a:solidFill>
+                            <a:prstClr val="white"/>
+                          </a:solidFill>
+                          <a:effectLst/>
+                          <a:uLnTx/>
+                          <a:uFillTx/>
+                          <a:latin typeface="Century Gothic" panose="020B0502020202020204"/>
+                          <a:ea typeface="+mn-ea"/>
+                          <a:cs typeface="+mn-cs"/>
+                        </a:rPr>
+                        <a:t>IDE : Android Studio </a:t>
+                      </a:r>
+                      <a:endParaRPr kumimoji="0" lang="fr-FR" sz="1800" b="0" i="0" u="none" strike="noStrike" kern="1200" cap="none" spc="0" normalizeH="0" baseline="0" noProof="0" dirty="0">
+                        <a:ln>
+                          <a:noFill/>
+                        </a:ln>
+                        <a:solidFill>
+                          <a:prstClr val="white"/>
+                        </a:solidFill>
+                        <a:effectLst/>
+                        <a:uLnTx/>
+                        <a:uFillTx/>
+                        <a:latin typeface="Century Gothic" panose="020B0502020202020204"/>
+                        <a:ea typeface="+mn-ea"/>
+                        <a:cs typeface="+mn-cs"/>
+                      </a:endParaRPr>
+                    </a:p>
+                  </a:txBody>
+                  <a:tcPr>
+                    <a:lnL w="12700" cmpd="sng">
+                      <a:noFill/>
+                    </a:lnL>
+                    <a:lnR w="12700" cmpd="sng">
+                      <a:noFill/>
+                    </a:lnR>
+                    <a:lnT w="12700" cmpd="sng">
+                      <a:noFill/>
+                    </a:lnT>
+                    <a:lnB w="12700" cmpd="sng">
+                      <a:noFill/>
+                    </a:lnB>
+                    <a:lnTlToBr w="12700" cmpd="sng">
+                      <a:noFill/>
+                      <a:prstDash val="solid"/>
+                    </a:lnTlToBr>
+                    <a:lnBlToTr w="12700" cmpd="sng">
+                      <a:noFill/>
+                      <a:prstDash val="solid"/>
+                    </a:lnBlToTr>
+                    <a:noFill/>
+                  </a:tcPr>
+                </a:tc>
+                <a:tc>
+                  <a:txBody>
+                    <a:bodyPr/>
+                    <a:lstStyle/>
+                    <a:p>
+                      <a:pPr marL="0" marR="0" lvl="0" indent="0" algn="l" defTabSz="457200" rtl="0" eaLnBrk="1" fontAlgn="auto" latinLnBrk="0" hangingPunct="1">
+                        <a:lnSpc>
+                          <a:spcPct val="100000"/>
+                        </a:lnSpc>
+                        <a:spcBef>
+                          <a:spcPct val="20000"/>
+                        </a:spcBef>
+                        <a:spcAft>
+                          <a:spcPts val="600"/>
+                        </a:spcAft>
+                        <a:buClr>
+                          <a:srgbClr val="00C6BB"/>
+                        </a:buClr>
+                        <a:buSzTx/>
+                        <a:buFont typeface="Wingdings 2" charset="2"/>
+                        <a:buNone/>
+                        <a:tabLst/>
+                        <a:defRPr/>
+                      </a:pPr>
+                      <a:endParaRPr kumimoji="0" lang="fr-FR" sz="1800" b="0" i="0" u="none" strike="noStrike" kern="1200" cap="none" spc="0" normalizeH="0" baseline="0" noProof="0" dirty="0" smtClean="0">
+                        <a:ln>
+                          <a:noFill/>
+                        </a:ln>
+                        <a:solidFill>
+                          <a:prstClr val="white"/>
+                        </a:solidFill>
+                        <a:effectLst/>
+                        <a:uLnTx/>
+                        <a:uFillTx/>
+                        <a:latin typeface="Century Gothic" panose="020B0502020202020204"/>
+                        <a:ea typeface="+mn-ea"/>
+                        <a:cs typeface="+mn-cs"/>
+                      </a:endParaRPr>
+                    </a:p>
+                    <a:p>
+                      <a:pPr marL="342900" marR="0" lvl="0" indent="-342900" algn="l" defTabSz="457200" rtl="0" eaLnBrk="1" fontAlgn="auto" latinLnBrk="0" hangingPunct="1">
+                        <a:lnSpc>
+                          <a:spcPct val="100000"/>
+                        </a:lnSpc>
+                        <a:spcBef>
+                          <a:spcPct val="20000"/>
+                        </a:spcBef>
+                        <a:spcAft>
+                          <a:spcPts val="600"/>
+                        </a:spcAft>
+                        <a:buClr>
+                          <a:srgbClr val="00C6BB"/>
+                        </a:buClr>
+                        <a:buSzTx/>
+                        <a:buFont typeface="Wingdings 2" charset="2"/>
+                        <a:buChar char=""/>
+                        <a:tabLst/>
+                        <a:defRPr/>
+                      </a:pPr>
+                      <a:r>
+                        <a:rPr kumimoji="0" lang="fr-FR" sz="1800" b="0" i="0" u="none" strike="noStrike" kern="1200" cap="none" spc="0" normalizeH="0" baseline="0" noProof="0" dirty="0" smtClean="0">
+                          <a:ln>
+                            <a:noFill/>
+                          </a:ln>
+                          <a:solidFill>
+                            <a:prstClr val="white"/>
+                          </a:solidFill>
+                          <a:effectLst/>
+                          <a:uLnTx/>
+                          <a:uFillTx/>
+                          <a:latin typeface="Century Gothic" panose="020B0502020202020204"/>
+                          <a:ea typeface="+mn-ea"/>
+                          <a:cs typeface="+mn-cs"/>
+                        </a:rPr>
+                        <a:t>Appareil de communication : </a:t>
+                      </a:r>
+                      <a:br>
+                        <a:rPr kumimoji="0" lang="fr-FR" sz="1800" b="0" i="0" u="none" strike="noStrike" kern="1200" cap="none" spc="0" normalizeH="0" baseline="0" noProof="0" dirty="0" smtClean="0">
+                          <a:ln>
+                            <a:noFill/>
+                          </a:ln>
+                          <a:solidFill>
+                            <a:prstClr val="white"/>
+                          </a:solidFill>
+                          <a:effectLst/>
+                          <a:uLnTx/>
+                          <a:uFillTx/>
+                          <a:latin typeface="Century Gothic" panose="020B0502020202020204"/>
+                          <a:ea typeface="+mn-ea"/>
+                          <a:cs typeface="+mn-cs"/>
+                        </a:rPr>
+                      </a:br>
+                      <a:r>
+                        <a:rPr kumimoji="0" lang="fr-FR" sz="1800" b="0" i="0" u="none" strike="noStrike" kern="1200" cap="none" spc="0" normalizeH="0" baseline="0" noProof="0" dirty="0" smtClean="0">
+                          <a:ln>
+                            <a:noFill/>
+                          </a:ln>
+                          <a:solidFill>
+                            <a:prstClr val="white"/>
+                          </a:solidFill>
+                          <a:effectLst/>
+                          <a:uLnTx/>
+                          <a:uFillTx/>
+                          <a:latin typeface="Century Gothic" panose="020B0502020202020204"/>
+                          <a:ea typeface="+mn-ea"/>
+                          <a:cs typeface="+mn-cs"/>
+                        </a:rPr>
+                        <a:t>Samsung </a:t>
+                      </a:r>
+                      <a:r>
+                        <a:rPr kumimoji="0" lang="fr-FR" sz="1800" b="0" i="0" u="none" strike="noStrike" kern="1200" cap="none" spc="0" normalizeH="0" baseline="0" noProof="0" dirty="0" err="1" smtClean="0">
+                          <a:ln>
+                            <a:noFill/>
+                          </a:ln>
+                          <a:solidFill>
+                            <a:prstClr val="white"/>
+                          </a:solidFill>
+                          <a:effectLst/>
+                          <a:uLnTx/>
+                          <a:uFillTx/>
+                          <a:latin typeface="Century Gothic" panose="020B0502020202020204"/>
+                          <a:ea typeface="+mn-ea"/>
+                          <a:cs typeface="+mn-cs"/>
+                        </a:rPr>
+                        <a:t>Galaxy</a:t>
+                      </a:r>
+                      <a:r>
+                        <a:rPr kumimoji="0" lang="fr-FR" sz="1800" b="0" i="0" u="none" strike="noStrike" kern="1200" cap="none" spc="0" normalizeH="0" baseline="0" noProof="0" dirty="0" smtClean="0">
+                          <a:ln>
+                            <a:noFill/>
+                          </a:ln>
+                          <a:solidFill>
+                            <a:prstClr val="white"/>
+                          </a:solidFill>
+                          <a:effectLst/>
+                          <a:uLnTx/>
+                          <a:uFillTx/>
+                          <a:latin typeface="Century Gothic" panose="020B0502020202020204"/>
+                          <a:ea typeface="+mn-ea"/>
+                          <a:cs typeface="+mn-cs"/>
+                        </a:rPr>
+                        <a:t> S6 : </a:t>
+                      </a:r>
+                      <a:endParaRPr kumimoji="0" lang="fr-FR" sz="1800" b="0" i="0" u="none" strike="noStrike" kern="1200" cap="none" spc="0" normalizeH="0" baseline="0" noProof="0" dirty="0">
+                        <a:ln>
+                          <a:noFill/>
+                        </a:ln>
+                        <a:solidFill>
+                          <a:prstClr val="white"/>
+                        </a:solidFill>
+                        <a:effectLst/>
+                        <a:uLnTx/>
+                        <a:uFillTx/>
+                        <a:latin typeface="Century Gothic" panose="020B0502020202020204"/>
+                        <a:ea typeface="+mn-ea"/>
+                        <a:cs typeface="+mn-cs"/>
+                      </a:endParaRPr>
+                    </a:p>
+                  </a:txBody>
+                  <a:tcPr>
+                    <a:lnL w="12700" cmpd="sng">
+                      <a:noFill/>
+                    </a:lnL>
+                    <a:lnR w="12700" cmpd="sng">
+                      <a:noFill/>
+                    </a:lnR>
+                    <a:lnT w="12700" cmpd="sng">
+                      <a:noFill/>
+                    </a:lnT>
+                    <a:lnB w="12700" cmpd="sng">
+                      <a:noFill/>
+                    </a:lnB>
+                    <a:lnTlToBr w="12700" cmpd="sng">
+                      <a:noFill/>
+                      <a:prstDash val="solid"/>
+                    </a:lnTlToBr>
+                    <a:lnBlToTr w="12700" cmpd="sng">
+                      <a:noFill/>
+                      <a:prstDash val="solid"/>
+                    </a:lnBlToTr>
+                    <a:noFill/>
+                  </a:tcPr>
+                </a:tc>
+                <a:extLst>
+                  <a:ext uri="{0D108BD9-81ED-4DB2-BD59-A6C34878D82A}">
+                    <a16:rowId xmlns:a16="http://schemas.microsoft.com/office/drawing/2014/main" val="2313727222"/>
+                  </a:ext>
+                </a:extLst>
+              </a:tr>
+            </a:tbl>
+          </a:graphicData>
+        </a:graphic>
+      </p:graphicFrame>
+      <p:pic>
+        <p:nvPicPr>
+          <p:cNvPr id="9" name="Image 8"/>
+          <p:cNvPicPr>
+            <a:picLocks noChangeAspect="1"/>
+          </p:cNvPicPr>
+          <p:nvPr/>
+        </p:nvPicPr>
+        <p:blipFill>
+          <a:blip r:embed="rId3">
+            <a:extLst>
+              <a:ext uri="{28A0092B-C50C-407E-A947-70E740481C1C}">
+                <a14:useLocalDpi xmlns:a14="http://schemas.microsoft.com/office/drawing/2010/main" val="0"/>
+              </a:ext>
+            </a:extLst>
+          </a:blip>
+          <a:stretch>
+            <a:fillRect/>
+          </a:stretch>
+        </p:blipFill>
+        <p:spPr>
+          <a:xfrm>
+            <a:off x="3669385" y="4680022"/>
+            <a:ext cx="1783870" cy="719717"/>
+          </a:xfrm>
+          <a:prstGeom prst="rect">
+            <a:avLst/>
+          </a:prstGeom>
+        </p:spPr>
+      </p:pic>
+      <p:pic>
+        <p:nvPicPr>
+          <p:cNvPr id="11" name="Image 10"/>
+          <p:cNvPicPr>
+            <a:picLocks noChangeAspect="1"/>
+          </p:cNvPicPr>
+          <p:nvPr/>
+        </p:nvPicPr>
+        <p:blipFill>
+          <a:blip r:embed="rId4">
+            <a:extLst>
+              <a:ext uri="{28A0092B-C50C-407E-A947-70E740481C1C}">
+                <a14:useLocalDpi xmlns:a14="http://schemas.microsoft.com/office/drawing/2010/main" val="0"/>
+              </a:ext>
+            </a:extLst>
+          </a:blip>
+          <a:stretch>
+            <a:fillRect/>
+          </a:stretch>
+        </p:blipFill>
+        <p:spPr>
+          <a:xfrm>
+            <a:off x="10350028" y="3562661"/>
+            <a:ext cx="1023258" cy="1023258"/>
+          </a:xfrm>
+          <a:prstGeom prst="rect">
+            <a:avLst/>
+          </a:prstGeom>
+        </p:spPr>
+      </p:pic>
+      <p:pic>
+        <p:nvPicPr>
+          <p:cNvPr id="13" name="Image 12"/>
+          <p:cNvPicPr>
+            <a:picLocks noChangeAspect="1"/>
+          </p:cNvPicPr>
+          <p:nvPr/>
+        </p:nvPicPr>
+        <p:blipFill>
+          <a:blip r:embed="rId5">
+            <a:extLst>
+              <a:ext uri="{28A0092B-C50C-407E-A947-70E740481C1C}">
+                <a14:useLocalDpi xmlns:a14="http://schemas.microsoft.com/office/drawing/2010/main" val="0"/>
+              </a:ext>
+            </a:extLst>
+          </a:blip>
+          <a:stretch>
+            <a:fillRect/>
+          </a:stretch>
+        </p:blipFill>
+        <p:spPr>
+          <a:xfrm>
+            <a:off x="9100457" y="4748408"/>
+            <a:ext cx="2655930" cy="1302662"/>
+          </a:xfrm>
+          <a:prstGeom prst="rect">
+            <a:avLst/>
+          </a:prstGeom>
+        </p:spPr>
+      </p:pic>
     </p:spTree>
     <p:extLst>
       <p:ext uri="{BB962C8B-B14F-4D97-AF65-F5344CB8AC3E}">
-        <p14:creationId xmlns:p14="http://schemas.microsoft.com/office/powerpoint/2010/main" val="3420849559"/>
+        <p14:creationId xmlns:p14="http://schemas.microsoft.com/office/powerpoint/2010/main" val="3240677908"/>
+      </p:ext>
+    </p:extLst>
+  </p:cSld>
+  <p:clrMapOvr>
+    <a:masterClrMapping/>
+  </p:clrMapOvr>
+</p:sld>
+</file>
+
+<file path=ppt/slides/slide8.xml><?xml version="1.0" encoding="utf-8"?>
+<p:sld xmlns:a="http://schemas.openxmlformats.org/drawingml/2006/main" xmlns:r="http://schemas.openxmlformats.org/officeDocument/2006/relationships" xmlns:p="http://schemas.openxmlformats.org/presentationml/2006/main">
+  <p:cSld>
+    <p:spTree>
+      <p:nvGrpSpPr>
+        <p:cNvPr id="1" name=""/>
+        <p:cNvGrpSpPr/>
+        <p:nvPr/>
+      </p:nvGrpSpPr>
+      <p:grpSpPr>
+        <a:xfrm>
+          <a:off x="0" y="0"/>
+          <a:ext cx="0" cy="0"/>
+          <a:chOff x="0" y="0"/>
+          <a:chExt cx="0" cy="0"/>
+        </a:xfrm>
+      </p:grpSpPr>
+      <p:sp>
+        <p:nvSpPr>
+          <p:cNvPr id="2" name="Titre 1"/>
+          <p:cNvSpPr>
+            <a:spLocks noGrp="1"/>
+          </p:cNvSpPr>
+          <p:nvPr>
+            <p:ph type="title"/>
+          </p:nvPr>
+        </p:nvSpPr>
+        <p:spPr/>
+        <p:txBody>
+          <a:bodyPr/>
+          <a:lstStyle/>
+          <a:p>
+            <a:r>
+              <a:rPr lang="fr-FR" dirty="0" smtClean="0"/>
+              <a:t>Romain : Démonstration (2/2)</a:t>
+            </a:r>
+            <a:endParaRPr lang="fr-FR" dirty="0"/>
+          </a:p>
+        </p:txBody>
+      </p:sp>
+      <p:pic>
+        <p:nvPicPr>
+          <p:cNvPr id="6" name="Image 5"/>
+          <p:cNvPicPr>
+            <a:picLocks noChangeAspect="1"/>
+          </p:cNvPicPr>
+          <p:nvPr/>
+        </p:nvPicPr>
+        <p:blipFill>
+          <a:blip r:embed="rId2">
+            <a:extLst>
+              <a:ext uri="{28A0092B-C50C-407E-A947-70E740481C1C}">
+                <a14:useLocalDpi xmlns:a14="http://schemas.microsoft.com/office/drawing/2010/main" val="0"/>
+              </a:ext>
+            </a:extLst>
+          </a:blip>
+          <a:stretch>
+            <a:fillRect/>
+          </a:stretch>
+        </p:blipFill>
+        <p:spPr>
+          <a:xfrm rot="16200000">
+            <a:off x="4070524" y="3090112"/>
+            <a:ext cx="1691279" cy="1559182"/>
+          </a:xfrm>
+          <a:prstGeom prst="rect">
+            <a:avLst/>
+          </a:prstGeom>
+        </p:spPr>
+      </p:pic>
+      <p:pic>
+        <p:nvPicPr>
+          <p:cNvPr id="5" name="Image 4"/>
+          <p:cNvPicPr>
+            <a:picLocks noChangeAspect="1"/>
+          </p:cNvPicPr>
+          <p:nvPr/>
+        </p:nvPicPr>
+        <p:blipFill>
+          <a:blip r:embed="rId3">
+            <a:extLst>
+              <a:ext uri="{28A0092B-C50C-407E-A947-70E740481C1C}">
+                <a14:useLocalDpi xmlns:a14="http://schemas.microsoft.com/office/drawing/2010/main" val="0"/>
+              </a:ext>
+            </a:extLst>
+          </a:blip>
+          <a:stretch>
+            <a:fillRect/>
+          </a:stretch>
+        </p:blipFill>
+        <p:spPr>
+          <a:xfrm>
+            <a:off x="4775819" y="2557975"/>
+            <a:ext cx="2623455" cy="2623455"/>
+          </a:xfrm>
+          <a:prstGeom prst="rect">
+            <a:avLst/>
+          </a:prstGeom>
+        </p:spPr>
+      </p:pic>
+      <p:pic>
+        <p:nvPicPr>
+          <p:cNvPr id="8" name="Image 7"/>
+          <p:cNvPicPr>
+            <a:picLocks noChangeAspect="1"/>
+          </p:cNvPicPr>
+          <p:nvPr/>
+        </p:nvPicPr>
+        <p:blipFill>
+          <a:blip r:embed="rId4">
+            <a:extLst>
+              <a:ext uri="{28A0092B-C50C-407E-A947-70E740481C1C}">
+                <a14:useLocalDpi xmlns:a14="http://schemas.microsoft.com/office/drawing/2010/main" val="0"/>
+              </a:ext>
+            </a:extLst>
+          </a:blip>
+          <a:stretch>
+            <a:fillRect/>
+          </a:stretch>
+        </p:blipFill>
+        <p:spPr>
+          <a:xfrm>
+            <a:off x="243837" y="2373337"/>
+            <a:ext cx="2419549" cy="2992734"/>
+          </a:xfrm>
+          <a:prstGeom prst="rect">
+            <a:avLst/>
+          </a:prstGeom>
+        </p:spPr>
+      </p:pic>
+      <p:pic>
+        <p:nvPicPr>
+          <p:cNvPr id="4" name="Espace réservé du contenu 3"/>
+          <p:cNvPicPr>
+            <a:picLocks noGrp="1" noChangeAspect="1"/>
+          </p:cNvPicPr>
+          <p:nvPr>
+            <p:ph idx="1"/>
+          </p:nvPr>
+        </p:nvPicPr>
+        <p:blipFill>
+          <a:blip r:embed="rId5">
+            <a:extLst>
+              <a:ext uri="{28A0092B-C50C-407E-A947-70E740481C1C}">
+                <a14:useLocalDpi xmlns:a14="http://schemas.microsoft.com/office/drawing/2010/main" val="0"/>
+              </a:ext>
+            </a:extLst>
+          </a:blip>
+          <a:stretch>
+            <a:fillRect/>
+          </a:stretch>
+        </p:blipFill>
+        <p:spPr>
+          <a:xfrm>
+            <a:off x="1969874" y="3102429"/>
+            <a:ext cx="1686852" cy="1689066"/>
+          </a:xfrm>
+        </p:spPr>
+      </p:pic>
+      <p:pic>
+        <p:nvPicPr>
+          <p:cNvPr id="10" name="Image 9"/>
+          <p:cNvPicPr>
+            <a:picLocks noChangeAspect="1"/>
+          </p:cNvPicPr>
+          <p:nvPr/>
+        </p:nvPicPr>
+        <p:blipFill>
+          <a:blip r:embed="rId6">
+            <a:extLst>
+              <a:ext uri="{28A0092B-C50C-407E-A947-70E740481C1C}">
+                <a14:useLocalDpi xmlns:a14="http://schemas.microsoft.com/office/drawing/2010/main" val="0"/>
+              </a:ext>
+            </a:extLst>
+          </a:blip>
+          <a:stretch>
+            <a:fillRect/>
+          </a:stretch>
+        </p:blipFill>
+        <p:spPr>
+          <a:xfrm>
+            <a:off x="8262257" y="4241148"/>
+            <a:ext cx="3929743" cy="2616852"/>
+          </a:xfrm>
+          <a:prstGeom prst="rect">
+            <a:avLst/>
+          </a:prstGeom>
+        </p:spPr>
+      </p:pic>
+      <p:sp>
+        <p:nvSpPr>
+          <p:cNvPr id="11" name="Flèche droite 10"/>
+          <p:cNvSpPr/>
+          <p:nvPr/>
+        </p:nvSpPr>
+        <p:spPr>
+          <a:xfrm rot="1032735">
+            <a:off x="7203398" y="3138069"/>
+            <a:ext cx="4048694" cy="845639"/>
+          </a:xfrm>
+          <a:prstGeom prst="rightArrow">
+            <a:avLst/>
+          </a:prstGeom>
+        </p:spPr>
+        <p:style>
+          <a:lnRef idx="2">
+            <a:schemeClr val="accent1">
+              <a:shade val="50000"/>
+            </a:schemeClr>
+          </a:lnRef>
+          <a:fillRef idx="1">
+            <a:schemeClr val="accent1"/>
+          </a:fillRef>
+          <a:effectRef idx="0">
+            <a:schemeClr val="accent1"/>
+          </a:effectRef>
+          <a:fontRef idx="minor">
+            <a:schemeClr val="lt1"/>
+          </a:fontRef>
+        </p:style>
+        <p:txBody>
+          <a:bodyPr rtlCol="0" anchor="ctr"/>
+          <a:lstStyle/>
+          <a:p>
+            <a:pPr algn="ctr"/>
+            <a:endParaRPr lang="fr-FR"/>
+          </a:p>
+        </p:txBody>
+      </p:sp>
+    </p:spTree>
+    <p:extLst>
+      <p:ext uri="{BB962C8B-B14F-4D97-AF65-F5344CB8AC3E}">
+        <p14:creationId xmlns:p14="http://schemas.microsoft.com/office/powerpoint/2010/main" val="2891426521"/>
+      </p:ext>
+    </p:extLst>
+  </p:cSld>
+  <p:clrMapOvr>
+    <a:masterClrMapping/>
+  </p:clrMapOvr>
+</p:sld>
+</file>
+
+<file path=ppt/slides/slide9.xml><?xml version="1.0" encoding="utf-8"?>
+<p:sld xmlns:a="http://schemas.openxmlformats.org/drawingml/2006/main" xmlns:r="http://schemas.openxmlformats.org/officeDocument/2006/relationships" xmlns:p="http://schemas.openxmlformats.org/presentationml/2006/main">
+  <p:cSld>
+    <p:spTree>
+      <p:nvGrpSpPr>
+        <p:cNvPr id="1" name=""/>
+        <p:cNvGrpSpPr/>
+        <p:nvPr/>
+      </p:nvGrpSpPr>
+      <p:grpSpPr>
+        <a:xfrm>
+          <a:off x="0" y="0"/>
+          <a:ext cx="0" cy="0"/>
+          <a:chOff x="0" y="0"/>
+          <a:chExt cx="0" cy="0"/>
+        </a:xfrm>
+      </p:grpSpPr>
+      <p:sp>
+        <p:nvSpPr>
+          <p:cNvPr id="2" name="Titre 1"/>
+          <p:cNvSpPr>
+            <a:spLocks noGrp="1"/>
+          </p:cNvSpPr>
+          <p:nvPr>
+            <p:ph type="title"/>
+          </p:nvPr>
+        </p:nvSpPr>
+        <p:spPr/>
+        <p:txBody>
+          <a:bodyPr/>
+          <a:lstStyle/>
+          <a:p>
+            <a:pPr lvl="1" algn="ctr" defTabSz="457200" rtl="0">
+              <a:spcBef>
+                <a:spcPct val="0"/>
+              </a:spcBef>
+            </a:pPr>
+            <a:r>
+              <a:rPr lang="fr-FR" sz="3200" b="1" dirty="0" smtClean="0">
+                <a:solidFill>
+                  <a:schemeClr val="tx1"/>
+                </a:solidFill>
+              </a:rPr>
+              <a:t>Mohamed : Mise </a:t>
+            </a:r>
+            <a:r>
+              <a:rPr lang="fr-FR" sz="3200" b="1" dirty="0">
+                <a:solidFill>
+                  <a:schemeClr val="tx1"/>
+                </a:solidFill>
+              </a:rPr>
+              <a:t>en place de la communication entre l’application Android et le serveur</a:t>
+            </a:r>
+            <a:r>
+              <a:rPr lang="fr-FR" sz="3200" b="1" dirty="0" smtClean="0">
+                <a:solidFill>
+                  <a:schemeClr val="tx1"/>
+                </a:solidFill>
+              </a:rPr>
+              <a:t>. (1/3)</a:t>
+            </a:r>
+            <a:endParaRPr lang="fr-FR" sz="3200" b="1" dirty="0">
+              <a:solidFill>
+                <a:schemeClr val="tx1"/>
+              </a:solidFill>
+            </a:endParaRPr>
+          </a:p>
+        </p:txBody>
+      </p:sp>
+      <p:pic>
+        <p:nvPicPr>
+          <p:cNvPr id="6" name="Espace réservé du contenu 5"/>
+          <p:cNvPicPr>
+            <a:picLocks noGrp="1" noChangeAspect="1"/>
+          </p:cNvPicPr>
+          <p:nvPr>
+            <p:ph idx="1"/>
+          </p:nvPr>
+        </p:nvPicPr>
+        <p:blipFill>
+          <a:blip r:embed="rId2">
+            <a:extLst>
+              <a:ext uri="{28A0092B-C50C-407E-A947-70E740481C1C}">
+                <a14:useLocalDpi xmlns:a14="http://schemas.microsoft.com/office/drawing/2010/main" val="0"/>
+              </a:ext>
+            </a:extLst>
+          </a:blip>
+          <a:stretch>
+            <a:fillRect/>
+          </a:stretch>
+        </p:blipFill>
+        <p:spPr>
+          <a:xfrm>
+            <a:off x="996365" y="2851347"/>
+            <a:ext cx="1660732" cy="2657171"/>
+          </a:xfrm>
+        </p:spPr>
+      </p:pic>
+      <p:pic>
+        <p:nvPicPr>
+          <p:cNvPr id="7" name="Image 6"/>
+          <p:cNvPicPr>
+            <a:picLocks noChangeAspect="1"/>
+          </p:cNvPicPr>
+          <p:nvPr/>
+        </p:nvPicPr>
+        <p:blipFill>
+          <a:blip r:embed="rId3">
+            <a:extLst>
+              <a:ext uri="{28A0092B-C50C-407E-A947-70E740481C1C}">
+                <a14:useLocalDpi xmlns:a14="http://schemas.microsoft.com/office/drawing/2010/main" val="0"/>
+              </a:ext>
+            </a:extLst>
+          </a:blip>
+          <a:stretch>
+            <a:fillRect/>
+          </a:stretch>
+        </p:blipFill>
+        <p:spPr>
+          <a:xfrm>
+            <a:off x="9286567" y="2881204"/>
+            <a:ext cx="2397681" cy="2657171"/>
+          </a:xfrm>
+          <a:prstGeom prst="rect">
+            <a:avLst/>
+          </a:prstGeom>
+        </p:spPr>
+      </p:pic>
+      <p:sp>
+        <p:nvSpPr>
+          <p:cNvPr id="10" name="ZoneTexte 9"/>
+          <p:cNvSpPr txBox="1"/>
+          <p:nvPr/>
+        </p:nvSpPr>
+        <p:spPr>
+          <a:xfrm>
+            <a:off x="267750" y="5664721"/>
+            <a:ext cx="3033202" cy="954107"/>
+          </a:xfrm>
+          <a:prstGeom prst="rect">
+            <a:avLst/>
+          </a:prstGeom>
+          <a:noFill/>
+        </p:spPr>
+        <p:txBody>
+          <a:bodyPr wrap="none" rtlCol="0">
+            <a:spAutoFit/>
+          </a:bodyPr>
+          <a:lstStyle/>
+          <a:p>
+            <a:pPr algn="ctr"/>
+            <a:r>
+              <a:rPr lang="fr-FR" sz="1400" dirty="0" smtClean="0"/>
+              <a:t>Smartphone Android</a:t>
+            </a:r>
+          </a:p>
+          <a:p>
+            <a:pPr algn="ctr"/>
+            <a:r>
+              <a:rPr lang="fr-FR" sz="1400" dirty="0" smtClean="0"/>
+              <a:t>Librairie : </a:t>
+            </a:r>
+            <a:r>
+              <a:rPr lang="fr-FR" sz="1400" b="1" dirty="0"/>
+              <a:t>Android </a:t>
+            </a:r>
+            <a:r>
+              <a:rPr lang="fr-FR" sz="1400" b="1" dirty="0" err="1"/>
+              <a:t>Asynchronous</a:t>
+            </a:r>
+            <a:r>
+              <a:rPr lang="fr-FR" sz="1400" b="1" dirty="0"/>
+              <a:t> </a:t>
+            </a:r>
+            <a:endParaRPr lang="fr-FR" sz="1400" b="1" dirty="0" smtClean="0"/>
+          </a:p>
+          <a:p>
+            <a:pPr algn="ctr"/>
+            <a:r>
+              <a:rPr lang="fr-FR" sz="1400" b="1" dirty="0" smtClean="0"/>
+              <a:t>Http Client(Auteur : James Smith)</a:t>
+            </a:r>
+            <a:endParaRPr lang="fr-FR" sz="1400" b="1" dirty="0"/>
+          </a:p>
+          <a:p>
+            <a:pPr algn="ctr"/>
+            <a:endParaRPr lang="fr-FR" sz="1400" dirty="0"/>
+          </a:p>
+        </p:txBody>
+      </p:sp>
+      <p:grpSp>
+        <p:nvGrpSpPr>
+          <p:cNvPr id="14" name="Groupe 13"/>
+          <p:cNvGrpSpPr/>
+          <p:nvPr/>
+        </p:nvGrpSpPr>
+        <p:grpSpPr>
+          <a:xfrm>
+            <a:off x="3100290" y="3480010"/>
+            <a:ext cx="5743083" cy="1402121"/>
+            <a:chOff x="3687486" y="3498077"/>
+            <a:chExt cx="3913987" cy="981057"/>
+          </a:xfrm>
+        </p:grpSpPr>
+        <p:grpSp>
+          <p:nvGrpSpPr>
+            <p:cNvPr id="5" name="Groupe 4"/>
+            <p:cNvGrpSpPr/>
+            <p:nvPr/>
+          </p:nvGrpSpPr>
+          <p:grpSpPr>
+            <a:xfrm>
+              <a:off x="3687486" y="3498077"/>
+              <a:ext cx="3913987" cy="981057"/>
+              <a:chOff x="2533934" y="3148917"/>
+              <a:chExt cx="5604223" cy="1345995"/>
+            </a:xfrm>
+          </p:grpSpPr>
+          <p:sp>
+            <p:nvSpPr>
+              <p:cNvPr id="3" name="Flèche droite 2"/>
+              <p:cNvSpPr/>
+              <p:nvPr/>
+            </p:nvSpPr>
+            <p:spPr>
+              <a:xfrm>
+                <a:off x="2533935" y="3148917"/>
+                <a:ext cx="5604222" cy="382385"/>
+              </a:xfrm>
+              <a:prstGeom prst="rightArrow">
+                <a:avLst/>
+              </a:prstGeom>
+            </p:spPr>
+            <p:style>
+              <a:lnRef idx="2">
+                <a:schemeClr val="accent1">
+                  <a:shade val="50000"/>
+                </a:schemeClr>
+              </a:lnRef>
+              <a:fillRef idx="1">
+                <a:schemeClr val="accent1"/>
+              </a:fillRef>
+              <a:effectRef idx="0">
+                <a:schemeClr val="accent1"/>
+              </a:effectRef>
+              <a:fontRef idx="minor">
+                <a:schemeClr val="lt1"/>
+              </a:fontRef>
+            </p:style>
+            <p:txBody>
+              <a:bodyPr rtlCol="0" anchor="ctr"/>
+              <a:lstStyle/>
+              <a:p>
+                <a:pPr algn="ctr"/>
+                <a:endParaRPr lang="fr-FR"/>
+              </a:p>
+            </p:txBody>
+          </p:sp>
+          <p:sp>
+            <p:nvSpPr>
+              <p:cNvPr id="8" name="Flèche droite 7"/>
+              <p:cNvSpPr/>
+              <p:nvPr/>
+            </p:nvSpPr>
+            <p:spPr>
+              <a:xfrm rot="10800000">
+                <a:off x="2533934" y="4112527"/>
+                <a:ext cx="5604223" cy="382385"/>
+              </a:xfrm>
+              <a:prstGeom prst="rightArrow">
+                <a:avLst/>
+              </a:prstGeom>
+            </p:spPr>
+            <p:style>
+              <a:lnRef idx="2">
+                <a:schemeClr val="accent1">
+                  <a:shade val="50000"/>
+                </a:schemeClr>
+              </a:lnRef>
+              <a:fillRef idx="1">
+                <a:schemeClr val="accent1"/>
+              </a:fillRef>
+              <a:effectRef idx="0">
+                <a:schemeClr val="accent1"/>
+              </a:effectRef>
+              <a:fontRef idx="minor">
+                <a:schemeClr val="lt1"/>
+              </a:fontRef>
+            </p:style>
+            <p:txBody>
+              <a:bodyPr rtlCol="0" anchor="ctr"/>
+              <a:lstStyle/>
+              <a:p>
+                <a:pPr algn="ctr"/>
+                <a:endParaRPr lang="fr-FR"/>
+              </a:p>
+            </p:txBody>
+          </p:sp>
+        </p:grpSp>
+        <p:sp>
+          <p:nvSpPr>
+            <p:cNvPr id="11" name="ZoneTexte 10"/>
+            <p:cNvSpPr txBox="1"/>
+            <p:nvPr/>
+          </p:nvSpPr>
+          <p:spPr>
+            <a:xfrm>
+              <a:off x="4498945" y="3979540"/>
+              <a:ext cx="2548897" cy="258420"/>
+            </a:xfrm>
+            <a:prstGeom prst="rect">
+              <a:avLst/>
+            </a:prstGeom>
+            <a:noFill/>
+          </p:spPr>
+          <p:txBody>
+            <a:bodyPr wrap="square" rtlCol="0">
+              <a:spAutoFit/>
+            </a:bodyPr>
+            <a:lstStyle/>
+            <a:p>
+              <a:r>
+                <a:rPr lang="fr-FR" dirty="0" smtClean="0"/>
+                <a:t>Données de la vidéo (JSON)</a:t>
+              </a:r>
+              <a:endParaRPr lang="fr-FR" dirty="0"/>
+            </a:p>
+          </p:txBody>
+        </p:sp>
+      </p:grpSp>
+      <p:sp>
+        <p:nvSpPr>
+          <p:cNvPr id="12" name="Rectangle 11"/>
+          <p:cNvSpPr/>
+          <p:nvPr/>
+        </p:nvSpPr>
+        <p:spPr>
+          <a:xfrm>
+            <a:off x="3468832" y="2851347"/>
+            <a:ext cx="4556542" cy="584775"/>
+          </a:xfrm>
+          <a:prstGeom prst="rect">
+            <a:avLst/>
+          </a:prstGeom>
+        </p:spPr>
+        <p:txBody>
+          <a:bodyPr wrap="square">
+            <a:spAutoFit/>
+          </a:bodyPr>
+          <a:lstStyle/>
+          <a:p>
+            <a:pPr algn="ctr"/>
+            <a:r>
+              <a:rPr lang="fr-FR" sz="1600" dirty="0"/>
+              <a:t>Requête GET Asynchrone</a:t>
+            </a:r>
+          </a:p>
+          <a:p>
+            <a:pPr algn="ctr"/>
+            <a:r>
+              <a:rPr lang="fr-FR" sz="1600" dirty="0"/>
+              <a:t>On passe en </a:t>
+            </a:r>
+            <a:r>
+              <a:rPr lang="fr-FR" sz="1600" dirty="0" smtClean="0"/>
+              <a:t>paramètre </a:t>
+            </a:r>
+            <a:r>
+              <a:rPr lang="fr-FR" sz="1600" dirty="0"/>
+              <a:t>l’id du monument </a:t>
+            </a:r>
+          </a:p>
+        </p:txBody>
+      </p:sp>
+      <p:sp>
+        <p:nvSpPr>
+          <p:cNvPr id="13" name="ZoneTexte 12"/>
+          <p:cNvSpPr txBox="1"/>
+          <p:nvPr/>
+        </p:nvSpPr>
+        <p:spPr>
+          <a:xfrm>
+            <a:off x="9286567" y="5664721"/>
+            <a:ext cx="2497800" cy="738664"/>
+          </a:xfrm>
+          <a:prstGeom prst="rect">
+            <a:avLst/>
+          </a:prstGeom>
+          <a:noFill/>
+        </p:spPr>
+        <p:txBody>
+          <a:bodyPr wrap="none" rtlCol="0">
+            <a:spAutoFit/>
+          </a:bodyPr>
+          <a:lstStyle/>
+          <a:p>
+            <a:pPr algn="ctr"/>
+            <a:r>
+              <a:rPr lang="fr-FR" sz="1400" dirty="0" smtClean="0"/>
+              <a:t>Serveur Debian</a:t>
+            </a:r>
+          </a:p>
+          <a:p>
+            <a:pPr algn="ctr"/>
+            <a:r>
+              <a:rPr lang="fr-FR" sz="1400" dirty="0" smtClean="0"/>
+              <a:t>Technologies : </a:t>
+            </a:r>
+            <a:r>
+              <a:rPr lang="fr-FR" sz="1400" b="1" dirty="0" smtClean="0"/>
+              <a:t>MySQL, PHP</a:t>
+            </a:r>
+            <a:endParaRPr lang="fr-FR" sz="1400" b="1" dirty="0"/>
+          </a:p>
+          <a:p>
+            <a:pPr algn="ctr"/>
+            <a:endParaRPr lang="fr-FR" sz="1400" dirty="0"/>
+          </a:p>
+        </p:txBody>
+      </p:sp>
+      <p:sp>
+        <p:nvSpPr>
+          <p:cNvPr id="4" name="ZoneTexte 3"/>
+          <p:cNvSpPr txBox="1"/>
+          <p:nvPr/>
+        </p:nvSpPr>
+        <p:spPr>
+          <a:xfrm>
+            <a:off x="4390308" y="4882132"/>
+            <a:ext cx="3163045" cy="830997"/>
+          </a:xfrm>
+          <a:prstGeom prst="rect">
+            <a:avLst/>
+          </a:prstGeom>
+          <a:noFill/>
+        </p:spPr>
+        <p:txBody>
+          <a:bodyPr wrap="none" rtlCol="0">
+            <a:spAutoFit/>
+          </a:bodyPr>
+          <a:lstStyle/>
+          <a:p>
+            <a:r>
+              <a:rPr lang="fr-FR" sz="1200" dirty="0" smtClean="0"/>
+              <a:t>Exemple de réponse : </a:t>
+            </a:r>
+          </a:p>
+          <a:p>
+            <a:r>
+              <a:rPr lang="fr-FR" sz="1200" dirty="0"/>
+              <a:t>{</a:t>
+            </a:r>
+          </a:p>
+          <a:p>
+            <a:r>
+              <a:rPr lang="fr-FR" sz="1200" dirty="0" smtClean="0"/>
+              <a:t>     "</a:t>
+            </a:r>
+            <a:r>
+              <a:rPr lang="fr-FR" sz="1200" dirty="0" err="1"/>
+              <a:t>id_video</a:t>
+            </a:r>
+            <a:r>
+              <a:rPr lang="fr-FR" sz="1200" dirty="0"/>
+              <a:t>": "http: //</a:t>
+            </a:r>
+            <a:r>
+              <a:rPr lang="fr-FR" sz="1200" dirty="0" err="1"/>
+              <a:t>youtube.Fr</a:t>
+            </a:r>
+            <a:r>
+              <a:rPr lang="fr-FR" sz="1200" dirty="0"/>
+              <a:t>/XXXXX"</a:t>
+            </a:r>
+          </a:p>
+          <a:p>
+            <a:r>
+              <a:rPr lang="fr-FR" sz="1200" dirty="0"/>
+              <a:t>}</a:t>
+            </a:r>
+          </a:p>
+        </p:txBody>
+      </p:sp>
+    </p:spTree>
+    <p:extLst>
+      <p:ext uri="{BB962C8B-B14F-4D97-AF65-F5344CB8AC3E}">
+        <p14:creationId xmlns:p14="http://schemas.microsoft.com/office/powerpoint/2010/main" val="1869206848"/>
       </p:ext>
     </p:extLst>
   </p:cSld>

--- a/annexes/slides-VR_Tourism.pptx
+++ b/annexes/slides-VR_Tourism.pptx
@@ -24,6 +24,7 @@
     <p:sldId id="273" r:id="rId18"/>
     <p:sldId id="274" r:id="rId19"/>
     <p:sldId id="262" r:id="rId20"/>
+    <p:sldId id="275" r:id="rId21"/>
   </p:sldIdLst>
   <p:sldSz cx="12192000" cy="6858000"/>
   <p:notesSz cx="6858000" cy="9144000"/>
@@ -225,7 +226,7 @@
           <a:effectLst/>
           <a:extLst>
             <a:ext uri="{91240B29-F687-4f45-9708-019B960494DF}">
-              <a14:hiddenLine xmlns="" xmlns:a14="http://schemas.microsoft.com/office/drawing/2010/main" w="9525">
+              <a14:hiddenLine xmlns:a14="http://schemas.microsoft.com/office/drawing/2010/main" xmlns="" w="9525">
                 <a:solidFill>
                   <a:srgbClr val="000000"/>
                 </a:solidFill>
@@ -1735,7 +1736,7 @@
           <a:ln/>
           <a:extLst>
             <a:ext uri="{91240B29-F687-4f45-9708-019B960494DF}">
-              <a14:hiddenLine xmlns="" xmlns:a14="http://schemas.microsoft.com/office/drawing/2010/main" w="9525">
+              <a14:hiddenLine xmlns:a14="http://schemas.microsoft.com/office/drawing/2010/main" xmlns="" w="9525">
                 <a:solidFill>
                   <a:srgbClr val="000000"/>
                 </a:solidFill>
@@ -2007,7 +2008,7 @@
           <a:ln/>
           <a:extLst>
             <a:ext uri="{91240B29-F687-4f45-9708-019B960494DF}">
-              <a14:hiddenLine xmlns="" xmlns:a14="http://schemas.microsoft.com/office/drawing/2010/main" w="9525">
+              <a14:hiddenLine xmlns:a14="http://schemas.microsoft.com/office/drawing/2010/main" xmlns="" w="9525">
                 <a:solidFill>
                   <a:srgbClr val="000000"/>
                 </a:solidFill>
@@ -2287,7 +2288,7 @@
           <a:ln/>
           <a:extLst>
             <a:ext uri="{91240B29-F687-4f45-9708-019B960494DF}">
-              <a14:hiddenLine xmlns="" xmlns:a14="http://schemas.microsoft.com/office/drawing/2010/main" w="9525">
+              <a14:hiddenLine xmlns:a14="http://schemas.microsoft.com/office/drawing/2010/main" xmlns="" w="9525">
                 <a:solidFill>
                   <a:srgbClr val="000000"/>
                 </a:solidFill>
@@ -2907,7 +2908,7 @@
           <a:ln/>
           <a:extLst>
             <a:ext uri="{91240B29-F687-4f45-9708-019B960494DF}">
-              <a14:hiddenLine xmlns="" xmlns:a14="http://schemas.microsoft.com/office/drawing/2010/main" w="9525">
+              <a14:hiddenLine xmlns:a14="http://schemas.microsoft.com/office/drawing/2010/main" xmlns="" w="9525">
                 <a:solidFill>
                   <a:srgbClr val="000000"/>
                 </a:solidFill>
@@ -3243,7 +3244,7 @@
           <a:ln/>
           <a:extLst>
             <a:ext uri="{91240B29-F687-4f45-9708-019B960494DF}">
-              <a14:hiddenLine xmlns="" xmlns:a14="http://schemas.microsoft.com/office/drawing/2010/main" w="9525">
+              <a14:hiddenLine xmlns:a14="http://schemas.microsoft.com/office/drawing/2010/main" xmlns="" w="9525">
                 <a:solidFill>
                   <a:srgbClr val="000000"/>
                 </a:solidFill>
@@ -3717,7 +3718,7 @@
           <a:ln/>
           <a:extLst>
             <a:ext uri="{91240B29-F687-4f45-9708-019B960494DF}">
-              <a14:hiddenLine xmlns="" xmlns:a14="http://schemas.microsoft.com/office/drawing/2010/main" w="9525">
+              <a14:hiddenLine xmlns:a14="http://schemas.microsoft.com/office/drawing/2010/main" xmlns="" w="9525">
                 <a:solidFill>
                   <a:srgbClr val="000000"/>
                 </a:solidFill>
@@ -4140,7 +4141,7 @@
           <a:ln/>
           <a:extLst>
             <a:ext uri="{91240B29-F687-4f45-9708-019B960494DF}">
-              <a14:hiddenLine xmlns="" xmlns:a14="http://schemas.microsoft.com/office/drawing/2010/main" w="9525">
+              <a14:hiddenLine xmlns:a14="http://schemas.microsoft.com/office/drawing/2010/main" xmlns="" w="9525">
                 <a:solidFill>
                   <a:srgbClr val="000000"/>
                 </a:solidFill>
@@ -5624,15 +5625,7 @@
                   <a:schemeClr val="tx1"/>
                 </a:solidFill>
               </a:rPr>
-              <a:t>. </a:t>
-            </a:r>
-            <a:r>
-              <a:rPr lang="fr-FR" sz="3000" dirty="0" smtClean="0">
-                <a:solidFill>
-                  <a:schemeClr val="tx1"/>
-                </a:solidFill>
-              </a:rPr>
-              <a:t>(2/3)</a:t>
+              <a:t>. (2/3)</a:t>
             </a:r>
             <a:endParaRPr lang="fr-FR" sz="3000" dirty="0"/>
           </a:p>
@@ -5906,15 +5899,7 @@
             <a:pPr algn="ctr"/>
             <a:r>
               <a:rPr lang="fr-FR" sz="3000" dirty="0" smtClean="0"/>
-              <a:t>Mohamed : Diagramme </a:t>
-            </a:r>
-            <a:r>
-              <a:rPr lang="fr-FR" sz="3000" dirty="0" smtClean="0"/>
-              <a:t>de classe </a:t>
-            </a:r>
-            <a:r>
-              <a:rPr lang="fr-FR" sz="3000" dirty="0" smtClean="0"/>
-              <a:t/>
+              <a:t>Mohamed : Diagramme de classe </a:t>
             </a:r>
             <a:br>
               <a:rPr lang="fr-FR" sz="3000" dirty="0" smtClean="0"/>
@@ -6004,15 +5989,7 @@
           <a:p>
             <a:r>
               <a:rPr lang="fr-FR" dirty="0" smtClean="0"/>
-              <a:t>Gaël : Mise </a:t>
-            </a:r>
-            <a:r>
-              <a:rPr lang="fr-FR" dirty="0" smtClean="0"/>
-              <a:t>en place du </a:t>
-            </a:r>
-            <a:r>
-              <a:rPr lang="fr-FR" dirty="0" smtClean="0"/>
-              <a:t>Serveur (1/4)</a:t>
+              <a:t>Gaël : Mise en place du Serveur (1/4)</a:t>
             </a:r>
             <a:endParaRPr lang="fr-FR" dirty="0"/>
           </a:p>
@@ -6259,11 +6236,7 @@
             </a:r>
             <a:r>
               <a:rPr lang="fr-FR" dirty="0" smtClean="0"/>
-              <a:t>d’un </a:t>
-            </a:r>
-            <a:r>
-              <a:rPr lang="fr-FR" dirty="0" smtClean="0"/>
-              <a:t>Backoffice (3/4)</a:t>
+              <a:t>d’un Backoffice (3/4)</a:t>
             </a:r>
             <a:endParaRPr lang="fr-FR" dirty="0"/>
           </a:p>
@@ -6506,15 +6479,7 @@
             </a:r>
             <a:r>
               <a:rPr lang="fr-FR" dirty="0" smtClean="0"/>
-              <a:t> : La </a:t>
-            </a:r>
-            <a:r>
-              <a:rPr lang="fr-FR" dirty="0" smtClean="0"/>
-              <a:t>réalité </a:t>
-            </a:r>
-            <a:r>
-              <a:rPr lang="fr-FR" dirty="0" smtClean="0"/>
-              <a:t>virtuelle (1/3)</a:t>
+              <a:t> : La réalité virtuelle (1/3)</a:t>
             </a:r>
             <a:endParaRPr lang="fr-FR" dirty="0"/>
           </a:p>
@@ -7494,7 +7459,6 @@
               <a:rPr lang="fr-FR" dirty="0" smtClean="0"/>
               <a:t>.</a:t>
             </a:r>
-            <a:endParaRPr lang="fr-FR" dirty="0" smtClean="0"/>
           </a:p>
         </p:txBody>
       </p:sp>
@@ -7590,7 +7554,6 @@
               <a:rPr lang="fr-FR" dirty="0" smtClean="0"/>
               <a:t>Outils, technologies</a:t>
             </a:r>
-            <a:endParaRPr lang="fr-FR" dirty="0" smtClean="0"/>
           </a:p>
           <a:p>
             <a:r>
@@ -7642,6 +7605,82 @@
     <p:extLst>
       <p:ext uri="{BB962C8B-B14F-4D97-AF65-F5344CB8AC3E}">
         <p14:creationId xmlns:p14="http://schemas.microsoft.com/office/powerpoint/2010/main" val="3805287657"/>
+      </p:ext>
+    </p:extLst>
+  </p:cSld>
+  <p:clrMapOvr>
+    <a:masterClrMapping/>
+  </p:clrMapOvr>
+</p:sld>
+</file>
+
+<file path=ppt/slides/slide20.xml><?xml version="1.0" encoding="utf-8"?>
+<p:sld xmlns:a="http://schemas.openxmlformats.org/drawingml/2006/main" xmlns:r="http://schemas.openxmlformats.org/officeDocument/2006/relationships" xmlns:p="http://schemas.openxmlformats.org/presentationml/2006/main">
+  <p:cSld>
+    <p:spTree>
+      <p:nvGrpSpPr>
+        <p:cNvPr id="1" name=""/>
+        <p:cNvGrpSpPr/>
+        <p:nvPr/>
+      </p:nvGrpSpPr>
+      <p:grpSpPr>
+        <a:xfrm>
+          <a:off x="0" y="0"/>
+          <a:ext cx="0" cy="0"/>
+          <a:chOff x="0" y="0"/>
+          <a:chExt cx="0" cy="0"/>
+        </a:xfrm>
+      </p:grpSpPr>
+      <p:sp>
+        <p:nvSpPr>
+          <p:cNvPr id="2" name="Titre 1"/>
+          <p:cNvSpPr>
+            <a:spLocks noGrp="1"/>
+          </p:cNvSpPr>
+          <p:nvPr>
+            <p:ph type="title"/>
+          </p:nvPr>
+        </p:nvSpPr>
+        <p:spPr/>
+        <p:txBody>
+          <a:bodyPr/>
+          <a:lstStyle/>
+          <a:p>
+            <a:r>
+              <a:rPr lang="fr-FR" dirty="0" smtClean="0"/>
+              <a:t>Conclusion</a:t>
+            </a:r>
+            <a:endParaRPr lang="fr-FR" dirty="0"/>
+          </a:p>
+        </p:txBody>
+      </p:sp>
+      <p:sp>
+        <p:nvSpPr>
+          <p:cNvPr id="3" name="Espace réservé du contenu 2"/>
+          <p:cNvSpPr>
+            <a:spLocks noGrp="1"/>
+          </p:cNvSpPr>
+          <p:nvPr>
+            <p:ph idx="1"/>
+          </p:nvPr>
+        </p:nvSpPr>
+        <p:spPr/>
+        <p:txBody>
+          <a:bodyPr/>
+          <a:lstStyle/>
+          <a:p>
+            <a:r>
+              <a:rPr lang="fr-FR" dirty="0" smtClean="0"/>
+              <a:t>(Parler de la démo, comment cela pourrait évoluer, ce que l’on a apprit)</a:t>
+            </a:r>
+            <a:endParaRPr lang="fr-FR" dirty="0"/>
+          </a:p>
+        </p:txBody>
+      </p:sp>
+    </p:spTree>
+    <p:extLst>
+      <p:ext uri="{BB962C8B-B14F-4D97-AF65-F5344CB8AC3E}">
+        <p14:creationId xmlns:p14="http://schemas.microsoft.com/office/powerpoint/2010/main" val="643386072"/>
       </p:ext>
     </p:extLst>
   </p:cSld>
@@ -7773,7 +7812,11 @@
             </a:r>
             <a:r>
               <a:rPr lang="fr-FR" dirty="0" smtClean="0"/>
-              <a:t>ou d’un autre élément touristique.</a:t>
+              <a:t>ou d’un autre élément </a:t>
+            </a:r>
+            <a:r>
+              <a:rPr lang="fr-FR" dirty="0" smtClean="0"/>
+              <a:t>touristique…</a:t>
             </a:r>
             <a:endParaRPr lang="fr-FR" dirty="0"/>
           </a:p>
@@ -8050,11 +8093,7 @@
             </a:r>
             <a:r>
               <a:rPr lang="fr-FR" dirty="0" smtClean="0"/>
-              <a:t> </a:t>
-            </a:r>
-            <a:r>
-              <a:rPr lang="fr-FR" dirty="0" smtClean="0"/>
-              <a:t>:</a:t>
+              <a:t> :</a:t>
             </a:r>
           </a:p>
           <a:p>
@@ -8075,7 +8114,6 @@
               <a:rPr lang="fr-FR" dirty="0" smtClean="0"/>
               <a:t>Création et implémentation de vidéos VR.</a:t>
             </a:r>
-            <a:endParaRPr lang="fr-FR" dirty="0" smtClean="0"/>
           </a:p>
           <a:p>
             <a:pPr lvl="1"/>
@@ -9450,6 +9488,36 @@
           </a:p>
         </p:txBody>
       </p:sp>
+      <p:sp>
+        <p:nvSpPr>
+          <p:cNvPr id="3" name="ZoneTexte 2"/>
+          <p:cNvSpPr txBox="1"/>
+          <p:nvPr/>
+        </p:nvSpPr>
+        <p:spPr>
+          <a:xfrm>
+            <a:off x="9019309" y="2152996"/>
+            <a:ext cx="1803862" cy="923330"/>
+          </a:xfrm>
+          <a:prstGeom prst="rect">
+            <a:avLst/>
+          </a:prstGeom>
+          <a:noFill/>
+        </p:spPr>
+        <p:txBody>
+          <a:bodyPr wrap="square" rtlCol="0">
+            <a:spAutoFit/>
+          </a:bodyPr>
+          <a:lstStyle/>
+          <a:p>
+            <a:r>
+              <a:rPr lang="fr-FR" dirty="0" smtClean="0"/>
+              <a:t>PLUS DE DETAILS TECHNIQUES</a:t>
+            </a:r>
+            <a:endParaRPr lang="fr-FR" dirty="0"/>
+          </a:p>
+        </p:txBody>
+      </p:sp>
     </p:spTree>
     <p:extLst>
       <p:ext uri="{BB962C8B-B14F-4D97-AF65-F5344CB8AC3E}">

--- a/annexes/slides-VR_Tourism.pptx
+++ b/annexes/slides-VR_Tourism.pptx
@@ -226,7 +226,7 @@
           <a:effectLst/>
           <a:extLst>
             <a:ext uri="{91240B29-F687-4f45-9708-019B960494DF}">
-              <a14:hiddenLine xmlns:a14="http://schemas.microsoft.com/office/drawing/2010/main" xmlns="" w="9525">
+              <a14:hiddenLine xmlns="" xmlns:a14="http://schemas.microsoft.com/office/drawing/2010/main" w="9525">
                 <a:solidFill>
                   <a:srgbClr val="000000"/>
                 </a:solidFill>
@@ -1736,7 +1736,7 @@
           <a:ln/>
           <a:extLst>
             <a:ext uri="{91240B29-F687-4f45-9708-019B960494DF}">
-              <a14:hiddenLine xmlns:a14="http://schemas.microsoft.com/office/drawing/2010/main" xmlns="" w="9525">
+              <a14:hiddenLine xmlns="" xmlns:a14="http://schemas.microsoft.com/office/drawing/2010/main" w="9525">
                 <a:solidFill>
                   <a:srgbClr val="000000"/>
                 </a:solidFill>
@@ -2008,7 +2008,7 @@
           <a:ln/>
           <a:extLst>
             <a:ext uri="{91240B29-F687-4f45-9708-019B960494DF}">
-              <a14:hiddenLine xmlns:a14="http://schemas.microsoft.com/office/drawing/2010/main" xmlns="" w="9525">
+              <a14:hiddenLine xmlns="" xmlns:a14="http://schemas.microsoft.com/office/drawing/2010/main" w="9525">
                 <a:solidFill>
                   <a:srgbClr val="000000"/>
                 </a:solidFill>
@@ -2288,7 +2288,7 @@
           <a:ln/>
           <a:extLst>
             <a:ext uri="{91240B29-F687-4f45-9708-019B960494DF}">
-              <a14:hiddenLine xmlns:a14="http://schemas.microsoft.com/office/drawing/2010/main" xmlns="" w="9525">
+              <a14:hiddenLine xmlns="" xmlns:a14="http://schemas.microsoft.com/office/drawing/2010/main" w="9525">
                 <a:solidFill>
                   <a:srgbClr val="000000"/>
                 </a:solidFill>
@@ -2908,7 +2908,7 @@
           <a:ln/>
           <a:extLst>
             <a:ext uri="{91240B29-F687-4f45-9708-019B960494DF}">
-              <a14:hiddenLine xmlns:a14="http://schemas.microsoft.com/office/drawing/2010/main" xmlns="" w="9525">
+              <a14:hiddenLine xmlns="" xmlns:a14="http://schemas.microsoft.com/office/drawing/2010/main" w="9525">
                 <a:solidFill>
                   <a:srgbClr val="000000"/>
                 </a:solidFill>
@@ -3244,7 +3244,7 @@
           <a:ln/>
           <a:extLst>
             <a:ext uri="{91240B29-F687-4f45-9708-019B960494DF}">
-              <a14:hiddenLine xmlns:a14="http://schemas.microsoft.com/office/drawing/2010/main" xmlns="" w="9525">
+              <a14:hiddenLine xmlns="" xmlns:a14="http://schemas.microsoft.com/office/drawing/2010/main" w="9525">
                 <a:solidFill>
                   <a:srgbClr val="000000"/>
                 </a:solidFill>
@@ -3718,7 +3718,7 @@
           <a:ln/>
           <a:extLst>
             <a:ext uri="{91240B29-F687-4f45-9708-019B960494DF}">
-              <a14:hiddenLine xmlns:a14="http://schemas.microsoft.com/office/drawing/2010/main" xmlns="" w="9525">
+              <a14:hiddenLine xmlns="" xmlns:a14="http://schemas.microsoft.com/office/drawing/2010/main" w="9525">
                 <a:solidFill>
                   <a:srgbClr val="000000"/>
                 </a:solidFill>
@@ -4141,7 +4141,7 @@
           <a:ln/>
           <a:extLst>
             <a:ext uri="{91240B29-F687-4f45-9708-019B960494DF}">
-              <a14:hiddenLine xmlns:a14="http://schemas.microsoft.com/office/drawing/2010/main" xmlns="" w="9525">
+              <a14:hiddenLine xmlns="" xmlns:a14="http://schemas.microsoft.com/office/drawing/2010/main" w="9525">
                 <a:solidFill>
                   <a:srgbClr val="000000"/>
                 </a:solidFill>
@@ -5421,7 +5421,11 @@
           <a:p>
             <a:r>
               <a:rPr lang="fr-FR" sz="1400" i="1" dirty="0" smtClean="0"/>
-              <a:t>Casque de réalité virtuelle pour le domaine du tourisme</a:t>
+              <a:t>Casque de réalité virtuelle pour le domaine du </a:t>
+            </a:r>
+            <a:r>
+              <a:rPr lang="fr-FR" sz="1400" i="1" dirty="0" smtClean="0"/>
+              <a:t>tourisme </a:t>
             </a:r>
             <a:endParaRPr lang="fr-FR" sz="1400" i="1" dirty="0"/>
           </a:p>
@@ -5538,6 +5542,67 @@
           <a:xfrm>
             <a:off x="810001" y="364429"/>
             <a:ext cx="5139912" cy="3406943"/>
+          </a:xfrm>
+          <a:prstGeom prst="rect">
+            <a:avLst/>
+          </a:prstGeom>
+        </p:spPr>
+      </p:pic>
+      <p:sp>
+        <p:nvSpPr>
+          <p:cNvPr id="6" name="ZoneTexte 5"/>
+          <p:cNvSpPr txBox="1"/>
+          <p:nvPr/>
+        </p:nvSpPr>
+        <p:spPr>
+          <a:xfrm>
+            <a:off x="7498080" y="5682333"/>
+            <a:ext cx="3883921" cy="369332"/>
+          </a:xfrm>
+          <a:prstGeom prst="rect">
+            <a:avLst/>
+          </a:prstGeom>
+          <a:noFill/>
+        </p:spPr>
+        <p:txBody>
+          <a:bodyPr wrap="square" rtlCol="0">
+            <a:spAutoFit/>
+          </a:bodyPr>
+          <a:lstStyle/>
+          <a:p>
+            <a:pPr algn="r"/>
+            <a:r>
+              <a:rPr lang="fr-FR" dirty="0" smtClean="0"/>
+              <a:t>IUT Nice – Sophia-Antipolis</a:t>
+            </a:r>
+            <a:endParaRPr lang="fr-FR" dirty="0"/>
+          </a:p>
+        </p:txBody>
+      </p:sp>
+      <p:pic>
+        <p:nvPicPr>
+          <p:cNvPr id="7" name="Image 6"/>
+          <p:cNvPicPr>
+            <a:picLocks noChangeAspect="1"/>
+          </p:cNvPicPr>
+          <p:nvPr/>
+        </p:nvPicPr>
+        <p:blipFill>
+          <a:blip r:embed="rId3">
+            <a:extLst>
+              <a:ext uri="{28A0092B-C50C-407E-A947-70E740481C1C}">
+                <a14:useLocalDpi xmlns:a14="http://schemas.microsoft.com/office/drawing/2010/main" val="0"/>
+              </a:ext>
+            </a:extLst>
+          </a:blip>
+          <a:stretch>
+            <a:fillRect/>
+          </a:stretch>
+        </p:blipFill>
+        <p:spPr>
+          <a:xfrm>
+            <a:off x="9476997" y="3544554"/>
+            <a:ext cx="1905004" cy="1203962"/>
           </a:xfrm>
           <a:prstGeom prst="rect">
             <a:avLst/>
@@ -7812,11 +7877,7 @@
             </a:r>
             <a:r>
               <a:rPr lang="fr-FR" dirty="0" smtClean="0"/>
-              <a:t>ou d’un autre élément </a:t>
-            </a:r>
-            <a:r>
-              <a:rPr lang="fr-FR" dirty="0" smtClean="0"/>
-              <a:t>touristique…</a:t>
+              <a:t>ou d’un autre élément touristique…</a:t>
             </a:r>
             <a:endParaRPr lang="fr-FR" dirty="0"/>
           </a:p>

--- a/annexes/slides-VR_Tourism.pptx
+++ b/annexes/slides-VR_Tourism.pptx
@@ -12,19 +12,24 @@
     <p:sldId id="260" r:id="rId6"/>
     <p:sldId id="261" r:id="rId7"/>
     <p:sldId id="263" r:id="rId8"/>
-    <p:sldId id="264" r:id="rId9"/>
-    <p:sldId id="265" r:id="rId10"/>
-    <p:sldId id="266" r:id="rId11"/>
-    <p:sldId id="267" r:id="rId12"/>
-    <p:sldId id="268" r:id="rId13"/>
-    <p:sldId id="269" r:id="rId14"/>
-    <p:sldId id="270" r:id="rId15"/>
-    <p:sldId id="271" r:id="rId16"/>
-    <p:sldId id="272" r:id="rId17"/>
-    <p:sldId id="273" r:id="rId18"/>
-    <p:sldId id="274" r:id="rId19"/>
-    <p:sldId id="262" r:id="rId20"/>
-    <p:sldId id="275" r:id="rId21"/>
+    <p:sldId id="278" r:id="rId9"/>
+    <p:sldId id="277" r:id="rId10"/>
+    <p:sldId id="280" r:id="rId11"/>
+    <p:sldId id="276" r:id="rId12"/>
+    <p:sldId id="279" r:id="rId13"/>
+    <p:sldId id="264" r:id="rId14"/>
+    <p:sldId id="265" r:id="rId15"/>
+    <p:sldId id="266" r:id="rId16"/>
+    <p:sldId id="267" r:id="rId17"/>
+    <p:sldId id="268" r:id="rId18"/>
+    <p:sldId id="269" r:id="rId19"/>
+    <p:sldId id="270" r:id="rId20"/>
+    <p:sldId id="271" r:id="rId21"/>
+    <p:sldId id="272" r:id="rId22"/>
+    <p:sldId id="273" r:id="rId23"/>
+    <p:sldId id="274" r:id="rId24"/>
+    <p:sldId id="262" r:id="rId25"/>
+    <p:sldId id="275" r:id="rId26"/>
   </p:sldIdLst>
   <p:sldSz cx="12192000" cy="6858000"/>
   <p:notesSz cx="6858000" cy="9144000"/>
@@ -131,6 +136,10 @@
 </p:presentation>
 </file>
 
+<file path=ppt/revisionInfo.xml><?xml version="1.0" encoding="utf-8"?>
+<p1510:revInfo xmlns:a="http://schemas.openxmlformats.org/drawingml/2006/main" xmlns:r="http://schemas.openxmlformats.org/officeDocument/2006/relationships" xmlns:p1510="http://schemas.microsoft.com/office/powerpoint/2015/10/main"/>
+</file>
+
 <file path=ppt/slideLayouts/slideLayout1.xml><?xml version="1.0" encoding="utf-8"?>
 <p:sldLayout xmlns:a="http://schemas.openxmlformats.org/drawingml/2006/main" xmlns:r="http://schemas.openxmlformats.org/officeDocument/2006/relationships" xmlns:p="http://schemas.openxmlformats.org/presentationml/2006/main" type="title" preserve="1">
   <p:cSld name="Diapositive de titre">
@@ -277,7 +286,7 @@
           </a:lstStyle>
           <a:p>
             <a:r>
-              <a:rPr lang="fr-FR" smtClean="0"/>
+              <a:rPr lang="fr-FR"/>
               <a:t>Modifiez le style du titre</a:t>
             </a:r>
             <a:endParaRPr lang="en-US" dirty="0"/>
@@ -394,7 +403,7 @@
           </a:lstStyle>
           <a:p>
             <a:r>
-              <a:rPr lang="fr-FR" smtClean="0"/>
+              <a:rPr lang="fr-FR"/>
               <a:t>Modifier le style des sous-titres du masque</a:t>
             </a:r>
             <a:endParaRPr lang="en-US" dirty="0"/>
@@ -419,7 +428,7 @@
             <a:fld id="{08B9EBBA-996F-894A-B54A-D6246ED52CEA}" type="datetimeFigureOut">
               <a:rPr lang="en-US" dirty="0"/>
               <a:pPr/>
-              <a:t>4/10/2018</a:t>
+              <a:t>5/10/2018</a:t>
             </a:fld>
             <a:endParaRPr lang="en-US" dirty="0"/>
           </a:p>
@@ -520,7 +529,7 @@
           </a:lstStyle>
           <a:p>
             <a:r>
-              <a:rPr lang="fr-FR" smtClean="0"/>
+              <a:rPr lang="fr-FR"/>
               <a:t>Modifiez le style du titre</a:t>
             </a:r>
             <a:endParaRPr lang="en-US" dirty="0"/>
@@ -642,7 +651,7 @@
           </a:lstStyle>
           <a:p>
             <a:r>
-              <a:rPr lang="fr-FR" smtClean="0"/>
+              <a:rPr lang="fr-FR"/>
               <a:t>Cliquez sur l'icône pour ajouter une image</a:t>
             </a:r>
             <a:endParaRPr lang="en-US" dirty="0"/>
@@ -710,7 +719,7 @@
           <a:p>
             <a:pPr lvl="0"/>
             <a:r>
-              <a:rPr lang="fr-FR" smtClean="0"/>
+              <a:rPr lang="fr-FR"/>
               <a:t>Modifier les styles du texte du masque</a:t>
             </a:r>
           </a:p>
@@ -734,7 +743,7 @@
             <a:fld id="{18C79C5D-2A6F-F04D-97DA-BEF2467B64E4}" type="datetimeFigureOut">
               <a:rPr lang="en-US" dirty="0"/>
               <a:pPr/>
-              <a:t>4/10/2018</a:t>
+              <a:t>5/10/2018</a:t>
             </a:fld>
             <a:endParaRPr lang="en-US" dirty="0"/>
           </a:p>
@@ -1041,7 +1050,7 @@
           </a:lstStyle>
           <a:p>
             <a:r>
-              <a:rPr lang="fr-FR" smtClean="0"/>
+              <a:rPr lang="fr-FR"/>
               <a:t>Modifiez le style du titre</a:t>
             </a:r>
             <a:endParaRPr lang="en-US" dirty="0"/>
@@ -1161,7 +1170,7 @@
           <a:p>
             <a:pPr lvl="0"/>
             <a:r>
-              <a:rPr lang="fr-FR" smtClean="0"/>
+              <a:rPr lang="fr-FR"/>
               <a:t>Modifier les styles du texte du masque</a:t>
             </a:r>
           </a:p>
@@ -1195,7 +1204,7 @@
           <a:p>
             <a:pPr lvl="0"/>
             <a:r>
-              <a:rPr lang="fr-FR" smtClean="0"/>
+              <a:rPr lang="fr-FR"/>
               <a:t>Modifier les styles du texte du masque</a:t>
             </a:r>
           </a:p>
@@ -1219,7 +1228,7 @@
             <a:fld id="{8DFA1846-DA80-1C48-A609-854EA85C59AD}" type="datetimeFigureOut">
               <a:rPr lang="en-US" dirty="0"/>
               <a:pPr/>
-              <a:t>4/10/2018</a:t>
+              <a:t>5/10/2018</a:t>
             </a:fld>
             <a:endParaRPr lang="en-US" dirty="0"/>
           </a:p>
@@ -1526,7 +1535,7 @@
           </a:lstStyle>
           <a:p>
             <a:r>
-              <a:rPr lang="fr-FR" smtClean="0"/>
+              <a:rPr lang="fr-FR"/>
               <a:t>Modifiez le style du titre</a:t>
             </a:r>
             <a:endParaRPr lang="en-US" dirty="0"/>
@@ -1561,7 +1570,7 @@
           <a:p>
             <a:pPr lvl="0"/>
             <a:r>
-              <a:rPr lang="fr-FR" smtClean="0"/>
+              <a:rPr lang="fr-FR"/>
               <a:t>Modifier les styles du texte du masque</a:t>
             </a:r>
           </a:p>
@@ -1585,7 +1594,7 @@
             <a:fld id="{FBF54567-0DE4-3F47-BF90-CB84690072F9}" type="datetimeFigureOut">
               <a:rPr lang="en-US" dirty="0"/>
               <a:pPr/>
-              <a:t>4/10/2018</a:t>
+              <a:t>5/10/2018</a:t>
             </a:fld>
             <a:endParaRPr lang="en-US" dirty="0"/>
           </a:p>
@@ -1778,7 +1787,7 @@
           <a:lstStyle/>
           <a:p>
             <a:r>
-              <a:rPr lang="fr-FR" smtClean="0"/>
+              <a:rPr lang="fr-FR"/>
               <a:t>Modifiez le style du titre</a:t>
             </a:r>
             <a:endParaRPr lang="en-US" dirty="0"/>
@@ -1802,35 +1811,35 @@
           <a:p>
             <a:pPr lvl="0"/>
             <a:r>
-              <a:rPr lang="fr-FR" smtClean="0"/>
+              <a:rPr lang="fr-FR"/>
               <a:t>Modifier les styles du texte du masque</a:t>
             </a:r>
           </a:p>
           <a:p>
             <a:pPr lvl="1"/>
             <a:r>
-              <a:rPr lang="fr-FR" smtClean="0"/>
+              <a:rPr lang="fr-FR"/>
               <a:t>Deuxième niveau</a:t>
             </a:r>
           </a:p>
           <a:p>
             <a:pPr lvl="2"/>
             <a:r>
-              <a:rPr lang="fr-FR" smtClean="0"/>
+              <a:rPr lang="fr-FR"/>
               <a:t>Troisième niveau</a:t>
             </a:r>
           </a:p>
           <a:p>
             <a:pPr lvl="3"/>
             <a:r>
-              <a:rPr lang="fr-FR" smtClean="0"/>
+              <a:rPr lang="fr-FR"/>
               <a:t>Quatrième niveau</a:t>
             </a:r>
           </a:p>
           <a:p>
             <a:pPr lvl="4"/>
             <a:r>
-              <a:rPr lang="fr-FR" smtClean="0"/>
+              <a:rPr lang="fr-FR"/>
               <a:t>Cinquième niveau</a:t>
             </a:r>
             <a:endParaRPr lang="en-US" dirty="0"/>
@@ -1855,7 +1864,7 @@
             <a:fld id="{C6C52C72-DE31-F449-A4ED-4C594FD91407}" type="datetimeFigureOut">
               <a:rPr lang="en-US" dirty="0"/>
               <a:pPr/>
-              <a:t>4/10/2018</a:t>
+              <a:t>5/10/2018</a:t>
             </a:fld>
             <a:endParaRPr lang="en-US" dirty="0"/>
           </a:p>
@@ -2055,7 +2064,7 @@
           <a:lstStyle/>
           <a:p>
             <a:r>
-              <a:rPr lang="fr-FR" smtClean="0"/>
+              <a:rPr lang="fr-FR"/>
               <a:t>Modifiez le style du titre</a:t>
             </a:r>
             <a:endParaRPr lang="en-US" dirty="0"/>
@@ -2084,35 +2093,35 @@
           <a:p>
             <a:pPr lvl="0"/>
             <a:r>
-              <a:rPr lang="fr-FR" smtClean="0"/>
+              <a:rPr lang="fr-FR"/>
               <a:t>Modifier les styles du texte du masque</a:t>
             </a:r>
           </a:p>
           <a:p>
             <a:pPr lvl="1"/>
             <a:r>
-              <a:rPr lang="fr-FR" smtClean="0"/>
+              <a:rPr lang="fr-FR"/>
               <a:t>Deuxième niveau</a:t>
             </a:r>
           </a:p>
           <a:p>
             <a:pPr lvl="2"/>
             <a:r>
-              <a:rPr lang="fr-FR" smtClean="0"/>
+              <a:rPr lang="fr-FR"/>
               <a:t>Troisième niveau</a:t>
             </a:r>
           </a:p>
           <a:p>
             <a:pPr lvl="3"/>
             <a:r>
-              <a:rPr lang="fr-FR" smtClean="0"/>
+              <a:rPr lang="fr-FR"/>
               <a:t>Quatrième niveau</a:t>
             </a:r>
           </a:p>
           <a:p>
             <a:pPr lvl="4"/>
             <a:r>
-              <a:rPr lang="fr-FR" smtClean="0"/>
+              <a:rPr lang="fr-FR"/>
               <a:t>Cinquième niveau</a:t>
             </a:r>
             <a:endParaRPr lang="en-US" dirty="0"/>
@@ -2137,7 +2146,7 @@
             <a:fld id="{ED62726E-379B-B349-9EED-81ED093FA806}" type="datetimeFigureOut">
               <a:rPr lang="en-US" dirty="0"/>
               <a:pPr/>
-              <a:t>4/10/2018</a:t>
+              <a:t>5/10/2018</a:t>
             </a:fld>
             <a:endParaRPr lang="en-US" dirty="0"/>
           </a:p>
@@ -2335,7 +2344,7 @@
           <a:lstStyle/>
           <a:p>
             <a:r>
-              <a:rPr lang="fr-FR" smtClean="0"/>
+              <a:rPr lang="fr-FR"/>
               <a:t>Modifiez le style du titre</a:t>
             </a:r>
             <a:endParaRPr lang="en-US" dirty="0"/>
@@ -2364,35 +2373,35 @@
           <a:p>
             <a:pPr lvl="0"/>
             <a:r>
-              <a:rPr lang="fr-FR" smtClean="0"/>
+              <a:rPr lang="fr-FR"/>
               <a:t>Modifier les styles du texte du masque</a:t>
             </a:r>
           </a:p>
           <a:p>
             <a:pPr lvl="1"/>
             <a:r>
-              <a:rPr lang="fr-FR" smtClean="0"/>
+              <a:rPr lang="fr-FR"/>
               <a:t>Deuxième niveau</a:t>
             </a:r>
           </a:p>
           <a:p>
             <a:pPr lvl="2"/>
             <a:r>
-              <a:rPr lang="fr-FR" smtClean="0"/>
+              <a:rPr lang="fr-FR"/>
               <a:t>Troisième niveau</a:t>
             </a:r>
           </a:p>
           <a:p>
             <a:pPr lvl="3"/>
             <a:r>
-              <a:rPr lang="fr-FR" smtClean="0"/>
+              <a:rPr lang="fr-FR"/>
               <a:t>Quatrième niveau</a:t>
             </a:r>
           </a:p>
           <a:p>
             <a:pPr lvl="4"/>
             <a:r>
-              <a:rPr lang="fr-FR" smtClean="0"/>
+              <a:rPr lang="fr-FR"/>
               <a:t>Cinquième niveau</a:t>
             </a:r>
             <a:endParaRPr lang="en-US" dirty="0"/>
@@ -2417,7 +2426,7 @@
             <a:fld id="{9B3A1323-8D79-1946-B0D7-40001CF92E9D}" type="datetimeFigureOut">
               <a:rPr lang="en-US" dirty="0"/>
               <a:pPr/>
-              <a:t>4/10/2018</a:t>
+              <a:t>5/10/2018</a:t>
             </a:fld>
             <a:endParaRPr lang="en-US" dirty="0"/>
           </a:p>
@@ -2613,7 +2622,7 @@
           </a:lstStyle>
           <a:p>
             <a:r>
-              <a:rPr lang="fr-FR" smtClean="0"/>
+              <a:rPr lang="fr-FR"/>
               <a:t>Modifiez le style du titre</a:t>
             </a:r>
             <a:endParaRPr lang="en-US" dirty="0"/>
@@ -2733,7 +2742,7 @@
           <a:p>
             <a:pPr lvl="0"/>
             <a:r>
-              <a:rPr lang="fr-FR" smtClean="0"/>
+              <a:rPr lang="fr-FR"/>
               <a:t>Modifier les styles du texte du masque</a:t>
             </a:r>
           </a:p>
@@ -2757,7 +2766,7 @@
             <a:fld id="{8DFA1846-DA80-1C48-A609-854EA85C59AD}" type="datetimeFigureOut">
               <a:rPr lang="en-US" dirty="0"/>
               <a:pPr/>
-              <a:t>4/10/2018</a:t>
+              <a:t>5/10/2018</a:t>
             </a:fld>
             <a:endParaRPr lang="en-US" dirty="0"/>
           </a:p>
@@ -2950,7 +2959,7 @@
           <a:lstStyle/>
           <a:p>
             <a:r>
-              <a:rPr lang="fr-FR" smtClean="0"/>
+              <a:rPr lang="fr-FR"/>
               <a:t>Modifiez le style du titre</a:t>
             </a:r>
             <a:endParaRPr lang="en-US" dirty="0"/>
@@ -2981,35 +2990,35 @@
           <a:p>
             <a:pPr lvl="0"/>
             <a:r>
-              <a:rPr lang="fr-FR" smtClean="0"/>
+              <a:rPr lang="fr-FR"/>
               <a:t>Modifier les styles du texte du masque</a:t>
             </a:r>
           </a:p>
           <a:p>
             <a:pPr lvl="1"/>
             <a:r>
-              <a:rPr lang="fr-FR" smtClean="0"/>
+              <a:rPr lang="fr-FR"/>
               <a:t>Deuxième niveau</a:t>
             </a:r>
           </a:p>
           <a:p>
             <a:pPr lvl="2"/>
             <a:r>
-              <a:rPr lang="fr-FR" smtClean="0"/>
+              <a:rPr lang="fr-FR"/>
               <a:t>Troisième niveau</a:t>
             </a:r>
           </a:p>
           <a:p>
             <a:pPr lvl="3"/>
             <a:r>
-              <a:rPr lang="fr-FR" smtClean="0"/>
+              <a:rPr lang="fr-FR"/>
               <a:t>Quatrième niveau</a:t>
             </a:r>
           </a:p>
           <a:p>
             <a:pPr lvl="4"/>
             <a:r>
-              <a:rPr lang="fr-FR" smtClean="0"/>
+              <a:rPr lang="fr-FR"/>
               <a:t>Cinquième niveau</a:t>
             </a:r>
             <a:endParaRPr lang="en-US" dirty="0"/>
@@ -3040,35 +3049,35 @@
           <a:p>
             <a:pPr lvl="0"/>
             <a:r>
-              <a:rPr lang="fr-FR" smtClean="0"/>
+              <a:rPr lang="fr-FR"/>
               <a:t>Modifier les styles du texte du masque</a:t>
             </a:r>
           </a:p>
           <a:p>
             <a:pPr lvl="1"/>
             <a:r>
-              <a:rPr lang="fr-FR" smtClean="0"/>
+              <a:rPr lang="fr-FR"/>
               <a:t>Deuxième niveau</a:t>
             </a:r>
           </a:p>
           <a:p>
             <a:pPr lvl="2"/>
             <a:r>
-              <a:rPr lang="fr-FR" smtClean="0"/>
+              <a:rPr lang="fr-FR"/>
               <a:t>Troisième niveau</a:t>
             </a:r>
           </a:p>
           <a:p>
             <a:pPr lvl="3"/>
             <a:r>
-              <a:rPr lang="fr-FR" smtClean="0"/>
+              <a:rPr lang="fr-FR"/>
               <a:t>Quatrième niveau</a:t>
             </a:r>
           </a:p>
           <a:p>
             <a:pPr lvl="4"/>
             <a:r>
-              <a:rPr lang="fr-FR" smtClean="0"/>
+              <a:rPr lang="fr-FR"/>
               <a:t>Cinquième niveau</a:t>
             </a:r>
             <a:endParaRPr lang="en-US" dirty="0"/>
@@ -3093,7 +3102,7 @@
             <a:fld id="{57302355-E14B-8545-A8F8-0FE83CC9D524}" type="datetimeFigureOut">
               <a:rPr lang="en-US" dirty="0"/>
               <a:pPr/>
-              <a:t>4/10/2018</a:t>
+              <a:t>5/10/2018</a:t>
             </a:fld>
             <a:endParaRPr lang="en-US" dirty="0"/>
           </a:p>
@@ -3290,7 +3299,7 @@
           </a:lstStyle>
           <a:p>
             <a:r>
-              <a:rPr lang="fr-FR" smtClean="0"/>
+              <a:rPr lang="fr-FR"/>
               <a:t>Modifiez le style du titre</a:t>
             </a:r>
             <a:endParaRPr lang="en-US" dirty="0"/>
@@ -3358,7 +3367,7 @@
           <a:p>
             <a:pPr lvl="0"/>
             <a:r>
-              <a:rPr lang="fr-FR" smtClean="0"/>
+              <a:rPr lang="fr-FR"/>
               <a:t>Modifier les styles du texte du masque</a:t>
             </a:r>
           </a:p>
@@ -3388,35 +3397,35 @@
           <a:p>
             <a:pPr lvl="0"/>
             <a:r>
-              <a:rPr lang="fr-FR" smtClean="0"/>
+              <a:rPr lang="fr-FR"/>
               <a:t>Modifier les styles du texte du masque</a:t>
             </a:r>
           </a:p>
           <a:p>
             <a:pPr lvl="1"/>
             <a:r>
-              <a:rPr lang="fr-FR" smtClean="0"/>
+              <a:rPr lang="fr-FR"/>
               <a:t>Deuxième niveau</a:t>
             </a:r>
           </a:p>
           <a:p>
             <a:pPr lvl="2"/>
             <a:r>
-              <a:rPr lang="fr-FR" smtClean="0"/>
+              <a:rPr lang="fr-FR"/>
               <a:t>Troisième niveau</a:t>
             </a:r>
           </a:p>
           <a:p>
             <a:pPr lvl="3"/>
             <a:r>
-              <a:rPr lang="fr-FR" smtClean="0"/>
+              <a:rPr lang="fr-FR"/>
               <a:t>Quatrième niveau</a:t>
             </a:r>
           </a:p>
           <a:p>
             <a:pPr lvl="4"/>
             <a:r>
-              <a:rPr lang="fr-FR" smtClean="0"/>
+              <a:rPr lang="fr-FR"/>
               <a:t>Cinquième niveau</a:t>
             </a:r>
             <a:endParaRPr lang="en-US" dirty="0"/>
@@ -3484,7 +3493,7 @@
           <a:p>
             <a:pPr lvl="0"/>
             <a:r>
-              <a:rPr lang="fr-FR" smtClean="0"/>
+              <a:rPr lang="fr-FR"/>
               <a:t>Modifier les styles du texte du masque</a:t>
             </a:r>
           </a:p>
@@ -3514,35 +3523,35 @@
           <a:p>
             <a:pPr lvl="0"/>
             <a:r>
-              <a:rPr lang="fr-FR" smtClean="0"/>
+              <a:rPr lang="fr-FR"/>
               <a:t>Modifier les styles du texte du masque</a:t>
             </a:r>
           </a:p>
           <a:p>
             <a:pPr lvl="1"/>
             <a:r>
-              <a:rPr lang="fr-FR" smtClean="0"/>
+              <a:rPr lang="fr-FR"/>
               <a:t>Deuxième niveau</a:t>
             </a:r>
           </a:p>
           <a:p>
             <a:pPr lvl="2"/>
             <a:r>
-              <a:rPr lang="fr-FR" smtClean="0"/>
+              <a:rPr lang="fr-FR"/>
               <a:t>Troisième niveau</a:t>
             </a:r>
           </a:p>
           <a:p>
             <a:pPr lvl="3"/>
             <a:r>
-              <a:rPr lang="fr-FR" smtClean="0"/>
+              <a:rPr lang="fr-FR"/>
               <a:t>Quatrième niveau</a:t>
             </a:r>
           </a:p>
           <a:p>
             <a:pPr lvl="4"/>
             <a:r>
-              <a:rPr lang="fr-FR" smtClean="0"/>
+              <a:rPr lang="fr-FR"/>
               <a:t>Cinquième niveau</a:t>
             </a:r>
             <a:endParaRPr lang="en-US" dirty="0"/>
@@ -3567,7 +3576,7 @@
             <a:fld id="{02640F58-564D-2B4F-AE67-E407BA4FCF45}" type="datetimeFigureOut">
               <a:rPr lang="en-US" dirty="0"/>
               <a:pPr/>
-              <a:t>4/10/2018</a:t>
+              <a:t>5/10/2018</a:t>
             </a:fld>
             <a:endParaRPr lang="en-US" dirty="0"/>
           </a:p>
@@ -3760,7 +3769,7 @@
           <a:lstStyle/>
           <a:p>
             <a:r>
-              <a:rPr lang="fr-FR" smtClean="0"/>
+              <a:rPr lang="fr-FR"/>
               <a:t>Modifiez le style du titre</a:t>
             </a:r>
             <a:endParaRPr lang="en-US" dirty="0"/>
@@ -3785,7 +3794,7 @@
             <a:fld id="{F13A34C8-038E-2045-AF43-DF7DBB8E0E9E}" type="datetimeFigureOut">
               <a:rPr lang="en-US" dirty="0"/>
               <a:pPr/>
-              <a:t>4/10/2018</a:t>
+              <a:t>5/10/2018</a:t>
             </a:fld>
             <a:endParaRPr lang="en-US" dirty="0"/>
           </a:p>
@@ -3877,7 +3886,7 @@
             <a:fld id="{8818C68F-D26B-8F47-958C-23B49CF8A634}" type="datetimeFigureOut">
               <a:rPr lang="en-US" dirty="0"/>
               <a:pPr/>
-              <a:t>4/10/2018</a:t>
+              <a:t>5/10/2018</a:t>
             </a:fld>
             <a:endParaRPr lang="en-US" dirty="0"/>
           </a:p>
@@ -4192,7 +4201,7 @@
           </a:lstStyle>
           <a:p>
             <a:r>
-              <a:rPr lang="fr-FR" smtClean="0"/>
+              <a:rPr lang="fr-FR"/>
               <a:t>Modifiez le style du titre</a:t>
             </a:r>
             <a:endParaRPr lang="en-US" dirty="0"/>
@@ -4223,35 +4232,35 @@
           <a:p>
             <a:pPr lvl="0"/>
             <a:r>
-              <a:rPr lang="fr-FR" smtClean="0"/>
+              <a:rPr lang="fr-FR"/>
               <a:t>Modifier les styles du texte du masque</a:t>
             </a:r>
           </a:p>
           <a:p>
             <a:pPr lvl="1"/>
             <a:r>
-              <a:rPr lang="fr-FR" smtClean="0"/>
+              <a:rPr lang="fr-FR"/>
               <a:t>Deuxième niveau</a:t>
             </a:r>
           </a:p>
           <a:p>
             <a:pPr lvl="2"/>
             <a:r>
-              <a:rPr lang="fr-FR" smtClean="0"/>
+              <a:rPr lang="fr-FR"/>
               <a:t>Troisième niveau</a:t>
             </a:r>
           </a:p>
           <a:p>
             <a:pPr lvl="3"/>
             <a:r>
-              <a:rPr lang="fr-FR" smtClean="0"/>
+              <a:rPr lang="fr-FR"/>
               <a:t>Quatrième niveau</a:t>
             </a:r>
           </a:p>
           <a:p>
             <a:pPr lvl="4"/>
             <a:r>
-              <a:rPr lang="fr-FR" smtClean="0"/>
+              <a:rPr lang="fr-FR"/>
               <a:t>Cinquième niveau</a:t>
             </a:r>
             <a:endParaRPr lang="en-US" dirty="0"/>
@@ -4317,7 +4326,7 @@
           <a:p>
             <a:pPr lvl="0"/>
             <a:r>
-              <a:rPr lang="fr-FR" smtClean="0"/>
+              <a:rPr lang="fr-FR"/>
               <a:t>Modifier les styles du texte du masque</a:t>
             </a:r>
           </a:p>
@@ -4341,7 +4350,7 @@
             <a:fld id="{D0DF5E60-9974-AC48-9591-99C2BB44B7CF}" type="datetimeFigureOut">
               <a:rPr lang="en-US" dirty="0"/>
               <a:pPr/>
-              <a:t>4/10/2018</a:t>
+              <a:t>5/10/2018</a:t>
             </a:fld>
             <a:endParaRPr lang="en-US" dirty="0"/>
           </a:p>
@@ -4442,7 +4451,7 @@
           </a:lstStyle>
           <a:p>
             <a:r>
-              <a:rPr lang="fr-FR" smtClean="0"/>
+              <a:rPr lang="fr-FR"/>
               <a:t>Modifiez le style du titre</a:t>
             </a:r>
             <a:endParaRPr lang="en-US" dirty="0"/>
@@ -4554,7 +4563,7 @@
           </a:lstStyle>
           <a:p>
             <a:r>
-              <a:rPr lang="fr-FR" smtClean="0"/>
+              <a:rPr lang="fr-FR"/>
               <a:t>Cliquez sur l'icône pour ajouter une image</a:t>
             </a:r>
             <a:endParaRPr lang="en-US" dirty="0"/>
@@ -4622,7 +4631,7 @@
           <a:p>
             <a:pPr lvl="0"/>
             <a:r>
-              <a:rPr lang="fr-FR" smtClean="0"/>
+              <a:rPr lang="fr-FR"/>
               <a:t>Modifier les styles du texte du masque</a:t>
             </a:r>
           </a:p>
@@ -4651,7 +4660,7 @@
             <a:fld id="{18C79C5D-2A6F-F04D-97DA-BEF2467B64E4}" type="datetimeFigureOut">
               <a:rPr lang="en-US" dirty="0"/>
               <a:pPr/>
-              <a:t>4/10/2018</a:t>
+              <a:t>5/10/2018</a:t>
             </a:fld>
             <a:endParaRPr lang="en-US" dirty="0"/>
           </a:p>
@@ -4773,7 +4782,7 @@
           <a:lstStyle/>
           <a:p>
             <a:r>
-              <a:rPr lang="fr-FR" smtClean="0"/>
+              <a:rPr lang="fr-FR"/>
               <a:t>Modifiez le style du titre</a:t>
             </a:r>
             <a:endParaRPr lang="en-US" dirty="0"/>
@@ -4814,35 +4823,35 @@
           <a:p>
             <a:pPr lvl="0"/>
             <a:r>
-              <a:rPr lang="fr-FR" smtClean="0"/>
+              <a:rPr lang="fr-FR"/>
               <a:t>Modifier les styles du texte du masque</a:t>
             </a:r>
           </a:p>
           <a:p>
             <a:pPr lvl="1"/>
             <a:r>
-              <a:rPr lang="fr-FR" smtClean="0"/>
+              <a:rPr lang="fr-FR"/>
               <a:t>Deuxième niveau</a:t>
             </a:r>
           </a:p>
           <a:p>
             <a:pPr lvl="2"/>
             <a:r>
-              <a:rPr lang="fr-FR" smtClean="0"/>
+              <a:rPr lang="fr-FR"/>
               <a:t>Troisième niveau</a:t>
             </a:r>
           </a:p>
           <a:p>
             <a:pPr lvl="3"/>
             <a:r>
-              <a:rPr lang="fr-FR" smtClean="0"/>
+              <a:rPr lang="fr-FR"/>
               <a:t>Quatrième niveau</a:t>
             </a:r>
           </a:p>
           <a:p>
             <a:pPr lvl="4"/>
             <a:r>
-              <a:rPr lang="fr-FR" smtClean="0"/>
+              <a:rPr lang="fr-FR"/>
               <a:t>Cinquième niveau</a:t>
             </a:r>
             <a:endParaRPr lang="en-US" dirty="0"/>
@@ -4918,7 +4927,7 @@
             <a:fld id="{09B482E8-6E0E-1B4F-B1FD-C69DB9E858D9}" type="datetimeFigureOut">
               <a:rPr lang="en-US" dirty="0"/>
               <a:pPr/>
-              <a:t>4/10/2018</a:t>
+              <a:t>5/10/2018</a:t>
             </a:fld>
             <a:endParaRPr lang="en-US" dirty="0"/>
           </a:p>
@@ -5380,11 +5389,11 @@
           <a:lstStyle/>
           <a:p>
             <a:r>
-              <a:rPr lang="fr-FR" dirty="0" smtClean="0"/>
+              <a:rPr lang="fr-FR" dirty="0"/>
               <a:t>VR </a:t>
             </a:r>
             <a:r>
-              <a:rPr lang="fr-FR" dirty="0" err="1" smtClean="0"/>
+              <a:rPr lang="fr-FR" dirty="0" err="1"/>
               <a:t>Tourism</a:t>
             </a:r>
             <a:endParaRPr lang="fr-FR" dirty="0"/>
@@ -5414,20 +5423,15 @@
           <a:lstStyle/>
           <a:p>
             <a:r>
-              <a:rPr lang="fr-FR" dirty="0" smtClean="0"/>
+              <a:rPr lang="fr-FR" dirty="0"/>
               <a:t>L’histoire du futur</a:t>
             </a:r>
           </a:p>
           <a:p>
             <a:r>
-              <a:rPr lang="fr-FR" sz="1400" i="1" dirty="0" smtClean="0"/>
-              <a:t>Casque de réalité virtuelle pour le domaine du </a:t>
-            </a:r>
-            <a:r>
-              <a:rPr lang="fr-FR" sz="1400" i="1" dirty="0" smtClean="0"/>
-              <a:t>tourisme </a:t>
-            </a:r>
-            <a:endParaRPr lang="fr-FR" sz="1400" i="1" dirty="0"/>
+              <a:rPr lang="fr-FR" sz="1400" i="1" dirty="0"/>
+              <a:t>Casque de réalité virtuelle pour le domaine du tourisme </a:t>
+            </a:r>
           </a:p>
         </p:txBody>
       </p:sp>
@@ -5454,7 +5458,7 @@
           <a:lstStyle/>
           <a:p>
             <a:r>
-              <a:rPr lang="fr-FR" b="1" dirty="0" smtClean="0"/>
+              <a:rPr lang="fr-FR" b="1" dirty="0"/>
               <a:t>LPSIL IDSE 2017-2018</a:t>
             </a:r>
           </a:p>
@@ -5463,58 +5467,57 @@
           </a:p>
           <a:p>
             <a:r>
-              <a:rPr lang="fr-FR" dirty="0" smtClean="0"/>
+              <a:rPr lang="fr-FR" dirty="0"/>
               <a:t>El </a:t>
             </a:r>
             <a:r>
-              <a:rPr lang="fr-FR" dirty="0" err="1" smtClean="0"/>
+              <a:rPr lang="fr-FR" dirty="0" err="1"/>
               <a:t>Karmoudi</a:t>
             </a:r>
             <a:r>
-              <a:rPr lang="fr-FR" dirty="0" smtClean="0"/>
+              <a:rPr lang="fr-FR" dirty="0"/>
               <a:t> Mohamed</a:t>
             </a:r>
           </a:p>
           <a:p>
             <a:r>
-              <a:rPr lang="fr-FR" dirty="0" err="1" smtClean="0"/>
+              <a:rPr lang="fr-FR" dirty="0" err="1"/>
               <a:t>Bernatene</a:t>
             </a:r>
             <a:r>
-              <a:rPr lang="fr-FR" dirty="0" smtClean="0"/>
+              <a:rPr lang="fr-FR" dirty="0"/>
               <a:t> </a:t>
             </a:r>
             <a:r>
-              <a:rPr lang="fr-FR" dirty="0" err="1" smtClean="0"/>
+              <a:rPr lang="fr-FR" dirty="0" err="1"/>
               <a:t>Gael</a:t>
             </a:r>
-            <a:endParaRPr lang="fr-FR" dirty="0" smtClean="0"/>
-          </a:p>
-          <a:p>
-            <a:r>
-              <a:rPr lang="fr-FR" dirty="0" err="1" smtClean="0"/>
+            <a:endParaRPr lang="fr-FR" dirty="0"/>
+          </a:p>
+          <a:p>
+            <a:r>
+              <a:rPr lang="fr-FR" dirty="0" err="1"/>
               <a:t>Trech</a:t>
             </a:r>
             <a:r>
-              <a:rPr lang="fr-FR" dirty="0" smtClean="0"/>
+              <a:rPr lang="fr-FR" dirty="0"/>
               <a:t> </a:t>
             </a:r>
             <a:r>
-              <a:rPr lang="fr-FR" dirty="0" err="1" smtClean="0"/>
+              <a:rPr lang="fr-FR" dirty="0" err="1"/>
               <a:t>Yanice</a:t>
             </a:r>
-            <a:endParaRPr lang="fr-FR" dirty="0" smtClean="0"/>
-          </a:p>
-          <a:p>
-            <a:r>
-              <a:rPr lang="fr-FR" dirty="0" err="1" smtClean="0"/>
+            <a:endParaRPr lang="fr-FR" dirty="0"/>
+          </a:p>
+          <a:p>
+            <a:r>
+              <a:rPr lang="fr-FR" dirty="0" err="1"/>
               <a:t>Lembo</a:t>
             </a:r>
             <a:r>
-              <a:rPr lang="fr-FR" dirty="0" smtClean="0"/>
+              <a:rPr lang="fr-FR" dirty="0"/>
               <a:t> Romain</a:t>
             </a:r>
-            <a:endParaRPr lang="fr-FR" dirty="0"/>
           </a:p>
         </p:txBody>
       </p:sp>
@@ -5572,10 +5575,9 @@
           <a:p>
             <a:pPr algn="r"/>
             <a:r>
-              <a:rPr lang="fr-FR" dirty="0" smtClean="0"/>
+              <a:rPr lang="fr-FR" dirty="0"/>
               <a:t>IUT Nice – Sophia-Antipolis</a:t>
             </a:r>
-            <a:endParaRPr lang="fr-FR" dirty="0"/>
           </a:p>
         </p:txBody>
       </p:sp>
@@ -5641,7 +5643,13 @@
       </p:grpSpPr>
       <p:sp>
         <p:nvSpPr>
-          <p:cNvPr id="2" name="Titre 1"/>
+          <p:cNvPr id="2" name="Titre 1">
+            <a:extLst>
+              <a:ext uri="{FF2B5EF4-FFF2-40B4-BE49-F238E27FC236}">
+                <a16:creationId xmlns:a16="http://schemas.microsoft.com/office/drawing/2014/main" id="{6F2568AD-A72F-45BF-98BD-7BA3B2656314}"/>
+              </a:ext>
+            </a:extLst>
+          </p:cNvPr>
           <p:cNvSpPr>
             <a:spLocks noGrp="1"/>
           </p:cNvSpPr>
@@ -5649,56 +5657,27 @@
             <p:ph type="title"/>
           </p:nvPr>
         </p:nvSpPr>
-        <p:spPr>
-          <a:xfrm>
-            <a:off x="810000" y="559922"/>
-            <a:ext cx="10571998" cy="970450"/>
-          </a:xfrm>
-        </p:spPr>
+        <p:spPr/>
         <p:txBody>
           <a:bodyPr/>
           <a:lstStyle/>
           <a:p>
-            <a:pPr algn="ctr"/>
-            <a:r>
-              <a:rPr lang="fr-FR" sz="2800" dirty="0">
-                <a:solidFill>
-                  <a:schemeClr val="tx1"/>
-                </a:solidFill>
-              </a:rPr>
-              <a:t>Mohamed : </a:t>
-            </a:r>
-            <a:r>
-              <a:rPr lang="fr-FR" sz="3000" dirty="0" smtClean="0">
-                <a:solidFill>
-                  <a:schemeClr val="tx1"/>
-                </a:solidFill>
-              </a:rPr>
-              <a:t>Mise </a:t>
-            </a:r>
-            <a:r>
-              <a:rPr lang="fr-FR" sz="3000" dirty="0">
-                <a:solidFill>
-                  <a:schemeClr val="tx1"/>
-                </a:solidFill>
-              </a:rPr>
-              <a:t>en place de la communication entre l’application Android et le serveur</a:t>
-            </a:r>
-            <a:r>
-              <a:rPr lang="fr-FR" sz="3000" dirty="0" smtClean="0">
-                <a:solidFill>
-                  <a:schemeClr val="tx1"/>
-                </a:solidFill>
-              </a:rPr>
-              <a:t>. (2/3)</a:t>
-            </a:r>
-            <a:endParaRPr lang="fr-FR" sz="3000" dirty="0"/>
+            <a:r>
+              <a:rPr lang="fr-FR" dirty="0"/>
+              <a:t>Romain : Organisation application (4/7)</a:t>
+            </a:r>
           </a:p>
         </p:txBody>
       </p:sp>
       <p:pic>
         <p:nvPicPr>
-          <p:cNvPr id="4" name="Espace réservé du contenu 5"/>
+          <p:cNvPr id="5" name="Espace réservé du contenu 4">
+            <a:extLst>
+              <a:ext uri="{FF2B5EF4-FFF2-40B4-BE49-F238E27FC236}">
+                <a16:creationId xmlns:a16="http://schemas.microsoft.com/office/drawing/2014/main" id="{0F5704FF-D20B-4E92-A391-33EE3DB9D4D3}"/>
+              </a:ext>
+            </a:extLst>
+          </p:cNvPr>
           <p:cNvPicPr>
             <a:picLocks noGrp="1" noChangeAspect="1"/>
           </p:cNvPicPr>
@@ -5707,78 +5686,34 @@
           </p:nvPr>
         </p:nvPicPr>
         <p:blipFill>
-          <a:blip r:embed="rId2">
-            <a:extLst>
-              <a:ext uri="{28A0092B-C50C-407E-A947-70E740481C1C}">
-                <a14:useLocalDpi xmlns:a14="http://schemas.microsoft.com/office/drawing/2010/main" val="0"/>
-              </a:ext>
-            </a:extLst>
-          </a:blip>
+          <a:blip r:embed="rId2"/>
           <a:stretch>
             <a:fillRect/>
           </a:stretch>
         </p:blipFill>
         <p:spPr>
           <a:xfrm>
-            <a:off x="1044887" y="2986272"/>
-            <a:ext cx="1660732" cy="2657171"/>
+            <a:off x="8176989" y="1870162"/>
+            <a:ext cx="3205009" cy="4650803"/>
           </a:xfrm>
         </p:spPr>
       </p:pic>
       <p:sp>
         <p:nvSpPr>
-          <p:cNvPr id="5" name="Flèche courbée vers la gauche 4"/>
-          <p:cNvSpPr/>
-          <p:nvPr/>
-        </p:nvSpPr>
-        <p:spPr>
-          <a:xfrm>
-            <a:off x="2968667" y="3033650"/>
-            <a:ext cx="638827" cy="800840"/>
-          </a:xfrm>
-          <a:prstGeom prst="curvedLeftArrow">
-            <a:avLst/>
-          </a:prstGeom>
-        </p:spPr>
-        <p:style>
-          <a:lnRef idx="2">
-            <a:schemeClr val="accent1">
-              <a:shade val="50000"/>
-            </a:schemeClr>
-          </a:lnRef>
-          <a:fillRef idx="1">
-            <a:schemeClr val="accent1"/>
-          </a:fillRef>
-          <a:effectRef idx="0">
-            <a:schemeClr val="accent1"/>
-          </a:effectRef>
-          <a:fontRef idx="minor">
-            <a:schemeClr val="lt1"/>
-          </a:fontRef>
-        </p:style>
-        <p:txBody>
-          <a:bodyPr rtlCol="0" anchor="ctr"/>
-          <a:lstStyle/>
-          <a:p>
-            <a:pPr algn="ctr"/>
-            <a:endParaRPr lang="fr-FR">
-              <a:solidFill>
-                <a:schemeClr val="tx1"/>
-              </a:solidFill>
-            </a:endParaRPr>
-          </a:p>
-        </p:txBody>
-      </p:sp>
-      <p:sp>
-        <p:nvSpPr>
-          <p:cNvPr id="6" name="ZoneTexte 5"/>
+          <p:cNvPr id="6" name="ZoneTexte 5">
+            <a:extLst>
+              <a:ext uri="{FF2B5EF4-FFF2-40B4-BE49-F238E27FC236}">
+                <a16:creationId xmlns:a16="http://schemas.microsoft.com/office/drawing/2014/main" id="{975C451C-1512-4CDB-BF74-63C58330D320}"/>
+              </a:ext>
+            </a:extLst>
+          </p:cNvPr>
           <p:cNvSpPr txBox="1"/>
           <p:nvPr/>
         </p:nvSpPr>
         <p:spPr>
           <a:xfrm>
-            <a:off x="3870542" y="3138369"/>
-            <a:ext cx="4703532" cy="369332"/>
+            <a:off x="1048623" y="2155971"/>
+            <a:ext cx="6702805" cy="2862322"/>
           </a:xfrm>
           <a:prstGeom prst="rect">
             <a:avLst/>
@@ -5786,135 +5721,93 @@
           <a:noFill/>
         </p:spPr>
         <p:txBody>
-          <a:bodyPr wrap="none" rtlCol="0">
+          <a:bodyPr wrap="square" rtlCol="0">
             <a:spAutoFit/>
           </a:bodyPr>
           <a:lstStyle/>
           <a:p>
-            <a:r>
-              <a:rPr lang="fr-FR" dirty="0" smtClean="0"/>
-              <a:t>Vérification de la réponse par le serveur.</a:t>
-            </a:r>
+            <a:pPr marL="285750" indent="-285750">
+              <a:buFont typeface="Courier New" panose="02070309020205020404" pitchFamily="49" charset="0"/>
+              <a:buChar char="o"/>
+            </a:pPr>
+            <a:r>
+              <a:rPr lang="fr-FR" dirty="0"/>
+              <a:t>/</a:t>
+            </a:r>
+            <a:r>
+              <a:rPr lang="fr-FR" dirty="0" err="1"/>
+              <a:t>manifest</a:t>
+            </a:r>
+            <a:r>
+              <a:rPr lang="fr-FR" dirty="0"/>
+              <a:t> : Fichiers d’informations sur l’application, et permissions des composants.</a:t>
+            </a:r>
+          </a:p>
+          <a:p>
             <a:endParaRPr lang="fr-FR" dirty="0"/>
           </a:p>
-        </p:txBody>
-      </p:sp>
-      <p:sp>
-        <p:nvSpPr>
-          <p:cNvPr id="7" name="Flèche courbée vers la gauche 6"/>
-          <p:cNvSpPr/>
-          <p:nvPr/>
-        </p:nvSpPr>
-        <p:spPr>
-          <a:xfrm>
-            <a:off x="2968666" y="4842603"/>
-            <a:ext cx="638827" cy="800840"/>
-          </a:xfrm>
-          <a:prstGeom prst="curvedLeftArrow">
-            <a:avLst/>
-          </a:prstGeom>
-        </p:spPr>
-        <p:style>
-          <a:lnRef idx="2">
-            <a:schemeClr val="accent1">
-              <a:shade val="50000"/>
-            </a:schemeClr>
-          </a:lnRef>
-          <a:fillRef idx="1">
-            <a:schemeClr val="accent1"/>
-          </a:fillRef>
-          <a:effectRef idx="0">
-            <a:schemeClr val="accent1"/>
-          </a:effectRef>
-          <a:fontRef idx="minor">
-            <a:schemeClr val="lt1"/>
-          </a:fontRef>
-        </p:style>
-        <p:txBody>
-          <a:bodyPr rtlCol="0" anchor="ctr"/>
-          <a:lstStyle/>
-          <a:p>
-            <a:pPr algn="ctr"/>
-            <a:endParaRPr lang="fr-FR">
-              <a:solidFill>
-                <a:schemeClr val="tx1"/>
-              </a:solidFill>
-            </a:endParaRPr>
-          </a:p>
-        </p:txBody>
-      </p:sp>
-      <p:sp>
-        <p:nvSpPr>
-          <p:cNvPr id="8" name="ZoneTexte 7"/>
-          <p:cNvSpPr txBox="1"/>
-          <p:nvPr/>
-        </p:nvSpPr>
-        <p:spPr>
-          <a:xfrm>
-            <a:off x="3870540" y="5058357"/>
-            <a:ext cx="7045518" cy="369332"/>
-          </a:xfrm>
-          <a:prstGeom prst="rect">
-            <a:avLst/>
-          </a:prstGeom>
-          <a:noFill/>
-        </p:spPr>
-        <p:txBody>
-          <a:bodyPr wrap="none" rtlCol="0">
-            <a:spAutoFit/>
-          </a:bodyPr>
-          <a:lstStyle/>
-          <a:p>
-            <a:r>
-              <a:rPr lang="fr-FR" dirty="0" smtClean="0"/>
-              <a:t>L’application lance l’application </a:t>
-            </a:r>
-            <a:r>
-              <a:rPr lang="fr-FR" dirty="0" err="1" smtClean="0"/>
-              <a:t>Youtube</a:t>
-            </a:r>
-            <a:r>
-              <a:rPr lang="fr-FR" dirty="0" smtClean="0"/>
-              <a:t> et affiche la vidéo.</a:t>
-            </a:r>
+          <a:p>
+            <a:pPr marL="285750" indent="-285750">
+              <a:buFont typeface="Courier New" panose="02070309020205020404" pitchFamily="49" charset="0"/>
+              <a:buChar char="o"/>
+            </a:pPr>
+            <a:r>
+              <a:rPr lang="fr-FR" dirty="0"/>
+              <a:t>/java : Couche logique de l’application (gestion des cycles, requêtes, traitements de données, lecture tag NFC, </a:t>
+            </a:r>
+            <a:r>
+              <a:rPr lang="fr-FR" dirty="0" err="1"/>
+              <a:t>etc</a:t>
+            </a:r>
+            <a:r>
+              <a:rPr lang="fr-FR" dirty="0"/>
+              <a:t>).</a:t>
+            </a:r>
+          </a:p>
+          <a:p>
             <a:endParaRPr lang="fr-FR" dirty="0"/>
           </a:p>
-        </p:txBody>
-      </p:sp>
-      <p:sp>
-        <p:nvSpPr>
-          <p:cNvPr id="9" name="ZoneTexte 8"/>
-          <p:cNvSpPr txBox="1"/>
-          <p:nvPr/>
-        </p:nvSpPr>
-        <p:spPr>
-          <a:xfrm>
-            <a:off x="3870542" y="4130191"/>
-            <a:ext cx="721672" cy="369332"/>
-          </a:xfrm>
-          <a:prstGeom prst="rect">
-            <a:avLst/>
-          </a:prstGeom>
-          <a:noFill/>
-        </p:spPr>
-        <p:txBody>
-          <a:bodyPr wrap="none" rtlCol="0">
-            <a:spAutoFit/>
-          </a:bodyPr>
-          <a:lstStyle/>
-          <a:p>
-            <a:r>
-              <a:rPr lang="fr-FR" dirty="0" smtClean="0"/>
-              <a:t>OK ?</a:t>
-            </a:r>
+          <a:p>
+            <a:pPr marL="285750" indent="-285750">
+              <a:buFont typeface="Courier New" panose="02070309020205020404" pitchFamily="49" charset="0"/>
+              <a:buChar char="o"/>
+            </a:pPr>
+            <a:r>
+              <a:rPr lang="fr-FR" dirty="0"/>
+              <a:t>/</a:t>
+            </a:r>
+            <a:r>
+              <a:rPr lang="fr-FR" dirty="0" err="1"/>
+              <a:t>res</a:t>
+            </a:r>
+            <a:r>
+              <a:rPr lang="fr-FR" dirty="0"/>
+              <a:t> : Couche vue de l’application, IHM.</a:t>
+            </a:r>
+          </a:p>
+          <a:p>
             <a:endParaRPr lang="fr-FR" dirty="0"/>
+          </a:p>
+          <a:p>
+            <a:pPr marL="285750" indent="-285750">
+              <a:buFont typeface="Courier New" panose="02070309020205020404" pitchFamily="49" charset="0"/>
+              <a:buChar char="o"/>
+            </a:pPr>
+            <a:r>
+              <a:rPr lang="fr-FR" dirty="0" err="1"/>
+              <a:t>Gradle</a:t>
+            </a:r>
+            <a:r>
+              <a:rPr lang="fr-FR" dirty="0"/>
+              <a:t> Scripts : Gestionnaire de librairies.</a:t>
+            </a:r>
           </a:p>
         </p:txBody>
       </p:sp>
     </p:spTree>
     <p:extLst>
       <p:ext uri="{BB962C8B-B14F-4D97-AF65-F5344CB8AC3E}">
-        <p14:creationId xmlns:p14="http://schemas.microsoft.com/office/powerpoint/2010/main" val="553128704"/>
+        <p14:creationId xmlns:p14="http://schemas.microsoft.com/office/powerpoint/2010/main" val="484201905"/>
       </p:ext>
     </p:extLst>
   </p:cSld>
@@ -5943,7 +5836,13 @@
       </p:grpSpPr>
       <p:sp>
         <p:nvSpPr>
-          <p:cNvPr id="2" name="Titre 1"/>
+          <p:cNvPr id="2" name="Titre 1">
+            <a:extLst>
+              <a:ext uri="{FF2B5EF4-FFF2-40B4-BE49-F238E27FC236}">
+                <a16:creationId xmlns:a16="http://schemas.microsoft.com/office/drawing/2014/main" id="{93D68ACA-5A1C-4CFF-A108-33101637CBCF}"/>
+              </a:ext>
+            </a:extLst>
+          </p:cNvPr>
           <p:cNvSpPr>
             <a:spLocks noGrp="1"/>
           </p:cNvSpPr>
@@ -5951,66 +5850,236 @@
             <p:ph type="title"/>
           </p:nvPr>
         </p:nvSpPr>
-        <p:spPr>
-          <a:xfrm>
-            <a:off x="784948" y="551144"/>
-            <a:ext cx="10571998" cy="766285"/>
-          </a:xfrm>
-        </p:spPr>
+        <p:spPr/>
         <p:txBody>
           <a:bodyPr/>
           <a:lstStyle/>
           <a:p>
-            <a:pPr algn="ctr"/>
-            <a:r>
-              <a:rPr lang="fr-FR" sz="3000" dirty="0" smtClean="0"/>
-              <a:t>Mohamed : Diagramme de classe </a:t>
+            <a:r>
+              <a:rPr lang="fr-FR" dirty="0"/>
+              <a:t>Romain : Mise en place de </a:t>
             </a:r>
             <a:br>
-              <a:rPr lang="fr-FR" sz="3000" dirty="0" smtClean="0"/>
+              <a:rPr lang="fr-FR" dirty="0"/>
             </a:br>
             <a:r>
-              <a:rPr lang="fr-FR" sz="3000" dirty="0" smtClean="0"/>
-              <a:t>Communication (3/3)</a:t>
-            </a:r>
-            <a:endParaRPr lang="fr-FR" sz="3000" dirty="0"/>
+              <a:rPr lang="fr-FR" dirty="0"/>
+              <a:t>l’architecture NFC via Android (5/7)</a:t>
+            </a:r>
           </a:p>
         </p:txBody>
       </p:sp>
       <p:pic>
         <p:nvPicPr>
-          <p:cNvPr id="4" name="Image 3"/>
+          <p:cNvPr id="11" name="Image 10">
+            <a:extLst>
+              <a:ext uri="{FF2B5EF4-FFF2-40B4-BE49-F238E27FC236}">
+                <a16:creationId xmlns:a16="http://schemas.microsoft.com/office/drawing/2014/main" id="{DED972B3-A5EF-4219-872D-AE09C13EB02A}"/>
+              </a:ext>
+            </a:extLst>
+          </p:cNvPr>
           <p:cNvPicPr>
             <a:picLocks noChangeAspect="1"/>
           </p:cNvPicPr>
           <p:nvPr/>
         </p:nvPicPr>
         <p:blipFill>
-          <a:blip r:embed="rId2">
-            <a:extLst>
-              <a:ext uri="{28A0092B-C50C-407E-A947-70E740481C1C}">
-                <a14:useLocalDpi xmlns:a14="http://schemas.microsoft.com/office/drawing/2010/main" val="0"/>
-              </a:ext>
-            </a:extLst>
-          </a:blip>
+          <a:blip r:embed="rId2"/>
           <a:stretch>
             <a:fillRect/>
           </a:stretch>
         </p:blipFill>
         <p:spPr>
           <a:xfrm>
-            <a:off x="1444737" y="2314613"/>
-            <a:ext cx="9252420" cy="4286603"/>
+            <a:off x="6954365" y="3440699"/>
+            <a:ext cx="4977658" cy="3154385"/>
           </a:xfrm>
           <a:prstGeom prst="rect">
             <a:avLst/>
           </a:prstGeom>
+          <a:effectLst>
+            <a:outerShdw blurRad="50800" dist="38100" dir="2700000" algn="tl" rotWithShape="0">
+              <a:prstClr val="black">
+                <a:alpha val="40000"/>
+              </a:prstClr>
+            </a:outerShdw>
+          </a:effectLst>
         </p:spPr>
       </p:pic>
+      <p:pic>
+        <p:nvPicPr>
+          <p:cNvPr id="5" name="Image 4">
+            <a:extLst>
+              <a:ext uri="{FF2B5EF4-FFF2-40B4-BE49-F238E27FC236}">
+                <a16:creationId xmlns:a16="http://schemas.microsoft.com/office/drawing/2014/main" id="{29DACA44-1AC1-4234-A4D6-19A2066F23D5}"/>
+              </a:ext>
+            </a:extLst>
+          </p:cNvPr>
+          <p:cNvPicPr>
+            <a:picLocks noChangeAspect="1"/>
+          </p:cNvPicPr>
+          <p:nvPr/>
+        </p:nvPicPr>
+        <p:blipFill>
+          <a:blip r:embed="rId3"/>
+          <a:stretch>
+            <a:fillRect/>
+          </a:stretch>
+        </p:blipFill>
+        <p:spPr>
+          <a:xfrm>
+            <a:off x="267617" y="3814562"/>
+            <a:ext cx="6430884" cy="2780522"/>
+          </a:xfrm>
+          <a:prstGeom prst="rect">
+            <a:avLst/>
+          </a:prstGeom>
+          <a:effectLst>
+            <a:outerShdw blurRad="50800" dist="38100" dir="2700000" algn="tl" rotWithShape="0">
+              <a:prstClr val="black">
+                <a:alpha val="40000"/>
+              </a:prstClr>
+            </a:outerShdw>
+          </a:effectLst>
+        </p:spPr>
+      </p:pic>
+      <p:pic>
+        <p:nvPicPr>
+          <p:cNvPr id="7" name="Image 6">
+            <a:extLst>
+              <a:ext uri="{FF2B5EF4-FFF2-40B4-BE49-F238E27FC236}">
+                <a16:creationId xmlns:a16="http://schemas.microsoft.com/office/drawing/2014/main" id="{772097BE-8DDD-4D95-8CBC-1BFEE904D496}"/>
+              </a:ext>
+            </a:extLst>
+          </p:cNvPr>
+          <p:cNvPicPr>
+            <a:picLocks noChangeAspect="1"/>
+          </p:cNvPicPr>
+          <p:nvPr/>
+        </p:nvPicPr>
+        <p:blipFill>
+          <a:blip r:embed="rId4"/>
+          <a:stretch>
+            <a:fillRect/>
+          </a:stretch>
+        </p:blipFill>
+        <p:spPr>
+          <a:xfrm>
+            <a:off x="3755701" y="3229268"/>
+            <a:ext cx="3070732" cy="2114274"/>
+          </a:xfrm>
+          <a:prstGeom prst="rect">
+            <a:avLst/>
+          </a:prstGeom>
+          <a:effectLst>
+            <a:outerShdw blurRad="50800" dist="38100" dir="2700000" algn="tl" rotWithShape="0">
+              <a:prstClr val="black">
+                <a:alpha val="40000"/>
+              </a:prstClr>
+            </a:outerShdw>
+          </a:effectLst>
+        </p:spPr>
+      </p:pic>
+      <p:pic>
+        <p:nvPicPr>
+          <p:cNvPr id="9" name="Image 8">
+            <a:extLst>
+              <a:ext uri="{FF2B5EF4-FFF2-40B4-BE49-F238E27FC236}">
+                <a16:creationId xmlns:a16="http://schemas.microsoft.com/office/drawing/2014/main" id="{102AA810-7932-4A4E-814A-0F64BCD712EE}"/>
+              </a:ext>
+            </a:extLst>
+          </p:cNvPr>
+          <p:cNvPicPr>
+            <a:picLocks noChangeAspect="1"/>
+          </p:cNvPicPr>
+          <p:nvPr/>
+        </p:nvPicPr>
+        <p:blipFill>
+          <a:blip r:embed="rId5"/>
+          <a:stretch>
+            <a:fillRect/>
+          </a:stretch>
+        </p:blipFill>
+        <p:spPr>
+          <a:xfrm>
+            <a:off x="7712448" y="1629068"/>
+            <a:ext cx="4219575" cy="1600200"/>
+          </a:xfrm>
+          <a:prstGeom prst="rect">
+            <a:avLst/>
+          </a:prstGeom>
+          <a:effectLst>
+            <a:outerShdw blurRad="50800" dist="38100" dir="2700000" algn="tl" rotWithShape="0">
+              <a:prstClr val="black">
+                <a:alpha val="40000"/>
+              </a:prstClr>
+            </a:outerShdw>
+          </a:effectLst>
+        </p:spPr>
+      </p:pic>
+      <p:sp>
+        <p:nvSpPr>
+          <p:cNvPr id="12" name="ZoneTexte 11">
+            <a:extLst>
+              <a:ext uri="{FF2B5EF4-FFF2-40B4-BE49-F238E27FC236}">
+                <a16:creationId xmlns:a16="http://schemas.microsoft.com/office/drawing/2014/main" id="{620A8A04-6B3C-4856-BF7B-42756C30D63C}"/>
+              </a:ext>
+            </a:extLst>
+          </p:cNvPr>
+          <p:cNvSpPr txBox="1"/>
+          <p:nvPr/>
+        </p:nvSpPr>
+        <p:spPr>
+          <a:xfrm>
+            <a:off x="1048623" y="2155971"/>
+            <a:ext cx="5712903" cy="923330"/>
+          </a:xfrm>
+          <a:prstGeom prst="rect">
+            <a:avLst/>
+          </a:prstGeom>
+          <a:noFill/>
+        </p:spPr>
+        <p:txBody>
+          <a:bodyPr wrap="square" rtlCol="0">
+            <a:spAutoFit/>
+          </a:bodyPr>
+          <a:lstStyle/>
+          <a:p>
+            <a:r>
+              <a:rPr lang="fr-FR" dirty="0"/>
+              <a:t>Librairies utilisées :</a:t>
+            </a:r>
+          </a:p>
+          <a:p>
+            <a:pPr marL="285750" indent="-285750">
+              <a:buFont typeface="Courier New" panose="02070309020205020404" pitchFamily="49" charset="0"/>
+              <a:buChar char="o"/>
+            </a:pPr>
+            <a:r>
+              <a:rPr lang="fr-FR" dirty="0"/>
+              <a:t>GSON : Formatage données en JSON</a:t>
+            </a:r>
+          </a:p>
+          <a:p>
+            <a:pPr marL="285750" indent="-285750">
+              <a:buFont typeface="Courier New" panose="02070309020205020404" pitchFamily="49" charset="0"/>
+              <a:buChar char="o"/>
+            </a:pPr>
+            <a:r>
+              <a:rPr lang="fr-FR" dirty="0" err="1"/>
+              <a:t>NfcAdapter</a:t>
+            </a:r>
+            <a:r>
+              <a:rPr lang="fr-FR" dirty="0"/>
+              <a:t> : Lecture NFC</a:t>
+            </a:r>
+          </a:p>
+        </p:txBody>
+      </p:sp>
     </p:spTree>
     <p:extLst>
       <p:ext uri="{BB962C8B-B14F-4D97-AF65-F5344CB8AC3E}">
-        <p14:creationId xmlns:p14="http://schemas.microsoft.com/office/powerpoint/2010/main" val="3731210647"/>
+        <p14:creationId xmlns:p14="http://schemas.microsoft.com/office/powerpoint/2010/main" val="365270551"/>
       </p:ext>
     </p:extLst>
   </p:cSld>
@@ -6039,7 +6108,13 @@
       </p:grpSpPr>
       <p:sp>
         <p:nvSpPr>
-          <p:cNvPr id="2" name="Titre 1"/>
+          <p:cNvPr id="2" name="Titre 1">
+            <a:extLst>
+              <a:ext uri="{FF2B5EF4-FFF2-40B4-BE49-F238E27FC236}">
+                <a16:creationId xmlns:a16="http://schemas.microsoft.com/office/drawing/2014/main" id="{80A0E78F-F2B5-484F-B9C7-5E13F2E6FAFE}"/>
+              </a:ext>
+            </a:extLst>
+          </p:cNvPr>
           <p:cNvSpPr>
             <a:spLocks noGrp="1"/>
           </p:cNvSpPr>
@@ -6053,80 +6128,45 @@
           <a:lstStyle/>
           <a:p>
             <a:r>
-              <a:rPr lang="fr-FR" dirty="0" smtClean="0"/>
-              <a:t>Gaël : Mise en place du Serveur (1/4)</a:t>
-            </a:r>
-            <a:endParaRPr lang="fr-FR" dirty="0"/>
-          </a:p>
-        </p:txBody>
-      </p:sp>
-      <p:sp>
-        <p:nvSpPr>
-          <p:cNvPr id="3" name="Espace réservé du contenu 2"/>
-          <p:cNvSpPr>
-            <a:spLocks noGrp="1"/>
-          </p:cNvSpPr>
-          <p:nvPr>
-            <p:ph idx="1"/>
-          </p:nvPr>
-        </p:nvSpPr>
-        <p:spPr>
-          <a:xfrm>
-            <a:off x="810000" y="2036619"/>
-            <a:ext cx="10554574" cy="1594369"/>
-          </a:xfrm>
-        </p:spPr>
-        <p:txBody>
-          <a:bodyPr/>
-          <a:lstStyle/>
-          <a:p>
-            <a:r>
-              <a:rPr lang="fr-FR" dirty="0" smtClean="0"/>
-              <a:t>Installation de l’environnement</a:t>
-            </a:r>
-          </a:p>
-          <a:p>
-            <a:pPr marL="0" indent="0">
-              <a:buNone/>
-            </a:pPr>
-            <a:endParaRPr lang="fr-FR" dirty="0" smtClean="0"/>
+              <a:rPr lang="fr-FR" dirty="0"/>
+              <a:t>Romain : UI / UX (6/7)</a:t>
+            </a:r>
           </a:p>
         </p:txBody>
       </p:sp>
       <p:pic>
         <p:nvPicPr>
-          <p:cNvPr id="5" name="Image 4"/>
+          <p:cNvPr id="5" name="Espace réservé du contenu 4">
+            <a:extLst>
+              <a:ext uri="{FF2B5EF4-FFF2-40B4-BE49-F238E27FC236}">
+                <a16:creationId xmlns:a16="http://schemas.microsoft.com/office/drawing/2014/main" id="{9CB937DC-5808-47E0-9827-2942EF5F6062}"/>
+              </a:ext>
+            </a:extLst>
+          </p:cNvPr>
           <p:cNvPicPr>
-            <a:picLocks noChangeAspect="1"/>
+            <a:picLocks noGrp="1" noChangeAspect="1"/>
           </p:cNvPicPr>
-          <p:nvPr/>
+          <p:nvPr>
+            <p:ph idx="1"/>
+          </p:nvPr>
         </p:nvPicPr>
         <p:blipFill>
-          <a:blip r:embed="rId2">
-            <a:extLst>
-              <a:ext uri="{28A0092B-C50C-407E-A947-70E740481C1C}">
-                <a14:useLocalDpi xmlns:a14="http://schemas.microsoft.com/office/drawing/2010/main" val="0"/>
-              </a:ext>
-            </a:extLst>
-          </a:blip>
+          <a:blip r:embed="rId2"/>
           <a:stretch>
             <a:fillRect/>
           </a:stretch>
         </p:blipFill>
         <p:spPr>
           <a:xfrm>
-            <a:off x="2658715" y="3120353"/>
-            <a:ext cx="6857143" cy="3111111"/>
-          </a:xfrm>
-          <a:prstGeom prst="rect">
-            <a:avLst/>
-          </a:prstGeom>
+            <a:off x="1695298" y="1681393"/>
+            <a:ext cx="8699004" cy="4775391"/>
+          </a:xfrm>
         </p:spPr>
       </p:pic>
     </p:spTree>
     <p:extLst>
       <p:ext uri="{BB962C8B-B14F-4D97-AF65-F5344CB8AC3E}">
-        <p14:creationId xmlns:p14="http://schemas.microsoft.com/office/powerpoint/2010/main" val="2285957563"/>
+        <p14:creationId xmlns:p14="http://schemas.microsoft.com/office/powerpoint/2010/main" val="2493957969"/>
       </p:ext>
     </p:extLst>
   </p:cSld>
@@ -6163,66 +6203,21 @@
             <p:ph type="title"/>
           </p:nvPr>
         </p:nvSpPr>
-        <p:spPr>
-          <a:xfrm>
-            <a:off x="801288" y="413937"/>
-            <a:ext cx="10571998" cy="970450"/>
-          </a:xfrm>
-        </p:spPr>
+        <p:spPr/>
         <p:txBody>
           <a:bodyPr/>
           <a:lstStyle/>
           <a:p>
             <a:r>
               <a:rPr lang="fr-FR" dirty="0"/>
-              <a:t>Gaël : Création </a:t>
-            </a:r>
-            <a:r>
-              <a:rPr lang="fr-FR" dirty="0" smtClean="0"/>
-              <a:t>du </a:t>
-            </a:r>
-            <a:r>
-              <a:rPr lang="fr-FR" dirty="0" err="1" smtClean="0"/>
-              <a:t>Webservice</a:t>
-            </a:r>
-            <a:r>
-              <a:rPr lang="fr-FR" dirty="0" smtClean="0"/>
-              <a:t> (2/4)</a:t>
-            </a:r>
-            <a:endParaRPr lang="fr-FR" dirty="0"/>
-          </a:p>
-        </p:txBody>
-      </p:sp>
-      <p:sp>
-        <p:nvSpPr>
-          <p:cNvPr id="3" name="Espace réservé du contenu 2"/>
-          <p:cNvSpPr>
-            <a:spLocks noGrp="1"/>
-          </p:cNvSpPr>
-          <p:nvPr>
-            <p:ph idx="1"/>
-          </p:nvPr>
-        </p:nvSpPr>
-        <p:spPr>
-          <a:xfrm>
-            <a:off x="801288" y="2335876"/>
-            <a:ext cx="10554574" cy="887787"/>
-          </a:xfrm>
-        </p:spPr>
-        <p:txBody>
-          <a:bodyPr/>
-          <a:lstStyle/>
-          <a:p>
-            <a:r>
-              <a:rPr lang="fr-FR" dirty="0" smtClean="0"/>
-              <a:t> Architecture REST</a:t>
+              <a:t>Romain : Démonstration (7/7)</a:t>
             </a:r>
           </a:p>
         </p:txBody>
       </p:sp>
       <p:pic>
         <p:nvPicPr>
-          <p:cNvPr id="4" name="Image 3"/>
+          <p:cNvPr id="6" name="Image 5"/>
           <p:cNvPicPr>
             <a:picLocks noChangeAspect="1"/>
           </p:cNvPicPr>
@@ -6241,19 +6236,178 @@
           </a:stretch>
         </p:blipFill>
         <p:spPr>
-          <a:xfrm>
-            <a:off x="4120374" y="3381894"/>
-            <a:ext cx="3933825" cy="2438400"/>
+          <a:xfrm rot="16200000">
+            <a:off x="4070524" y="3090112"/>
+            <a:ext cx="1691279" cy="1559182"/>
           </a:xfrm>
           <a:prstGeom prst="rect">
             <a:avLst/>
           </a:prstGeom>
         </p:spPr>
       </p:pic>
+      <p:pic>
+        <p:nvPicPr>
+          <p:cNvPr id="5" name="Image 4"/>
+          <p:cNvPicPr>
+            <a:picLocks noChangeAspect="1"/>
+          </p:cNvPicPr>
+          <p:nvPr/>
+        </p:nvPicPr>
+        <p:blipFill>
+          <a:blip r:embed="rId3">
+            <a:extLst>
+              <a:ext uri="{28A0092B-C50C-407E-A947-70E740481C1C}">
+                <a14:useLocalDpi xmlns:a14="http://schemas.microsoft.com/office/drawing/2010/main" val="0"/>
+              </a:ext>
+            </a:extLst>
+          </a:blip>
+          <a:stretch>
+            <a:fillRect/>
+          </a:stretch>
+        </p:blipFill>
+        <p:spPr>
+          <a:xfrm>
+            <a:off x="4775819" y="2557975"/>
+            <a:ext cx="2623455" cy="2623455"/>
+          </a:xfrm>
+          <a:prstGeom prst="rect">
+            <a:avLst/>
+          </a:prstGeom>
+        </p:spPr>
+      </p:pic>
+      <p:pic>
+        <p:nvPicPr>
+          <p:cNvPr id="8" name="Image 7"/>
+          <p:cNvPicPr>
+            <a:picLocks noChangeAspect="1"/>
+          </p:cNvPicPr>
+          <p:nvPr/>
+        </p:nvPicPr>
+        <p:blipFill>
+          <a:blip r:embed="rId4">
+            <a:extLst>
+              <a:ext uri="{28A0092B-C50C-407E-A947-70E740481C1C}">
+                <a14:useLocalDpi xmlns:a14="http://schemas.microsoft.com/office/drawing/2010/main" val="0"/>
+              </a:ext>
+            </a:extLst>
+          </a:blip>
+          <a:stretch>
+            <a:fillRect/>
+          </a:stretch>
+        </p:blipFill>
+        <p:spPr>
+          <a:xfrm>
+            <a:off x="243837" y="2373337"/>
+            <a:ext cx="2419549" cy="2992734"/>
+          </a:xfrm>
+          <a:prstGeom prst="rect">
+            <a:avLst/>
+          </a:prstGeom>
+        </p:spPr>
+      </p:pic>
+      <p:pic>
+        <p:nvPicPr>
+          <p:cNvPr id="4" name="Espace réservé du contenu 3"/>
+          <p:cNvPicPr>
+            <a:picLocks noGrp="1" noChangeAspect="1"/>
+          </p:cNvPicPr>
+          <p:nvPr>
+            <p:ph idx="1"/>
+          </p:nvPr>
+        </p:nvPicPr>
+        <p:blipFill>
+          <a:blip r:embed="rId5">
+            <a:extLst>
+              <a:ext uri="{28A0092B-C50C-407E-A947-70E740481C1C}">
+                <a14:useLocalDpi xmlns:a14="http://schemas.microsoft.com/office/drawing/2010/main" val="0"/>
+              </a:ext>
+            </a:extLst>
+          </a:blip>
+          <a:stretch>
+            <a:fillRect/>
+          </a:stretch>
+        </p:blipFill>
+        <p:spPr>
+          <a:xfrm>
+            <a:off x="1969874" y="3102429"/>
+            <a:ext cx="1686852" cy="1689066"/>
+          </a:xfrm>
+        </p:spPr>
+      </p:pic>
+      <p:pic>
+        <p:nvPicPr>
+          <p:cNvPr id="10" name="Image 9"/>
+          <p:cNvPicPr>
+            <a:picLocks noChangeAspect="1"/>
+          </p:cNvPicPr>
+          <p:nvPr/>
+        </p:nvPicPr>
+        <p:blipFill>
+          <a:blip r:embed="rId6">
+            <a:extLst>
+              <a:ext uri="{28A0092B-C50C-407E-A947-70E740481C1C}">
+                <a14:useLocalDpi xmlns:a14="http://schemas.microsoft.com/office/drawing/2010/main" val="0"/>
+              </a:ext>
+            </a:extLst>
+          </a:blip>
+          <a:stretch>
+            <a:fillRect/>
+          </a:stretch>
+        </p:blipFill>
+        <p:spPr>
+          <a:xfrm>
+            <a:off x="8262257" y="4241148"/>
+            <a:ext cx="3929743" cy="2616852"/>
+          </a:xfrm>
+          <a:prstGeom prst="rect">
+            <a:avLst/>
+          </a:prstGeom>
+        </p:spPr>
+      </p:pic>
+      <p:sp>
+        <p:nvSpPr>
+          <p:cNvPr id="11" name="Flèche droite 10"/>
+          <p:cNvSpPr/>
+          <p:nvPr/>
+        </p:nvSpPr>
+        <p:spPr>
+          <a:xfrm rot="1032735">
+            <a:off x="7203398" y="3138069"/>
+            <a:ext cx="4048694" cy="845639"/>
+          </a:xfrm>
+          <a:prstGeom prst="rightArrow">
+            <a:avLst/>
+          </a:prstGeom>
+        </p:spPr>
+        <p:style>
+          <a:lnRef idx="2">
+            <a:schemeClr val="accent1">
+              <a:shade val="50000"/>
+            </a:schemeClr>
+          </a:lnRef>
+          <a:fillRef idx="1">
+            <a:schemeClr val="accent1"/>
+          </a:fillRef>
+          <a:effectRef idx="0">
+            <a:schemeClr val="accent1"/>
+          </a:effectRef>
+          <a:fontRef idx="minor">
+            <a:schemeClr val="lt1"/>
+          </a:fontRef>
+        </p:style>
+        <p:txBody>
+          <a:bodyPr rtlCol="0" anchor="ctr"/>
+          <a:lstStyle/>
+          <a:p>
+            <a:pPr algn="ctr"/>
+            <a:endParaRPr lang="fr-FR"/>
+          </a:p>
+        </p:txBody>
+      </p:sp>
     </p:spTree>
     <p:extLst>
       <p:ext uri="{BB962C8B-B14F-4D97-AF65-F5344CB8AC3E}">
-        <p14:creationId xmlns:p14="http://schemas.microsoft.com/office/powerpoint/2010/main" val="4085360741"/>
+        <p14:creationId xmlns:p14="http://schemas.microsoft.com/office/powerpoint/2010/main" val="2891426521"/>
       </p:ext>
     </p:extLst>
   </p:cSld>
@@ -6295,3369 +6449,19 @@
           <a:bodyPr/>
           <a:lstStyle/>
           <a:p>
-            <a:r>
-              <a:rPr lang="fr-FR" dirty="0"/>
-              <a:t>Gaël : Réalisation </a:t>
-            </a:r>
-            <a:r>
-              <a:rPr lang="fr-FR" dirty="0" smtClean="0"/>
-              <a:t>d’un Backoffice (3/4)</a:t>
-            </a:r>
-            <a:endParaRPr lang="fr-FR" dirty="0"/>
-          </a:p>
-        </p:txBody>
-      </p:sp>
-      <p:sp>
-        <p:nvSpPr>
-          <p:cNvPr id="5" name="Espace réservé du contenu 4"/>
-          <p:cNvSpPr>
-            <a:spLocks noGrp="1"/>
-          </p:cNvSpPr>
-          <p:nvPr>
-            <p:ph idx="1"/>
-          </p:nvPr>
-        </p:nvSpPr>
-        <p:spPr>
-          <a:xfrm>
-            <a:off x="810000" y="2236124"/>
-            <a:ext cx="10554574" cy="937663"/>
-          </a:xfrm>
-        </p:spPr>
-        <p:txBody>
-          <a:bodyPr/>
-          <a:lstStyle/>
-          <a:p>
-            <a:r>
-              <a:rPr lang="fr-FR" dirty="0" smtClean="0"/>
-              <a:t>A quoi sert le backoffice ?</a:t>
-            </a:r>
-            <a:endParaRPr lang="fr-FR" dirty="0"/>
-          </a:p>
-        </p:txBody>
-      </p:sp>
-      <p:pic>
-        <p:nvPicPr>
-          <p:cNvPr id="7" name="Image 6"/>
-          <p:cNvPicPr>
-            <a:picLocks noChangeAspect="1"/>
-          </p:cNvPicPr>
-          <p:nvPr/>
-        </p:nvPicPr>
-        <p:blipFill>
-          <a:blip r:embed="rId2">
-            <a:extLst>
-              <a:ext uri="{28A0092B-C50C-407E-A947-70E740481C1C}">
-                <a14:useLocalDpi xmlns:a14="http://schemas.microsoft.com/office/drawing/2010/main" val="0"/>
-              </a:ext>
-            </a:extLst>
-          </a:blip>
-          <a:stretch>
-            <a:fillRect/>
-          </a:stretch>
-        </p:blipFill>
-        <p:spPr>
-          <a:xfrm>
-            <a:off x="3029762" y="3338599"/>
-            <a:ext cx="6115050" cy="2857500"/>
-          </a:xfrm>
-          <a:prstGeom prst="rect">
-            <a:avLst/>
-          </a:prstGeom>
-        </p:spPr>
-      </p:pic>
-    </p:spTree>
-    <p:extLst>
-      <p:ext uri="{BB962C8B-B14F-4D97-AF65-F5344CB8AC3E}">
-        <p14:creationId xmlns:p14="http://schemas.microsoft.com/office/powerpoint/2010/main" val="2746981086"/>
-      </p:ext>
-    </p:extLst>
-  </p:cSld>
-  <p:clrMapOvr>
-    <a:masterClrMapping/>
-  </p:clrMapOvr>
-</p:sld>
-</file>
-
-<file path=ppt/slides/slide15.xml><?xml version="1.0" encoding="utf-8"?>
-<p:sld xmlns:a="http://schemas.openxmlformats.org/drawingml/2006/main" xmlns:r="http://schemas.openxmlformats.org/officeDocument/2006/relationships" xmlns:p="http://schemas.openxmlformats.org/presentationml/2006/main">
-  <p:cSld>
-    <p:spTree>
-      <p:nvGrpSpPr>
-        <p:cNvPr id="1" name=""/>
-        <p:cNvGrpSpPr/>
-        <p:nvPr/>
-      </p:nvGrpSpPr>
-      <p:grpSpPr>
-        <a:xfrm>
-          <a:off x="0" y="0"/>
-          <a:ext cx="0" cy="0"/>
-          <a:chOff x="0" y="0"/>
-          <a:chExt cx="0" cy="0"/>
-        </a:xfrm>
-      </p:grpSpPr>
-      <p:sp>
-        <p:nvSpPr>
-          <p:cNvPr id="2" name="Titre 1"/>
-          <p:cNvSpPr>
-            <a:spLocks noGrp="1"/>
-          </p:cNvSpPr>
-          <p:nvPr>
-            <p:ph type="title"/>
-          </p:nvPr>
-        </p:nvSpPr>
-        <p:spPr/>
-        <p:txBody>
-          <a:bodyPr/>
-          <a:lstStyle/>
-          <a:p>
-            <a:r>
-              <a:rPr lang="fr-FR" dirty="0"/>
-              <a:t>Gaël : Évolution </a:t>
-            </a:r>
-            <a:r>
-              <a:rPr lang="fr-FR" dirty="0" smtClean="0"/>
-              <a:t>Possible (4/4)</a:t>
-            </a:r>
-            <a:endParaRPr lang="fr-FR" dirty="0"/>
-          </a:p>
-        </p:txBody>
-      </p:sp>
-      <p:sp>
-        <p:nvSpPr>
-          <p:cNvPr id="3" name="Espace réservé du contenu 2"/>
-          <p:cNvSpPr>
-            <a:spLocks noGrp="1"/>
-          </p:cNvSpPr>
-          <p:nvPr>
-            <p:ph idx="1"/>
-          </p:nvPr>
-        </p:nvSpPr>
-        <p:spPr>
-          <a:xfrm>
-            <a:off x="810000" y="2215096"/>
-            <a:ext cx="10554574" cy="1469678"/>
-          </a:xfrm>
-        </p:spPr>
-        <p:txBody>
-          <a:bodyPr/>
-          <a:lstStyle/>
-          <a:p>
-            <a:r>
-              <a:rPr lang="fr-FR" dirty="0" smtClean="0"/>
-              <a:t>Réaliser un serveur WEB à l’aide d’un </a:t>
-            </a:r>
-            <a:r>
-              <a:rPr lang="fr-FR" dirty="0" err="1" smtClean="0"/>
-              <a:t>Raspberry</a:t>
-            </a:r>
-            <a:r>
-              <a:rPr lang="fr-FR" dirty="0" smtClean="0"/>
-              <a:t> Pi 3</a:t>
-            </a:r>
-          </a:p>
-          <a:p>
-            <a:pPr marL="0" indent="0">
-              <a:buNone/>
-            </a:pPr>
-            <a:endParaRPr lang="fr-FR" dirty="0"/>
-          </a:p>
-        </p:txBody>
-      </p:sp>
-      <p:pic>
-        <p:nvPicPr>
-          <p:cNvPr id="5" name="Image 4"/>
-          <p:cNvPicPr>
-            <a:picLocks noChangeAspect="1"/>
-          </p:cNvPicPr>
-          <p:nvPr/>
-        </p:nvPicPr>
-        <p:blipFill>
-          <a:blip r:embed="rId2">
-            <a:extLst>
-              <a:ext uri="{28A0092B-C50C-407E-A947-70E740481C1C}">
-                <a14:useLocalDpi xmlns:a14="http://schemas.microsoft.com/office/drawing/2010/main" val="0"/>
-              </a:ext>
-            </a:extLst>
-          </a:blip>
-          <a:stretch>
-            <a:fillRect/>
-          </a:stretch>
-        </p:blipFill>
-        <p:spPr>
-          <a:xfrm>
-            <a:off x="4754880" y="3559519"/>
-            <a:ext cx="2127612" cy="2726575"/>
-          </a:xfrm>
-          <a:prstGeom prst="rect">
-            <a:avLst/>
-          </a:prstGeom>
-        </p:spPr>
-      </p:pic>
-    </p:spTree>
-    <p:extLst>
-      <p:ext uri="{BB962C8B-B14F-4D97-AF65-F5344CB8AC3E}">
-        <p14:creationId xmlns:p14="http://schemas.microsoft.com/office/powerpoint/2010/main" val="734865338"/>
-      </p:ext>
-    </p:extLst>
-  </p:cSld>
-  <p:clrMapOvr>
-    <a:masterClrMapping/>
-  </p:clrMapOvr>
-</p:sld>
-</file>
-
-<file path=ppt/slides/slide16.xml><?xml version="1.0" encoding="utf-8"?>
-<p:sld xmlns:a="http://schemas.openxmlformats.org/drawingml/2006/main" xmlns:r="http://schemas.openxmlformats.org/officeDocument/2006/relationships" xmlns:p="http://schemas.openxmlformats.org/presentationml/2006/main">
-  <p:cSld>
-    <p:spTree>
-      <p:nvGrpSpPr>
-        <p:cNvPr id="1" name=""/>
-        <p:cNvGrpSpPr/>
-        <p:nvPr/>
-      </p:nvGrpSpPr>
-      <p:grpSpPr>
-        <a:xfrm>
-          <a:off x="0" y="0"/>
-          <a:ext cx="0" cy="0"/>
-          <a:chOff x="0" y="0"/>
-          <a:chExt cx="0" cy="0"/>
-        </a:xfrm>
-      </p:grpSpPr>
-      <p:sp>
-        <p:nvSpPr>
-          <p:cNvPr id="2" name="Titre 1"/>
-          <p:cNvSpPr>
-            <a:spLocks noGrp="1"/>
-          </p:cNvSpPr>
-          <p:nvPr>
-            <p:ph type="title"/>
-          </p:nvPr>
-        </p:nvSpPr>
-        <p:spPr/>
-        <p:txBody>
-          <a:bodyPr/>
-          <a:lstStyle/>
-          <a:p>
-            <a:r>
-              <a:rPr lang="fr-FR" dirty="0" err="1" smtClean="0"/>
-              <a:t>Yanice</a:t>
-            </a:r>
-            <a:r>
-              <a:rPr lang="fr-FR" dirty="0" smtClean="0"/>
-              <a:t> : La réalité virtuelle (1/3)</a:t>
-            </a:r>
-            <a:endParaRPr lang="fr-FR" dirty="0"/>
-          </a:p>
-        </p:txBody>
-      </p:sp>
-      <p:sp>
-        <p:nvSpPr>
-          <p:cNvPr id="3" name="Espace réservé du contenu 2"/>
-          <p:cNvSpPr>
-            <a:spLocks noGrp="1"/>
-          </p:cNvSpPr>
-          <p:nvPr>
-            <p:ph idx="1"/>
-          </p:nvPr>
-        </p:nvSpPr>
-        <p:spPr/>
-        <p:txBody>
-          <a:bodyPr/>
-          <a:lstStyle/>
-          <a:p>
-            <a:r>
-              <a:rPr lang="fr-FR" dirty="0" smtClean="0"/>
-              <a:t>La VR, contrairement à une vidéo basique permet une immersion quasi-totale de son utilisateur.</a:t>
-            </a:r>
-          </a:p>
-          <a:p>
-            <a:r>
-              <a:rPr lang="fr-FR" dirty="0" smtClean="0"/>
-              <a:t>Elle permet entre autre la lecture de vidéo de manière sphérique, comme si l’utilisateur était à même la vidéo.</a:t>
-            </a:r>
-          </a:p>
-          <a:p>
-            <a:r>
-              <a:rPr lang="fr-FR" dirty="0" smtClean="0"/>
-              <a:t>C’est sur cette technologie que j’ai travaillé et modélisé les vidéos en réalité virtuelle.</a:t>
-            </a:r>
-            <a:endParaRPr lang="fr-FR" dirty="0"/>
-          </a:p>
-        </p:txBody>
-      </p:sp>
-    </p:spTree>
-    <p:extLst>
-      <p:ext uri="{BB962C8B-B14F-4D97-AF65-F5344CB8AC3E}">
-        <p14:creationId xmlns:p14="http://schemas.microsoft.com/office/powerpoint/2010/main" val="3724128037"/>
-      </p:ext>
-    </p:extLst>
-  </p:cSld>
-  <p:clrMapOvr>
-    <a:masterClrMapping/>
-  </p:clrMapOvr>
-</p:sld>
-</file>
-
-<file path=ppt/slides/slide17.xml><?xml version="1.0" encoding="utf-8"?>
-<p:sld xmlns:a="http://schemas.openxmlformats.org/drawingml/2006/main" xmlns:r="http://schemas.openxmlformats.org/officeDocument/2006/relationships" xmlns:p="http://schemas.openxmlformats.org/presentationml/2006/main">
-  <p:cSld>
-    <p:spTree>
-      <p:nvGrpSpPr>
-        <p:cNvPr id="1" name=""/>
-        <p:cNvGrpSpPr/>
-        <p:nvPr/>
-      </p:nvGrpSpPr>
-      <p:grpSpPr>
-        <a:xfrm>
-          <a:off x="0" y="0"/>
-          <a:ext cx="0" cy="0"/>
-          <a:chOff x="0" y="0"/>
-          <a:chExt cx="0" cy="0"/>
-        </a:xfrm>
-      </p:grpSpPr>
-      <p:sp>
-        <p:nvSpPr>
-          <p:cNvPr id="2" name="Titre 1"/>
-          <p:cNvSpPr>
-            <a:spLocks noGrp="1"/>
-          </p:cNvSpPr>
-          <p:nvPr>
-            <p:ph type="title"/>
-          </p:nvPr>
-        </p:nvSpPr>
-        <p:spPr/>
-        <p:txBody>
-          <a:bodyPr/>
-          <a:lstStyle/>
-          <a:p>
-            <a:r>
-              <a:rPr lang="fr-FR" dirty="0" err="1" smtClean="0"/>
-              <a:t>Yanice</a:t>
-            </a:r>
-            <a:r>
-              <a:rPr lang="fr-FR" dirty="0" smtClean="0"/>
-              <a:t> : Technologie </a:t>
-            </a:r>
-            <a:r>
-              <a:rPr lang="fr-FR" dirty="0" err="1" smtClean="0"/>
-              <a:t>Unity</a:t>
-            </a:r>
-            <a:r>
-              <a:rPr lang="fr-FR" dirty="0" smtClean="0"/>
-              <a:t> (2/3)</a:t>
-            </a:r>
-            <a:endParaRPr lang="fr-FR" dirty="0"/>
-          </a:p>
-        </p:txBody>
-      </p:sp>
-      <p:pic>
-        <p:nvPicPr>
-          <p:cNvPr id="1026" name="Picture 2" descr="RÃ©sultat de recherche d'images pour &quot;Casque VR&quot;"/>
-          <p:cNvPicPr>
-            <a:picLocks noGrp="1" noChangeAspect="1" noChangeArrowheads="1"/>
-          </p:cNvPicPr>
-          <p:nvPr>
-            <p:ph idx="1"/>
-          </p:nvPr>
-        </p:nvPicPr>
-        <p:blipFill>
-          <a:blip r:embed="rId2">
-            <a:extLst>
-              <a:ext uri="{28A0092B-C50C-407E-A947-70E740481C1C}">
-                <a14:useLocalDpi xmlns:a14="http://schemas.microsoft.com/office/drawing/2010/main" val="0"/>
-              </a:ext>
-            </a:extLst>
-          </a:blip>
-          <a:srcRect/>
-          <a:stretch>
-            <a:fillRect/>
-          </a:stretch>
-        </p:blipFill>
-        <p:spPr bwMode="auto">
-          <a:xfrm>
-            <a:off x="7993229" y="2880510"/>
-            <a:ext cx="1728515" cy="1152344"/>
-          </a:xfrm>
-          <a:prstGeom prst="rect">
-            <a:avLst/>
-          </a:prstGeom>
-          <a:noFill/>
-          <a:extLst>
-            <a:ext uri="{909E8E84-426E-40DD-AFC4-6F175D3DCCD1}">
-              <a14:hiddenFill xmlns:a14="http://schemas.microsoft.com/office/drawing/2010/main">
-                <a:solidFill>
-                  <a:srgbClr val="FFFFFF"/>
-                </a:solidFill>
-              </a14:hiddenFill>
-            </a:ext>
-          </a:extLst>
-        </p:spPr>
-      </p:pic>
-      <p:pic>
-        <p:nvPicPr>
-          <p:cNvPr id="1028" name="Picture 4" descr="RÃ©sultat de recherche d'images pour &quot;Unity&quot;"/>
-          <p:cNvPicPr>
-            <a:picLocks noChangeAspect="1" noChangeArrowheads="1"/>
-          </p:cNvPicPr>
-          <p:nvPr/>
-        </p:nvPicPr>
-        <p:blipFill>
-          <a:blip r:embed="rId3">
-            <a:extLst>
-              <a:ext uri="{28A0092B-C50C-407E-A947-70E740481C1C}">
-                <a14:useLocalDpi xmlns:a14="http://schemas.microsoft.com/office/drawing/2010/main" val="0"/>
-              </a:ext>
-            </a:extLst>
-          </a:blip>
-          <a:srcRect/>
-          <a:stretch>
-            <a:fillRect/>
-          </a:stretch>
-        </p:blipFill>
-        <p:spPr bwMode="auto">
-          <a:xfrm>
-            <a:off x="244733" y="2826327"/>
-            <a:ext cx="2460941" cy="1363287"/>
-          </a:xfrm>
-          <a:prstGeom prst="rect">
-            <a:avLst/>
-          </a:prstGeom>
-          <a:noFill/>
-          <a:extLst>
-            <a:ext uri="{909E8E84-426E-40DD-AFC4-6F175D3DCCD1}">
-              <a14:hiddenFill xmlns:a14="http://schemas.microsoft.com/office/drawing/2010/main">
-                <a:solidFill>
-                  <a:srgbClr val="FFFFFF"/>
-                </a:solidFill>
-              </a14:hiddenFill>
-            </a:ext>
-          </a:extLst>
-        </p:spPr>
-      </p:pic>
-      <p:sp>
-        <p:nvSpPr>
-          <p:cNvPr id="4" name="Flèche droite 3"/>
-          <p:cNvSpPr/>
-          <p:nvPr/>
-        </p:nvSpPr>
-        <p:spPr>
-          <a:xfrm>
-            <a:off x="2810125" y="3444166"/>
-            <a:ext cx="397020" cy="121991"/>
-          </a:xfrm>
-          <a:prstGeom prst="rightArrow">
-            <a:avLst/>
-          </a:prstGeom>
-        </p:spPr>
-        <p:style>
-          <a:lnRef idx="2">
-            <a:schemeClr val="accent1">
-              <a:shade val="50000"/>
-            </a:schemeClr>
-          </a:lnRef>
-          <a:fillRef idx="1">
-            <a:schemeClr val="accent1"/>
-          </a:fillRef>
-          <a:effectRef idx="0">
-            <a:schemeClr val="accent1"/>
-          </a:effectRef>
-          <a:fontRef idx="minor">
-            <a:schemeClr val="lt1"/>
-          </a:fontRef>
-        </p:style>
-        <p:txBody>
-          <a:bodyPr rtlCol="0" anchor="ctr"/>
-          <a:lstStyle/>
-          <a:p>
-            <a:pPr algn="ctr"/>
-            <a:endParaRPr lang="fr-FR"/>
-          </a:p>
-        </p:txBody>
-      </p:sp>
-      <p:pic>
-        <p:nvPicPr>
-          <p:cNvPr id="1030" name="Picture 6" descr="RÃ©sultat de recherche d'images pour &quot;Sphere&quot;"/>
-          <p:cNvPicPr>
-            <a:picLocks noChangeAspect="1" noChangeArrowheads="1"/>
-          </p:cNvPicPr>
-          <p:nvPr/>
-        </p:nvPicPr>
-        <p:blipFill>
-          <a:blip r:embed="rId4">
-            <a:extLst>
-              <a:ext uri="{28A0092B-C50C-407E-A947-70E740481C1C}">
-                <a14:useLocalDpi xmlns:a14="http://schemas.microsoft.com/office/drawing/2010/main" val="0"/>
-              </a:ext>
-            </a:extLst>
-          </a:blip>
-          <a:srcRect/>
-          <a:stretch>
-            <a:fillRect/>
-          </a:stretch>
-        </p:blipFill>
-        <p:spPr bwMode="auto">
-          <a:xfrm>
-            <a:off x="4955161" y="2826327"/>
-            <a:ext cx="1461338" cy="1363287"/>
-          </a:xfrm>
-          <a:prstGeom prst="rect">
-            <a:avLst/>
-          </a:prstGeom>
-          <a:noFill/>
-          <a:extLst>
-            <a:ext uri="{909E8E84-426E-40DD-AFC4-6F175D3DCCD1}">
-              <a14:hiddenFill xmlns:a14="http://schemas.microsoft.com/office/drawing/2010/main">
-                <a:solidFill>
-                  <a:srgbClr val="FFFFFF"/>
-                </a:solidFill>
-              </a14:hiddenFill>
-            </a:ext>
-          </a:extLst>
-        </p:spPr>
-      </p:pic>
-      <p:sp>
-        <p:nvSpPr>
-          <p:cNvPr id="5" name="ZoneTexte 4"/>
-          <p:cNvSpPr txBox="1"/>
-          <p:nvPr/>
-        </p:nvSpPr>
-        <p:spPr>
-          <a:xfrm>
-            <a:off x="668954" y="2450233"/>
-            <a:ext cx="1640193" cy="584775"/>
-          </a:xfrm>
-          <a:prstGeom prst="rect">
-            <a:avLst/>
-          </a:prstGeom>
-          <a:noFill/>
-        </p:spPr>
-        <p:txBody>
-          <a:bodyPr wrap="none" rtlCol="0">
-            <a:spAutoFit/>
-          </a:bodyPr>
-          <a:lstStyle/>
-          <a:p>
-            <a:r>
-              <a:rPr lang="fr-FR" sz="1600" dirty="0" smtClean="0"/>
-              <a:t>IDE / </a:t>
-            </a:r>
-            <a:r>
-              <a:rPr lang="fr-FR" sz="1600" dirty="0" err="1" smtClean="0"/>
-              <a:t>Modeling</a:t>
-            </a:r>
-            <a:endParaRPr lang="fr-FR" sz="1600" dirty="0"/>
-          </a:p>
-          <a:p>
-            <a:endParaRPr lang="fr-FR" sz="1600" dirty="0"/>
-          </a:p>
-        </p:txBody>
-      </p:sp>
-      <p:pic>
-        <p:nvPicPr>
-          <p:cNvPr id="6" name="Image 5"/>
-          <p:cNvPicPr>
-            <a:picLocks noChangeAspect="1"/>
-          </p:cNvPicPr>
-          <p:nvPr/>
-        </p:nvPicPr>
-        <p:blipFill>
-          <a:blip r:embed="rId5"/>
-          <a:stretch>
-            <a:fillRect/>
-          </a:stretch>
-        </p:blipFill>
-        <p:spPr>
-          <a:xfrm>
-            <a:off x="5328820" y="5474896"/>
-            <a:ext cx="647700" cy="733425"/>
-          </a:xfrm>
-          <a:prstGeom prst="rect">
-            <a:avLst/>
-          </a:prstGeom>
-        </p:spPr>
-      </p:pic>
-      <p:sp>
-        <p:nvSpPr>
-          <p:cNvPr id="10" name="Flèche droite 9"/>
-          <p:cNvSpPr/>
-          <p:nvPr/>
-        </p:nvSpPr>
-        <p:spPr>
-          <a:xfrm rot="5400000">
-            <a:off x="5257179" y="4601715"/>
-            <a:ext cx="815885" cy="174566"/>
-          </a:xfrm>
-          <a:prstGeom prst="rightArrow">
-            <a:avLst/>
-          </a:prstGeom>
-        </p:spPr>
-        <p:style>
-          <a:lnRef idx="2">
-            <a:schemeClr val="accent1">
-              <a:shade val="50000"/>
-            </a:schemeClr>
-          </a:lnRef>
-          <a:fillRef idx="1">
-            <a:schemeClr val="accent1"/>
-          </a:fillRef>
-          <a:effectRef idx="0">
-            <a:schemeClr val="accent1"/>
-          </a:effectRef>
-          <a:fontRef idx="minor">
-            <a:schemeClr val="lt1"/>
-          </a:fontRef>
-        </p:style>
-        <p:txBody>
-          <a:bodyPr rtlCol="0" anchor="ctr"/>
-          <a:lstStyle/>
-          <a:p>
-            <a:pPr algn="ctr"/>
-            <a:endParaRPr lang="fr-FR"/>
-          </a:p>
-        </p:txBody>
-      </p:sp>
-      <p:pic>
-        <p:nvPicPr>
-          <p:cNvPr id="1032" name="Picture 8" descr="RÃ©sultat de recherche d'images pour &quot;Mp4&quot;"/>
-          <p:cNvPicPr>
-            <a:picLocks noChangeAspect="1" noChangeArrowheads="1"/>
-          </p:cNvPicPr>
-          <p:nvPr/>
-        </p:nvPicPr>
-        <p:blipFill>
-          <a:blip r:embed="rId6">
-            <a:extLst>
-              <a:ext uri="{28A0092B-C50C-407E-A947-70E740481C1C}">
-                <a14:useLocalDpi xmlns:a14="http://schemas.microsoft.com/office/drawing/2010/main" val="0"/>
-              </a:ext>
-            </a:extLst>
-          </a:blip>
-          <a:srcRect/>
-          <a:stretch>
-            <a:fillRect/>
-          </a:stretch>
-        </p:blipFill>
-        <p:spPr bwMode="auto">
-          <a:xfrm>
-            <a:off x="3311595" y="2983084"/>
-            <a:ext cx="1049770" cy="1049770"/>
-          </a:xfrm>
-          <a:prstGeom prst="rect">
-            <a:avLst/>
-          </a:prstGeom>
-          <a:noFill/>
-          <a:extLst>
-            <a:ext uri="{909E8E84-426E-40DD-AFC4-6F175D3DCCD1}">
-              <a14:hiddenFill xmlns:a14="http://schemas.microsoft.com/office/drawing/2010/main">
-                <a:solidFill>
-                  <a:srgbClr val="FFFFFF"/>
-                </a:solidFill>
-              </a14:hiddenFill>
-            </a:ext>
-          </a:extLst>
-        </p:spPr>
-      </p:pic>
-      <p:sp>
-        <p:nvSpPr>
-          <p:cNvPr id="16" name="Flèche droite 15"/>
-          <p:cNvSpPr/>
-          <p:nvPr/>
-        </p:nvSpPr>
-        <p:spPr>
-          <a:xfrm>
-            <a:off x="4465815" y="3444166"/>
-            <a:ext cx="384895" cy="121991"/>
-          </a:xfrm>
-          <a:prstGeom prst="rightArrow">
-            <a:avLst/>
-          </a:prstGeom>
-        </p:spPr>
-        <p:style>
-          <a:lnRef idx="2">
-            <a:schemeClr val="accent1">
-              <a:shade val="50000"/>
-            </a:schemeClr>
-          </a:lnRef>
-          <a:fillRef idx="1">
-            <a:schemeClr val="accent1"/>
-          </a:fillRef>
-          <a:effectRef idx="0">
-            <a:schemeClr val="accent1"/>
-          </a:effectRef>
-          <a:fontRef idx="minor">
-            <a:schemeClr val="lt1"/>
-          </a:fontRef>
-        </p:style>
-        <p:txBody>
-          <a:bodyPr rtlCol="0" anchor="ctr"/>
-          <a:lstStyle/>
-          <a:p>
-            <a:pPr algn="ctr"/>
-            <a:endParaRPr lang="fr-FR"/>
-          </a:p>
-        </p:txBody>
-      </p:sp>
-      <p:sp>
-        <p:nvSpPr>
-          <p:cNvPr id="17" name="Flèche droite 16"/>
-          <p:cNvSpPr/>
-          <p:nvPr/>
-        </p:nvSpPr>
-        <p:spPr>
-          <a:xfrm>
-            <a:off x="6520950" y="3437463"/>
-            <a:ext cx="1367828" cy="128694"/>
-          </a:xfrm>
-          <a:prstGeom prst="rightArrow">
-            <a:avLst/>
-          </a:prstGeom>
-        </p:spPr>
-        <p:style>
-          <a:lnRef idx="2">
-            <a:schemeClr val="accent1">
-              <a:shade val="50000"/>
-            </a:schemeClr>
-          </a:lnRef>
-          <a:fillRef idx="1">
-            <a:schemeClr val="accent1"/>
-          </a:fillRef>
-          <a:effectRef idx="0">
-            <a:schemeClr val="accent1"/>
-          </a:effectRef>
-          <a:fontRef idx="minor">
-            <a:schemeClr val="lt1"/>
-          </a:fontRef>
-        </p:style>
-        <p:txBody>
-          <a:bodyPr rtlCol="0" anchor="ctr"/>
-          <a:lstStyle/>
-          <a:p>
-            <a:pPr algn="ctr"/>
-            <a:endParaRPr lang="fr-FR"/>
-          </a:p>
-        </p:txBody>
-      </p:sp>
-      <p:sp>
-        <p:nvSpPr>
-          <p:cNvPr id="18" name="ZoneTexte 17"/>
-          <p:cNvSpPr txBox="1"/>
-          <p:nvPr/>
-        </p:nvSpPr>
-        <p:spPr>
-          <a:xfrm>
-            <a:off x="5241637" y="5167119"/>
-            <a:ext cx="888385" cy="615553"/>
-          </a:xfrm>
-          <a:prstGeom prst="rect">
-            <a:avLst/>
-          </a:prstGeom>
-          <a:noFill/>
-        </p:spPr>
-        <p:txBody>
-          <a:bodyPr wrap="none" rtlCol="0">
-            <a:spAutoFit/>
-          </a:bodyPr>
-          <a:lstStyle/>
-          <a:p>
-            <a:r>
-              <a:rPr lang="fr-FR" sz="1600" dirty="0" err="1" smtClean="0"/>
-              <a:t>Shader</a:t>
-            </a:r>
-            <a:endParaRPr lang="fr-FR" sz="1600" dirty="0"/>
-          </a:p>
-          <a:p>
-            <a:endParaRPr lang="fr-FR" dirty="0"/>
-          </a:p>
-        </p:txBody>
-      </p:sp>
-      <p:sp>
-        <p:nvSpPr>
-          <p:cNvPr id="19" name="ZoneTexte 18"/>
-          <p:cNvSpPr txBox="1"/>
-          <p:nvPr/>
-        </p:nvSpPr>
-        <p:spPr>
-          <a:xfrm>
-            <a:off x="5205569" y="2463922"/>
-            <a:ext cx="880369" cy="615553"/>
-          </a:xfrm>
-          <a:prstGeom prst="rect">
-            <a:avLst/>
-          </a:prstGeom>
-          <a:noFill/>
-        </p:spPr>
-        <p:txBody>
-          <a:bodyPr wrap="none" rtlCol="0">
-            <a:spAutoFit/>
-          </a:bodyPr>
-          <a:lstStyle/>
-          <a:p>
-            <a:r>
-              <a:rPr lang="fr-FR" sz="1600" dirty="0" smtClean="0"/>
-              <a:t>Sphère</a:t>
-            </a:r>
-            <a:endParaRPr lang="fr-FR" sz="1600" dirty="0"/>
-          </a:p>
-          <a:p>
-            <a:endParaRPr lang="fr-FR" dirty="0"/>
-          </a:p>
-        </p:txBody>
-      </p:sp>
-      <p:sp>
-        <p:nvSpPr>
-          <p:cNvPr id="20" name="ZoneTexte 19"/>
-          <p:cNvSpPr txBox="1"/>
-          <p:nvPr/>
-        </p:nvSpPr>
-        <p:spPr>
-          <a:xfrm>
-            <a:off x="3413510" y="2591267"/>
-            <a:ext cx="779381" cy="615553"/>
-          </a:xfrm>
-          <a:prstGeom prst="rect">
-            <a:avLst/>
-          </a:prstGeom>
-          <a:noFill/>
-        </p:spPr>
-        <p:txBody>
-          <a:bodyPr wrap="none" rtlCol="0">
-            <a:spAutoFit/>
-          </a:bodyPr>
-          <a:lstStyle/>
-          <a:p>
-            <a:r>
-              <a:rPr lang="fr-FR" sz="1600" dirty="0" smtClean="0"/>
-              <a:t>Vidéo</a:t>
-            </a:r>
-            <a:endParaRPr lang="fr-FR" sz="1600" dirty="0"/>
-          </a:p>
-          <a:p>
-            <a:endParaRPr lang="fr-FR" dirty="0"/>
-          </a:p>
-        </p:txBody>
-      </p:sp>
-      <p:sp>
-        <p:nvSpPr>
-          <p:cNvPr id="21" name="ZoneTexte 20"/>
-          <p:cNvSpPr txBox="1"/>
-          <p:nvPr/>
-        </p:nvSpPr>
-        <p:spPr>
-          <a:xfrm>
-            <a:off x="8547786" y="2503161"/>
-            <a:ext cx="453970" cy="615553"/>
-          </a:xfrm>
-          <a:prstGeom prst="rect">
-            <a:avLst/>
-          </a:prstGeom>
-          <a:noFill/>
-        </p:spPr>
-        <p:txBody>
-          <a:bodyPr wrap="none" rtlCol="0">
-            <a:spAutoFit/>
-          </a:bodyPr>
-          <a:lstStyle/>
-          <a:p>
-            <a:r>
-              <a:rPr lang="fr-FR" sz="1600" dirty="0" smtClean="0"/>
-              <a:t>VR</a:t>
-            </a:r>
-            <a:endParaRPr lang="fr-FR" sz="1600" dirty="0"/>
-          </a:p>
-          <a:p>
-            <a:endParaRPr lang="fr-FR" dirty="0"/>
-          </a:p>
-        </p:txBody>
-      </p:sp>
-      <p:pic>
-        <p:nvPicPr>
-          <p:cNvPr id="1040" name="Picture 16" descr="RÃ©sultat de recherche d'images pour &quot;youtube&quot;"/>
-          <p:cNvPicPr>
-            <a:picLocks noChangeAspect="1" noChangeArrowheads="1"/>
-          </p:cNvPicPr>
-          <p:nvPr/>
-        </p:nvPicPr>
-        <p:blipFill>
-          <a:blip r:embed="rId7">
-            <a:extLst>
-              <a:ext uri="{28A0092B-C50C-407E-A947-70E740481C1C}">
-                <a14:useLocalDpi xmlns:a14="http://schemas.microsoft.com/office/drawing/2010/main" val="0"/>
-              </a:ext>
-            </a:extLst>
-          </a:blip>
-          <a:srcRect/>
-          <a:stretch>
-            <a:fillRect/>
-          </a:stretch>
-        </p:blipFill>
-        <p:spPr bwMode="auto">
-          <a:xfrm>
-            <a:off x="8480011" y="5530500"/>
-            <a:ext cx="933324" cy="622216"/>
-          </a:xfrm>
-          <a:prstGeom prst="rect">
-            <a:avLst/>
-          </a:prstGeom>
-          <a:noFill/>
-          <a:extLst>
-            <a:ext uri="{909E8E84-426E-40DD-AFC4-6F175D3DCCD1}">
-              <a14:hiddenFill xmlns:a14="http://schemas.microsoft.com/office/drawing/2010/main">
-                <a:solidFill>
-                  <a:srgbClr val="FFFFFF"/>
-                </a:solidFill>
-              </a14:hiddenFill>
-            </a:ext>
-          </a:extLst>
-        </p:spPr>
-      </p:pic>
-      <p:sp>
-        <p:nvSpPr>
-          <p:cNvPr id="26" name="Flèche droite 25"/>
-          <p:cNvSpPr/>
-          <p:nvPr/>
-        </p:nvSpPr>
-        <p:spPr>
-          <a:xfrm rot="5400000">
-            <a:off x="8567241" y="4433867"/>
-            <a:ext cx="777326" cy="155823"/>
-          </a:xfrm>
-          <a:prstGeom prst="rightArrow">
-            <a:avLst/>
-          </a:prstGeom>
-        </p:spPr>
-        <p:style>
-          <a:lnRef idx="2">
-            <a:schemeClr val="accent1">
-              <a:shade val="50000"/>
-            </a:schemeClr>
-          </a:lnRef>
-          <a:fillRef idx="1">
-            <a:schemeClr val="accent1"/>
-          </a:fillRef>
-          <a:effectRef idx="0">
-            <a:schemeClr val="accent1"/>
-          </a:effectRef>
-          <a:fontRef idx="minor">
-            <a:schemeClr val="lt1"/>
-          </a:fontRef>
-        </p:style>
-        <p:txBody>
-          <a:bodyPr rtlCol="0" anchor="ctr"/>
-          <a:lstStyle/>
-          <a:p>
-            <a:pPr algn="ctr"/>
-            <a:endParaRPr lang="fr-FR"/>
-          </a:p>
-        </p:txBody>
-      </p:sp>
-      <p:sp>
-        <p:nvSpPr>
-          <p:cNvPr id="27" name="ZoneTexte 26"/>
-          <p:cNvSpPr txBox="1"/>
-          <p:nvPr/>
-        </p:nvSpPr>
-        <p:spPr>
-          <a:xfrm>
-            <a:off x="8429545" y="4945725"/>
-            <a:ext cx="1034257" cy="584775"/>
-          </a:xfrm>
-          <a:prstGeom prst="rect">
-            <a:avLst/>
-          </a:prstGeom>
-          <a:noFill/>
-        </p:spPr>
-        <p:txBody>
-          <a:bodyPr wrap="none" rtlCol="0">
-            <a:spAutoFit/>
-          </a:bodyPr>
-          <a:lstStyle/>
-          <a:p>
-            <a:r>
-              <a:rPr lang="fr-FR" sz="1600" dirty="0" smtClean="0"/>
-              <a:t>Injection</a:t>
-            </a:r>
-          </a:p>
-          <a:p>
-            <a:r>
-              <a:rPr lang="fr-FR" sz="1600" dirty="0" err="1" smtClean="0"/>
-              <a:t>Youtube</a:t>
-            </a:r>
-            <a:endParaRPr lang="fr-FR" sz="1600" dirty="0"/>
-          </a:p>
-        </p:txBody>
-      </p:sp>
-    </p:spTree>
-    <p:extLst>
-      <p:ext uri="{BB962C8B-B14F-4D97-AF65-F5344CB8AC3E}">
-        <p14:creationId xmlns:p14="http://schemas.microsoft.com/office/powerpoint/2010/main" val="3441282016"/>
-      </p:ext>
-    </p:extLst>
-  </p:cSld>
-  <p:clrMapOvr>
-    <a:masterClrMapping/>
-  </p:clrMapOvr>
-</p:sld>
-</file>
-
-<file path=ppt/slides/slide18.xml><?xml version="1.0" encoding="utf-8"?>
-<p:sld xmlns:a="http://schemas.openxmlformats.org/drawingml/2006/main" xmlns:r="http://schemas.openxmlformats.org/officeDocument/2006/relationships" xmlns:p="http://schemas.openxmlformats.org/presentationml/2006/main">
-  <p:cSld>
-    <p:spTree>
-      <p:nvGrpSpPr>
-        <p:cNvPr id="1" name=""/>
-        <p:cNvGrpSpPr/>
-        <p:nvPr/>
-      </p:nvGrpSpPr>
-      <p:grpSpPr>
-        <a:xfrm>
-          <a:off x="0" y="0"/>
-          <a:ext cx="0" cy="0"/>
-          <a:chOff x="0" y="0"/>
-          <a:chExt cx="0" cy="0"/>
-        </a:xfrm>
-      </p:grpSpPr>
-      <p:sp>
-        <p:nvSpPr>
-          <p:cNvPr id="2" name="Titre 1"/>
-          <p:cNvSpPr>
-            <a:spLocks noGrp="1"/>
-          </p:cNvSpPr>
-          <p:nvPr>
-            <p:ph type="title"/>
-          </p:nvPr>
-        </p:nvSpPr>
-        <p:spPr/>
-        <p:txBody>
-          <a:bodyPr/>
-          <a:lstStyle/>
-          <a:p>
-            <a:r>
-              <a:rPr lang="fr-FR" dirty="0" err="1" smtClean="0"/>
-              <a:t>Yanice</a:t>
-            </a:r>
-            <a:r>
-              <a:rPr lang="fr-FR" dirty="0" smtClean="0"/>
-              <a:t> : Problèmes rencontrés (3/3)</a:t>
-            </a:r>
-            <a:endParaRPr lang="fr-FR" dirty="0"/>
-          </a:p>
-        </p:txBody>
-      </p:sp>
-      <p:sp>
-        <p:nvSpPr>
-          <p:cNvPr id="3" name="Espace réservé du contenu 2"/>
-          <p:cNvSpPr>
-            <a:spLocks noGrp="1"/>
-          </p:cNvSpPr>
-          <p:nvPr>
-            <p:ph idx="1"/>
-          </p:nvPr>
-        </p:nvSpPr>
-        <p:spPr/>
-        <p:txBody>
-          <a:bodyPr/>
-          <a:lstStyle/>
-          <a:p>
-            <a:r>
-              <a:rPr lang="fr-FR" dirty="0" smtClean="0"/>
-              <a:t>Appréhension UNITY.</a:t>
-            </a:r>
-          </a:p>
-          <a:p>
-            <a:r>
-              <a:rPr lang="fr-FR" dirty="0" smtClean="0"/>
-              <a:t>Problème de lecture après leur passage en VR.</a:t>
-            </a:r>
-          </a:p>
-          <a:p>
-            <a:r>
-              <a:rPr lang="fr-FR" dirty="0" smtClean="0"/>
-              <a:t>Injection </a:t>
-            </a:r>
-            <a:r>
-              <a:rPr lang="fr-FR" dirty="0" err="1" smtClean="0"/>
-              <a:t>youtube</a:t>
-            </a:r>
-            <a:r>
-              <a:rPr lang="fr-FR" dirty="0"/>
-              <a:t>.</a:t>
-            </a:r>
-          </a:p>
-        </p:txBody>
-      </p:sp>
-    </p:spTree>
-    <p:extLst>
-      <p:ext uri="{BB962C8B-B14F-4D97-AF65-F5344CB8AC3E}">
-        <p14:creationId xmlns:p14="http://schemas.microsoft.com/office/powerpoint/2010/main" val="935954564"/>
-      </p:ext>
-    </p:extLst>
-  </p:cSld>
-  <p:clrMapOvr>
-    <a:masterClrMapping/>
-  </p:clrMapOvr>
-</p:sld>
-</file>
-
-<file path=ppt/slides/slide19.xml><?xml version="1.0" encoding="utf-8"?>
-<p:sld xmlns:a="http://schemas.openxmlformats.org/drawingml/2006/main" xmlns:r="http://schemas.openxmlformats.org/officeDocument/2006/relationships" xmlns:p="http://schemas.openxmlformats.org/presentationml/2006/main">
-  <p:cSld>
-    <p:spTree>
-      <p:nvGrpSpPr>
-        <p:cNvPr id="1" name=""/>
-        <p:cNvGrpSpPr/>
-        <p:nvPr/>
-      </p:nvGrpSpPr>
-      <p:grpSpPr>
-        <a:xfrm>
-          <a:off x="0" y="0"/>
-          <a:ext cx="0" cy="0"/>
-          <a:chOff x="0" y="0"/>
-          <a:chExt cx="0" cy="0"/>
-        </a:xfrm>
-      </p:grpSpPr>
-      <p:sp>
-        <p:nvSpPr>
-          <p:cNvPr id="2" name="Titre 1"/>
-          <p:cNvSpPr>
-            <a:spLocks noGrp="1"/>
-          </p:cNvSpPr>
-          <p:nvPr>
-            <p:ph type="title"/>
-          </p:nvPr>
-        </p:nvSpPr>
-        <p:spPr/>
-        <p:txBody>
-          <a:bodyPr/>
-          <a:lstStyle/>
-          <a:p>
-            <a:r>
-              <a:rPr lang="fr-FR" dirty="0" smtClean="0"/>
-              <a:t>Démo</a:t>
-            </a:r>
-            <a:endParaRPr lang="fr-FR" dirty="0"/>
-          </a:p>
-        </p:txBody>
-      </p:sp>
-      <p:sp>
-        <p:nvSpPr>
-          <p:cNvPr id="3" name="Espace réservé du contenu 2"/>
-          <p:cNvSpPr>
-            <a:spLocks noGrp="1"/>
-          </p:cNvSpPr>
-          <p:nvPr>
-            <p:ph idx="1"/>
-          </p:nvPr>
-        </p:nvSpPr>
-        <p:spPr/>
-        <p:txBody>
-          <a:bodyPr>
-            <a:normAutofit/>
-          </a:bodyPr>
-          <a:lstStyle/>
-          <a:p>
-            <a:pPr marL="0" indent="0">
-              <a:buNone/>
-            </a:pPr>
-            <a:r>
-              <a:rPr lang="fr-FR" sz="2400" dirty="0" smtClean="0"/>
-              <a:t>Comment ça marche ?</a:t>
-            </a:r>
-          </a:p>
-          <a:p>
-            <a:r>
-              <a:rPr lang="fr-FR" dirty="0"/>
-              <a:t>1 - Approcher un tag NFC</a:t>
-            </a:r>
-            <a:r>
-              <a:rPr lang="fr-FR" dirty="0" smtClean="0"/>
-              <a:t>.</a:t>
-            </a:r>
-            <a:endParaRPr lang="fr-FR" dirty="0"/>
-          </a:p>
-          <a:p>
-            <a:r>
-              <a:rPr lang="fr-FR" dirty="0"/>
-              <a:t>2 - L'application récupère la vidéo depuis le serveur</a:t>
-            </a:r>
-            <a:r>
-              <a:rPr lang="fr-FR" dirty="0" smtClean="0"/>
-              <a:t>.</a:t>
-            </a:r>
-            <a:endParaRPr lang="fr-FR" dirty="0"/>
-          </a:p>
-          <a:p>
-            <a:r>
-              <a:rPr lang="fr-FR" dirty="0"/>
-              <a:t>3 - L'application ouvre l'application </a:t>
-            </a:r>
-            <a:r>
-              <a:rPr lang="fr-FR" dirty="0" err="1" smtClean="0"/>
-              <a:t>Youtube</a:t>
-            </a:r>
-            <a:r>
-              <a:rPr lang="fr-FR" dirty="0" smtClean="0"/>
-              <a:t>.</a:t>
-            </a:r>
-            <a:endParaRPr lang="fr-FR" dirty="0"/>
-          </a:p>
-          <a:p>
-            <a:r>
-              <a:rPr lang="fr-FR" dirty="0"/>
-              <a:t>4 - Vous devez mettre en plein écran la vidéo </a:t>
-            </a:r>
-            <a:r>
-              <a:rPr lang="fr-FR" dirty="0" err="1"/>
-              <a:t>Youtube</a:t>
-            </a:r>
-            <a:r>
-              <a:rPr lang="fr-FR" dirty="0" smtClean="0"/>
-              <a:t>.</a:t>
-            </a:r>
-            <a:endParaRPr lang="fr-FR" dirty="0"/>
-          </a:p>
-          <a:p>
-            <a:r>
-              <a:rPr lang="fr-FR" dirty="0"/>
-              <a:t>5 - Vous devez ensuite cliquer sur le bouton VR en bas à droite de la vidéo</a:t>
-            </a:r>
-            <a:r>
-              <a:rPr lang="fr-FR" dirty="0" smtClean="0"/>
-              <a:t>.</a:t>
-            </a:r>
-          </a:p>
-        </p:txBody>
-      </p:sp>
-    </p:spTree>
-    <p:extLst>
-      <p:ext uri="{BB962C8B-B14F-4D97-AF65-F5344CB8AC3E}">
-        <p14:creationId xmlns:p14="http://schemas.microsoft.com/office/powerpoint/2010/main" val="3420849559"/>
-      </p:ext>
-    </p:extLst>
-  </p:cSld>
-  <p:clrMapOvr>
-    <a:masterClrMapping/>
-  </p:clrMapOvr>
-</p:sld>
-</file>
-
-<file path=ppt/slides/slide2.xml><?xml version="1.0" encoding="utf-8"?>
-<p:sld xmlns:a="http://schemas.openxmlformats.org/drawingml/2006/main" xmlns:r="http://schemas.openxmlformats.org/officeDocument/2006/relationships" xmlns:p="http://schemas.openxmlformats.org/presentationml/2006/main">
-  <p:cSld>
-    <p:spTree>
-      <p:nvGrpSpPr>
-        <p:cNvPr id="1" name=""/>
-        <p:cNvGrpSpPr/>
-        <p:nvPr/>
-      </p:nvGrpSpPr>
-      <p:grpSpPr>
-        <a:xfrm>
-          <a:off x="0" y="0"/>
-          <a:ext cx="0" cy="0"/>
-          <a:chOff x="0" y="0"/>
-          <a:chExt cx="0" cy="0"/>
-        </a:xfrm>
-      </p:grpSpPr>
-      <p:sp>
-        <p:nvSpPr>
-          <p:cNvPr id="2" name="Titre 1"/>
-          <p:cNvSpPr>
-            <a:spLocks noGrp="1"/>
-          </p:cNvSpPr>
-          <p:nvPr>
-            <p:ph type="title"/>
-          </p:nvPr>
-        </p:nvSpPr>
-        <p:spPr/>
-        <p:txBody>
-          <a:bodyPr/>
-          <a:lstStyle/>
-          <a:p>
-            <a:r>
-              <a:rPr lang="fr-FR" dirty="0" smtClean="0"/>
-              <a:t>Sommaire</a:t>
-            </a:r>
-            <a:endParaRPr lang="fr-FR" dirty="0"/>
-          </a:p>
-        </p:txBody>
-      </p:sp>
-      <p:sp>
-        <p:nvSpPr>
-          <p:cNvPr id="3" name="Espace réservé du contenu 2"/>
-          <p:cNvSpPr>
-            <a:spLocks noGrp="1"/>
-          </p:cNvSpPr>
-          <p:nvPr>
-            <p:ph idx="1"/>
-          </p:nvPr>
-        </p:nvSpPr>
-        <p:spPr/>
-        <p:txBody>
-          <a:bodyPr>
-            <a:normAutofit lnSpcReduction="10000"/>
-          </a:bodyPr>
-          <a:lstStyle/>
-          <a:p>
-            <a:r>
-              <a:rPr lang="fr-FR" dirty="0" smtClean="0"/>
-              <a:t>Introduction</a:t>
-            </a:r>
-          </a:p>
-          <a:p>
-            <a:r>
-              <a:rPr lang="fr-FR" dirty="0" smtClean="0"/>
-              <a:t>Objectifs</a:t>
-            </a:r>
-          </a:p>
-          <a:p>
-            <a:r>
-              <a:rPr lang="fr-FR" dirty="0" smtClean="0"/>
-              <a:t>Répartition des tâches</a:t>
-            </a:r>
-          </a:p>
-          <a:p>
-            <a:r>
-              <a:rPr lang="fr-FR" dirty="0" smtClean="0"/>
-              <a:t>Outils, technologies</a:t>
-            </a:r>
-          </a:p>
-          <a:p>
-            <a:r>
-              <a:rPr lang="fr-FR" dirty="0" smtClean="0"/>
-              <a:t>Tâches de Romain</a:t>
-            </a:r>
-          </a:p>
-          <a:p>
-            <a:r>
-              <a:rPr lang="fr-FR" dirty="0"/>
-              <a:t>Tâches de Mohamed</a:t>
-            </a:r>
-          </a:p>
-          <a:p>
-            <a:r>
-              <a:rPr lang="fr-FR" dirty="0"/>
-              <a:t>Tâches de </a:t>
-            </a:r>
-            <a:r>
-              <a:rPr lang="fr-FR" dirty="0" smtClean="0"/>
-              <a:t>Gaël</a:t>
-            </a:r>
-            <a:endParaRPr lang="fr-FR" dirty="0"/>
-          </a:p>
-          <a:p>
-            <a:r>
-              <a:rPr lang="fr-FR" dirty="0"/>
-              <a:t>Tâches de </a:t>
-            </a:r>
-            <a:r>
-              <a:rPr lang="fr-FR" dirty="0" err="1" smtClean="0"/>
-              <a:t>Yanice</a:t>
-            </a:r>
-            <a:endParaRPr lang="fr-FR" dirty="0" smtClean="0"/>
-          </a:p>
-          <a:p>
-            <a:r>
-              <a:rPr lang="fr-FR" dirty="0" smtClean="0"/>
-              <a:t>Démo</a:t>
-            </a:r>
-            <a:endParaRPr lang="fr-FR" dirty="0"/>
-          </a:p>
-          <a:p>
-            <a:endParaRPr lang="fr-FR" dirty="0" smtClean="0"/>
-          </a:p>
-        </p:txBody>
-      </p:sp>
-    </p:spTree>
-    <p:extLst>
-      <p:ext uri="{BB962C8B-B14F-4D97-AF65-F5344CB8AC3E}">
-        <p14:creationId xmlns:p14="http://schemas.microsoft.com/office/powerpoint/2010/main" val="3805287657"/>
-      </p:ext>
-    </p:extLst>
-  </p:cSld>
-  <p:clrMapOvr>
-    <a:masterClrMapping/>
-  </p:clrMapOvr>
-</p:sld>
-</file>
-
-<file path=ppt/slides/slide20.xml><?xml version="1.0" encoding="utf-8"?>
-<p:sld xmlns:a="http://schemas.openxmlformats.org/drawingml/2006/main" xmlns:r="http://schemas.openxmlformats.org/officeDocument/2006/relationships" xmlns:p="http://schemas.openxmlformats.org/presentationml/2006/main">
-  <p:cSld>
-    <p:spTree>
-      <p:nvGrpSpPr>
-        <p:cNvPr id="1" name=""/>
-        <p:cNvGrpSpPr/>
-        <p:nvPr/>
-      </p:nvGrpSpPr>
-      <p:grpSpPr>
-        <a:xfrm>
-          <a:off x="0" y="0"/>
-          <a:ext cx="0" cy="0"/>
-          <a:chOff x="0" y="0"/>
-          <a:chExt cx="0" cy="0"/>
-        </a:xfrm>
-      </p:grpSpPr>
-      <p:sp>
-        <p:nvSpPr>
-          <p:cNvPr id="2" name="Titre 1"/>
-          <p:cNvSpPr>
-            <a:spLocks noGrp="1"/>
-          </p:cNvSpPr>
-          <p:nvPr>
-            <p:ph type="title"/>
-          </p:nvPr>
-        </p:nvSpPr>
-        <p:spPr/>
-        <p:txBody>
-          <a:bodyPr/>
-          <a:lstStyle/>
-          <a:p>
-            <a:r>
-              <a:rPr lang="fr-FR" dirty="0" smtClean="0"/>
-              <a:t>Conclusion</a:t>
-            </a:r>
-            <a:endParaRPr lang="fr-FR" dirty="0"/>
-          </a:p>
-        </p:txBody>
-      </p:sp>
-      <p:sp>
-        <p:nvSpPr>
-          <p:cNvPr id="3" name="Espace réservé du contenu 2"/>
-          <p:cNvSpPr>
-            <a:spLocks noGrp="1"/>
-          </p:cNvSpPr>
-          <p:nvPr>
-            <p:ph idx="1"/>
-          </p:nvPr>
-        </p:nvSpPr>
-        <p:spPr/>
-        <p:txBody>
-          <a:bodyPr/>
-          <a:lstStyle/>
-          <a:p>
-            <a:r>
-              <a:rPr lang="fr-FR" dirty="0" smtClean="0"/>
-              <a:t>(Parler de la démo, comment cela pourrait évoluer, ce que l’on a apprit)</a:t>
-            </a:r>
-            <a:endParaRPr lang="fr-FR" dirty="0"/>
-          </a:p>
-        </p:txBody>
-      </p:sp>
-    </p:spTree>
-    <p:extLst>
-      <p:ext uri="{BB962C8B-B14F-4D97-AF65-F5344CB8AC3E}">
-        <p14:creationId xmlns:p14="http://schemas.microsoft.com/office/powerpoint/2010/main" val="643386072"/>
-      </p:ext>
-    </p:extLst>
-  </p:cSld>
-  <p:clrMapOvr>
-    <a:masterClrMapping/>
-  </p:clrMapOvr>
-</p:sld>
-</file>
-
-<file path=ppt/slides/slide3.xml><?xml version="1.0" encoding="utf-8"?>
-<p:sld xmlns:a="http://schemas.openxmlformats.org/drawingml/2006/main" xmlns:r="http://schemas.openxmlformats.org/officeDocument/2006/relationships" xmlns:p="http://schemas.openxmlformats.org/presentationml/2006/main">
-  <p:cSld>
-    <p:spTree>
-      <p:nvGrpSpPr>
-        <p:cNvPr id="1" name=""/>
-        <p:cNvGrpSpPr/>
-        <p:nvPr/>
-      </p:nvGrpSpPr>
-      <p:grpSpPr>
-        <a:xfrm>
-          <a:off x="0" y="0"/>
-          <a:ext cx="0" cy="0"/>
-          <a:chOff x="0" y="0"/>
-          <a:chExt cx="0" cy="0"/>
-        </a:xfrm>
-      </p:grpSpPr>
-      <p:sp>
-        <p:nvSpPr>
-          <p:cNvPr id="2" name="Titre 1"/>
-          <p:cNvSpPr>
-            <a:spLocks noGrp="1"/>
-          </p:cNvSpPr>
-          <p:nvPr>
-            <p:ph type="title"/>
-          </p:nvPr>
-        </p:nvSpPr>
-        <p:spPr/>
-        <p:txBody>
-          <a:bodyPr/>
-          <a:lstStyle/>
-          <a:p>
-            <a:r>
-              <a:rPr lang="fr-FR" dirty="0" smtClean="0"/>
-              <a:t>Introduction</a:t>
-            </a:r>
-            <a:endParaRPr lang="fr-FR" dirty="0"/>
-          </a:p>
-        </p:txBody>
-      </p:sp>
-      <p:sp>
-        <p:nvSpPr>
-          <p:cNvPr id="3" name="Espace réservé du contenu 2"/>
-          <p:cNvSpPr>
-            <a:spLocks noGrp="1"/>
-          </p:cNvSpPr>
-          <p:nvPr>
-            <p:ph idx="1"/>
-          </p:nvPr>
-        </p:nvSpPr>
-        <p:spPr/>
-        <p:txBody>
-          <a:bodyPr/>
-          <a:lstStyle/>
-          <a:p>
-            <a:pPr marL="0" indent="0">
-              <a:buNone/>
-            </a:pPr>
-            <a:r>
-              <a:rPr lang="fr-FR" dirty="0" smtClean="0"/>
-              <a:t>L’application </a:t>
-            </a:r>
-            <a:r>
-              <a:rPr lang="fr-FR" dirty="0" err="1" smtClean="0"/>
-              <a:t>VRTourism</a:t>
-            </a:r>
-            <a:r>
-              <a:rPr lang="fr-FR" dirty="0" smtClean="0"/>
-              <a:t> est destinée à :</a:t>
-            </a:r>
-          </a:p>
-          <a:p>
-            <a:pPr lvl="1"/>
-            <a:r>
-              <a:rPr lang="fr-FR" dirty="0" smtClean="0"/>
-              <a:t>Guider l’utilisateur dans </a:t>
-            </a:r>
-            <a:r>
-              <a:rPr lang="fr-FR" dirty="0"/>
-              <a:t>un </a:t>
-            </a:r>
-            <a:r>
-              <a:rPr lang="fr-FR" dirty="0" smtClean="0"/>
-              <a:t>lieu touristique;</a:t>
-            </a:r>
-            <a:endParaRPr lang="fr-FR" dirty="0"/>
-          </a:p>
-          <a:p>
-            <a:pPr lvl="1"/>
-            <a:r>
-              <a:rPr lang="fr-FR" dirty="0" smtClean="0"/>
-              <a:t>Informer l’utilisateur sur les différents événements historiques d’un musée.</a:t>
-            </a:r>
-          </a:p>
-          <a:p>
-            <a:pPr marL="457200" lvl="1" indent="0">
-              <a:buNone/>
-            </a:pPr>
-            <a:endParaRPr lang="fr-FR" dirty="0" smtClean="0"/>
-          </a:p>
-          <a:p>
-            <a:pPr marL="0" indent="0">
-              <a:buNone/>
-            </a:pPr>
-            <a:r>
-              <a:rPr lang="fr-FR" dirty="0" smtClean="0"/>
-              <a:t>Via leur smartphone (compatible NFC) et un casque de réalité virtuelle, ils pourront bénéficier </a:t>
-            </a:r>
-            <a:r>
-              <a:rPr lang="fr-FR" dirty="0"/>
-              <a:t>d’animations dynamiques pour </a:t>
-            </a:r>
-            <a:r>
-              <a:rPr lang="fr-FR" dirty="0" smtClean="0"/>
-              <a:t>connaître </a:t>
-            </a:r>
-            <a:r>
-              <a:rPr lang="fr-FR" dirty="0"/>
-              <a:t>l’histoire d’un tableau, d’une statue, </a:t>
-            </a:r>
-            <a:r>
-              <a:rPr lang="fr-FR" dirty="0" smtClean="0"/>
-              <a:t>ou d’un autre élément touristique…</a:t>
-            </a:r>
-            <a:endParaRPr lang="fr-FR" dirty="0"/>
-          </a:p>
-        </p:txBody>
-      </p:sp>
-    </p:spTree>
-    <p:extLst>
-      <p:ext uri="{BB962C8B-B14F-4D97-AF65-F5344CB8AC3E}">
-        <p14:creationId xmlns:p14="http://schemas.microsoft.com/office/powerpoint/2010/main" val="1803925724"/>
-      </p:ext>
-    </p:extLst>
-  </p:cSld>
-  <p:clrMapOvr>
-    <a:masterClrMapping/>
-  </p:clrMapOvr>
-</p:sld>
-</file>
-
-<file path=ppt/slides/slide4.xml><?xml version="1.0" encoding="utf-8"?>
-<p:sld xmlns:a="http://schemas.openxmlformats.org/drawingml/2006/main" xmlns:r="http://schemas.openxmlformats.org/officeDocument/2006/relationships" xmlns:p="http://schemas.openxmlformats.org/presentationml/2006/main">
-  <p:cSld>
-    <p:spTree>
-      <p:nvGrpSpPr>
-        <p:cNvPr id="1" name=""/>
-        <p:cNvGrpSpPr/>
-        <p:nvPr/>
-      </p:nvGrpSpPr>
-      <p:grpSpPr>
-        <a:xfrm>
-          <a:off x="0" y="0"/>
-          <a:ext cx="0" cy="0"/>
-          <a:chOff x="0" y="0"/>
-          <a:chExt cx="0" cy="0"/>
-        </a:xfrm>
-      </p:grpSpPr>
-      <p:sp>
-        <p:nvSpPr>
-          <p:cNvPr id="2" name="Titre 1"/>
-          <p:cNvSpPr>
-            <a:spLocks noGrp="1"/>
-          </p:cNvSpPr>
-          <p:nvPr>
-            <p:ph type="title"/>
-          </p:nvPr>
-        </p:nvSpPr>
-        <p:spPr/>
-        <p:txBody>
-          <a:bodyPr/>
-          <a:lstStyle/>
-          <a:p>
-            <a:r>
-              <a:rPr lang="fr-FR" dirty="0" smtClean="0"/>
-              <a:t>Objectifs</a:t>
-            </a:r>
-            <a:endParaRPr lang="fr-FR" dirty="0"/>
-          </a:p>
-        </p:txBody>
-      </p:sp>
-      <p:sp>
-        <p:nvSpPr>
-          <p:cNvPr id="3" name="Espace réservé du contenu 2"/>
-          <p:cNvSpPr>
-            <a:spLocks noGrp="1"/>
-          </p:cNvSpPr>
-          <p:nvPr>
-            <p:ph idx="1"/>
-          </p:nvPr>
-        </p:nvSpPr>
-        <p:spPr/>
-        <p:txBody>
-          <a:bodyPr/>
-          <a:lstStyle/>
-          <a:p>
-            <a:r>
-              <a:rPr lang="fr-FR" dirty="0" smtClean="0"/>
-              <a:t>Guider les touristes</a:t>
-            </a:r>
-          </a:p>
-          <a:p>
-            <a:r>
-              <a:rPr lang="fr-FR" dirty="0" smtClean="0"/>
-              <a:t>Mettre les touristes en immersion virtuelle (</a:t>
-            </a:r>
-            <a:r>
-              <a:rPr lang="fr-FR" dirty="0"/>
-              <a:t>environnement </a:t>
-            </a:r>
-            <a:r>
-              <a:rPr lang="fr-FR" dirty="0" smtClean="0"/>
-              <a:t>immersif</a:t>
-            </a:r>
-            <a:r>
-              <a:rPr lang="fr-FR" dirty="0"/>
-              <a:t>)</a:t>
-            </a:r>
-            <a:endParaRPr lang="fr-FR" dirty="0" smtClean="0"/>
-          </a:p>
-          <a:p>
-            <a:r>
-              <a:rPr lang="fr-FR" dirty="0" smtClean="0"/>
-              <a:t>Informer les touristes sur l’histoire de l’endroit ou de l’objet concerné</a:t>
-            </a:r>
-          </a:p>
-          <a:p>
-            <a:r>
-              <a:rPr lang="fr-FR" dirty="0" smtClean="0"/>
-              <a:t>Animer dynamiquement l’histoire </a:t>
-            </a:r>
-            <a:r>
-              <a:rPr lang="fr-FR" dirty="0"/>
-              <a:t>de l’endroit ou de l’objet </a:t>
-            </a:r>
-            <a:r>
-              <a:rPr lang="fr-FR" dirty="0" smtClean="0"/>
-              <a:t>concerné</a:t>
-            </a:r>
-          </a:p>
-          <a:p>
-            <a:r>
-              <a:rPr lang="fr-FR" dirty="0" smtClean="0"/>
-              <a:t>Augmenter l’attractivité du lieu touristique équipé de cette technologie</a:t>
-            </a:r>
-            <a:endParaRPr lang="fr-FR" dirty="0"/>
-          </a:p>
-        </p:txBody>
-      </p:sp>
-    </p:spTree>
-    <p:extLst>
-      <p:ext uri="{BB962C8B-B14F-4D97-AF65-F5344CB8AC3E}">
-        <p14:creationId xmlns:p14="http://schemas.microsoft.com/office/powerpoint/2010/main" val="2416709490"/>
-      </p:ext>
-    </p:extLst>
-  </p:cSld>
-  <p:clrMapOvr>
-    <a:masterClrMapping/>
-  </p:clrMapOvr>
-</p:sld>
-</file>
-
-<file path=ppt/slides/slide5.xml><?xml version="1.0" encoding="utf-8"?>
-<p:sld xmlns:a="http://schemas.openxmlformats.org/drawingml/2006/main" xmlns:r="http://schemas.openxmlformats.org/officeDocument/2006/relationships" xmlns:p="http://schemas.openxmlformats.org/presentationml/2006/main">
-  <p:cSld>
-    <p:spTree>
-      <p:nvGrpSpPr>
-        <p:cNvPr id="1" name=""/>
-        <p:cNvGrpSpPr/>
-        <p:nvPr/>
-      </p:nvGrpSpPr>
-      <p:grpSpPr>
-        <a:xfrm>
-          <a:off x="0" y="0"/>
-          <a:ext cx="0" cy="0"/>
-          <a:chOff x="0" y="0"/>
-          <a:chExt cx="0" cy="0"/>
-        </a:xfrm>
-      </p:grpSpPr>
-      <p:sp>
-        <p:nvSpPr>
-          <p:cNvPr id="2" name="Titre 1"/>
-          <p:cNvSpPr>
-            <a:spLocks noGrp="1"/>
-          </p:cNvSpPr>
-          <p:nvPr>
-            <p:ph type="title"/>
-          </p:nvPr>
-        </p:nvSpPr>
-        <p:spPr/>
-        <p:txBody>
-          <a:bodyPr/>
-          <a:lstStyle/>
-          <a:p>
-            <a:r>
-              <a:rPr lang="fr-FR" dirty="0" smtClean="0"/>
-              <a:t>Répartition des tâches</a:t>
-            </a:r>
-            <a:endParaRPr lang="fr-FR" dirty="0"/>
-          </a:p>
-        </p:txBody>
-      </p:sp>
-      <p:sp>
-        <p:nvSpPr>
-          <p:cNvPr id="3" name="Espace réservé du contenu 2"/>
-          <p:cNvSpPr>
-            <a:spLocks noGrp="1"/>
-          </p:cNvSpPr>
-          <p:nvPr>
-            <p:ph idx="1"/>
-          </p:nvPr>
-        </p:nvSpPr>
-        <p:spPr>
-          <a:xfrm>
-            <a:off x="818712" y="2671173"/>
-            <a:ext cx="10554574" cy="3636511"/>
-          </a:xfrm>
-        </p:spPr>
-        <p:txBody>
-          <a:bodyPr>
-            <a:normAutofit fontScale="77500" lnSpcReduction="20000"/>
-          </a:bodyPr>
-          <a:lstStyle/>
-          <a:p>
-            <a:r>
-              <a:rPr lang="fr-FR" dirty="0" smtClean="0"/>
-              <a:t>El </a:t>
-            </a:r>
-            <a:r>
-              <a:rPr lang="fr-FR" dirty="0" err="1" smtClean="0"/>
-              <a:t>Karmoudi</a:t>
-            </a:r>
-            <a:r>
-              <a:rPr lang="fr-FR" dirty="0" smtClean="0"/>
-              <a:t> Mohamed :</a:t>
-            </a:r>
-          </a:p>
-          <a:p>
-            <a:pPr lvl="1"/>
-            <a:r>
-              <a:rPr lang="fr-FR" dirty="0" smtClean="0"/>
-              <a:t>Mise en place de la communication entre l’application </a:t>
-            </a:r>
-            <a:r>
-              <a:rPr lang="fr-FR" dirty="0"/>
-              <a:t>A</a:t>
-            </a:r>
-            <a:r>
-              <a:rPr lang="fr-FR" dirty="0" smtClean="0"/>
-              <a:t>ndroid et le serveur.</a:t>
-            </a:r>
-          </a:p>
-          <a:p>
-            <a:r>
-              <a:rPr lang="fr-FR" dirty="0" err="1" smtClean="0"/>
-              <a:t>Bernatene</a:t>
-            </a:r>
-            <a:r>
-              <a:rPr lang="fr-FR" dirty="0" smtClean="0"/>
-              <a:t> </a:t>
-            </a:r>
-            <a:r>
-              <a:rPr lang="fr-FR" dirty="0" err="1" smtClean="0"/>
-              <a:t>Gael</a:t>
-            </a:r>
-            <a:r>
-              <a:rPr lang="fr-FR" dirty="0" smtClean="0"/>
-              <a:t> :</a:t>
-            </a:r>
-          </a:p>
-          <a:p>
-            <a:pPr lvl="1"/>
-            <a:r>
-              <a:rPr lang="fr-FR" dirty="0" smtClean="0"/>
-              <a:t>Programmation du Web Service (serveur).</a:t>
-            </a:r>
-          </a:p>
-          <a:p>
-            <a:pPr lvl="1"/>
-            <a:r>
-              <a:rPr lang="fr-FR" dirty="0" smtClean="0"/>
-              <a:t>Mise en place d’un back-office (Mise à jour des vidéos dans la base de données).</a:t>
-            </a:r>
-          </a:p>
-          <a:p>
-            <a:r>
-              <a:rPr lang="fr-FR" dirty="0" err="1" smtClean="0"/>
-              <a:t>Trech</a:t>
-            </a:r>
-            <a:r>
-              <a:rPr lang="fr-FR" dirty="0" smtClean="0"/>
-              <a:t> </a:t>
-            </a:r>
-            <a:r>
-              <a:rPr lang="fr-FR" dirty="0" err="1" smtClean="0"/>
-              <a:t>Yanice</a:t>
-            </a:r>
-            <a:r>
-              <a:rPr lang="fr-FR" dirty="0" smtClean="0"/>
-              <a:t> :</a:t>
-            </a:r>
-          </a:p>
-          <a:p>
-            <a:pPr lvl="1"/>
-            <a:r>
-              <a:rPr lang="fr-FR" dirty="0" smtClean="0"/>
-              <a:t>Utilisation d’</a:t>
-            </a:r>
-            <a:r>
-              <a:rPr lang="fr-FR" dirty="0" err="1" smtClean="0"/>
-              <a:t>Unity</a:t>
-            </a:r>
-            <a:endParaRPr lang="fr-FR" dirty="0" smtClean="0"/>
-          </a:p>
-          <a:p>
-            <a:pPr lvl="1"/>
-            <a:r>
-              <a:rPr lang="fr-FR" dirty="0" smtClean="0"/>
-              <a:t>Création et implémentation de vidéos VR.</a:t>
-            </a:r>
-          </a:p>
-          <a:p>
-            <a:pPr lvl="1"/>
-            <a:r>
-              <a:rPr lang="fr-FR" dirty="0" smtClean="0"/>
-              <a:t>Insertion (</a:t>
-            </a:r>
-            <a:r>
-              <a:rPr lang="fr-FR" dirty="0" err="1" smtClean="0"/>
-              <a:t>upload</a:t>
-            </a:r>
-            <a:r>
-              <a:rPr lang="fr-FR" dirty="0" smtClean="0"/>
-              <a:t>) de vidéos VR sur la chaîne </a:t>
-            </a:r>
-            <a:r>
-              <a:rPr lang="fr-FR" dirty="0" err="1" smtClean="0"/>
-              <a:t>Youtube</a:t>
-            </a:r>
-            <a:r>
-              <a:rPr lang="fr-FR" dirty="0" smtClean="0"/>
-              <a:t>.</a:t>
-            </a:r>
-          </a:p>
-          <a:p>
-            <a:r>
-              <a:rPr lang="fr-FR" dirty="0" err="1" smtClean="0"/>
-              <a:t>Lembo</a:t>
-            </a:r>
-            <a:r>
-              <a:rPr lang="fr-FR" dirty="0" smtClean="0"/>
-              <a:t> Romain :</a:t>
-            </a:r>
-          </a:p>
-          <a:p>
-            <a:pPr lvl="1"/>
-            <a:r>
-              <a:rPr lang="fr-FR" dirty="0"/>
-              <a:t>Mise en place de l’architecture </a:t>
-            </a:r>
-            <a:r>
-              <a:rPr lang="fr-FR" dirty="0" smtClean="0"/>
-              <a:t>NFC.</a:t>
-            </a:r>
-          </a:p>
-          <a:p>
-            <a:pPr lvl="1"/>
-            <a:r>
-              <a:rPr lang="fr-FR" dirty="0" smtClean="0"/>
-              <a:t>Création interface Application.</a:t>
-            </a:r>
-          </a:p>
-          <a:p>
-            <a:pPr lvl="1"/>
-            <a:r>
-              <a:rPr lang="fr-FR" dirty="0" smtClean="0"/>
-              <a:t>Gestion du matériel.</a:t>
-            </a:r>
-            <a:endParaRPr lang="fr-FR" dirty="0"/>
-          </a:p>
-        </p:txBody>
-      </p:sp>
-    </p:spTree>
-    <p:extLst>
-      <p:ext uri="{BB962C8B-B14F-4D97-AF65-F5344CB8AC3E}">
-        <p14:creationId xmlns:p14="http://schemas.microsoft.com/office/powerpoint/2010/main" val="1118825739"/>
-      </p:ext>
-    </p:extLst>
-  </p:cSld>
-  <p:clrMapOvr>
-    <a:masterClrMapping/>
-  </p:clrMapOvr>
-</p:sld>
-</file>
-
-<file path=ppt/slides/slide6.xml><?xml version="1.0" encoding="utf-8"?>
-<p:sld xmlns:a="http://schemas.openxmlformats.org/drawingml/2006/main" xmlns:r="http://schemas.openxmlformats.org/officeDocument/2006/relationships" xmlns:p="http://schemas.openxmlformats.org/presentationml/2006/main">
-  <p:cSld>
-    <p:spTree>
-      <p:nvGrpSpPr>
-        <p:cNvPr id="1" name=""/>
-        <p:cNvGrpSpPr/>
-        <p:nvPr/>
-      </p:nvGrpSpPr>
-      <p:grpSpPr>
-        <a:xfrm>
-          <a:off x="0" y="0"/>
-          <a:ext cx="0" cy="0"/>
-          <a:chOff x="0" y="0"/>
-          <a:chExt cx="0" cy="0"/>
-        </a:xfrm>
-      </p:grpSpPr>
-      <p:sp>
-        <p:nvSpPr>
-          <p:cNvPr id="2" name="Titre 1"/>
-          <p:cNvSpPr>
-            <a:spLocks noGrp="1"/>
-          </p:cNvSpPr>
-          <p:nvPr>
-            <p:ph type="title"/>
-          </p:nvPr>
-        </p:nvSpPr>
-        <p:spPr/>
-        <p:txBody>
-          <a:bodyPr/>
-          <a:lstStyle/>
-          <a:p>
-            <a:r>
-              <a:rPr lang="fr-FR" dirty="0" smtClean="0"/>
-              <a:t>Outils, technologies</a:t>
-            </a:r>
-            <a:endParaRPr lang="fr-FR" dirty="0"/>
-          </a:p>
-        </p:txBody>
-      </p:sp>
-      <p:sp>
-        <p:nvSpPr>
-          <p:cNvPr id="3" name="Espace réservé du contenu 2"/>
-          <p:cNvSpPr>
-            <a:spLocks noGrp="1"/>
-          </p:cNvSpPr>
-          <p:nvPr>
-            <p:ph idx="1"/>
-          </p:nvPr>
-        </p:nvSpPr>
-        <p:spPr>
-          <a:xfrm>
-            <a:off x="810000" y="2579734"/>
-            <a:ext cx="10554574" cy="4203451"/>
-          </a:xfrm>
-        </p:spPr>
-        <p:txBody>
-          <a:bodyPr>
-            <a:normAutofit fontScale="92500" lnSpcReduction="20000"/>
-          </a:bodyPr>
-          <a:lstStyle/>
-          <a:p>
-            <a:endParaRPr lang="fr-FR" dirty="0" smtClean="0"/>
-          </a:p>
-          <a:p>
-            <a:r>
-              <a:rPr lang="fr-FR" dirty="0" smtClean="0"/>
-              <a:t>Tags NFC</a:t>
-            </a:r>
-          </a:p>
-          <a:p>
-            <a:pPr lvl="1"/>
-            <a:r>
-              <a:rPr lang="fr-FR" dirty="0" smtClean="0"/>
-              <a:t>NFC sticker tags (NTAG2313)</a:t>
-            </a:r>
-          </a:p>
-          <a:p>
-            <a:r>
-              <a:rPr lang="fr-FR" dirty="0" smtClean="0"/>
-              <a:t>Casque de réalité virtuelle;</a:t>
-            </a:r>
-          </a:p>
-          <a:p>
-            <a:pPr lvl="1"/>
-            <a:r>
-              <a:rPr lang="fr-FR" dirty="0" smtClean="0"/>
-              <a:t>Casque </a:t>
-            </a:r>
-            <a:r>
-              <a:rPr lang="fr-FR" dirty="0" err="1" smtClean="0"/>
-              <a:t>iHarbort</a:t>
-            </a:r>
-            <a:r>
-              <a:rPr lang="fr-FR" dirty="0" smtClean="0"/>
-              <a:t> (Virtual reality glasses)</a:t>
-            </a:r>
-          </a:p>
-          <a:p>
-            <a:r>
-              <a:rPr lang="fr-FR" dirty="0" smtClean="0"/>
-              <a:t>Smartphone compatible casque VR et muni de la technologie NFC.</a:t>
-            </a:r>
-          </a:p>
-          <a:p>
-            <a:pPr lvl="1"/>
-            <a:r>
-              <a:rPr lang="fr-FR" dirty="0" smtClean="0"/>
-              <a:t>Samsung </a:t>
-            </a:r>
-            <a:r>
-              <a:rPr lang="fr-FR" dirty="0" err="1" smtClean="0"/>
-              <a:t>Galaxy</a:t>
-            </a:r>
-            <a:r>
-              <a:rPr lang="fr-FR" dirty="0" smtClean="0"/>
-              <a:t> S6</a:t>
-            </a:r>
-          </a:p>
-          <a:p>
-            <a:r>
-              <a:rPr lang="fr-FR" dirty="0" smtClean="0"/>
-              <a:t>Serveur </a:t>
-            </a:r>
-            <a:r>
-              <a:rPr lang="fr-FR" dirty="0" err="1" smtClean="0"/>
-              <a:t>debian</a:t>
-            </a:r>
-            <a:r>
-              <a:rPr lang="fr-FR" dirty="0" smtClean="0"/>
-              <a:t> </a:t>
-            </a:r>
-          </a:p>
-          <a:p>
-            <a:pPr lvl="1"/>
-            <a:r>
-              <a:rPr lang="fr-FR" dirty="0" err="1" smtClean="0"/>
-              <a:t>Lamp</a:t>
-            </a:r>
-            <a:r>
-              <a:rPr lang="fr-FR" dirty="0" smtClean="0"/>
-              <a:t> </a:t>
-            </a:r>
-            <a:r>
-              <a:rPr lang="fr-FR" dirty="0"/>
-              <a:t>(Linux, apache, MySQL, </a:t>
-            </a:r>
-            <a:r>
-              <a:rPr lang="fr-FR" dirty="0" err="1"/>
-              <a:t>php</a:t>
-            </a:r>
-            <a:r>
-              <a:rPr lang="fr-FR" dirty="0" smtClean="0"/>
-              <a:t>)</a:t>
-            </a:r>
-          </a:p>
-          <a:p>
-            <a:r>
-              <a:rPr lang="fr-FR" dirty="0" err="1" smtClean="0"/>
-              <a:t>Unity</a:t>
-            </a:r>
-            <a:endParaRPr lang="fr-FR" dirty="0" smtClean="0"/>
-          </a:p>
-          <a:p>
-            <a:r>
-              <a:rPr lang="fr-FR" dirty="0" smtClean="0"/>
-              <a:t>Android Studio (IDE) – langage Java</a:t>
-            </a:r>
-          </a:p>
-          <a:p>
-            <a:r>
-              <a:rPr lang="fr-FR" dirty="0" err="1" smtClean="0"/>
-              <a:t>PhpStorm</a:t>
-            </a:r>
-            <a:r>
-              <a:rPr lang="fr-FR" dirty="0" smtClean="0"/>
-              <a:t> (IDE) - langage PHP</a:t>
-            </a:r>
-          </a:p>
-          <a:p>
-            <a:pPr marL="0" indent="0">
-              <a:buNone/>
-            </a:pPr>
-            <a:endParaRPr lang="fr-FR" dirty="0" smtClean="0"/>
-          </a:p>
-          <a:p>
-            <a:pPr marL="457200" lvl="1" indent="0">
-              <a:buNone/>
-            </a:pPr>
-            <a:endParaRPr lang="fr-FR" dirty="0" smtClean="0"/>
-          </a:p>
-          <a:p>
-            <a:endParaRPr lang="fr-FR" dirty="0" smtClean="0"/>
-          </a:p>
-        </p:txBody>
-      </p:sp>
-    </p:spTree>
-    <p:extLst>
-      <p:ext uri="{BB962C8B-B14F-4D97-AF65-F5344CB8AC3E}">
-        <p14:creationId xmlns:p14="http://schemas.microsoft.com/office/powerpoint/2010/main" val="2084653172"/>
-      </p:ext>
-    </p:extLst>
-  </p:cSld>
-  <p:clrMapOvr>
-    <a:masterClrMapping/>
-  </p:clrMapOvr>
-</p:sld>
-</file>
-
-<file path=ppt/slides/slide7.xml><?xml version="1.0" encoding="utf-8"?>
-<p:sld xmlns:a="http://schemas.openxmlformats.org/drawingml/2006/main" xmlns:r="http://schemas.openxmlformats.org/officeDocument/2006/relationships" xmlns:p="http://schemas.openxmlformats.org/presentationml/2006/main">
-  <p:cSld>
-    <p:spTree>
-      <p:nvGrpSpPr>
-        <p:cNvPr id="1" name=""/>
-        <p:cNvGrpSpPr/>
-        <p:nvPr/>
-      </p:nvGrpSpPr>
-      <p:grpSpPr>
-        <a:xfrm>
-          <a:off x="0" y="0"/>
-          <a:ext cx="0" cy="0"/>
-          <a:chOff x="0" y="0"/>
-          <a:chExt cx="0" cy="0"/>
-        </a:xfrm>
-      </p:grpSpPr>
-      <p:sp>
-        <p:nvSpPr>
-          <p:cNvPr id="2" name="Titre 1"/>
-          <p:cNvSpPr>
-            <a:spLocks noGrp="1"/>
-          </p:cNvSpPr>
-          <p:nvPr>
-            <p:ph type="title"/>
-          </p:nvPr>
-        </p:nvSpPr>
-        <p:spPr/>
-        <p:txBody>
-          <a:bodyPr/>
-          <a:lstStyle/>
-          <a:p>
-            <a:r>
-              <a:rPr lang="fr-FR" dirty="0" smtClean="0"/>
-              <a:t>Romain : Technologies (1/2)</a:t>
-            </a:r>
-            <a:endParaRPr lang="fr-FR" dirty="0"/>
-          </a:p>
-        </p:txBody>
-      </p:sp>
-      <p:pic>
-        <p:nvPicPr>
-          <p:cNvPr id="7" name="Image 6"/>
-          <p:cNvPicPr>
-            <a:picLocks noChangeAspect="1"/>
-          </p:cNvPicPr>
-          <p:nvPr/>
-        </p:nvPicPr>
-        <p:blipFill>
-          <a:blip r:embed="rId2">
-            <a:extLst>
-              <a:ext uri="{28A0092B-C50C-407E-A947-70E740481C1C}">
-                <a14:useLocalDpi xmlns:a14="http://schemas.microsoft.com/office/drawing/2010/main" val="0"/>
-              </a:ext>
-            </a:extLst>
-          </a:blip>
-          <a:stretch>
-            <a:fillRect/>
-          </a:stretch>
-        </p:blipFill>
-        <p:spPr>
-          <a:xfrm>
-            <a:off x="3669385" y="3562661"/>
-            <a:ext cx="1700566" cy="952018"/>
-          </a:xfrm>
-          <a:prstGeom prst="rect">
-            <a:avLst/>
-          </a:prstGeom>
-        </p:spPr>
-      </p:pic>
-      <p:graphicFrame>
-        <p:nvGraphicFramePr>
-          <p:cNvPr id="8" name="Tableau 7"/>
-          <p:cNvGraphicFramePr>
-            <a:graphicFrameLocks noGrp="1"/>
-          </p:cNvGraphicFramePr>
-          <p:nvPr>
-            <p:extLst/>
-          </p:nvPr>
-        </p:nvGraphicFramePr>
-        <p:xfrm>
-          <a:off x="810000" y="3081629"/>
-          <a:ext cx="10563286" cy="2515470"/>
-        </p:xfrm>
-        <a:graphic>
-          <a:graphicData uri="http://schemas.openxmlformats.org/drawingml/2006/table">
-            <a:tbl>
-              <a:tblPr firstRow="1" bandRow="1">
-                <a:tableStyleId>{5C22544A-7EE6-4342-B048-85BDC9FD1C3A}</a:tableStyleId>
-              </a:tblPr>
-              <a:tblGrid>
-                <a:gridCol w="5281643">
-                  <a:extLst>
-                    <a:ext uri="{9D8B030D-6E8A-4147-A177-3AD203B41FA5}">
-                      <a16:colId xmlns:a16="http://schemas.microsoft.com/office/drawing/2014/main" val="702011547"/>
-                    </a:ext>
-                  </a:extLst>
-                </a:gridCol>
-                <a:gridCol w="5281643">
-                  <a:extLst>
-                    <a:ext uri="{9D8B030D-6E8A-4147-A177-3AD203B41FA5}">
-                      <a16:colId xmlns:a16="http://schemas.microsoft.com/office/drawing/2014/main" val="3959156743"/>
-                    </a:ext>
-                  </a:extLst>
-                </a:gridCol>
-              </a:tblGrid>
-              <a:tr h="424542">
-                <a:tc>
-                  <a:txBody>
-                    <a:bodyPr/>
-                    <a:lstStyle/>
-                    <a:p>
-                      <a:pPr lvl="1"/>
-                      <a:r>
-                        <a:rPr lang="fr-FR" dirty="0" smtClean="0"/>
-                        <a:t>Programmation de l’application VR.</a:t>
-                      </a:r>
-                    </a:p>
-                  </a:txBody>
-                  <a:tcPr>
-                    <a:lnL w="12700" cmpd="sng">
-                      <a:noFill/>
-                    </a:lnL>
-                    <a:lnR w="12700" cmpd="sng">
-                      <a:noFill/>
-                    </a:lnR>
-                    <a:lnT w="12700" cmpd="sng">
-                      <a:noFill/>
-                    </a:lnT>
-                    <a:lnB w="38100" cmpd="sng">
-                      <a:noFill/>
-                    </a:lnB>
-                    <a:lnTlToBr w="12700" cmpd="sng">
-                      <a:noFill/>
-                      <a:prstDash val="solid"/>
-                    </a:lnTlToBr>
-                    <a:lnBlToTr w="12700" cmpd="sng">
-                      <a:noFill/>
-                      <a:prstDash val="solid"/>
-                    </a:lnBlToTr>
-                    <a:noFill/>
-                  </a:tcPr>
-                </a:tc>
-                <a:tc>
-                  <a:txBody>
-                    <a:bodyPr/>
-                    <a:lstStyle/>
-                    <a:p>
-                      <a:pPr lvl="1"/>
-                      <a:r>
-                        <a:rPr lang="fr-FR" dirty="0" smtClean="0"/>
-                        <a:t>Ecriture / Lecture des Tags NFC,</a:t>
-                      </a:r>
-                      <a:r>
-                        <a:rPr lang="fr-FR" baseline="0" dirty="0" smtClean="0"/>
-                        <a:t> Matériels</a:t>
-                      </a:r>
-                      <a:endParaRPr lang="fr-FR" dirty="0" smtClean="0"/>
-                    </a:p>
-                  </a:txBody>
-                  <a:tcPr>
-                    <a:lnL w="12700" cmpd="sng">
-                      <a:noFill/>
-                    </a:lnL>
-                    <a:lnR w="12700" cmpd="sng">
-                      <a:noFill/>
-                    </a:lnR>
-                    <a:lnT w="12700" cmpd="sng">
-                      <a:noFill/>
-                    </a:lnT>
-                    <a:lnB w="38100" cmpd="sng">
-                      <a:noFill/>
-                    </a:lnB>
-                    <a:lnTlToBr w="12700" cmpd="sng">
-                      <a:noFill/>
-                      <a:prstDash val="solid"/>
-                    </a:lnTlToBr>
-                    <a:lnBlToTr w="12700" cmpd="sng">
-                      <a:noFill/>
-                      <a:prstDash val="solid"/>
-                    </a:lnBlToTr>
-                    <a:noFill/>
-                  </a:tcPr>
-                </a:tc>
-                <a:extLst>
-                  <a:ext uri="{0D108BD9-81ED-4DB2-BD59-A6C34878D82A}">
-                    <a16:rowId xmlns:a16="http://schemas.microsoft.com/office/drawing/2014/main" val="794584332"/>
-                  </a:ext>
-                </a:extLst>
-              </a:tr>
-              <a:tr h="1029456">
-                <a:tc>
-                  <a:txBody>
-                    <a:bodyPr/>
-                    <a:lstStyle/>
-                    <a:p>
-                      <a:pPr marL="0" marR="0" lvl="0" indent="0" algn="l" defTabSz="457200" rtl="0" eaLnBrk="1" fontAlgn="auto" latinLnBrk="0" hangingPunct="1">
-                        <a:lnSpc>
-                          <a:spcPct val="100000"/>
-                        </a:lnSpc>
-                        <a:spcBef>
-                          <a:spcPct val="20000"/>
-                        </a:spcBef>
-                        <a:spcAft>
-                          <a:spcPts val="600"/>
-                        </a:spcAft>
-                        <a:buClr>
-                          <a:srgbClr val="00C6BB"/>
-                        </a:buClr>
-                        <a:buSzTx/>
-                        <a:buFont typeface="Wingdings 2" charset="2"/>
-                        <a:buNone/>
-                        <a:tabLst/>
-                        <a:defRPr/>
-                      </a:pPr>
-                      <a:endParaRPr kumimoji="0" lang="fr-FR" sz="1800" b="0" i="0" u="none" strike="noStrike" kern="1200" cap="none" spc="0" normalizeH="0" baseline="0" noProof="0" dirty="0" smtClean="0">
-                        <a:ln>
-                          <a:noFill/>
-                        </a:ln>
-                        <a:solidFill>
-                          <a:prstClr val="white"/>
-                        </a:solidFill>
-                        <a:effectLst/>
-                        <a:uLnTx/>
-                        <a:uFillTx/>
-                        <a:latin typeface="Century Gothic" panose="020B0502020202020204"/>
-                        <a:ea typeface="+mn-ea"/>
-                        <a:cs typeface="+mn-cs"/>
-                      </a:endParaRPr>
-                    </a:p>
-                    <a:p>
-                      <a:pPr marL="342900" marR="0" lvl="0" indent="-342900" algn="l" defTabSz="457200" rtl="0" eaLnBrk="1" fontAlgn="auto" latinLnBrk="0" hangingPunct="1">
-                        <a:lnSpc>
-                          <a:spcPct val="100000"/>
-                        </a:lnSpc>
-                        <a:spcBef>
-                          <a:spcPct val="20000"/>
-                        </a:spcBef>
-                        <a:spcAft>
-                          <a:spcPts val="600"/>
-                        </a:spcAft>
-                        <a:buClr>
-                          <a:srgbClr val="00C6BB"/>
-                        </a:buClr>
-                        <a:buSzTx/>
-                        <a:buFont typeface="Wingdings 2" charset="2"/>
-                        <a:buChar char=""/>
-                        <a:tabLst/>
-                        <a:defRPr/>
-                      </a:pPr>
-                      <a:r>
-                        <a:rPr kumimoji="0" lang="fr-FR" sz="1800" b="0" i="0" u="none" strike="noStrike" kern="1200" cap="none" spc="0" normalizeH="0" baseline="0" noProof="0" dirty="0" smtClean="0">
-                          <a:ln>
-                            <a:noFill/>
-                          </a:ln>
-                          <a:solidFill>
-                            <a:prstClr val="white"/>
-                          </a:solidFill>
-                          <a:effectLst/>
-                          <a:uLnTx/>
-                          <a:uFillTx/>
-                          <a:latin typeface="Century Gothic" panose="020B0502020202020204"/>
-                          <a:ea typeface="+mn-ea"/>
-                          <a:cs typeface="+mn-cs"/>
-                        </a:rPr>
-                        <a:t>Langage : Java </a:t>
-                      </a:r>
-                    </a:p>
-                  </a:txBody>
-                  <a:tcPr>
-                    <a:lnL w="12700" cmpd="sng">
-                      <a:noFill/>
-                    </a:lnL>
-                    <a:lnR w="12700" cmpd="sng">
-                      <a:noFill/>
-                    </a:lnR>
-                    <a:lnT w="38100" cmpd="sng">
-                      <a:noFill/>
-                    </a:lnT>
-                    <a:lnB w="12700" cmpd="sng">
-                      <a:noFill/>
-                    </a:lnB>
-                    <a:lnTlToBr w="12700" cmpd="sng">
-                      <a:noFill/>
-                      <a:prstDash val="solid"/>
-                    </a:lnTlToBr>
-                    <a:lnBlToTr w="12700" cmpd="sng">
-                      <a:noFill/>
-                      <a:prstDash val="solid"/>
-                    </a:lnBlToTr>
-                    <a:noFill/>
-                  </a:tcPr>
-                </a:tc>
-                <a:tc>
-                  <a:txBody>
-                    <a:bodyPr/>
-                    <a:lstStyle/>
-                    <a:p>
-                      <a:pPr marL="0" marR="0" lvl="0" indent="0" algn="l" defTabSz="457200" rtl="0" eaLnBrk="1" fontAlgn="auto" latinLnBrk="0" hangingPunct="1">
-                        <a:lnSpc>
-                          <a:spcPct val="100000"/>
-                        </a:lnSpc>
-                        <a:spcBef>
-                          <a:spcPct val="20000"/>
-                        </a:spcBef>
-                        <a:spcAft>
-                          <a:spcPts val="600"/>
-                        </a:spcAft>
-                        <a:buClr>
-                          <a:srgbClr val="00C6BB"/>
-                        </a:buClr>
-                        <a:buSzTx/>
-                        <a:buFont typeface="Wingdings 2" charset="2"/>
-                        <a:buNone/>
-                        <a:tabLst/>
-                        <a:defRPr/>
-                      </a:pPr>
-                      <a:endParaRPr kumimoji="0" lang="fr-FR" sz="1800" b="0" i="0" u="none" strike="noStrike" kern="1200" cap="none" spc="0" normalizeH="0" baseline="0" noProof="0" dirty="0" smtClean="0">
-                        <a:ln>
-                          <a:noFill/>
-                        </a:ln>
-                        <a:solidFill>
-                          <a:prstClr val="white"/>
-                        </a:solidFill>
-                        <a:effectLst/>
-                        <a:uLnTx/>
-                        <a:uFillTx/>
-                        <a:latin typeface="Century Gothic" panose="020B0502020202020204"/>
-                        <a:ea typeface="+mn-ea"/>
-                        <a:cs typeface="+mn-cs"/>
-                      </a:endParaRPr>
-                    </a:p>
-                    <a:p>
-                      <a:pPr marL="342900" marR="0" lvl="0" indent="-342900" algn="l" defTabSz="457200" rtl="0" eaLnBrk="1" fontAlgn="auto" latinLnBrk="0" hangingPunct="1">
-                        <a:lnSpc>
-                          <a:spcPct val="100000"/>
-                        </a:lnSpc>
-                        <a:spcBef>
-                          <a:spcPct val="20000"/>
-                        </a:spcBef>
-                        <a:spcAft>
-                          <a:spcPts val="600"/>
-                        </a:spcAft>
-                        <a:buClr>
-                          <a:srgbClr val="00C6BB"/>
-                        </a:buClr>
-                        <a:buSzTx/>
-                        <a:buFont typeface="Wingdings 2" charset="2"/>
-                        <a:buChar char=""/>
-                        <a:tabLst/>
-                        <a:defRPr/>
-                      </a:pPr>
-                      <a:r>
-                        <a:rPr kumimoji="0" lang="fr-FR" sz="1800" b="0" i="0" u="none" strike="noStrike" kern="1200" cap="none" spc="0" normalizeH="0" baseline="0" noProof="0" dirty="0" smtClean="0">
-                          <a:ln>
-                            <a:noFill/>
-                          </a:ln>
-                          <a:solidFill>
-                            <a:prstClr val="white"/>
-                          </a:solidFill>
-                          <a:effectLst/>
-                          <a:uLnTx/>
-                          <a:uFillTx/>
-                          <a:latin typeface="Century Gothic" panose="020B0502020202020204"/>
-                          <a:ea typeface="+mn-ea"/>
-                          <a:cs typeface="+mn-cs"/>
-                        </a:rPr>
-                        <a:t>Technologie de communication</a:t>
-                      </a:r>
-                      <a:br>
-                        <a:rPr kumimoji="0" lang="fr-FR" sz="1800" b="0" i="0" u="none" strike="noStrike" kern="1200" cap="none" spc="0" normalizeH="0" baseline="0" noProof="0" dirty="0" smtClean="0">
-                          <a:ln>
-                            <a:noFill/>
-                          </a:ln>
-                          <a:solidFill>
-                            <a:prstClr val="white"/>
-                          </a:solidFill>
-                          <a:effectLst/>
-                          <a:uLnTx/>
-                          <a:uFillTx/>
-                          <a:latin typeface="Century Gothic" panose="020B0502020202020204"/>
-                          <a:ea typeface="+mn-ea"/>
-                          <a:cs typeface="+mn-cs"/>
-                        </a:rPr>
-                      </a:br>
-                      <a:r>
-                        <a:rPr kumimoji="0" lang="fr-FR" sz="1800" b="0" i="0" u="none" strike="noStrike" kern="1200" cap="none" spc="0" normalizeH="0" baseline="0" noProof="0" dirty="0" smtClean="0">
-                          <a:ln>
-                            <a:noFill/>
-                          </a:ln>
-                          <a:solidFill>
-                            <a:prstClr val="white"/>
-                          </a:solidFill>
-                          <a:effectLst/>
-                          <a:uLnTx/>
-                          <a:uFillTx/>
-                          <a:latin typeface="Century Gothic" panose="020B0502020202020204"/>
-                          <a:ea typeface="+mn-ea"/>
-                          <a:cs typeface="+mn-cs"/>
-                        </a:rPr>
-                        <a:t>sans fil : Stickers NFC</a:t>
-                      </a:r>
-                      <a:endParaRPr kumimoji="0" lang="fr-FR" sz="1800" b="0" i="0" u="none" strike="noStrike" kern="1200" cap="none" spc="0" normalizeH="0" baseline="0" noProof="0" dirty="0">
-                        <a:ln>
-                          <a:noFill/>
-                        </a:ln>
-                        <a:solidFill>
-                          <a:prstClr val="white"/>
-                        </a:solidFill>
-                        <a:effectLst/>
-                        <a:uLnTx/>
-                        <a:uFillTx/>
-                        <a:latin typeface="Century Gothic" panose="020B0502020202020204"/>
-                        <a:ea typeface="+mn-ea"/>
-                        <a:cs typeface="+mn-cs"/>
-                      </a:endParaRPr>
-                    </a:p>
-                  </a:txBody>
-                  <a:tcPr>
-                    <a:lnL w="12700" cmpd="sng">
-                      <a:noFill/>
-                    </a:lnL>
-                    <a:lnR w="12700" cmpd="sng">
-                      <a:noFill/>
-                    </a:lnR>
-                    <a:lnT w="38100" cmpd="sng">
-                      <a:noFill/>
-                    </a:lnT>
-                    <a:lnB w="12700" cmpd="sng">
-                      <a:noFill/>
-                    </a:lnB>
-                    <a:lnTlToBr w="12700" cmpd="sng">
-                      <a:noFill/>
-                      <a:prstDash val="solid"/>
-                    </a:lnTlToBr>
-                    <a:lnBlToTr w="12700" cmpd="sng">
-                      <a:noFill/>
-                      <a:prstDash val="solid"/>
-                    </a:lnBlToTr>
-                    <a:noFill/>
-                  </a:tcPr>
-                </a:tc>
-                <a:extLst>
-                  <a:ext uri="{0D108BD9-81ED-4DB2-BD59-A6C34878D82A}">
-                    <a16:rowId xmlns:a16="http://schemas.microsoft.com/office/drawing/2014/main" val="2425151213"/>
-                  </a:ext>
-                </a:extLst>
-              </a:tr>
-              <a:tr h="1029456">
-                <a:tc>
-                  <a:txBody>
-                    <a:bodyPr/>
-                    <a:lstStyle/>
-                    <a:p>
-                      <a:pPr marL="0" marR="0" lvl="0" indent="0" algn="l" defTabSz="457200" rtl="0" eaLnBrk="1" fontAlgn="auto" latinLnBrk="0" hangingPunct="1">
-                        <a:lnSpc>
-                          <a:spcPct val="100000"/>
-                        </a:lnSpc>
-                        <a:spcBef>
-                          <a:spcPct val="20000"/>
-                        </a:spcBef>
-                        <a:spcAft>
-                          <a:spcPts val="600"/>
-                        </a:spcAft>
-                        <a:buClr>
-                          <a:srgbClr val="00C6BB"/>
-                        </a:buClr>
-                        <a:buSzTx/>
-                        <a:buFont typeface="Wingdings 2" charset="2"/>
-                        <a:buNone/>
-                        <a:tabLst/>
-                        <a:defRPr/>
-                      </a:pPr>
-                      <a:endParaRPr kumimoji="0" lang="fr-FR" sz="1800" b="0" i="0" u="none" strike="noStrike" kern="1200" cap="none" spc="0" normalizeH="0" baseline="0" noProof="0" dirty="0" smtClean="0">
-                        <a:ln>
-                          <a:noFill/>
-                        </a:ln>
-                        <a:solidFill>
-                          <a:prstClr val="white"/>
-                        </a:solidFill>
-                        <a:effectLst/>
-                        <a:uLnTx/>
-                        <a:uFillTx/>
-                        <a:latin typeface="Century Gothic" panose="020B0502020202020204"/>
-                        <a:ea typeface="+mn-ea"/>
-                        <a:cs typeface="+mn-cs"/>
-                      </a:endParaRPr>
-                    </a:p>
-                    <a:p>
-                      <a:pPr marL="342900" marR="0" lvl="0" indent="-342900" algn="l" defTabSz="457200" rtl="0" eaLnBrk="1" fontAlgn="auto" latinLnBrk="0" hangingPunct="1">
-                        <a:lnSpc>
-                          <a:spcPct val="100000"/>
-                        </a:lnSpc>
-                        <a:spcBef>
-                          <a:spcPct val="20000"/>
-                        </a:spcBef>
-                        <a:spcAft>
-                          <a:spcPts val="600"/>
-                        </a:spcAft>
-                        <a:buClr>
-                          <a:srgbClr val="00C6BB"/>
-                        </a:buClr>
-                        <a:buSzTx/>
-                        <a:buFont typeface="Wingdings 2" charset="2"/>
-                        <a:buChar char=""/>
-                        <a:tabLst/>
-                        <a:defRPr/>
-                      </a:pPr>
-                      <a:r>
-                        <a:rPr kumimoji="0" lang="fr-FR" sz="1800" b="0" i="0" u="none" strike="noStrike" kern="1200" cap="none" spc="0" normalizeH="0" baseline="0" noProof="0" dirty="0" smtClean="0">
-                          <a:ln>
-                            <a:noFill/>
-                          </a:ln>
-                          <a:solidFill>
-                            <a:prstClr val="white"/>
-                          </a:solidFill>
-                          <a:effectLst/>
-                          <a:uLnTx/>
-                          <a:uFillTx/>
-                          <a:latin typeface="Century Gothic" panose="020B0502020202020204"/>
-                          <a:ea typeface="+mn-ea"/>
-                          <a:cs typeface="+mn-cs"/>
-                        </a:rPr>
-                        <a:t>IDE : Android Studio </a:t>
-                      </a:r>
-                      <a:endParaRPr kumimoji="0" lang="fr-FR" sz="1800" b="0" i="0" u="none" strike="noStrike" kern="1200" cap="none" spc="0" normalizeH="0" baseline="0" noProof="0" dirty="0">
-                        <a:ln>
-                          <a:noFill/>
-                        </a:ln>
-                        <a:solidFill>
-                          <a:prstClr val="white"/>
-                        </a:solidFill>
-                        <a:effectLst/>
-                        <a:uLnTx/>
-                        <a:uFillTx/>
-                        <a:latin typeface="Century Gothic" panose="020B0502020202020204"/>
-                        <a:ea typeface="+mn-ea"/>
-                        <a:cs typeface="+mn-cs"/>
-                      </a:endParaRPr>
-                    </a:p>
-                  </a:txBody>
-                  <a:tcPr>
-                    <a:lnL w="12700" cmpd="sng">
-                      <a:noFill/>
-                    </a:lnL>
-                    <a:lnR w="12700" cmpd="sng">
-                      <a:noFill/>
-                    </a:lnR>
-                    <a:lnT w="12700" cmpd="sng">
-                      <a:noFill/>
-                    </a:lnT>
-                    <a:lnB w="12700" cmpd="sng">
-                      <a:noFill/>
-                    </a:lnB>
-                    <a:lnTlToBr w="12700" cmpd="sng">
-                      <a:noFill/>
-                      <a:prstDash val="solid"/>
-                    </a:lnTlToBr>
-                    <a:lnBlToTr w="12700" cmpd="sng">
-                      <a:noFill/>
-                      <a:prstDash val="solid"/>
-                    </a:lnBlToTr>
-                    <a:noFill/>
-                  </a:tcPr>
-                </a:tc>
-                <a:tc>
-                  <a:txBody>
-                    <a:bodyPr/>
-                    <a:lstStyle/>
-                    <a:p>
-                      <a:pPr marL="0" marR="0" lvl="0" indent="0" algn="l" defTabSz="457200" rtl="0" eaLnBrk="1" fontAlgn="auto" latinLnBrk="0" hangingPunct="1">
-                        <a:lnSpc>
-                          <a:spcPct val="100000"/>
-                        </a:lnSpc>
-                        <a:spcBef>
-                          <a:spcPct val="20000"/>
-                        </a:spcBef>
-                        <a:spcAft>
-                          <a:spcPts val="600"/>
-                        </a:spcAft>
-                        <a:buClr>
-                          <a:srgbClr val="00C6BB"/>
-                        </a:buClr>
-                        <a:buSzTx/>
-                        <a:buFont typeface="Wingdings 2" charset="2"/>
-                        <a:buNone/>
-                        <a:tabLst/>
-                        <a:defRPr/>
-                      </a:pPr>
-                      <a:endParaRPr kumimoji="0" lang="fr-FR" sz="1800" b="0" i="0" u="none" strike="noStrike" kern="1200" cap="none" spc="0" normalizeH="0" baseline="0" noProof="0" dirty="0" smtClean="0">
-                        <a:ln>
-                          <a:noFill/>
-                        </a:ln>
-                        <a:solidFill>
-                          <a:prstClr val="white"/>
-                        </a:solidFill>
-                        <a:effectLst/>
-                        <a:uLnTx/>
-                        <a:uFillTx/>
-                        <a:latin typeface="Century Gothic" panose="020B0502020202020204"/>
-                        <a:ea typeface="+mn-ea"/>
-                        <a:cs typeface="+mn-cs"/>
-                      </a:endParaRPr>
-                    </a:p>
-                    <a:p>
-                      <a:pPr marL="342900" marR="0" lvl="0" indent="-342900" algn="l" defTabSz="457200" rtl="0" eaLnBrk="1" fontAlgn="auto" latinLnBrk="0" hangingPunct="1">
-                        <a:lnSpc>
-                          <a:spcPct val="100000"/>
-                        </a:lnSpc>
-                        <a:spcBef>
-                          <a:spcPct val="20000"/>
-                        </a:spcBef>
-                        <a:spcAft>
-                          <a:spcPts val="600"/>
-                        </a:spcAft>
-                        <a:buClr>
-                          <a:srgbClr val="00C6BB"/>
-                        </a:buClr>
-                        <a:buSzTx/>
-                        <a:buFont typeface="Wingdings 2" charset="2"/>
-                        <a:buChar char=""/>
-                        <a:tabLst/>
-                        <a:defRPr/>
-                      </a:pPr>
-                      <a:r>
-                        <a:rPr kumimoji="0" lang="fr-FR" sz="1800" b="0" i="0" u="none" strike="noStrike" kern="1200" cap="none" spc="0" normalizeH="0" baseline="0" noProof="0" dirty="0" smtClean="0">
-                          <a:ln>
-                            <a:noFill/>
-                          </a:ln>
-                          <a:solidFill>
-                            <a:prstClr val="white"/>
-                          </a:solidFill>
-                          <a:effectLst/>
-                          <a:uLnTx/>
-                          <a:uFillTx/>
-                          <a:latin typeface="Century Gothic" panose="020B0502020202020204"/>
-                          <a:ea typeface="+mn-ea"/>
-                          <a:cs typeface="+mn-cs"/>
-                        </a:rPr>
-                        <a:t>Appareil de communication : </a:t>
-                      </a:r>
-                      <a:br>
-                        <a:rPr kumimoji="0" lang="fr-FR" sz="1800" b="0" i="0" u="none" strike="noStrike" kern="1200" cap="none" spc="0" normalizeH="0" baseline="0" noProof="0" dirty="0" smtClean="0">
-                          <a:ln>
-                            <a:noFill/>
-                          </a:ln>
-                          <a:solidFill>
-                            <a:prstClr val="white"/>
-                          </a:solidFill>
-                          <a:effectLst/>
-                          <a:uLnTx/>
-                          <a:uFillTx/>
-                          <a:latin typeface="Century Gothic" panose="020B0502020202020204"/>
-                          <a:ea typeface="+mn-ea"/>
-                          <a:cs typeface="+mn-cs"/>
-                        </a:rPr>
-                      </a:br>
-                      <a:r>
-                        <a:rPr kumimoji="0" lang="fr-FR" sz="1800" b="0" i="0" u="none" strike="noStrike" kern="1200" cap="none" spc="0" normalizeH="0" baseline="0" noProof="0" dirty="0" smtClean="0">
-                          <a:ln>
-                            <a:noFill/>
-                          </a:ln>
-                          <a:solidFill>
-                            <a:prstClr val="white"/>
-                          </a:solidFill>
-                          <a:effectLst/>
-                          <a:uLnTx/>
-                          <a:uFillTx/>
-                          <a:latin typeface="Century Gothic" panose="020B0502020202020204"/>
-                          <a:ea typeface="+mn-ea"/>
-                          <a:cs typeface="+mn-cs"/>
-                        </a:rPr>
-                        <a:t>Samsung </a:t>
-                      </a:r>
-                      <a:r>
-                        <a:rPr kumimoji="0" lang="fr-FR" sz="1800" b="0" i="0" u="none" strike="noStrike" kern="1200" cap="none" spc="0" normalizeH="0" baseline="0" noProof="0" dirty="0" err="1" smtClean="0">
-                          <a:ln>
-                            <a:noFill/>
-                          </a:ln>
-                          <a:solidFill>
-                            <a:prstClr val="white"/>
-                          </a:solidFill>
-                          <a:effectLst/>
-                          <a:uLnTx/>
-                          <a:uFillTx/>
-                          <a:latin typeface="Century Gothic" panose="020B0502020202020204"/>
-                          <a:ea typeface="+mn-ea"/>
-                          <a:cs typeface="+mn-cs"/>
-                        </a:rPr>
-                        <a:t>Galaxy</a:t>
-                      </a:r>
-                      <a:r>
-                        <a:rPr kumimoji="0" lang="fr-FR" sz="1800" b="0" i="0" u="none" strike="noStrike" kern="1200" cap="none" spc="0" normalizeH="0" baseline="0" noProof="0" dirty="0" smtClean="0">
-                          <a:ln>
-                            <a:noFill/>
-                          </a:ln>
-                          <a:solidFill>
-                            <a:prstClr val="white"/>
-                          </a:solidFill>
-                          <a:effectLst/>
-                          <a:uLnTx/>
-                          <a:uFillTx/>
-                          <a:latin typeface="Century Gothic" panose="020B0502020202020204"/>
-                          <a:ea typeface="+mn-ea"/>
-                          <a:cs typeface="+mn-cs"/>
-                        </a:rPr>
-                        <a:t> S6 : </a:t>
-                      </a:r>
-                      <a:endParaRPr kumimoji="0" lang="fr-FR" sz="1800" b="0" i="0" u="none" strike="noStrike" kern="1200" cap="none" spc="0" normalizeH="0" baseline="0" noProof="0" dirty="0">
-                        <a:ln>
-                          <a:noFill/>
-                        </a:ln>
-                        <a:solidFill>
-                          <a:prstClr val="white"/>
-                        </a:solidFill>
-                        <a:effectLst/>
-                        <a:uLnTx/>
-                        <a:uFillTx/>
-                        <a:latin typeface="Century Gothic" panose="020B0502020202020204"/>
-                        <a:ea typeface="+mn-ea"/>
-                        <a:cs typeface="+mn-cs"/>
-                      </a:endParaRPr>
-                    </a:p>
-                  </a:txBody>
-                  <a:tcPr>
-                    <a:lnL w="12700" cmpd="sng">
-                      <a:noFill/>
-                    </a:lnL>
-                    <a:lnR w="12700" cmpd="sng">
-                      <a:noFill/>
-                    </a:lnR>
-                    <a:lnT w="12700" cmpd="sng">
-                      <a:noFill/>
-                    </a:lnT>
-                    <a:lnB w="12700" cmpd="sng">
-                      <a:noFill/>
-                    </a:lnB>
-                    <a:lnTlToBr w="12700" cmpd="sng">
-                      <a:noFill/>
-                      <a:prstDash val="solid"/>
-                    </a:lnTlToBr>
-                    <a:lnBlToTr w="12700" cmpd="sng">
-                      <a:noFill/>
-                      <a:prstDash val="solid"/>
-                    </a:lnBlToTr>
-                    <a:noFill/>
-                  </a:tcPr>
-                </a:tc>
-                <a:extLst>
-                  <a:ext uri="{0D108BD9-81ED-4DB2-BD59-A6C34878D82A}">
-                    <a16:rowId xmlns:a16="http://schemas.microsoft.com/office/drawing/2014/main" val="2313727222"/>
-                  </a:ext>
-                </a:extLst>
-              </a:tr>
-            </a:tbl>
-          </a:graphicData>
-        </a:graphic>
-      </p:graphicFrame>
-      <p:pic>
-        <p:nvPicPr>
-          <p:cNvPr id="9" name="Image 8"/>
-          <p:cNvPicPr>
-            <a:picLocks noChangeAspect="1"/>
-          </p:cNvPicPr>
-          <p:nvPr/>
-        </p:nvPicPr>
-        <p:blipFill>
-          <a:blip r:embed="rId3">
-            <a:extLst>
-              <a:ext uri="{28A0092B-C50C-407E-A947-70E740481C1C}">
-                <a14:useLocalDpi xmlns:a14="http://schemas.microsoft.com/office/drawing/2010/main" val="0"/>
-              </a:ext>
-            </a:extLst>
-          </a:blip>
-          <a:stretch>
-            <a:fillRect/>
-          </a:stretch>
-        </p:blipFill>
-        <p:spPr>
-          <a:xfrm>
-            <a:off x="3669385" y="4680022"/>
-            <a:ext cx="1783870" cy="719717"/>
-          </a:xfrm>
-          <a:prstGeom prst="rect">
-            <a:avLst/>
-          </a:prstGeom>
-        </p:spPr>
-      </p:pic>
-      <p:pic>
-        <p:nvPicPr>
-          <p:cNvPr id="11" name="Image 10"/>
-          <p:cNvPicPr>
-            <a:picLocks noChangeAspect="1"/>
-          </p:cNvPicPr>
-          <p:nvPr/>
-        </p:nvPicPr>
-        <p:blipFill>
-          <a:blip r:embed="rId4">
-            <a:extLst>
-              <a:ext uri="{28A0092B-C50C-407E-A947-70E740481C1C}">
-                <a14:useLocalDpi xmlns:a14="http://schemas.microsoft.com/office/drawing/2010/main" val="0"/>
-              </a:ext>
-            </a:extLst>
-          </a:blip>
-          <a:stretch>
-            <a:fillRect/>
-          </a:stretch>
-        </p:blipFill>
-        <p:spPr>
-          <a:xfrm>
-            <a:off x="10350028" y="3562661"/>
-            <a:ext cx="1023258" cy="1023258"/>
-          </a:xfrm>
-          <a:prstGeom prst="rect">
-            <a:avLst/>
-          </a:prstGeom>
-        </p:spPr>
-      </p:pic>
-      <p:pic>
-        <p:nvPicPr>
-          <p:cNvPr id="13" name="Image 12"/>
-          <p:cNvPicPr>
-            <a:picLocks noChangeAspect="1"/>
-          </p:cNvPicPr>
-          <p:nvPr/>
-        </p:nvPicPr>
-        <p:blipFill>
-          <a:blip r:embed="rId5">
-            <a:extLst>
-              <a:ext uri="{28A0092B-C50C-407E-A947-70E740481C1C}">
-                <a14:useLocalDpi xmlns:a14="http://schemas.microsoft.com/office/drawing/2010/main" val="0"/>
-              </a:ext>
-            </a:extLst>
-          </a:blip>
-          <a:stretch>
-            <a:fillRect/>
-          </a:stretch>
-        </p:blipFill>
-        <p:spPr>
-          <a:xfrm>
-            <a:off x="9100457" y="4748408"/>
-            <a:ext cx="2655930" cy="1302662"/>
-          </a:xfrm>
-          <a:prstGeom prst="rect">
-            <a:avLst/>
-          </a:prstGeom>
-        </p:spPr>
-      </p:pic>
-    </p:spTree>
-    <p:extLst>
-      <p:ext uri="{BB962C8B-B14F-4D97-AF65-F5344CB8AC3E}">
-        <p14:creationId xmlns:p14="http://schemas.microsoft.com/office/powerpoint/2010/main" val="3240677908"/>
-      </p:ext>
-    </p:extLst>
-  </p:cSld>
-  <p:clrMapOvr>
-    <a:masterClrMapping/>
-  </p:clrMapOvr>
-</p:sld>
-</file>
-
-<file path=ppt/slides/slide8.xml><?xml version="1.0" encoding="utf-8"?>
-<p:sld xmlns:a="http://schemas.openxmlformats.org/drawingml/2006/main" xmlns:r="http://schemas.openxmlformats.org/officeDocument/2006/relationships" xmlns:p="http://schemas.openxmlformats.org/presentationml/2006/main">
-  <p:cSld>
-    <p:spTree>
-      <p:nvGrpSpPr>
-        <p:cNvPr id="1" name=""/>
-        <p:cNvGrpSpPr/>
-        <p:nvPr/>
-      </p:nvGrpSpPr>
-      <p:grpSpPr>
-        <a:xfrm>
-          <a:off x="0" y="0"/>
-          <a:ext cx="0" cy="0"/>
-          <a:chOff x="0" y="0"/>
-          <a:chExt cx="0" cy="0"/>
-        </a:xfrm>
-      </p:grpSpPr>
-      <p:sp>
-        <p:nvSpPr>
-          <p:cNvPr id="2" name="Titre 1"/>
-          <p:cNvSpPr>
-            <a:spLocks noGrp="1"/>
-          </p:cNvSpPr>
-          <p:nvPr>
-            <p:ph type="title"/>
-          </p:nvPr>
-        </p:nvSpPr>
-        <p:spPr/>
-        <p:txBody>
-          <a:bodyPr/>
-          <a:lstStyle/>
-          <a:p>
-            <a:r>
-              <a:rPr lang="fr-FR" dirty="0" smtClean="0"/>
-              <a:t>Romain : Démonstration (2/2)</a:t>
-            </a:r>
-            <a:endParaRPr lang="fr-FR" dirty="0"/>
-          </a:p>
-        </p:txBody>
-      </p:sp>
-      <p:pic>
-        <p:nvPicPr>
-          <p:cNvPr id="6" name="Image 5"/>
-          <p:cNvPicPr>
-            <a:picLocks noChangeAspect="1"/>
-          </p:cNvPicPr>
-          <p:nvPr/>
-        </p:nvPicPr>
-        <p:blipFill>
-          <a:blip r:embed="rId2">
-            <a:extLst>
-              <a:ext uri="{28A0092B-C50C-407E-A947-70E740481C1C}">
-                <a14:useLocalDpi xmlns:a14="http://schemas.microsoft.com/office/drawing/2010/main" val="0"/>
-              </a:ext>
-            </a:extLst>
-          </a:blip>
-          <a:stretch>
-            <a:fillRect/>
-          </a:stretch>
-        </p:blipFill>
-        <p:spPr>
-          <a:xfrm rot="16200000">
-            <a:off x="4070524" y="3090112"/>
-            <a:ext cx="1691279" cy="1559182"/>
-          </a:xfrm>
-          <a:prstGeom prst="rect">
-            <a:avLst/>
-          </a:prstGeom>
-        </p:spPr>
-      </p:pic>
-      <p:pic>
-        <p:nvPicPr>
-          <p:cNvPr id="5" name="Image 4"/>
-          <p:cNvPicPr>
-            <a:picLocks noChangeAspect="1"/>
-          </p:cNvPicPr>
-          <p:nvPr/>
-        </p:nvPicPr>
-        <p:blipFill>
-          <a:blip r:embed="rId3">
-            <a:extLst>
-              <a:ext uri="{28A0092B-C50C-407E-A947-70E740481C1C}">
-                <a14:useLocalDpi xmlns:a14="http://schemas.microsoft.com/office/drawing/2010/main" val="0"/>
-              </a:ext>
-            </a:extLst>
-          </a:blip>
-          <a:stretch>
-            <a:fillRect/>
-          </a:stretch>
-        </p:blipFill>
-        <p:spPr>
-          <a:xfrm>
-            <a:off x="4775819" y="2557975"/>
-            <a:ext cx="2623455" cy="2623455"/>
-          </a:xfrm>
-          <a:prstGeom prst="rect">
-            <a:avLst/>
-          </a:prstGeom>
-        </p:spPr>
-      </p:pic>
-      <p:pic>
-        <p:nvPicPr>
-          <p:cNvPr id="8" name="Image 7"/>
-          <p:cNvPicPr>
-            <a:picLocks noChangeAspect="1"/>
-          </p:cNvPicPr>
-          <p:nvPr/>
-        </p:nvPicPr>
-        <p:blipFill>
-          <a:blip r:embed="rId4">
-            <a:extLst>
-              <a:ext uri="{28A0092B-C50C-407E-A947-70E740481C1C}">
-                <a14:useLocalDpi xmlns:a14="http://schemas.microsoft.com/office/drawing/2010/main" val="0"/>
-              </a:ext>
-            </a:extLst>
-          </a:blip>
-          <a:stretch>
-            <a:fillRect/>
-          </a:stretch>
-        </p:blipFill>
-        <p:spPr>
-          <a:xfrm>
-            <a:off x="243837" y="2373337"/>
-            <a:ext cx="2419549" cy="2992734"/>
-          </a:xfrm>
-          <a:prstGeom prst="rect">
-            <a:avLst/>
-          </a:prstGeom>
-        </p:spPr>
-      </p:pic>
-      <p:pic>
-        <p:nvPicPr>
-          <p:cNvPr id="4" name="Espace réservé du contenu 3"/>
-          <p:cNvPicPr>
-            <a:picLocks noGrp="1" noChangeAspect="1"/>
-          </p:cNvPicPr>
-          <p:nvPr>
-            <p:ph idx="1"/>
-          </p:nvPr>
-        </p:nvPicPr>
-        <p:blipFill>
-          <a:blip r:embed="rId5">
-            <a:extLst>
-              <a:ext uri="{28A0092B-C50C-407E-A947-70E740481C1C}">
-                <a14:useLocalDpi xmlns:a14="http://schemas.microsoft.com/office/drawing/2010/main" val="0"/>
-              </a:ext>
-            </a:extLst>
-          </a:blip>
-          <a:stretch>
-            <a:fillRect/>
-          </a:stretch>
-        </p:blipFill>
-        <p:spPr>
-          <a:xfrm>
-            <a:off x="1969874" y="3102429"/>
-            <a:ext cx="1686852" cy="1689066"/>
-          </a:xfrm>
-        </p:spPr>
-      </p:pic>
-      <p:pic>
-        <p:nvPicPr>
-          <p:cNvPr id="10" name="Image 9"/>
-          <p:cNvPicPr>
-            <a:picLocks noChangeAspect="1"/>
-          </p:cNvPicPr>
-          <p:nvPr/>
-        </p:nvPicPr>
-        <p:blipFill>
-          <a:blip r:embed="rId6">
-            <a:extLst>
-              <a:ext uri="{28A0092B-C50C-407E-A947-70E740481C1C}">
-                <a14:useLocalDpi xmlns:a14="http://schemas.microsoft.com/office/drawing/2010/main" val="0"/>
-              </a:ext>
-            </a:extLst>
-          </a:blip>
-          <a:stretch>
-            <a:fillRect/>
-          </a:stretch>
-        </p:blipFill>
-        <p:spPr>
-          <a:xfrm>
-            <a:off x="8262257" y="4241148"/>
-            <a:ext cx="3929743" cy="2616852"/>
-          </a:xfrm>
-          <a:prstGeom prst="rect">
-            <a:avLst/>
-          </a:prstGeom>
-        </p:spPr>
-      </p:pic>
-      <p:sp>
-        <p:nvSpPr>
-          <p:cNvPr id="11" name="Flèche droite 10"/>
-          <p:cNvSpPr/>
-          <p:nvPr/>
-        </p:nvSpPr>
-        <p:spPr>
-          <a:xfrm rot="1032735">
-            <a:off x="7203398" y="3138069"/>
-            <a:ext cx="4048694" cy="845639"/>
-          </a:xfrm>
-          <a:prstGeom prst="rightArrow">
-            <a:avLst/>
-          </a:prstGeom>
-        </p:spPr>
-        <p:style>
-          <a:lnRef idx="2">
-            <a:schemeClr val="accent1">
-              <a:shade val="50000"/>
-            </a:schemeClr>
-          </a:lnRef>
-          <a:fillRef idx="1">
-            <a:schemeClr val="accent1"/>
-          </a:fillRef>
-          <a:effectRef idx="0">
-            <a:schemeClr val="accent1"/>
-          </a:effectRef>
-          <a:fontRef idx="minor">
-            <a:schemeClr val="lt1"/>
-          </a:fontRef>
-        </p:style>
-        <p:txBody>
-          <a:bodyPr rtlCol="0" anchor="ctr"/>
-          <a:lstStyle/>
-          <a:p>
-            <a:pPr algn="ctr"/>
-            <a:endParaRPr lang="fr-FR"/>
-          </a:p>
-        </p:txBody>
-      </p:sp>
-      <p:sp>
-        <p:nvSpPr>
-          <p:cNvPr id="3" name="ZoneTexte 2"/>
-          <p:cNvSpPr txBox="1"/>
-          <p:nvPr/>
-        </p:nvSpPr>
-        <p:spPr>
-          <a:xfrm>
-            <a:off x="9019309" y="2152996"/>
-            <a:ext cx="1803862" cy="923330"/>
-          </a:xfrm>
-          <a:prstGeom prst="rect">
-            <a:avLst/>
-          </a:prstGeom>
-          <a:noFill/>
-        </p:spPr>
-        <p:txBody>
-          <a:bodyPr wrap="square" rtlCol="0">
-            <a:spAutoFit/>
-          </a:bodyPr>
-          <a:lstStyle/>
-          <a:p>
-            <a:r>
-              <a:rPr lang="fr-FR" dirty="0" smtClean="0"/>
-              <a:t>PLUS DE DETAILS TECHNIQUES</a:t>
-            </a:r>
-            <a:endParaRPr lang="fr-FR" dirty="0"/>
-          </a:p>
-        </p:txBody>
-      </p:sp>
-    </p:spTree>
-    <p:extLst>
-      <p:ext uri="{BB962C8B-B14F-4D97-AF65-F5344CB8AC3E}">
-        <p14:creationId xmlns:p14="http://schemas.microsoft.com/office/powerpoint/2010/main" val="2891426521"/>
-      </p:ext>
-    </p:extLst>
-  </p:cSld>
-  <p:clrMapOvr>
-    <a:masterClrMapping/>
-  </p:clrMapOvr>
-</p:sld>
-</file>
-
-<file path=ppt/slides/slide9.xml><?xml version="1.0" encoding="utf-8"?>
-<p:sld xmlns:a="http://schemas.openxmlformats.org/drawingml/2006/main" xmlns:r="http://schemas.openxmlformats.org/officeDocument/2006/relationships" xmlns:p="http://schemas.openxmlformats.org/presentationml/2006/main">
-  <p:cSld>
-    <p:spTree>
-      <p:nvGrpSpPr>
-        <p:cNvPr id="1" name=""/>
-        <p:cNvGrpSpPr/>
-        <p:nvPr/>
-      </p:nvGrpSpPr>
-      <p:grpSpPr>
-        <a:xfrm>
-          <a:off x="0" y="0"/>
-          <a:ext cx="0" cy="0"/>
-          <a:chOff x="0" y="0"/>
-          <a:chExt cx="0" cy="0"/>
-        </a:xfrm>
-      </p:grpSpPr>
-      <p:sp>
-        <p:nvSpPr>
-          <p:cNvPr id="2" name="Titre 1"/>
-          <p:cNvSpPr>
-            <a:spLocks noGrp="1"/>
-          </p:cNvSpPr>
-          <p:nvPr>
-            <p:ph type="title"/>
-          </p:nvPr>
-        </p:nvSpPr>
-        <p:spPr/>
-        <p:txBody>
-          <a:bodyPr/>
-          <a:lstStyle/>
-          <a:p>
             <a:pPr lvl="1" algn="ctr" defTabSz="457200" rtl="0">
               <a:spcBef>
                 <a:spcPct val="0"/>
               </a:spcBef>
             </a:pPr>
             <a:r>
-              <a:rPr lang="fr-FR" sz="3200" b="1" dirty="0" smtClean="0">
-                <a:solidFill>
-                  <a:schemeClr val="tx1"/>
-                </a:solidFill>
-              </a:rPr>
-              <a:t>Mohamed : Mise </a:t>
-            </a:r>
-            <a:r>
               <a:rPr lang="fr-FR" sz="3200" b="1" dirty="0">
                 <a:solidFill>
                   <a:schemeClr val="tx1"/>
                 </a:solidFill>
               </a:rPr>
-              <a:t>en place de la communication entre l’application Android et le serveur</a:t>
-            </a:r>
-            <a:r>
-              <a:rPr lang="fr-FR" sz="3200" b="1" dirty="0" smtClean="0">
-                <a:solidFill>
-                  <a:schemeClr val="tx1"/>
-                </a:solidFill>
-              </a:rPr>
-              <a:t>. (1/3)</a:t>
-            </a:r>
-            <a:endParaRPr lang="fr-FR" sz="3200" b="1" dirty="0">
-              <a:solidFill>
-                <a:schemeClr val="tx1"/>
-              </a:solidFill>
-            </a:endParaRPr>
+              <a:t>Mohamed : Mise en place de la communication entre l’application Android et le serveur. (1/3)</a:t>
+            </a:r>
           </a:p>
         </p:txBody>
       </p:sp>
@@ -9744,14 +6548,14 @@
           <a:p>
             <a:pPr algn="ctr"/>
             <a:r>
-              <a:rPr lang="fr-FR" sz="1400" dirty="0" smtClean="0"/>
+              <a:rPr lang="fr-FR" sz="1400" dirty="0"/>
               <a:t>Smartphone Android</a:t>
             </a:r>
           </a:p>
           <a:p>
             <a:pPr algn="ctr"/>
             <a:r>
-              <a:rPr lang="fr-FR" sz="1400" dirty="0" smtClean="0"/>
+              <a:rPr lang="fr-FR" sz="1400" dirty="0"/>
               <a:t>Librairie : </a:t>
             </a:r>
             <a:r>
@@ -9766,15 +6570,13 @@
               <a:rPr lang="fr-FR" sz="1400" b="1" dirty="0"/>
               <a:t> </a:t>
             </a:r>
-            <a:endParaRPr lang="fr-FR" sz="1400" b="1" dirty="0" smtClean="0"/>
           </a:p>
           <a:p>
             <a:pPr algn="ctr"/>
             <a:r>
-              <a:rPr lang="fr-FR" sz="1400" b="1" dirty="0" smtClean="0"/>
+              <a:rPr lang="fr-FR" sz="1400" b="1" dirty="0"/>
               <a:t>Http Client(Auteur : James Smith)</a:t>
             </a:r>
-            <a:endParaRPr lang="fr-FR" sz="1400" b="1" dirty="0"/>
           </a:p>
           <a:p>
             <a:pPr algn="ctr"/>
@@ -9914,10 +6716,9 @@
             <a:lstStyle/>
             <a:p>
               <a:r>
-                <a:rPr lang="fr-FR" dirty="0" smtClean="0"/>
+                <a:rPr lang="fr-FR" dirty="0"/>
                 <a:t>Données de la vidéo (JSON)</a:t>
               </a:r>
-              <a:endParaRPr lang="fr-FR" dirty="0"/>
             </a:p>
           </p:txBody>
         </p:sp>
@@ -9953,15 +6754,7 @@
             <a:pPr algn="ctr"/>
             <a:r>
               <a:rPr lang="fr-FR" sz="1600" dirty="0"/>
-              <a:t>On passe en </a:t>
-            </a:r>
-            <a:r>
-              <a:rPr lang="fr-FR" sz="1600" dirty="0" smtClean="0"/>
-              <a:t>paramètre </a:t>
-            </a:r>
-            <a:r>
-              <a:rPr lang="fr-FR" sz="1600" dirty="0"/>
-              <a:t>l’id du monument </a:t>
+              <a:t>On passe en paramètre l’id du monument </a:t>
             </a:r>
           </a:p>
         </p:txBody>
@@ -9990,21 +6783,20 @@
           <a:p>
             <a:pPr algn="ctr"/>
             <a:r>
-              <a:rPr lang="fr-FR" sz="1400" dirty="0" smtClean="0"/>
+              <a:rPr lang="fr-FR" sz="1400" dirty="0"/>
               <a:t>Serveur Debian</a:t>
             </a:r>
           </a:p>
           <a:p>
             <a:pPr algn="ctr"/>
             <a:r>
-              <a:rPr lang="fr-FR" sz="1400" dirty="0" smtClean="0"/>
+              <a:rPr lang="fr-FR" sz="1400" dirty="0"/>
               <a:t>Technologies : </a:t>
             </a:r>
             <a:r>
-              <a:rPr lang="fr-FR" sz="1400" b="1" dirty="0" smtClean="0"/>
+              <a:rPr lang="fr-FR" sz="1400" b="1" dirty="0"/>
               <a:t>MySQL, PHP</a:t>
             </a:r>
-            <a:endParaRPr lang="fr-FR" sz="1400" b="1" dirty="0"/>
           </a:p>
           <a:p>
             <a:pPr algn="ctr"/>
@@ -10035,7 +6827,7 @@
           <a:lstStyle/>
           <a:p>
             <a:r>
-              <a:rPr lang="fr-FR" sz="1200" dirty="0" smtClean="0"/>
+              <a:rPr lang="fr-FR" sz="1200" dirty="0"/>
               <a:t>Exemple de réponse : </a:t>
             </a:r>
           </a:p>
@@ -10047,7 +6839,7 @@
           </a:p>
           <a:p>
             <a:r>
-              <a:rPr lang="fr-FR" sz="1200" dirty="0" smtClean="0"/>
+              <a:rPr lang="fr-FR" sz="1200" dirty="0"/>
               <a:t>     "</a:t>
             </a:r>
             <a:r>
@@ -10079,6 +6871,3708 @@
     <p:extLst>
       <p:ext uri="{BB962C8B-B14F-4D97-AF65-F5344CB8AC3E}">
         <p14:creationId xmlns:p14="http://schemas.microsoft.com/office/powerpoint/2010/main" val="1869206848"/>
+      </p:ext>
+    </p:extLst>
+  </p:cSld>
+  <p:clrMapOvr>
+    <a:masterClrMapping/>
+  </p:clrMapOvr>
+</p:sld>
+</file>
+
+<file path=ppt/slides/slide15.xml><?xml version="1.0" encoding="utf-8"?>
+<p:sld xmlns:a="http://schemas.openxmlformats.org/drawingml/2006/main" xmlns:r="http://schemas.openxmlformats.org/officeDocument/2006/relationships" xmlns:p="http://schemas.openxmlformats.org/presentationml/2006/main">
+  <p:cSld>
+    <p:spTree>
+      <p:nvGrpSpPr>
+        <p:cNvPr id="1" name=""/>
+        <p:cNvGrpSpPr/>
+        <p:nvPr/>
+      </p:nvGrpSpPr>
+      <p:grpSpPr>
+        <a:xfrm>
+          <a:off x="0" y="0"/>
+          <a:ext cx="0" cy="0"/>
+          <a:chOff x="0" y="0"/>
+          <a:chExt cx="0" cy="0"/>
+        </a:xfrm>
+      </p:grpSpPr>
+      <p:sp>
+        <p:nvSpPr>
+          <p:cNvPr id="2" name="Titre 1"/>
+          <p:cNvSpPr>
+            <a:spLocks noGrp="1"/>
+          </p:cNvSpPr>
+          <p:nvPr>
+            <p:ph type="title"/>
+          </p:nvPr>
+        </p:nvSpPr>
+        <p:spPr>
+          <a:xfrm>
+            <a:off x="810000" y="559922"/>
+            <a:ext cx="10571998" cy="970450"/>
+          </a:xfrm>
+        </p:spPr>
+        <p:txBody>
+          <a:bodyPr/>
+          <a:lstStyle/>
+          <a:p>
+            <a:pPr algn="ctr"/>
+            <a:r>
+              <a:rPr lang="fr-FR" sz="2800" dirty="0">
+                <a:solidFill>
+                  <a:schemeClr val="tx1"/>
+                </a:solidFill>
+              </a:rPr>
+              <a:t>Mohamed : </a:t>
+            </a:r>
+            <a:r>
+              <a:rPr lang="fr-FR" sz="3000" dirty="0">
+                <a:solidFill>
+                  <a:schemeClr val="tx1"/>
+                </a:solidFill>
+              </a:rPr>
+              <a:t>Mise en place de la communication entre l’application Android et le serveur. (2/3)</a:t>
+            </a:r>
+            <a:endParaRPr lang="fr-FR" sz="3000" dirty="0"/>
+          </a:p>
+        </p:txBody>
+      </p:sp>
+      <p:pic>
+        <p:nvPicPr>
+          <p:cNvPr id="4" name="Espace réservé du contenu 5"/>
+          <p:cNvPicPr>
+            <a:picLocks noGrp="1" noChangeAspect="1"/>
+          </p:cNvPicPr>
+          <p:nvPr>
+            <p:ph idx="1"/>
+          </p:nvPr>
+        </p:nvPicPr>
+        <p:blipFill>
+          <a:blip r:embed="rId2">
+            <a:extLst>
+              <a:ext uri="{28A0092B-C50C-407E-A947-70E740481C1C}">
+                <a14:useLocalDpi xmlns:a14="http://schemas.microsoft.com/office/drawing/2010/main" val="0"/>
+              </a:ext>
+            </a:extLst>
+          </a:blip>
+          <a:stretch>
+            <a:fillRect/>
+          </a:stretch>
+        </p:blipFill>
+        <p:spPr>
+          <a:xfrm>
+            <a:off x="1044887" y="2986272"/>
+            <a:ext cx="1660732" cy="2657171"/>
+          </a:xfrm>
+        </p:spPr>
+      </p:pic>
+      <p:sp>
+        <p:nvSpPr>
+          <p:cNvPr id="5" name="Flèche courbée vers la gauche 4"/>
+          <p:cNvSpPr/>
+          <p:nvPr/>
+        </p:nvSpPr>
+        <p:spPr>
+          <a:xfrm>
+            <a:off x="2968667" y="3033650"/>
+            <a:ext cx="638827" cy="800840"/>
+          </a:xfrm>
+          <a:prstGeom prst="curvedLeftArrow">
+            <a:avLst/>
+          </a:prstGeom>
+        </p:spPr>
+        <p:style>
+          <a:lnRef idx="2">
+            <a:schemeClr val="accent1">
+              <a:shade val="50000"/>
+            </a:schemeClr>
+          </a:lnRef>
+          <a:fillRef idx="1">
+            <a:schemeClr val="accent1"/>
+          </a:fillRef>
+          <a:effectRef idx="0">
+            <a:schemeClr val="accent1"/>
+          </a:effectRef>
+          <a:fontRef idx="minor">
+            <a:schemeClr val="lt1"/>
+          </a:fontRef>
+        </p:style>
+        <p:txBody>
+          <a:bodyPr rtlCol="0" anchor="ctr"/>
+          <a:lstStyle/>
+          <a:p>
+            <a:pPr algn="ctr"/>
+            <a:endParaRPr lang="fr-FR">
+              <a:solidFill>
+                <a:schemeClr val="tx1"/>
+              </a:solidFill>
+            </a:endParaRPr>
+          </a:p>
+        </p:txBody>
+      </p:sp>
+      <p:sp>
+        <p:nvSpPr>
+          <p:cNvPr id="6" name="ZoneTexte 5"/>
+          <p:cNvSpPr txBox="1"/>
+          <p:nvPr/>
+        </p:nvSpPr>
+        <p:spPr>
+          <a:xfrm>
+            <a:off x="3870542" y="3138369"/>
+            <a:ext cx="4703532" cy="369332"/>
+          </a:xfrm>
+          <a:prstGeom prst="rect">
+            <a:avLst/>
+          </a:prstGeom>
+          <a:noFill/>
+        </p:spPr>
+        <p:txBody>
+          <a:bodyPr wrap="none" rtlCol="0">
+            <a:spAutoFit/>
+          </a:bodyPr>
+          <a:lstStyle/>
+          <a:p>
+            <a:r>
+              <a:rPr lang="fr-FR" dirty="0"/>
+              <a:t>Vérification de la réponse par le serveur.</a:t>
+            </a:r>
+          </a:p>
+        </p:txBody>
+      </p:sp>
+      <p:sp>
+        <p:nvSpPr>
+          <p:cNvPr id="7" name="Flèche courbée vers la gauche 6"/>
+          <p:cNvSpPr/>
+          <p:nvPr/>
+        </p:nvSpPr>
+        <p:spPr>
+          <a:xfrm>
+            <a:off x="2968666" y="4842603"/>
+            <a:ext cx="638827" cy="800840"/>
+          </a:xfrm>
+          <a:prstGeom prst="curvedLeftArrow">
+            <a:avLst/>
+          </a:prstGeom>
+        </p:spPr>
+        <p:style>
+          <a:lnRef idx="2">
+            <a:schemeClr val="accent1">
+              <a:shade val="50000"/>
+            </a:schemeClr>
+          </a:lnRef>
+          <a:fillRef idx="1">
+            <a:schemeClr val="accent1"/>
+          </a:fillRef>
+          <a:effectRef idx="0">
+            <a:schemeClr val="accent1"/>
+          </a:effectRef>
+          <a:fontRef idx="minor">
+            <a:schemeClr val="lt1"/>
+          </a:fontRef>
+        </p:style>
+        <p:txBody>
+          <a:bodyPr rtlCol="0" anchor="ctr"/>
+          <a:lstStyle/>
+          <a:p>
+            <a:pPr algn="ctr"/>
+            <a:endParaRPr lang="fr-FR">
+              <a:solidFill>
+                <a:schemeClr val="tx1"/>
+              </a:solidFill>
+            </a:endParaRPr>
+          </a:p>
+        </p:txBody>
+      </p:sp>
+      <p:sp>
+        <p:nvSpPr>
+          <p:cNvPr id="8" name="ZoneTexte 7"/>
+          <p:cNvSpPr txBox="1"/>
+          <p:nvPr/>
+        </p:nvSpPr>
+        <p:spPr>
+          <a:xfrm>
+            <a:off x="3870540" y="5058357"/>
+            <a:ext cx="7045518" cy="369332"/>
+          </a:xfrm>
+          <a:prstGeom prst="rect">
+            <a:avLst/>
+          </a:prstGeom>
+          <a:noFill/>
+        </p:spPr>
+        <p:txBody>
+          <a:bodyPr wrap="none" rtlCol="0">
+            <a:spAutoFit/>
+          </a:bodyPr>
+          <a:lstStyle/>
+          <a:p>
+            <a:r>
+              <a:rPr lang="fr-FR" dirty="0"/>
+              <a:t>L’application lance l’application </a:t>
+            </a:r>
+            <a:r>
+              <a:rPr lang="fr-FR" dirty="0" err="1"/>
+              <a:t>Youtube</a:t>
+            </a:r>
+            <a:r>
+              <a:rPr lang="fr-FR" dirty="0"/>
+              <a:t> et affiche la vidéo.</a:t>
+            </a:r>
+          </a:p>
+        </p:txBody>
+      </p:sp>
+      <p:sp>
+        <p:nvSpPr>
+          <p:cNvPr id="9" name="ZoneTexte 8"/>
+          <p:cNvSpPr txBox="1"/>
+          <p:nvPr/>
+        </p:nvSpPr>
+        <p:spPr>
+          <a:xfrm>
+            <a:off x="3870542" y="4130191"/>
+            <a:ext cx="721672" cy="369332"/>
+          </a:xfrm>
+          <a:prstGeom prst="rect">
+            <a:avLst/>
+          </a:prstGeom>
+          <a:noFill/>
+        </p:spPr>
+        <p:txBody>
+          <a:bodyPr wrap="none" rtlCol="0">
+            <a:spAutoFit/>
+          </a:bodyPr>
+          <a:lstStyle/>
+          <a:p>
+            <a:r>
+              <a:rPr lang="fr-FR" dirty="0"/>
+              <a:t>OK ?</a:t>
+            </a:r>
+          </a:p>
+        </p:txBody>
+      </p:sp>
+    </p:spTree>
+    <p:extLst>
+      <p:ext uri="{BB962C8B-B14F-4D97-AF65-F5344CB8AC3E}">
+        <p14:creationId xmlns:p14="http://schemas.microsoft.com/office/powerpoint/2010/main" val="553128704"/>
+      </p:ext>
+    </p:extLst>
+  </p:cSld>
+  <p:clrMapOvr>
+    <a:masterClrMapping/>
+  </p:clrMapOvr>
+</p:sld>
+</file>
+
+<file path=ppt/slides/slide16.xml><?xml version="1.0" encoding="utf-8"?>
+<p:sld xmlns:a="http://schemas.openxmlformats.org/drawingml/2006/main" xmlns:r="http://schemas.openxmlformats.org/officeDocument/2006/relationships" xmlns:p="http://schemas.openxmlformats.org/presentationml/2006/main">
+  <p:cSld>
+    <p:spTree>
+      <p:nvGrpSpPr>
+        <p:cNvPr id="1" name=""/>
+        <p:cNvGrpSpPr/>
+        <p:nvPr/>
+      </p:nvGrpSpPr>
+      <p:grpSpPr>
+        <a:xfrm>
+          <a:off x="0" y="0"/>
+          <a:ext cx="0" cy="0"/>
+          <a:chOff x="0" y="0"/>
+          <a:chExt cx="0" cy="0"/>
+        </a:xfrm>
+      </p:grpSpPr>
+      <p:sp>
+        <p:nvSpPr>
+          <p:cNvPr id="2" name="Titre 1"/>
+          <p:cNvSpPr>
+            <a:spLocks noGrp="1"/>
+          </p:cNvSpPr>
+          <p:nvPr>
+            <p:ph type="title"/>
+          </p:nvPr>
+        </p:nvSpPr>
+        <p:spPr>
+          <a:xfrm>
+            <a:off x="784948" y="551144"/>
+            <a:ext cx="10571998" cy="766285"/>
+          </a:xfrm>
+        </p:spPr>
+        <p:txBody>
+          <a:bodyPr/>
+          <a:lstStyle/>
+          <a:p>
+            <a:pPr algn="ctr"/>
+            <a:r>
+              <a:rPr lang="fr-FR" sz="3000" dirty="0"/>
+              <a:t>Mohamed : Diagramme de classe </a:t>
+            </a:r>
+            <a:br>
+              <a:rPr lang="fr-FR" sz="3000" dirty="0"/>
+            </a:br>
+            <a:r>
+              <a:rPr lang="fr-FR" sz="3000" dirty="0"/>
+              <a:t>Communication (3/3)</a:t>
+            </a:r>
+          </a:p>
+        </p:txBody>
+      </p:sp>
+      <p:pic>
+        <p:nvPicPr>
+          <p:cNvPr id="4" name="Image 3"/>
+          <p:cNvPicPr>
+            <a:picLocks noChangeAspect="1"/>
+          </p:cNvPicPr>
+          <p:nvPr/>
+        </p:nvPicPr>
+        <p:blipFill>
+          <a:blip r:embed="rId2">
+            <a:extLst>
+              <a:ext uri="{28A0092B-C50C-407E-A947-70E740481C1C}">
+                <a14:useLocalDpi xmlns:a14="http://schemas.microsoft.com/office/drawing/2010/main" val="0"/>
+              </a:ext>
+            </a:extLst>
+          </a:blip>
+          <a:stretch>
+            <a:fillRect/>
+          </a:stretch>
+        </p:blipFill>
+        <p:spPr>
+          <a:xfrm>
+            <a:off x="1444737" y="2314613"/>
+            <a:ext cx="9252420" cy="4286603"/>
+          </a:xfrm>
+          <a:prstGeom prst="rect">
+            <a:avLst/>
+          </a:prstGeom>
+        </p:spPr>
+      </p:pic>
+    </p:spTree>
+    <p:extLst>
+      <p:ext uri="{BB962C8B-B14F-4D97-AF65-F5344CB8AC3E}">
+        <p14:creationId xmlns:p14="http://schemas.microsoft.com/office/powerpoint/2010/main" val="3731210647"/>
+      </p:ext>
+    </p:extLst>
+  </p:cSld>
+  <p:clrMapOvr>
+    <a:masterClrMapping/>
+  </p:clrMapOvr>
+</p:sld>
+</file>
+
+<file path=ppt/slides/slide17.xml><?xml version="1.0" encoding="utf-8"?>
+<p:sld xmlns:a="http://schemas.openxmlformats.org/drawingml/2006/main" xmlns:r="http://schemas.openxmlformats.org/officeDocument/2006/relationships" xmlns:p="http://schemas.openxmlformats.org/presentationml/2006/main">
+  <p:cSld>
+    <p:spTree>
+      <p:nvGrpSpPr>
+        <p:cNvPr id="1" name=""/>
+        <p:cNvGrpSpPr/>
+        <p:nvPr/>
+      </p:nvGrpSpPr>
+      <p:grpSpPr>
+        <a:xfrm>
+          <a:off x="0" y="0"/>
+          <a:ext cx="0" cy="0"/>
+          <a:chOff x="0" y="0"/>
+          <a:chExt cx="0" cy="0"/>
+        </a:xfrm>
+      </p:grpSpPr>
+      <p:sp>
+        <p:nvSpPr>
+          <p:cNvPr id="2" name="Titre 1"/>
+          <p:cNvSpPr>
+            <a:spLocks noGrp="1"/>
+          </p:cNvSpPr>
+          <p:nvPr>
+            <p:ph type="title"/>
+          </p:nvPr>
+        </p:nvSpPr>
+        <p:spPr/>
+        <p:txBody>
+          <a:bodyPr/>
+          <a:lstStyle/>
+          <a:p>
+            <a:r>
+              <a:rPr lang="fr-FR" dirty="0"/>
+              <a:t>Gaël : Mise en place du Serveur (1/4)</a:t>
+            </a:r>
+          </a:p>
+        </p:txBody>
+      </p:sp>
+      <p:sp>
+        <p:nvSpPr>
+          <p:cNvPr id="3" name="Espace réservé du contenu 2"/>
+          <p:cNvSpPr>
+            <a:spLocks noGrp="1"/>
+          </p:cNvSpPr>
+          <p:nvPr>
+            <p:ph idx="1"/>
+          </p:nvPr>
+        </p:nvSpPr>
+        <p:spPr>
+          <a:xfrm>
+            <a:off x="810000" y="2036619"/>
+            <a:ext cx="10554574" cy="1594369"/>
+          </a:xfrm>
+        </p:spPr>
+        <p:txBody>
+          <a:bodyPr/>
+          <a:lstStyle/>
+          <a:p>
+            <a:r>
+              <a:rPr lang="fr-FR" dirty="0"/>
+              <a:t>Installation de l’environnement</a:t>
+            </a:r>
+          </a:p>
+          <a:p>
+            <a:pPr marL="0" indent="0">
+              <a:buNone/>
+            </a:pPr>
+            <a:endParaRPr lang="fr-FR" dirty="0"/>
+          </a:p>
+        </p:txBody>
+      </p:sp>
+      <p:pic>
+        <p:nvPicPr>
+          <p:cNvPr id="5" name="Image 4"/>
+          <p:cNvPicPr>
+            <a:picLocks noChangeAspect="1"/>
+          </p:cNvPicPr>
+          <p:nvPr/>
+        </p:nvPicPr>
+        <p:blipFill>
+          <a:blip r:embed="rId2">
+            <a:extLst>
+              <a:ext uri="{28A0092B-C50C-407E-A947-70E740481C1C}">
+                <a14:useLocalDpi xmlns:a14="http://schemas.microsoft.com/office/drawing/2010/main" val="0"/>
+              </a:ext>
+            </a:extLst>
+          </a:blip>
+          <a:stretch>
+            <a:fillRect/>
+          </a:stretch>
+        </p:blipFill>
+        <p:spPr>
+          <a:xfrm>
+            <a:off x="2658715" y="3120353"/>
+            <a:ext cx="6857143" cy="3111111"/>
+          </a:xfrm>
+          <a:prstGeom prst="rect">
+            <a:avLst/>
+          </a:prstGeom>
+        </p:spPr>
+      </p:pic>
+    </p:spTree>
+    <p:extLst>
+      <p:ext uri="{BB962C8B-B14F-4D97-AF65-F5344CB8AC3E}">
+        <p14:creationId xmlns:p14="http://schemas.microsoft.com/office/powerpoint/2010/main" val="2285957563"/>
+      </p:ext>
+    </p:extLst>
+  </p:cSld>
+  <p:clrMapOvr>
+    <a:masterClrMapping/>
+  </p:clrMapOvr>
+</p:sld>
+</file>
+
+<file path=ppt/slides/slide18.xml><?xml version="1.0" encoding="utf-8"?>
+<p:sld xmlns:a="http://schemas.openxmlformats.org/drawingml/2006/main" xmlns:r="http://schemas.openxmlformats.org/officeDocument/2006/relationships" xmlns:p="http://schemas.openxmlformats.org/presentationml/2006/main">
+  <p:cSld>
+    <p:spTree>
+      <p:nvGrpSpPr>
+        <p:cNvPr id="1" name=""/>
+        <p:cNvGrpSpPr/>
+        <p:nvPr/>
+      </p:nvGrpSpPr>
+      <p:grpSpPr>
+        <a:xfrm>
+          <a:off x="0" y="0"/>
+          <a:ext cx="0" cy="0"/>
+          <a:chOff x="0" y="0"/>
+          <a:chExt cx="0" cy="0"/>
+        </a:xfrm>
+      </p:grpSpPr>
+      <p:sp>
+        <p:nvSpPr>
+          <p:cNvPr id="2" name="Titre 1"/>
+          <p:cNvSpPr>
+            <a:spLocks noGrp="1"/>
+          </p:cNvSpPr>
+          <p:nvPr>
+            <p:ph type="title"/>
+          </p:nvPr>
+        </p:nvSpPr>
+        <p:spPr>
+          <a:xfrm>
+            <a:off x="801288" y="413937"/>
+            <a:ext cx="10571998" cy="970450"/>
+          </a:xfrm>
+        </p:spPr>
+        <p:txBody>
+          <a:bodyPr/>
+          <a:lstStyle/>
+          <a:p>
+            <a:r>
+              <a:rPr lang="fr-FR" dirty="0"/>
+              <a:t>Gaël : Création du </a:t>
+            </a:r>
+            <a:r>
+              <a:rPr lang="fr-FR" dirty="0" err="1"/>
+              <a:t>Webservice</a:t>
+            </a:r>
+            <a:r>
+              <a:rPr lang="fr-FR" dirty="0"/>
+              <a:t> (2/4)</a:t>
+            </a:r>
+          </a:p>
+        </p:txBody>
+      </p:sp>
+      <p:sp>
+        <p:nvSpPr>
+          <p:cNvPr id="3" name="Espace réservé du contenu 2"/>
+          <p:cNvSpPr>
+            <a:spLocks noGrp="1"/>
+          </p:cNvSpPr>
+          <p:nvPr>
+            <p:ph idx="1"/>
+          </p:nvPr>
+        </p:nvSpPr>
+        <p:spPr>
+          <a:xfrm>
+            <a:off x="801288" y="2335876"/>
+            <a:ext cx="10554574" cy="887787"/>
+          </a:xfrm>
+        </p:spPr>
+        <p:txBody>
+          <a:bodyPr/>
+          <a:lstStyle/>
+          <a:p>
+            <a:r>
+              <a:rPr lang="fr-FR" dirty="0"/>
+              <a:t> Architecture REST</a:t>
+            </a:r>
+          </a:p>
+        </p:txBody>
+      </p:sp>
+      <p:pic>
+        <p:nvPicPr>
+          <p:cNvPr id="4" name="Image 3"/>
+          <p:cNvPicPr>
+            <a:picLocks noChangeAspect="1"/>
+          </p:cNvPicPr>
+          <p:nvPr/>
+        </p:nvPicPr>
+        <p:blipFill>
+          <a:blip r:embed="rId2">
+            <a:extLst>
+              <a:ext uri="{28A0092B-C50C-407E-A947-70E740481C1C}">
+                <a14:useLocalDpi xmlns:a14="http://schemas.microsoft.com/office/drawing/2010/main" val="0"/>
+              </a:ext>
+            </a:extLst>
+          </a:blip>
+          <a:stretch>
+            <a:fillRect/>
+          </a:stretch>
+        </p:blipFill>
+        <p:spPr>
+          <a:xfrm>
+            <a:off x="4120374" y="3381894"/>
+            <a:ext cx="3933825" cy="2438400"/>
+          </a:xfrm>
+          <a:prstGeom prst="rect">
+            <a:avLst/>
+          </a:prstGeom>
+        </p:spPr>
+      </p:pic>
+    </p:spTree>
+    <p:extLst>
+      <p:ext uri="{BB962C8B-B14F-4D97-AF65-F5344CB8AC3E}">
+        <p14:creationId xmlns:p14="http://schemas.microsoft.com/office/powerpoint/2010/main" val="4085360741"/>
+      </p:ext>
+    </p:extLst>
+  </p:cSld>
+  <p:clrMapOvr>
+    <a:masterClrMapping/>
+  </p:clrMapOvr>
+</p:sld>
+</file>
+
+<file path=ppt/slides/slide19.xml><?xml version="1.0" encoding="utf-8"?>
+<p:sld xmlns:a="http://schemas.openxmlformats.org/drawingml/2006/main" xmlns:r="http://schemas.openxmlformats.org/officeDocument/2006/relationships" xmlns:p="http://schemas.openxmlformats.org/presentationml/2006/main">
+  <p:cSld>
+    <p:spTree>
+      <p:nvGrpSpPr>
+        <p:cNvPr id="1" name=""/>
+        <p:cNvGrpSpPr/>
+        <p:nvPr/>
+      </p:nvGrpSpPr>
+      <p:grpSpPr>
+        <a:xfrm>
+          <a:off x="0" y="0"/>
+          <a:ext cx="0" cy="0"/>
+          <a:chOff x="0" y="0"/>
+          <a:chExt cx="0" cy="0"/>
+        </a:xfrm>
+      </p:grpSpPr>
+      <p:sp>
+        <p:nvSpPr>
+          <p:cNvPr id="2" name="Titre 1"/>
+          <p:cNvSpPr>
+            <a:spLocks noGrp="1"/>
+          </p:cNvSpPr>
+          <p:nvPr>
+            <p:ph type="title"/>
+          </p:nvPr>
+        </p:nvSpPr>
+        <p:spPr/>
+        <p:txBody>
+          <a:bodyPr/>
+          <a:lstStyle/>
+          <a:p>
+            <a:r>
+              <a:rPr lang="fr-FR" dirty="0"/>
+              <a:t>Gaël : Réalisation d’un Backoffice (3/4)</a:t>
+            </a:r>
+          </a:p>
+        </p:txBody>
+      </p:sp>
+      <p:sp>
+        <p:nvSpPr>
+          <p:cNvPr id="5" name="Espace réservé du contenu 4"/>
+          <p:cNvSpPr>
+            <a:spLocks noGrp="1"/>
+          </p:cNvSpPr>
+          <p:nvPr>
+            <p:ph idx="1"/>
+          </p:nvPr>
+        </p:nvSpPr>
+        <p:spPr>
+          <a:xfrm>
+            <a:off x="810000" y="2236124"/>
+            <a:ext cx="10554574" cy="937663"/>
+          </a:xfrm>
+        </p:spPr>
+        <p:txBody>
+          <a:bodyPr/>
+          <a:lstStyle/>
+          <a:p>
+            <a:r>
+              <a:rPr lang="fr-FR" dirty="0"/>
+              <a:t>A quoi sert le backoffice ?</a:t>
+            </a:r>
+          </a:p>
+        </p:txBody>
+      </p:sp>
+      <p:pic>
+        <p:nvPicPr>
+          <p:cNvPr id="7" name="Image 6"/>
+          <p:cNvPicPr>
+            <a:picLocks noChangeAspect="1"/>
+          </p:cNvPicPr>
+          <p:nvPr/>
+        </p:nvPicPr>
+        <p:blipFill>
+          <a:blip r:embed="rId2">
+            <a:extLst>
+              <a:ext uri="{28A0092B-C50C-407E-A947-70E740481C1C}">
+                <a14:useLocalDpi xmlns:a14="http://schemas.microsoft.com/office/drawing/2010/main" val="0"/>
+              </a:ext>
+            </a:extLst>
+          </a:blip>
+          <a:stretch>
+            <a:fillRect/>
+          </a:stretch>
+        </p:blipFill>
+        <p:spPr>
+          <a:xfrm>
+            <a:off x="3029762" y="3338599"/>
+            <a:ext cx="6115050" cy="2857500"/>
+          </a:xfrm>
+          <a:prstGeom prst="rect">
+            <a:avLst/>
+          </a:prstGeom>
+        </p:spPr>
+      </p:pic>
+    </p:spTree>
+    <p:extLst>
+      <p:ext uri="{BB962C8B-B14F-4D97-AF65-F5344CB8AC3E}">
+        <p14:creationId xmlns:p14="http://schemas.microsoft.com/office/powerpoint/2010/main" val="2746981086"/>
+      </p:ext>
+    </p:extLst>
+  </p:cSld>
+  <p:clrMapOvr>
+    <a:masterClrMapping/>
+  </p:clrMapOvr>
+</p:sld>
+</file>
+
+<file path=ppt/slides/slide2.xml><?xml version="1.0" encoding="utf-8"?>
+<p:sld xmlns:a="http://schemas.openxmlformats.org/drawingml/2006/main" xmlns:r="http://schemas.openxmlformats.org/officeDocument/2006/relationships" xmlns:p="http://schemas.openxmlformats.org/presentationml/2006/main">
+  <p:cSld>
+    <p:spTree>
+      <p:nvGrpSpPr>
+        <p:cNvPr id="1" name=""/>
+        <p:cNvGrpSpPr/>
+        <p:nvPr/>
+      </p:nvGrpSpPr>
+      <p:grpSpPr>
+        <a:xfrm>
+          <a:off x="0" y="0"/>
+          <a:ext cx="0" cy="0"/>
+          <a:chOff x="0" y="0"/>
+          <a:chExt cx="0" cy="0"/>
+        </a:xfrm>
+      </p:grpSpPr>
+      <p:sp>
+        <p:nvSpPr>
+          <p:cNvPr id="2" name="Titre 1"/>
+          <p:cNvSpPr>
+            <a:spLocks noGrp="1"/>
+          </p:cNvSpPr>
+          <p:nvPr>
+            <p:ph type="title"/>
+          </p:nvPr>
+        </p:nvSpPr>
+        <p:spPr/>
+        <p:txBody>
+          <a:bodyPr/>
+          <a:lstStyle/>
+          <a:p>
+            <a:r>
+              <a:rPr lang="fr-FR" dirty="0"/>
+              <a:t>Sommaire</a:t>
+            </a:r>
+          </a:p>
+        </p:txBody>
+      </p:sp>
+      <p:sp>
+        <p:nvSpPr>
+          <p:cNvPr id="3" name="Espace réservé du contenu 2"/>
+          <p:cNvSpPr>
+            <a:spLocks noGrp="1"/>
+          </p:cNvSpPr>
+          <p:nvPr>
+            <p:ph idx="1"/>
+          </p:nvPr>
+        </p:nvSpPr>
+        <p:spPr/>
+        <p:txBody>
+          <a:bodyPr>
+            <a:normAutofit lnSpcReduction="10000"/>
+          </a:bodyPr>
+          <a:lstStyle/>
+          <a:p>
+            <a:r>
+              <a:rPr lang="fr-FR" dirty="0"/>
+              <a:t>Introduction</a:t>
+            </a:r>
+          </a:p>
+          <a:p>
+            <a:r>
+              <a:rPr lang="fr-FR" dirty="0"/>
+              <a:t>Objectifs</a:t>
+            </a:r>
+          </a:p>
+          <a:p>
+            <a:r>
+              <a:rPr lang="fr-FR" dirty="0"/>
+              <a:t>Répartition des tâches</a:t>
+            </a:r>
+          </a:p>
+          <a:p>
+            <a:r>
+              <a:rPr lang="fr-FR" dirty="0"/>
+              <a:t>Outils, technologies</a:t>
+            </a:r>
+          </a:p>
+          <a:p>
+            <a:r>
+              <a:rPr lang="fr-FR" dirty="0"/>
+              <a:t>Tâches de Romain</a:t>
+            </a:r>
+          </a:p>
+          <a:p>
+            <a:r>
+              <a:rPr lang="fr-FR" dirty="0"/>
+              <a:t>Tâches de Mohamed</a:t>
+            </a:r>
+          </a:p>
+          <a:p>
+            <a:r>
+              <a:rPr lang="fr-FR" dirty="0"/>
+              <a:t>Tâches de Gaël</a:t>
+            </a:r>
+          </a:p>
+          <a:p>
+            <a:r>
+              <a:rPr lang="fr-FR" dirty="0"/>
+              <a:t>Tâches de </a:t>
+            </a:r>
+            <a:r>
+              <a:rPr lang="fr-FR" dirty="0" err="1"/>
+              <a:t>Yanice</a:t>
+            </a:r>
+            <a:endParaRPr lang="fr-FR" dirty="0"/>
+          </a:p>
+          <a:p>
+            <a:r>
+              <a:rPr lang="fr-FR" dirty="0"/>
+              <a:t>Démo</a:t>
+            </a:r>
+          </a:p>
+          <a:p>
+            <a:endParaRPr lang="fr-FR" dirty="0"/>
+          </a:p>
+        </p:txBody>
+      </p:sp>
+    </p:spTree>
+    <p:extLst>
+      <p:ext uri="{BB962C8B-B14F-4D97-AF65-F5344CB8AC3E}">
+        <p14:creationId xmlns:p14="http://schemas.microsoft.com/office/powerpoint/2010/main" val="3805287657"/>
+      </p:ext>
+    </p:extLst>
+  </p:cSld>
+  <p:clrMapOvr>
+    <a:masterClrMapping/>
+  </p:clrMapOvr>
+</p:sld>
+</file>
+
+<file path=ppt/slides/slide20.xml><?xml version="1.0" encoding="utf-8"?>
+<p:sld xmlns:a="http://schemas.openxmlformats.org/drawingml/2006/main" xmlns:r="http://schemas.openxmlformats.org/officeDocument/2006/relationships" xmlns:p="http://schemas.openxmlformats.org/presentationml/2006/main">
+  <p:cSld>
+    <p:spTree>
+      <p:nvGrpSpPr>
+        <p:cNvPr id="1" name=""/>
+        <p:cNvGrpSpPr/>
+        <p:nvPr/>
+      </p:nvGrpSpPr>
+      <p:grpSpPr>
+        <a:xfrm>
+          <a:off x="0" y="0"/>
+          <a:ext cx="0" cy="0"/>
+          <a:chOff x="0" y="0"/>
+          <a:chExt cx="0" cy="0"/>
+        </a:xfrm>
+      </p:grpSpPr>
+      <p:sp>
+        <p:nvSpPr>
+          <p:cNvPr id="2" name="Titre 1"/>
+          <p:cNvSpPr>
+            <a:spLocks noGrp="1"/>
+          </p:cNvSpPr>
+          <p:nvPr>
+            <p:ph type="title"/>
+          </p:nvPr>
+        </p:nvSpPr>
+        <p:spPr/>
+        <p:txBody>
+          <a:bodyPr/>
+          <a:lstStyle/>
+          <a:p>
+            <a:r>
+              <a:rPr lang="fr-FR" dirty="0"/>
+              <a:t>Gaël : Évolution Possible (4/4)</a:t>
+            </a:r>
+          </a:p>
+        </p:txBody>
+      </p:sp>
+      <p:sp>
+        <p:nvSpPr>
+          <p:cNvPr id="3" name="Espace réservé du contenu 2"/>
+          <p:cNvSpPr>
+            <a:spLocks noGrp="1"/>
+          </p:cNvSpPr>
+          <p:nvPr>
+            <p:ph idx="1"/>
+          </p:nvPr>
+        </p:nvSpPr>
+        <p:spPr>
+          <a:xfrm>
+            <a:off x="810000" y="2215096"/>
+            <a:ext cx="10554574" cy="1469678"/>
+          </a:xfrm>
+        </p:spPr>
+        <p:txBody>
+          <a:bodyPr/>
+          <a:lstStyle/>
+          <a:p>
+            <a:r>
+              <a:rPr lang="fr-FR" dirty="0"/>
+              <a:t>Réaliser un serveur WEB à l’aide d’un </a:t>
+            </a:r>
+            <a:r>
+              <a:rPr lang="fr-FR" dirty="0" err="1"/>
+              <a:t>Raspberry</a:t>
+            </a:r>
+            <a:r>
+              <a:rPr lang="fr-FR" dirty="0"/>
+              <a:t> Pi 3</a:t>
+            </a:r>
+          </a:p>
+          <a:p>
+            <a:pPr marL="0" indent="0">
+              <a:buNone/>
+            </a:pPr>
+            <a:endParaRPr lang="fr-FR" dirty="0"/>
+          </a:p>
+        </p:txBody>
+      </p:sp>
+      <p:pic>
+        <p:nvPicPr>
+          <p:cNvPr id="5" name="Image 4"/>
+          <p:cNvPicPr>
+            <a:picLocks noChangeAspect="1"/>
+          </p:cNvPicPr>
+          <p:nvPr/>
+        </p:nvPicPr>
+        <p:blipFill>
+          <a:blip r:embed="rId2">
+            <a:extLst>
+              <a:ext uri="{28A0092B-C50C-407E-A947-70E740481C1C}">
+                <a14:useLocalDpi xmlns:a14="http://schemas.microsoft.com/office/drawing/2010/main" val="0"/>
+              </a:ext>
+            </a:extLst>
+          </a:blip>
+          <a:stretch>
+            <a:fillRect/>
+          </a:stretch>
+        </p:blipFill>
+        <p:spPr>
+          <a:xfrm>
+            <a:off x="4754880" y="3559519"/>
+            <a:ext cx="2127612" cy="2726575"/>
+          </a:xfrm>
+          <a:prstGeom prst="rect">
+            <a:avLst/>
+          </a:prstGeom>
+        </p:spPr>
+      </p:pic>
+    </p:spTree>
+    <p:extLst>
+      <p:ext uri="{BB962C8B-B14F-4D97-AF65-F5344CB8AC3E}">
+        <p14:creationId xmlns:p14="http://schemas.microsoft.com/office/powerpoint/2010/main" val="734865338"/>
+      </p:ext>
+    </p:extLst>
+  </p:cSld>
+  <p:clrMapOvr>
+    <a:masterClrMapping/>
+  </p:clrMapOvr>
+</p:sld>
+</file>
+
+<file path=ppt/slides/slide21.xml><?xml version="1.0" encoding="utf-8"?>
+<p:sld xmlns:a="http://schemas.openxmlformats.org/drawingml/2006/main" xmlns:r="http://schemas.openxmlformats.org/officeDocument/2006/relationships" xmlns:p="http://schemas.openxmlformats.org/presentationml/2006/main">
+  <p:cSld>
+    <p:spTree>
+      <p:nvGrpSpPr>
+        <p:cNvPr id="1" name=""/>
+        <p:cNvGrpSpPr/>
+        <p:nvPr/>
+      </p:nvGrpSpPr>
+      <p:grpSpPr>
+        <a:xfrm>
+          <a:off x="0" y="0"/>
+          <a:ext cx="0" cy="0"/>
+          <a:chOff x="0" y="0"/>
+          <a:chExt cx="0" cy="0"/>
+        </a:xfrm>
+      </p:grpSpPr>
+      <p:sp>
+        <p:nvSpPr>
+          <p:cNvPr id="2" name="Titre 1"/>
+          <p:cNvSpPr>
+            <a:spLocks noGrp="1"/>
+          </p:cNvSpPr>
+          <p:nvPr>
+            <p:ph type="title"/>
+          </p:nvPr>
+        </p:nvSpPr>
+        <p:spPr/>
+        <p:txBody>
+          <a:bodyPr/>
+          <a:lstStyle/>
+          <a:p>
+            <a:r>
+              <a:rPr lang="fr-FR" dirty="0" err="1"/>
+              <a:t>Yanice</a:t>
+            </a:r>
+            <a:r>
+              <a:rPr lang="fr-FR" dirty="0"/>
+              <a:t> : La réalité virtuelle (1/3)</a:t>
+            </a:r>
+          </a:p>
+        </p:txBody>
+      </p:sp>
+      <p:sp>
+        <p:nvSpPr>
+          <p:cNvPr id="3" name="Espace réservé du contenu 2"/>
+          <p:cNvSpPr>
+            <a:spLocks noGrp="1"/>
+          </p:cNvSpPr>
+          <p:nvPr>
+            <p:ph idx="1"/>
+          </p:nvPr>
+        </p:nvSpPr>
+        <p:spPr/>
+        <p:txBody>
+          <a:bodyPr/>
+          <a:lstStyle/>
+          <a:p>
+            <a:r>
+              <a:rPr lang="fr-FR" dirty="0"/>
+              <a:t>La VR, contrairement à une vidéo basique permet une immersion quasi-totale de son utilisateur.</a:t>
+            </a:r>
+          </a:p>
+          <a:p>
+            <a:r>
+              <a:rPr lang="fr-FR" dirty="0"/>
+              <a:t>Elle permet entre autre la lecture de vidéo de manière sphérique, comme si l’utilisateur était à même la vidéo.</a:t>
+            </a:r>
+          </a:p>
+          <a:p>
+            <a:r>
+              <a:rPr lang="fr-FR" dirty="0"/>
+              <a:t>C’est sur cette technologie que j’ai travaillé et modélisé les vidéos en réalité virtuelle.</a:t>
+            </a:r>
+          </a:p>
+        </p:txBody>
+      </p:sp>
+    </p:spTree>
+    <p:extLst>
+      <p:ext uri="{BB962C8B-B14F-4D97-AF65-F5344CB8AC3E}">
+        <p14:creationId xmlns:p14="http://schemas.microsoft.com/office/powerpoint/2010/main" val="3724128037"/>
+      </p:ext>
+    </p:extLst>
+  </p:cSld>
+  <p:clrMapOvr>
+    <a:masterClrMapping/>
+  </p:clrMapOvr>
+</p:sld>
+</file>
+
+<file path=ppt/slides/slide22.xml><?xml version="1.0" encoding="utf-8"?>
+<p:sld xmlns:a="http://schemas.openxmlformats.org/drawingml/2006/main" xmlns:r="http://schemas.openxmlformats.org/officeDocument/2006/relationships" xmlns:p="http://schemas.openxmlformats.org/presentationml/2006/main">
+  <p:cSld>
+    <p:spTree>
+      <p:nvGrpSpPr>
+        <p:cNvPr id="1" name=""/>
+        <p:cNvGrpSpPr/>
+        <p:nvPr/>
+      </p:nvGrpSpPr>
+      <p:grpSpPr>
+        <a:xfrm>
+          <a:off x="0" y="0"/>
+          <a:ext cx="0" cy="0"/>
+          <a:chOff x="0" y="0"/>
+          <a:chExt cx="0" cy="0"/>
+        </a:xfrm>
+      </p:grpSpPr>
+      <p:sp>
+        <p:nvSpPr>
+          <p:cNvPr id="2" name="Titre 1"/>
+          <p:cNvSpPr>
+            <a:spLocks noGrp="1"/>
+          </p:cNvSpPr>
+          <p:nvPr>
+            <p:ph type="title"/>
+          </p:nvPr>
+        </p:nvSpPr>
+        <p:spPr/>
+        <p:txBody>
+          <a:bodyPr/>
+          <a:lstStyle/>
+          <a:p>
+            <a:r>
+              <a:rPr lang="fr-FR" dirty="0" err="1"/>
+              <a:t>Yanice</a:t>
+            </a:r>
+            <a:r>
+              <a:rPr lang="fr-FR" dirty="0"/>
+              <a:t> : Technologie </a:t>
+            </a:r>
+            <a:r>
+              <a:rPr lang="fr-FR" dirty="0" err="1"/>
+              <a:t>Unity</a:t>
+            </a:r>
+            <a:r>
+              <a:rPr lang="fr-FR" dirty="0"/>
+              <a:t> (2/3)</a:t>
+            </a:r>
+          </a:p>
+        </p:txBody>
+      </p:sp>
+      <p:pic>
+        <p:nvPicPr>
+          <p:cNvPr id="1026" name="Picture 2" descr="RÃ©sultat de recherche d'images pour &quot;Casque VR&quot;"/>
+          <p:cNvPicPr>
+            <a:picLocks noGrp="1" noChangeAspect="1" noChangeArrowheads="1"/>
+          </p:cNvPicPr>
+          <p:nvPr>
+            <p:ph idx="1"/>
+          </p:nvPr>
+        </p:nvPicPr>
+        <p:blipFill>
+          <a:blip r:embed="rId2">
+            <a:extLst>
+              <a:ext uri="{28A0092B-C50C-407E-A947-70E740481C1C}">
+                <a14:useLocalDpi xmlns:a14="http://schemas.microsoft.com/office/drawing/2010/main" val="0"/>
+              </a:ext>
+            </a:extLst>
+          </a:blip>
+          <a:srcRect/>
+          <a:stretch>
+            <a:fillRect/>
+          </a:stretch>
+        </p:blipFill>
+        <p:spPr bwMode="auto">
+          <a:xfrm>
+            <a:off x="7993229" y="2880510"/>
+            <a:ext cx="1728515" cy="1152344"/>
+          </a:xfrm>
+          <a:prstGeom prst="rect">
+            <a:avLst/>
+          </a:prstGeom>
+          <a:noFill/>
+          <a:extLst>
+            <a:ext uri="{909E8E84-426E-40DD-AFC4-6F175D3DCCD1}">
+              <a14:hiddenFill xmlns:a14="http://schemas.microsoft.com/office/drawing/2010/main">
+                <a:solidFill>
+                  <a:srgbClr val="FFFFFF"/>
+                </a:solidFill>
+              </a14:hiddenFill>
+            </a:ext>
+          </a:extLst>
+        </p:spPr>
+      </p:pic>
+      <p:pic>
+        <p:nvPicPr>
+          <p:cNvPr id="1028" name="Picture 4" descr="RÃ©sultat de recherche d'images pour &quot;Unity&quot;"/>
+          <p:cNvPicPr>
+            <a:picLocks noChangeAspect="1" noChangeArrowheads="1"/>
+          </p:cNvPicPr>
+          <p:nvPr/>
+        </p:nvPicPr>
+        <p:blipFill>
+          <a:blip r:embed="rId3">
+            <a:extLst>
+              <a:ext uri="{28A0092B-C50C-407E-A947-70E740481C1C}">
+                <a14:useLocalDpi xmlns:a14="http://schemas.microsoft.com/office/drawing/2010/main" val="0"/>
+              </a:ext>
+            </a:extLst>
+          </a:blip>
+          <a:srcRect/>
+          <a:stretch>
+            <a:fillRect/>
+          </a:stretch>
+        </p:blipFill>
+        <p:spPr bwMode="auto">
+          <a:xfrm>
+            <a:off x="244733" y="2826327"/>
+            <a:ext cx="2460941" cy="1363287"/>
+          </a:xfrm>
+          <a:prstGeom prst="rect">
+            <a:avLst/>
+          </a:prstGeom>
+          <a:noFill/>
+          <a:extLst>
+            <a:ext uri="{909E8E84-426E-40DD-AFC4-6F175D3DCCD1}">
+              <a14:hiddenFill xmlns:a14="http://schemas.microsoft.com/office/drawing/2010/main">
+                <a:solidFill>
+                  <a:srgbClr val="FFFFFF"/>
+                </a:solidFill>
+              </a14:hiddenFill>
+            </a:ext>
+          </a:extLst>
+        </p:spPr>
+      </p:pic>
+      <p:sp>
+        <p:nvSpPr>
+          <p:cNvPr id="4" name="Flèche droite 3"/>
+          <p:cNvSpPr/>
+          <p:nvPr/>
+        </p:nvSpPr>
+        <p:spPr>
+          <a:xfrm>
+            <a:off x="2810125" y="3444166"/>
+            <a:ext cx="397020" cy="121991"/>
+          </a:xfrm>
+          <a:prstGeom prst="rightArrow">
+            <a:avLst/>
+          </a:prstGeom>
+        </p:spPr>
+        <p:style>
+          <a:lnRef idx="2">
+            <a:schemeClr val="accent1">
+              <a:shade val="50000"/>
+            </a:schemeClr>
+          </a:lnRef>
+          <a:fillRef idx="1">
+            <a:schemeClr val="accent1"/>
+          </a:fillRef>
+          <a:effectRef idx="0">
+            <a:schemeClr val="accent1"/>
+          </a:effectRef>
+          <a:fontRef idx="minor">
+            <a:schemeClr val="lt1"/>
+          </a:fontRef>
+        </p:style>
+        <p:txBody>
+          <a:bodyPr rtlCol="0" anchor="ctr"/>
+          <a:lstStyle/>
+          <a:p>
+            <a:pPr algn="ctr"/>
+            <a:endParaRPr lang="fr-FR"/>
+          </a:p>
+        </p:txBody>
+      </p:sp>
+      <p:pic>
+        <p:nvPicPr>
+          <p:cNvPr id="1030" name="Picture 6" descr="RÃ©sultat de recherche d'images pour &quot;Sphere&quot;"/>
+          <p:cNvPicPr>
+            <a:picLocks noChangeAspect="1" noChangeArrowheads="1"/>
+          </p:cNvPicPr>
+          <p:nvPr/>
+        </p:nvPicPr>
+        <p:blipFill>
+          <a:blip r:embed="rId4">
+            <a:extLst>
+              <a:ext uri="{28A0092B-C50C-407E-A947-70E740481C1C}">
+                <a14:useLocalDpi xmlns:a14="http://schemas.microsoft.com/office/drawing/2010/main" val="0"/>
+              </a:ext>
+            </a:extLst>
+          </a:blip>
+          <a:srcRect/>
+          <a:stretch>
+            <a:fillRect/>
+          </a:stretch>
+        </p:blipFill>
+        <p:spPr bwMode="auto">
+          <a:xfrm>
+            <a:off x="4955161" y="2826327"/>
+            <a:ext cx="1461338" cy="1363287"/>
+          </a:xfrm>
+          <a:prstGeom prst="rect">
+            <a:avLst/>
+          </a:prstGeom>
+          <a:noFill/>
+          <a:extLst>
+            <a:ext uri="{909E8E84-426E-40DD-AFC4-6F175D3DCCD1}">
+              <a14:hiddenFill xmlns:a14="http://schemas.microsoft.com/office/drawing/2010/main">
+                <a:solidFill>
+                  <a:srgbClr val="FFFFFF"/>
+                </a:solidFill>
+              </a14:hiddenFill>
+            </a:ext>
+          </a:extLst>
+        </p:spPr>
+      </p:pic>
+      <p:sp>
+        <p:nvSpPr>
+          <p:cNvPr id="5" name="ZoneTexte 4"/>
+          <p:cNvSpPr txBox="1"/>
+          <p:nvPr/>
+        </p:nvSpPr>
+        <p:spPr>
+          <a:xfrm>
+            <a:off x="668954" y="2450233"/>
+            <a:ext cx="1640193" cy="584775"/>
+          </a:xfrm>
+          <a:prstGeom prst="rect">
+            <a:avLst/>
+          </a:prstGeom>
+          <a:noFill/>
+        </p:spPr>
+        <p:txBody>
+          <a:bodyPr wrap="none" rtlCol="0">
+            <a:spAutoFit/>
+          </a:bodyPr>
+          <a:lstStyle/>
+          <a:p>
+            <a:r>
+              <a:rPr lang="fr-FR" sz="1600" dirty="0"/>
+              <a:t>IDE / </a:t>
+            </a:r>
+            <a:r>
+              <a:rPr lang="fr-FR" sz="1600" dirty="0" err="1"/>
+              <a:t>Modeling</a:t>
+            </a:r>
+            <a:endParaRPr lang="fr-FR" sz="1600" dirty="0"/>
+          </a:p>
+          <a:p>
+            <a:endParaRPr lang="fr-FR" sz="1600" dirty="0"/>
+          </a:p>
+        </p:txBody>
+      </p:sp>
+      <p:pic>
+        <p:nvPicPr>
+          <p:cNvPr id="6" name="Image 5"/>
+          <p:cNvPicPr>
+            <a:picLocks noChangeAspect="1"/>
+          </p:cNvPicPr>
+          <p:nvPr/>
+        </p:nvPicPr>
+        <p:blipFill>
+          <a:blip r:embed="rId5"/>
+          <a:stretch>
+            <a:fillRect/>
+          </a:stretch>
+        </p:blipFill>
+        <p:spPr>
+          <a:xfrm>
+            <a:off x="5328820" y="5474896"/>
+            <a:ext cx="647700" cy="733425"/>
+          </a:xfrm>
+          <a:prstGeom prst="rect">
+            <a:avLst/>
+          </a:prstGeom>
+        </p:spPr>
+      </p:pic>
+      <p:sp>
+        <p:nvSpPr>
+          <p:cNvPr id="10" name="Flèche droite 9"/>
+          <p:cNvSpPr/>
+          <p:nvPr/>
+        </p:nvSpPr>
+        <p:spPr>
+          <a:xfrm rot="5400000">
+            <a:off x="5257179" y="4601715"/>
+            <a:ext cx="815885" cy="174566"/>
+          </a:xfrm>
+          <a:prstGeom prst="rightArrow">
+            <a:avLst/>
+          </a:prstGeom>
+        </p:spPr>
+        <p:style>
+          <a:lnRef idx="2">
+            <a:schemeClr val="accent1">
+              <a:shade val="50000"/>
+            </a:schemeClr>
+          </a:lnRef>
+          <a:fillRef idx="1">
+            <a:schemeClr val="accent1"/>
+          </a:fillRef>
+          <a:effectRef idx="0">
+            <a:schemeClr val="accent1"/>
+          </a:effectRef>
+          <a:fontRef idx="minor">
+            <a:schemeClr val="lt1"/>
+          </a:fontRef>
+        </p:style>
+        <p:txBody>
+          <a:bodyPr rtlCol="0" anchor="ctr"/>
+          <a:lstStyle/>
+          <a:p>
+            <a:pPr algn="ctr"/>
+            <a:endParaRPr lang="fr-FR"/>
+          </a:p>
+        </p:txBody>
+      </p:sp>
+      <p:pic>
+        <p:nvPicPr>
+          <p:cNvPr id="1032" name="Picture 8" descr="RÃ©sultat de recherche d'images pour &quot;Mp4&quot;"/>
+          <p:cNvPicPr>
+            <a:picLocks noChangeAspect="1" noChangeArrowheads="1"/>
+          </p:cNvPicPr>
+          <p:nvPr/>
+        </p:nvPicPr>
+        <p:blipFill>
+          <a:blip r:embed="rId6">
+            <a:extLst>
+              <a:ext uri="{28A0092B-C50C-407E-A947-70E740481C1C}">
+                <a14:useLocalDpi xmlns:a14="http://schemas.microsoft.com/office/drawing/2010/main" val="0"/>
+              </a:ext>
+            </a:extLst>
+          </a:blip>
+          <a:srcRect/>
+          <a:stretch>
+            <a:fillRect/>
+          </a:stretch>
+        </p:blipFill>
+        <p:spPr bwMode="auto">
+          <a:xfrm>
+            <a:off x="3311595" y="2983084"/>
+            <a:ext cx="1049770" cy="1049770"/>
+          </a:xfrm>
+          <a:prstGeom prst="rect">
+            <a:avLst/>
+          </a:prstGeom>
+          <a:noFill/>
+          <a:extLst>
+            <a:ext uri="{909E8E84-426E-40DD-AFC4-6F175D3DCCD1}">
+              <a14:hiddenFill xmlns:a14="http://schemas.microsoft.com/office/drawing/2010/main">
+                <a:solidFill>
+                  <a:srgbClr val="FFFFFF"/>
+                </a:solidFill>
+              </a14:hiddenFill>
+            </a:ext>
+          </a:extLst>
+        </p:spPr>
+      </p:pic>
+      <p:sp>
+        <p:nvSpPr>
+          <p:cNvPr id="16" name="Flèche droite 15"/>
+          <p:cNvSpPr/>
+          <p:nvPr/>
+        </p:nvSpPr>
+        <p:spPr>
+          <a:xfrm>
+            <a:off x="4465815" y="3444166"/>
+            <a:ext cx="384895" cy="121991"/>
+          </a:xfrm>
+          <a:prstGeom prst="rightArrow">
+            <a:avLst/>
+          </a:prstGeom>
+        </p:spPr>
+        <p:style>
+          <a:lnRef idx="2">
+            <a:schemeClr val="accent1">
+              <a:shade val="50000"/>
+            </a:schemeClr>
+          </a:lnRef>
+          <a:fillRef idx="1">
+            <a:schemeClr val="accent1"/>
+          </a:fillRef>
+          <a:effectRef idx="0">
+            <a:schemeClr val="accent1"/>
+          </a:effectRef>
+          <a:fontRef idx="minor">
+            <a:schemeClr val="lt1"/>
+          </a:fontRef>
+        </p:style>
+        <p:txBody>
+          <a:bodyPr rtlCol="0" anchor="ctr"/>
+          <a:lstStyle/>
+          <a:p>
+            <a:pPr algn="ctr"/>
+            <a:endParaRPr lang="fr-FR"/>
+          </a:p>
+        </p:txBody>
+      </p:sp>
+      <p:sp>
+        <p:nvSpPr>
+          <p:cNvPr id="17" name="Flèche droite 16"/>
+          <p:cNvSpPr/>
+          <p:nvPr/>
+        </p:nvSpPr>
+        <p:spPr>
+          <a:xfrm>
+            <a:off x="6520950" y="3437463"/>
+            <a:ext cx="1367828" cy="128694"/>
+          </a:xfrm>
+          <a:prstGeom prst="rightArrow">
+            <a:avLst/>
+          </a:prstGeom>
+        </p:spPr>
+        <p:style>
+          <a:lnRef idx="2">
+            <a:schemeClr val="accent1">
+              <a:shade val="50000"/>
+            </a:schemeClr>
+          </a:lnRef>
+          <a:fillRef idx="1">
+            <a:schemeClr val="accent1"/>
+          </a:fillRef>
+          <a:effectRef idx="0">
+            <a:schemeClr val="accent1"/>
+          </a:effectRef>
+          <a:fontRef idx="minor">
+            <a:schemeClr val="lt1"/>
+          </a:fontRef>
+        </p:style>
+        <p:txBody>
+          <a:bodyPr rtlCol="0" anchor="ctr"/>
+          <a:lstStyle/>
+          <a:p>
+            <a:pPr algn="ctr"/>
+            <a:endParaRPr lang="fr-FR"/>
+          </a:p>
+        </p:txBody>
+      </p:sp>
+      <p:sp>
+        <p:nvSpPr>
+          <p:cNvPr id="18" name="ZoneTexte 17"/>
+          <p:cNvSpPr txBox="1"/>
+          <p:nvPr/>
+        </p:nvSpPr>
+        <p:spPr>
+          <a:xfrm>
+            <a:off x="5241637" y="5167119"/>
+            <a:ext cx="888385" cy="615553"/>
+          </a:xfrm>
+          <a:prstGeom prst="rect">
+            <a:avLst/>
+          </a:prstGeom>
+          <a:noFill/>
+        </p:spPr>
+        <p:txBody>
+          <a:bodyPr wrap="none" rtlCol="0">
+            <a:spAutoFit/>
+          </a:bodyPr>
+          <a:lstStyle/>
+          <a:p>
+            <a:r>
+              <a:rPr lang="fr-FR" sz="1600" dirty="0" err="1"/>
+              <a:t>Shader</a:t>
+            </a:r>
+            <a:endParaRPr lang="fr-FR" sz="1600" dirty="0"/>
+          </a:p>
+          <a:p>
+            <a:endParaRPr lang="fr-FR" dirty="0"/>
+          </a:p>
+        </p:txBody>
+      </p:sp>
+      <p:sp>
+        <p:nvSpPr>
+          <p:cNvPr id="19" name="ZoneTexte 18"/>
+          <p:cNvSpPr txBox="1"/>
+          <p:nvPr/>
+        </p:nvSpPr>
+        <p:spPr>
+          <a:xfrm>
+            <a:off x="5205569" y="2463922"/>
+            <a:ext cx="880369" cy="615553"/>
+          </a:xfrm>
+          <a:prstGeom prst="rect">
+            <a:avLst/>
+          </a:prstGeom>
+          <a:noFill/>
+        </p:spPr>
+        <p:txBody>
+          <a:bodyPr wrap="none" rtlCol="0">
+            <a:spAutoFit/>
+          </a:bodyPr>
+          <a:lstStyle/>
+          <a:p>
+            <a:r>
+              <a:rPr lang="fr-FR" sz="1600" dirty="0"/>
+              <a:t>Sphère</a:t>
+            </a:r>
+          </a:p>
+          <a:p>
+            <a:endParaRPr lang="fr-FR" dirty="0"/>
+          </a:p>
+        </p:txBody>
+      </p:sp>
+      <p:sp>
+        <p:nvSpPr>
+          <p:cNvPr id="20" name="ZoneTexte 19"/>
+          <p:cNvSpPr txBox="1"/>
+          <p:nvPr/>
+        </p:nvSpPr>
+        <p:spPr>
+          <a:xfrm>
+            <a:off x="3413510" y="2591267"/>
+            <a:ext cx="779381" cy="615553"/>
+          </a:xfrm>
+          <a:prstGeom prst="rect">
+            <a:avLst/>
+          </a:prstGeom>
+          <a:noFill/>
+        </p:spPr>
+        <p:txBody>
+          <a:bodyPr wrap="none" rtlCol="0">
+            <a:spAutoFit/>
+          </a:bodyPr>
+          <a:lstStyle/>
+          <a:p>
+            <a:r>
+              <a:rPr lang="fr-FR" sz="1600" dirty="0"/>
+              <a:t>Vidéo</a:t>
+            </a:r>
+          </a:p>
+          <a:p>
+            <a:endParaRPr lang="fr-FR" dirty="0"/>
+          </a:p>
+        </p:txBody>
+      </p:sp>
+      <p:sp>
+        <p:nvSpPr>
+          <p:cNvPr id="21" name="ZoneTexte 20"/>
+          <p:cNvSpPr txBox="1"/>
+          <p:nvPr/>
+        </p:nvSpPr>
+        <p:spPr>
+          <a:xfrm>
+            <a:off x="8547786" y="2503161"/>
+            <a:ext cx="453970" cy="615553"/>
+          </a:xfrm>
+          <a:prstGeom prst="rect">
+            <a:avLst/>
+          </a:prstGeom>
+          <a:noFill/>
+        </p:spPr>
+        <p:txBody>
+          <a:bodyPr wrap="none" rtlCol="0">
+            <a:spAutoFit/>
+          </a:bodyPr>
+          <a:lstStyle/>
+          <a:p>
+            <a:r>
+              <a:rPr lang="fr-FR" sz="1600" dirty="0"/>
+              <a:t>VR</a:t>
+            </a:r>
+          </a:p>
+          <a:p>
+            <a:endParaRPr lang="fr-FR" dirty="0"/>
+          </a:p>
+        </p:txBody>
+      </p:sp>
+      <p:pic>
+        <p:nvPicPr>
+          <p:cNvPr id="1040" name="Picture 16" descr="RÃ©sultat de recherche d'images pour &quot;youtube&quot;"/>
+          <p:cNvPicPr>
+            <a:picLocks noChangeAspect="1" noChangeArrowheads="1"/>
+          </p:cNvPicPr>
+          <p:nvPr/>
+        </p:nvPicPr>
+        <p:blipFill>
+          <a:blip r:embed="rId7">
+            <a:extLst>
+              <a:ext uri="{28A0092B-C50C-407E-A947-70E740481C1C}">
+                <a14:useLocalDpi xmlns:a14="http://schemas.microsoft.com/office/drawing/2010/main" val="0"/>
+              </a:ext>
+            </a:extLst>
+          </a:blip>
+          <a:srcRect/>
+          <a:stretch>
+            <a:fillRect/>
+          </a:stretch>
+        </p:blipFill>
+        <p:spPr bwMode="auto">
+          <a:xfrm>
+            <a:off x="8480011" y="5530500"/>
+            <a:ext cx="933324" cy="622216"/>
+          </a:xfrm>
+          <a:prstGeom prst="rect">
+            <a:avLst/>
+          </a:prstGeom>
+          <a:noFill/>
+          <a:extLst>
+            <a:ext uri="{909E8E84-426E-40DD-AFC4-6F175D3DCCD1}">
+              <a14:hiddenFill xmlns:a14="http://schemas.microsoft.com/office/drawing/2010/main">
+                <a:solidFill>
+                  <a:srgbClr val="FFFFFF"/>
+                </a:solidFill>
+              </a14:hiddenFill>
+            </a:ext>
+          </a:extLst>
+        </p:spPr>
+      </p:pic>
+      <p:sp>
+        <p:nvSpPr>
+          <p:cNvPr id="26" name="Flèche droite 25"/>
+          <p:cNvSpPr/>
+          <p:nvPr/>
+        </p:nvSpPr>
+        <p:spPr>
+          <a:xfrm rot="5400000">
+            <a:off x="8567241" y="4433867"/>
+            <a:ext cx="777326" cy="155823"/>
+          </a:xfrm>
+          <a:prstGeom prst="rightArrow">
+            <a:avLst/>
+          </a:prstGeom>
+        </p:spPr>
+        <p:style>
+          <a:lnRef idx="2">
+            <a:schemeClr val="accent1">
+              <a:shade val="50000"/>
+            </a:schemeClr>
+          </a:lnRef>
+          <a:fillRef idx="1">
+            <a:schemeClr val="accent1"/>
+          </a:fillRef>
+          <a:effectRef idx="0">
+            <a:schemeClr val="accent1"/>
+          </a:effectRef>
+          <a:fontRef idx="minor">
+            <a:schemeClr val="lt1"/>
+          </a:fontRef>
+        </p:style>
+        <p:txBody>
+          <a:bodyPr rtlCol="0" anchor="ctr"/>
+          <a:lstStyle/>
+          <a:p>
+            <a:pPr algn="ctr"/>
+            <a:endParaRPr lang="fr-FR"/>
+          </a:p>
+        </p:txBody>
+      </p:sp>
+      <p:sp>
+        <p:nvSpPr>
+          <p:cNvPr id="27" name="ZoneTexte 26"/>
+          <p:cNvSpPr txBox="1"/>
+          <p:nvPr/>
+        </p:nvSpPr>
+        <p:spPr>
+          <a:xfrm>
+            <a:off x="8429545" y="4945725"/>
+            <a:ext cx="1034257" cy="584775"/>
+          </a:xfrm>
+          <a:prstGeom prst="rect">
+            <a:avLst/>
+          </a:prstGeom>
+          <a:noFill/>
+        </p:spPr>
+        <p:txBody>
+          <a:bodyPr wrap="none" rtlCol="0">
+            <a:spAutoFit/>
+          </a:bodyPr>
+          <a:lstStyle/>
+          <a:p>
+            <a:r>
+              <a:rPr lang="fr-FR" sz="1600" dirty="0"/>
+              <a:t>Injection</a:t>
+            </a:r>
+          </a:p>
+          <a:p>
+            <a:r>
+              <a:rPr lang="fr-FR" sz="1600" dirty="0" err="1"/>
+              <a:t>Youtube</a:t>
+            </a:r>
+            <a:endParaRPr lang="fr-FR" sz="1600" dirty="0"/>
+          </a:p>
+        </p:txBody>
+      </p:sp>
+    </p:spTree>
+    <p:extLst>
+      <p:ext uri="{BB962C8B-B14F-4D97-AF65-F5344CB8AC3E}">
+        <p14:creationId xmlns:p14="http://schemas.microsoft.com/office/powerpoint/2010/main" val="3441282016"/>
+      </p:ext>
+    </p:extLst>
+  </p:cSld>
+  <p:clrMapOvr>
+    <a:masterClrMapping/>
+  </p:clrMapOvr>
+</p:sld>
+</file>
+
+<file path=ppt/slides/slide23.xml><?xml version="1.0" encoding="utf-8"?>
+<p:sld xmlns:a="http://schemas.openxmlformats.org/drawingml/2006/main" xmlns:r="http://schemas.openxmlformats.org/officeDocument/2006/relationships" xmlns:p="http://schemas.openxmlformats.org/presentationml/2006/main">
+  <p:cSld>
+    <p:spTree>
+      <p:nvGrpSpPr>
+        <p:cNvPr id="1" name=""/>
+        <p:cNvGrpSpPr/>
+        <p:nvPr/>
+      </p:nvGrpSpPr>
+      <p:grpSpPr>
+        <a:xfrm>
+          <a:off x="0" y="0"/>
+          <a:ext cx="0" cy="0"/>
+          <a:chOff x="0" y="0"/>
+          <a:chExt cx="0" cy="0"/>
+        </a:xfrm>
+      </p:grpSpPr>
+      <p:sp>
+        <p:nvSpPr>
+          <p:cNvPr id="2" name="Titre 1"/>
+          <p:cNvSpPr>
+            <a:spLocks noGrp="1"/>
+          </p:cNvSpPr>
+          <p:nvPr>
+            <p:ph type="title"/>
+          </p:nvPr>
+        </p:nvSpPr>
+        <p:spPr/>
+        <p:txBody>
+          <a:bodyPr/>
+          <a:lstStyle/>
+          <a:p>
+            <a:r>
+              <a:rPr lang="fr-FR" dirty="0" err="1"/>
+              <a:t>Yanice</a:t>
+            </a:r>
+            <a:r>
+              <a:rPr lang="fr-FR" dirty="0"/>
+              <a:t> : Problèmes rencontrés (3/3)</a:t>
+            </a:r>
+          </a:p>
+        </p:txBody>
+      </p:sp>
+      <p:sp>
+        <p:nvSpPr>
+          <p:cNvPr id="3" name="Espace réservé du contenu 2"/>
+          <p:cNvSpPr>
+            <a:spLocks noGrp="1"/>
+          </p:cNvSpPr>
+          <p:nvPr>
+            <p:ph idx="1"/>
+          </p:nvPr>
+        </p:nvSpPr>
+        <p:spPr/>
+        <p:txBody>
+          <a:bodyPr/>
+          <a:lstStyle/>
+          <a:p>
+            <a:r>
+              <a:rPr lang="fr-FR" dirty="0"/>
+              <a:t>Appréhension UNITY.</a:t>
+            </a:r>
+          </a:p>
+          <a:p>
+            <a:r>
+              <a:rPr lang="fr-FR" dirty="0"/>
+              <a:t>Problème de lecture après leur passage en VR.</a:t>
+            </a:r>
+          </a:p>
+          <a:p>
+            <a:r>
+              <a:rPr lang="fr-FR" dirty="0"/>
+              <a:t>Injection </a:t>
+            </a:r>
+            <a:r>
+              <a:rPr lang="fr-FR" dirty="0" err="1"/>
+              <a:t>youtube</a:t>
+            </a:r>
+            <a:r>
+              <a:rPr lang="fr-FR" dirty="0"/>
+              <a:t>.</a:t>
+            </a:r>
+          </a:p>
+        </p:txBody>
+      </p:sp>
+    </p:spTree>
+    <p:extLst>
+      <p:ext uri="{BB962C8B-B14F-4D97-AF65-F5344CB8AC3E}">
+        <p14:creationId xmlns:p14="http://schemas.microsoft.com/office/powerpoint/2010/main" val="935954564"/>
+      </p:ext>
+    </p:extLst>
+  </p:cSld>
+  <p:clrMapOvr>
+    <a:masterClrMapping/>
+  </p:clrMapOvr>
+</p:sld>
+</file>
+
+<file path=ppt/slides/slide24.xml><?xml version="1.0" encoding="utf-8"?>
+<p:sld xmlns:a="http://schemas.openxmlformats.org/drawingml/2006/main" xmlns:r="http://schemas.openxmlformats.org/officeDocument/2006/relationships" xmlns:p="http://schemas.openxmlformats.org/presentationml/2006/main">
+  <p:cSld>
+    <p:spTree>
+      <p:nvGrpSpPr>
+        <p:cNvPr id="1" name=""/>
+        <p:cNvGrpSpPr/>
+        <p:nvPr/>
+      </p:nvGrpSpPr>
+      <p:grpSpPr>
+        <a:xfrm>
+          <a:off x="0" y="0"/>
+          <a:ext cx="0" cy="0"/>
+          <a:chOff x="0" y="0"/>
+          <a:chExt cx="0" cy="0"/>
+        </a:xfrm>
+      </p:grpSpPr>
+      <p:sp>
+        <p:nvSpPr>
+          <p:cNvPr id="2" name="Titre 1"/>
+          <p:cNvSpPr>
+            <a:spLocks noGrp="1"/>
+          </p:cNvSpPr>
+          <p:nvPr>
+            <p:ph type="title"/>
+          </p:nvPr>
+        </p:nvSpPr>
+        <p:spPr/>
+        <p:txBody>
+          <a:bodyPr/>
+          <a:lstStyle/>
+          <a:p>
+            <a:r>
+              <a:rPr lang="fr-FR" dirty="0"/>
+              <a:t>Démo</a:t>
+            </a:r>
+          </a:p>
+        </p:txBody>
+      </p:sp>
+      <p:sp>
+        <p:nvSpPr>
+          <p:cNvPr id="3" name="Espace réservé du contenu 2"/>
+          <p:cNvSpPr>
+            <a:spLocks noGrp="1"/>
+          </p:cNvSpPr>
+          <p:nvPr>
+            <p:ph idx="1"/>
+          </p:nvPr>
+        </p:nvSpPr>
+        <p:spPr/>
+        <p:txBody>
+          <a:bodyPr>
+            <a:normAutofit/>
+          </a:bodyPr>
+          <a:lstStyle/>
+          <a:p>
+            <a:pPr marL="0" indent="0">
+              <a:buNone/>
+            </a:pPr>
+            <a:r>
+              <a:rPr lang="fr-FR" sz="2400" dirty="0"/>
+              <a:t>Comment ça marche ?</a:t>
+            </a:r>
+          </a:p>
+          <a:p>
+            <a:r>
+              <a:rPr lang="fr-FR" dirty="0"/>
+              <a:t>1 - Approcher un tag NFC.</a:t>
+            </a:r>
+          </a:p>
+          <a:p>
+            <a:r>
+              <a:rPr lang="fr-FR" dirty="0"/>
+              <a:t>2 - L'application récupère la vidéo depuis le serveur.</a:t>
+            </a:r>
+          </a:p>
+          <a:p>
+            <a:r>
+              <a:rPr lang="fr-FR" dirty="0"/>
+              <a:t>3 - L'application ouvre l'application </a:t>
+            </a:r>
+            <a:r>
+              <a:rPr lang="fr-FR" dirty="0" err="1"/>
+              <a:t>Youtube</a:t>
+            </a:r>
+            <a:r>
+              <a:rPr lang="fr-FR" dirty="0"/>
+              <a:t>.</a:t>
+            </a:r>
+          </a:p>
+          <a:p>
+            <a:r>
+              <a:rPr lang="fr-FR" dirty="0"/>
+              <a:t>4 - Vous devez mettre en plein écran la vidéo </a:t>
+            </a:r>
+            <a:r>
+              <a:rPr lang="fr-FR" dirty="0" err="1"/>
+              <a:t>Youtube</a:t>
+            </a:r>
+            <a:r>
+              <a:rPr lang="fr-FR" dirty="0"/>
+              <a:t>.</a:t>
+            </a:r>
+          </a:p>
+          <a:p>
+            <a:r>
+              <a:rPr lang="fr-FR" dirty="0"/>
+              <a:t>5 - Vous devez ensuite cliquer sur le bouton VR en bas à droite de la vidéo.</a:t>
+            </a:r>
+          </a:p>
+        </p:txBody>
+      </p:sp>
+    </p:spTree>
+    <p:extLst>
+      <p:ext uri="{BB962C8B-B14F-4D97-AF65-F5344CB8AC3E}">
+        <p14:creationId xmlns:p14="http://schemas.microsoft.com/office/powerpoint/2010/main" val="3420849559"/>
+      </p:ext>
+    </p:extLst>
+  </p:cSld>
+  <p:clrMapOvr>
+    <a:masterClrMapping/>
+  </p:clrMapOvr>
+</p:sld>
+</file>
+
+<file path=ppt/slides/slide25.xml><?xml version="1.0" encoding="utf-8"?>
+<p:sld xmlns:a="http://schemas.openxmlformats.org/drawingml/2006/main" xmlns:r="http://schemas.openxmlformats.org/officeDocument/2006/relationships" xmlns:p="http://schemas.openxmlformats.org/presentationml/2006/main">
+  <p:cSld>
+    <p:spTree>
+      <p:nvGrpSpPr>
+        <p:cNvPr id="1" name=""/>
+        <p:cNvGrpSpPr/>
+        <p:nvPr/>
+      </p:nvGrpSpPr>
+      <p:grpSpPr>
+        <a:xfrm>
+          <a:off x="0" y="0"/>
+          <a:ext cx="0" cy="0"/>
+          <a:chOff x="0" y="0"/>
+          <a:chExt cx="0" cy="0"/>
+        </a:xfrm>
+      </p:grpSpPr>
+      <p:sp>
+        <p:nvSpPr>
+          <p:cNvPr id="2" name="Titre 1"/>
+          <p:cNvSpPr>
+            <a:spLocks noGrp="1"/>
+          </p:cNvSpPr>
+          <p:nvPr>
+            <p:ph type="title"/>
+          </p:nvPr>
+        </p:nvSpPr>
+        <p:spPr/>
+        <p:txBody>
+          <a:bodyPr/>
+          <a:lstStyle/>
+          <a:p>
+            <a:r>
+              <a:rPr lang="fr-FR" dirty="0"/>
+              <a:t>Conclusion</a:t>
+            </a:r>
+          </a:p>
+        </p:txBody>
+      </p:sp>
+      <p:sp>
+        <p:nvSpPr>
+          <p:cNvPr id="3" name="Espace réservé du contenu 2"/>
+          <p:cNvSpPr>
+            <a:spLocks noGrp="1"/>
+          </p:cNvSpPr>
+          <p:nvPr>
+            <p:ph idx="1"/>
+          </p:nvPr>
+        </p:nvSpPr>
+        <p:spPr/>
+        <p:txBody>
+          <a:bodyPr/>
+          <a:lstStyle/>
+          <a:p>
+            <a:r>
+              <a:rPr lang="fr-FR" dirty="0"/>
+              <a:t>(Parler de la démo, comment cela pourrait évoluer, ce que l’on a apprit)</a:t>
+            </a:r>
+          </a:p>
+        </p:txBody>
+      </p:sp>
+    </p:spTree>
+    <p:extLst>
+      <p:ext uri="{BB962C8B-B14F-4D97-AF65-F5344CB8AC3E}">
+        <p14:creationId xmlns:p14="http://schemas.microsoft.com/office/powerpoint/2010/main" val="643386072"/>
+      </p:ext>
+    </p:extLst>
+  </p:cSld>
+  <p:clrMapOvr>
+    <a:masterClrMapping/>
+  </p:clrMapOvr>
+</p:sld>
+</file>
+
+<file path=ppt/slides/slide3.xml><?xml version="1.0" encoding="utf-8"?>
+<p:sld xmlns:a="http://schemas.openxmlformats.org/drawingml/2006/main" xmlns:r="http://schemas.openxmlformats.org/officeDocument/2006/relationships" xmlns:p="http://schemas.openxmlformats.org/presentationml/2006/main">
+  <p:cSld>
+    <p:spTree>
+      <p:nvGrpSpPr>
+        <p:cNvPr id="1" name=""/>
+        <p:cNvGrpSpPr/>
+        <p:nvPr/>
+      </p:nvGrpSpPr>
+      <p:grpSpPr>
+        <a:xfrm>
+          <a:off x="0" y="0"/>
+          <a:ext cx="0" cy="0"/>
+          <a:chOff x="0" y="0"/>
+          <a:chExt cx="0" cy="0"/>
+        </a:xfrm>
+      </p:grpSpPr>
+      <p:sp>
+        <p:nvSpPr>
+          <p:cNvPr id="2" name="Titre 1"/>
+          <p:cNvSpPr>
+            <a:spLocks noGrp="1"/>
+          </p:cNvSpPr>
+          <p:nvPr>
+            <p:ph type="title"/>
+          </p:nvPr>
+        </p:nvSpPr>
+        <p:spPr/>
+        <p:txBody>
+          <a:bodyPr/>
+          <a:lstStyle/>
+          <a:p>
+            <a:r>
+              <a:rPr lang="fr-FR" dirty="0"/>
+              <a:t>Introduction</a:t>
+            </a:r>
+          </a:p>
+        </p:txBody>
+      </p:sp>
+      <p:sp>
+        <p:nvSpPr>
+          <p:cNvPr id="3" name="Espace réservé du contenu 2"/>
+          <p:cNvSpPr>
+            <a:spLocks noGrp="1"/>
+          </p:cNvSpPr>
+          <p:nvPr>
+            <p:ph idx="1"/>
+          </p:nvPr>
+        </p:nvSpPr>
+        <p:spPr/>
+        <p:txBody>
+          <a:bodyPr/>
+          <a:lstStyle/>
+          <a:p>
+            <a:pPr marL="0" indent="0">
+              <a:buNone/>
+            </a:pPr>
+            <a:r>
+              <a:rPr lang="fr-FR" dirty="0"/>
+              <a:t>L’application </a:t>
+            </a:r>
+            <a:r>
+              <a:rPr lang="fr-FR" dirty="0" err="1"/>
+              <a:t>VRTourism</a:t>
+            </a:r>
+            <a:r>
+              <a:rPr lang="fr-FR" dirty="0"/>
+              <a:t> est destinée à :</a:t>
+            </a:r>
+          </a:p>
+          <a:p>
+            <a:pPr lvl="1"/>
+            <a:r>
+              <a:rPr lang="fr-FR" dirty="0"/>
+              <a:t>Guider l’utilisateur dans un lieu touristique;</a:t>
+            </a:r>
+          </a:p>
+          <a:p>
+            <a:pPr lvl="1"/>
+            <a:r>
+              <a:rPr lang="fr-FR" dirty="0"/>
+              <a:t>Informer l’utilisateur sur les différents événements historiques d’un musée.</a:t>
+            </a:r>
+          </a:p>
+          <a:p>
+            <a:pPr marL="457200" lvl="1" indent="0">
+              <a:buNone/>
+            </a:pPr>
+            <a:endParaRPr lang="fr-FR" dirty="0"/>
+          </a:p>
+          <a:p>
+            <a:pPr marL="0" indent="0">
+              <a:buNone/>
+            </a:pPr>
+            <a:r>
+              <a:rPr lang="fr-FR" dirty="0"/>
+              <a:t>Via leur smartphone (compatible NFC) et un casque de réalité virtuelle, ils pourront bénéficier d’animations dynamiques pour connaître l’histoire d’un tableau, d’une statue, ou d’un autre élément touristique…</a:t>
+            </a:r>
+          </a:p>
+        </p:txBody>
+      </p:sp>
+    </p:spTree>
+    <p:extLst>
+      <p:ext uri="{BB962C8B-B14F-4D97-AF65-F5344CB8AC3E}">
+        <p14:creationId xmlns:p14="http://schemas.microsoft.com/office/powerpoint/2010/main" val="1803925724"/>
+      </p:ext>
+    </p:extLst>
+  </p:cSld>
+  <p:clrMapOvr>
+    <a:masterClrMapping/>
+  </p:clrMapOvr>
+</p:sld>
+</file>
+
+<file path=ppt/slides/slide4.xml><?xml version="1.0" encoding="utf-8"?>
+<p:sld xmlns:a="http://schemas.openxmlformats.org/drawingml/2006/main" xmlns:r="http://schemas.openxmlformats.org/officeDocument/2006/relationships" xmlns:p="http://schemas.openxmlformats.org/presentationml/2006/main">
+  <p:cSld>
+    <p:spTree>
+      <p:nvGrpSpPr>
+        <p:cNvPr id="1" name=""/>
+        <p:cNvGrpSpPr/>
+        <p:nvPr/>
+      </p:nvGrpSpPr>
+      <p:grpSpPr>
+        <a:xfrm>
+          <a:off x="0" y="0"/>
+          <a:ext cx="0" cy="0"/>
+          <a:chOff x="0" y="0"/>
+          <a:chExt cx="0" cy="0"/>
+        </a:xfrm>
+      </p:grpSpPr>
+      <p:sp>
+        <p:nvSpPr>
+          <p:cNvPr id="2" name="Titre 1"/>
+          <p:cNvSpPr>
+            <a:spLocks noGrp="1"/>
+          </p:cNvSpPr>
+          <p:nvPr>
+            <p:ph type="title"/>
+          </p:nvPr>
+        </p:nvSpPr>
+        <p:spPr/>
+        <p:txBody>
+          <a:bodyPr/>
+          <a:lstStyle/>
+          <a:p>
+            <a:r>
+              <a:rPr lang="fr-FR" dirty="0"/>
+              <a:t>Objectifs</a:t>
+            </a:r>
+          </a:p>
+        </p:txBody>
+      </p:sp>
+      <p:sp>
+        <p:nvSpPr>
+          <p:cNvPr id="3" name="Espace réservé du contenu 2"/>
+          <p:cNvSpPr>
+            <a:spLocks noGrp="1"/>
+          </p:cNvSpPr>
+          <p:nvPr>
+            <p:ph idx="1"/>
+          </p:nvPr>
+        </p:nvSpPr>
+        <p:spPr/>
+        <p:txBody>
+          <a:bodyPr/>
+          <a:lstStyle/>
+          <a:p>
+            <a:r>
+              <a:rPr lang="fr-FR" dirty="0"/>
+              <a:t>Guider les touristes</a:t>
+            </a:r>
+          </a:p>
+          <a:p>
+            <a:r>
+              <a:rPr lang="fr-FR" dirty="0"/>
+              <a:t>Mettre les touristes en immersion virtuelle (environnement immersif)</a:t>
+            </a:r>
+          </a:p>
+          <a:p>
+            <a:r>
+              <a:rPr lang="fr-FR" dirty="0"/>
+              <a:t>Informer les touristes sur l’histoire de l’endroit ou de l’objet concerné</a:t>
+            </a:r>
+          </a:p>
+          <a:p>
+            <a:r>
+              <a:rPr lang="fr-FR" dirty="0"/>
+              <a:t>Animer dynamiquement l’histoire de l’endroit ou de l’objet concerné</a:t>
+            </a:r>
+          </a:p>
+          <a:p>
+            <a:r>
+              <a:rPr lang="fr-FR" dirty="0"/>
+              <a:t>Augmenter l’attractivité du lieu touristique équipé de cette technologie</a:t>
+            </a:r>
+          </a:p>
+        </p:txBody>
+      </p:sp>
+    </p:spTree>
+    <p:extLst>
+      <p:ext uri="{BB962C8B-B14F-4D97-AF65-F5344CB8AC3E}">
+        <p14:creationId xmlns:p14="http://schemas.microsoft.com/office/powerpoint/2010/main" val="2416709490"/>
+      </p:ext>
+    </p:extLst>
+  </p:cSld>
+  <p:clrMapOvr>
+    <a:masterClrMapping/>
+  </p:clrMapOvr>
+</p:sld>
+</file>
+
+<file path=ppt/slides/slide5.xml><?xml version="1.0" encoding="utf-8"?>
+<p:sld xmlns:a="http://schemas.openxmlformats.org/drawingml/2006/main" xmlns:r="http://schemas.openxmlformats.org/officeDocument/2006/relationships" xmlns:p="http://schemas.openxmlformats.org/presentationml/2006/main">
+  <p:cSld>
+    <p:spTree>
+      <p:nvGrpSpPr>
+        <p:cNvPr id="1" name=""/>
+        <p:cNvGrpSpPr/>
+        <p:nvPr/>
+      </p:nvGrpSpPr>
+      <p:grpSpPr>
+        <a:xfrm>
+          <a:off x="0" y="0"/>
+          <a:ext cx="0" cy="0"/>
+          <a:chOff x="0" y="0"/>
+          <a:chExt cx="0" cy="0"/>
+        </a:xfrm>
+      </p:grpSpPr>
+      <p:sp>
+        <p:nvSpPr>
+          <p:cNvPr id="2" name="Titre 1"/>
+          <p:cNvSpPr>
+            <a:spLocks noGrp="1"/>
+          </p:cNvSpPr>
+          <p:nvPr>
+            <p:ph type="title"/>
+          </p:nvPr>
+        </p:nvSpPr>
+        <p:spPr/>
+        <p:txBody>
+          <a:bodyPr/>
+          <a:lstStyle/>
+          <a:p>
+            <a:r>
+              <a:rPr lang="fr-FR" dirty="0"/>
+              <a:t>Répartition des tâches</a:t>
+            </a:r>
+          </a:p>
+        </p:txBody>
+      </p:sp>
+      <p:sp>
+        <p:nvSpPr>
+          <p:cNvPr id="3" name="Espace réservé du contenu 2"/>
+          <p:cNvSpPr>
+            <a:spLocks noGrp="1"/>
+          </p:cNvSpPr>
+          <p:nvPr>
+            <p:ph idx="1"/>
+          </p:nvPr>
+        </p:nvSpPr>
+        <p:spPr>
+          <a:xfrm>
+            <a:off x="818712" y="2671173"/>
+            <a:ext cx="10554574" cy="3636511"/>
+          </a:xfrm>
+        </p:spPr>
+        <p:txBody>
+          <a:bodyPr>
+            <a:normAutofit fontScale="77500" lnSpcReduction="20000"/>
+          </a:bodyPr>
+          <a:lstStyle/>
+          <a:p>
+            <a:r>
+              <a:rPr lang="fr-FR" dirty="0"/>
+              <a:t>El </a:t>
+            </a:r>
+            <a:r>
+              <a:rPr lang="fr-FR" dirty="0" err="1"/>
+              <a:t>Karmoudi</a:t>
+            </a:r>
+            <a:r>
+              <a:rPr lang="fr-FR" dirty="0"/>
+              <a:t> Mohamed :</a:t>
+            </a:r>
+          </a:p>
+          <a:p>
+            <a:pPr lvl="1"/>
+            <a:r>
+              <a:rPr lang="fr-FR" dirty="0"/>
+              <a:t>Mise en place de la communication entre l’application Android et le serveur.</a:t>
+            </a:r>
+          </a:p>
+          <a:p>
+            <a:r>
+              <a:rPr lang="fr-FR" dirty="0" err="1"/>
+              <a:t>Bernatene</a:t>
+            </a:r>
+            <a:r>
+              <a:rPr lang="fr-FR" dirty="0"/>
+              <a:t> </a:t>
+            </a:r>
+            <a:r>
+              <a:rPr lang="fr-FR" dirty="0" err="1"/>
+              <a:t>Gael</a:t>
+            </a:r>
+            <a:r>
+              <a:rPr lang="fr-FR" dirty="0"/>
+              <a:t> :</a:t>
+            </a:r>
+          </a:p>
+          <a:p>
+            <a:pPr lvl="1"/>
+            <a:r>
+              <a:rPr lang="fr-FR" dirty="0"/>
+              <a:t>Programmation du Web Service (serveur).</a:t>
+            </a:r>
+          </a:p>
+          <a:p>
+            <a:pPr lvl="1"/>
+            <a:r>
+              <a:rPr lang="fr-FR" dirty="0"/>
+              <a:t>Mise en place d’un back-office (Mise à jour des vidéos dans la base de données).</a:t>
+            </a:r>
+          </a:p>
+          <a:p>
+            <a:r>
+              <a:rPr lang="fr-FR" dirty="0" err="1"/>
+              <a:t>Trech</a:t>
+            </a:r>
+            <a:r>
+              <a:rPr lang="fr-FR" dirty="0"/>
+              <a:t> </a:t>
+            </a:r>
+            <a:r>
+              <a:rPr lang="fr-FR" dirty="0" err="1"/>
+              <a:t>Yanice</a:t>
+            </a:r>
+            <a:r>
+              <a:rPr lang="fr-FR" dirty="0"/>
+              <a:t> :</a:t>
+            </a:r>
+          </a:p>
+          <a:p>
+            <a:pPr lvl="1"/>
+            <a:r>
+              <a:rPr lang="fr-FR" dirty="0"/>
+              <a:t>Utilisation d’</a:t>
+            </a:r>
+            <a:r>
+              <a:rPr lang="fr-FR" dirty="0" err="1"/>
+              <a:t>Unity</a:t>
+            </a:r>
+            <a:endParaRPr lang="fr-FR" dirty="0"/>
+          </a:p>
+          <a:p>
+            <a:pPr lvl="1"/>
+            <a:r>
+              <a:rPr lang="fr-FR" dirty="0"/>
+              <a:t>Création et implémentation de vidéos VR.</a:t>
+            </a:r>
+          </a:p>
+          <a:p>
+            <a:pPr lvl="1"/>
+            <a:r>
+              <a:rPr lang="fr-FR" dirty="0"/>
+              <a:t>Insertion (</a:t>
+            </a:r>
+            <a:r>
+              <a:rPr lang="fr-FR" dirty="0" err="1"/>
+              <a:t>upload</a:t>
+            </a:r>
+            <a:r>
+              <a:rPr lang="fr-FR" dirty="0"/>
+              <a:t>) de vidéos VR sur la chaîne </a:t>
+            </a:r>
+            <a:r>
+              <a:rPr lang="fr-FR" dirty="0" err="1"/>
+              <a:t>Youtube</a:t>
+            </a:r>
+            <a:r>
+              <a:rPr lang="fr-FR" dirty="0"/>
+              <a:t>.</a:t>
+            </a:r>
+          </a:p>
+          <a:p>
+            <a:r>
+              <a:rPr lang="fr-FR" dirty="0" err="1"/>
+              <a:t>Lembo</a:t>
+            </a:r>
+            <a:r>
+              <a:rPr lang="fr-FR" dirty="0"/>
+              <a:t> Romain :</a:t>
+            </a:r>
+          </a:p>
+          <a:p>
+            <a:pPr lvl="1"/>
+            <a:r>
+              <a:rPr lang="fr-FR" dirty="0"/>
+              <a:t>Mise en place de l’architecture NFC.</a:t>
+            </a:r>
+          </a:p>
+          <a:p>
+            <a:pPr lvl="1"/>
+            <a:r>
+              <a:rPr lang="fr-FR" dirty="0"/>
+              <a:t>Création interface Application.</a:t>
+            </a:r>
+          </a:p>
+          <a:p>
+            <a:pPr lvl="1"/>
+            <a:r>
+              <a:rPr lang="fr-FR" dirty="0"/>
+              <a:t>Gestion du matériel.</a:t>
+            </a:r>
+          </a:p>
+        </p:txBody>
+      </p:sp>
+    </p:spTree>
+    <p:extLst>
+      <p:ext uri="{BB962C8B-B14F-4D97-AF65-F5344CB8AC3E}">
+        <p14:creationId xmlns:p14="http://schemas.microsoft.com/office/powerpoint/2010/main" val="1118825739"/>
+      </p:ext>
+    </p:extLst>
+  </p:cSld>
+  <p:clrMapOvr>
+    <a:masterClrMapping/>
+  </p:clrMapOvr>
+</p:sld>
+</file>
+
+<file path=ppt/slides/slide6.xml><?xml version="1.0" encoding="utf-8"?>
+<p:sld xmlns:a="http://schemas.openxmlformats.org/drawingml/2006/main" xmlns:r="http://schemas.openxmlformats.org/officeDocument/2006/relationships" xmlns:p="http://schemas.openxmlformats.org/presentationml/2006/main">
+  <p:cSld>
+    <p:spTree>
+      <p:nvGrpSpPr>
+        <p:cNvPr id="1" name=""/>
+        <p:cNvGrpSpPr/>
+        <p:nvPr/>
+      </p:nvGrpSpPr>
+      <p:grpSpPr>
+        <a:xfrm>
+          <a:off x="0" y="0"/>
+          <a:ext cx="0" cy="0"/>
+          <a:chOff x="0" y="0"/>
+          <a:chExt cx="0" cy="0"/>
+        </a:xfrm>
+      </p:grpSpPr>
+      <p:sp>
+        <p:nvSpPr>
+          <p:cNvPr id="2" name="Titre 1"/>
+          <p:cNvSpPr>
+            <a:spLocks noGrp="1"/>
+          </p:cNvSpPr>
+          <p:nvPr>
+            <p:ph type="title"/>
+          </p:nvPr>
+        </p:nvSpPr>
+        <p:spPr/>
+        <p:txBody>
+          <a:bodyPr/>
+          <a:lstStyle/>
+          <a:p>
+            <a:r>
+              <a:rPr lang="fr-FR" dirty="0"/>
+              <a:t>Outils, technologies</a:t>
+            </a:r>
+          </a:p>
+        </p:txBody>
+      </p:sp>
+      <p:sp>
+        <p:nvSpPr>
+          <p:cNvPr id="3" name="Espace réservé du contenu 2"/>
+          <p:cNvSpPr>
+            <a:spLocks noGrp="1"/>
+          </p:cNvSpPr>
+          <p:nvPr>
+            <p:ph idx="1"/>
+          </p:nvPr>
+        </p:nvSpPr>
+        <p:spPr>
+          <a:xfrm>
+            <a:off x="810000" y="2579734"/>
+            <a:ext cx="10554574" cy="4203451"/>
+          </a:xfrm>
+        </p:spPr>
+        <p:txBody>
+          <a:bodyPr>
+            <a:normAutofit fontScale="92500" lnSpcReduction="20000"/>
+          </a:bodyPr>
+          <a:lstStyle/>
+          <a:p>
+            <a:endParaRPr lang="fr-FR" dirty="0"/>
+          </a:p>
+          <a:p>
+            <a:r>
+              <a:rPr lang="fr-FR" dirty="0"/>
+              <a:t>Tags NFC</a:t>
+            </a:r>
+          </a:p>
+          <a:p>
+            <a:pPr lvl="1"/>
+            <a:r>
+              <a:rPr lang="fr-FR" dirty="0"/>
+              <a:t>NFC sticker tags (NTAG2313)</a:t>
+            </a:r>
+          </a:p>
+          <a:p>
+            <a:r>
+              <a:rPr lang="fr-FR" dirty="0"/>
+              <a:t>Casque de réalité virtuelle;</a:t>
+            </a:r>
+          </a:p>
+          <a:p>
+            <a:pPr lvl="1"/>
+            <a:r>
+              <a:rPr lang="fr-FR" dirty="0"/>
+              <a:t>Casque </a:t>
+            </a:r>
+            <a:r>
+              <a:rPr lang="fr-FR" dirty="0" err="1"/>
+              <a:t>iHarbort</a:t>
+            </a:r>
+            <a:r>
+              <a:rPr lang="fr-FR" dirty="0"/>
+              <a:t> (Virtual reality glasses)</a:t>
+            </a:r>
+          </a:p>
+          <a:p>
+            <a:r>
+              <a:rPr lang="fr-FR" dirty="0"/>
+              <a:t>Smartphone compatible casque VR et muni de la technologie NFC.</a:t>
+            </a:r>
+          </a:p>
+          <a:p>
+            <a:pPr lvl="1"/>
+            <a:r>
+              <a:rPr lang="fr-FR" dirty="0"/>
+              <a:t>Samsung </a:t>
+            </a:r>
+            <a:r>
+              <a:rPr lang="fr-FR" dirty="0" err="1"/>
+              <a:t>Galaxy</a:t>
+            </a:r>
+            <a:r>
+              <a:rPr lang="fr-FR" dirty="0"/>
+              <a:t> S6</a:t>
+            </a:r>
+          </a:p>
+          <a:p>
+            <a:r>
+              <a:rPr lang="fr-FR" dirty="0"/>
+              <a:t>Serveur </a:t>
+            </a:r>
+            <a:r>
+              <a:rPr lang="fr-FR" dirty="0" err="1"/>
+              <a:t>debian</a:t>
+            </a:r>
+            <a:r>
+              <a:rPr lang="fr-FR" dirty="0"/>
+              <a:t> </a:t>
+            </a:r>
+          </a:p>
+          <a:p>
+            <a:pPr lvl="1"/>
+            <a:r>
+              <a:rPr lang="fr-FR" dirty="0" err="1"/>
+              <a:t>Lamp</a:t>
+            </a:r>
+            <a:r>
+              <a:rPr lang="fr-FR" dirty="0"/>
+              <a:t> (Linux, apache, MySQL, </a:t>
+            </a:r>
+            <a:r>
+              <a:rPr lang="fr-FR" dirty="0" err="1"/>
+              <a:t>php</a:t>
+            </a:r>
+            <a:r>
+              <a:rPr lang="fr-FR" dirty="0"/>
+              <a:t>)</a:t>
+            </a:r>
+          </a:p>
+          <a:p>
+            <a:r>
+              <a:rPr lang="fr-FR" dirty="0" err="1"/>
+              <a:t>Unity</a:t>
+            </a:r>
+            <a:endParaRPr lang="fr-FR" dirty="0"/>
+          </a:p>
+          <a:p>
+            <a:r>
+              <a:rPr lang="fr-FR" dirty="0"/>
+              <a:t>Android Studio (IDE) – langage Java</a:t>
+            </a:r>
+          </a:p>
+          <a:p>
+            <a:r>
+              <a:rPr lang="fr-FR" dirty="0" err="1"/>
+              <a:t>PhpStorm</a:t>
+            </a:r>
+            <a:r>
+              <a:rPr lang="fr-FR" dirty="0"/>
+              <a:t> (IDE) - langage PHP</a:t>
+            </a:r>
+          </a:p>
+          <a:p>
+            <a:pPr marL="0" indent="0">
+              <a:buNone/>
+            </a:pPr>
+            <a:endParaRPr lang="fr-FR" dirty="0"/>
+          </a:p>
+          <a:p>
+            <a:pPr marL="457200" lvl="1" indent="0">
+              <a:buNone/>
+            </a:pPr>
+            <a:endParaRPr lang="fr-FR" dirty="0"/>
+          </a:p>
+          <a:p>
+            <a:endParaRPr lang="fr-FR" dirty="0"/>
+          </a:p>
+        </p:txBody>
+      </p:sp>
+    </p:spTree>
+    <p:extLst>
+      <p:ext uri="{BB962C8B-B14F-4D97-AF65-F5344CB8AC3E}">
+        <p14:creationId xmlns:p14="http://schemas.microsoft.com/office/powerpoint/2010/main" val="2084653172"/>
+      </p:ext>
+    </p:extLst>
+  </p:cSld>
+  <p:clrMapOvr>
+    <a:masterClrMapping/>
+  </p:clrMapOvr>
+</p:sld>
+</file>
+
+<file path=ppt/slides/slide7.xml><?xml version="1.0" encoding="utf-8"?>
+<p:sld xmlns:a="http://schemas.openxmlformats.org/drawingml/2006/main" xmlns:r="http://schemas.openxmlformats.org/officeDocument/2006/relationships" xmlns:p="http://schemas.openxmlformats.org/presentationml/2006/main">
+  <p:cSld>
+    <p:spTree>
+      <p:nvGrpSpPr>
+        <p:cNvPr id="1" name=""/>
+        <p:cNvGrpSpPr/>
+        <p:nvPr/>
+      </p:nvGrpSpPr>
+      <p:grpSpPr>
+        <a:xfrm>
+          <a:off x="0" y="0"/>
+          <a:ext cx="0" cy="0"/>
+          <a:chOff x="0" y="0"/>
+          <a:chExt cx="0" cy="0"/>
+        </a:xfrm>
+      </p:grpSpPr>
+      <p:sp>
+        <p:nvSpPr>
+          <p:cNvPr id="2" name="Titre 1"/>
+          <p:cNvSpPr>
+            <a:spLocks noGrp="1"/>
+          </p:cNvSpPr>
+          <p:nvPr>
+            <p:ph type="title"/>
+          </p:nvPr>
+        </p:nvSpPr>
+        <p:spPr/>
+        <p:txBody>
+          <a:bodyPr/>
+          <a:lstStyle/>
+          <a:p>
+            <a:r>
+              <a:rPr lang="fr-FR" dirty="0"/>
+              <a:t>Romain : Technologies (1/7)</a:t>
+            </a:r>
+          </a:p>
+        </p:txBody>
+      </p:sp>
+      <p:pic>
+        <p:nvPicPr>
+          <p:cNvPr id="7" name="Image 6"/>
+          <p:cNvPicPr>
+            <a:picLocks noChangeAspect="1"/>
+          </p:cNvPicPr>
+          <p:nvPr/>
+        </p:nvPicPr>
+        <p:blipFill>
+          <a:blip r:embed="rId2">
+            <a:extLst>
+              <a:ext uri="{28A0092B-C50C-407E-A947-70E740481C1C}">
+                <a14:useLocalDpi xmlns:a14="http://schemas.microsoft.com/office/drawing/2010/main" val="0"/>
+              </a:ext>
+            </a:extLst>
+          </a:blip>
+          <a:stretch>
+            <a:fillRect/>
+          </a:stretch>
+        </p:blipFill>
+        <p:spPr>
+          <a:xfrm>
+            <a:off x="3669385" y="3562661"/>
+            <a:ext cx="1700566" cy="952018"/>
+          </a:xfrm>
+          <a:prstGeom prst="rect">
+            <a:avLst/>
+          </a:prstGeom>
+        </p:spPr>
+      </p:pic>
+      <p:graphicFrame>
+        <p:nvGraphicFramePr>
+          <p:cNvPr id="8" name="Tableau 7"/>
+          <p:cNvGraphicFramePr>
+            <a:graphicFrameLocks noGrp="1"/>
+          </p:cNvGraphicFramePr>
+          <p:nvPr>
+            <p:extLst/>
+          </p:nvPr>
+        </p:nvGraphicFramePr>
+        <p:xfrm>
+          <a:off x="810000" y="3081629"/>
+          <a:ext cx="10563286" cy="2515470"/>
+        </p:xfrm>
+        <a:graphic>
+          <a:graphicData uri="http://schemas.openxmlformats.org/drawingml/2006/table">
+            <a:tbl>
+              <a:tblPr firstRow="1" bandRow="1">
+                <a:tableStyleId>{5C22544A-7EE6-4342-B048-85BDC9FD1C3A}</a:tableStyleId>
+              </a:tblPr>
+              <a:tblGrid>
+                <a:gridCol w="5281643">
+                  <a:extLst>
+                    <a:ext uri="{9D8B030D-6E8A-4147-A177-3AD203B41FA5}">
+                      <a16:colId xmlns:a16="http://schemas.microsoft.com/office/drawing/2014/main" val="702011547"/>
+                    </a:ext>
+                  </a:extLst>
+                </a:gridCol>
+                <a:gridCol w="5281643">
+                  <a:extLst>
+                    <a:ext uri="{9D8B030D-6E8A-4147-A177-3AD203B41FA5}">
+                      <a16:colId xmlns:a16="http://schemas.microsoft.com/office/drawing/2014/main" val="3959156743"/>
+                    </a:ext>
+                  </a:extLst>
+                </a:gridCol>
+              </a:tblGrid>
+              <a:tr h="424542">
+                <a:tc>
+                  <a:txBody>
+                    <a:bodyPr/>
+                    <a:lstStyle/>
+                    <a:p>
+                      <a:pPr lvl="1"/>
+                      <a:r>
+                        <a:rPr lang="fr-FR" dirty="0"/>
+                        <a:t>Programmation de l’application VR.</a:t>
+                      </a:r>
+                    </a:p>
+                  </a:txBody>
+                  <a:tcPr>
+                    <a:lnL w="12700" cmpd="sng">
+                      <a:noFill/>
+                    </a:lnL>
+                    <a:lnR w="12700" cmpd="sng">
+                      <a:noFill/>
+                    </a:lnR>
+                    <a:lnT w="12700" cmpd="sng">
+                      <a:noFill/>
+                    </a:lnT>
+                    <a:lnB w="38100" cmpd="sng">
+                      <a:noFill/>
+                    </a:lnB>
+                    <a:lnTlToBr w="12700" cmpd="sng">
+                      <a:noFill/>
+                      <a:prstDash val="solid"/>
+                    </a:lnTlToBr>
+                    <a:lnBlToTr w="12700" cmpd="sng">
+                      <a:noFill/>
+                      <a:prstDash val="solid"/>
+                    </a:lnBlToTr>
+                    <a:noFill/>
+                  </a:tcPr>
+                </a:tc>
+                <a:tc>
+                  <a:txBody>
+                    <a:bodyPr/>
+                    <a:lstStyle/>
+                    <a:p>
+                      <a:pPr lvl="1"/>
+                      <a:r>
+                        <a:rPr lang="fr-FR" dirty="0"/>
+                        <a:t>Ecriture / Lecture des Tags NFC,</a:t>
+                      </a:r>
+                      <a:r>
+                        <a:rPr lang="fr-FR" baseline="0" dirty="0"/>
+                        <a:t> Matériels</a:t>
+                      </a:r>
+                      <a:endParaRPr lang="fr-FR" dirty="0"/>
+                    </a:p>
+                  </a:txBody>
+                  <a:tcPr>
+                    <a:lnL w="12700" cmpd="sng">
+                      <a:noFill/>
+                    </a:lnL>
+                    <a:lnR w="12700" cmpd="sng">
+                      <a:noFill/>
+                    </a:lnR>
+                    <a:lnT w="12700" cmpd="sng">
+                      <a:noFill/>
+                    </a:lnT>
+                    <a:lnB w="38100" cmpd="sng">
+                      <a:noFill/>
+                    </a:lnB>
+                    <a:lnTlToBr w="12700" cmpd="sng">
+                      <a:noFill/>
+                      <a:prstDash val="solid"/>
+                    </a:lnTlToBr>
+                    <a:lnBlToTr w="12700" cmpd="sng">
+                      <a:noFill/>
+                      <a:prstDash val="solid"/>
+                    </a:lnBlToTr>
+                    <a:noFill/>
+                  </a:tcPr>
+                </a:tc>
+                <a:extLst>
+                  <a:ext uri="{0D108BD9-81ED-4DB2-BD59-A6C34878D82A}">
+                    <a16:rowId xmlns:a16="http://schemas.microsoft.com/office/drawing/2014/main" val="794584332"/>
+                  </a:ext>
+                </a:extLst>
+              </a:tr>
+              <a:tr h="1029456">
+                <a:tc>
+                  <a:txBody>
+                    <a:bodyPr/>
+                    <a:lstStyle/>
+                    <a:p>
+                      <a:pPr marL="0" marR="0" lvl="0" indent="0" algn="l" defTabSz="457200" rtl="0" eaLnBrk="1" fontAlgn="auto" latinLnBrk="0" hangingPunct="1">
+                        <a:lnSpc>
+                          <a:spcPct val="100000"/>
+                        </a:lnSpc>
+                        <a:spcBef>
+                          <a:spcPct val="20000"/>
+                        </a:spcBef>
+                        <a:spcAft>
+                          <a:spcPts val="600"/>
+                        </a:spcAft>
+                        <a:buClr>
+                          <a:srgbClr val="00C6BB"/>
+                        </a:buClr>
+                        <a:buSzTx/>
+                        <a:buFont typeface="Wingdings 2" charset="2"/>
+                        <a:buNone/>
+                        <a:tabLst/>
+                        <a:defRPr/>
+                      </a:pPr>
+                      <a:endParaRPr kumimoji="0" lang="fr-FR" sz="1800" b="0" i="0" u="none" strike="noStrike" kern="1200" cap="none" spc="0" normalizeH="0" baseline="0" noProof="0" dirty="0">
+                        <a:ln>
+                          <a:noFill/>
+                        </a:ln>
+                        <a:solidFill>
+                          <a:prstClr val="white"/>
+                        </a:solidFill>
+                        <a:effectLst/>
+                        <a:uLnTx/>
+                        <a:uFillTx/>
+                        <a:latin typeface="Century Gothic" panose="020B0502020202020204"/>
+                        <a:ea typeface="+mn-ea"/>
+                        <a:cs typeface="+mn-cs"/>
+                      </a:endParaRPr>
+                    </a:p>
+                    <a:p>
+                      <a:pPr marL="342900" marR="0" lvl="0" indent="-342900" algn="l" defTabSz="457200" rtl="0" eaLnBrk="1" fontAlgn="auto" latinLnBrk="0" hangingPunct="1">
+                        <a:lnSpc>
+                          <a:spcPct val="100000"/>
+                        </a:lnSpc>
+                        <a:spcBef>
+                          <a:spcPct val="20000"/>
+                        </a:spcBef>
+                        <a:spcAft>
+                          <a:spcPts val="600"/>
+                        </a:spcAft>
+                        <a:buClr>
+                          <a:srgbClr val="00C6BB"/>
+                        </a:buClr>
+                        <a:buSzTx/>
+                        <a:buFont typeface="Wingdings 2" charset="2"/>
+                        <a:buChar char=""/>
+                        <a:tabLst/>
+                        <a:defRPr/>
+                      </a:pPr>
+                      <a:r>
+                        <a:rPr kumimoji="0" lang="fr-FR" sz="1800" b="0" i="0" u="none" strike="noStrike" kern="1200" cap="none" spc="0" normalizeH="0" baseline="0" noProof="0" dirty="0">
+                          <a:ln>
+                            <a:noFill/>
+                          </a:ln>
+                          <a:solidFill>
+                            <a:prstClr val="white"/>
+                          </a:solidFill>
+                          <a:effectLst/>
+                          <a:uLnTx/>
+                          <a:uFillTx/>
+                          <a:latin typeface="Century Gothic" panose="020B0502020202020204"/>
+                          <a:ea typeface="+mn-ea"/>
+                          <a:cs typeface="+mn-cs"/>
+                        </a:rPr>
+                        <a:t>Langage : Java </a:t>
+                      </a:r>
+                    </a:p>
+                  </a:txBody>
+                  <a:tcPr>
+                    <a:lnL w="12700" cmpd="sng">
+                      <a:noFill/>
+                    </a:lnL>
+                    <a:lnR w="12700" cmpd="sng">
+                      <a:noFill/>
+                    </a:lnR>
+                    <a:lnT w="38100" cmpd="sng">
+                      <a:noFill/>
+                    </a:lnT>
+                    <a:lnB w="12700" cmpd="sng">
+                      <a:noFill/>
+                    </a:lnB>
+                    <a:lnTlToBr w="12700" cmpd="sng">
+                      <a:noFill/>
+                      <a:prstDash val="solid"/>
+                    </a:lnTlToBr>
+                    <a:lnBlToTr w="12700" cmpd="sng">
+                      <a:noFill/>
+                      <a:prstDash val="solid"/>
+                    </a:lnBlToTr>
+                    <a:noFill/>
+                  </a:tcPr>
+                </a:tc>
+                <a:tc>
+                  <a:txBody>
+                    <a:bodyPr/>
+                    <a:lstStyle/>
+                    <a:p>
+                      <a:pPr marL="0" marR="0" lvl="0" indent="0" algn="l" defTabSz="457200" rtl="0" eaLnBrk="1" fontAlgn="auto" latinLnBrk="0" hangingPunct="1">
+                        <a:lnSpc>
+                          <a:spcPct val="100000"/>
+                        </a:lnSpc>
+                        <a:spcBef>
+                          <a:spcPct val="20000"/>
+                        </a:spcBef>
+                        <a:spcAft>
+                          <a:spcPts val="600"/>
+                        </a:spcAft>
+                        <a:buClr>
+                          <a:srgbClr val="00C6BB"/>
+                        </a:buClr>
+                        <a:buSzTx/>
+                        <a:buFont typeface="Wingdings 2" charset="2"/>
+                        <a:buNone/>
+                        <a:tabLst/>
+                        <a:defRPr/>
+                      </a:pPr>
+                      <a:endParaRPr kumimoji="0" lang="fr-FR" sz="1800" b="0" i="0" u="none" strike="noStrike" kern="1200" cap="none" spc="0" normalizeH="0" baseline="0" noProof="0" dirty="0">
+                        <a:ln>
+                          <a:noFill/>
+                        </a:ln>
+                        <a:solidFill>
+                          <a:prstClr val="white"/>
+                        </a:solidFill>
+                        <a:effectLst/>
+                        <a:uLnTx/>
+                        <a:uFillTx/>
+                        <a:latin typeface="Century Gothic" panose="020B0502020202020204"/>
+                        <a:ea typeface="+mn-ea"/>
+                        <a:cs typeface="+mn-cs"/>
+                      </a:endParaRPr>
+                    </a:p>
+                    <a:p>
+                      <a:pPr marL="342900" marR="0" lvl="0" indent="-342900" algn="l" defTabSz="457200" rtl="0" eaLnBrk="1" fontAlgn="auto" latinLnBrk="0" hangingPunct="1">
+                        <a:lnSpc>
+                          <a:spcPct val="100000"/>
+                        </a:lnSpc>
+                        <a:spcBef>
+                          <a:spcPct val="20000"/>
+                        </a:spcBef>
+                        <a:spcAft>
+                          <a:spcPts val="600"/>
+                        </a:spcAft>
+                        <a:buClr>
+                          <a:srgbClr val="00C6BB"/>
+                        </a:buClr>
+                        <a:buSzTx/>
+                        <a:buFont typeface="Wingdings 2" charset="2"/>
+                        <a:buChar char=""/>
+                        <a:tabLst/>
+                        <a:defRPr/>
+                      </a:pPr>
+                      <a:r>
+                        <a:rPr kumimoji="0" lang="fr-FR" sz="1800" b="0" i="0" u="none" strike="noStrike" kern="1200" cap="none" spc="0" normalizeH="0" baseline="0" noProof="0" dirty="0">
+                          <a:ln>
+                            <a:noFill/>
+                          </a:ln>
+                          <a:solidFill>
+                            <a:prstClr val="white"/>
+                          </a:solidFill>
+                          <a:effectLst/>
+                          <a:uLnTx/>
+                          <a:uFillTx/>
+                          <a:latin typeface="Century Gothic" panose="020B0502020202020204"/>
+                          <a:ea typeface="+mn-ea"/>
+                          <a:cs typeface="+mn-cs"/>
+                        </a:rPr>
+                        <a:t>Technologie de communication</a:t>
+                      </a:r>
+                      <a:br>
+                        <a:rPr kumimoji="0" lang="fr-FR" sz="1800" b="0" i="0" u="none" strike="noStrike" kern="1200" cap="none" spc="0" normalizeH="0" baseline="0" noProof="0" dirty="0">
+                          <a:ln>
+                            <a:noFill/>
+                          </a:ln>
+                          <a:solidFill>
+                            <a:prstClr val="white"/>
+                          </a:solidFill>
+                          <a:effectLst/>
+                          <a:uLnTx/>
+                          <a:uFillTx/>
+                          <a:latin typeface="Century Gothic" panose="020B0502020202020204"/>
+                          <a:ea typeface="+mn-ea"/>
+                          <a:cs typeface="+mn-cs"/>
+                        </a:rPr>
+                      </a:br>
+                      <a:r>
+                        <a:rPr kumimoji="0" lang="fr-FR" sz="1800" b="0" i="0" u="none" strike="noStrike" kern="1200" cap="none" spc="0" normalizeH="0" baseline="0" noProof="0" dirty="0">
+                          <a:ln>
+                            <a:noFill/>
+                          </a:ln>
+                          <a:solidFill>
+                            <a:prstClr val="white"/>
+                          </a:solidFill>
+                          <a:effectLst/>
+                          <a:uLnTx/>
+                          <a:uFillTx/>
+                          <a:latin typeface="Century Gothic" panose="020B0502020202020204"/>
+                          <a:ea typeface="+mn-ea"/>
+                          <a:cs typeface="+mn-cs"/>
+                        </a:rPr>
+                        <a:t>sans fil : Stickers NFC</a:t>
+                      </a:r>
+                    </a:p>
+                  </a:txBody>
+                  <a:tcPr>
+                    <a:lnL w="12700" cmpd="sng">
+                      <a:noFill/>
+                    </a:lnL>
+                    <a:lnR w="12700" cmpd="sng">
+                      <a:noFill/>
+                    </a:lnR>
+                    <a:lnT w="38100" cmpd="sng">
+                      <a:noFill/>
+                    </a:lnT>
+                    <a:lnB w="12700" cmpd="sng">
+                      <a:noFill/>
+                    </a:lnB>
+                    <a:lnTlToBr w="12700" cmpd="sng">
+                      <a:noFill/>
+                      <a:prstDash val="solid"/>
+                    </a:lnTlToBr>
+                    <a:lnBlToTr w="12700" cmpd="sng">
+                      <a:noFill/>
+                      <a:prstDash val="solid"/>
+                    </a:lnBlToTr>
+                    <a:noFill/>
+                  </a:tcPr>
+                </a:tc>
+                <a:extLst>
+                  <a:ext uri="{0D108BD9-81ED-4DB2-BD59-A6C34878D82A}">
+                    <a16:rowId xmlns:a16="http://schemas.microsoft.com/office/drawing/2014/main" val="2425151213"/>
+                  </a:ext>
+                </a:extLst>
+              </a:tr>
+              <a:tr h="1029456">
+                <a:tc>
+                  <a:txBody>
+                    <a:bodyPr/>
+                    <a:lstStyle/>
+                    <a:p>
+                      <a:pPr marL="0" marR="0" lvl="0" indent="0" algn="l" defTabSz="457200" rtl="0" eaLnBrk="1" fontAlgn="auto" latinLnBrk="0" hangingPunct="1">
+                        <a:lnSpc>
+                          <a:spcPct val="100000"/>
+                        </a:lnSpc>
+                        <a:spcBef>
+                          <a:spcPct val="20000"/>
+                        </a:spcBef>
+                        <a:spcAft>
+                          <a:spcPts val="600"/>
+                        </a:spcAft>
+                        <a:buClr>
+                          <a:srgbClr val="00C6BB"/>
+                        </a:buClr>
+                        <a:buSzTx/>
+                        <a:buFont typeface="Wingdings 2" charset="2"/>
+                        <a:buNone/>
+                        <a:tabLst/>
+                        <a:defRPr/>
+                      </a:pPr>
+                      <a:endParaRPr kumimoji="0" lang="fr-FR" sz="1800" b="0" i="0" u="none" strike="noStrike" kern="1200" cap="none" spc="0" normalizeH="0" baseline="0" noProof="0" dirty="0">
+                        <a:ln>
+                          <a:noFill/>
+                        </a:ln>
+                        <a:solidFill>
+                          <a:prstClr val="white"/>
+                        </a:solidFill>
+                        <a:effectLst/>
+                        <a:uLnTx/>
+                        <a:uFillTx/>
+                        <a:latin typeface="Century Gothic" panose="020B0502020202020204"/>
+                        <a:ea typeface="+mn-ea"/>
+                        <a:cs typeface="+mn-cs"/>
+                      </a:endParaRPr>
+                    </a:p>
+                    <a:p>
+                      <a:pPr marL="342900" marR="0" lvl="0" indent="-342900" algn="l" defTabSz="457200" rtl="0" eaLnBrk="1" fontAlgn="auto" latinLnBrk="0" hangingPunct="1">
+                        <a:lnSpc>
+                          <a:spcPct val="100000"/>
+                        </a:lnSpc>
+                        <a:spcBef>
+                          <a:spcPct val="20000"/>
+                        </a:spcBef>
+                        <a:spcAft>
+                          <a:spcPts val="600"/>
+                        </a:spcAft>
+                        <a:buClr>
+                          <a:srgbClr val="00C6BB"/>
+                        </a:buClr>
+                        <a:buSzTx/>
+                        <a:buFont typeface="Wingdings 2" charset="2"/>
+                        <a:buChar char=""/>
+                        <a:tabLst/>
+                        <a:defRPr/>
+                      </a:pPr>
+                      <a:r>
+                        <a:rPr kumimoji="0" lang="fr-FR" sz="1800" b="0" i="0" u="none" strike="noStrike" kern="1200" cap="none" spc="0" normalizeH="0" baseline="0" noProof="0" dirty="0">
+                          <a:ln>
+                            <a:noFill/>
+                          </a:ln>
+                          <a:solidFill>
+                            <a:prstClr val="white"/>
+                          </a:solidFill>
+                          <a:effectLst/>
+                          <a:uLnTx/>
+                          <a:uFillTx/>
+                          <a:latin typeface="Century Gothic" panose="020B0502020202020204"/>
+                          <a:ea typeface="+mn-ea"/>
+                          <a:cs typeface="+mn-cs"/>
+                        </a:rPr>
+                        <a:t>IDE : Android Studio </a:t>
+                      </a:r>
+                    </a:p>
+                  </a:txBody>
+                  <a:tcPr>
+                    <a:lnL w="12700" cmpd="sng">
+                      <a:noFill/>
+                    </a:lnL>
+                    <a:lnR w="12700" cmpd="sng">
+                      <a:noFill/>
+                    </a:lnR>
+                    <a:lnT w="12700" cmpd="sng">
+                      <a:noFill/>
+                    </a:lnT>
+                    <a:lnB w="12700" cmpd="sng">
+                      <a:noFill/>
+                    </a:lnB>
+                    <a:lnTlToBr w="12700" cmpd="sng">
+                      <a:noFill/>
+                      <a:prstDash val="solid"/>
+                    </a:lnTlToBr>
+                    <a:lnBlToTr w="12700" cmpd="sng">
+                      <a:noFill/>
+                      <a:prstDash val="solid"/>
+                    </a:lnBlToTr>
+                    <a:noFill/>
+                  </a:tcPr>
+                </a:tc>
+                <a:tc>
+                  <a:txBody>
+                    <a:bodyPr/>
+                    <a:lstStyle/>
+                    <a:p>
+                      <a:pPr marL="0" marR="0" lvl="0" indent="0" algn="l" defTabSz="457200" rtl="0" eaLnBrk="1" fontAlgn="auto" latinLnBrk="0" hangingPunct="1">
+                        <a:lnSpc>
+                          <a:spcPct val="100000"/>
+                        </a:lnSpc>
+                        <a:spcBef>
+                          <a:spcPct val="20000"/>
+                        </a:spcBef>
+                        <a:spcAft>
+                          <a:spcPts val="600"/>
+                        </a:spcAft>
+                        <a:buClr>
+                          <a:srgbClr val="00C6BB"/>
+                        </a:buClr>
+                        <a:buSzTx/>
+                        <a:buFont typeface="Wingdings 2" charset="2"/>
+                        <a:buNone/>
+                        <a:tabLst/>
+                        <a:defRPr/>
+                      </a:pPr>
+                      <a:endParaRPr kumimoji="0" lang="fr-FR" sz="1800" b="0" i="0" u="none" strike="noStrike" kern="1200" cap="none" spc="0" normalizeH="0" baseline="0" noProof="0" dirty="0">
+                        <a:ln>
+                          <a:noFill/>
+                        </a:ln>
+                        <a:solidFill>
+                          <a:prstClr val="white"/>
+                        </a:solidFill>
+                        <a:effectLst/>
+                        <a:uLnTx/>
+                        <a:uFillTx/>
+                        <a:latin typeface="Century Gothic" panose="020B0502020202020204"/>
+                        <a:ea typeface="+mn-ea"/>
+                        <a:cs typeface="+mn-cs"/>
+                      </a:endParaRPr>
+                    </a:p>
+                    <a:p>
+                      <a:pPr marL="342900" marR="0" lvl="0" indent="-342900" algn="l" defTabSz="457200" rtl="0" eaLnBrk="1" fontAlgn="auto" latinLnBrk="0" hangingPunct="1">
+                        <a:lnSpc>
+                          <a:spcPct val="100000"/>
+                        </a:lnSpc>
+                        <a:spcBef>
+                          <a:spcPct val="20000"/>
+                        </a:spcBef>
+                        <a:spcAft>
+                          <a:spcPts val="600"/>
+                        </a:spcAft>
+                        <a:buClr>
+                          <a:srgbClr val="00C6BB"/>
+                        </a:buClr>
+                        <a:buSzTx/>
+                        <a:buFont typeface="Wingdings 2" charset="2"/>
+                        <a:buChar char=""/>
+                        <a:tabLst/>
+                        <a:defRPr/>
+                      </a:pPr>
+                      <a:r>
+                        <a:rPr kumimoji="0" lang="fr-FR" sz="1800" b="0" i="0" u="none" strike="noStrike" kern="1200" cap="none" spc="0" normalizeH="0" baseline="0" noProof="0" dirty="0">
+                          <a:ln>
+                            <a:noFill/>
+                          </a:ln>
+                          <a:solidFill>
+                            <a:prstClr val="white"/>
+                          </a:solidFill>
+                          <a:effectLst/>
+                          <a:uLnTx/>
+                          <a:uFillTx/>
+                          <a:latin typeface="Century Gothic" panose="020B0502020202020204"/>
+                          <a:ea typeface="+mn-ea"/>
+                          <a:cs typeface="+mn-cs"/>
+                        </a:rPr>
+                        <a:t>Appareil de communication : </a:t>
+                      </a:r>
+                      <a:br>
+                        <a:rPr kumimoji="0" lang="fr-FR" sz="1800" b="0" i="0" u="none" strike="noStrike" kern="1200" cap="none" spc="0" normalizeH="0" baseline="0" noProof="0" dirty="0">
+                          <a:ln>
+                            <a:noFill/>
+                          </a:ln>
+                          <a:solidFill>
+                            <a:prstClr val="white"/>
+                          </a:solidFill>
+                          <a:effectLst/>
+                          <a:uLnTx/>
+                          <a:uFillTx/>
+                          <a:latin typeface="Century Gothic" panose="020B0502020202020204"/>
+                          <a:ea typeface="+mn-ea"/>
+                          <a:cs typeface="+mn-cs"/>
+                        </a:rPr>
+                      </a:br>
+                      <a:r>
+                        <a:rPr kumimoji="0" lang="fr-FR" sz="1800" b="0" i="0" u="none" strike="noStrike" kern="1200" cap="none" spc="0" normalizeH="0" baseline="0" noProof="0" dirty="0">
+                          <a:ln>
+                            <a:noFill/>
+                          </a:ln>
+                          <a:solidFill>
+                            <a:prstClr val="white"/>
+                          </a:solidFill>
+                          <a:effectLst/>
+                          <a:uLnTx/>
+                          <a:uFillTx/>
+                          <a:latin typeface="Century Gothic" panose="020B0502020202020204"/>
+                          <a:ea typeface="+mn-ea"/>
+                          <a:cs typeface="+mn-cs"/>
+                        </a:rPr>
+                        <a:t>Samsung </a:t>
+                      </a:r>
+                      <a:r>
+                        <a:rPr kumimoji="0" lang="fr-FR" sz="1800" b="0" i="0" u="none" strike="noStrike" kern="1200" cap="none" spc="0" normalizeH="0" baseline="0" noProof="0" dirty="0" err="1">
+                          <a:ln>
+                            <a:noFill/>
+                          </a:ln>
+                          <a:solidFill>
+                            <a:prstClr val="white"/>
+                          </a:solidFill>
+                          <a:effectLst/>
+                          <a:uLnTx/>
+                          <a:uFillTx/>
+                          <a:latin typeface="Century Gothic" panose="020B0502020202020204"/>
+                          <a:ea typeface="+mn-ea"/>
+                          <a:cs typeface="+mn-cs"/>
+                        </a:rPr>
+                        <a:t>Galaxy</a:t>
+                      </a:r>
+                      <a:r>
+                        <a:rPr kumimoji="0" lang="fr-FR" sz="1800" b="0" i="0" u="none" strike="noStrike" kern="1200" cap="none" spc="0" normalizeH="0" baseline="0" noProof="0" dirty="0">
+                          <a:ln>
+                            <a:noFill/>
+                          </a:ln>
+                          <a:solidFill>
+                            <a:prstClr val="white"/>
+                          </a:solidFill>
+                          <a:effectLst/>
+                          <a:uLnTx/>
+                          <a:uFillTx/>
+                          <a:latin typeface="Century Gothic" panose="020B0502020202020204"/>
+                          <a:ea typeface="+mn-ea"/>
+                          <a:cs typeface="+mn-cs"/>
+                        </a:rPr>
+                        <a:t> S6 : </a:t>
+                      </a:r>
+                    </a:p>
+                  </a:txBody>
+                  <a:tcPr>
+                    <a:lnL w="12700" cmpd="sng">
+                      <a:noFill/>
+                    </a:lnL>
+                    <a:lnR w="12700" cmpd="sng">
+                      <a:noFill/>
+                    </a:lnR>
+                    <a:lnT w="12700" cmpd="sng">
+                      <a:noFill/>
+                    </a:lnT>
+                    <a:lnB w="12700" cmpd="sng">
+                      <a:noFill/>
+                    </a:lnB>
+                    <a:lnTlToBr w="12700" cmpd="sng">
+                      <a:noFill/>
+                      <a:prstDash val="solid"/>
+                    </a:lnTlToBr>
+                    <a:lnBlToTr w="12700" cmpd="sng">
+                      <a:noFill/>
+                      <a:prstDash val="solid"/>
+                    </a:lnBlToTr>
+                    <a:noFill/>
+                  </a:tcPr>
+                </a:tc>
+                <a:extLst>
+                  <a:ext uri="{0D108BD9-81ED-4DB2-BD59-A6C34878D82A}">
+                    <a16:rowId xmlns:a16="http://schemas.microsoft.com/office/drawing/2014/main" val="2313727222"/>
+                  </a:ext>
+                </a:extLst>
+              </a:tr>
+            </a:tbl>
+          </a:graphicData>
+        </a:graphic>
+      </p:graphicFrame>
+      <p:pic>
+        <p:nvPicPr>
+          <p:cNvPr id="9" name="Image 8"/>
+          <p:cNvPicPr>
+            <a:picLocks noChangeAspect="1"/>
+          </p:cNvPicPr>
+          <p:nvPr/>
+        </p:nvPicPr>
+        <p:blipFill>
+          <a:blip r:embed="rId3">
+            <a:extLst>
+              <a:ext uri="{28A0092B-C50C-407E-A947-70E740481C1C}">
+                <a14:useLocalDpi xmlns:a14="http://schemas.microsoft.com/office/drawing/2010/main" val="0"/>
+              </a:ext>
+            </a:extLst>
+          </a:blip>
+          <a:stretch>
+            <a:fillRect/>
+          </a:stretch>
+        </p:blipFill>
+        <p:spPr>
+          <a:xfrm>
+            <a:off x="3669385" y="4680022"/>
+            <a:ext cx="1783870" cy="719717"/>
+          </a:xfrm>
+          <a:prstGeom prst="rect">
+            <a:avLst/>
+          </a:prstGeom>
+        </p:spPr>
+      </p:pic>
+      <p:pic>
+        <p:nvPicPr>
+          <p:cNvPr id="11" name="Image 10"/>
+          <p:cNvPicPr>
+            <a:picLocks noChangeAspect="1"/>
+          </p:cNvPicPr>
+          <p:nvPr/>
+        </p:nvPicPr>
+        <p:blipFill>
+          <a:blip r:embed="rId4">
+            <a:extLst>
+              <a:ext uri="{28A0092B-C50C-407E-A947-70E740481C1C}">
+                <a14:useLocalDpi xmlns:a14="http://schemas.microsoft.com/office/drawing/2010/main" val="0"/>
+              </a:ext>
+            </a:extLst>
+          </a:blip>
+          <a:stretch>
+            <a:fillRect/>
+          </a:stretch>
+        </p:blipFill>
+        <p:spPr>
+          <a:xfrm>
+            <a:off x="10350028" y="3562661"/>
+            <a:ext cx="1023258" cy="1023258"/>
+          </a:xfrm>
+          <a:prstGeom prst="rect">
+            <a:avLst/>
+          </a:prstGeom>
+        </p:spPr>
+      </p:pic>
+      <p:pic>
+        <p:nvPicPr>
+          <p:cNvPr id="13" name="Image 12"/>
+          <p:cNvPicPr>
+            <a:picLocks noChangeAspect="1"/>
+          </p:cNvPicPr>
+          <p:nvPr/>
+        </p:nvPicPr>
+        <p:blipFill>
+          <a:blip r:embed="rId5">
+            <a:extLst>
+              <a:ext uri="{28A0092B-C50C-407E-A947-70E740481C1C}">
+                <a14:useLocalDpi xmlns:a14="http://schemas.microsoft.com/office/drawing/2010/main" val="0"/>
+              </a:ext>
+            </a:extLst>
+          </a:blip>
+          <a:stretch>
+            <a:fillRect/>
+          </a:stretch>
+        </p:blipFill>
+        <p:spPr>
+          <a:xfrm>
+            <a:off x="9100457" y="4748408"/>
+            <a:ext cx="2655930" cy="1302662"/>
+          </a:xfrm>
+          <a:prstGeom prst="rect">
+            <a:avLst/>
+          </a:prstGeom>
+        </p:spPr>
+      </p:pic>
+    </p:spTree>
+    <p:extLst>
+      <p:ext uri="{BB962C8B-B14F-4D97-AF65-F5344CB8AC3E}">
+        <p14:creationId xmlns:p14="http://schemas.microsoft.com/office/powerpoint/2010/main" val="3240677908"/>
+      </p:ext>
+    </p:extLst>
+  </p:cSld>
+  <p:clrMapOvr>
+    <a:masterClrMapping/>
+  </p:clrMapOvr>
+</p:sld>
+</file>
+
+<file path=ppt/slides/slide8.xml><?xml version="1.0" encoding="utf-8"?>
+<p:sld xmlns:a="http://schemas.openxmlformats.org/drawingml/2006/main" xmlns:r="http://schemas.openxmlformats.org/officeDocument/2006/relationships" xmlns:p="http://schemas.openxmlformats.org/presentationml/2006/main">
+  <p:cSld>
+    <p:spTree>
+      <p:nvGrpSpPr>
+        <p:cNvPr id="1" name=""/>
+        <p:cNvGrpSpPr/>
+        <p:nvPr/>
+      </p:nvGrpSpPr>
+      <p:grpSpPr>
+        <a:xfrm>
+          <a:off x="0" y="0"/>
+          <a:ext cx="0" cy="0"/>
+          <a:chOff x="0" y="0"/>
+          <a:chExt cx="0" cy="0"/>
+        </a:xfrm>
+      </p:grpSpPr>
+      <p:sp>
+        <p:nvSpPr>
+          <p:cNvPr id="2" name="Titre 1">
+            <a:extLst>
+              <a:ext uri="{FF2B5EF4-FFF2-40B4-BE49-F238E27FC236}">
+                <a16:creationId xmlns:a16="http://schemas.microsoft.com/office/drawing/2014/main" id="{3F7BBCB0-65BA-4044-82F9-571015DE7FFB}"/>
+              </a:ext>
+            </a:extLst>
+          </p:cNvPr>
+          <p:cNvSpPr>
+            <a:spLocks noGrp="1"/>
+          </p:cNvSpPr>
+          <p:nvPr>
+            <p:ph type="title"/>
+          </p:nvPr>
+        </p:nvSpPr>
+        <p:spPr/>
+        <p:txBody>
+          <a:bodyPr/>
+          <a:lstStyle/>
+          <a:p>
+            <a:r>
+              <a:rPr lang="fr-FR" dirty="0"/>
+              <a:t>Romain : Choix du Smartphone (2/7)</a:t>
+            </a:r>
+          </a:p>
+        </p:txBody>
+      </p:sp>
+      <p:pic>
+        <p:nvPicPr>
+          <p:cNvPr id="7" name="Espace réservé du contenu 6">
+            <a:extLst>
+              <a:ext uri="{FF2B5EF4-FFF2-40B4-BE49-F238E27FC236}">
+                <a16:creationId xmlns:a16="http://schemas.microsoft.com/office/drawing/2014/main" id="{59D76BAF-1724-47E1-981E-99C986FB828B}"/>
+              </a:ext>
+            </a:extLst>
+          </p:cNvPr>
+          <p:cNvPicPr>
+            <a:picLocks noGrp="1" noChangeAspect="1"/>
+          </p:cNvPicPr>
+          <p:nvPr>
+            <p:ph idx="1"/>
+          </p:nvPr>
+        </p:nvPicPr>
+        <p:blipFill>
+          <a:blip r:embed="rId2"/>
+          <a:stretch>
+            <a:fillRect/>
+          </a:stretch>
+        </p:blipFill>
+        <p:spPr>
+          <a:xfrm>
+            <a:off x="2820098" y="1417638"/>
+            <a:ext cx="6551801" cy="5309107"/>
+          </a:xfrm>
+        </p:spPr>
+      </p:pic>
+    </p:spTree>
+    <p:extLst>
+      <p:ext uri="{BB962C8B-B14F-4D97-AF65-F5344CB8AC3E}">
+        <p14:creationId xmlns:p14="http://schemas.microsoft.com/office/powerpoint/2010/main" val="363568367"/>
+      </p:ext>
+    </p:extLst>
+  </p:cSld>
+  <p:clrMapOvr>
+    <a:masterClrMapping/>
+  </p:clrMapOvr>
+</p:sld>
+</file>
+
+<file path=ppt/slides/slide9.xml><?xml version="1.0" encoding="utf-8"?>
+<p:sld xmlns:a="http://schemas.openxmlformats.org/drawingml/2006/main" xmlns:r="http://schemas.openxmlformats.org/officeDocument/2006/relationships" xmlns:p="http://schemas.openxmlformats.org/presentationml/2006/main">
+  <p:cSld>
+    <p:spTree>
+      <p:nvGrpSpPr>
+        <p:cNvPr id="1" name=""/>
+        <p:cNvGrpSpPr/>
+        <p:nvPr/>
+      </p:nvGrpSpPr>
+      <p:grpSpPr>
+        <a:xfrm>
+          <a:off x="0" y="0"/>
+          <a:ext cx="0" cy="0"/>
+          <a:chOff x="0" y="0"/>
+          <a:chExt cx="0" cy="0"/>
+        </a:xfrm>
+      </p:grpSpPr>
+      <p:sp>
+        <p:nvSpPr>
+          <p:cNvPr id="2" name="Titre 1">
+            <a:extLst>
+              <a:ext uri="{FF2B5EF4-FFF2-40B4-BE49-F238E27FC236}">
+                <a16:creationId xmlns:a16="http://schemas.microsoft.com/office/drawing/2014/main" id="{80D694D6-1A4F-4DC7-8B94-589F4A86B478}"/>
+              </a:ext>
+            </a:extLst>
+          </p:cNvPr>
+          <p:cNvSpPr>
+            <a:spLocks noGrp="1"/>
+          </p:cNvSpPr>
+          <p:nvPr>
+            <p:ph type="ctrTitle"/>
+          </p:nvPr>
+        </p:nvSpPr>
+        <p:spPr>
+          <a:xfrm>
+            <a:off x="826779" y="355673"/>
+            <a:ext cx="4215005" cy="2971051"/>
+          </a:xfrm>
+        </p:spPr>
+        <p:txBody>
+          <a:bodyPr/>
+          <a:lstStyle/>
+          <a:p>
+            <a:r>
+              <a:rPr lang="fr-FR" sz="4000" dirty="0"/>
+              <a:t>Romain : Cycle de vie d’une application Android</a:t>
+            </a:r>
+            <a:br>
+              <a:rPr lang="fr-FR" sz="4000" dirty="0"/>
+            </a:br>
+            <a:r>
+              <a:rPr lang="fr-FR" sz="4000" dirty="0"/>
+              <a:t>(3/7)</a:t>
+            </a:r>
+          </a:p>
+        </p:txBody>
+      </p:sp>
+      <p:pic>
+        <p:nvPicPr>
+          <p:cNvPr id="5" name="Espace réservé du contenu 4">
+            <a:extLst>
+              <a:ext uri="{FF2B5EF4-FFF2-40B4-BE49-F238E27FC236}">
+                <a16:creationId xmlns:a16="http://schemas.microsoft.com/office/drawing/2014/main" id="{29B4D408-A565-497F-8AEC-1DA5B5E21A64}"/>
+              </a:ext>
+            </a:extLst>
+          </p:cNvPr>
+          <p:cNvPicPr>
+            <a:picLocks noGrp="1" noChangeAspect="1"/>
+          </p:cNvPicPr>
+          <p:nvPr>
+            <p:ph idx="4294967295"/>
+          </p:nvPr>
+        </p:nvPicPr>
+        <p:blipFill>
+          <a:blip r:embed="rId2"/>
+          <a:stretch>
+            <a:fillRect/>
+          </a:stretch>
+        </p:blipFill>
+        <p:spPr>
+          <a:xfrm>
+            <a:off x="5922628" y="150652"/>
+            <a:ext cx="4869503" cy="6352144"/>
+          </a:xfrm>
+        </p:spPr>
+      </p:pic>
+    </p:spTree>
+    <p:extLst>
+      <p:ext uri="{BB962C8B-B14F-4D97-AF65-F5344CB8AC3E}">
+        <p14:creationId xmlns:p14="http://schemas.microsoft.com/office/powerpoint/2010/main" val="604646471"/>
       </p:ext>
     </p:extLst>
   </p:cSld>

--- a/annexes/slides-VR_Tourism.pptx
+++ b/annexes/slides-VR_Tourism.pptx
@@ -18,18 +18,19 @@
     <p:sldId id="276" r:id="rId12"/>
     <p:sldId id="279" r:id="rId13"/>
     <p:sldId id="264" r:id="rId14"/>
-    <p:sldId id="265" r:id="rId15"/>
-    <p:sldId id="266" r:id="rId16"/>
-    <p:sldId id="267" r:id="rId17"/>
-    <p:sldId id="268" r:id="rId18"/>
-    <p:sldId id="269" r:id="rId19"/>
-    <p:sldId id="270" r:id="rId20"/>
-    <p:sldId id="271" r:id="rId21"/>
-    <p:sldId id="272" r:id="rId22"/>
-    <p:sldId id="273" r:id="rId23"/>
-    <p:sldId id="274" r:id="rId24"/>
-    <p:sldId id="262" r:id="rId25"/>
-    <p:sldId id="275" r:id="rId26"/>
+    <p:sldId id="281" r:id="rId15"/>
+    <p:sldId id="265" r:id="rId16"/>
+    <p:sldId id="266" r:id="rId17"/>
+    <p:sldId id="267" r:id="rId18"/>
+    <p:sldId id="268" r:id="rId19"/>
+    <p:sldId id="269" r:id="rId20"/>
+    <p:sldId id="270" r:id="rId21"/>
+    <p:sldId id="271" r:id="rId22"/>
+    <p:sldId id="272" r:id="rId23"/>
+    <p:sldId id="273" r:id="rId24"/>
+    <p:sldId id="274" r:id="rId25"/>
+    <p:sldId id="262" r:id="rId26"/>
+    <p:sldId id="275" r:id="rId27"/>
   </p:sldIdLst>
   <p:sldSz cx="12192000" cy="6858000"/>
   <p:notesSz cx="6858000" cy="9144000"/>
@@ -235,7 +236,7 @@
           <a:effectLst/>
           <a:extLst>
             <a:ext uri="{91240B29-F687-4f45-9708-019B960494DF}">
-              <a14:hiddenLine xmlns="" xmlns:a14="http://schemas.microsoft.com/office/drawing/2010/main" w="9525">
+              <a14:hiddenLine xmlns:a14="http://schemas.microsoft.com/office/drawing/2010/main" xmlns="" w="9525">
                 <a:solidFill>
                   <a:srgbClr val="000000"/>
                 </a:solidFill>
@@ -428,7 +429,7 @@
             <a:fld id="{08B9EBBA-996F-894A-B54A-D6246ED52CEA}" type="datetimeFigureOut">
               <a:rPr lang="en-US" dirty="0"/>
               <a:pPr/>
-              <a:t>5/10/2018</a:t>
+              <a:t>5/12/2018</a:t>
             </a:fld>
             <a:endParaRPr lang="en-US" dirty="0"/>
           </a:p>
@@ -743,7 +744,7 @@
             <a:fld id="{18C79C5D-2A6F-F04D-97DA-BEF2467B64E4}" type="datetimeFigureOut">
               <a:rPr lang="en-US" dirty="0"/>
               <a:pPr/>
-              <a:t>5/10/2018</a:t>
+              <a:t>5/12/2018</a:t>
             </a:fld>
             <a:endParaRPr lang="en-US" dirty="0"/>
           </a:p>
@@ -1228,7 +1229,7 @@
             <a:fld id="{8DFA1846-DA80-1C48-A609-854EA85C59AD}" type="datetimeFigureOut">
               <a:rPr lang="en-US" dirty="0"/>
               <a:pPr/>
-              <a:t>5/10/2018</a:t>
+              <a:t>5/12/2018</a:t>
             </a:fld>
             <a:endParaRPr lang="en-US" dirty="0"/>
           </a:p>
@@ -1594,7 +1595,7 @@
             <a:fld id="{FBF54567-0DE4-3F47-BF90-CB84690072F9}" type="datetimeFigureOut">
               <a:rPr lang="en-US" dirty="0"/>
               <a:pPr/>
-              <a:t>5/10/2018</a:t>
+              <a:t>5/12/2018</a:t>
             </a:fld>
             <a:endParaRPr lang="en-US" dirty="0"/>
           </a:p>
@@ -1745,7 +1746,7 @@
           <a:ln/>
           <a:extLst>
             <a:ext uri="{91240B29-F687-4f45-9708-019B960494DF}">
-              <a14:hiddenLine xmlns="" xmlns:a14="http://schemas.microsoft.com/office/drawing/2010/main" w="9525">
+              <a14:hiddenLine xmlns:a14="http://schemas.microsoft.com/office/drawing/2010/main" xmlns="" w="9525">
                 <a:solidFill>
                   <a:srgbClr val="000000"/>
                 </a:solidFill>
@@ -1864,7 +1865,7 @@
             <a:fld id="{C6C52C72-DE31-F449-A4ED-4C594FD91407}" type="datetimeFigureOut">
               <a:rPr lang="en-US" dirty="0"/>
               <a:pPr/>
-              <a:t>5/10/2018</a:t>
+              <a:t>5/12/2018</a:t>
             </a:fld>
             <a:endParaRPr lang="en-US" dirty="0"/>
           </a:p>
@@ -2017,7 +2018,7 @@
           <a:ln/>
           <a:extLst>
             <a:ext uri="{91240B29-F687-4f45-9708-019B960494DF}">
-              <a14:hiddenLine xmlns="" xmlns:a14="http://schemas.microsoft.com/office/drawing/2010/main" w="9525">
+              <a14:hiddenLine xmlns:a14="http://schemas.microsoft.com/office/drawing/2010/main" xmlns="" w="9525">
                 <a:solidFill>
                   <a:srgbClr val="000000"/>
                 </a:solidFill>
@@ -2146,7 +2147,7 @@
             <a:fld id="{ED62726E-379B-B349-9EED-81ED093FA806}" type="datetimeFigureOut">
               <a:rPr lang="en-US" dirty="0"/>
               <a:pPr/>
-              <a:t>5/10/2018</a:t>
+              <a:t>5/12/2018</a:t>
             </a:fld>
             <a:endParaRPr lang="en-US" dirty="0"/>
           </a:p>
@@ -2297,7 +2298,7 @@
           <a:ln/>
           <a:extLst>
             <a:ext uri="{91240B29-F687-4f45-9708-019B960494DF}">
-              <a14:hiddenLine xmlns="" xmlns:a14="http://schemas.microsoft.com/office/drawing/2010/main" w="9525">
+              <a14:hiddenLine xmlns:a14="http://schemas.microsoft.com/office/drawing/2010/main" xmlns="" w="9525">
                 <a:solidFill>
                   <a:srgbClr val="000000"/>
                 </a:solidFill>
@@ -2426,7 +2427,7 @@
             <a:fld id="{9B3A1323-8D79-1946-B0D7-40001CF92E9D}" type="datetimeFigureOut">
               <a:rPr lang="en-US" dirty="0"/>
               <a:pPr/>
-              <a:t>5/10/2018</a:t>
+              <a:t>5/12/2018</a:t>
             </a:fld>
             <a:endParaRPr lang="en-US" dirty="0"/>
           </a:p>
@@ -2766,7 +2767,7 @@
             <a:fld id="{8DFA1846-DA80-1C48-A609-854EA85C59AD}" type="datetimeFigureOut">
               <a:rPr lang="en-US" dirty="0"/>
               <a:pPr/>
-              <a:t>5/10/2018</a:t>
+              <a:t>5/12/2018</a:t>
             </a:fld>
             <a:endParaRPr lang="en-US" dirty="0"/>
           </a:p>
@@ -2917,7 +2918,7 @@
           <a:ln/>
           <a:extLst>
             <a:ext uri="{91240B29-F687-4f45-9708-019B960494DF}">
-              <a14:hiddenLine xmlns="" xmlns:a14="http://schemas.microsoft.com/office/drawing/2010/main" w="9525">
+              <a14:hiddenLine xmlns:a14="http://schemas.microsoft.com/office/drawing/2010/main" xmlns="" w="9525">
                 <a:solidFill>
                   <a:srgbClr val="000000"/>
                 </a:solidFill>
@@ -3102,7 +3103,7 @@
             <a:fld id="{57302355-E14B-8545-A8F8-0FE83CC9D524}" type="datetimeFigureOut">
               <a:rPr lang="en-US" dirty="0"/>
               <a:pPr/>
-              <a:t>5/10/2018</a:t>
+              <a:t>5/12/2018</a:t>
             </a:fld>
             <a:endParaRPr lang="en-US" dirty="0"/>
           </a:p>
@@ -3253,7 +3254,7 @@
           <a:ln/>
           <a:extLst>
             <a:ext uri="{91240B29-F687-4f45-9708-019B960494DF}">
-              <a14:hiddenLine xmlns="" xmlns:a14="http://schemas.microsoft.com/office/drawing/2010/main" w="9525">
+              <a14:hiddenLine xmlns:a14="http://schemas.microsoft.com/office/drawing/2010/main" xmlns="" w="9525">
                 <a:solidFill>
                   <a:srgbClr val="000000"/>
                 </a:solidFill>
@@ -3576,7 +3577,7 @@
             <a:fld id="{02640F58-564D-2B4F-AE67-E407BA4FCF45}" type="datetimeFigureOut">
               <a:rPr lang="en-US" dirty="0"/>
               <a:pPr/>
-              <a:t>5/10/2018</a:t>
+              <a:t>5/12/2018</a:t>
             </a:fld>
             <a:endParaRPr lang="en-US" dirty="0"/>
           </a:p>
@@ -3727,7 +3728,7 @@
           <a:ln/>
           <a:extLst>
             <a:ext uri="{91240B29-F687-4f45-9708-019B960494DF}">
-              <a14:hiddenLine xmlns="" xmlns:a14="http://schemas.microsoft.com/office/drawing/2010/main" w="9525">
+              <a14:hiddenLine xmlns:a14="http://schemas.microsoft.com/office/drawing/2010/main" xmlns="" w="9525">
                 <a:solidFill>
                   <a:srgbClr val="000000"/>
                 </a:solidFill>
@@ -3794,7 +3795,7 @@
             <a:fld id="{F13A34C8-038E-2045-AF43-DF7DBB8E0E9E}" type="datetimeFigureOut">
               <a:rPr lang="en-US" dirty="0"/>
               <a:pPr/>
-              <a:t>5/10/2018</a:t>
+              <a:t>5/12/2018</a:t>
             </a:fld>
             <a:endParaRPr lang="en-US" dirty="0"/>
           </a:p>
@@ -3886,7 +3887,7 @@
             <a:fld id="{8818C68F-D26B-8F47-958C-23B49CF8A634}" type="datetimeFigureOut">
               <a:rPr lang="en-US" dirty="0"/>
               <a:pPr/>
-              <a:t>5/10/2018</a:t>
+              <a:t>5/12/2018</a:t>
             </a:fld>
             <a:endParaRPr lang="en-US" dirty="0"/>
           </a:p>
@@ -4150,7 +4151,7 @@
           <a:ln/>
           <a:extLst>
             <a:ext uri="{91240B29-F687-4f45-9708-019B960494DF}">
-              <a14:hiddenLine xmlns="" xmlns:a14="http://schemas.microsoft.com/office/drawing/2010/main" w="9525">
+              <a14:hiddenLine xmlns:a14="http://schemas.microsoft.com/office/drawing/2010/main" xmlns="" w="9525">
                 <a:solidFill>
                   <a:srgbClr val="000000"/>
                 </a:solidFill>
@@ -4350,7 +4351,7 @@
             <a:fld id="{D0DF5E60-9974-AC48-9591-99C2BB44B7CF}" type="datetimeFigureOut">
               <a:rPr lang="en-US" dirty="0"/>
               <a:pPr/>
-              <a:t>5/10/2018</a:t>
+              <a:t>5/12/2018</a:t>
             </a:fld>
             <a:endParaRPr lang="en-US" dirty="0"/>
           </a:p>
@@ -4660,7 +4661,7 @@
             <a:fld id="{18C79C5D-2A6F-F04D-97DA-BEF2467B64E4}" type="datetimeFigureOut">
               <a:rPr lang="en-US" dirty="0"/>
               <a:pPr/>
-              <a:t>5/10/2018</a:t>
+              <a:t>5/12/2018</a:t>
             </a:fld>
             <a:endParaRPr lang="en-US" dirty="0"/>
           </a:p>
@@ -4927,7 +4928,7 @@
             <a:fld id="{09B482E8-6E0E-1B4F-B1FD-C69DB9E858D9}" type="datetimeFigureOut">
               <a:rPr lang="en-US" dirty="0"/>
               <a:pPr/>
-              <a:t>5/10/2018</a:t>
+              <a:t>5/12/2018</a:t>
             </a:fld>
             <a:endParaRPr lang="en-US" dirty="0"/>
           </a:p>
@@ -5621,6 +5622,13 @@
   <p:clrMapOvr>
     <a:masterClrMapping/>
   </p:clrMapOvr>
+  <p:timing>
+    <p:tnLst>
+      <p:par>
+        <p:cTn id="1" dur="indefinite" restart="never" nodeType="tmRoot"/>
+      </p:par>
+    </p:tnLst>
+  </p:timing>
 </p:sld>
 </file>
 
@@ -5814,6 +5822,13 @@
   <p:clrMapOvr>
     <a:masterClrMapping/>
   </p:clrMapOvr>
+  <p:timing>
+    <p:tnLst>
+      <p:par>
+        <p:cTn id="1" dur="indefinite" restart="never" nodeType="tmRoot"/>
+      </p:par>
+    </p:tnLst>
+  </p:timing>
 </p:sld>
 </file>
 
@@ -6086,6 +6101,13 @@
   <p:clrMapOvr>
     <a:masterClrMapping/>
   </p:clrMapOvr>
+  <p:timing>
+    <p:tnLst>
+      <p:par>
+        <p:cTn id="1" dur="indefinite" restart="never" nodeType="tmRoot"/>
+      </p:par>
+    </p:tnLst>
+  </p:timing>
 </p:sld>
 </file>
 
@@ -6173,6 +6195,13 @@
   <p:clrMapOvr>
     <a:masterClrMapping/>
   </p:clrMapOvr>
+  <p:timing>
+    <p:tnLst>
+      <p:par>
+        <p:cTn id="1" dur="indefinite" restart="never" nodeType="tmRoot"/>
+      </p:par>
+    </p:tnLst>
+  </p:timing>
 </p:sld>
 </file>
 
@@ -6414,6 +6443,13 @@
   <p:clrMapOvr>
     <a:masterClrMapping/>
   </p:clrMapOvr>
+  <p:timing>
+    <p:tnLst>
+      <p:par>
+        <p:cTn id="1" dur="indefinite" restart="never" nodeType="tmRoot"/>
+      </p:par>
+    </p:tnLst>
+  </p:timing>
 </p:sld>
 </file>
 
@@ -6444,6 +6480,218 @@
             <p:ph type="title"/>
           </p:nvPr>
         </p:nvSpPr>
+        <p:spPr>
+          <a:xfrm>
+            <a:off x="1206155" y="723207"/>
+            <a:ext cx="2783954" cy="1150084"/>
+          </a:xfrm>
+        </p:spPr>
+        <p:txBody>
+          <a:bodyPr/>
+          <a:lstStyle/>
+          <a:p>
+            <a:r>
+              <a:rPr lang="fr-FR" sz="1800" dirty="0">
+                <a:solidFill>
+                  <a:schemeClr val="tx1"/>
+                </a:solidFill>
+              </a:rPr>
+              <a:t>Mohamed </a:t>
+            </a:r>
+            <a:r>
+              <a:rPr lang="fr-FR" sz="1800" dirty="0" smtClean="0">
+                <a:solidFill>
+                  <a:schemeClr val="tx1"/>
+                </a:solidFill>
+              </a:rPr>
+              <a:t>: Communication entre le smartphone et le back-end. </a:t>
+            </a:r>
+            <a:r>
+              <a:rPr lang="fr-FR" sz="1800" dirty="0">
+                <a:solidFill>
+                  <a:schemeClr val="tx1"/>
+                </a:solidFill>
+              </a:rPr>
+              <a:t>(</a:t>
+            </a:r>
+            <a:r>
+              <a:rPr lang="fr-FR" sz="1800" dirty="0" smtClean="0">
+                <a:solidFill>
+                  <a:schemeClr val="tx1"/>
+                </a:solidFill>
+              </a:rPr>
+              <a:t>1/4)</a:t>
+            </a:r>
+            <a:endParaRPr lang="fr-FR" sz="1800" dirty="0"/>
+          </a:p>
+        </p:txBody>
+      </p:sp>
+      <p:pic>
+        <p:nvPicPr>
+          <p:cNvPr id="4" name="Espace réservé du contenu 3"/>
+          <p:cNvPicPr>
+            <a:picLocks noGrp="1" noChangeAspect="1"/>
+          </p:cNvPicPr>
+          <p:nvPr>
+            <p:ph idx="1"/>
+          </p:nvPr>
+        </p:nvPicPr>
+        <p:blipFill>
+          <a:blip r:embed="rId2">
+            <a:extLst>
+              <a:ext uri="{28A0092B-C50C-407E-A947-70E740481C1C}">
+                <a14:useLocalDpi xmlns:a14="http://schemas.microsoft.com/office/drawing/2010/main" val="0"/>
+              </a:ext>
+            </a:extLst>
+          </a:blip>
+          <a:stretch>
+            <a:fillRect/>
+          </a:stretch>
+        </p:blipFill>
+        <p:spPr>
+          <a:xfrm>
+            <a:off x="6646287" y="6911"/>
+            <a:ext cx="5545713" cy="6851089"/>
+          </a:xfrm>
+        </p:spPr>
+      </p:pic>
+      <p:sp>
+        <p:nvSpPr>
+          <p:cNvPr id="6" name="Espace réservé du texte 5"/>
+          <p:cNvSpPr>
+            <a:spLocks noGrp="1"/>
+          </p:cNvSpPr>
+          <p:nvPr>
+            <p:ph type="body" sz="half" idx="2"/>
+          </p:nvPr>
+        </p:nvSpPr>
+        <p:spPr>
+          <a:xfrm>
+            <a:off x="1098089" y="2609207"/>
+            <a:ext cx="3547533" cy="1646496"/>
+          </a:xfrm>
+        </p:spPr>
+        <p:txBody>
+          <a:bodyPr>
+            <a:normAutofit fontScale="92500" lnSpcReduction="10000"/>
+          </a:bodyPr>
+          <a:lstStyle/>
+          <a:p>
+            <a:r>
+              <a:rPr lang="fr-FR" dirty="0" smtClean="0"/>
+              <a:t>Structure </a:t>
+            </a:r>
+            <a:r>
+              <a:rPr lang="fr-FR" dirty="0" err="1" smtClean="0"/>
+              <a:t>json</a:t>
+            </a:r>
+            <a:r>
+              <a:rPr lang="fr-FR" dirty="0" smtClean="0"/>
+              <a:t> d’une réponse :</a:t>
+            </a:r>
+          </a:p>
+          <a:p>
+            <a:r>
+              <a:rPr lang="fr-FR" dirty="0" smtClean="0"/>
+              <a:t>{</a:t>
+            </a:r>
+          </a:p>
+          <a:p>
+            <a:r>
+              <a:rPr lang="fr-FR" dirty="0" smtClean="0"/>
+              <a:t>	‘</a:t>
+            </a:r>
+            <a:r>
+              <a:rPr lang="fr-FR" dirty="0" err="1" smtClean="0"/>
+              <a:t>lien_video</a:t>
+            </a:r>
+            <a:r>
+              <a:rPr lang="fr-FR" dirty="0" smtClean="0"/>
+              <a:t>’ : ‘http://youtube.com/</a:t>
+            </a:r>
+            <a:r>
+              <a:rPr lang="fr-FR" dirty="0" err="1" smtClean="0"/>
+              <a:t>xxxx</a:t>
+            </a:r>
+            <a:r>
+              <a:rPr lang="fr-FR" dirty="0" smtClean="0"/>
+              <a:t>’,</a:t>
+            </a:r>
+          </a:p>
+          <a:p>
+            <a:r>
+              <a:rPr lang="fr-FR" dirty="0"/>
+              <a:t>	</a:t>
+            </a:r>
+            <a:r>
+              <a:rPr lang="fr-FR" dirty="0" smtClean="0"/>
+              <a:t>‘message’ : ‘</a:t>
+            </a:r>
+            <a:r>
+              <a:rPr lang="fr-FR" dirty="0" err="1" smtClean="0"/>
+              <a:t>xxxxx</a:t>
+            </a:r>
+            <a:r>
+              <a:rPr lang="fr-FR" dirty="0" smtClean="0"/>
+              <a:t>’</a:t>
+            </a:r>
+            <a:endParaRPr lang="fr-FR" dirty="0"/>
+          </a:p>
+          <a:p>
+            <a:r>
+              <a:rPr lang="fr-FR" dirty="0" smtClean="0"/>
+              <a:t>}</a:t>
+            </a:r>
+          </a:p>
+        </p:txBody>
+      </p:sp>
+    </p:spTree>
+    <p:extLst>
+      <p:ext uri="{BB962C8B-B14F-4D97-AF65-F5344CB8AC3E}">
+        <p14:creationId xmlns:p14="http://schemas.microsoft.com/office/powerpoint/2010/main" val="2633055540"/>
+      </p:ext>
+    </p:extLst>
+  </p:cSld>
+  <p:clrMapOvr>
+    <a:masterClrMapping/>
+  </p:clrMapOvr>
+  <p:timing>
+    <p:tnLst>
+      <p:par>
+        <p:cTn id="1" dur="indefinite" restart="never" nodeType="tmRoot"/>
+      </p:par>
+    </p:tnLst>
+  </p:timing>
+</p:sld>
+</file>
+
+<file path=ppt/slides/slide15.xml><?xml version="1.0" encoding="utf-8"?>
+<p:sld xmlns:a="http://schemas.openxmlformats.org/drawingml/2006/main" xmlns:r="http://schemas.openxmlformats.org/officeDocument/2006/relationships" xmlns:p="http://schemas.openxmlformats.org/presentationml/2006/main">
+  <p:cSld>
+    <p:spTree>
+      <p:nvGrpSpPr>
+        <p:cNvPr id="1" name=""/>
+        <p:cNvGrpSpPr/>
+        <p:nvPr/>
+      </p:nvGrpSpPr>
+      <p:grpSpPr>
+        <a:xfrm>
+          <a:off x="0" y="0"/>
+          <a:ext cx="0" cy="0"/>
+          <a:chOff x="0" y="0"/>
+          <a:chExt cx="0" cy="0"/>
+        </a:xfrm>
+      </p:grpSpPr>
+      <p:sp>
+        <p:nvSpPr>
+          <p:cNvPr id="2" name="Titre 1"/>
+          <p:cNvSpPr>
+            <a:spLocks noGrp="1"/>
+          </p:cNvSpPr>
+          <p:nvPr>
+            <p:ph type="title"/>
+          </p:nvPr>
+        </p:nvSpPr>
         <p:spPr/>
         <p:txBody>
           <a:bodyPr/>
@@ -6460,8 +6708,21 @@
                   <a:schemeClr val="tx1"/>
                 </a:solidFill>
               </a:rPr>
-              <a:t>Mohamed : Mise en place de la communication entre l’application Android et le serveur. (1/3)</a:t>
-            </a:r>
+              <a:t>Mohamed : Mise en place de la communication entre l’application Android et le serveur. </a:t>
+            </a:r>
+            <a:r>
+              <a:rPr lang="fr-FR" sz="3200" b="1" dirty="0" smtClean="0">
+                <a:solidFill>
+                  <a:schemeClr val="tx1"/>
+                </a:solidFill>
+              </a:rPr>
+              <a:t>(2/4)</a:t>
+            </a:r>
+            <a:endParaRPr lang="fr-FR" sz="3200" b="1" dirty="0">
+              <a:solidFill>
+                <a:schemeClr val="tx1"/>
+              </a:solidFill>
+            </a:endParaRPr>
           </a:p>
         </p:txBody>
       </p:sp>
@@ -6532,8 +6793,8 @@
         </p:nvSpPr>
         <p:spPr>
           <a:xfrm>
-            <a:off x="267750" y="5664721"/>
-            <a:ext cx="3033202" cy="954107"/>
+            <a:off x="242904" y="5664721"/>
+            <a:ext cx="3082895" cy="954107"/>
           </a:xfrm>
           <a:prstGeom prst="rect">
             <a:avLst/>
@@ -6575,7 +6836,15 @@
             <a:pPr algn="ctr"/>
             <a:r>
               <a:rPr lang="fr-FR" sz="1400" b="1" dirty="0"/>
-              <a:t>Http Client(Auteur : James Smith)</a:t>
+              <a:t>Http </a:t>
+            </a:r>
+            <a:r>
+              <a:rPr lang="fr-FR" sz="1400" b="1" dirty="0" smtClean="0"/>
+              <a:t>Client (</a:t>
+            </a:r>
+            <a:r>
+              <a:rPr lang="fr-FR" sz="1400" b="1" dirty="0"/>
+              <a:t>Auteur : James Smith)</a:t>
             </a:r>
           </a:p>
           <a:p>
@@ -6877,289 +7146,13 @@
   <p:clrMapOvr>
     <a:masterClrMapping/>
   </p:clrMapOvr>
-</p:sld>
-</file>
-
-<file path=ppt/slides/slide15.xml><?xml version="1.0" encoding="utf-8"?>
-<p:sld xmlns:a="http://schemas.openxmlformats.org/drawingml/2006/main" xmlns:r="http://schemas.openxmlformats.org/officeDocument/2006/relationships" xmlns:p="http://schemas.openxmlformats.org/presentationml/2006/main">
-  <p:cSld>
-    <p:spTree>
-      <p:nvGrpSpPr>
-        <p:cNvPr id="1" name=""/>
-        <p:cNvGrpSpPr/>
-        <p:nvPr/>
-      </p:nvGrpSpPr>
-      <p:grpSpPr>
-        <a:xfrm>
-          <a:off x="0" y="0"/>
-          <a:ext cx="0" cy="0"/>
-          <a:chOff x="0" y="0"/>
-          <a:chExt cx="0" cy="0"/>
-        </a:xfrm>
-      </p:grpSpPr>
-      <p:sp>
-        <p:nvSpPr>
-          <p:cNvPr id="2" name="Titre 1"/>
-          <p:cNvSpPr>
-            <a:spLocks noGrp="1"/>
-          </p:cNvSpPr>
-          <p:nvPr>
-            <p:ph type="title"/>
-          </p:nvPr>
-        </p:nvSpPr>
-        <p:spPr>
-          <a:xfrm>
-            <a:off x="810000" y="559922"/>
-            <a:ext cx="10571998" cy="970450"/>
-          </a:xfrm>
-        </p:spPr>
-        <p:txBody>
-          <a:bodyPr/>
-          <a:lstStyle/>
-          <a:p>
-            <a:pPr algn="ctr"/>
-            <a:r>
-              <a:rPr lang="fr-FR" sz="2800" dirty="0">
-                <a:solidFill>
-                  <a:schemeClr val="tx1"/>
-                </a:solidFill>
-              </a:rPr>
-              <a:t>Mohamed : </a:t>
-            </a:r>
-            <a:r>
-              <a:rPr lang="fr-FR" sz="3000" dirty="0">
-                <a:solidFill>
-                  <a:schemeClr val="tx1"/>
-                </a:solidFill>
-              </a:rPr>
-              <a:t>Mise en place de la communication entre l’application Android et le serveur. (2/3)</a:t>
-            </a:r>
-            <a:endParaRPr lang="fr-FR" sz="3000" dirty="0"/>
-          </a:p>
-        </p:txBody>
-      </p:sp>
-      <p:pic>
-        <p:nvPicPr>
-          <p:cNvPr id="4" name="Espace réservé du contenu 5"/>
-          <p:cNvPicPr>
-            <a:picLocks noGrp="1" noChangeAspect="1"/>
-          </p:cNvPicPr>
-          <p:nvPr>
-            <p:ph idx="1"/>
-          </p:nvPr>
-        </p:nvPicPr>
-        <p:blipFill>
-          <a:blip r:embed="rId2">
-            <a:extLst>
-              <a:ext uri="{28A0092B-C50C-407E-A947-70E740481C1C}">
-                <a14:useLocalDpi xmlns:a14="http://schemas.microsoft.com/office/drawing/2010/main" val="0"/>
-              </a:ext>
-            </a:extLst>
-          </a:blip>
-          <a:stretch>
-            <a:fillRect/>
-          </a:stretch>
-        </p:blipFill>
-        <p:spPr>
-          <a:xfrm>
-            <a:off x="1044887" y="2986272"/>
-            <a:ext cx="1660732" cy="2657171"/>
-          </a:xfrm>
-        </p:spPr>
-      </p:pic>
-      <p:sp>
-        <p:nvSpPr>
-          <p:cNvPr id="5" name="Flèche courbée vers la gauche 4"/>
-          <p:cNvSpPr/>
-          <p:nvPr/>
-        </p:nvSpPr>
-        <p:spPr>
-          <a:xfrm>
-            <a:off x="2968667" y="3033650"/>
-            <a:ext cx="638827" cy="800840"/>
-          </a:xfrm>
-          <a:prstGeom prst="curvedLeftArrow">
-            <a:avLst/>
-          </a:prstGeom>
-        </p:spPr>
-        <p:style>
-          <a:lnRef idx="2">
-            <a:schemeClr val="accent1">
-              <a:shade val="50000"/>
-            </a:schemeClr>
-          </a:lnRef>
-          <a:fillRef idx="1">
-            <a:schemeClr val="accent1"/>
-          </a:fillRef>
-          <a:effectRef idx="0">
-            <a:schemeClr val="accent1"/>
-          </a:effectRef>
-          <a:fontRef idx="minor">
-            <a:schemeClr val="lt1"/>
-          </a:fontRef>
-        </p:style>
-        <p:txBody>
-          <a:bodyPr rtlCol="0" anchor="ctr"/>
-          <a:lstStyle/>
-          <a:p>
-            <a:pPr algn="ctr"/>
-            <a:endParaRPr lang="fr-FR">
-              <a:solidFill>
-                <a:schemeClr val="tx1"/>
-              </a:solidFill>
-            </a:endParaRPr>
-          </a:p>
-        </p:txBody>
-      </p:sp>
-      <p:sp>
-        <p:nvSpPr>
-          <p:cNvPr id="6" name="ZoneTexte 5"/>
-          <p:cNvSpPr txBox="1"/>
-          <p:nvPr/>
-        </p:nvSpPr>
-        <p:spPr>
-          <a:xfrm>
-            <a:off x="3870542" y="3138369"/>
-            <a:ext cx="4703532" cy="369332"/>
-          </a:xfrm>
-          <a:prstGeom prst="rect">
-            <a:avLst/>
-          </a:prstGeom>
-          <a:noFill/>
-        </p:spPr>
-        <p:txBody>
-          <a:bodyPr wrap="none" rtlCol="0">
-            <a:spAutoFit/>
-          </a:bodyPr>
-          <a:lstStyle/>
-          <a:p>
-            <a:r>
-              <a:rPr lang="fr-FR" dirty="0"/>
-              <a:t>Vérification de la réponse par le serveur.</a:t>
-            </a:r>
-          </a:p>
-        </p:txBody>
-      </p:sp>
-      <p:sp>
-        <p:nvSpPr>
-          <p:cNvPr id="7" name="Flèche courbée vers la gauche 6"/>
-          <p:cNvSpPr/>
-          <p:nvPr/>
-        </p:nvSpPr>
-        <p:spPr>
-          <a:xfrm>
-            <a:off x="2968666" y="4842603"/>
-            <a:ext cx="638827" cy="800840"/>
-          </a:xfrm>
-          <a:prstGeom prst="curvedLeftArrow">
-            <a:avLst/>
-          </a:prstGeom>
-        </p:spPr>
-        <p:style>
-          <a:lnRef idx="2">
-            <a:schemeClr val="accent1">
-              <a:shade val="50000"/>
-            </a:schemeClr>
-          </a:lnRef>
-          <a:fillRef idx="1">
-            <a:schemeClr val="accent1"/>
-          </a:fillRef>
-          <a:effectRef idx="0">
-            <a:schemeClr val="accent1"/>
-          </a:effectRef>
-          <a:fontRef idx="minor">
-            <a:schemeClr val="lt1"/>
-          </a:fontRef>
-        </p:style>
-        <p:txBody>
-          <a:bodyPr rtlCol="0" anchor="ctr"/>
-          <a:lstStyle/>
-          <a:p>
-            <a:pPr algn="ctr"/>
-            <a:endParaRPr lang="fr-FR">
-              <a:solidFill>
-                <a:schemeClr val="tx1"/>
-              </a:solidFill>
-            </a:endParaRPr>
-          </a:p>
-        </p:txBody>
-      </p:sp>
-      <p:sp>
-        <p:nvSpPr>
-          <p:cNvPr id="8" name="ZoneTexte 7"/>
-          <p:cNvSpPr txBox="1"/>
-          <p:nvPr/>
-        </p:nvSpPr>
-        <p:spPr>
-          <a:xfrm>
-            <a:off x="3870540" y="5058357"/>
-            <a:ext cx="7045518" cy="369332"/>
-          </a:xfrm>
-          <a:prstGeom prst="rect">
-            <a:avLst/>
-          </a:prstGeom>
-          <a:noFill/>
-        </p:spPr>
-        <p:txBody>
-          <a:bodyPr wrap="none" rtlCol="0">
-            <a:spAutoFit/>
-          </a:bodyPr>
-          <a:lstStyle/>
-          <a:p>
-            <a:r>
-              <a:rPr lang="fr-FR" dirty="0"/>
-              <a:t>L’application lance l’application </a:t>
-            </a:r>
-            <a:r>
-              <a:rPr lang="fr-FR" dirty="0" err="1"/>
-              <a:t>Youtube</a:t>
-            </a:r>
-            <a:r>
-              <a:rPr lang="fr-FR" dirty="0"/>
-              <a:t> et affiche la vidéo.</a:t>
-            </a:r>
-          </a:p>
-        </p:txBody>
-      </p:sp>
-      <p:sp>
-        <p:nvSpPr>
-          <p:cNvPr id="9" name="ZoneTexte 8"/>
-          <p:cNvSpPr txBox="1"/>
-          <p:nvPr/>
-        </p:nvSpPr>
-        <p:spPr>
-          <a:xfrm>
-            <a:off x="3870542" y="4130191"/>
-            <a:ext cx="721672" cy="369332"/>
-          </a:xfrm>
-          <a:prstGeom prst="rect">
-            <a:avLst/>
-          </a:prstGeom>
-          <a:noFill/>
-        </p:spPr>
-        <p:txBody>
-          <a:bodyPr wrap="none" rtlCol="0">
-            <a:spAutoFit/>
-          </a:bodyPr>
-          <a:lstStyle/>
-          <a:p>
-            <a:r>
-              <a:rPr lang="fr-FR" dirty="0"/>
-              <a:t>OK ?</a:t>
-            </a:r>
-          </a:p>
-        </p:txBody>
-      </p:sp>
-    </p:spTree>
-    <p:extLst>
-      <p:ext uri="{BB962C8B-B14F-4D97-AF65-F5344CB8AC3E}">
-        <p14:creationId xmlns:p14="http://schemas.microsoft.com/office/powerpoint/2010/main" val="553128704"/>
-      </p:ext>
-    </p:extLst>
-  </p:cSld>
-  <p:clrMapOvr>
-    <a:masterClrMapping/>
-  </p:clrMapOvr>
+  <p:timing>
+    <p:tnLst>
+      <p:par>
+        <p:cTn id="1" dur="indefinite" restart="never" nodeType="tmRoot"/>
+      </p:par>
+    </p:tnLst>
+  </p:timing>
 </p:sld>
 </file>
 
@@ -7192,6 +7185,309 @@
         </p:nvSpPr>
         <p:spPr>
           <a:xfrm>
+            <a:off x="810000" y="559922"/>
+            <a:ext cx="10571998" cy="970450"/>
+          </a:xfrm>
+        </p:spPr>
+        <p:txBody>
+          <a:bodyPr/>
+          <a:lstStyle/>
+          <a:p>
+            <a:pPr algn="ctr"/>
+            <a:r>
+              <a:rPr lang="fr-FR" sz="2800" dirty="0">
+                <a:solidFill>
+                  <a:schemeClr val="tx1"/>
+                </a:solidFill>
+              </a:rPr>
+              <a:t>Mohamed : </a:t>
+            </a:r>
+            <a:r>
+              <a:rPr lang="fr-FR" sz="3000" dirty="0">
+                <a:solidFill>
+                  <a:schemeClr val="tx1"/>
+                </a:solidFill>
+              </a:rPr>
+              <a:t>Mise en place de la communication entre l’application Android et le serveur. </a:t>
+            </a:r>
+            <a:r>
+              <a:rPr lang="fr-FR" sz="3000" dirty="0" smtClean="0">
+                <a:solidFill>
+                  <a:schemeClr val="tx1"/>
+                </a:solidFill>
+              </a:rPr>
+              <a:t>(3/4)</a:t>
+            </a:r>
+            <a:endParaRPr lang="fr-FR" sz="3000" dirty="0"/>
+          </a:p>
+        </p:txBody>
+      </p:sp>
+      <p:pic>
+        <p:nvPicPr>
+          <p:cNvPr id="4" name="Espace réservé du contenu 5"/>
+          <p:cNvPicPr>
+            <a:picLocks noGrp="1" noChangeAspect="1"/>
+          </p:cNvPicPr>
+          <p:nvPr>
+            <p:ph idx="1"/>
+          </p:nvPr>
+        </p:nvPicPr>
+        <p:blipFill>
+          <a:blip r:embed="rId2">
+            <a:extLst>
+              <a:ext uri="{28A0092B-C50C-407E-A947-70E740481C1C}">
+                <a14:useLocalDpi xmlns:a14="http://schemas.microsoft.com/office/drawing/2010/main" val="0"/>
+              </a:ext>
+            </a:extLst>
+          </a:blip>
+          <a:stretch>
+            <a:fillRect/>
+          </a:stretch>
+        </p:blipFill>
+        <p:spPr>
+          <a:xfrm>
+            <a:off x="1044887" y="2986272"/>
+            <a:ext cx="1660732" cy="2657171"/>
+          </a:xfrm>
+        </p:spPr>
+      </p:pic>
+      <p:sp>
+        <p:nvSpPr>
+          <p:cNvPr id="5" name="Flèche courbée vers la gauche 4"/>
+          <p:cNvSpPr/>
+          <p:nvPr/>
+        </p:nvSpPr>
+        <p:spPr>
+          <a:xfrm>
+            <a:off x="2968667" y="3033650"/>
+            <a:ext cx="638827" cy="800840"/>
+          </a:xfrm>
+          <a:prstGeom prst="curvedLeftArrow">
+            <a:avLst/>
+          </a:prstGeom>
+        </p:spPr>
+        <p:style>
+          <a:lnRef idx="2">
+            <a:schemeClr val="accent1">
+              <a:shade val="50000"/>
+            </a:schemeClr>
+          </a:lnRef>
+          <a:fillRef idx="1">
+            <a:schemeClr val="accent1"/>
+          </a:fillRef>
+          <a:effectRef idx="0">
+            <a:schemeClr val="accent1"/>
+          </a:effectRef>
+          <a:fontRef idx="minor">
+            <a:schemeClr val="lt1"/>
+          </a:fontRef>
+        </p:style>
+        <p:txBody>
+          <a:bodyPr rtlCol="0" anchor="ctr"/>
+          <a:lstStyle/>
+          <a:p>
+            <a:pPr algn="ctr"/>
+            <a:endParaRPr lang="fr-FR">
+              <a:solidFill>
+                <a:schemeClr val="tx1"/>
+              </a:solidFill>
+            </a:endParaRPr>
+          </a:p>
+        </p:txBody>
+      </p:sp>
+      <p:sp>
+        <p:nvSpPr>
+          <p:cNvPr id="6" name="ZoneTexte 5"/>
+          <p:cNvSpPr txBox="1"/>
+          <p:nvPr/>
+        </p:nvSpPr>
+        <p:spPr>
+          <a:xfrm>
+            <a:off x="3870542" y="3138369"/>
+            <a:ext cx="7526419" cy="369332"/>
+          </a:xfrm>
+          <a:prstGeom prst="rect">
+            <a:avLst/>
+          </a:prstGeom>
+          <a:noFill/>
+        </p:spPr>
+        <p:txBody>
+          <a:bodyPr wrap="none" rtlCol="0">
+            <a:spAutoFit/>
+          </a:bodyPr>
+          <a:lstStyle/>
+          <a:p>
+            <a:r>
+              <a:rPr lang="fr-FR" dirty="0" smtClean="0"/>
+              <a:t>Vérification de la réponse reçu par le serveur</a:t>
+            </a:r>
+            <a:r>
+              <a:rPr lang="fr-FR" dirty="0" smtClean="0"/>
+              <a:t>. Présence lien vidéo.</a:t>
+            </a:r>
+            <a:endParaRPr lang="fr-FR" dirty="0"/>
+          </a:p>
+        </p:txBody>
+      </p:sp>
+      <p:sp>
+        <p:nvSpPr>
+          <p:cNvPr id="7" name="Flèche courbée vers la gauche 6"/>
+          <p:cNvSpPr/>
+          <p:nvPr/>
+        </p:nvSpPr>
+        <p:spPr>
+          <a:xfrm>
+            <a:off x="2968666" y="4842603"/>
+            <a:ext cx="638827" cy="800840"/>
+          </a:xfrm>
+          <a:prstGeom prst="curvedLeftArrow">
+            <a:avLst/>
+          </a:prstGeom>
+        </p:spPr>
+        <p:style>
+          <a:lnRef idx="2">
+            <a:schemeClr val="accent1">
+              <a:shade val="50000"/>
+            </a:schemeClr>
+          </a:lnRef>
+          <a:fillRef idx="1">
+            <a:schemeClr val="accent1"/>
+          </a:fillRef>
+          <a:effectRef idx="0">
+            <a:schemeClr val="accent1"/>
+          </a:effectRef>
+          <a:fontRef idx="minor">
+            <a:schemeClr val="lt1"/>
+          </a:fontRef>
+        </p:style>
+        <p:txBody>
+          <a:bodyPr rtlCol="0" anchor="ctr"/>
+          <a:lstStyle/>
+          <a:p>
+            <a:pPr algn="ctr"/>
+            <a:endParaRPr lang="fr-FR">
+              <a:solidFill>
+                <a:schemeClr val="tx1"/>
+              </a:solidFill>
+            </a:endParaRPr>
+          </a:p>
+        </p:txBody>
+      </p:sp>
+      <p:sp>
+        <p:nvSpPr>
+          <p:cNvPr id="8" name="ZoneTexte 7"/>
+          <p:cNvSpPr txBox="1"/>
+          <p:nvPr/>
+        </p:nvSpPr>
+        <p:spPr>
+          <a:xfrm>
+            <a:off x="3870540" y="5058357"/>
+            <a:ext cx="7045518" cy="369332"/>
+          </a:xfrm>
+          <a:prstGeom prst="rect">
+            <a:avLst/>
+          </a:prstGeom>
+          <a:noFill/>
+        </p:spPr>
+        <p:txBody>
+          <a:bodyPr wrap="none" rtlCol="0">
+            <a:spAutoFit/>
+          </a:bodyPr>
+          <a:lstStyle/>
+          <a:p>
+            <a:r>
+              <a:rPr lang="fr-FR" dirty="0"/>
+              <a:t>L’application lance l’application </a:t>
+            </a:r>
+            <a:r>
+              <a:rPr lang="fr-FR" dirty="0" err="1"/>
+              <a:t>Youtube</a:t>
+            </a:r>
+            <a:r>
+              <a:rPr lang="fr-FR" dirty="0"/>
+              <a:t> et affiche la vidéo.</a:t>
+            </a:r>
+          </a:p>
+        </p:txBody>
+      </p:sp>
+      <p:sp>
+        <p:nvSpPr>
+          <p:cNvPr id="9" name="ZoneTexte 8"/>
+          <p:cNvSpPr txBox="1"/>
+          <p:nvPr/>
+        </p:nvSpPr>
+        <p:spPr>
+          <a:xfrm>
+            <a:off x="3870542" y="4130191"/>
+            <a:ext cx="721672" cy="369332"/>
+          </a:xfrm>
+          <a:prstGeom prst="rect">
+            <a:avLst/>
+          </a:prstGeom>
+          <a:noFill/>
+        </p:spPr>
+        <p:txBody>
+          <a:bodyPr wrap="none" rtlCol="0">
+            <a:spAutoFit/>
+          </a:bodyPr>
+          <a:lstStyle/>
+          <a:p>
+            <a:r>
+              <a:rPr lang="fr-FR" dirty="0"/>
+              <a:t>OK ?</a:t>
+            </a:r>
+          </a:p>
+        </p:txBody>
+      </p:sp>
+    </p:spTree>
+    <p:extLst>
+      <p:ext uri="{BB962C8B-B14F-4D97-AF65-F5344CB8AC3E}">
+        <p14:creationId xmlns:p14="http://schemas.microsoft.com/office/powerpoint/2010/main" val="553128704"/>
+      </p:ext>
+    </p:extLst>
+  </p:cSld>
+  <p:clrMapOvr>
+    <a:masterClrMapping/>
+  </p:clrMapOvr>
+  <p:timing>
+    <p:tnLst>
+      <p:par>
+        <p:cTn id="1" dur="indefinite" restart="never" nodeType="tmRoot"/>
+      </p:par>
+    </p:tnLst>
+  </p:timing>
+</p:sld>
+</file>
+
+<file path=ppt/slides/slide17.xml><?xml version="1.0" encoding="utf-8"?>
+<p:sld xmlns:a="http://schemas.openxmlformats.org/drawingml/2006/main" xmlns:r="http://schemas.openxmlformats.org/officeDocument/2006/relationships" xmlns:p="http://schemas.openxmlformats.org/presentationml/2006/main">
+  <p:cSld>
+    <p:spTree>
+      <p:nvGrpSpPr>
+        <p:cNvPr id="1" name=""/>
+        <p:cNvGrpSpPr/>
+        <p:nvPr/>
+      </p:nvGrpSpPr>
+      <p:grpSpPr>
+        <a:xfrm>
+          <a:off x="0" y="0"/>
+          <a:ext cx="0" cy="0"/>
+          <a:chOff x="0" y="0"/>
+          <a:chExt cx="0" cy="0"/>
+        </a:xfrm>
+      </p:grpSpPr>
+      <p:sp>
+        <p:nvSpPr>
+          <p:cNvPr id="2" name="Titre 1"/>
+          <p:cNvSpPr>
+            <a:spLocks noGrp="1"/>
+          </p:cNvSpPr>
+          <p:nvPr>
+            <p:ph type="title"/>
+          </p:nvPr>
+        </p:nvSpPr>
+        <p:spPr>
+          <a:xfrm>
             <a:off x="784948" y="551144"/>
             <a:ext cx="10571998" cy="766285"/>
           </a:xfrm>
@@ -7210,8 +7506,13 @@
             </a:br>
             <a:r>
               <a:rPr lang="fr-FR" sz="3000" dirty="0"/>
-              <a:t>Communication (3/3)</a:t>
-            </a:r>
+              <a:t>Communication </a:t>
+            </a:r>
+            <a:r>
+              <a:rPr lang="fr-FR" sz="3000" dirty="0" smtClean="0"/>
+              <a:t>http (4/4)</a:t>
+            </a:r>
+            <a:endParaRPr lang="fr-FR" sz="3000" dirty="0"/>
           </a:p>
         </p:txBody>
       </p:sp>
@@ -7249,121 +7550,6 @@
     <p:extLst>
       <p:ext uri="{BB962C8B-B14F-4D97-AF65-F5344CB8AC3E}">
         <p14:creationId xmlns:p14="http://schemas.microsoft.com/office/powerpoint/2010/main" val="3731210647"/>
-      </p:ext>
-    </p:extLst>
-  </p:cSld>
-  <p:clrMapOvr>
-    <a:masterClrMapping/>
-  </p:clrMapOvr>
-</p:sld>
-</file>
-
-<file path=ppt/slides/slide17.xml><?xml version="1.0" encoding="utf-8"?>
-<p:sld xmlns:a="http://schemas.openxmlformats.org/drawingml/2006/main" xmlns:r="http://schemas.openxmlformats.org/officeDocument/2006/relationships" xmlns:p="http://schemas.openxmlformats.org/presentationml/2006/main">
-  <p:cSld>
-    <p:spTree>
-      <p:nvGrpSpPr>
-        <p:cNvPr id="1" name=""/>
-        <p:cNvGrpSpPr/>
-        <p:nvPr/>
-      </p:nvGrpSpPr>
-      <p:grpSpPr>
-        <a:xfrm>
-          <a:off x="0" y="0"/>
-          <a:ext cx="0" cy="0"/>
-          <a:chOff x="0" y="0"/>
-          <a:chExt cx="0" cy="0"/>
-        </a:xfrm>
-      </p:grpSpPr>
-      <p:sp>
-        <p:nvSpPr>
-          <p:cNvPr id="2" name="Titre 1"/>
-          <p:cNvSpPr>
-            <a:spLocks noGrp="1"/>
-          </p:cNvSpPr>
-          <p:nvPr>
-            <p:ph type="title"/>
-          </p:nvPr>
-        </p:nvSpPr>
-        <p:spPr/>
-        <p:txBody>
-          <a:bodyPr/>
-          <a:lstStyle/>
-          <a:p>
-            <a:r>
-              <a:rPr lang="fr-FR" dirty="0"/>
-              <a:t>Gaël : Mise en place du Serveur (1/4)</a:t>
-            </a:r>
-          </a:p>
-        </p:txBody>
-      </p:sp>
-      <p:sp>
-        <p:nvSpPr>
-          <p:cNvPr id="3" name="Espace réservé du contenu 2"/>
-          <p:cNvSpPr>
-            <a:spLocks noGrp="1"/>
-          </p:cNvSpPr>
-          <p:nvPr>
-            <p:ph idx="1"/>
-          </p:nvPr>
-        </p:nvSpPr>
-        <p:spPr>
-          <a:xfrm>
-            <a:off x="810000" y="2036619"/>
-            <a:ext cx="10554574" cy="1594369"/>
-          </a:xfrm>
-        </p:spPr>
-        <p:txBody>
-          <a:bodyPr/>
-          <a:lstStyle/>
-          <a:p>
-            <a:r>
-              <a:rPr lang="fr-FR" dirty="0"/>
-              <a:t>Installation de l’environnement</a:t>
-            </a:r>
-          </a:p>
-          <a:p>
-            <a:pPr marL="0" indent="0">
-              <a:buNone/>
-            </a:pPr>
-            <a:endParaRPr lang="fr-FR" dirty="0"/>
-          </a:p>
-        </p:txBody>
-      </p:sp>
-      <p:pic>
-        <p:nvPicPr>
-          <p:cNvPr id="5" name="Image 4"/>
-          <p:cNvPicPr>
-            <a:picLocks noChangeAspect="1"/>
-          </p:cNvPicPr>
-          <p:nvPr/>
-        </p:nvPicPr>
-        <p:blipFill>
-          <a:blip r:embed="rId2">
-            <a:extLst>
-              <a:ext uri="{28A0092B-C50C-407E-A947-70E740481C1C}">
-                <a14:useLocalDpi xmlns:a14="http://schemas.microsoft.com/office/drawing/2010/main" val="0"/>
-              </a:ext>
-            </a:extLst>
-          </a:blip>
-          <a:stretch>
-            <a:fillRect/>
-          </a:stretch>
-        </p:blipFill>
-        <p:spPr>
-          <a:xfrm>
-            <a:off x="2658715" y="3120353"/>
-            <a:ext cx="6857143" cy="3111111"/>
-          </a:xfrm>
-          <a:prstGeom prst="rect">
-            <a:avLst/>
-          </a:prstGeom>
-        </p:spPr>
-      </p:pic>
-    </p:spTree>
-    <p:extLst>
-      <p:ext uri="{BB962C8B-B14F-4D97-AF65-F5344CB8AC3E}">
-        <p14:creationId xmlns:p14="http://schemas.microsoft.com/office/powerpoint/2010/main" val="2285957563"/>
       </p:ext>
     </p:extLst>
   </p:cSld>
@@ -7400,10 +7586,32 @@
             <p:ph type="title"/>
           </p:nvPr>
         </p:nvSpPr>
+        <p:spPr/>
+        <p:txBody>
+          <a:bodyPr/>
+          <a:lstStyle/>
+          <a:p>
+            <a:r>
+              <a:rPr lang="fr-FR" dirty="0"/>
+              <a:t>Gaël : Mise en place du Serveur (1/4)</a:t>
+            </a:r>
+          </a:p>
+        </p:txBody>
+      </p:sp>
+      <p:sp>
+        <p:nvSpPr>
+          <p:cNvPr id="3" name="Espace réservé du contenu 2"/>
+          <p:cNvSpPr>
+            <a:spLocks noGrp="1"/>
+          </p:cNvSpPr>
+          <p:nvPr>
+            <p:ph idx="1"/>
+          </p:nvPr>
+        </p:nvSpPr>
         <p:spPr>
           <a:xfrm>
-            <a:off x="801288" y="413937"/>
-            <a:ext cx="10571998" cy="970450"/>
+            <a:off x="810000" y="2036619"/>
+            <a:ext cx="10554574" cy="1594369"/>
           </a:xfrm>
         </p:spPr>
         <p:txBody>
@@ -7412,49 +7620,20 @@
           <a:p>
             <a:r>
               <a:rPr lang="fr-FR" dirty="0"/>
-              <a:t>Gaël : Création du </a:t>
-            </a:r>
-            <a:r>
-              <a:rPr lang="fr-FR" dirty="0" err="1"/>
-              <a:t>Webservice</a:t>
-            </a:r>
-            <a:r>
-              <a:rPr lang="fr-FR" dirty="0"/>
-              <a:t> (2/4)</a:t>
-            </a:r>
-          </a:p>
-        </p:txBody>
-      </p:sp>
-      <p:sp>
-        <p:nvSpPr>
-          <p:cNvPr id="3" name="Espace réservé du contenu 2"/>
-          <p:cNvSpPr>
-            <a:spLocks noGrp="1"/>
-          </p:cNvSpPr>
-          <p:nvPr>
-            <p:ph idx="1"/>
-          </p:nvPr>
-        </p:nvSpPr>
-        <p:spPr>
-          <a:xfrm>
-            <a:off x="801288" y="2335876"/>
-            <a:ext cx="10554574" cy="887787"/>
-          </a:xfrm>
-        </p:spPr>
-        <p:txBody>
-          <a:bodyPr/>
-          <a:lstStyle/>
-          <a:p>
-            <a:r>
-              <a:rPr lang="fr-FR" dirty="0"/>
-              <a:t> Architecture REST</a:t>
-            </a:r>
+              <a:t>Installation de l’environnement</a:t>
+            </a:r>
+          </a:p>
+          <a:p>
+            <a:pPr marL="0" indent="0">
+              <a:buNone/>
+            </a:pPr>
+            <a:endParaRPr lang="fr-FR" dirty="0"/>
           </a:p>
         </p:txBody>
       </p:sp>
       <p:pic>
         <p:nvPicPr>
-          <p:cNvPr id="4" name="Image 3"/>
+          <p:cNvPr id="5" name="Image 4"/>
           <p:cNvPicPr>
             <a:picLocks noChangeAspect="1"/>
           </p:cNvPicPr>
@@ -7474,8 +7653,8 @@
         </p:blipFill>
         <p:spPr>
           <a:xfrm>
-            <a:off x="4120374" y="3381894"/>
-            <a:ext cx="3933825" cy="2438400"/>
+            <a:off x="2658715" y="3120353"/>
+            <a:ext cx="6857143" cy="3111111"/>
           </a:xfrm>
           <a:prstGeom prst="rect">
             <a:avLst/>
@@ -7485,7 +7664,7 @@
     </p:spTree>
     <p:extLst>
       <p:ext uri="{BB962C8B-B14F-4D97-AF65-F5344CB8AC3E}">
-        <p14:creationId xmlns:p14="http://schemas.microsoft.com/office/powerpoint/2010/main" val="4085360741"/>
+        <p14:creationId xmlns:p14="http://schemas.microsoft.com/office/powerpoint/2010/main" val="2285957563"/>
       </p:ext>
     </p:extLst>
   </p:cSld>
@@ -7522,21 +7701,34 @@
             <p:ph type="title"/>
           </p:nvPr>
         </p:nvSpPr>
-        <p:spPr/>
+        <p:spPr>
+          <a:xfrm>
+            <a:off x="801288" y="413937"/>
+            <a:ext cx="10571998" cy="970450"/>
+          </a:xfrm>
+        </p:spPr>
         <p:txBody>
           <a:bodyPr/>
           <a:lstStyle/>
           <a:p>
             <a:r>
               <a:rPr lang="fr-FR" dirty="0"/>
-              <a:t>Gaël : Réalisation d’un Backoffice (3/4)</a:t>
-            </a:r>
-          </a:p>
-        </p:txBody>
-      </p:sp>
-      <p:sp>
-        <p:nvSpPr>
-          <p:cNvPr id="5" name="Espace réservé du contenu 4"/>
+              <a:t>Gaël : Création du </a:t>
+            </a:r>
+            <a:r>
+              <a:rPr lang="fr-FR" dirty="0" err="1"/>
+              <a:t>Webservice</a:t>
+            </a:r>
+            <a:r>
+              <a:rPr lang="fr-FR" dirty="0"/>
+              <a:t> (2/4)</a:t>
+            </a:r>
+          </a:p>
+        </p:txBody>
+      </p:sp>
+      <p:sp>
+        <p:nvSpPr>
+          <p:cNvPr id="3" name="Espace réservé du contenu 2"/>
           <p:cNvSpPr>
             <a:spLocks noGrp="1"/>
           </p:cNvSpPr>
@@ -7546,8 +7738,8 @@
         </p:nvSpPr>
         <p:spPr>
           <a:xfrm>
-            <a:off x="810000" y="2236124"/>
-            <a:ext cx="10554574" cy="937663"/>
+            <a:off x="801288" y="2335876"/>
+            <a:ext cx="10554574" cy="887787"/>
           </a:xfrm>
         </p:spPr>
         <p:txBody>
@@ -7556,14 +7748,14 @@
           <a:p>
             <a:r>
               <a:rPr lang="fr-FR" dirty="0"/>
-              <a:t>A quoi sert le backoffice ?</a:t>
+              <a:t> Architecture REST</a:t>
             </a:r>
           </a:p>
         </p:txBody>
       </p:sp>
       <p:pic>
         <p:nvPicPr>
-          <p:cNvPr id="7" name="Image 6"/>
+          <p:cNvPr id="4" name="Image 3"/>
           <p:cNvPicPr>
             <a:picLocks noChangeAspect="1"/>
           </p:cNvPicPr>
@@ -7583,8 +7775,8 @@
         </p:blipFill>
         <p:spPr>
           <a:xfrm>
-            <a:off x="3029762" y="3338599"/>
-            <a:ext cx="6115050" cy="2857500"/>
+            <a:off x="4120374" y="3381894"/>
+            <a:ext cx="3933825" cy="2438400"/>
           </a:xfrm>
           <a:prstGeom prst="rect">
             <a:avLst/>
@@ -7594,7 +7786,7 @@
     </p:spTree>
     <p:extLst>
       <p:ext uri="{BB962C8B-B14F-4D97-AF65-F5344CB8AC3E}">
-        <p14:creationId xmlns:p14="http://schemas.microsoft.com/office/powerpoint/2010/main" val="2746981086"/>
+        <p14:creationId xmlns:p14="http://schemas.microsoft.com/office/powerpoint/2010/main" val="4085360741"/>
       </p:ext>
     </p:extLst>
   </p:cSld>
@@ -7733,6 +7925,13 @@
   <p:clrMapOvr>
     <a:masterClrMapping/>
   </p:clrMapOvr>
+  <p:timing>
+    <p:tnLst>
+      <p:par>
+        <p:cTn id="1" dur="indefinite" restart="never" nodeType="tmRoot"/>
+      </p:par>
+    </p:tnLst>
+  </p:timing>
 </p:sld>
 </file>
 
@@ -7770,14 +7969,14 @@
           <a:p>
             <a:r>
               <a:rPr lang="fr-FR" dirty="0"/>
-              <a:t>Gaël : Évolution Possible (4/4)</a:t>
-            </a:r>
-          </a:p>
-        </p:txBody>
-      </p:sp>
-      <p:sp>
-        <p:nvSpPr>
-          <p:cNvPr id="3" name="Espace réservé du contenu 2"/>
+              <a:t>Gaël : Réalisation d’un Backoffice (3/4)</a:t>
+            </a:r>
+          </a:p>
+        </p:txBody>
+      </p:sp>
+      <p:sp>
+        <p:nvSpPr>
+          <p:cNvPr id="5" name="Espace réservé du contenu 4"/>
           <p:cNvSpPr>
             <a:spLocks noGrp="1"/>
           </p:cNvSpPr>
@@ -7787,8 +7986,8 @@
         </p:nvSpPr>
         <p:spPr>
           <a:xfrm>
-            <a:off x="810000" y="2215096"/>
-            <a:ext cx="10554574" cy="1469678"/>
+            <a:off x="810000" y="2236124"/>
+            <a:ext cx="10554574" cy="937663"/>
           </a:xfrm>
         </p:spPr>
         <p:txBody>
@@ -7797,28 +7996,14 @@
           <a:p>
             <a:r>
               <a:rPr lang="fr-FR" dirty="0"/>
-              <a:t>Réaliser un serveur WEB à l’aide d’un </a:t>
-            </a:r>
-            <a:r>
-              <a:rPr lang="fr-FR" dirty="0" err="1"/>
-              <a:t>Raspberry</a:t>
-            </a:r>
-            <a:r>
-              <a:rPr lang="fr-FR" dirty="0"/>
-              <a:t> Pi 3</a:t>
-            </a:r>
-          </a:p>
-          <a:p>
-            <a:pPr marL="0" indent="0">
-              <a:buNone/>
-            </a:pPr>
-            <a:endParaRPr lang="fr-FR" dirty="0"/>
+              <a:t>A quoi sert le backoffice ?</a:t>
+            </a:r>
           </a:p>
         </p:txBody>
       </p:sp>
       <p:pic>
         <p:nvPicPr>
-          <p:cNvPr id="5" name="Image 4"/>
+          <p:cNvPr id="7" name="Image 6"/>
           <p:cNvPicPr>
             <a:picLocks noChangeAspect="1"/>
           </p:cNvPicPr>
@@ -7838,8 +8023,8 @@
         </p:blipFill>
         <p:spPr>
           <a:xfrm>
-            <a:off x="4754880" y="3559519"/>
-            <a:ext cx="2127612" cy="2726575"/>
+            <a:off x="3029762" y="3338599"/>
+            <a:ext cx="6115050" cy="2857500"/>
           </a:xfrm>
           <a:prstGeom prst="rect">
             <a:avLst/>
@@ -7849,7 +8034,7 @@
     </p:spTree>
     <p:extLst>
       <p:ext uri="{BB962C8B-B14F-4D97-AF65-F5344CB8AC3E}">
-        <p14:creationId xmlns:p14="http://schemas.microsoft.com/office/powerpoint/2010/main" val="734865338"/>
+        <p14:creationId xmlns:p14="http://schemas.microsoft.com/office/powerpoint/2010/main" val="2746981086"/>
       </p:ext>
     </p:extLst>
   </p:cSld>
@@ -7892,54 +8077,87 @@
           <a:lstStyle/>
           <a:p>
             <a:r>
+              <a:rPr lang="fr-FR" dirty="0"/>
+              <a:t>Gaël : Évolution Possible (4/4)</a:t>
+            </a:r>
+          </a:p>
+        </p:txBody>
+      </p:sp>
+      <p:sp>
+        <p:nvSpPr>
+          <p:cNvPr id="3" name="Espace réservé du contenu 2"/>
+          <p:cNvSpPr>
+            <a:spLocks noGrp="1"/>
+          </p:cNvSpPr>
+          <p:nvPr>
+            <p:ph idx="1"/>
+          </p:nvPr>
+        </p:nvSpPr>
+        <p:spPr>
+          <a:xfrm>
+            <a:off x="810000" y="2215096"/>
+            <a:ext cx="10554574" cy="1469678"/>
+          </a:xfrm>
+        </p:spPr>
+        <p:txBody>
+          <a:bodyPr/>
+          <a:lstStyle/>
+          <a:p>
+            <a:r>
+              <a:rPr lang="fr-FR" dirty="0"/>
+              <a:t>Réaliser un serveur WEB à l’aide d’un </a:t>
+            </a:r>
+            <a:r>
               <a:rPr lang="fr-FR" dirty="0" err="1"/>
-              <a:t>Yanice</a:t>
-            </a:r>
-            <a:r>
-              <a:rPr lang="fr-FR" dirty="0"/>
-              <a:t> : La réalité virtuelle (1/3)</a:t>
-            </a:r>
-          </a:p>
-        </p:txBody>
-      </p:sp>
-      <p:sp>
-        <p:nvSpPr>
-          <p:cNvPr id="3" name="Espace réservé du contenu 2"/>
-          <p:cNvSpPr>
-            <a:spLocks noGrp="1"/>
-          </p:cNvSpPr>
-          <p:nvPr>
-            <p:ph idx="1"/>
-          </p:nvPr>
-        </p:nvSpPr>
-        <p:spPr/>
-        <p:txBody>
-          <a:bodyPr/>
-          <a:lstStyle/>
-          <a:p>
-            <a:r>
-              <a:rPr lang="fr-FR" dirty="0"/>
-              <a:t>La VR, contrairement à une vidéo basique permet une immersion quasi-totale de son utilisateur.</a:t>
-            </a:r>
-          </a:p>
-          <a:p>
-            <a:r>
-              <a:rPr lang="fr-FR" dirty="0"/>
-              <a:t>Elle permet entre autre la lecture de vidéo de manière sphérique, comme si l’utilisateur était à même la vidéo.</a:t>
-            </a:r>
-          </a:p>
-          <a:p>
-            <a:r>
-              <a:rPr lang="fr-FR" dirty="0"/>
-              <a:t>C’est sur cette technologie que j’ai travaillé et modélisé les vidéos en réalité virtuelle.</a:t>
-            </a:r>
-          </a:p>
-        </p:txBody>
-      </p:sp>
+              <a:t>Raspberry</a:t>
+            </a:r>
+            <a:r>
+              <a:rPr lang="fr-FR" dirty="0"/>
+              <a:t> Pi 3</a:t>
+            </a:r>
+          </a:p>
+          <a:p>
+            <a:pPr marL="0" indent="0">
+              <a:buNone/>
+            </a:pPr>
+            <a:endParaRPr lang="fr-FR" dirty="0"/>
+          </a:p>
+        </p:txBody>
+      </p:sp>
+      <p:pic>
+        <p:nvPicPr>
+          <p:cNvPr id="5" name="Image 4"/>
+          <p:cNvPicPr>
+            <a:picLocks noChangeAspect="1"/>
+          </p:cNvPicPr>
+          <p:nvPr/>
+        </p:nvPicPr>
+        <p:blipFill>
+          <a:blip r:embed="rId2">
+            <a:extLst>
+              <a:ext uri="{28A0092B-C50C-407E-A947-70E740481C1C}">
+                <a14:useLocalDpi xmlns:a14="http://schemas.microsoft.com/office/drawing/2010/main" val="0"/>
+              </a:ext>
+            </a:extLst>
+          </a:blip>
+          <a:stretch>
+            <a:fillRect/>
+          </a:stretch>
+        </p:blipFill>
+        <p:spPr>
+          <a:xfrm>
+            <a:off x="4754880" y="3559519"/>
+            <a:ext cx="2127612" cy="2726575"/>
+          </a:xfrm>
+          <a:prstGeom prst="rect">
+            <a:avLst/>
+          </a:prstGeom>
+        </p:spPr>
+      </p:pic>
     </p:spTree>
     <p:extLst>
       <p:ext uri="{BB962C8B-B14F-4D97-AF65-F5344CB8AC3E}">
-        <p14:creationId xmlns:p14="http://schemas.microsoft.com/office/powerpoint/2010/main" val="3724128037"/>
+        <p14:creationId xmlns:p14="http://schemas.microsoft.com/office/powerpoint/2010/main" val="734865338"/>
       </p:ext>
     </p:extLst>
   </p:cSld>
@@ -7987,656 +8205,49 @@
             </a:r>
             <a:r>
               <a:rPr lang="fr-FR" dirty="0"/>
-              <a:t> : Technologie </a:t>
-            </a:r>
-            <a:r>
-              <a:rPr lang="fr-FR" dirty="0" err="1"/>
-              <a:t>Unity</a:t>
-            </a:r>
-            <a:r>
-              <a:rPr lang="fr-FR" dirty="0"/>
-              <a:t> (2/3)</a:t>
-            </a:r>
-          </a:p>
-        </p:txBody>
-      </p:sp>
-      <p:pic>
-        <p:nvPicPr>
-          <p:cNvPr id="1026" name="Picture 2" descr="RÃ©sultat de recherche d'images pour &quot;Casque VR&quot;"/>
-          <p:cNvPicPr>
-            <a:picLocks noGrp="1" noChangeAspect="1" noChangeArrowheads="1"/>
-          </p:cNvPicPr>
+              <a:t> : La réalité virtuelle (1/3)</a:t>
+            </a:r>
+          </a:p>
+        </p:txBody>
+      </p:sp>
+      <p:sp>
+        <p:nvSpPr>
+          <p:cNvPr id="3" name="Espace réservé du contenu 2"/>
+          <p:cNvSpPr>
+            <a:spLocks noGrp="1"/>
+          </p:cNvSpPr>
           <p:nvPr>
             <p:ph idx="1"/>
           </p:nvPr>
-        </p:nvPicPr>
-        <p:blipFill>
-          <a:blip r:embed="rId2">
-            <a:extLst>
-              <a:ext uri="{28A0092B-C50C-407E-A947-70E740481C1C}">
-                <a14:useLocalDpi xmlns:a14="http://schemas.microsoft.com/office/drawing/2010/main" val="0"/>
-              </a:ext>
-            </a:extLst>
-          </a:blip>
-          <a:srcRect/>
-          <a:stretch>
-            <a:fillRect/>
-          </a:stretch>
-        </p:blipFill>
-        <p:spPr bwMode="auto">
-          <a:xfrm>
-            <a:off x="7993229" y="2880510"/>
-            <a:ext cx="1728515" cy="1152344"/>
-          </a:xfrm>
-          <a:prstGeom prst="rect">
-            <a:avLst/>
-          </a:prstGeom>
-          <a:noFill/>
-          <a:extLst>
-            <a:ext uri="{909E8E84-426E-40DD-AFC4-6F175D3DCCD1}">
-              <a14:hiddenFill xmlns:a14="http://schemas.microsoft.com/office/drawing/2010/main">
-                <a:solidFill>
-                  <a:srgbClr val="FFFFFF"/>
-                </a:solidFill>
-              </a14:hiddenFill>
-            </a:ext>
-          </a:extLst>
-        </p:spPr>
-      </p:pic>
-      <p:pic>
-        <p:nvPicPr>
-          <p:cNvPr id="1028" name="Picture 4" descr="RÃ©sultat de recherche d'images pour &quot;Unity&quot;"/>
-          <p:cNvPicPr>
-            <a:picLocks noChangeAspect="1" noChangeArrowheads="1"/>
-          </p:cNvPicPr>
-          <p:nvPr/>
-        </p:nvPicPr>
-        <p:blipFill>
-          <a:blip r:embed="rId3">
-            <a:extLst>
-              <a:ext uri="{28A0092B-C50C-407E-A947-70E740481C1C}">
-                <a14:useLocalDpi xmlns:a14="http://schemas.microsoft.com/office/drawing/2010/main" val="0"/>
-              </a:ext>
-            </a:extLst>
-          </a:blip>
-          <a:srcRect/>
-          <a:stretch>
-            <a:fillRect/>
-          </a:stretch>
-        </p:blipFill>
-        <p:spPr bwMode="auto">
-          <a:xfrm>
-            <a:off x="244733" y="2826327"/>
-            <a:ext cx="2460941" cy="1363287"/>
-          </a:xfrm>
-          <a:prstGeom prst="rect">
-            <a:avLst/>
-          </a:prstGeom>
-          <a:noFill/>
-          <a:extLst>
-            <a:ext uri="{909E8E84-426E-40DD-AFC4-6F175D3DCCD1}">
-              <a14:hiddenFill xmlns:a14="http://schemas.microsoft.com/office/drawing/2010/main">
-                <a:solidFill>
-                  <a:srgbClr val="FFFFFF"/>
-                </a:solidFill>
-              </a14:hiddenFill>
-            </a:ext>
-          </a:extLst>
-        </p:spPr>
-      </p:pic>
-      <p:sp>
-        <p:nvSpPr>
-          <p:cNvPr id="4" name="Flèche droite 3"/>
-          <p:cNvSpPr/>
-          <p:nvPr/>
-        </p:nvSpPr>
-        <p:spPr>
-          <a:xfrm>
-            <a:off x="2810125" y="3444166"/>
-            <a:ext cx="397020" cy="121991"/>
-          </a:xfrm>
-          <a:prstGeom prst="rightArrow">
-            <a:avLst/>
-          </a:prstGeom>
-        </p:spPr>
-        <p:style>
-          <a:lnRef idx="2">
-            <a:schemeClr val="accent1">
-              <a:shade val="50000"/>
-            </a:schemeClr>
-          </a:lnRef>
-          <a:fillRef idx="1">
-            <a:schemeClr val="accent1"/>
-          </a:fillRef>
-          <a:effectRef idx="0">
-            <a:schemeClr val="accent1"/>
-          </a:effectRef>
-          <a:fontRef idx="minor">
-            <a:schemeClr val="lt1"/>
-          </a:fontRef>
-        </p:style>
-        <p:txBody>
-          <a:bodyPr rtlCol="0" anchor="ctr"/>
-          <a:lstStyle/>
-          <a:p>
-            <a:pPr algn="ctr"/>
-            <a:endParaRPr lang="fr-FR"/>
-          </a:p>
-        </p:txBody>
-      </p:sp>
-      <p:pic>
-        <p:nvPicPr>
-          <p:cNvPr id="1030" name="Picture 6" descr="RÃ©sultat de recherche d'images pour &quot;Sphere&quot;"/>
-          <p:cNvPicPr>
-            <a:picLocks noChangeAspect="1" noChangeArrowheads="1"/>
-          </p:cNvPicPr>
-          <p:nvPr/>
-        </p:nvPicPr>
-        <p:blipFill>
-          <a:blip r:embed="rId4">
-            <a:extLst>
-              <a:ext uri="{28A0092B-C50C-407E-A947-70E740481C1C}">
-                <a14:useLocalDpi xmlns:a14="http://schemas.microsoft.com/office/drawing/2010/main" val="0"/>
-              </a:ext>
-            </a:extLst>
-          </a:blip>
-          <a:srcRect/>
-          <a:stretch>
-            <a:fillRect/>
-          </a:stretch>
-        </p:blipFill>
-        <p:spPr bwMode="auto">
-          <a:xfrm>
-            <a:off x="4955161" y="2826327"/>
-            <a:ext cx="1461338" cy="1363287"/>
-          </a:xfrm>
-          <a:prstGeom prst="rect">
-            <a:avLst/>
-          </a:prstGeom>
-          <a:noFill/>
-          <a:extLst>
-            <a:ext uri="{909E8E84-426E-40DD-AFC4-6F175D3DCCD1}">
-              <a14:hiddenFill xmlns:a14="http://schemas.microsoft.com/office/drawing/2010/main">
-                <a:solidFill>
-                  <a:srgbClr val="FFFFFF"/>
-                </a:solidFill>
-              </a14:hiddenFill>
-            </a:ext>
-          </a:extLst>
-        </p:spPr>
-      </p:pic>
-      <p:sp>
-        <p:nvSpPr>
-          <p:cNvPr id="5" name="ZoneTexte 4"/>
-          <p:cNvSpPr txBox="1"/>
-          <p:nvPr/>
-        </p:nvSpPr>
-        <p:spPr>
-          <a:xfrm>
-            <a:off x="668954" y="2450233"/>
-            <a:ext cx="1640193" cy="584775"/>
-          </a:xfrm>
-          <a:prstGeom prst="rect">
-            <a:avLst/>
-          </a:prstGeom>
-          <a:noFill/>
-        </p:spPr>
-        <p:txBody>
-          <a:bodyPr wrap="none" rtlCol="0">
-            <a:spAutoFit/>
-          </a:bodyPr>
-          <a:lstStyle/>
-          <a:p>
-            <a:r>
-              <a:rPr lang="fr-FR" sz="1600" dirty="0"/>
-              <a:t>IDE / </a:t>
-            </a:r>
-            <a:r>
-              <a:rPr lang="fr-FR" sz="1600" dirty="0" err="1"/>
-              <a:t>Modeling</a:t>
-            </a:r>
-            <a:endParaRPr lang="fr-FR" sz="1600" dirty="0"/>
-          </a:p>
-          <a:p>
-            <a:endParaRPr lang="fr-FR" sz="1600" dirty="0"/>
-          </a:p>
-        </p:txBody>
-      </p:sp>
-      <p:pic>
-        <p:nvPicPr>
-          <p:cNvPr id="6" name="Image 5"/>
-          <p:cNvPicPr>
-            <a:picLocks noChangeAspect="1"/>
-          </p:cNvPicPr>
-          <p:nvPr/>
-        </p:nvPicPr>
-        <p:blipFill>
-          <a:blip r:embed="rId5"/>
-          <a:stretch>
-            <a:fillRect/>
-          </a:stretch>
-        </p:blipFill>
-        <p:spPr>
-          <a:xfrm>
-            <a:off x="5328820" y="5474896"/>
-            <a:ext cx="647700" cy="733425"/>
-          </a:xfrm>
-          <a:prstGeom prst="rect">
-            <a:avLst/>
-          </a:prstGeom>
-        </p:spPr>
-      </p:pic>
-      <p:sp>
-        <p:nvSpPr>
-          <p:cNvPr id="10" name="Flèche droite 9"/>
-          <p:cNvSpPr/>
-          <p:nvPr/>
-        </p:nvSpPr>
-        <p:spPr>
-          <a:xfrm rot="5400000">
-            <a:off x="5257179" y="4601715"/>
-            <a:ext cx="815885" cy="174566"/>
-          </a:xfrm>
-          <a:prstGeom prst="rightArrow">
-            <a:avLst/>
-          </a:prstGeom>
-        </p:spPr>
-        <p:style>
-          <a:lnRef idx="2">
-            <a:schemeClr val="accent1">
-              <a:shade val="50000"/>
-            </a:schemeClr>
-          </a:lnRef>
-          <a:fillRef idx="1">
-            <a:schemeClr val="accent1"/>
-          </a:fillRef>
-          <a:effectRef idx="0">
-            <a:schemeClr val="accent1"/>
-          </a:effectRef>
-          <a:fontRef idx="minor">
-            <a:schemeClr val="lt1"/>
-          </a:fontRef>
-        </p:style>
-        <p:txBody>
-          <a:bodyPr rtlCol="0" anchor="ctr"/>
-          <a:lstStyle/>
-          <a:p>
-            <a:pPr algn="ctr"/>
-            <a:endParaRPr lang="fr-FR"/>
-          </a:p>
-        </p:txBody>
-      </p:sp>
-      <p:pic>
-        <p:nvPicPr>
-          <p:cNvPr id="1032" name="Picture 8" descr="RÃ©sultat de recherche d'images pour &quot;Mp4&quot;"/>
-          <p:cNvPicPr>
-            <a:picLocks noChangeAspect="1" noChangeArrowheads="1"/>
-          </p:cNvPicPr>
-          <p:nvPr/>
-        </p:nvPicPr>
-        <p:blipFill>
-          <a:blip r:embed="rId6">
-            <a:extLst>
-              <a:ext uri="{28A0092B-C50C-407E-A947-70E740481C1C}">
-                <a14:useLocalDpi xmlns:a14="http://schemas.microsoft.com/office/drawing/2010/main" val="0"/>
-              </a:ext>
-            </a:extLst>
-          </a:blip>
-          <a:srcRect/>
-          <a:stretch>
-            <a:fillRect/>
-          </a:stretch>
-        </p:blipFill>
-        <p:spPr bwMode="auto">
-          <a:xfrm>
-            <a:off x="3311595" y="2983084"/>
-            <a:ext cx="1049770" cy="1049770"/>
-          </a:xfrm>
-          <a:prstGeom prst="rect">
-            <a:avLst/>
-          </a:prstGeom>
-          <a:noFill/>
-          <a:extLst>
-            <a:ext uri="{909E8E84-426E-40DD-AFC4-6F175D3DCCD1}">
-              <a14:hiddenFill xmlns:a14="http://schemas.microsoft.com/office/drawing/2010/main">
-                <a:solidFill>
-                  <a:srgbClr val="FFFFFF"/>
-                </a:solidFill>
-              </a14:hiddenFill>
-            </a:ext>
-          </a:extLst>
-        </p:spPr>
-      </p:pic>
-      <p:sp>
-        <p:nvSpPr>
-          <p:cNvPr id="16" name="Flèche droite 15"/>
-          <p:cNvSpPr/>
-          <p:nvPr/>
-        </p:nvSpPr>
-        <p:spPr>
-          <a:xfrm>
-            <a:off x="4465815" y="3444166"/>
-            <a:ext cx="384895" cy="121991"/>
-          </a:xfrm>
-          <a:prstGeom prst="rightArrow">
-            <a:avLst/>
-          </a:prstGeom>
-        </p:spPr>
-        <p:style>
-          <a:lnRef idx="2">
-            <a:schemeClr val="accent1">
-              <a:shade val="50000"/>
-            </a:schemeClr>
-          </a:lnRef>
-          <a:fillRef idx="1">
-            <a:schemeClr val="accent1"/>
-          </a:fillRef>
-          <a:effectRef idx="0">
-            <a:schemeClr val="accent1"/>
-          </a:effectRef>
-          <a:fontRef idx="minor">
-            <a:schemeClr val="lt1"/>
-          </a:fontRef>
-        </p:style>
-        <p:txBody>
-          <a:bodyPr rtlCol="0" anchor="ctr"/>
-          <a:lstStyle/>
-          <a:p>
-            <a:pPr algn="ctr"/>
-            <a:endParaRPr lang="fr-FR"/>
-          </a:p>
-        </p:txBody>
-      </p:sp>
-      <p:sp>
-        <p:nvSpPr>
-          <p:cNvPr id="17" name="Flèche droite 16"/>
-          <p:cNvSpPr/>
-          <p:nvPr/>
-        </p:nvSpPr>
-        <p:spPr>
-          <a:xfrm>
-            <a:off x="6520950" y="3437463"/>
-            <a:ext cx="1367828" cy="128694"/>
-          </a:xfrm>
-          <a:prstGeom prst="rightArrow">
-            <a:avLst/>
-          </a:prstGeom>
-        </p:spPr>
-        <p:style>
-          <a:lnRef idx="2">
-            <a:schemeClr val="accent1">
-              <a:shade val="50000"/>
-            </a:schemeClr>
-          </a:lnRef>
-          <a:fillRef idx="1">
-            <a:schemeClr val="accent1"/>
-          </a:fillRef>
-          <a:effectRef idx="0">
-            <a:schemeClr val="accent1"/>
-          </a:effectRef>
-          <a:fontRef idx="minor">
-            <a:schemeClr val="lt1"/>
-          </a:fontRef>
-        </p:style>
-        <p:txBody>
-          <a:bodyPr rtlCol="0" anchor="ctr"/>
-          <a:lstStyle/>
-          <a:p>
-            <a:pPr algn="ctr"/>
-            <a:endParaRPr lang="fr-FR"/>
-          </a:p>
-        </p:txBody>
-      </p:sp>
-      <p:sp>
-        <p:nvSpPr>
-          <p:cNvPr id="18" name="ZoneTexte 17"/>
-          <p:cNvSpPr txBox="1"/>
-          <p:nvPr/>
-        </p:nvSpPr>
-        <p:spPr>
-          <a:xfrm>
-            <a:off x="5241637" y="5167119"/>
-            <a:ext cx="888385" cy="615553"/>
-          </a:xfrm>
-          <a:prstGeom prst="rect">
-            <a:avLst/>
-          </a:prstGeom>
-          <a:noFill/>
-        </p:spPr>
-        <p:txBody>
-          <a:bodyPr wrap="none" rtlCol="0">
-            <a:spAutoFit/>
-          </a:bodyPr>
-          <a:lstStyle/>
-          <a:p>
-            <a:r>
-              <a:rPr lang="fr-FR" sz="1600" dirty="0" err="1"/>
-              <a:t>Shader</a:t>
-            </a:r>
-            <a:endParaRPr lang="fr-FR" sz="1600" dirty="0"/>
-          </a:p>
-          <a:p>
-            <a:endParaRPr lang="fr-FR" dirty="0"/>
-          </a:p>
-        </p:txBody>
-      </p:sp>
-      <p:sp>
-        <p:nvSpPr>
-          <p:cNvPr id="19" name="ZoneTexte 18"/>
-          <p:cNvSpPr txBox="1"/>
-          <p:nvPr/>
-        </p:nvSpPr>
-        <p:spPr>
-          <a:xfrm>
-            <a:off x="5205569" y="2463922"/>
-            <a:ext cx="880369" cy="615553"/>
-          </a:xfrm>
-          <a:prstGeom prst="rect">
-            <a:avLst/>
-          </a:prstGeom>
-          <a:noFill/>
-        </p:spPr>
-        <p:txBody>
-          <a:bodyPr wrap="none" rtlCol="0">
-            <a:spAutoFit/>
-          </a:bodyPr>
-          <a:lstStyle/>
-          <a:p>
-            <a:r>
-              <a:rPr lang="fr-FR" sz="1600" dirty="0"/>
-              <a:t>Sphère</a:t>
-            </a:r>
-          </a:p>
-          <a:p>
-            <a:endParaRPr lang="fr-FR" dirty="0"/>
-          </a:p>
-        </p:txBody>
-      </p:sp>
-      <p:sp>
-        <p:nvSpPr>
-          <p:cNvPr id="20" name="ZoneTexte 19"/>
-          <p:cNvSpPr txBox="1"/>
-          <p:nvPr/>
-        </p:nvSpPr>
-        <p:spPr>
-          <a:xfrm>
-            <a:off x="3413510" y="2591267"/>
-            <a:ext cx="779381" cy="615553"/>
-          </a:xfrm>
-          <a:prstGeom prst="rect">
-            <a:avLst/>
-          </a:prstGeom>
-          <a:noFill/>
-        </p:spPr>
-        <p:txBody>
-          <a:bodyPr wrap="none" rtlCol="0">
-            <a:spAutoFit/>
-          </a:bodyPr>
-          <a:lstStyle/>
-          <a:p>
-            <a:r>
-              <a:rPr lang="fr-FR" sz="1600" dirty="0"/>
-              <a:t>Vidéo</a:t>
-            </a:r>
-          </a:p>
-          <a:p>
-            <a:endParaRPr lang="fr-FR" dirty="0"/>
-          </a:p>
-        </p:txBody>
-      </p:sp>
-      <p:sp>
-        <p:nvSpPr>
-          <p:cNvPr id="21" name="ZoneTexte 20"/>
-          <p:cNvSpPr txBox="1"/>
-          <p:nvPr/>
-        </p:nvSpPr>
-        <p:spPr>
-          <a:xfrm>
-            <a:off x="8547786" y="2503161"/>
-            <a:ext cx="453970" cy="615553"/>
-          </a:xfrm>
-          <a:prstGeom prst="rect">
-            <a:avLst/>
-          </a:prstGeom>
-          <a:noFill/>
-        </p:spPr>
-        <p:txBody>
-          <a:bodyPr wrap="none" rtlCol="0">
-            <a:spAutoFit/>
-          </a:bodyPr>
-          <a:lstStyle/>
-          <a:p>
-            <a:r>
-              <a:rPr lang="fr-FR" sz="1600" dirty="0"/>
-              <a:t>VR</a:t>
-            </a:r>
-          </a:p>
-          <a:p>
-            <a:endParaRPr lang="fr-FR" dirty="0"/>
-          </a:p>
-        </p:txBody>
-      </p:sp>
-      <p:pic>
-        <p:nvPicPr>
-          <p:cNvPr id="1040" name="Picture 16" descr="RÃ©sultat de recherche d'images pour &quot;youtube&quot;"/>
-          <p:cNvPicPr>
-            <a:picLocks noChangeAspect="1" noChangeArrowheads="1"/>
-          </p:cNvPicPr>
-          <p:nvPr/>
-        </p:nvPicPr>
-        <p:blipFill>
-          <a:blip r:embed="rId7">
-            <a:extLst>
-              <a:ext uri="{28A0092B-C50C-407E-A947-70E740481C1C}">
-                <a14:useLocalDpi xmlns:a14="http://schemas.microsoft.com/office/drawing/2010/main" val="0"/>
-              </a:ext>
-            </a:extLst>
-          </a:blip>
-          <a:srcRect/>
-          <a:stretch>
-            <a:fillRect/>
-          </a:stretch>
-        </p:blipFill>
-        <p:spPr bwMode="auto">
-          <a:xfrm>
-            <a:off x="8480011" y="5530500"/>
-            <a:ext cx="933324" cy="622216"/>
-          </a:xfrm>
-          <a:prstGeom prst="rect">
-            <a:avLst/>
-          </a:prstGeom>
-          <a:noFill/>
-          <a:extLst>
-            <a:ext uri="{909E8E84-426E-40DD-AFC4-6F175D3DCCD1}">
-              <a14:hiddenFill xmlns:a14="http://schemas.microsoft.com/office/drawing/2010/main">
-                <a:solidFill>
-                  <a:srgbClr val="FFFFFF"/>
-                </a:solidFill>
-              </a14:hiddenFill>
-            </a:ext>
-          </a:extLst>
-        </p:spPr>
-      </p:pic>
-      <p:sp>
-        <p:nvSpPr>
-          <p:cNvPr id="26" name="Flèche droite 25"/>
-          <p:cNvSpPr/>
-          <p:nvPr/>
-        </p:nvSpPr>
-        <p:spPr>
-          <a:xfrm rot="5400000">
-            <a:off x="8567241" y="4433867"/>
-            <a:ext cx="777326" cy="155823"/>
-          </a:xfrm>
-          <a:prstGeom prst="rightArrow">
-            <a:avLst/>
-          </a:prstGeom>
-        </p:spPr>
-        <p:style>
-          <a:lnRef idx="2">
-            <a:schemeClr val="accent1">
-              <a:shade val="50000"/>
-            </a:schemeClr>
-          </a:lnRef>
-          <a:fillRef idx="1">
-            <a:schemeClr val="accent1"/>
-          </a:fillRef>
-          <a:effectRef idx="0">
-            <a:schemeClr val="accent1"/>
-          </a:effectRef>
-          <a:fontRef idx="minor">
-            <a:schemeClr val="lt1"/>
-          </a:fontRef>
-        </p:style>
-        <p:txBody>
-          <a:bodyPr rtlCol="0" anchor="ctr"/>
-          <a:lstStyle/>
-          <a:p>
-            <a:pPr algn="ctr"/>
-            <a:endParaRPr lang="fr-FR"/>
-          </a:p>
-        </p:txBody>
-      </p:sp>
-      <p:sp>
-        <p:nvSpPr>
-          <p:cNvPr id="27" name="ZoneTexte 26"/>
-          <p:cNvSpPr txBox="1"/>
-          <p:nvPr/>
-        </p:nvSpPr>
-        <p:spPr>
-          <a:xfrm>
-            <a:off x="8429545" y="4945725"/>
-            <a:ext cx="1034257" cy="584775"/>
-          </a:xfrm>
-          <a:prstGeom prst="rect">
-            <a:avLst/>
-          </a:prstGeom>
-          <a:noFill/>
-        </p:spPr>
-        <p:txBody>
-          <a:bodyPr wrap="none" rtlCol="0">
-            <a:spAutoFit/>
-          </a:bodyPr>
-          <a:lstStyle/>
-          <a:p>
-            <a:r>
-              <a:rPr lang="fr-FR" sz="1600" dirty="0"/>
-              <a:t>Injection</a:t>
-            </a:r>
-          </a:p>
-          <a:p>
-            <a:r>
-              <a:rPr lang="fr-FR" sz="1600" dirty="0" err="1"/>
-              <a:t>Youtube</a:t>
-            </a:r>
-            <a:endParaRPr lang="fr-FR" sz="1600" dirty="0"/>
+        </p:nvSpPr>
+        <p:spPr/>
+        <p:txBody>
+          <a:bodyPr/>
+          <a:lstStyle/>
+          <a:p>
+            <a:r>
+              <a:rPr lang="fr-FR" dirty="0"/>
+              <a:t>La VR, contrairement à une vidéo basique permet une immersion quasi-totale de son utilisateur.</a:t>
+            </a:r>
+          </a:p>
+          <a:p>
+            <a:r>
+              <a:rPr lang="fr-FR" dirty="0"/>
+              <a:t>Elle permet entre autre la lecture de vidéo de manière sphérique, comme si l’utilisateur était à même la vidéo.</a:t>
+            </a:r>
+          </a:p>
+          <a:p>
+            <a:r>
+              <a:rPr lang="fr-FR" dirty="0"/>
+              <a:t>C’est sur cette technologie que j’ai travaillé et modélisé les vidéos en réalité virtuelle.</a:t>
+            </a:r>
           </a:p>
         </p:txBody>
       </p:sp>
     </p:spTree>
     <p:extLst>
       <p:ext uri="{BB962C8B-B14F-4D97-AF65-F5344CB8AC3E}">
-        <p14:creationId xmlns:p14="http://schemas.microsoft.com/office/powerpoint/2010/main" val="3441282016"/>
+        <p14:creationId xmlns:p14="http://schemas.microsoft.com/office/powerpoint/2010/main" val="3724128037"/>
       </p:ext>
     </p:extLst>
   </p:cSld>
@@ -8684,57 +8295,656 @@
             </a:r>
             <a:r>
               <a:rPr lang="fr-FR" dirty="0"/>
-              <a:t> : Problèmes rencontrés (3/3)</a:t>
-            </a:r>
-          </a:p>
-        </p:txBody>
-      </p:sp>
-      <p:sp>
-        <p:nvSpPr>
-          <p:cNvPr id="3" name="Espace réservé du contenu 2"/>
-          <p:cNvSpPr>
-            <a:spLocks noGrp="1"/>
-          </p:cNvSpPr>
+              <a:t> : Technologie </a:t>
+            </a:r>
+            <a:r>
+              <a:rPr lang="fr-FR" dirty="0" err="1"/>
+              <a:t>Unity</a:t>
+            </a:r>
+            <a:r>
+              <a:rPr lang="fr-FR" dirty="0"/>
+              <a:t> (2/3)</a:t>
+            </a:r>
+          </a:p>
+        </p:txBody>
+      </p:sp>
+      <p:pic>
+        <p:nvPicPr>
+          <p:cNvPr id="1026" name="Picture 2" descr="RÃ©sultat de recherche d'images pour &quot;Casque VR&quot;"/>
+          <p:cNvPicPr>
+            <a:picLocks noGrp="1" noChangeAspect="1" noChangeArrowheads="1"/>
+          </p:cNvPicPr>
           <p:nvPr>
             <p:ph idx="1"/>
           </p:nvPr>
-        </p:nvSpPr>
-        <p:spPr/>
-        <p:txBody>
-          <a:bodyPr/>
-          <a:lstStyle/>
-          <a:p>
-            <a:r>
-              <a:rPr lang="fr-FR" dirty="0"/>
-              <a:t>Appréhension UNITY.</a:t>
-            </a:r>
-          </a:p>
-          <a:p>
-            <a:r>
-              <a:rPr lang="fr-FR" dirty="0"/>
-              <a:t>Problème de lecture après leur passage en VR.</a:t>
-            </a:r>
-          </a:p>
-          <a:p>
-            <a:r>
-              <a:rPr lang="fr-FR" dirty="0"/>
-              <a:t>Injection </a:t>
-            </a:r>
-            <a:r>
-              <a:rPr lang="fr-FR" dirty="0" err="1"/>
-              <a:t>youtube</a:t>
-            </a:r>
-            <a:r>
-              <a:rPr lang="fr-FR" dirty="0"/>
-              <a:t>.</a:t>
-            </a:r>
+        </p:nvPicPr>
+        <p:blipFill>
+          <a:blip r:embed="rId2">
+            <a:extLst>
+              <a:ext uri="{28A0092B-C50C-407E-A947-70E740481C1C}">
+                <a14:useLocalDpi xmlns:a14="http://schemas.microsoft.com/office/drawing/2010/main" val="0"/>
+              </a:ext>
+            </a:extLst>
+          </a:blip>
+          <a:srcRect/>
+          <a:stretch>
+            <a:fillRect/>
+          </a:stretch>
+        </p:blipFill>
+        <p:spPr bwMode="auto">
+          <a:xfrm>
+            <a:off x="7993229" y="2880510"/>
+            <a:ext cx="1728515" cy="1152344"/>
+          </a:xfrm>
+          <a:prstGeom prst="rect">
+            <a:avLst/>
+          </a:prstGeom>
+          <a:noFill/>
+          <a:extLst>
+            <a:ext uri="{909E8E84-426E-40DD-AFC4-6F175D3DCCD1}">
+              <a14:hiddenFill xmlns:a14="http://schemas.microsoft.com/office/drawing/2010/main">
+                <a:solidFill>
+                  <a:srgbClr val="FFFFFF"/>
+                </a:solidFill>
+              </a14:hiddenFill>
+            </a:ext>
+          </a:extLst>
+        </p:spPr>
+      </p:pic>
+      <p:pic>
+        <p:nvPicPr>
+          <p:cNvPr id="1028" name="Picture 4" descr="RÃ©sultat de recherche d'images pour &quot;Unity&quot;"/>
+          <p:cNvPicPr>
+            <a:picLocks noChangeAspect="1" noChangeArrowheads="1"/>
+          </p:cNvPicPr>
+          <p:nvPr/>
+        </p:nvPicPr>
+        <p:blipFill>
+          <a:blip r:embed="rId3">
+            <a:extLst>
+              <a:ext uri="{28A0092B-C50C-407E-A947-70E740481C1C}">
+                <a14:useLocalDpi xmlns:a14="http://schemas.microsoft.com/office/drawing/2010/main" val="0"/>
+              </a:ext>
+            </a:extLst>
+          </a:blip>
+          <a:srcRect/>
+          <a:stretch>
+            <a:fillRect/>
+          </a:stretch>
+        </p:blipFill>
+        <p:spPr bwMode="auto">
+          <a:xfrm>
+            <a:off x="244733" y="2826327"/>
+            <a:ext cx="2460941" cy="1363287"/>
+          </a:xfrm>
+          <a:prstGeom prst="rect">
+            <a:avLst/>
+          </a:prstGeom>
+          <a:noFill/>
+          <a:extLst>
+            <a:ext uri="{909E8E84-426E-40DD-AFC4-6F175D3DCCD1}">
+              <a14:hiddenFill xmlns:a14="http://schemas.microsoft.com/office/drawing/2010/main">
+                <a:solidFill>
+                  <a:srgbClr val="FFFFFF"/>
+                </a:solidFill>
+              </a14:hiddenFill>
+            </a:ext>
+          </a:extLst>
+        </p:spPr>
+      </p:pic>
+      <p:sp>
+        <p:nvSpPr>
+          <p:cNvPr id="4" name="Flèche droite 3"/>
+          <p:cNvSpPr/>
+          <p:nvPr/>
+        </p:nvSpPr>
+        <p:spPr>
+          <a:xfrm>
+            <a:off x="2810125" y="3444166"/>
+            <a:ext cx="397020" cy="121991"/>
+          </a:xfrm>
+          <a:prstGeom prst="rightArrow">
+            <a:avLst/>
+          </a:prstGeom>
+        </p:spPr>
+        <p:style>
+          <a:lnRef idx="2">
+            <a:schemeClr val="accent1">
+              <a:shade val="50000"/>
+            </a:schemeClr>
+          </a:lnRef>
+          <a:fillRef idx="1">
+            <a:schemeClr val="accent1"/>
+          </a:fillRef>
+          <a:effectRef idx="0">
+            <a:schemeClr val="accent1"/>
+          </a:effectRef>
+          <a:fontRef idx="minor">
+            <a:schemeClr val="lt1"/>
+          </a:fontRef>
+        </p:style>
+        <p:txBody>
+          <a:bodyPr rtlCol="0" anchor="ctr"/>
+          <a:lstStyle/>
+          <a:p>
+            <a:pPr algn="ctr"/>
+            <a:endParaRPr lang="fr-FR"/>
+          </a:p>
+        </p:txBody>
+      </p:sp>
+      <p:pic>
+        <p:nvPicPr>
+          <p:cNvPr id="1030" name="Picture 6" descr="RÃ©sultat de recherche d'images pour &quot;Sphere&quot;"/>
+          <p:cNvPicPr>
+            <a:picLocks noChangeAspect="1" noChangeArrowheads="1"/>
+          </p:cNvPicPr>
+          <p:nvPr/>
+        </p:nvPicPr>
+        <p:blipFill>
+          <a:blip r:embed="rId4">
+            <a:extLst>
+              <a:ext uri="{28A0092B-C50C-407E-A947-70E740481C1C}">
+                <a14:useLocalDpi xmlns:a14="http://schemas.microsoft.com/office/drawing/2010/main" val="0"/>
+              </a:ext>
+            </a:extLst>
+          </a:blip>
+          <a:srcRect/>
+          <a:stretch>
+            <a:fillRect/>
+          </a:stretch>
+        </p:blipFill>
+        <p:spPr bwMode="auto">
+          <a:xfrm>
+            <a:off x="4955161" y="2826327"/>
+            <a:ext cx="1461338" cy="1363287"/>
+          </a:xfrm>
+          <a:prstGeom prst="rect">
+            <a:avLst/>
+          </a:prstGeom>
+          <a:noFill/>
+          <a:extLst>
+            <a:ext uri="{909E8E84-426E-40DD-AFC4-6F175D3DCCD1}">
+              <a14:hiddenFill xmlns:a14="http://schemas.microsoft.com/office/drawing/2010/main">
+                <a:solidFill>
+                  <a:srgbClr val="FFFFFF"/>
+                </a:solidFill>
+              </a14:hiddenFill>
+            </a:ext>
+          </a:extLst>
+        </p:spPr>
+      </p:pic>
+      <p:sp>
+        <p:nvSpPr>
+          <p:cNvPr id="5" name="ZoneTexte 4"/>
+          <p:cNvSpPr txBox="1"/>
+          <p:nvPr/>
+        </p:nvSpPr>
+        <p:spPr>
+          <a:xfrm>
+            <a:off x="668954" y="2450233"/>
+            <a:ext cx="1640193" cy="584775"/>
+          </a:xfrm>
+          <a:prstGeom prst="rect">
+            <a:avLst/>
+          </a:prstGeom>
+          <a:noFill/>
+        </p:spPr>
+        <p:txBody>
+          <a:bodyPr wrap="none" rtlCol="0">
+            <a:spAutoFit/>
+          </a:bodyPr>
+          <a:lstStyle/>
+          <a:p>
+            <a:r>
+              <a:rPr lang="fr-FR" sz="1600" dirty="0"/>
+              <a:t>IDE / </a:t>
+            </a:r>
+            <a:r>
+              <a:rPr lang="fr-FR" sz="1600" dirty="0" err="1"/>
+              <a:t>Modeling</a:t>
+            </a:r>
+            <a:endParaRPr lang="fr-FR" sz="1600" dirty="0"/>
+          </a:p>
+          <a:p>
+            <a:endParaRPr lang="fr-FR" sz="1600" dirty="0"/>
+          </a:p>
+        </p:txBody>
+      </p:sp>
+      <p:pic>
+        <p:nvPicPr>
+          <p:cNvPr id="6" name="Image 5"/>
+          <p:cNvPicPr>
+            <a:picLocks noChangeAspect="1"/>
+          </p:cNvPicPr>
+          <p:nvPr/>
+        </p:nvPicPr>
+        <p:blipFill>
+          <a:blip r:embed="rId5"/>
+          <a:stretch>
+            <a:fillRect/>
+          </a:stretch>
+        </p:blipFill>
+        <p:spPr>
+          <a:xfrm>
+            <a:off x="5328820" y="5474896"/>
+            <a:ext cx="647700" cy="733425"/>
+          </a:xfrm>
+          <a:prstGeom prst="rect">
+            <a:avLst/>
+          </a:prstGeom>
+        </p:spPr>
+      </p:pic>
+      <p:sp>
+        <p:nvSpPr>
+          <p:cNvPr id="10" name="Flèche droite 9"/>
+          <p:cNvSpPr/>
+          <p:nvPr/>
+        </p:nvSpPr>
+        <p:spPr>
+          <a:xfrm rot="5400000">
+            <a:off x="5257179" y="4601715"/>
+            <a:ext cx="815885" cy="174566"/>
+          </a:xfrm>
+          <a:prstGeom prst="rightArrow">
+            <a:avLst/>
+          </a:prstGeom>
+        </p:spPr>
+        <p:style>
+          <a:lnRef idx="2">
+            <a:schemeClr val="accent1">
+              <a:shade val="50000"/>
+            </a:schemeClr>
+          </a:lnRef>
+          <a:fillRef idx="1">
+            <a:schemeClr val="accent1"/>
+          </a:fillRef>
+          <a:effectRef idx="0">
+            <a:schemeClr val="accent1"/>
+          </a:effectRef>
+          <a:fontRef idx="minor">
+            <a:schemeClr val="lt1"/>
+          </a:fontRef>
+        </p:style>
+        <p:txBody>
+          <a:bodyPr rtlCol="0" anchor="ctr"/>
+          <a:lstStyle/>
+          <a:p>
+            <a:pPr algn="ctr"/>
+            <a:endParaRPr lang="fr-FR"/>
+          </a:p>
+        </p:txBody>
+      </p:sp>
+      <p:pic>
+        <p:nvPicPr>
+          <p:cNvPr id="1032" name="Picture 8" descr="RÃ©sultat de recherche d'images pour &quot;Mp4&quot;"/>
+          <p:cNvPicPr>
+            <a:picLocks noChangeAspect="1" noChangeArrowheads="1"/>
+          </p:cNvPicPr>
+          <p:nvPr/>
+        </p:nvPicPr>
+        <p:blipFill>
+          <a:blip r:embed="rId6">
+            <a:extLst>
+              <a:ext uri="{28A0092B-C50C-407E-A947-70E740481C1C}">
+                <a14:useLocalDpi xmlns:a14="http://schemas.microsoft.com/office/drawing/2010/main" val="0"/>
+              </a:ext>
+            </a:extLst>
+          </a:blip>
+          <a:srcRect/>
+          <a:stretch>
+            <a:fillRect/>
+          </a:stretch>
+        </p:blipFill>
+        <p:spPr bwMode="auto">
+          <a:xfrm>
+            <a:off x="3311595" y="2983084"/>
+            <a:ext cx="1049770" cy="1049770"/>
+          </a:xfrm>
+          <a:prstGeom prst="rect">
+            <a:avLst/>
+          </a:prstGeom>
+          <a:noFill/>
+          <a:extLst>
+            <a:ext uri="{909E8E84-426E-40DD-AFC4-6F175D3DCCD1}">
+              <a14:hiddenFill xmlns:a14="http://schemas.microsoft.com/office/drawing/2010/main">
+                <a:solidFill>
+                  <a:srgbClr val="FFFFFF"/>
+                </a:solidFill>
+              </a14:hiddenFill>
+            </a:ext>
+          </a:extLst>
+        </p:spPr>
+      </p:pic>
+      <p:sp>
+        <p:nvSpPr>
+          <p:cNvPr id="16" name="Flèche droite 15"/>
+          <p:cNvSpPr/>
+          <p:nvPr/>
+        </p:nvSpPr>
+        <p:spPr>
+          <a:xfrm>
+            <a:off x="4465815" y="3444166"/>
+            <a:ext cx="384895" cy="121991"/>
+          </a:xfrm>
+          <a:prstGeom prst="rightArrow">
+            <a:avLst/>
+          </a:prstGeom>
+        </p:spPr>
+        <p:style>
+          <a:lnRef idx="2">
+            <a:schemeClr val="accent1">
+              <a:shade val="50000"/>
+            </a:schemeClr>
+          </a:lnRef>
+          <a:fillRef idx="1">
+            <a:schemeClr val="accent1"/>
+          </a:fillRef>
+          <a:effectRef idx="0">
+            <a:schemeClr val="accent1"/>
+          </a:effectRef>
+          <a:fontRef idx="minor">
+            <a:schemeClr val="lt1"/>
+          </a:fontRef>
+        </p:style>
+        <p:txBody>
+          <a:bodyPr rtlCol="0" anchor="ctr"/>
+          <a:lstStyle/>
+          <a:p>
+            <a:pPr algn="ctr"/>
+            <a:endParaRPr lang="fr-FR"/>
+          </a:p>
+        </p:txBody>
+      </p:sp>
+      <p:sp>
+        <p:nvSpPr>
+          <p:cNvPr id="17" name="Flèche droite 16"/>
+          <p:cNvSpPr/>
+          <p:nvPr/>
+        </p:nvSpPr>
+        <p:spPr>
+          <a:xfrm>
+            <a:off x="6520950" y="3437463"/>
+            <a:ext cx="1367828" cy="128694"/>
+          </a:xfrm>
+          <a:prstGeom prst="rightArrow">
+            <a:avLst/>
+          </a:prstGeom>
+        </p:spPr>
+        <p:style>
+          <a:lnRef idx="2">
+            <a:schemeClr val="accent1">
+              <a:shade val="50000"/>
+            </a:schemeClr>
+          </a:lnRef>
+          <a:fillRef idx="1">
+            <a:schemeClr val="accent1"/>
+          </a:fillRef>
+          <a:effectRef idx="0">
+            <a:schemeClr val="accent1"/>
+          </a:effectRef>
+          <a:fontRef idx="minor">
+            <a:schemeClr val="lt1"/>
+          </a:fontRef>
+        </p:style>
+        <p:txBody>
+          <a:bodyPr rtlCol="0" anchor="ctr"/>
+          <a:lstStyle/>
+          <a:p>
+            <a:pPr algn="ctr"/>
+            <a:endParaRPr lang="fr-FR"/>
+          </a:p>
+        </p:txBody>
+      </p:sp>
+      <p:sp>
+        <p:nvSpPr>
+          <p:cNvPr id="18" name="ZoneTexte 17"/>
+          <p:cNvSpPr txBox="1"/>
+          <p:nvPr/>
+        </p:nvSpPr>
+        <p:spPr>
+          <a:xfrm>
+            <a:off x="5241637" y="5167119"/>
+            <a:ext cx="888385" cy="615553"/>
+          </a:xfrm>
+          <a:prstGeom prst="rect">
+            <a:avLst/>
+          </a:prstGeom>
+          <a:noFill/>
+        </p:spPr>
+        <p:txBody>
+          <a:bodyPr wrap="none" rtlCol="0">
+            <a:spAutoFit/>
+          </a:bodyPr>
+          <a:lstStyle/>
+          <a:p>
+            <a:r>
+              <a:rPr lang="fr-FR" sz="1600" dirty="0" err="1"/>
+              <a:t>Shader</a:t>
+            </a:r>
+            <a:endParaRPr lang="fr-FR" sz="1600" dirty="0"/>
+          </a:p>
+          <a:p>
+            <a:endParaRPr lang="fr-FR" dirty="0"/>
+          </a:p>
+        </p:txBody>
+      </p:sp>
+      <p:sp>
+        <p:nvSpPr>
+          <p:cNvPr id="19" name="ZoneTexte 18"/>
+          <p:cNvSpPr txBox="1"/>
+          <p:nvPr/>
+        </p:nvSpPr>
+        <p:spPr>
+          <a:xfrm>
+            <a:off x="5205569" y="2463922"/>
+            <a:ext cx="880369" cy="615553"/>
+          </a:xfrm>
+          <a:prstGeom prst="rect">
+            <a:avLst/>
+          </a:prstGeom>
+          <a:noFill/>
+        </p:spPr>
+        <p:txBody>
+          <a:bodyPr wrap="none" rtlCol="0">
+            <a:spAutoFit/>
+          </a:bodyPr>
+          <a:lstStyle/>
+          <a:p>
+            <a:r>
+              <a:rPr lang="fr-FR" sz="1600" dirty="0"/>
+              <a:t>Sphère</a:t>
+            </a:r>
+          </a:p>
+          <a:p>
+            <a:endParaRPr lang="fr-FR" dirty="0"/>
+          </a:p>
+        </p:txBody>
+      </p:sp>
+      <p:sp>
+        <p:nvSpPr>
+          <p:cNvPr id="20" name="ZoneTexte 19"/>
+          <p:cNvSpPr txBox="1"/>
+          <p:nvPr/>
+        </p:nvSpPr>
+        <p:spPr>
+          <a:xfrm>
+            <a:off x="3413510" y="2591267"/>
+            <a:ext cx="779381" cy="615553"/>
+          </a:xfrm>
+          <a:prstGeom prst="rect">
+            <a:avLst/>
+          </a:prstGeom>
+          <a:noFill/>
+        </p:spPr>
+        <p:txBody>
+          <a:bodyPr wrap="none" rtlCol="0">
+            <a:spAutoFit/>
+          </a:bodyPr>
+          <a:lstStyle/>
+          <a:p>
+            <a:r>
+              <a:rPr lang="fr-FR" sz="1600" dirty="0"/>
+              <a:t>Vidéo</a:t>
+            </a:r>
+          </a:p>
+          <a:p>
+            <a:endParaRPr lang="fr-FR" dirty="0"/>
+          </a:p>
+        </p:txBody>
+      </p:sp>
+      <p:sp>
+        <p:nvSpPr>
+          <p:cNvPr id="21" name="ZoneTexte 20"/>
+          <p:cNvSpPr txBox="1"/>
+          <p:nvPr/>
+        </p:nvSpPr>
+        <p:spPr>
+          <a:xfrm>
+            <a:off x="8547786" y="2503161"/>
+            <a:ext cx="453970" cy="615553"/>
+          </a:xfrm>
+          <a:prstGeom prst="rect">
+            <a:avLst/>
+          </a:prstGeom>
+          <a:noFill/>
+        </p:spPr>
+        <p:txBody>
+          <a:bodyPr wrap="none" rtlCol="0">
+            <a:spAutoFit/>
+          </a:bodyPr>
+          <a:lstStyle/>
+          <a:p>
+            <a:r>
+              <a:rPr lang="fr-FR" sz="1600" dirty="0"/>
+              <a:t>VR</a:t>
+            </a:r>
+          </a:p>
+          <a:p>
+            <a:endParaRPr lang="fr-FR" dirty="0"/>
+          </a:p>
+        </p:txBody>
+      </p:sp>
+      <p:pic>
+        <p:nvPicPr>
+          <p:cNvPr id="1040" name="Picture 16" descr="RÃ©sultat de recherche d'images pour &quot;youtube&quot;"/>
+          <p:cNvPicPr>
+            <a:picLocks noChangeAspect="1" noChangeArrowheads="1"/>
+          </p:cNvPicPr>
+          <p:nvPr/>
+        </p:nvPicPr>
+        <p:blipFill>
+          <a:blip r:embed="rId7">
+            <a:extLst>
+              <a:ext uri="{28A0092B-C50C-407E-A947-70E740481C1C}">
+                <a14:useLocalDpi xmlns:a14="http://schemas.microsoft.com/office/drawing/2010/main" val="0"/>
+              </a:ext>
+            </a:extLst>
+          </a:blip>
+          <a:srcRect/>
+          <a:stretch>
+            <a:fillRect/>
+          </a:stretch>
+        </p:blipFill>
+        <p:spPr bwMode="auto">
+          <a:xfrm>
+            <a:off x="8480011" y="5530500"/>
+            <a:ext cx="933324" cy="622216"/>
+          </a:xfrm>
+          <a:prstGeom prst="rect">
+            <a:avLst/>
+          </a:prstGeom>
+          <a:noFill/>
+          <a:extLst>
+            <a:ext uri="{909E8E84-426E-40DD-AFC4-6F175D3DCCD1}">
+              <a14:hiddenFill xmlns:a14="http://schemas.microsoft.com/office/drawing/2010/main">
+                <a:solidFill>
+                  <a:srgbClr val="FFFFFF"/>
+                </a:solidFill>
+              </a14:hiddenFill>
+            </a:ext>
+          </a:extLst>
+        </p:spPr>
+      </p:pic>
+      <p:sp>
+        <p:nvSpPr>
+          <p:cNvPr id="26" name="Flèche droite 25"/>
+          <p:cNvSpPr/>
+          <p:nvPr/>
+        </p:nvSpPr>
+        <p:spPr>
+          <a:xfrm rot="5400000">
+            <a:off x="8567241" y="4433867"/>
+            <a:ext cx="777326" cy="155823"/>
+          </a:xfrm>
+          <a:prstGeom prst="rightArrow">
+            <a:avLst/>
+          </a:prstGeom>
+        </p:spPr>
+        <p:style>
+          <a:lnRef idx="2">
+            <a:schemeClr val="accent1">
+              <a:shade val="50000"/>
+            </a:schemeClr>
+          </a:lnRef>
+          <a:fillRef idx="1">
+            <a:schemeClr val="accent1"/>
+          </a:fillRef>
+          <a:effectRef idx="0">
+            <a:schemeClr val="accent1"/>
+          </a:effectRef>
+          <a:fontRef idx="minor">
+            <a:schemeClr val="lt1"/>
+          </a:fontRef>
+        </p:style>
+        <p:txBody>
+          <a:bodyPr rtlCol="0" anchor="ctr"/>
+          <a:lstStyle/>
+          <a:p>
+            <a:pPr algn="ctr"/>
+            <a:endParaRPr lang="fr-FR"/>
+          </a:p>
+        </p:txBody>
+      </p:sp>
+      <p:sp>
+        <p:nvSpPr>
+          <p:cNvPr id="27" name="ZoneTexte 26"/>
+          <p:cNvSpPr txBox="1"/>
+          <p:nvPr/>
+        </p:nvSpPr>
+        <p:spPr>
+          <a:xfrm>
+            <a:off x="8429545" y="4945725"/>
+            <a:ext cx="1034257" cy="584775"/>
+          </a:xfrm>
+          <a:prstGeom prst="rect">
+            <a:avLst/>
+          </a:prstGeom>
+          <a:noFill/>
+        </p:spPr>
+        <p:txBody>
+          <a:bodyPr wrap="none" rtlCol="0">
+            <a:spAutoFit/>
+          </a:bodyPr>
+          <a:lstStyle/>
+          <a:p>
+            <a:r>
+              <a:rPr lang="fr-FR" sz="1600" dirty="0"/>
+              <a:t>Injection</a:t>
+            </a:r>
+          </a:p>
+          <a:p>
+            <a:r>
+              <a:rPr lang="fr-FR" sz="1600" dirty="0" err="1"/>
+              <a:t>Youtube</a:t>
+            </a:r>
+            <a:endParaRPr lang="fr-FR" sz="1600" dirty="0"/>
           </a:p>
         </p:txBody>
       </p:sp>
     </p:spTree>
     <p:extLst>
       <p:ext uri="{BB962C8B-B14F-4D97-AF65-F5344CB8AC3E}">
-        <p14:creationId xmlns:p14="http://schemas.microsoft.com/office/powerpoint/2010/main" val="935954564"/>
+        <p14:creationId xmlns:p14="http://schemas.microsoft.com/office/powerpoint/2010/main" val="3441282016"/>
       </p:ext>
     </p:extLst>
   </p:cSld>
@@ -8777,6 +8987,104 @@
           <a:lstStyle/>
           <a:p>
             <a:r>
+              <a:rPr lang="fr-FR" dirty="0" err="1"/>
+              <a:t>Yanice</a:t>
+            </a:r>
+            <a:r>
+              <a:rPr lang="fr-FR" dirty="0"/>
+              <a:t> : Problèmes rencontrés (3/3)</a:t>
+            </a:r>
+          </a:p>
+        </p:txBody>
+      </p:sp>
+      <p:sp>
+        <p:nvSpPr>
+          <p:cNvPr id="3" name="Espace réservé du contenu 2"/>
+          <p:cNvSpPr>
+            <a:spLocks noGrp="1"/>
+          </p:cNvSpPr>
+          <p:nvPr>
+            <p:ph idx="1"/>
+          </p:nvPr>
+        </p:nvSpPr>
+        <p:spPr/>
+        <p:txBody>
+          <a:bodyPr/>
+          <a:lstStyle/>
+          <a:p>
+            <a:r>
+              <a:rPr lang="fr-FR" dirty="0"/>
+              <a:t>Appréhension UNITY.</a:t>
+            </a:r>
+          </a:p>
+          <a:p>
+            <a:r>
+              <a:rPr lang="fr-FR" dirty="0"/>
+              <a:t>Problème de lecture après leur passage en VR.</a:t>
+            </a:r>
+          </a:p>
+          <a:p>
+            <a:r>
+              <a:rPr lang="fr-FR" dirty="0"/>
+              <a:t>Injection </a:t>
+            </a:r>
+            <a:r>
+              <a:rPr lang="fr-FR" dirty="0" err="1"/>
+              <a:t>youtube</a:t>
+            </a:r>
+            <a:r>
+              <a:rPr lang="fr-FR" dirty="0"/>
+              <a:t>.</a:t>
+            </a:r>
+          </a:p>
+        </p:txBody>
+      </p:sp>
+    </p:spTree>
+    <p:extLst>
+      <p:ext uri="{BB962C8B-B14F-4D97-AF65-F5344CB8AC3E}">
+        <p14:creationId xmlns:p14="http://schemas.microsoft.com/office/powerpoint/2010/main" val="935954564"/>
+      </p:ext>
+    </p:extLst>
+  </p:cSld>
+  <p:clrMapOvr>
+    <a:masterClrMapping/>
+  </p:clrMapOvr>
+</p:sld>
+</file>
+
+<file path=ppt/slides/slide25.xml><?xml version="1.0" encoding="utf-8"?>
+<p:sld xmlns:a="http://schemas.openxmlformats.org/drawingml/2006/main" xmlns:r="http://schemas.openxmlformats.org/officeDocument/2006/relationships" xmlns:p="http://schemas.openxmlformats.org/presentationml/2006/main">
+  <p:cSld>
+    <p:spTree>
+      <p:nvGrpSpPr>
+        <p:cNvPr id="1" name=""/>
+        <p:cNvGrpSpPr/>
+        <p:nvPr/>
+      </p:nvGrpSpPr>
+      <p:grpSpPr>
+        <a:xfrm>
+          <a:off x="0" y="0"/>
+          <a:ext cx="0" cy="0"/>
+          <a:chOff x="0" y="0"/>
+          <a:chExt cx="0" cy="0"/>
+        </a:xfrm>
+      </p:grpSpPr>
+      <p:sp>
+        <p:nvSpPr>
+          <p:cNvPr id="2" name="Titre 1"/>
+          <p:cNvSpPr>
+            <a:spLocks noGrp="1"/>
+          </p:cNvSpPr>
+          <p:nvPr>
+            <p:ph type="title"/>
+          </p:nvPr>
+        </p:nvSpPr>
+        <p:spPr/>
+        <p:txBody>
+          <a:bodyPr/>
+          <a:lstStyle/>
+          <a:p>
+            <a:r>
               <a:rPr lang="fr-FR" dirty="0"/>
               <a:t>Démo</a:t>
             </a:r>
@@ -8869,7 +9177,7 @@
 </p:sld>
 </file>
 
-<file path=ppt/slides/slide25.xml><?xml version="1.0" encoding="utf-8"?>
+<file path=ppt/slides/slide26.xml><?xml version="1.0" encoding="utf-8"?>
 <p:sld xmlns:a="http://schemas.openxmlformats.org/drawingml/2006/main" xmlns:r="http://schemas.openxmlformats.org/officeDocument/2006/relationships" xmlns:p="http://schemas.openxmlformats.org/presentationml/2006/main">
   <p:cSld>
     <p:spTree>
@@ -9054,6 +9362,13 @@
   <p:clrMapOvr>
     <a:masterClrMapping/>
   </p:clrMapOvr>
+  <p:timing>
+    <p:tnLst>
+      <p:par>
+        <p:cTn id="1" dur="indefinite" restart="never" nodeType="tmRoot"/>
+      </p:par>
+    </p:tnLst>
+  </p:timing>
 </p:sld>
 </file>
 
@@ -9152,6 +9467,13 @@
   <p:clrMapOvr>
     <a:masterClrMapping/>
   </p:clrMapOvr>
+  <p:timing>
+    <p:tnLst>
+      <p:par>
+        <p:cTn id="1" dur="indefinite" restart="never" nodeType="tmRoot"/>
+      </p:par>
+    </p:tnLst>
+  </p:timing>
 </p:sld>
 </file>
 
@@ -9371,6 +9693,13 @@
   <p:clrMapOvr>
     <a:masterClrMapping/>
   </p:clrMapOvr>
+  <p:timing>
+    <p:tnLst>
+      <p:par>
+        <p:cTn id="1" dur="indefinite" restart="never" nodeType="tmRoot"/>
+      </p:par>
+    </p:tnLst>
+  </p:timing>
 </p:sld>
 </file>
 
@@ -9575,6 +9904,13 @@
   <p:clrMapOvr>
     <a:masterClrMapping/>
   </p:clrMapOvr>
+  <p:timing>
+    <p:tnLst>
+      <p:par>
+        <p:cTn id="1" dur="indefinite" restart="never" nodeType="tmRoot"/>
+      </p:par>
+    </p:tnLst>
+  </p:timing>
 </p:sld>
 </file>
 
@@ -10393,6 +10729,13 @@
   <p:clrMapOvr>
     <a:masterClrMapping/>
   </p:clrMapOvr>
+  <p:timing>
+    <p:tnLst>
+      <p:par>
+        <p:cTn id="1" dur="indefinite" restart="never" nodeType="tmRoot"/>
+      </p:par>
+    </p:tnLst>
+  </p:timing>
 </p:sld>
 </file>
 
@@ -10480,6 +10823,13 @@
   <p:clrMapOvr>
     <a:masterClrMapping/>
   </p:clrMapOvr>
+  <p:timing>
+    <p:tnLst>
+      <p:par>
+        <p:cTn id="1" dur="indefinite" restart="never" nodeType="tmRoot"/>
+      </p:par>
+    </p:tnLst>
+  </p:timing>
 </p:sld>
 </file>
 
@@ -10579,6 +10929,13 @@
   <p:clrMapOvr>
     <a:masterClrMapping/>
   </p:clrMapOvr>
+  <p:timing>
+    <p:tnLst>
+      <p:par>
+        <p:cTn id="1" dur="indefinite" restart="never" nodeType="tmRoot"/>
+      </p:par>
+    </p:tnLst>
+  </p:timing>
 </p:sld>
 </file>
 

--- a/annexes/slides-VR_Tourism.pptx
+++ b/annexes/slides-VR_Tourism.pptx
@@ -28,9 +28,10 @@
     <p:sldId id="271" r:id="rId22"/>
     <p:sldId id="272" r:id="rId23"/>
     <p:sldId id="273" r:id="rId24"/>
-    <p:sldId id="274" r:id="rId25"/>
-    <p:sldId id="262" r:id="rId26"/>
-    <p:sldId id="275" r:id="rId27"/>
+    <p:sldId id="283" r:id="rId25"/>
+    <p:sldId id="282" r:id="rId26"/>
+    <p:sldId id="262" r:id="rId27"/>
+    <p:sldId id="275" r:id="rId28"/>
   </p:sldIdLst>
   <p:sldSz cx="12192000" cy="6858000"/>
   <p:notesSz cx="6858000" cy="9144000"/>
@@ -236,7 +237,7 @@
           <a:effectLst/>
           <a:extLst>
             <a:ext uri="{91240B29-F687-4f45-9708-019B960494DF}">
-              <a14:hiddenLine xmlns:a14="http://schemas.microsoft.com/office/drawing/2010/main" xmlns="" w="9525">
+              <a14:hiddenLine xmlns="" xmlns:a14="http://schemas.microsoft.com/office/drawing/2010/main" w="9525">
                 <a:solidFill>
                   <a:srgbClr val="000000"/>
                 </a:solidFill>
@@ -429,7 +430,7 @@
             <a:fld id="{08B9EBBA-996F-894A-B54A-D6246ED52CEA}" type="datetimeFigureOut">
               <a:rPr lang="en-US" dirty="0"/>
               <a:pPr/>
-              <a:t>5/12/2018</a:t>
+              <a:t>5/14/2018</a:t>
             </a:fld>
             <a:endParaRPr lang="en-US" dirty="0"/>
           </a:p>
@@ -744,7 +745,7 @@
             <a:fld id="{18C79C5D-2A6F-F04D-97DA-BEF2467B64E4}" type="datetimeFigureOut">
               <a:rPr lang="en-US" dirty="0"/>
               <a:pPr/>
-              <a:t>5/12/2018</a:t>
+              <a:t>5/14/2018</a:t>
             </a:fld>
             <a:endParaRPr lang="en-US" dirty="0"/>
           </a:p>
@@ -1229,7 +1230,7 @@
             <a:fld id="{8DFA1846-DA80-1C48-A609-854EA85C59AD}" type="datetimeFigureOut">
               <a:rPr lang="en-US" dirty="0"/>
               <a:pPr/>
-              <a:t>5/12/2018</a:t>
+              <a:t>5/14/2018</a:t>
             </a:fld>
             <a:endParaRPr lang="en-US" dirty="0"/>
           </a:p>
@@ -1595,7 +1596,7 @@
             <a:fld id="{FBF54567-0DE4-3F47-BF90-CB84690072F9}" type="datetimeFigureOut">
               <a:rPr lang="en-US" dirty="0"/>
               <a:pPr/>
-              <a:t>5/12/2018</a:t>
+              <a:t>5/14/2018</a:t>
             </a:fld>
             <a:endParaRPr lang="en-US" dirty="0"/>
           </a:p>
@@ -1746,7 +1747,7 @@
           <a:ln/>
           <a:extLst>
             <a:ext uri="{91240B29-F687-4f45-9708-019B960494DF}">
-              <a14:hiddenLine xmlns:a14="http://schemas.microsoft.com/office/drawing/2010/main" xmlns="" w="9525">
+              <a14:hiddenLine xmlns="" xmlns:a14="http://schemas.microsoft.com/office/drawing/2010/main" w="9525">
                 <a:solidFill>
                   <a:srgbClr val="000000"/>
                 </a:solidFill>
@@ -1865,7 +1866,7 @@
             <a:fld id="{C6C52C72-DE31-F449-A4ED-4C594FD91407}" type="datetimeFigureOut">
               <a:rPr lang="en-US" dirty="0"/>
               <a:pPr/>
-              <a:t>5/12/2018</a:t>
+              <a:t>5/14/2018</a:t>
             </a:fld>
             <a:endParaRPr lang="en-US" dirty="0"/>
           </a:p>
@@ -2018,7 +2019,7 @@
           <a:ln/>
           <a:extLst>
             <a:ext uri="{91240B29-F687-4f45-9708-019B960494DF}">
-              <a14:hiddenLine xmlns:a14="http://schemas.microsoft.com/office/drawing/2010/main" xmlns="" w="9525">
+              <a14:hiddenLine xmlns="" xmlns:a14="http://schemas.microsoft.com/office/drawing/2010/main" w="9525">
                 <a:solidFill>
                   <a:srgbClr val="000000"/>
                 </a:solidFill>
@@ -2147,7 +2148,7 @@
             <a:fld id="{ED62726E-379B-B349-9EED-81ED093FA806}" type="datetimeFigureOut">
               <a:rPr lang="en-US" dirty="0"/>
               <a:pPr/>
-              <a:t>5/12/2018</a:t>
+              <a:t>5/14/2018</a:t>
             </a:fld>
             <a:endParaRPr lang="en-US" dirty="0"/>
           </a:p>
@@ -2298,7 +2299,7 @@
           <a:ln/>
           <a:extLst>
             <a:ext uri="{91240B29-F687-4f45-9708-019B960494DF}">
-              <a14:hiddenLine xmlns:a14="http://schemas.microsoft.com/office/drawing/2010/main" xmlns="" w="9525">
+              <a14:hiddenLine xmlns="" xmlns:a14="http://schemas.microsoft.com/office/drawing/2010/main" w="9525">
                 <a:solidFill>
                   <a:srgbClr val="000000"/>
                 </a:solidFill>
@@ -2427,7 +2428,7 @@
             <a:fld id="{9B3A1323-8D79-1946-B0D7-40001CF92E9D}" type="datetimeFigureOut">
               <a:rPr lang="en-US" dirty="0"/>
               <a:pPr/>
-              <a:t>5/12/2018</a:t>
+              <a:t>5/14/2018</a:t>
             </a:fld>
             <a:endParaRPr lang="en-US" dirty="0"/>
           </a:p>
@@ -2767,7 +2768,7 @@
             <a:fld id="{8DFA1846-DA80-1C48-A609-854EA85C59AD}" type="datetimeFigureOut">
               <a:rPr lang="en-US" dirty="0"/>
               <a:pPr/>
-              <a:t>5/12/2018</a:t>
+              <a:t>5/14/2018</a:t>
             </a:fld>
             <a:endParaRPr lang="en-US" dirty="0"/>
           </a:p>
@@ -2918,7 +2919,7 @@
           <a:ln/>
           <a:extLst>
             <a:ext uri="{91240B29-F687-4f45-9708-019B960494DF}">
-              <a14:hiddenLine xmlns:a14="http://schemas.microsoft.com/office/drawing/2010/main" xmlns="" w="9525">
+              <a14:hiddenLine xmlns="" xmlns:a14="http://schemas.microsoft.com/office/drawing/2010/main" w="9525">
                 <a:solidFill>
                   <a:srgbClr val="000000"/>
                 </a:solidFill>
@@ -3103,7 +3104,7 @@
             <a:fld id="{57302355-E14B-8545-A8F8-0FE83CC9D524}" type="datetimeFigureOut">
               <a:rPr lang="en-US" dirty="0"/>
               <a:pPr/>
-              <a:t>5/12/2018</a:t>
+              <a:t>5/14/2018</a:t>
             </a:fld>
             <a:endParaRPr lang="en-US" dirty="0"/>
           </a:p>
@@ -3254,7 +3255,7 @@
           <a:ln/>
           <a:extLst>
             <a:ext uri="{91240B29-F687-4f45-9708-019B960494DF}">
-              <a14:hiddenLine xmlns:a14="http://schemas.microsoft.com/office/drawing/2010/main" xmlns="" w="9525">
+              <a14:hiddenLine xmlns="" xmlns:a14="http://schemas.microsoft.com/office/drawing/2010/main" w="9525">
                 <a:solidFill>
                   <a:srgbClr val="000000"/>
                 </a:solidFill>
@@ -3577,7 +3578,7 @@
             <a:fld id="{02640F58-564D-2B4F-AE67-E407BA4FCF45}" type="datetimeFigureOut">
               <a:rPr lang="en-US" dirty="0"/>
               <a:pPr/>
-              <a:t>5/12/2018</a:t>
+              <a:t>5/14/2018</a:t>
             </a:fld>
             <a:endParaRPr lang="en-US" dirty="0"/>
           </a:p>
@@ -3728,7 +3729,7 @@
           <a:ln/>
           <a:extLst>
             <a:ext uri="{91240B29-F687-4f45-9708-019B960494DF}">
-              <a14:hiddenLine xmlns:a14="http://schemas.microsoft.com/office/drawing/2010/main" xmlns="" w="9525">
+              <a14:hiddenLine xmlns="" xmlns:a14="http://schemas.microsoft.com/office/drawing/2010/main" w="9525">
                 <a:solidFill>
                   <a:srgbClr val="000000"/>
                 </a:solidFill>
@@ -3795,7 +3796,7 @@
             <a:fld id="{F13A34C8-038E-2045-AF43-DF7DBB8E0E9E}" type="datetimeFigureOut">
               <a:rPr lang="en-US" dirty="0"/>
               <a:pPr/>
-              <a:t>5/12/2018</a:t>
+              <a:t>5/14/2018</a:t>
             </a:fld>
             <a:endParaRPr lang="en-US" dirty="0"/>
           </a:p>
@@ -3887,7 +3888,7 @@
             <a:fld id="{8818C68F-D26B-8F47-958C-23B49CF8A634}" type="datetimeFigureOut">
               <a:rPr lang="en-US" dirty="0"/>
               <a:pPr/>
-              <a:t>5/12/2018</a:t>
+              <a:t>5/14/2018</a:t>
             </a:fld>
             <a:endParaRPr lang="en-US" dirty="0"/>
           </a:p>
@@ -4151,7 +4152,7 @@
           <a:ln/>
           <a:extLst>
             <a:ext uri="{91240B29-F687-4f45-9708-019B960494DF}">
-              <a14:hiddenLine xmlns:a14="http://schemas.microsoft.com/office/drawing/2010/main" xmlns="" w="9525">
+              <a14:hiddenLine xmlns="" xmlns:a14="http://schemas.microsoft.com/office/drawing/2010/main" w="9525">
                 <a:solidFill>
                   <a:srgbClr val="000000"/>
                 </a:solidFill>
@@ -4351,7 +4352,7 @@
             <a:fld id="{D0DF5E60-9974-AC48-9591-99C2BB44B7CF}" type="datetimeFigureOut">
               <a:rPr lang="en-US" dirty="0"/>
               <a:pPr/>
-              <a:t>5/12/2018</a:t>
+              <a:t>5/14/2018</a:t>
             </a:fld>
             <a:endParaRPr lang="en-US" dirty="0"/>
           </a:p>
@@ -4661,7 +4662,7 @@
             <a:fld id="{18C79C5D-2A6F-F04D-97DA-BEF2467B64E4}" type="datetimeFigureOut">
               <a:rPr lang="en-US" dirty="0"/>
               <a:pPr/>
-              <a:t>5/12/2018</a:t>
+              <a:t>5/14/2018</a:t>
             </a:fld>
             <a:endParaRPr lang="en-US" dirty="0"/>
           </a:p>
@@ -4928,7 +4929,7 @@
             <a:fld id="{09B482E8-6E0E-1B4F-B1FD-C69DB9E858D9}" type="datetimeFigureOut">
               <a:rPr lang="en-US" dirty="0"/>
               <a:pPr/>
-              <a:t>5/12/2018</a:t>
+              <a:t>5/14/2018</a:t>
             </a:fld>
             <a:endParaRPr lang="en-US" dirty="0"/>
           </a:p>
@@ -7319,11 +7320,7 @@
           <a:p>
             <a:r>
               <a:rPr lang="fr-FR" dirty="0" smtClean="0"/>
-              <a:t>Vérification de la réponse reçu par le serveur</a:t>
-            </a:r>
-            <a:r>
-              <a:rPr lang="fr-FR" dirty="0" smtClean="0"/>
-              <a:t>. Présence lien vidéo.</a:t>
+              <a:t>Vérification de la réponse reçu par le serveur. Présence lien vidéo.</a:t>
             </a:r>
             <a:endParaRPr lang="fr-FR" dirty="0"/>
           </a:p>
@@ -8200,13 +8197,14 @@
           <a:lstStyle/>
           <a:p>
             <a:r>
-              <a:rPr lang="fr-FR" dirty="0" err="1"/>
-              <a:t>Yanice</a:t>
-            </a:r>
-            <a:r>
               <a:rPr lang="fr-FR" dirty="0"/>
-              <a:t> : La réalité virtuelle (1/3)</a:t>
-            </a:r>
+              <a:t>Yanice : La réalité virtuelle (</a:t>
+            </a:r>
+            <a:r>
+              <a:rPr lang="fr-FR" dirty="0" smtClean="0"/>
+              <a:t>1/4)</a:t>
+            </a:r>
+            <a:endParaRPr lang="fr-FR" dirty="0"/>
           </a:p>
         </p:txBody>
       </p:sp>
@@ -8220,7 +8218,12 @@
             <p:ph idx="1"/>
           </p:nvPr>
         </p:nvSpPr>
-        <p:spPr/>
+        <p:spPr>
+          <a:xfrm>
+            <a:off x="810000" y="2829116"/>
+            <a:ext cx="10554574" cy="3636511"/>
+          </a:xfrm>
+        </p:spPr>
         <p:txBody>
           <a:bodyPr/>
           <a:lstStyle/>
@@ -8244,6 +8247,47 @@
           </a:p>
         </p:txBody>
       </p:sp>
+      <p:pic>
+        <p:nvPicPr>
+          <p:cNvPr id="4" name="Picture 4" descr="RÃ©sultat de recherche d'images pour &quot;Virtual reality&quot;"/>
+          <p:cNvPicPr>
+            <a:picLocks noChangeAspect="1" noChangeArrowheads="1"/>
+          </p:cNvPicPr>
+          <p:nvPr/>
+        </p:nvPicPr>
+        <p:blipFill>
+          <a:blip r:embed="rId2">
+            <a:extLst>
+              <a:ext uri="{28A0092B-C50C-407E-A947-70E740481C1C}">
+                <a14:useLocalDpi xmlns:a14="http://schemas.microsoft.com/office/drawing/2010/main" val="0"/>
+              </a:ext>
+            </a:extLst>
+          </a:blip>
+          <a:srcRect/>
+          <a:stretch>
+            <a:fillRect/>
+          </a:stretch>
+        </p:blipFill>
+        <p:spPr bwMode="auto">
+          <a:xfrm>
+            <a:off x="9718420" y="1900410"/>
+            <a:ext cx="2473580" cy="1324929"/>
+          </a:xfrm>
+          <a:prstGeom prst="rect">
+            <a:avLst/>
+          </a:prstGeom>
+          <a:noFill/>
+          <a:extLst>
+            <a:ext uri="{909E8E84-426E-40DD-AFC4-6F175D3DCCD1}">
+              <a14:hiddenFill xmlns:a14="http://schemas.microsoft.com/office/drawing/2010/main">
+                <a:solidFill>
+                  <a:srgbClr val="FFFFFF"/>
+                </a:solidFill>
+              </a14:hiddenFill>
+            </a:ext>
+          </a:extLst>
+        </p:spPr>
+      </p:pic>
     </p:spTree>
     <p:extLst>
       <p:ext uri="{BB962C8B-B14F-4D97-AF65-F5344CB8AC3E}">
@@ -8290,33 +8334,144 @@
           <a:lstStyle/>
           <a:p>
             <a:r>
-              <a:rPr lang="fr-FR" dirty="0" err="1"/>
-              <a:t>Yanice</a:t>
-            </a:r>
-            <a:r>
               <a:rPr lang="fr-FR" dirty="0"/>
-              <a:t> : Technologie </a:t>
-            </a:r>
-            <a:r>
-              <a:rPr lang="fr-FR" dirty="0" err="1"/>
+              <a:t>Yanice : </a:t>
+            </a:r>
+            <a:r>
+              <a:rPr lang="fr-FR" dirty="0" smtClean="0"/>
+              <a:t>Choix et technologies (2/4)</a:t>
+            </a:r>
+            <a:endParaRPr lang="fr-FR" dirty="0"/>
+          </a:p>
+        </p:txBody>
+      </p:sp>
+      <p:sp>
+        <p:nvSpPr>
+          <p:cNvPr id="23" name="Espace réservé du contenu 2"/>
+          <p:cNvSpPr>
+            <a:spLocks noGrp="1"/>
+          </p:cNvSpPr>
+          <p:nvPr>
+            <p:ph idx="1"/>
+          </p:nvPr>
+        </p:nvSpPr>
+        <p:spPr>
+          <a:xfrm>
+            <a:off x="810000" y="3003683"/>
+            <a:ext cx="10554574" cy="3636511"/>
+          </a:xfrm>
+        </p:spPr>
+        <p:txBody>
+          <a:bodyPr/>
+          <a:lstStyle/>
+          <a:p>
+            <a:r>
+              <a:rPr lang="fr-FR" dirty="0" smtClean="0"/>
+              <a:t>La technologie </a:t>
+            </a:r>
+            <a:r>
+              <a:rPr lang="fr-FR" dirty="0" err="1" smtClean="0"/>
               <a:t>Unity</a:t>
             </a:r>
             <a:r>
+              <a:rPr lang="fr-FR" dirty="0" smtClean="0"/>
+              <a:t> était la plus adaptée à nos besoins, </a:t>
+            </a:r>
+            <a:r>
+              <a:rPr lang="fr-FR" dirty="0" err="1" smtClean="0"/>
+              <a:t>Unity</a:t>
+            </a:r>
+            <a:r>
+              <a:rPr lang="fr-FR" dirty="0" smtClean="0"/>
+              <a:t> étant un moteur de jeu vidéo Open Source, il propose un </a:t>
+            </a:r>
+            <a:r>
+              <a:rPr lang="fr-FR" dirty="0" err="1" smtClean="0"/>
+              <a:t>modeling</a:t>
+            </a:r>
+            <a:r>
+              <a:rPr lang="fr-FR" dirty="0" smtClean="0"/>
+              <a:t> complet en terme de 3D, c’est donc grâce à lui que j’ai pu utilisé la VR « réalité virtuelle »</a:t>
+            </a:r>
+          </a:p>
+          <a:p>
+            <a:r>
+              <a:rPr lang="fr-FR" dirty="0" smtClean="0"/>
+              <a:t>Il est directement possible d’ajouter des éléments tels que les </a:t>
+            </a:r>
+            <a:r>
+              <a:rPr lang="fr-FR" dirty="0" err="1" smtClean="0"/>
+              <a:t>Shaders</a:t>
+            </a:r>
+            <a:r>
+              <a:rPr lang="fr-FR" dirty="0" smtClean="0"/>
+              <a:t> et de les coder en (C#)</a:t>
+            </a:r>
+          </a:p>
+          <a:p>
+            <a:r>
+              <a:rPr lang="fr-FR" dirty="0" err="1" smtClean="0"/>
+              <a:t>Unity</a:t>
+            </a:r>
+            <a:r>
+              <a:rPr lang="fr-FR" dirty="0" smtClean="0"/>
+              <a:t> m’a permis d’utiliser certains de ces outils tels que : </a:t>
+            </a:r>
+          </a:p>
+          <a:p>
+            <a:pPr marL="0" indent="0">
+              <a:buNone/>
+            </a:pPr>
+            <a:r>
               <a:rPr lang="fr-FR" dirty="0"/>
-              <a:t> (2/3)</a:t>
-            </a:r>
+              <a:t>	</a:t>
+            </a:r>
+            <a:r>
+              <a:rPr lang="fr-FR" dirty="0" smtClean="0"/>
+              <a:t>- VR/SDK/</a:t>
+            </a:r>
+            <a:r>
+              <a:rPr lang="fr-FR" dirty="0" err="1" smtClean="0"/>
+              <a:t>Sphering</a:t>
+            </a:r>
+            <a:r>
+              <a:rPr lang="fr-FR" dirty="0" smtClean="0"/>
+              <a:t>/Camera/</a:t>
+            </a:r>
+            <a:r>
+              <a:rPr lang="fr-FR" dirty="0" err="1" smtClean="0"/>
+              <a:t>Directional</a:t>
+            </a:r>
+            <a:r>
+              <a:rPr lang="fr-FR" dirty="0" smtClean="0"/>
+              <a:t> light/</a:t>
+            </a:r>
+            <a:r>
+              <a:rPr lang="fr-FR" dirty="0" err="1" smtClean="0"/>
+              <a:t>Scenes</a:t>
+            </a:r>
+            <a:r>
+              <a:rPr lang="fr-FR" dirty="0" smtClean="0"/>
+              <a:t>/</a:t>
+            </a:r>
+            <a:r>
+              <a:rPr lang="fr-FR" dirty="0" err="1" smtClean="0"/>
+              <a:t>Videos</a:t>
+            </a:r>
+            <a:endParaRPr lang="fr-FR" dirty="0" smtClean="0"/>
+          </a:p>
+          <a:p>
+            <a:endParaRPr lang="fr-FR" dirty="0"/>
           </a:p>
         </p:txBody>
       </p:sp>
       <p:pic>
         <p:nvPicPr>
-          <p:cNvPr id="1026" name="Picture 2" descr="RÃ©sultat de recherche d'images pour &quot;Casque VR&quot;"/>
+          <p:cNvPr id="2050" name="Picture 2" descr="RÃ©sultat de recherche d'images pour &quot;Unity&quot;"/>
           <p:cNvPicPr>
-            <a:picLocks noGrp="1" noChangeAspect="1" noChangeArrowheads="1"/>
+            <a:picLocks noChangeAspect="1" noChangeArrowheads="1"/>
           </p:cNvPicPr>
-          <p:nvPr>
-            <p:ph idx="1"/>
-          </p:nvPr>
+          <p:nvPr/>
         </p:nvPicPr>
         <p:blipFill>
           <a:blip r:embed="rId2">
@@ -8333,8 +8488,8 @@
         </p:blipFill>
         <p:spPr bwMode="auto">
           <a:xfrm>
-            <a:off x="7993229" y="2880510"/>
-            <a:ext cx="1728515" cy="1152344"/>
+            <a:off x="9836572" y="1917035"/>
+            <a:ext cx="2355428" cy="1324929"/>
           </a:xfrm>
           <a:prstGeom prst="rect">
             <a:avLst/>
@@ -8353,7 +8508,7 @@
       </p:pic>
       <p:pic>
         <p:nvPicPr>
-          <p:cNvPr id="1028" name="Picture 4" descr="RÃ©sultat de recherche d'images pour &quot;Unity&quot;"/>
+          <p:cNvPr id="2052" name="Picture 4" descr="RÃ©sultat de recherche d'images pour &quot;Virtual reality&quot;"/>
           <p:cNvPicPr>
             <a:picLocks noChangeAspect="1" noChangeArrowheads="1"/>
           </p:cNvPicPr>
@@ -8374,8 +8529,8 @@
         </p:blipFill>
         <p:spPr bwMode="auto">
           <a:xfrm>
-            <a:off x="244733" y="2826327"/>
-            <a:ext cx="2460941" cy="1363287"/>
+            <a:off x="7249540" y="1917035"/>
+            <a:ext cx="2473580" cy="1324929"/>
           </a:xfrm>
           <a:prstGeom prst="rect">
             <a:avLst/>
@@ -8392,555 +8547,6 @@
           </a:extLst>
         </p:spPr>
       </p:pic>
-      <p:sp>
-        <p:nvSpPr>
-          <p:cNvPr id="4" name="Flèche droite 3"/>
-          <p:cNvSpPr/>
-          <p:nvPr/>
-        </p:nvSpPr>
-        <p:spPr>
-          <a:xfrm>
-            <a:off x="2810125" y="3444166"/>
-            <a:ext cx="397020" cy="121991"/>
-          </a:xfrm>
-          <a:prstGeom prst="rightArrow">
-            <a:avLst/>
-          </a:prstGeom>
-        </p:spPr>
-        <p:style>
-          <a:lnRef idx="2">
-            <a:schemeClr val="accent1">
-              <a:shade val="50000"/>
-            </a:schemeClr>
-          </a:lnRef>
-          <a:fillRef idx="1">
-            <a:schemeClr val="accent1"/>
-          </a:fillRef>
-          <a:effectRef idx="0">
-            <a:schemeClr val="accent1"/>
-          </a:effectRef>
-          <a:fontRef idx="minor">
-            <a:schemeClr val="lt1"/>
-          </a:fontRef>
-        </p:style>
-        <p:txBody>
-          <a:bodyPr rtlCol="0" anchor="ctr"/>
-          <a:lstStyle/>
-          <a:p>
-            <a:pPr algn="ctr"/>
-            <a:endParaRPr lang="fr-FR"/>
-          </a:p>
-        </p:txBody>
-      </p:sp>
-      <p:pic>
-        <p:nvPicPr>
-          <p:cNvPr id="1030" name="Picture 6" descr="RÃ©sultat de recherche d'images pour &quot;Sphere&quot;"/>
-          <p:cNvPicPr>
-            <a:picLocks noChangeAspect="1" noChangeArrowheads="1"/>
-          </p:cNvPicPr>
-          <p:nvPr/>
-        </p:nvPicPr>
-        <p:blipFill>
-          <a:blip r:embed="rId4">
-            <a:extLst>
-              <a:ext uri="{28A0092B-C50C-407E-A947-70E740481C1C}">
-                <a14:useLocalDpi xmlns:a14="http://schemas.microsoft.com/office/drawing/2010/main" val="0"/>
-              </a:ext>
-            </a:extLst>
-          </a:blip>
-          <a:srcRect/>
-          <a:stretch>
-            <a:fillRect/>
-          </a:stretch>
-        </p:blipFill>
-        <p:spPr bwMode="auto">
-          <a:xfrm>
-            <a:off x="4955161" y="2826327"/>
-            <a:ext cx="1461338" cy="1363287"/>
-          </a:xfrm>
-          <a:prstGeom prst="rect">
-            <a:avLst/>
-          </a:prstGeom>
-          <a:noFill/>
-          <a:extLst>
-            <a:ext uri="{909E8E84-426E-40DD-AFC4-6F175D3DCCD1}">
-              <a14:hiddenFill xmlns:a14="http://schemas.microsoft.com/office/drawing/2010/main">
-                <a:solidFill>
-                  <a:srgbClr val="FFFFFF"/>
-                </a:solidFill>
-              </a14:hiddenFill>
-            </a:ext>
-          </a:extLst>
-        </p:spPr>
-      </p:pic>
-      <p:sp>
-        <p:nvSpPr>
-          <p:cNvPr id="5" name="ZoneTexte 4"/>
-          <p:cNvSpPr txBox="1"/>
-          <p:nvPr/>
-        </p:nvSpPr>
-        <p:spPr>
-          <a:xfrm>
-            <a:off x="668954" y="2450233"/>
-            <a:ext cx="1640193" cy="584775"/>
-          </a:xfrm>
-          <a:prstGeom prst="rect">
-            <a:avLst/>
-          </a:prstGeom>
-          <a:noFill/>
-        </p:spPr>
-        <p:txBody>
-          <a:bodyPr wrap="none" rtlCol="0">
-            <a:spAutoFit/>
-          </a:bodyPr>
-          <a:lstStyle/>
-          <a:p>
-            <a:r>
-              <a:rPr lang="fr-FR" sz="1600" dirty="0"/>
-              <a:t>IDE / </a:t>
-            </a:r>
-            <a:r>
-              <a:rPr lang="fr-FR" sz="1600" dirty="0" err="1"/>
-              <a:t>Modeling</a:t>
-            </a:r>
-            <a:endParaRPr lang="fr-FR" sz="1600" dirty="0"/>
-          </a:p>
-          <a:p>
-            <a:endParaRPr lang="fr-FR" sz="1600" dirty="0"/>
-          </a:p>
-        </p:txBody>
-      </p:sp>
-      <p:pic>
-        <p:nvPicPr>
-          <p:cNvPr id="6" name="Image 5"/>
-          <p:cNvPicPr>
-            <a:picLocks noChangeAspect="1"/>
-          </p:cNvPicPr>
-          <p:nvPr/>
-        </p:nvPicPr>
-        <p:blipFill>
-          <a:blip r:embed="rId5"/>
-          <a:stretch>
-            <a:fillRect/>
-          </a:stretch>
-        </p:blipFill>
-        <p:spPr>
-          <a:xfrm>
-            <a:off x="5328820" y="5474896"/>
-            <a:ext cx="647700" cy="733425"/>
-          </a:xfrm>
-          <a:prstGeom prst="rect">
-            <a:avLst/>
-          </a:prstGeom>
-        </p:spPr>
-      </p:pic>
-      <p:sp>
-        <p:nvSpPr>
-          <p:cNvPr id="10" name="Flèche droite 9"/>
-          <p:cNvSpPr/>
-          <p:nvPr/>
-        </p:nvSpPr>
-        <p:spPr>
-          <a:xfrm rot="5400000">
-            <a:off x="5257179" y="4601715"/>
-            <a:ext cx="815885" cy="174566"/>
-          </a:xfrm>
-          <a:prstGeom prst="rightArrow">
-            <a:avLst/>
-          </a:prstGeom>
-        </p:spPr>
-        <p:style>
-          <a:lnRef idx="2">
-            <a:schemeClr val="accent1">
-              <a:shade val="50000"/>
-            </a:schemeClr>
-          </a:lnRef>
-          <a:fillRef idx="1">
-            <a:schemeClr val="accent1"/>
-          </a:fillRef>
-          <a:effectRef idx="0">
-            <a:schemeClr val="accent1"/>
-          </a:effectRef>
-          <a:fontRef idx="minor">
-            <a:schemeClr val="lt1"/>
-          </a:fontRef>
-        </p:style>
-        <p:txBody>
-          <a:bodyPr rtlCol="0" anchor="ctr"/>
-          <a:lstStyle/>
-          <a:p>
-            <a:pPr algn="ctr"/>
-            <a:endParaRPr lang="fr-FR"/>
-          </a:p>
-        </p:txBody>
-      </p:sp>
-      <p:pic>
-        <p:nvPicPr>
-          <p:cNvPr id="1032" name="Picture 8" descr="RÃ©sultat de recherche d'images pour &quot;Mp4&quot;"/>
-          <p:cNvPicPr>
-            <a:picLocks noChangeAspect="1" noChangeArrowheads="1"/>
-          </p:cNvPicPr>
-          <p:nvPr/>
-        </p:nvPicPr>
-        <p:blipFill>
-          <a:blip r:embed="rId6">
-            <a:extLst>
-              <a:ext uri="{28A0092B-C50C-407E-A947-70E740481C1C}">
-                <a14:useLocalDpi xmlns:a14="http://schemas.microsoft.com/office/drawing/2010/main" val="0"/>
-              </a:ext>
-            </a:extLst>
-          </a:blip>
-          <a:srcRect/>
-          <a:stretch>
-            <a:fillRect/>
-          </a:stretch>
-        </p:blipFill>
-        <p:spPr bwMode="auto">
-          <a:xfrm>
-            <a:off x="3311595" y="2983084"/>
-            <a:ext cx="1049770" cy="1049770"/>
-          </a:xfrm>
-          <a:prstGeom prst="rect">
-            <a:avLst/>
-          </a:prstGeom>
-          <a:noFill/>
-          <a:extLst>
-            <a:ext uri="{909E8E84-426E-40DD-AFC4-6F175D3DCCD1}">
-              <a14:hiddenFill xmlns:a14="http://schemas.microsoft.com/office/drawing/2010/main">
-                <a:solidFill>
-                  <a:srgbClr val="FFFFFF"/>
-                </a:solidFill>
-              </a14:hiddenFill>
-            </a:ext>
-          </a:extLst>
-        </p:spPr>
-      </p:pic>
-      <p:sp>
-        <p:nvSpPr>
-          <p:cNvPr id="16" name="Flèche droite 15"/>
-          <p:cNvSpPr/>
-          <p:nvPr/>
-        </p:nvSpPr>
-        <p:spPr>
-          <a:xfrm>
-            <a:off x="4465815" y="3444166"/>
-            <a:ext cx="384895" cy="121991"/>
-          </a:xfrm>
-          <a:prstGeom prst="rightArrow">
-            <a:avLst/>
-          </a:prstGeom>
-        </p:spPr>
-        <p:style>
-          <a:lnRef idx="2">
-            <a:schemeClr val="accent1">
-              <a:shade val="50000"/>
-            </a:schemeClr>
-          </a:lnRef>
-          <a:fillRef idx="1">
-            <a:schemeClr val="accent1"/>
-          </a:fillRef>
-          <a:effectRef idx="0">
-            <a:schemeClr val="accent1"/>
-          </a:effectRef>
-          <a:fontRef idx="minor">
-            <a:schemeClr val="lt1"/>
-          </a:fontRef>
-        </p:style>
-        <p:txBody>
-          <a:bodyPr rtlCol="0" anchor="ctr"/>
-          <a:lstStyle/>
-          <a:p>
-            <a:pPr algn="ctr"/>
-            <a:endParaRPr lang="fr-FR"/>
-          </a:p>
-        </p:txBody>
-      </p:sp>
-      <p:sp>
-        <p:nvSpPr>
-          <p:cNvPr id="17" name="Flèche droite 16"/>
-          <p:cNvSpPr/>
-          <p:nvPr/>
-        </p:nvSpPr>
-        <p:spPr>
-          <a:xfrm>
-            <a:off x="6520950" y="3437463"/>
-            <a:ext cx="1367828" cy="128694"/>
-          </a:xfrm>
-          <a:prstGeom prst="rightArrow">
-            <a:avLst/>
-          </a:prstGeom>
-        </p:spPr>
-        <p:style>
-          <a:lnRef idx="2">
-            <a:schemeClr val="accent1">
-              <a:shade val="50000"/>
-            </a:schemeClr>
-          </a:lnRef>
-          <a:fillRef idx="1">
-            <a:schemeClr val="accent1"/>
-          </a:fillRef>
-          <a:effectRef idx="0">
-            <a:schemeClr val="accent1"/>
-          </a:effectRef>
-          <a:fontRef idx="minor">
-            <a:schemeClr val="lt1"/>
-          </a:fontRef>
-        </p:style>
-        <p:txBody>
-          <a:bodyPr rtlCol="0" anchor="ctr"/>
-          <a:lstStyle/>
-          <a:p>
-            <a:pPr algn="ctr"/>
-            <a:endParaRPr lang="fr-FR"/>
-          </a:p>
-        </p:txBody>
-      </p:sp>
-      <p:sp>
-        <p:nvSpPr>
-          <p:cNvPr id="18" name="ZoneTexte 17"/>
-          <p:cNvSpPr txBox="1"/>
-          <p:nvPr/>
-        </p:nvSpPr>
-        <p:spPr>
-          <a:xfrm>
-            <a:off x="5241637" y="5167119"/>
-            <a:ext cx="888385" cy="615553"/>
-          </a:xfrm>
-          <a:prstGeom prst="rect">
-            <a:avLst/>
-          </a:prstGeom>
-          <a:noFill/>
-        </p:spPr>
-        <p:txBody>
-          <a:bodyPr wrap="none" rtlCol="0">
-            <a:spAutoFit/>
-          </a:bodyPr>
-          <a:lstStyle/>
-          <a:p>
-            <a:r>
-              <a:rPr lang="fr-FR" sz="1600" dirty="0" err="1"/>
-              <a:t>Shader</a:t>
-            </a:r>
-            <a:endParaRPr lang="fr-FR" sz="1600" dirty="0"/>
-          </a:p>
-          <a:p>
-            <a:endParaRPr lang="fr-FR" dirty="0"/>
-          </a:p>
-        </p:txBody>
-      </p:sp>
-      <p:sp>
-        <p:nvSpPr>
-          <p:cNvPr id="19" name="ZoneTexte 18"/>
-          <p:cNvSpPr txBox="1"/>
-          <p:nvPr/>
-        </p:nvSpPr>
-        <p:spPr>
-          <a:xfrm>
-            <a:off x="5205569" y="2463922"/>
-            <a:ext cx="880369" cy="615553"/>
-          </a:xfrm>
-          <a:prstGeom prst="rect">
-            <a:avLst/>
-          </a:prstGeom>
-          <a:noFill/>
-        </p:spPr>
-        <p:txBody>
-          <a:bodyPr wrap="none" rtlCol="0">
-            <a:spAutoFit/>
-          </a:bodyPr>
-          <a:lstStyle/>
-          <a:p>
-            <a:r>
-              <a:rPr lang="fr-FR" sz="1600" dirty="0"/>
-              <a:t>Sphère</a:t>
-            </a:r>
-          </a:p>
-          <a:p>
-            <a:endParaRPr lang="fr-FR" dirty="0"/>
-          </a:p>
-        </p:txBody>
-      </p:sp>
-      <p:sp>
-        <p:nvSpPr>
-          <p:cNvPr id="20" name="ZoneTexte 19"/>
-          <p:cNvSpPr txBox="1"/>
-          <p:nvPr/>
-        </p:nvSpPr>
-        <p:spPr>
-          <a:xfrm>
-            <a:off x="3413510" y="2591267"/>
-            <a:ext cx="779381" cy="615553"/>
-          </a:xfrm>
-          <a:prstGeom prst="rect">
-            <a:avLst/>
-          </a:prstGeom>
-          <a:noFill/>
-        </p:spPr>
-        <p:txBody>
-          <a:bodyPr wrap="none" rtlCol="0">
-            <a:spAutoFit/>
-          </a:bodyPr>
-          <a:lstStyle/>
-          <a:p>
-            <a:r>
-              <a:rPr lang="fr-FR" sz="1600" dirty="0"/>
-              <a:t>Vidéo</a:t>
-            </a:r>
-          </a:p>
-          <a:p>
-            <a:endParaRPr lang="fr-FR" dirty="0"/>
-          </a:p>
-        </p:txBody>
-      </p:sp>
-      <p:sp>
-        <p:nvSpPr>
-          <p:cNvPr id="21" name="ZoneTexte 20"/>
-          <p:cNvSpPr txBox="1"/>
-          <p:nvPr/>
-        </p:nvSpPr>
-        <p:spPr>
-          <a:xfrm>
-            <a:off x="8547786" y="2503161"/>
-            <a:ext cx="453970" cy="615553"/>
-          </a:xfrm>
-          <a:prstGeom prst="rect">
-            <a:avLst/>
-          </a:prstGeom>
-          <a:noFill/>
-        </p:spPr>
-        <p:txBody>
-          <a:bodyPr wrap="none" rtlCol="0">
-            <a:spAutoFit/>
-          </a:bodyPr>
-          <a:lstStyle/>
-          <a:p>
-            <a:r>
-              <a:rPr lang="fr-FR" sz="1600" dirty="0"/>
-              <a:t>VR</a:t>
-            </a:r>
-          </a:p>
-          <a:p>
-            <a:endParaRPr lang="fr-FR" dirty="0"/>
-          </a:p>
-        </p:txBody>
-      </p:sp>
-      <p:pic>
-        <p:nvPicPr>
-          <p:cNvPr id="1040" name="Picture 16" descr="RÃ©sultat de recherche d'images pour &quot;youtube&quot;"/>
-          <p:cNvPicPr>
-            <a:picLocks noChangeAspect="1" noChangeArrowheads="1"/>
-          </p:cNvPicPr>
-          <p:nvPr/>
-        </p:nvPicPr>
-        <p:blipFill>
-          <a:blip r:embed="rId7">
-            <a:extLst>
-              <a:ext uri="{28A0092B-C50C-407E-A947-70E740481C1C}">
-                <a14:useLocalDpi xmlns:a14="http://schemas.microsoft.com/office/drawing/2010/main" val="0"/>
-              </a:ext>
-            </a:extLst>
-          </a:blip>
-          <a:srcRect/>
-          <a:stretch>
-            <a:fillRect/>
-          </a:stretch>
-        </p:blipFill>
-        <p:spPr bwMode="auto">
-          <a:xfrm>
-            <a:off x="8480011" y="5530500"/>
-            <a:ext cx="933324" cy="622216"/>
-          </a:xfrm>
-          <a:prstGeom prst="rect">
-            <a:avLst/>
-          </a:prstGeom>
-          <a:noFill/>
-          <a:extLst>
-            <a:ext uri="{909E8E84-426E-40DD-AFC4-6F175D3DCCD1}">
-              <a14:hiddenFill xmlns:a14="http://schemas.microsoft.com/office/drawing/2010/main">
-                <a:solidFill>
-                  <a:srgbClr val="FFFFFF"/>
-                </a:solidFill>
-              </a14:hiddenFill>
-            </a:ext>
-          </a:extLst>
-        </p:spPr>
-      </p:pic>
-      <p:sp>
-        <p:nvSpPr>
-          <p:cNvPr id="26" name="Flèche droite 25"/>
-          <p:cNvSpPr/>
-          <p:nvPr/>
-        </p:nvSpPr>
-        <p:spPr>
-          <a:xfrm rot="5400000">
-            <a:off x="8567241" y="4433867"/>
-            <a:ext cx="777326" cy="155823"/>
-          </a:xfrm>
-          <a:prstGeom prst="rightArrow">
-            <a:avLst/>
-          </a:prstGeom>
-        </p:spPr>
-        <p:style>
-          <a:lnRef idx="2">
-            <a:schemeClr val="accent1">
-              <a:shade val="50000"/>
-            </a:schemeClr>
-          </a:lnRef>
-          <a:fillRef idx="1">
-            <a:schemeClr val="accent1"/>
-          </a:fillRef>
-          <a:effectRef idx="0">
-            <a:schemeClr val="accent1"/>
-          </a:effectRef>
-          <a:fontRef idx="minor">
-            <a:schemeClr val="lt1"/>
-          </a:fontRef>
-        </p:style>
-        <p:txBody>
-          <a:bodyPr rtlCol="0" anchor="ctr"/>
-          <a:lstStyle/>
-          <a:p>
-            <a:pPr algn="ctr"/>
-            <a:endParaRPr lang="fr-FR"/>
-          </a:p>
-        </p:txBody>
-      </p:sp>
-      <p:sp>
-        <p:nvSpPr>
-          <p:cNvPr id="27" name="ZoneTexte 26"/>
-          <p:cNvSpPr txBox="1"/>
-          <p:nvPr/>
-        </p:nvSpPr>
-        <p:spPr>
-          <a:xfrm>
-            <a:off x="8429545" y="4945725"/>
-            <a:ext cx="1034257" cy="584775"/>
-          </a:xfrm>
-          <a:prstGeom prst="rect">
-            <a:avLst/>
-          </a:prstGeom>
-          <a:noFill/>
-        </p:spPr>
-        <p:txBody>
-          <a:bodyPr wrap="none" rtlCol="0">
-            <a:spAutoFit/>
-          </a:bodyPr>
-          <a:lstStyle/>
-          <a:p>
-            <a:r>
-              <a:rPr lang="fr-FR" sz="1600" dirty="0"/>
-              <a:t>Injection</a:t>
-            </a:r>
-          </a:p>
-          <a:p>
-            <a:r>
-              <a:rPr lang="fr-FR" sz="1600" dirty="0" err="1"/>
-              <a:t>Youtube</a:t>
-            </a:r>
-            <a:endParaRPr lang="fr-FR" sz="1600" dirty="0"/>
-          </a:p>
-        </p:txBody>
-      </p:sp>
     </p:spTree>
     <p:extLst>
       <p:ext uri="{BB962C8B-B14F-4D97-AF65-F5344CB8AC3E}">
@@ -8987,62 +8593,349 @@
           <a:lstStyle/>
           <a:p>
             <a:r>
-              <a:rPr lang="fr-FR" dirty="0" err="1"/>
-              <a:t>Yanice</a:t>
-            </a:r>
-            <a:r>
-              <a:rPr lang="fr-FR" dirty="0"/>
-              <a:t> : Problèmes rencontrés (3/3)</a:t>
-            </a:r>
-          </a:p>
-        </p:txBody>
-      </p:sp>
-      <p:sp>
-        <p:nvSpPr>
-          <p:cNvPr id="3" name="Espace réservé du contenu 2"/>
-          <p:cNvSpPr>
-            <a:spLocks noGrp="1"/>
-          </p:cNvSpPr>
+              <a:rPr lang="fr-FR" dirty="0" smtClean="0"/>
+              <a:t>Yanice : Les outils </a:t>
+            </a:r>
+            <a:r>
+              <a:rPr lang="fr-FR" dirty="0" err="1" smtClean="0"/>
+              <a:t>Unity</a:t>
+            </a:r>
+            <a:r>
+              <a:rPr lang="fr-FR" dirty="0" smtClean="0"/>
+              <a:t> (3/4)</a:t>
+            </a:r>
+            <a:endParaRPr lang="fr-FR" dirty="0"/>
+          </a:p>
+        </p:txBody>
+      </p:sp>
+      <p:pic>
+        <p:nvPicPr>
+          <p:cNvPr id="3074" name="Picture 2" descr="RÃ©sultat de recherche d'images pour &quot;Interface Unity&quot;"/>
+          <p:cNvPicPr>
+            <a:picLocks noGrp="1" noChangeAspect="1" noChangeArrowheads="1"/>
+          </p:cNvPicPr>
           <p:nvPr>
             <p:ph idx="1"/>
           </p:nvPr>
-        </p:nvSpPr>
-        <p:spPr/>
-        <p:txBody>
-          <a:bodyPr/>
-          <a:lstStyle/>
-          <a:p>
-            <a:r>
-              <a:rPr lang="fr-FR" dirty="0"/>
-              <a:t>Appréhension UNITY.</a:t>
-            </a:r>
-          </a:p>
-          <a:p>
-            <a:r>
-              <a:rPr lang="fr-FR" dirty="0"/>
-              <a:t>Problème de lecture après leur passage en VR.</a:t>
-            </a:r>
-          </a:p>
-          <a:p>
-            <a:r>
-              <a:rPr lang="fr-FR" dirty="0"/>
-              <a:t>Injection </a:t>
-            </a:r>
-            <a:r>
-              <a:rPr lang="fr-FR" dirty="0" err="1"/>
-              <a:t>youtube</a:t>
-            </a:r>
-            <a:r>
-              <a:rPr lang="fr-FR" dirty="0"/>
-              <a:t>.</a:t>
-            </a:r>
+        </p:nvPicPr>
+        <p:blipFill>
+          <a:blip r:embed="rId2">
+            <a:extLst>
+              <a:ext uri="{28A0092B-C50C-407E-A947-70E740481C1C}">
+                <a14:useLocalDpi xmlns:a14="http://schemas.microsoft.com/office/drawing/2010/main" val="0"/>
+              </a:ext>
+            </a:extLst>
+          </a:blip>
+          <a:srcRect/>
+          <a:stretch>
+            <a:fillRect/>
+          </a:stretch>
+        </p:blipFill>
+        <p:spPr bwMode="auto">
+          <a:xfrm>
+            <a:off x="6095999" y="2654763"/>
+            <a:ext cx="6009382" cy="3380278"/>
+          </a:xfrm>
+          <a:prstGeom prst="rect">
+            <a:avLst/>
+          </a:prstGeom>
+          <a:noFill/>
+          <a:extLst>
+            <a:ext uri="{909E8E84-426E-40DD-AFC4-6F175D3DCCD1}">
+              <a14:hiddenFill xmlns:a14="http://schemas.microsoft.com/office/drawing/2010/main">
+                <a:solidFill>
+                  <a:srgbClr val="FFFFFF"/>
+                </a:solidFill>
+              </a14:hiddenFill>
+            </a:ext>
+          </a:extLst>
+        </p:spPr>
+      </p:pic>
+      <p:sp>
+        <p:nvSpPr>
+          <p:cNvPr id="6" name="Espace réservé du contenu 2"/>
+          <p:cNvSpPr txBox="1">
+            <a:spLocks/>
+          </p:cNvSpPr>
+          <p:nvPr/>
+        </p:nvSpPr>
+        <p:spPr>
+          <a:xfrm>
+            <a:off x="810000" y="3169937"/>
+            <a:ext cx="5050473" cy="3031358"/>
+          </a:xfrm>
+          <a:prstGeom prst="rect">
+            <a:avLst/>
+          </a:prstGeom>
+          <a:effectLst>
+            <a:outerShdw blurRad="50800" dir="14400000">
+              <a:srgbClr val="000000">
+                <a:alpha val="40000"/>
+              </a:srgbClr>
+            </a:outerShdw>
+          </a:effectLst>
+        </p:spPr>
+        <p:txBody>
+          <a:bodyPr vert="horz" lIns="91440" tIns="45720" rIns="91440" bIns="45720" rtlCol="0" anchor="ctr">
+            <a:normAutofit lnSpcReduction="10000"/>
+          </a:bodyPr>
+          <a:lstStyle>
+            <a:lvl1pPr marL="342900" indent="-342900" algn="l" defTabSz="457200" rtl="0" eaLnBrk="1" latinLnBrk="0" hangingPunct="1">
+              <a:spcBef>
+                <a:spcPct val="20000"/>
+              </a:spcBef>
+              <a:spcAft>
+                <a:spcPts val="600"/>
+              </a:spcAft>
+              <a:buClr>
+                <a:schemeClr val="accent1"/>
+              </a:buClr>
+              <a:buFont typeface="Wingdings 2" charset="2"/>
+              <a:buChar char=""/>
+              <a:defRPr sz="1800" kern="1200">
+                <a:solidFill>
+                  <a:schemeClr val="tx1"/>
+                </a:solidFill>
+                <a:latin typeface="+mn-lt"/>
+                <a:ea typeface="+mn-ea"/>
+                <a:cs typeface="+mn-cs"/>
+              </a:defRPr>
+            </a:lvl1pPr>
+            <a:lvl2pPr marL="742950" indent="-285750" algn="l" defTabSz="457200" rtl="0" eaLnBrk="1" latinLnBrk="0" hangingPunct="1">
+              <a:spcBef>
+                <a:spcPct val="20000"/>
+              </a:spcBef>
+              <a:spcAft>
+                <a:spcPts val="600"/>
+              </a:spcAft>
+              <a:buClr>
+                <a:schemeClr val="accent1"/>
+              </a:buClr>
+              <a:buFont typeface="Wingdings 2" charset="2"/>
+              <a:buChar char=""/>
+              <a:defRPr sz="1600" kern="1200">
+                <a:solidFill>
+                  <a:schemeClr val="tx1"/>
+                </a:solidFill>
+                <a:latin typeface="+mn-lt"/>
+                <a:ea typeface="+mn-ea"/>
+                <a:cs typeface="+mn-cs"/>
+              </a:defRPr>
+            </a:lvl2pPr>
+            <a:lvl3pPr marL="1143000" indent="-228600" algn="l" defTabSz="457200" rtl="0" eaLnBrk="1" latinLnBrk="0" hangingPunct="1">
+              <a:spcBef>
+                <a:spcPct val="20000"/>
+              </a:spcBef>
+              <a:spcAft>
+                <a:spcPts val="600"/>
+              </a:spcAft>
+              <a:buClr>
+                <a:schemeClr val="accent1"/>
+              </a:buClr>
+              <a:buFont typeface="Wingdings 2" charset="2"/>
+              <a:buChar char=""/>
+              <a:defRPr sz="1400" kern="1200">
+                <a:solidFill>
+                  <a:schemeClr val="tx1"/>
+                </a:solidFill>
+                <a:latin typeface="+mn-lt"/>
+                <a:ea typeface="+mn-ea"/>
+                <a:cs typeface="+mn-cs"/>
+              </a:defRPr>
+            </a:lvl3pPr>
+            <a:lvl4pPr marL="1600200" indent="-228600" algn="l" defTabSz="457200" rtl="0" eaLnBrk="1" latinLnBrk="0" hangingPunct="1">
+              <a:spcBef>
+                <a:spcPct val="20000"/>
+              </a:spcBef>
+              <a:spcAft>
+                <a:spcPts val="600"/>
+              </a:spcAft>
+              <a:buClr>
+                <a:schemeClr val="accent1"/>
+              </a:buClr>
+              <a:buFont typeface="Wingdings 2" charset="2"/>
+              <a:buChar char=""/>
+              <a:defRPr sz="1200" kern="1200">
+                <a:solidFill>
+                  <a:schemeClr val="tx1"/>
+                </a:solidFill>
+                <a:latin typeface="+mn-lt"/>
+                <a:ea typeface="+mn-ea"/>
+                <a:cs typeface="+mn-cs"/>
+              </a:defRPr>
+            </a:lvl4pPr>
+            <a:lvl5pPr marL="2057400" indent="-228600" algn="l" defTabSz="457200" rtl="0" eaLnBrk="1" latinLnBrk="0" hangingPunct="1">
+              <a:spcBef>
+                <a:spcPct val="20000"/>
+              </a:spcBef>
+              <a:spcAft>
+                <a:spcPts val="600"/>
+              </a:spcAft>
+              <a:buClr>
+                <a:schemeClr val="accent1"/>
+              </a:buClr>
+              <a:buFont typeface="Wingdings 2" charset="2"/>
+              <a:buChar char=""/>
+              <a:defRPr sz="1200" kern="1200">
+                <a:solidFill>
+                  <a:schemeClr val="tx1"/>
+                </a:solidFill>
+                <a:latin typeface="+mn-lt"/>
+                <a:ea typeface="+mn-ea"/>
+                <a:cs typeface="+mn-cs"/>
+              </a:defRPr>
+            </a:lvl5pPr>
+            <a:lvl6pPr marL="2400000" indent="-228600" algn="l" defTabSz="457200" rtl="0" eaLnBrk="1" latinLnBrk="0" hangingPunct="1">
+              <a:spcBef>
+                <a:spcPct val="20000"/>
+              </a:spcBef>
+              <a:spcAft>
+                <a:spcPts val="600"/>
+              </a:spcAft>
+              <a:buClr>
+                <a:schemeClr val="accent1"/>
+              </a:buClr>
+              <a:buFont typeface="Wingdings 2" charset="2"/>
+              <a:buChar char=""/>
+              <a:defRPr sz="1200" kern="1200">
+                <a:solidFill>
+                  <a:schemeClr val="tx1"/>
+                </a:solidFill>
+                <a:latin typeface="+mn-lt"/>
+                <a:ea typeface="+mn-ea"/>
+                <a:cs typeface="+mn-cs"/>
+              </a:defRPr>
+            </a:lvl6pPr>
+            <a:lvl7pPr marL="2800000" indent="-228600" algn="l" defTabSz="457200" rtl="0" eaLnBrk="1" latinLnBrk="0" hangingPunct="1">
+              <a:spcBef>
+                <a:spcPct val="20000"/>
+              </a:spcBef>
+              <a:spcAft>
+                <a:spcPts val="600"/>
+              </a:spcAft>
+              <a:buClr>
+                <a:schemeClr val="accent1"/>
+              </a:buClr>
+              <a:buFont typeface="Wingdings 2" charset="2"/>
+              <a:buChar char=""/>
+              <a:defRPr sz="1200" kern="1200">
+                <a:solidFill>
+                  <a:schemeClr val="tx1"/>
+                </a:solidFill>
+                <a:latin typeface="+mn-lt"/>
+                <a:ea typeface="+mn-ea"/>
+                <a:cs typeface="+mn-cs"/>
+              </a:defRPr>
+            </a:lvl7pPr>
+            <a:lvl8pPr marL="3200000" indent="-228600" algn="l" defTabSz="457200" rtl="0" eaLnBrk="1" latinLnBrk="0" hangingPunct="1">
+              <a:spcBef>
+                <a:spcPct val="20000"/>
+              </a:spcBef>
+              <a:spcAft>
+                <a:spcPts val="600"/>
+              </a:spcAft>
+              <a:buClr>
+                <a:schemeClr val="accent1"/>
+              </a:buClr>
+              <a:buFont typeface="Wingdings 2" charset="2"/>
+              <a:buChar char=""/>
+              <a:defRPr sz="1200" kern="1200">
+                <a:solidFill>
+                  <a:schemeClr val="tx1"/>
+                </a:solidFill>
+                <a:latin typeface="+mn-lt"/>
+                <a:ea typeface="+mn-ea"/>
+                <a:cs typeface="+mn-cs"/>
+              </a:defRPr>
+            </a:lvl8pPr>
+            <a:lvl9pPr marL="3600000" indent="-228600" algn="l" defTabSz="457200" rtl="0" eaLnBrk="1" latinLnBrk="0" hangingPunct="1">
+              <a:spcBef>
+                <a:spcPct val="20000"/>
+              </a:spcBef>
+              <a:spcAft>
+                <a:spcPts val="600"/>
+              </a:spcAft>
+              <a:buClr>
+                <a:schemeClr val="accent1"/>
+              </a:buClr>
+              <a:buFont typeface="Wingdings 2" charset="2"/>
+              <a:buChar char=""/>
+              <a:defRPr sz="1200" kern="1200">
+                <a:solidFill>
+                  <a:schemeClr val="tx1"/>
+                </a:solidFill>
+                <a:latin typeface="+mn-lt"/>
+                <a:ea typeface="+mn-ea"/>
+                <a:cs typeface="+mn-cs"/>
+              </a:defRPr>
+            </a:lvl9pPr>
+          </a:lstStyle>
+          <a:p>
+            <a:r>
+              <a:rPr lang="fr-FR" sz="1200" dirty="0" smtClean="0"/>
+              <a:t>Sphère : Créer une sphère de 360 degrés vide, c’est après manipulation de cette dernière qu’il est possible de lire une vidéo en VR.</a:t>
+            </a:r>
+          </a:p>
+          <a:p>
+            <a:r>
+              <a:rPr lang="fr-FR" sz="1200" dirty="0"/>
+              <a:t>Camera : Permet la manipulation axiale, vectorielle de la caméra permettant de lire la </a:t>
+            </a:r>
+            <a:r>
+              <a:rPr lang="fr-FR" sz="1200" dirty="0" smtClean="0"/>
+              <a:t>vidéo.</a:t>
+            </a:r>
+          </a:p>
+          <a:p>
+            <a:r>
+              <a:rPr lang="fr-FR" sz="1200" dirty="0" smtClean="0"/>
+              <a:t>Vidéo : Permet d’injecter la vidéo souhaité voir de la modifier/monter.</a:t>
+            </a:r>
+          </a:p>
+          <a:p>
+            <a:r>
+              <a:rPr lang="fr-FR" sz="1200" dirty="0" smtClean="0"/>
+              <a:t>Scènes : Permet de créer une scène fictive afin de simuler le rendu final de la vidéo.</a:t>
+            </a:r>
+          </a:p>
+          <a:p>
+            <a:r>
+              <a:rPr lang="fr-FR" sz="1200" dirty="0" smtClean="0"/>
+              <a:t>VR : Réalité virtuelle, l’outil principal permettant la lecture d’une vidéo à 360 degrés</a:t>
+            </a:r>
+          </a:p>
+          <a:p>
+            <a:r>
+              <a:rPr lang="fr-FR" sz="1200" dirty="0" smtClean="0"/>
+              <a:t>VR SDK : Permet de tester la VR directement via </a:t>
+            </a:r>
+            <a:r>
+              <a:rPr lang="fr-FR" sz="1200" dirty="0" err="1" smtClean="0"/>
+              <a:t>Unity</a:t>
+            </a:r>
+            <a:r>
+              <a:rPr lang="fr-FR" sz="1200" dirty="0" smtClean="0"/>
+              <a:t> en la simulant</a:t>
+            </a:r>
+          </a:p>
+          <a:p>
+            <a:endParaRPr lang="fr-FR" sz="1200" dirty="0" smtClean="0"/>
+          </a:p>
+          <a:p>
+            <a:endParaRPr lang="fr-FR" sz="1200" dirty="0"/>
+          </a:p>
+          <a:p>
+            <a:endParaRPr lang="fr-FR" dirty="0" smtClean="0"/>
+          </a:p>
+          <a:p>
+            <a:endParaRPr lang="fr-FR" dirty="0"/>
           </a:p>
         </p:txBody>
       </p:sp>
     </p:spTree>
     <p:extLst>
       <p:ext uri="{BB962C8B-B14F-4D97-AF65-F5344CB8AC3E}">
-        <p14:creationId xmlns:p14="http://schemas.microsoft.com/office/powerpoint/2010/main" val="935954564"/>
+        <p14:creationId xmlns:p14="http://schemas.microsoft.com/office/powerpoint/2010/main" val="957618485"/>
       </p:ext>
     </p:extLst>
   </p:cSld>
@@ -9085,6 +8978,412 @@
           <a:lstStyle/>
           <a:p>
             <a:r>
+              <a:rPr lang="fr-FR" dirty="0" smtClean="0"/>
+              <a:t>Problèmes rencontrés et solutions (4/4)</a:t>
+            </a:r>
+            <a:endParaRPr lang="fr-FR" dirty="0"/>
+          </a:p>
+        </p:txBody>
+      </p:sp>
+      <p:pic>
+        <p:nvPicPr>
+          <p:cNvPr id="4" name="Espace réservé du contenu 3"/>
+          <p:cNvPicPr>
+            <a:picLocks noGrp="1" noChangeAspect="1"/>
+          </p:cNvPicPr>
+          <p:nvPr>
+            <p:ph idx="1"/>
+          </p:nvPr>
+        </p:nvPicPr>
+        <p:blipFill>
+          <a:blip r:embed="rId2"/>
+          <a:stretch>
+            <a:fillRect/>
+          </a:stretch>
+        </p:blipFill>
+        <p:spPr>
+          <a:xfrm>
+            <a:off x="7914061" y="2608478"/>
+            <a:ext cx="3329946" cy="3925326"/>
+          </a:xfrm>
+          <a:prstGeom prst="rect">
+            <a:avLst/>
+          </a:prstGeom>
+        </p:spPr>
+      </p:pic>
+      <p:pic>
+        <p:nvPicPr>
+          <p:cNvPr id="1026" name="Picture 2" descr="RÃ©sultat de recherche d'images pour &quot;SphÃ©re x y z&quot;"/>
+          <p:cNvPicPr>
+            <a:picLocks noChangeAspect="1" noChangeArrowheads="1"/>
+          </p:cNvPicPr>
+          <p:nvPr/>
+        </p:nvPicPr>
+        <p:blipFill>
+          <a:blip r:embed="rId3">
+            <a:extLst>
+              <a:ext uri="{28A0092B-C50C-407E-A947-70E740481C1C}">
+                <a14:useLocalDpi xmlns:a14="http://schemas.microsoft.com/office/drawing/2010/main" val="0"/>
+              </a:ext>
+            </a:extLst>
+          </a:blip>
+          <a:srcRect/>
+          <a:stretch>
+            <a:fillRect/>
+          </a:stretch>
+        </p:blipFill>
+        <p:spPr bwMode="auto">
+          <a:xfrm>
+            <a:off x="3048406" y="3660033"/>
+            <a:ext cx="2038985" cy="1822216"/>
+          </a:xfrm>
+          <a:prstGeom prst="rect">
+            <a:avLst/>
+          </a:prstGeom>
+          <a:noFill/>
+          <a:extLst>
+            <a:ext uri="{909E8E84-426E-40DD-AFC4-6F175D3DCCD1}">
+              <a14:hiddenFill xmlns:a14="http://schemas.microsoft.com/office/drawing/2010/main">
+                <a:solidFill>
+                  <a:srgbClr val="FFFFFF"/>
+                </a:solidFill>
+              </a14:hiddenFill>
+            </a:ext>
+          </a:extLst>
+        </p:spPr>
+      </p:pic>
+      <p:sp>
+        <p:nvSpPr>
+          <p:cNvPr id="6" name="Flèche droite 5"/>
+          <p:cNvSpPr/>
+          <p:nvPr/>
+        </p:nvSpPr>
+        <p:spPr>
+          <a:xfrm>
+            <a:off x="5270269" y="4397432"/>
+            <a:ext cx="2493818" cy="191193"/>
+          </a:xfrm>
+          <a:prstGeom prst="rightArrow">
+            <a:avLst/>
+          </a:prstGeom>
+        </p:spPr>
+        <p:style>
+          <a:lnRef idx="2">
+            <a:schemeClr val="accent1">
+              <a:shade val="50000"/>
+            </a:schemeClr>
+          </a:lnRef>
+          <a:fillRef idx="1">
+            <a:schemeClr val="accent1"/>
+          </a:fillRef>
+          <a:effectRef idx="0">
+            <a:schemeClr val="accent1"/>
+          </a:effectRef>
+          <a:fontRef idx="minor">
+            <a:schemeClr val="lt1"/>
+          </a:fontRef>
+        </p:style>
+        <p:txBody>
+          <a:bodyPr rtlCol="0" anchor="ctr"/>
+          <a:lstStyle/>
+          <a:p>
+            <a:pPr algn="ctr"/>
+            <a:endParaRPr lang="fr-FR"/>
+          </a:p>
+        </p:txBody>
+      </p:sp>
+      <p:sp>
+        <p:nvSpPr>
+          <p:cNvPr id="9" name="Espace réservé du contenu 2"/>
+          <p:cNvSpPr txBox="1">
+            <a:spLocks/>
+          </p:cNvSpPr>
+          <p:nvPr/>
+        </p:nvSpPr>
+        <p:spPr>
+          <a:xfrm>
+            <a:off x="211883" y="1089280"/>
+            <a:ext cx="10554574" cy="3636511"/>
+          </a:xfrm>
+          <a:prstGeom prst="rect">
+            <a:avLst/>
+          </a:prstGeom>
+          <a:effectLst>
+            <a:outerShdw blurRad="50800" dir="14400000">
+              <a:srgbClr val="000000">
+                <a:alpha val="40000"/>
+              </a:srgbClr>
+            </a:outerShdw>
+          </a:effectLst>
+        </p:spPr>
+        <p:txBody>
+          <a:bodyPr vert="horz" lIns="91440" tIns="45720" rIns="91440" bIns="45720" rtlCol="0" anchor="ctr">
+            <a:normAutofit/>
+          </a:bodyPr>
+          <a:lstStyle>
+            <a:lvl1pPr marL="342900" indent="-342900" algn="l" defTabSz="457200" rtl="0" eaLnBrk="1" latinLnBrk="0" hangingPunct="1">
+              <a:spcBef>
+                <a:spcPct val="20000"/>
+              </a:spcBef>
+              <a:spcAft>
+                <a:spcPts val="600"/>
+              </a:spcAft>
+              <a:buClr>
+                <a:schemeClr val="accent1"/>
+              </a:buClr>
+              <a:buFont typeface="Wingdings 2" charset="2"/>
+              <a:buChar char=""/>
+              <a:defRPr sz="1800" kern="1200">
+                <a:solidFill>
+                  <a:schemeClr val="tx1"/>
+                </a:solidFill>
+                <a:latin typeface="+mn-lt"/>
+                <a:ea typeface="+mn-ea"/>
+                <a:cs typeface="+mn-cs"/>
+              </a:defRPr>
+            </a:lvl1pPr>
+            <a:lvl2pPr marL="742950" indent="-285750" algn="l" defTabSz="457200" rtl="0" eaLnBrk="1" latinLnBrk="0" hangingPunct="1">
+              <a:spcBef>
+                <a:spcPct val="20000"/>
+              </a:spcBef>
+              <a:spcAft>
+                <a:spcPts val="600"/>
+              </a:spcAft>
+              <a:buClr>
+                <a:schemeClr val="accent1"/>
+              </a:buClr>
+              <a:buFont typeface="Wingdings 2" charset="2"/>
+              <a:buChar char=""/>
+              <a:defRPr sz="1600" kern="1200">
+                <a:solidFill>
+                  <a:schemeClr val="tx1"/>
+                </a:solidFill>
+                <a:latin typeface="+mn-lt"/>
+                <a:ea typeface="+mn-ea"/>
+                <a:cs typeface="+mn-cs"/>
+              </a:defRPr>
+            </a:lvl2pPr>
+            <a:lvl3pPr marL="1143000" indent="-228600" algn="l" defTabSz="457200" rtl="0" eaLnBrk="1" latinLnBrk="0" hangingPunct="1">
+              <a:spcBef>
+                <a:spcPct val="20000"/>
+              </a:spcBef>
+              <a:spcAft>
+                <a:spcPts val="600"/>
+              </a:spcAft>
+              <a:buClr>
+                <a:schemeClr val="accent1"/>
+              </a:buClr>
+              <a:buFont typeface="Wingdings 2" charset="2"/>
+              <a:buChar char=""/>
+              <a:defRPr sz="1400" kern="1200">
+                <a:solidFill>
+                  <a:schemeClr val="tx1"/>
+                </a:solidFill>
+                <a:latin typeface="+mn-lt"/>
+                <a:ea typeface="+mn-ea"/>
+                <a:cs typeface="+mn-cs"/>
+              </a:defRPr>
+            </a:lvl3pPr>
+            <a:lvl4pPr marL="1600200" indent="-228600" algn="l" defTabSz="457200" rtl="0" eaLnBrk="1" latinLnBrk="0" hangingPunct="1">
+              <a:spcBef>
+                <a:spcPct val="20000"/>
+              </a:spcBef>
+              <a:spcAft>
+                <a:spcPts val="600"/>
+              </a:spcAft>
+              <a:buClr>
+                <a:schemeClr val="accent1"/>
+              </a:buClr>
+              <a:buFont typeface="Wingdings 2" charset="2"/>
+              <a:buChar char=""/>
+              <a:defRPr sz="1200" kern="1200">
+                <a:solidFill>
+                  <a:schemeClr val="tx1"/>
+                </a:solidFill>
+                <a:latin typeface="+mn-lt"/>
+                <a:ea typeface="+mn-ea"/>
+                <a:cs typeface="+mn-cs"/>
+              </a:defRPr>
+            </a:lvl4pPr>
+            <a:lvl5pPr marL="2057400" indent="-228600" algn="l" defTabSz="457200" rtl="0" eaLnBrk="1" latinLnBrk="0" hangingPunct="1">
+              <a:spcBef>
+                <a:spcPct val="20000"/>
+              </a:spcBef>
+              <a:spcAft>
+                <a:spcPts val="600"/>
+              </a:spcAft>
+              <a:buClr>
+                <a:schemeClr val="accent1"/>
+              </a:buClr>
+              <a:buFont typeface="Wingdings 2" charset="2"/>
+              <a:buChar char=""/>
+              <a:defRPr sz="1200" kern="1200">
+                <a:solidFill>
+                  <a:schemeClr val="tx1"/>
+                </a:solidFill>
+                <a:latin typeface="+mn-lt"/>
+                <a:ea typeface="+mn-ea"/>
+                <a:cs typeface="+mn-cs"/>
+              </a:defRPr>
+            </a:lvl5pPr>
+            <a:lvl6pPr marL="2400000" indent="-228600" algn="l" defTabSz="457200" rtl="0" eaLnBrk="1" latinLnBrk="0" hangingPunct="1">
+              <a:spcBef>
+                <a:spcPct val="20000"/>
+              </a:spcBef>
+              <a:spcAft>
+                <a:spcPts val="600"/>
+              </a:spcAft>
+              <a:buClr>
+                <a:schemeClr val="accent1"/>
+              </a:buClr>
+              <a:buFont typeface="Wingdings 2" charset="2"/>
+              <a:buChar char=""/>
+              <a:defRPr sz="1200" kern="1200">
+                <a:solidFill>
+                  <a:schemeClr val="tx1"/>
+                </a:solidFill>
+                <a:latin typeface="+mn-lt"/>
+                <a:ea typeface="+mn-ea"/>
+                <a:cs typeface="+mn-cs"/>
+              </a:defRPr>
+            </a:lvl6pPr>
+            <a:lvl7pPr marL="2800000" indent="-228600" algn="l" defTabSz="457200" rtl="0" eaLnBrk="1" latinLnBrk="0" hangingPunct="1">
+              <a:spcBef>
+                <a:spcPct val="20000"/>
+              </a:spcBef>
+              <a:spcAft>
+                <a:spcPts val="600"/>
+              </a:spcAft>
+              <a:buClr>
+                <a:schemeClr val="accent1"/>
+              </a:buClr>
+              <a:buFont typeface="Wingdings 2" charset="2"/>
+              <a:buChar char=""/>
+              <a:defRPr sz="1200" kern="1200">
+                <a:solidFill>
+                  <a:schemeClr val="tx1"/>
+                </a:solidFill>
+                <a:latin typeface="+mn-lt"/>
+                <a:ea typeface="+mn-ea"/>
+                <a:cs typeface="+mn-cs"/>
+              </a:defRPr>
+            </a:lvl7pPr>
+            <a:lvl8pPr marL="3200000" indent="-228600" algn="l" defTabSz="457200" rtl="0" eaLnBrk="1" latinLnBrk="0" hangingPunct="1">
+              <a:spcBef>
+                <a:spcPct val="20000"/>
+              </a:spcBef>
+              <a:spcAft>
+                <a:spcPts val="600"/>
+              </a:spcAft>
+              <a:buClr>
+                <a:schemeClr val="accent1"/>
+              </a:buClr>
+              <a:buFont typeface="Wingdings 2" charset="2"/>
+              <a:buChar char=""/>
+              <a:defRPr sz="1200" kern="1200">
+                <a:solidFill>
+                  <a:schemeClr val="tx1"/>
+                </a:solidFill>
+                <a:latin typeface="+mn-lt"/>
+                <a:ea typeface="+mn-ea"/>
+                <a:cs typeface="+mn-cs"/>
+              </a:defRPr>
+            </a:lvl8pPr>
+            <a:lvl9pPr marL="3600000" indent="-228600" algn="l" defTabSz="457200" rtl="0" eaLnBrk="1" latinLnBrk="0" hangingPunct="1">
+              <a:spcBef>
+                <a:spcPct val="20000"/>
+              </a:spcBef>
+              <a:spcAft>
+                <a:spcPts val="600"/>
+              </a:spcAft>
+              <a:buClr>
+                <a:schemeClr val="accent1"/>
+              </a:buClr>
+              <a:buFont typeface="Wingdings 2" charset="2"/>
+              <a:buChar char=""/>
+              <a:defRPr sz="1200" kern="1200">
+                <a:solidFill>
+                  <a:schemeClr val="tx1"/>
+                </a:solidFill>
+                <a:latin typeface="+mn-lt"/>
+                <a:ea typeface="+mn-ea"/>
+                <a:cs typeface="+mn-cs"/>
+              </a:defRPr>
+            </a:lvl9pPr>
+          </a:lstStyle>
+          <a:p>
+            <a:r>
+              <a:rPr lang="fr-FR" dirty="0" err="1" smtClean="0"/>
+              <a:t>Modeling</a:t>
+            </a:r>
+            <a:r>
+              <a:rPr lang="fr-FR" dirty="0" smtClean="0"/>
+              <a:t> vidéo inversée (problème d’axes et de vecteurs)</a:t>
+            </a:r>
+          </a:p>
+          <a:p>
+            <a:r>
+              <a:rPr lang="fr-FR" dirty="0" smtClean="0"/>
+              <a:t>Injection </a:t>
+            </a:r>
+            <a:r>
+              <a:rPr lang="fr-FR" dirty="0" err="1" smtClean="0"/>
+              <a:t>youtube</a:t>
+            </a:r>
+            <a:r>
+              <a:rPr lang="fr-FR" dirty="0" smtClean="0"/>
+              <a:t>.</a:t>
+            </a:r>
+            <a:endParaRPr lang="fr-FR" dirty="0"/>
+          </a:p>
+        </p:txBody>
+      </p:sp>
+    </p:spTree>
+    <p:extLst>
+      <p:ext uri="{BB962C8B-B14F-4D97-AF65-F5344CB8AC3E}">
+        <p14:creationId xmlns:p14="http://schemas.microsoft.com/office/powerpoint/2010/main" val="1750539296"/>
+      </p:ext>
+    </p:extLst>
+  </p:cSld>
+  <p:clrMapOvr>
+    <a:masterClrMapping/>
+  </p:clrMapOvr>
+</p:sld>
+</file>
+
+<file path=ppt/slides/slide26.xml><?xml version="1.0" encoding="utf-8"?>
+<p:sld xmlns:a="http://schemas.openxmlformats.org/drawingml/2006/main" xmlns:r="http://schemas.openxmlformats.org/officeDocument/2006/relationships" xmlns:p="http://schemas.openxmlformats.org/presentationml/2006/main">
+  <p:cSld>
+    <p:spTree>
+      <p:nvGrpSpPr>
+        <p:cNvPr id="1" name=""/>
+        <p:cNvGrpSpPr/>
+        <p:nvPr/>
+      </p:nvGrpSpPr>
+      <p:grpSpPr>
+        <a:xfrm>
+          <a:off x="0" y="0"/>
+          <a:ext cx="0" cy="0"/>
+          <a:chOff x="0" y="0"/>
+          <a:chExt cx="0" cy="0"/>
+        </a:xfrm>
+      </p:grpSpPr>
+      <p:sp>
+        <p:nvSpPr>
+          <p:cNvPr id="2" name="Titre 1"/>
+          <p:cNvSpPr>
+            <a:spLocks noGrp="1"/>
+          </p:cNvSpPr>
+          <p:nvPr>
+            <p:ph type="title"/>
+          </p:nvPr>
+        </p:nvSpPr>
+        <p:spPr/>
+        <p:txBody>
+          <a:bodyPr/>
+          <a:lstStyle/>
+          <a:p>
+            <a:r>
               <a:rPr lang="fr-FR" dirty="0"/>
               <a:t>Démo</a:t>
             </a:r>
@@ -9177,7 +9476,7 @@
 </p:sld>
 </file>
 
-<file path=ppt/slides/slide26.xml><?xml version="1.0" encoding="utf-8"?>
+<file path=ppt/slides/slide27.xml><?xml version="1.0" encoding="utf-8"?>
 <p:sld xmlns:a="http://schemas.openxmlformats.org/drawingml/2006/main" xmlns:r="http://schemas.openxmlformats.org/officeDocument/2006/relationships" xmlns:p="http://schemas.openxmlformats.org/presentationml/2006/main">
   <p:cSld>
     <p:spTree>

--- a/annexes/slides-VR_Tourism.pptx
+++ b/annexes/slides-VR_Tourism.pptx
@@ -18,20 +18,19 @@
     <p:sldId id="276" r:id="rId12"/>
     <p:sldId id="279" r:id="rId13"/>
     <p:sldId id="264" r:id="rId14"/>
-    <p:sldId id="281" r:id="rId15"/>
-    <p:sldId id="265" r:id="rId16"/>
-    <p:sldId id="266" r:id="rId17"/>
-    <p:sldId id="267" r:id="rId18"/>
-    <p:sldId id="268" r:id="rId19"/>
-    <p:sldId id="269" r:id="rId20"/>
-    <p:sldId id="270" r:id="rId21"/>
-    <p:sldId id="271" r:id="rId22"/>
-    <p:sldId id="272" r:id="rId23"/>
-    <p:sldId id="273" r:id="rId24"/>
-    <p:sldId id="283" r:id="rId25"/>
-    <p:sldId id="282" r:id="rId26"/>
-    <p:sldId id="262" r:id="rId27"/>
-    <p:sldId id="275" r:id="rId28"/>
+    <p:sldId id="265" r:id="rId15"/>
+    <p:sldId id="281" r:id="rId16"/>
+    <p:sldId id="267" r:id="rId17"/>
+    <p:sldId id="268" r:id="rId18"/>
+    <p:sldId id="269" r:id="rId19"/>
+    <p:sldId id="270" r:id="rId20"/>
+    <p:sldId id="271" r:id="rId21"/>
+    <p:sldId id="272" r:id="rId22"/>
+    <p:sldId id="273" r:id="rId23"/>
+    <p:sldId id="283" r:id="rId24"/>
+    <p:sldId id="282" r:id="rId25"/>
+    <p:sldId id="262" r:id="rId26"/>
+    <p:sldId id="275" r:id="rId27"/>
   </p:sldIdLst>
   <p:sldSz cx="12192000" cy="6858000"/>
   <p:notesSz cx="6858000" cy="9144000"/>
@@ -237,7 +236,7 @@
           <a:effectLst/>
           <a:extLst>
             <a:ext uri="{91240B29-F687-4f45-9708-019B960494DF}">
-              <a14:hiddenLine xmlns="" xmlns:a14="http://schemas.microsoft.com/office/drawing/2010/main" w="9525">
+              <a14:hiddenLine xmlns:a14="http://schemas.microsoft.com/office/drawing/2010/main" xmlns="" w="9525">
                 <a:solidFill>
                   <a:srgbClr val="000000"/>
                 </a:solidFill>
@@ -1747,7 +1746,7 @@
           <a:ln/>
           <a:extLst>
             <a:ext uri="{91240B29-F687-4f45-9708-019B960494DF}">
-              <a14:hiddenLine xmlns="" xmlns:a14="http://schemas.microsoft.com/office/drawing/2010/main" w="9525">
+              <a14:hiddenLine xmlns:a14="http://schemas.microsoft.com/office/drawing/2010/main" xmlns="" w="9525">
                 <a:solidFill>
                   <a:srgbClr val="000000"/>
                 </a:solidFill>
@@ -2019,7 +2018,7 @@
           <a:ln/>
           <a:extLst>
             <a:ext uri="{91240B29-F687-4f45-9708-019B960494DF}">
-              <a14:hiddenLine xmlns="" xmlns:a14="http://schemas.microsoft.com/office/drawing/2010/main" w="9525">
+              <a14:hiddenLine xmlns:a14="http://schemas.microsoft.com/office/drawing/2010/main" xmlns="" w="9525">
                 <a:solidFill>
                   <a:srgbClr val="000000"/>
                 </a:solidFill>
@@ -2299,7 +2298,7 @@
           <a:ln/>
           <a:extLst>
             <a:ext uri="{91240B29-F687-4f45-9708-019B960494DF}">
-              <a14:hiddenLine xmlns="" xmlns:a14="http://schemas.microsoft.com/office/drawing/2010/main" w="9525">
+              <a14:hiddenLine xmlns:a14="http://schemas.microsoft.com/office/drawing/2010/main" xmlns="" w="9525">
                 <a:solidFill>
                   <a:srgbClr val="000000"/>
                 </a:solidFill>
@@ -2919,7 +2918,7 @@
           <a:ln/>
           <a:extLst>
             <a:ext uri="{91240B29-F687-4f45-9708-019B960494DF}">
-              <a14:hiddenLine xmlns="" xmlns:a14="http://schemas.microsoft.com/office/drawing/2010/main" w="9525">
+              <a14:hiddenLine xmlns:a14="http://schemas.microsoft.com/office/drawing/2010/main" xmlns="" w="9525">
                 <a:solidFill>
                   <a:srgbClr val="000000"/>
                 </a:solidFill>
@@ -3255,7 +3254,7 @@
           <a:ln/>
           <a:extLst>
             <a:ext uri="{91240B29-F687-4f45-9708-019B960494DF}">
-              <a14:hiddenLine xmlns="" xmlns:a14="http://schemas.microsoft.com/office/drawing/2010/main" w="9525">
+              <a14:hiddenLine xmlns:a14="http://schemas.microsoft.com/office/drawing/2010/main" xmlns="" w="9525">
                 <a:solidFill>
                   <a:srgbClr val="000000"/>
                 </a:solidFill>
@@ -3729,7 +3728,7 @@
           <a:ln/>
           <a:extLst>
             <a:ext uri="{91240B29-F687-4f45-9708-019B960494DF}">
-              <a14:hiddenLine xmlns="" xmlns:a14="http://schemas.microsoft.com/office/drawing/2010/main" w="9525">
+              <a14:hiddenLine xmlns:a14="http://schemas.microsoft.com/office/drawing/2010/main" xmlns="" w="9525">
                 <a:solidFill>
                   <a:srgbClr val="000000"/>
                 </a:solidFill>
@@ -4152,7 +4151,7 @@
           <a:ln/>
           <a:extLst>
             <a:ext uri="{91240B29-F687-4f45-9708-019B960494DF}">
-              <a14:hiddenLine xmlns="" xmlns:a14="http://schemas.microsoft.com/office/drawing/2010/main" w="9525">
+              <a14:hiddenLine xmlns:a14="http://schemas.microsoft.com/office/drawing/2010/main" xmlns="" w="9525">
                 <a:solidFill>
                   <a:srgbClr val="000000"/>
                 </a:solidFill>
@@ -6481,218 +6480,6 @@
             <p:ph type="title"/>
           </p:nvPr>
         </p:nvSpPr>
-        <p:spPr>
-          <a:xfrm>
-            <a:off x="1206155" y="723207"/>
-            <a:ext cx="2783954" cy="1150084"/>
-          </a:xfrm>
-        </p:spPr>
-        <p:txBody>
-          <a:bodyPr/>
-          <a:lstStyle/>
-          <a:p>
-            <a:r>
-              <a:rPr lang="fr-FR" sz="1800" dirty="0">
-                <a:solidFill>
-                  <a:schemeClr val="tx1"/>
-                </a:solidFill>
-              </a:rPr>
-              <a:t>Mohamed </a:t>
-            </a:r>
-            <a:r>
-              <a:rPr lang="fr-FR" sz="1800" dirty="0" smtClean="0">
-                <a:solidFill>
-                  <a:schemeClr val="tx1"/>
-                </a:solidFill>
-              </a:rPr>
-              <a:t>: Communication entre le smartphone et le back-end. </a:t>
-            </a:r>
-            <a:r>
-              <a:rPr lang="fr-FR" sz="1800" dirty="0">
-                <a:solidFill>
-                  <a:schemeClr val="tx1"/>
-                </a:solidFill>
-              </a:rPr>
-              <a:t>(</a:t>
-            </a:r>
-            <a:r>
-              <a:rPr lang="fr-FR" sz="1800" dirty="0" smtClean="0">
-                <a:solidFill>
-                  <a:schemeClr val="tx1"/>
-                </a:solidFill>
-              </a:rPr>
-              <a:t>1/4)</a:t>
-            </a:r>
-            <a:endParaRPr lang="fr-FR" sz="1800" dirty="0"/>
-          </a:p>
-        </p:txBody>
-      </p:sp>
-      <p:pic>
-        <p:nvPicPr>
-          <p:cNvPr id="4" name="Espace réservé du contenu 3"/>
-          <p:cNvPicPr>
-            <a:picLocks noGrp="1" noChangeAspect="1"/>
-          </p:cNvPicPr>
-          <p:nvPr>
-            <p:ph idx="1"/>
-          </p:nvPr>
-        </p:nvPicPr>
-        <p:blipFill>
-          <a:blip r:embed="rId2">
-            <a:extLst>
-              <a:ext uri="{28A0092B-C50C-407E-A947-70E740481C1C}">
-                <a14:useLocalDpi xmlns:a14="http://schemas.microsoft.com/office/drawing/2010/main" val="0"/>
-              </a:ext>
-            </a:extLst>
-          </a:blip>
-          <a:stretch>
-            <a:fillRect/>
-          </a:stretch>
-        </p:blipFill>
-        <p:spPr>
-          <a:xfrm>
-            <a:off x="6646287" y="6911"/>
-            <a:ext cx="5545713" cy="6851089"/>
-          </a:xfrm>
-        </p:spPr>
-      </p:pic>
-      <p:sp>
-        <p:nvSpPr>
-          <p:cNvPr id="6" name="Espace réservé du texte 5"/>
-          <p:cNvSpPr>
-            <a:spLocks noGrp="1"/>
-          </p:cNvSpPr>
-          <p:nvPr>
-            <p:ph type="body" sz="half" idx="2"/>
-          </p:nvPr>
-        </p:nvSpPr>
-        <p:spPr>
-          <a:xfrm>
-            <a:off x="1098089" y="2609207"/>
-            <a:ext cx="3547533" cy="1646496"/>
-          </a:xfrm>
-        </p:spPr>
-        <p:txBody>
-          <a:bodyPr>
-            <a:normAutofit fontScale="92500" lnSpcReduction="10000"/>
-          </a:bodyPr>
-          <a:lstStyle/>
-          <a:p>
-            <a:r>
-              <a:rPr lang="fr-FR" dirty="0" smtClean="0"/>
-              <a:t>Structure </a:t>
-            </a:r>
-            <a:r>
-              <a:rPr lang="fr-FR" dirty="0" err="1" smtClean="0"/>
-              <a:t>json</a:t>
-            </a:r>
-            <a:r>
-              <a:rPr lang="fr-FR" dirty="0" smtClean="0"/>
-              <a:t> d’une réponse :</a:t>
-            </a:r>
-          </a:p>
-          <a:p>
-            <a:r>
-              <a:rPr lang="fr-FR" dirty="0" smtClean="0"/>
-              <a:t>{</a:t>
-            </a:r>
-          </a:p>
-          <a:p>
-            <a:r>
-              <a:rPr lang="fr-FR" dirty="0" smtClean="0"/>
-              <a:t>	‘</a:t>
-            </a:r>
-            <a:r>
-              <a:rPr lang="fr-FR" dirty="0" err="1" smtClean="0"/>
-              <a:t>lien_video</a:t>
-            </a:r>
-            <a:r>
-              <a:rPr lang="fr-FR" dirty="0" smtClean="0"/>
-              <a:t>’ : ‘http://youtube.com/</a:t>
-            </a:r>
-            <a:r>
-              <a:rPr lang="fr-FR" dirty="0" err="1" smtClean="0"/>
-              <a:t>xxxx</a:t>
-            </a:r>
-            <a:r>
-              <a:rPr lang="fr-FR" dirty="0" smtClean="0"/>
-              <a:t>’,</a:t>
-            </a:r>
-          </a:p>
-          <a:p>
-            <a:r>
-              <a:rPr lang="fr-FR" dirty="0"/>
-              <a:t>	</a:t>
-            </a:r>
-            <a:r>
-              <a:rPr lang="fr-FR" dirty="0" smtClean="0"/>
-              <a:t>‘message’ : ‘</a:t>
-            </a:r>
-            <a:r>
-              <a:rPr lang="fr-FR" dirty="0" err="1" smtClean="0"/>
-              <a:t>xxxxx</a:t>
-            </a:r>
-            <a:r>
-              <a:rPr lang="fr-FR" dirty="0" smtClean="0"/>
-              <a:t>’</a:t>
-            </a:r>
-            <a:endParaRPr lang="fr-FR" dirty="0"/>
-          </a:p>
-          <a:p>
-            <a:r>
-              <a:rPr lang="fr-FR" dirty="0" smtClean="0"/>
-              <a:t>}</a:t>
-            </a:r>
-          </a:p>
-        </p:txBody>
-      </p:sp>
-    </p:spTree>
-    <p:extLst>
-      <p:ext uri="{BB962C8B-B14F-4D97-AF65-F5344CB8AC3E}">
-        <p14:creationId xmlns:p14="http://schemas.microsoft.com/office/powerpoint/2010/main" val="2633055540"/>
-      </p:ext>
-    </p:extLst>
-  </p:cSld>
-  <p:clrMapOvr>
-    <a:masterClrMapping/>
-  </p:clrMapOvr>
-  <p:timing>
-    <p:tnLst>
-      <p:par>
-        <p:cTn id="1" dur="indefinite" restart="never" nodeType="tmRoot"/>
-      </p:par>
-    </p:tnLst>
-  </p:timing>
-</p:sld>
-</file>
-
-<file path=ppt/slides/slide15.xml><?xml version="1.0" encoding="utf-8"?>
-<p:sld xmlns:a="http://schemas.openxmlformats.org/drawingml/2006/main" xmlns:r="http://schemas.openxmlformats.org/officeDocument/2006/relationships" xmlns:p="http://schemas.openxmlformats.org/presentationml/2006/main">
-  <p:cSld>
-    <p:spTree>
-      <p:nvGrpSpPr>
-        <p:cNvPr id="1" name=""/>
-        <p:cNvGrpSpPr/>
-        <p:nvPr/>
-      </p:nvGrpSpPr>
-      <p:grpSpPr>
-        <a:xfrm>
-          <a:off x="0" y="0"/>
-          <a:ext cx="0" cy="0"/>
-          <a:chOff x="0" y="0"/>
-          <a:chExt cx="0" cy="0"/>
-        </a:xfrm>
-      </p:grpSpPr>
-      <p:sp>
-        <p:nvSpPr>
-          <p:cNvPr id="2" name="Titre 1"/>
-          <p:cNvSpPr>
-            <a:spLocks noGrp="1"/>
-          </p:cNvSpPr>
-          <p:nvPr>
-            <p:ph type="title"/>
-          </p:nvPr>
-        </p:nvSpPr>
         <p:spPr/>
         <p:txBody>
           <a:bodyPr/>
@@ -6717,7 +6504,7 @@
                   <a:schemeClr val="tx1"/>
                 </a:solidFill>
               </a:rPr>
-              <a:t>(2/4)</a:t>
+              <a:t>(1/3)</a:t>
             </a:r>
             <a:endParaRPr lang="fr-FR" sz="3200" b="1" dirty="0">
               <a:solidFill>
@@ -7083,7 +6870,7 @@
         <p:spPr>
           <a:xfrm>
             <a:off x="4390308" y="4882132"/>
-            <a:ext cx="3163045" cy="830997"/>
+            <a:ext cx="3195105" cy="1015663"/>
           </a:xfrm>
           <a:prstGeom prst="rect">
             <a:avLst/>
@@ -7110,24 +6897,63 @@
           <a:p>
             <a:r>
               <a:rPr lang="fr-FR" sz="1200" dirty="0"/>
-              <a:t>     "</a:t>
+              <a:t> </a:t>
+            </a:r>
+            <a:r>
+              <a:rPr lang="fr-FR" sz="1200" dirty="0"/>
+              <a:t>"</a:t>
             </a:r>
             <a:r>
               <a:rPr lang="fr-FR" sz="1200" dirty="0" err="1"/>
-              <a:t>id_video</a:t>
+              <a:t>lien_video</a:t>
             </a:r>
             <a:r>
               <a:rPr lang="fr-FR" sz="1200" dirty="0"/>
               <a:t>": "http: //</a:t>
             </a:r>
             <a:r>
-              <a:rPr lang="fr-FR" sz="1200" dirty="0" err="1"/>
+              <a:rPr lang="fr-FR" sz="1200" dirty="0" err="1" smtClean="0"/>
               <a:t>youtube.Fr</a:t>
             </a:r>
             <a:r>
+              <a:rPr lang="fr-FR" sz="1200" dirty="0" smtClean="0"/>
+              <a:t>/XXXXX</a:t>
+            </a:r>
+            <a:r>
               <a:rPr lang="fr-FR" sz="1200" dirty="0"/>
-              <a:t>/XXXXX"</a:t>
-            </a:r>
+              <a:t> "</a:t>
+            </a:r>
+            <a:r>
+              <a:rPr lang="fr-FR" sz="1200" dirty="0" smtClean="0"/>
+              <a:t> </a:t>
+            </a:r>
+          </a:p>
+          <a:p>
+            <a:r>
+              <a:rPr lang="fr-FR" sz="1200" dirty="0"/>
+              <a:t> "</a:t>
+            </a:r>
+            <a:r>
+              <a:rPr lang="fr-FR" sz="1200" dirty="0" smtClean="0"/>
+              <a:t>message": </a:t>
+            </a:r>
+            <a:r>
+              <a:rPr lang="fr-FR" sz="1200" dirty="0"/>
+              <a:t>  "</a:t>
+            </a:r>
+            <a:r>
+              <a:rPr lang="fr-FR" sz="1200" dirty="0" err="1" smtClean="0"/>
+              <a:t>xxxx</a:t>
+            </a:r>
+            <a:r>
+              <a:rPr lang="fr-FR" sz="1200" dirty="0" smtClean="0"/>
+              <a:t>" </a:t>
+            </a:r>
+            <a:r>
+              <a:rPr lang="fr-FR" sz="1200" dirty="0"/>
+              <a:t>	</a:t>
+            </a:r>
+            <a:endParaRPr lang="fr-FR" sz="1200" dirty="0"/>
           </a:p>
           <a:p>
             <a:r>
@@ -7137,10 +6963,527 @@
           </a:p>
         </p:txBody>
       </p:sp>
+      <p:pic>
+        <p:nvPicPr>
+          <p:cNvPr id="1026" name="Picture 2" descr="Résultat de recherche d'images pour &quot;http&quot;"/>
+          <p:cNvPicPr>
+            <a:picLocks noChangeAspect="1" noChangeArrowheads="1"/>
+          </p:cNvPicPr>
+          <p:nvPr/>
+        </p:nvPicPr>
+        <p:blipFill>
+          <a:blip r:embed="rId4">
+            <a:extLst>
+              <a:ext uri="{28A0092B-C50C-407E-A947-70E740481C1C}">
+                <a14:useLocalDpi xmlns:a14="http://schemas.microsoft.com/office/drawing/2010/main" val="0"/>
+              </a:ext>
+            </a:extLst>
+          </a:blip>
+          <a:srcRect/>
+          <a:stretch>
+            <a:fillRect/>
+          </a:stretch>
+        </p:blipFill>
+        <p:spPr bwMode="auto">
+          <a:xfrm>
+            <a:off x="5278067" y="2134071"/>
+            <a:ext cx="938072" cy="938072"/>
+          </a:xfrm>
+          <a:prstGeom prst="rect">
+            <a:avLst/>
+          </a:prstGeom>
+          <a:noFill/>
+          <a:extLst>
+            <a:ext uri="{909E8E84-426E-40DD-AFC4-6F175D3DCCD1}">
+              <a14:hiddenFill xmlns:a14="http://schemas.microsoft.com/office/drawing/2010/main">
+                <a:solidFill>
+                  <a:srgbClr val="FFFFFF"/>
+                </a:solidFill>
+              </a14:hiddenFill>
+            </a:ext>
+          </a:extLst>
+        </p:spPr>
+      </p:pic>
     </p:spTree>
     <p:extLst>
       <p:ext uri="{BB962C8B-B14F-4D97-AF65-F5344CB8AC3E}">
         <p14:creationId xmlns:p14="http://schemas.microsoft.com/office/powerpoint/2010/main" val="1869206848"/>
+      </p:ext>
+    </p:extLst>
+  </p:cSld>
+  <p:clrMapOvr>
+    <a:masterClrMapping/>
+  </p:clrMapOvr>
+  <p:timing>
+    <p:tnLst>
+      <p:par>
+        <p:cTn id="1" dur="indefinite" restart="never" nodeType="tmRoot"/>
+      </p:par>
+    </p:tnLst>
+  </p:timing>
+</p:sld>
+</file>
+
+<file path=ppt/slides/slide15.xml><?xml version="1.0" encoding="utf-8"?>
+<p:sld xmlns:a="http://schemas.openxmlformats.org/drawingml/2006/main" xmlns:r="http://schemas.openxmlformats.org/officeDocument/2006/relationships" xmlns:p="http://schemas.openxmlformats.org/presentationml/2006/main">
+  <p:cSld>
+    <p:spTree>
+      <p:nvGrpSpPr>
+        <p:cNvPr id="1" name=""/>
+        <p:cNvGrpSpPr/>
+        <p:nvPr/>
+      </p:nvGrpSpPr>
+      <p:grpSpPr>
+        <a:xfrm>
+          <a:off x="0" y="0"/>
+          <a:ext cx="0" cy="0"/>
+          <a:chOff x="0" y="0"/>
+          <a:chExt cx="0" cy="0"/>
+        </a:xfrm>
+      </p:grpSpPr>
+      <p:sp>
+        <p:nvSpPr>
+          <p:cNvPr id="2" name="Titre 1"/>
+          <p:cNvSpPr>
+            <a:spLocks noGrp="1"/>
+          </p:cNvSpPr>
+          <p:nvPr>
+            <p:ph type="title"/>
+          </p:nvPr>
+        </p:nvSpPr>
+        <p:spPr>
+          <a:xfrm>
+            <a:off x="1073151" y="339411"/>
+            <a:ext cx="3547533" cy="1618396"/>
+          </a:xfrm>
+        </p:spPr>
+        <p:txBody>
+          <a:bodyPr>
+            <a:normAutofit/>
+          </a:bodyPr>
+          <a:lstStyle/>
+          <a:p>
+            <a:r>
+              <a:rPr lang="fr-FR" dirty="0">
+                <a:solidFill>
+                  <a:schemeClr val="tx1"/>
+                </a:solidFill>
+              </a:rPr>
+              <a:t>Mohamed </a:t>
+            </a:r>
+            <a:r>
+              <a:rPr lang="fr-FR" dirty="0" smtClean="0">
+                <a:solidFill>
+                  <a:schemeClr val="tx1"/>
+                </a:solidFill>
+              </a:rPr>
+              <a:t>: Communication entre le smartphone et le back-end. </a:t>
+            </a:r>
+            <a:r>
+              <a:rPr lang="fr-FR" dirty="0" smtClean="0">
+                <a:solidFill>
+                  <a:schemeClr val="tx1"/>
+                </a:solidFill>
+              </a:rPr>
+              <a:t>(2/3)</a:t>
+            </a:r>
+            <a:endParaRPr lang="fr-FR" dirty="0"/>
+          </a:p>
+        </p:txBody>
+      </p:sp>
+      <p:pic>
+        <p:nvPicPr>
+          <p:cNvPr id="4" name="Espace réservé du contenu 3"/>
+          <p:cNvPicPr>
+            <a:picLocks noGrp="1" noChangeAspect="1"/>
+          </p:cNvPicPr>
+          <p:nvPr>
+            <p:ph idx="1"/>
+          </p:nvPr>
+        </p:nvPicPr>
+        <p:blipFill>
+          <a:blip r:embed="rId2">
+            <a:extLst>
+              <a:ext uri="{28A0092B-C50C-407E-A947-70E740481C1C}">
+                <a14:useLocalDpi xmlns:a14="http://schemas.microsoft.com/office/drawing/2010/main" val="0"/>
+              </a:ext>
+            </a:extLst>
+          </a:blip>
+          <a:stretch>
+            <a:fillRect/>
+          </a:stretch>
+        </p:blipFill>
+        <p:spPr>
+          <a:xfrm>
+            <a:off x="6667196" y="41565"/>
+            <a:ext cx="5483239" cy="6773910"/>
+          </a:xfrm>
+        </p:spPr>
+      </p:pic>
+      <p:pic>
+        <p:nvPicPr>
+          <p:cNvPr id="5" name="Espace réservé du contenu 5"/>
+          <p:cNvPicPr>
+            <a:picLocks noChangeAspect="1"/>
+          </p:cNvPicPr>
+          <p:nvPr/>
+        </p:nvPicPr>
+        <p:blipFill>
+          <a:blip r:embed="rId3">
+            <a:extLst>
+              <a:ext uri="{28A0092B-C50C-407E-A947-70E740481C1C}">
+                <a14:useLocalDpi xmlns:a14="http://schemas.microsoft.com/office/drawing/2010/main" val="0"/>
+              </a:ext>
+            </a:extLst>
+          </a:blip>
+          <a:stretch>
+            <a:fillRect/>
+          </a:stretch>
+        </p:blipFill>
+        <p:spPr>
+          <a:xfrm>
+            <a:off x="105204" y="2780762"/>
+            <a:ext cx="1931414" cy="3104649"/>
+          </a:xfrm>
+          <a:prstGeom prst="rect">
+            <a:avLst/>
+          </a:prstGeom>
+          <a:effectLst>
+            <a:outerShdw blurRad="50800" dir="14400000">
+              <a:srgbClr val="000000">
+                <a:alpha val="40000"/>
+              </a:srgbClr>
+            </a:outerShdw>
+          </a:effectLst>
+        </p:spPr>
+      </p:pic>
+      <p:grpSp>
+        <p:nvGrpSpPr>
+          <p:cNvPr id="12" name="Groupe 11"/>
+          <p:cNvGrpSpPr/>
+          <p:nvPr/>
+        </p:nvGrpSpPr>
+        <p:grpSpPr>
+          <a:xfrm>
+            <a:off x="2129201" y="3675697"/>
+            <a:ext cx="4400328" cy="2209713"/>
+            <a:chOff x="1718192" y="3326035"/>
+            <a:chExt cx="4400328" cy="2277346"/>
+          </a:xfrm>
+        </p:grpSpPr>
+        <p:sp>
+          <p:nvSpPr>
+            <p:cNvPr id="7" name="Flèche courbée vers la gauche 6"/>
+            <p:cNvSpPr/>
+            <p:nvPr/>
+          </p:nvSpPr>
+          <p:spPr>
+            <a:xfrm>
+              <a:off x="1718192" y="3478056"/>
+              <a:ext cx="335531" cy="800840"/>
+            </a:xfrm>
+            <a:prstGeom prst="curvedLeftArrow">
+              <a:avLst/>
+            </a:prstGeom>
+          </p:spPr>
+          <p:style>
+            <a:lnRef idx="2">
+              <a:schemeClr val="accent1">
+                <a:shade val="50000"/>
+              </a:schemeClr>
+            </a:lnRef>
+            <a:fillRef idx="1">
+              <a:schemeClr val="accent1"/>
+            </a:fillRef>
+            <a:effectRef idx="0">
+              <a:schemeClr val="accent1"/>
+            </a:effectRef>
+            <a:fontRef idx="minor">
+              <a:schemeClr val="lt1"/>
+            </a:fontRef>
+          </p:style>
+          <p:txBody>
+            <a:bodyPr rtlCol="0" anchor="ctr"/>
+            <a:lstStyle/>
+            <a:p>
+              <a:pPr algn="ctr"/>
+              <a:endParaRPr lang="fr-FR">
+                <a:solidFill>
+                  <a:schemeClr val="tx1"/>
+                </a:solidFill>
+              </a:endParaRPr>
+            </a:p>
+          </p:txBody>
+        </p:sp>
+        <p:sp>
+          <p:nvSpPr>
+            <p:cNvPr id="8" name="ZoneTexte 7"/>
+            <p:cNvSpPr txBox="1"/>
+            <p:nvPr/>
+          </p:nvSpPr>
+          <p:spPr>
+            <a:xfrm>
+              <a:off x="2194417" y="3326035"/>
+              <a:ext cx="3924103" cy="923330"/>
+            </a:xfrm>
+            <a:prstGeom prst="rect">
+              <a:avLst/>
+            </a:prstGeom>
+            <a:noFill/>
+          </p:spPr>
+          <p:txBody>
+            <a:bodyPr wrap="square" rtlCol="0">
+              <a:spAutoFit/>
+            </a:bodyPr>
+            <a:lstStyle/>
+            <a:p>
+              <a:r>
+                <a:rPr lang="fr-FR" dirty="0" smtClean="0"/>
+                <a:t>Vérification </a:t>
+              </a:r>
+              <a:r>
+                <a:rPr lang="fr-FR" dirty="0" smtClean="0"/>
+                <a:t>de </a:t>
+              </a:r>
+              <a:r>
+                <a:rPr lang="fr-FR" dirty="0" smtClean="0"/>
+                <a:t>la réponse reçu par le serveur. </a:t>
+              </a:r>
+              <a:r>
+                <a:rPr lang="fr-FR" dirty="0" smtClean="0"/>
+                <a:t>Présence de la key </a:t>
+              </a:r>
+              <a:r>
+                <a:rPr lang="fr-FR" dirty="0" err="1" smtClean="0"/>
+                <a:t>lien_vidéo</a:t>
+              </a:r>
+              <a:r>
+                <a:rPr lang="fr-FR" dirty="0" smtClean="0"/>
+                <a:t>.</a:t>
+              </a:r>
+              <a:endParaRPr lang="fr-FR" dirty="0"/>
+            </a:p>
+          </p:txBody>
+        </p:sp>
+        <p:sp>
+          <p:nvSpPr>
+            <p:cNvPr id="9" name="Flèche courbée vers la gauche 8"/>
+            <p:cNvSpPr/>
+            <p:nvPr/>
+          </p:nvSpPr>
+          <p:spPr>
+            <a:xfrm>
+              <a:off x="1737647" y="4802541"/>
+              <a:ext cx="335531" cy="800840"/>
+            </a:xfrm>
+            <a:prstGeom prst="curvedLeftArrow">
+              <a:avLst/>
+            </a:prstGeom>
+          </p:spPr>
+          <p:style>
+            <a:lnRef idx="2">
+              <a:schemeClr val="accent1">
+                <a:shade val="50000"/>
+              </a:schemeClr>
+            </a:lnRef>
+            <a:fillRef idx="1">
+              <a:schemeClr val="accent1"/>
+            </a:fillRef>
+            <a:effectRef idx="0">
+              <a:schemeClr val="accent1"/>
+            </a:effectRef>
+            <a:fontRef idx="minor">
+              <a:schemeClr val="lt1"/>
+            </a:fontRef>
+          </p:style>
+          <p:txBody>
+            <a:bodyPr rtlCol="0" anchor="ctr"/>
+            <a:lstStyle/>
+            <a:p>
+              <a:pPr algn="ctr"/>
+              <a:endParaRPr lang="fr-FR">
+                <a:solidFill>
+                  <a:schemeClr val="tx1"/>
+                </a:solidFill>
+              </a:endParaRPr>
+            </a:p>
+          </p:txBody>
+        </p:sp>
+        <p:sp>
+          <p:nvSpPr>
+            <p:cNvPr id="10" name="ZoneTexte 9"/>
+            <p:cNvSpPr txBox="1"/>
+            <p:nvPr/>
+          </p:nvSpPr>
+          <p:spPr>
+            <a:xfrm>
+              <a:off x="2200929" y="4879795"/>
+              <a:ext cx="3818526" cy="646331"/>
+            </a:xfrm>
+            <a:prstGeom prst="rect">
+              <a:avLst/>
+            </a:prstGeom>
+            <a:noFill/>
+          </p:spPr>
+          <p:txBody>
+            <a:bodyPr wrap="square" rtlCol="0">
+              <a:spAutoFit/>
+            </a:bodyPr>
+            <a:lstStyle/>
+            <a:p>
+              <a:r>
+                <a:rPr lang="fr-FR" dirty="0"/>
+                <a:t>L’application lance l’application </a:t>
+              </a:r>
+              <a:r>
+                <a:rPr lang="fr-FR" dirty="0" err="1"/>
+                <a:t>Youtube</a:t>
+              </a:r>
+              <a:r>
+                <a:rPr lang="fr-FR" dirty="0"/>
+                <a:t> et affiche la vidéo.</a:t>
+              </a:r>
+            </a:p>
+          </p:txBody>
+        </p:sp>
+        <p:sp>
+          <p:nvSpPr>
+            <p:cNvPr id="11" name="ZoneTexte 10"/>
+            <p:cNvSpPr txBox="1"/>
+            <p:nvPr/>
+          </p:nvSpPr>
+          <p:spPr>
+            <a:xfrm>
+              <a:off x="2194417" y="4379913"/>
+              <a:ext cx="721672" cy="369332"/>
+            </a:xfrm>
+            <a:prstGeom prst="rect">
+              <a:avLst/>
+            </a:prstGeom>
+            <a:noFill/>
+          </p:spPr>
+          <p:txBody>
+            <a:bodyPr wrap="none" rtlCol="0">
+              <a:spAutoFit/>
+            </a:bodyPr>
+            <a:lstStyle/>
+            <a:p>
+              <a:r>
+                <a:rPr lang="fr-FR" dirty="0"/>
+                <a:t>OK ?</a:t>
+              </a:r>
+            </a:p>
+          </p:txBody>
+        </p:sp>
+      </p:grpSp>
+      <p:pic>
+        <p:nvPicPr>
+          <p:cNvPr id="19" name="Image 18"/>
+          <p:cNvPicPr>
+            <a:picLocks noChangeAspect="1"/>
+          </p:cNvPicPr>
+          <p:nvPr/>
+        </p:nvPicPr>
+        <p:blipFill>
+          <a:blip r:embed="rId4">
+            <a:extLst>
+              <a:ext uri="{28A0092B-C50C-407E-A947-70E740481C1C}">
+                <a14:useLocalDpi xmlns:a14="http://schemas.microsoft.com/office/drawing/2010/main" val="0"/>
+              </a:ext>
+            </a:extLst>
+          </a:blip>
+          <a:stretch>
+            <a:fillRect/>
+          </a:stretch>
+        </p:blipFill>
+        <p:spPr>
+          <a:xfrm>
+            <a:off x="3646458" y="5855651"/>
+            <a:ext cx="1052225" cy="1052225"/>
+          </a:xfrm>
+          <a:prstGeom prst="rect">
+            <a:avLst/>
+          </a:prstGeom>
+        </p:spPr>
+      </p:pic>
+      <p:sp>
+        <p:nvSpPr>
+          <p:cNvPr id="20" name="Flèche courbée vers la gauche 19"/>
+          <p:cNvSpPr/>
+          <p:nvPr/>
+        </p:nvSpPr>
+        <p:spPr>
+          <a:xfrm>
+            <a:off x="2125936" y="2756022"/>
+            <a:ext cx="335531" cy="777057"/>
+          </a:xfrm>
+          <a:prstGeom prst="curvedLeftArrow">
+            <a:avLst/>
+          </a:prstGeom>
+        </p:spPr>
+        <p:style>
+          <a:lnRef idx="2">
+            <a:schemeClr val="accent1">
+              <a:shade val="50000"/>
+            </a:schemeClr>
+          </a:lnRef>
+          <a:fillRef idx="1">
+            <a:schemeClr val="accent1"/>
+          </a:fillRef>
+          <a:effectRef idx="0">
+            <a:schemeClr val="accent1"/>
+          </a:effectRef>
+          <a:fontRef idx="minor">
+            <a:schemeClr val="lt1"/>
+          </a:fontRef>
+        </p:style>
+        <p:txBody>
+          <a:bodyPr rtlCol="0" anchor="ctr"/>
+          <a:lstStyle/>
+          <a:p>
+            <a:pPr algn="ctr"/>
+            <a:endParaRPr lang="fr-FR">
+              <a:solidFill>
+                <a:schemeClr val="tx1"/>
+              </a:solidFill>
+            </a:endParaRPr>
+          </a:p>
+        </p:txBody>
+      </p:sp>
+      <p:sp>
+        <p:nvSpPr>
+          <p:cNvPr id="21" name="ZoneTexte 20"/>
+          <p:cNvSpPr txBox="1"/>
+          <p:nvPr/>
+        </p:nvSpPr>
+        <p:spPr>
+          <a:xfrm>
+            <a:off x="2599134" y="2958710"/>
+            <a:ext cx="3924103" cy="369332"/>
+          </a:xfrm>
+          <a:prstGeom prst="rect">
+            <a:avLst/>
+          </a:prstGeom>
+          <a:noFill/>
+        </p:spPr>
+        <p:txBody>
+          <a:bodyPr wrap="square" rtlCol="0">
+            <a:spAutoFit/>
+          </a:bodyPr>
+          <a:lstStyle/>
+          <a:p>
+            <a:r>
+              <a:rPr lang="fr-FR" dirty="0" smtClean="0"/>
+              <a:t>Lance la requête vers le serveur</a:t>
+            </a:r>
+            <a:endParaRPr lang="fr-FR" dirty="0"/>
+          </a:p>
+        </p:txBody>
+      </p:sp>
+    </p:spTree>
+    <p:extLst>
+      <p:ext uri="{BB962C8B-B14F-4D97-AF65-F5344CB8AC3E}">
+        <p14:creationId xmlns:p14="http://schemas.microsoft.com/office/powerpoint/2010/main" val="2633055540"/>
       </p:ext>
     </p:extLst>
   </p:cSld>
@@ -7186,305 +7529,6 @@
         </p:nvSpPr>
         <p:spPr>
           <a:xfrm>
-            <a:off x="810000" y="559922"/>
-            <a:ext cx="10571998" cy="970450"/>
-          </a:xfrm>
-        </p:spPr>
-        <p:txBody>
-          <a:bodyPr/>
-          <a:lstStyle/>
-          <a:p>
-            <a:pPr algn="ctr"/>
-            <a:r>
-              <a:rPr lang="fr-FR" sz="2800" dirty="0">
-                <a:solidFill>
-                  <a:schemeClr val="tx1"/>
-                </a:solidFill>
-              </a:rPr>
-              <a:t>Mohamed : </a:t>
-            </a:r>
-            <a:r>
-              <a:rPr lang="fr-FR" sz="3000" dirty="0">
-                <a:solidFill>
-                  <a:schemeClr val="tx1"/>
-                </a:solidFill>
-              </a:rPr>
-              <a:t>Mise en place de la communication entre l’application Android et le serveur. </a:t>
-            </a:r>
-            <a:r>
-              <a:rPr lang="fr-FR" sz="3000" dirty="0" smtClean="0">
-                <a:solidFill>
-                  <a:schemeClr val="tx1"/>
-                </a:solidFill>
-              </a:rPr>
-              <a:t>(3/4)</a:t>
-            </a:r>
-            <a:endParaRPr lang="fr-FR" sz="3000" dirty="0"/>
-          </a:p>
-        </p:txBody>
-      </p:sp>
-      <p:pic>
-        <p:nvPicPr>
-          <p:cNvPr id="4" name="Espace réservé du contenu 5"/>
-          <p:cNvPicPr>
-            <a:picLocks noGrp="1" noChangeAspect="1"/>
-          </p:cNvPicPr>
-          <p:nvPr>
-            <p:ph idx="1"/>
-          </p:nvPr>
-        </p:nvPicPr>
-        <p:blipFill>
-          <a:blip r:embed="rId2">
-            <a:extLst>
-              <a:ext uri="{28A0092B-C50C-407E-A947-70E740481C1C}">
-                <a14:useLocalDpi xmlns:a14="http://schemas.microsoft.com/office/drawing/2010/main" val="0"/>
-              </a:ext>
-            </a:extLst>
-          </a:blip>
-          <a:stretch>
-            <a:fillRect/>
-          </a:stretch>
-        </p:blipFill>
-        <p:spPr>
-          <a:xfrm>
-            <a:off x="1044887" y="2986272"/>
-            <a:ext cx="1660732" cy="2657171"/>
-          </a:xfrm>
-        </p:spPr>
-      </p:pic>
-      <p:sp>
-        <p:nvSpPr>
-          <p:cNvPr id="5" name="Flèche courbée vers la gauche 4"/>
-          <p:cNvSpPr/>
-          <p:nvPr/>
-        </p:nvSpPr>
-        <p:spPr>
-          <a:xfrm>
-            <a:off x="2968667" y="3033650"/>
-            <a:ext cx="638827" cy="800840"/>
-          </a:xfrm>
-          <a:prstGeom prst="curvedLeftArrow">
-            <a:avLst/>
-          </a:prstGeom>
-        </p:spPr>
-        <p:style>
-          <a:lnRef idx="2">
-            <a:schemeClr val="accent1">
-              <a:shade val="50000"/>
-            </a:schemeClr>
-          </a:lnRef>
-          <a:fillRef idx="1">
-            <a:schemeClr val="accent1"/>
-          </a:fillRef>
-          <a:effectRef idx="0">
-            <a:schemeClr val="accent1"/>
-          </a:effectRef>
-          <a:fontRef idx="minor">
-            <a:schemeClr val="lt1"/>
-          </a:fontRef>
-        </p:style>
-        <p:txBody>
-          <a:bodyPr rtlCol="0" anchor="ctr"/>
-          <a:lstStyle/>
-          <a:p>
-            <a:pPr algn="ctr"/>
-            <a:endParaRPr lang="fr-FR">
-              <a:solidFill>
-                <a:schemeClr val="tx1"/>
-              </a:solidFill>
-            </a:endParaRPr>
-          </a:p>
-        </p:txBody>
-      </p:sp>
-      <p:sp>
-        <p:nvSpPr>
-          <p:cNvPr id="6" name="ZoneTexte 5"/>
-          <p:cNvSpPr txBox="1"/>
-          <p:nvPr/>
-        </p:nvSpPr>
-        <p:spPr>
-          <a:xfrm>
-            <a:off x="3870542" y="3138369"/>
-            <a:ext cx="7526419" cy="369332"/>
-          </a:xfrm>
-          <a:prstGeom prst="rect">
-            <a:avLst/>
-          </a:prstGeom>
-          <a:noFill/>
-        </p:spPr>
-        <p:txBody>
-          <a:bodyPr wrap="none" rtlCol="0">
-            <a:spAutoFit/>
-          </a:bodyPr>
-          <a:lstStyle/>
-          <a:p>
-            <a:r>
-              <a:rPr lang="fr-FR" dirty="0" smtClean="0"/>
-              <a:t>Vérification de la réponse reçu par le serveur. Présence lien vidéo.</a:t>
-            </a:r>
-            <a:endParaRPr lang="fr-FR" dirty="0"/>
-          </a:p>
-        </p:txBody>
-      </p:sp>
-      <p:sp>
-        <p:nvSpPr>
-          <p:cNvPr id="7" name="Flèche courbée vers la gauche 6"/>
-          <p:cNvSpPr/>
-          <p:nvPr/>
-        </p:nvSpPr>
-        <p:spPr>
-          <a:xfrm>
-            <a:off x="2968666" y="4842603"/>
-            <a:ext cx="638827" cy="800840"/>
-          </a:xfrm>
-          <a:prstGeom prst="curvedLeftArrow">
-            <a:avLst/>
-          </a:prstGeom>
-        </p:spPr>
-        <p:style>
-          <a:lnRef idx="2">
-            <a:schemeClr val="accent1">
-              <a:shade val="50000"/>
-            </a:schemeClr>
-          </a:lnRef>
-          <a:fillRef idx="1">
-            <a:schemeClr val="accent1"/>
-          </a:fillRef>
-          <a:effectRef idx="0">
-            <a:schemeClr val="accent1"/>
-          </a:effectRef>
-          <a:fontRef idx="minor">
-            <a:schemeClr val="lt1"/>
-          </a:fontRef>
-        </p:style>
-        <p:txBody>
-          <a:bodyPr rtlCol="0" anchor="ctr"/>
-          <a:lstStyle/>
-          <a:p>
-            <a:pPr algn="ctr"/>
-            <a:endParaRPr lang="fr-FR">
-              <a:solidFill>
-                <a:schemeClr val="tx1"/>
-              </a:solidFill>
-            </a:endParaRPr>
-          </a:p>
-        </p:txBody>
-      </p:sp>
-      <p:sp>
-        <p:nvSpPr>
-          <p:cNvPr id="8" name="ZoneTexte 7"/>
-          <p:cNvSpPr txBox="1"/>
-          <p:nvPr/>
-        </p:nvSpPr>
-        <p:spPr>
-          <a:xfrm>
-            <a:off x="3870540" y="5058357"/>
-            <a:ext cx="7045518" cy="369332"/>
-          </a:xfrm>
-          <a:prstGeom prst="rect">
-            <a:avLst/>
-          </a:prstGeom>
-          <a:noFill/>
-        </p:spPr>
-        <p:txBody>
-          <a:bodyPr wrap="none" rtlCol="0">
-            <a:spAutoFit/>
-          </a:bodyPr>
-          <a:lstStyle/>
-          <a:p>
-            <a:r>
-              <a:rPr lang="fr-FR" dirty="0"/>
-              <a:t>L’application lance l’application </a:t>
-            </a:r>
-            <a:r>
-              <a:rPr lang="fr-FR" dirty="0" err="1"/>
-              <a:t>Youtube</a:t>
-            </a:r>
-            <a:r>
-              <a:rPr lang="fr-FR" dirty="0"/>
-              <a:t> et affiche la vidéo.</a:t>
-            </a:r>
-          </a:p>
-        </p:txBody>
-      </p:sp>
-      <p:sp>
-        <p:nvSpPr>
-          <p:cNvPr id="9" name="ZoneTexte 8"/>
-          <p:cNvSpPr txBox="1"/>
-          <p:nvPr/>
-        </p:nvSpPr>
-        <p:spPr>
-          <a:xfrm>
-            <a:off x="3870542" y="4130191"/>
-            <a:ext cx="721672" cy="369332"/>
-          </a:xfrm>
-          <a:prstGeom prst="rect">
-            <a:avLst/>
-          </a:prstGeom>
-          <a:noFill/>
-        </p:spPr>
-        <p:txBody>
-          <a:bodyPr wrap="none" rtlCol="0">
-            <a:spAutoFit/>
-          </a:bodyPr>
-          <a:lstStyle/>
-          <a:p>
-            <a:r>
-              <a:rPr lang="fr-FR" dirty="0"/>
-              <a:t>OK ?</a:t>
-            </a:r>
-          </a:p>
-        </p:txBody>
-      </p:sp>
-    </p:spTree>
-    <p:extLst>
-      <p:ext uri="{BB962C8B-B14F-4D97-AF65-F5344CB8AC3E}">
-        <p14:creationId xmlns:p14="http://schemas.microsoft.com/office/powerpoint/2010/main" val="553128704"/>
-      </p:ext>
-    </p:extLst>
-  </p:cSld>
-  <p:clrMapOvr>
-    <a:masterClrMapping/>
-  </p:clrMapOvr>
-  <p:timing>
-    <p:tnLst>
-      <p:par>
-        <p:cTn id="1" dur="indefinite" restart="never" nodeType="tmRoot"/>
-      </p:par>
-    </p:tnLst>
-  </p:timing>
-</p:sld>
-</file>
-
-<file path=ppt/slides/slide17.xml><?xml version="1.0" encoding="utf-8"?>
-<p:sld xmlns:a="http://schemas.openxmlformats.org/drawingml/2006/main" xmlns:r="http://schemas.openxmlformats.org/officeDocument/2006/relationships" xmlns:p="http://schemas.openxmlformats.org/presentationml/2006/main">
-  <p:cSld>
-    <p:spTree>
-      <p:nvGrpSpPr>
-        <p:cNvPr id="1" name=""/>
-        <p:cNvGrpSpPr/>
-        <p:nvPr/>
-      </p:nvGrpSpPr>
-      <p:grpSpPr>
-        <a:xfrm>
-          <a:off x="0" y="0"/>
-          <a:ext cx="0" cy="0"/>
-          <a:chOff x="0" y="0"/>
-          <a:chExt cx="0" cy="0"/>
-        </a:xfrm>
-      </p:grpSpPr>
-      <p:sp>
-        <p:nvSpPr>
-          <p:cNvPr id="2" name="Titre 1"/>
-          <p:cNvSpPr>
-            <a:spLocks noGrp="1"/>
-          </p:cNvSpPr>
-          <p:nvPr>
-            <p:ph type="title"/>
-          </p:nvPr>
-        </p:nvSpPr>
-        <p:spPr>
-          <a:xfrm>
             <a:off x="784948" y="551144"/>
             <a:ext cx="10571998" cy="766285"/>
           </a:xfrm>
@@ -7496,7 +7540,15 @@
             <a:pPr algn="ctr"/>
             <a:r>
               <a:rPr lang="fr-FR" sz="3000" dirty="0"/>
-              <a:t>Mohamed : Diagramme de classe </a:t>
+              <a:t>Mohamed : </a:t>
+            </a:r>
+            <a:r>
+              <a:rPr lang="fr-FR" sz="3000" dirty="0" smtClean="0"/>
+              <a:t>Diagramme</a:t>
+            </a:r>
+            <a:r>
+              <a:rPr lang="fr-FR" sz="3000" dirty="0"/>
+              <a:t/>
             </a:r>
             <a:br>
               <a:rPr lang="fr-FR" sz="3000" dirty="0"/>
@@ -7507,7 +7559,11 @@
             </a:r>
             <a:r>
               <a:rPr lang="fr-FR" sz="3000" dirty="0" smtClean="0"/>
-              <a:t>http (4/4)</a:t>
+              <a:t>http </a:t>
+            </a:r>
+            <a:r>
+              <a:rPr lang="fr-FR" sz="3000" dirty="0" smtClean="0"/>
+              <a:t>(3/3)</a:t>
             </a:r>
             <a:endParaRPr lang="fr-FR" sz="3000" dirty="0"/>
           </a:p>
@@ -7535,8 +7591,8 @@
         </p:blipFill>
         <p:spPr>
           <a:xfrm>
-            <a:off x="1444737" y="2314613"/>
-            <a:ext cx="9252420" cy="4286603"/>
+            <a:off x="1387214" y="2368391"/>
+            <a:ext cx="9367465" cy="4339903"/>
           </a:xfrm>
           <a:prstGeom prst="rect">
             <a:avLst/>
@@ -7556,7 +7612,7 @@
 </p:sld>
 </file>
 
-<file path=ppt/slides/slide18.xml><?xml version="1.0" encoding="utf-8"?>
+<file path=ppt/slides/slide17.xml><?xml version="1.0" encoding="utf-8"?>
 <p:sld xmlns:a="http://schemas.openxmlformats.org/drawingml/2006/main" xmlns:r="http://schemas.openxmlformats.org/officeDocument/2006/relationships" xmlns:p="http://schemas.openxmlformats.org/presentationml/2006/main">
   <p:cSld>
     <p:spTree>
@@ -7671,7 +7727,7 @@
 </p:sld>
 </file>
 
-<file path=ppt/slides/slide19.xml><?xml version="1.0" encoding="utf-8"?>
+<file path=ppt/slides/slide18.xml><?xml version="1.0" encoding="utf-8"?>
 <p:sld xmlns:a="http://schemas.openxmlformats.org/drawingml/2006/main" xmlns:r="http://schemas.openxmlformats.org/officeDocument/2006/relationships" xmlns:p="http://schemas.openxmlformats.org/presentationml/2006/main">
   <p:cSld>
     <p:spTree>
@@ -7793,146 +7849,7 @@
 </p:sld>
 </file>
 
-<file path=ppt/slides/slide2.xml><?xml version="1.0" encoding="utf-8"?>
-<p:sld xmlns:a="http://schemas.openxmlformats.org/drawingml/2006/main" xmlns:r="http://schemas.openxmlformats.org/officeDocument/2006/relationships" xmlns:p="http://schemas.openxmlformats.org/presentationml/2006/main">
-  <p:cSld>
-    <p:spTree>
-      <p:nvGrpSpPr>
-        <p:cNvPr id="1" name=""/>
-        <p:cNvGrpSpPr/>
-        <p:nvPr/>
-      </p:nvGrpSpPr>
-      <p:grpSpPr>
-        <a:xfrm>
-          <a:off x="0" y="0"/>
-          <a:ext cx="0" cy="0"/>
-          <a:chOff x="0" y="0"/>
-          <a:chExt cx="0" cy="0"/>
-        </a:xfrm>
-      </p:grpSpPr>
-      <p:sp>
-        <p:nvSpPr>
-          <p:cNvPr id="2" name="Titre 1"/>
-          <p:cNvSpPr>
-            <a:spLocks noGrp="1"/>
-          </p:cNvSpPr>
-          <p:nvPr>
-            <p:ph type="title"/>
-          </p:nvPr>
-        </p:nvSpPr>
-        <p:spPr/>
-        <p:txBody>
-          <a:bodyPr/>
-          <a:lstStyle/>
-          <a:p>
-            <a:r>
-              <a:rPr lang="fr-FR" dirty="0"/>
-              <a:t>Sommaire</a:t>
-            </a:r>
-          </a:p>
-        </p:txBody>
-      </p:sp>
-      <p:sp>
-        <p:nvSpPr>
-          <p:cNvPr id="3" name="Espace réservé du contenu 2"/>
-          <p:cNvSpPr>
-            <a:spLocks noGrp="1"/>
-          </p:cNvSpPr>
-          <p:nvPr>
-            <p:ph idx="1"/>
-          </p:nvPr>
-        </p:nvSpPr>
-        <p:spPr/>
-        <p:txBody>
-          <a:bodyPr>
-            <a:normAutofit lnSpcReduction="10000"/>
-          </a:bodyPr>
-          <a:lstStyle/>
-          <a:p>
-            <a:r>
-              <a:rPr lang="fr-FR" dirty="0"/>
-              <a:t>Introduction</a:t>
-            </a:r>
-          </a:p>
-          <a:p>
-            <a:r>
-              <a:rPr lang="fr-FR" dirty="0"/>
-              <a:t>Objectifs</a:t>
-            </a:r>
-          </a:p>
-          <a:p>
-            <a:r>
-              <a:rPr lang="fr-FR" dirty="0"/>
-              <a:t>Répartition des tâches</a:t>
-            </a:r>
-          </a:p>
-          <a:p>
-            <a:r>
-              <a:rPr lang="fr-FR" dirty="0"/>
-              <a:t>Outils, technologies</a:t>
-            </a:r>
-          </a:p>
-          <a:p>
-            <a:r>
-              <a:rPr lang="fr-FR" dirty="0"/>
-              <a:t>Tâches de Romain</a:t>
-            </a:r>
-          </a:p>
-          <a:p>
-            <a:r>
-              <a:rPr lang="fr-FR" dirty="0"/>
-              <a:t>Tâches de Mohamed</a:t>
-            </a:r>
-          </a:p>
-          <a:p>
-            <a:r>
-              <a:rPr lang="fr-FR" dirty="0"/>
-              <a:t>Tâches de Gaël</a:t>
-            </a:r>
-          </a:p>
-          <a:p>
-            <a:r>
-              <a:rPr lang="fr-FR" dirty="0"/>
-              <a:t>Tâches de </a:t>
-            </a:r>
-            <a:r>
-              <a:rPr lang="fr-FR" dirty="0" err="1"/>
-              <a:t>Yanice</a:t>
-            </a:r>
-            <a:endParaRPr lang="fr-FR" dirty="0"/>
-          </a:p>
-          <a:p>
-            <a:r>
-              <a:rPr lang="fr-FR" dirty="0"/>
-              <a:t>Démo</a:t>
-            </a:r>
-          </a:p>
-          <a:p>
-            <a:endParaRPr lang="fr-FR" dirty="0"/>
-          </a:p>
-        </p:txBody>
-      </p:sp>
-    </p:spTree>
-    <p:extLst>
-      <p:ext uri="{BB962C8B-B14F-4D97-AF65-F5344CB8AC3E}">
-        <p14:creationId xmlns:p14="http://schemas.microsoft.com/office/powerpoint/2010/main" val="3805287657"/>
-      </p:ext>
-    </p:extLst>
-  </p:cSld>
-  <p:clrMapOvr>
-    <a:masterClrMapping/>
-  </p:clrMapOvr>
-  <p:timing>
-    <p:tnLst>
-      <p:par>
-        <p:cTn id="1" dur="indefinite" restart="never" nodeType="tmRoot"/>
-      </p:par>
-    </p:tnLst>
-  </p:timing>
-</p:sld>
-</file>
-
-<file path=ppt/slides/slide20.xml><?xml version="1.0" encoding="utf-8"?>
+<file path=ppt/slides/slide19.xml><?xml version="1.0" encoding="utf-8"?>
 <p:sld xmlns:a="http://schemas.openxmlformats.org/drawingml/2006/main" xmlns:r="http://schemas.openxmlformats.org/officeDocument/2006/relationships" xmlns:p="http://schemas.openxmlformats.org/presentationml/2006/main">
   <p:cSld>
     <p:spTree>
@@ -8041,7 +7958,146 @@
 </p:sld>
 </file>
 
-<file path=ppt/slides/slide21.xml><?xml version="1.0" encoding="utf-8"?>
+<file path=ppt/slides/slide2.xml><?xml version="1.0" encoding="utf-8"?>
+<p:sld xmlns:a="http://schemas.openxmlformats.org/drawingml/2006/main" xmlns:r="http://schemas.openxmlformats.org/officeDocument/2006/relationships" xmlns:p="http://schemas.openxmlformats.org/presentationml/2006/main">
+  <p:cSld>
+    <p:spTree>
+      <p:nvGrpSpPr>
+        <p:cNvPr id="1" name=""/>
+        <p:cNvGrpSpPr/>
+        <p:nvPr/>
+      </p:nvGrpSpPr>
+      <p:grpSpPr>
+        <a:xfrm>
+          <a:off x="0" y="0"/>
+          <a:ext cx="0" cy="0"/>
+          <a:chOff x="0" y="0"/>
+          <a:chExt cx="0" cy="0"/>
+        </a:xfrm>
+      </p:grpSpPr>
+      <p:sp>
+        <p:nvSpPr>
+          <p:cNvPr id="2" name="Titre 1"/>
+          <p:cNvSpPr>
+            <a:spLocks noGrp="1"/>
+          </p:cNvSpPr>
+          <p:nvPr>
+            <p:ph type="title"/>
+          </p:nvPr>
+        </p:nvSpPr>
+        <p:spPr/>
+        <p:txBody>
+          <a:bodyPr/>
+          <a:lstStyle/>
+          <a:p>
+            <a:r>
+              <a:rPr lang="fr-FR" dirty="0"/>
+              <a:t>Sommaire</a:t>
+            </a:r>
+          </a:p>
+        </p:txBody>
+      </p:sp>
+      <p:sp>
+        <p:nvSpPr>
+          <p:cNvPr id="3" name="Espace réservé du contenu 2"/>
+          <p:cNvSpPr>
+            <a:spLocks noGrp="1"/>
+          </p:cNvSpPr>
+          <p:nvPr>
+            <p:ph idx="1"/>
+          </p:nvPr>
+        </p:nvSpPr>
+        <p:spPr/>
+        <p:txBody>
+          <a:bodyPr>
+            <a:normAutofit lnSpcReduction="10000"/>
+          </a:bodyPr>
+          <a:lstStyle/>
+          <a:p>
+            <a:r>
+              <a:rPr lang="fr-FR" dirty="0"/>
+              <a:t>Introduction</a:t>
+            </a:r>
+          </a:p>
+          <a:p>
+            <a:r>
+              <a:rPr lang="fr-FR" dirty="0"/>
+              <a:t>Objectifs</a:t>
+            </a:r>
+          </a:p>
+          <a:p>
+            <a:r>
+              <a:rPr lang="fr-FR" dirty="0"/>
+              <a:t>Répartition des tâches</a:t>
+            </a:r>
+          </a:p>
+          <a:p>
+            <a:r>
+              <a:rPr lang="fr-FR" dirty="0"/>
+              <a:t>Outils, technologies</a:t>
+            </a:r>
+          </a:p>
+          <a:p>
+            <a:r>
+              <a:rPr lang="fr-FR" dirty="0"/>
+              <a:t>Tâches de Romain</a:t>
+            </a:r>
+          </a:p>
+          <a:p>
+            <a:r>
+              <a:rPr lang="fr-FR" dirty="0"/>
+              <a:t>Tâches de Mohamed</a:t>
+            </a:r>
+          </a:p>
+          <a:p>
+            <a:r>
+              <a:rPr lang="fr-FR" dirty="0"/>
+              <a:t>Tâches de Gaël</a:t>
+            </a:r>
+          </a:p>
+          <a:p>
+            <a:r>
+              <a:rPr lang="fr-FR" dirty="0"/>
+              <a:t>Tâches de </a:t>
+            </a:r>
+            <a:r>
+              <a:rPr lang="fr-FR" dirty="0" err="1"/>
+              <a:t>Yanice</a:t>
+            </a:r>
+            <a:endParaRPr lang="fr-FR" dirty="0"/>
+          </a:p>
+          <a:p>
+            <a:r>
+              <a:rPr lang="fr-FR" dirty="0"/>
+              <a:t>Démo</a:t>
+            </a:r>
+          </a:p>
+          <a:p>
+            <a:endParaRPr lang="fr-FR" dirty="0"/>
+          </a:p>
+        </p:txBody>
+      </p:sp>
+    </p:spTree>
+    <p:extLst>
+      <p:ext uri="{BB962C8B-B14F-4D97-AF65-F5344CB8AC3E}">
+        <p14:creationId xmlns:p14="http://schemas.microsoft.com/office/powerpoint/2010/main" val="3805287657"/>
+      </p:ext>
+    </p:extLst>
+  </p:cSld>
+  <p:clrMapOvr>
+    <a:masterClrMapping/>
+  </p:clrMapOvr>
+  <p:timing>
+    <p:tnLst>
+      <p:par>
+        <p:cTn id="1" dur="indefinite" restart="never" nodeType="tmRoot"/>
+      </p:par>
+    </p:tnLst>
+  </p:timing>
+</p:sld>
+</file>
+
+<file path=ppt/slides/slide20.xml><?xml version="1.0" encoding="utf-8"?>
 <p:sld xmlns:a="http://schemas.openxmlformats.org/drawingml/2006/main" xmlns:r="http://schemas.openxmlformats.org/officeDocument/2006/relationships" xmlns:p="http://schemas.openxmlformats.org/presentationml/2006/main">
   <p:cSld>
     <p:spTree>
@@ -8164,7 +8220,7 @@
 </p:sld>
 </file>
 
-<file path=ppt/slides/slide22.xml><?xml version="1.0" encoding="utf-8"?>
+<file path=ppt/slides/slide21.xml><?xml version="1.0" encoding="utf-8"?>
 <p:sld xmlns:a="http://schemas.openxmlformats.org/drawingml/2006/main" xmlns:r="http://schemas.openxmlformats.org/officeDocument/2006/relationships" xmlns:p="http://schemas.openxmlformats.org/presentationml/2006/main">
   <p:cSld>
     <p:spTree>
@@ -8301,7 +8357,7 @@
 </p:sld>
 </file>
 
-<file path=ppt/slides/slide23.xml><?xml version="1.0" encoding="utf-8"?>
+<file path=ppt/slides/slide22.xml><?xml version="1.0" encoding="utf-8"?>
 <p:sld xmlns:a="http://schemas.openxmlformats.org/drawingml/2006/main" xmlns:r="http://schemas.openxmlformats.org/officeDocument/2006/relationships" xmlns:p="http://schemas.openxmlformats.org/presentationml/2006/main">
   <p:cSld>
     <p:spTree>
@@ -8560,7 +8616,7 @@
 </p:sld>
 </file>
 
-<file path=ppt/slides/slide24.xml><?xml version="1.0" encoding="utf-8"?>
+<file path=ppt/slides/slide23.xml><?xml version="1.0" encoding="utf-8"?>
 <p:sld xmlns:a="http://schemas.openxmlformats.org/drawingml/2006/main" xmlns:r="http://schemas.openxmlformats.org/officeDocument/2006/relationships" xmlns:p="http://schemas.openxmlformats.org/presentationml/2006/main">
   <p:cSld>
     <p:spTree>
@@ -8945,7 +9001,7 @@
 </p:sld>
 </file>
 
-<file path=ppt/slides/slide25.xml><?xml version="1.0" encoding="utf-8"?>
+<file path=ppt/slides/slide24.xml><?xml version="1.0" encoding="utf-8"?>
 <p:sld xmlns:a="http://schemas.openxmlformats.org/drawingml/2006/main" xmlns:r="http://schemas.openxmlformats.org/officeDocument/2006/relationships" xmlns:p="http://schemas.openxmlformats.org/presentationml/2006/main">
   <p:cSld>
     <p:spTree>
@@ -9351,7 +9407,7 @@
 </p:sld>
 </file>
 
-<file path=ppt/slides/slide26.xml><?xml version="1.0" encoding="utf-8"?>
+<file path=ppt/slides/slide25.xml><?xml version="1.0" encoding="utf-8"?>
 <p:sld xmlns:a="http://schemas.openxmlformats.org/drawingml/2006/main" xmlns:r="http://schemas.openxmlformats.org/officeDocument/2006/relationships" xmlns:p="http://schemas.openxmlformats.org/presentationml/2006/main">
   <p:cSld>
     <p:spTree>
@@ -9476,7 +9532,7 @@
 </p:sld>
 </file>
 
-<file path=ppt/slides/slide27.xml><?xml version="1.0" encoding="utf-8"?>
+<file path=ppt/slides/slide26.xml><?xml version="1.0" encoding="utf-8"?>
 <p:sld xmlns:a="http://schemas.openxmlformats.org/drawingml/2006/main" xmlns:r="http://schemas.openxmlformats.org/officeDocument/2006/relationships" xmlns:p="http://schemas.openxmlformats.org/presentationml/2006/main">
   <p:cSld>
     <p:spTree>
